--- a/public/templates/report_template.pptx
+++ b/public/templates/report_template.pptx
@@ -11,11 +11,11 @@
   <p:notesSz cx="6858000" cy="9144000"/>
   <p:embeddedFontLst>
     <p:embeddedFont>
-      <p:font typeface="Cairo Semi-Bold" charset="1" panose="00000700000000000000"/>
+      <p:font typeface="Cairo Bold" charset="1" panose="00000800000000000000"/>
       <p:regular r:id="rId7"/>
     </p:embeddedFont>
     <p:embeddedFont>
-      <p:font typeface="Cairo Bold" charset="1" panose="00000800000000000000"/>
+      <p:font typeface="Cairo Semi-Bold" charset="1" panose="00000700000000000000"/>
       <p:regular r:id="rId8"/>
     </p:embeddedFont>
     <p:embeddedFont>
@@ -3127,7 +3127,7 @@
         </p:nvSpPr>
         <p:spPr>
           <a:xfrm flipH="false" flipV="false" rot="0">
-            <a:off x="407784" y="2662323"/>
+            <a:off x="391815" y="2675582"/>
             <a:ext cx="6674063" cy="4349477"/>
           </a:xfrm>
           <a:custGeom>
@@ -3171,131 +3171,9 @@
           </a:blipFill>
         </p:spPr>
       </p:sp>
-      <p:sp>
-        <p:nvSpPr>
-          <p:cNvPr name="Freeform 4" id="4"/>
-          <p:cNvSpPr/>
-          <p:nvPr/>
-        </p:nvSpPr>
-        <p:spPr>
-          <a:xfrm flipH="false" flipV="false" rot="0">
-            <a:off x="1082688" y="7139359"/>
-            <a:ext cx="955310" cy="955310"/>
-          </a:xfrm>
-          <a:custGeom>
-            <a:avLst/>
-            <a:gdLst/>
-            <a:ahLst/>
-            <a:cxnLst/>
-            <a:rect r="r" b="b" t="t" l="l"/>
-            <a:pathLst>
-              <a:path h="955310" w="955310">
-                <a:moveTo>
-                  <a:pt x="0" y="0"/>
-                </a:moveTo>
-                <a:lnTo>
-                  <a:pt x="955310" y="0"/>
-                </a:lnTo>
-                <a:lnTo>
-                  <a:pt x="955310" y="955310"/>
-                </a:lnTo>
-                <a:lnTo>
-                  <a:pt x="0" y="955310"/>
-                </a:lnTo>
-                <a:lnTo>
-                  <a:pt x="0" y="0"/>
-                </a:lnTo>
-                <a:close/>
-              </a:path>
-            </a:pathLst>
-          </a:custGeom>
-          <a:blipFill>
-            <a:blip r:embed="rId5"/>
-            <a:stretch>
-              <a:fillRect l="0" t="0" r="0" b="0"/>
-            </a:stretch>
-          </a:blipFill>
-        </p:spPr>
-      </p:sp>
-      <p:pic>
-        <p:nvPicPr>
-          <p:cNvPr name="Picture 5" id="5"/>
-          <p:cNvPicPr>
-            <a:picLocks noChangeAspect="true"/>
-          </p:cNvPicPr>
-          <p:nvPr/>
-        </p:nvPicPr>
-        <p:blipFill>
-          <a:blip r:embed="rId6"/>
-          <a:stretch>
-            <a:fillRect/>
-          </a:stretch>
-        </p:blipFill>
-        <p:spPr>
-          <a:xfrm rot="0">
-            <a:off x="1096683" y="7083880"/>
-            <a:ext cx="1002574" cy="1002574"/>
-          </a:xfrm>
-          <a:prstGeom prst="rect">
-            <a:avLst/>
-          </a:prstGeom>
-        </p:spPr>
-      </p:pic>
-      <p:sp>
-        <p:nvSpPr>
-          <p:cNvPr name="Freeform 6" id="6"/>
-          <p:cNvSpPr/>
-          <p:nvPr/>
-        </p:nvSpPr>
-        <p:spPr>
-          <a:xfrm flipH="false" flipV="false" rot="0">
-            <a:off x="792909" y="8680590"/>
-            <a:ext cx="1547603" cy="9525"/>
-          </a:xfrm>
-          <a:custGeom>
-            <a:avLst/>
-            <a:gdLst/>
-            <a:ahLst/>
-            <a:cxnLst/>
-            <a:rect r="r" b="b" t="t" l="l"/>
-            <a:pathLst>
-              <a:path h="9525" w="1547603">
-                <a:moveTo>
-                  <a:pt x="0" y="0"/>
-                </a:moveTo>
-                <a:lnTo>
-                  <a:pt x="1547603" y="0"/>
-                </a:lnTo>
-                <a:lnTo>
-                  <a:pt x="1547603" y="9525"/>
-                </a:lnTo>
-                <a:lnTo>
-                  <a:pt x="0" y="9525"/>
-                </a:lnTo>
-                <a:lnTo>
-                  <a:pt x="0" y="0"/>
-                </a:lnTo>
-                <a:close/>
-              </a:path>
-            </a:pathLst>
-          </a:custGeom>
-          <a:blipFill>
-            <a:blip r:embed="rId7">
-              <a:extLst>
-                <a:ext uri="{96DAC541-7B7A-43D3-8B79-37D633B846F1}">
-                  <asvg:svgBlip xmlns:asvg="http://schemas.microsoft.com/office/drawing/2016/SVG/main" r:embed="rId8"/>
-                </a:ext>
-              </a:extLst>
-            </a:blip>
-            <a:stretch>
-              <a:fillRect l="0" t="0" r="0" b="0"/>
-            </a:stretch>
-          </a:blipFill>
-        </p:spPr>
-      </p:sp>
       <p:grpSp>
         <p:nvGrpSpPr>
-          <p:cNvPr name="Group 7" id="7"/>
+          <p:cNvPr name="Group 4" id="4"/>
           <p:cNvGrpSpPr>
             <a:grpSpLocks noChangeAspect="true"/>
           </p:cNvGrpSpPr>
@@ -3303,7 +3181,7 @@
         </p:nvGrpSpPr>
         <p:grpSpPr>
           <a:xfrm rot="0">
-            <a:off x="3935882" y="7171201"/>
+            <a:off x="3728846" y="7052805"/>
             <a:ext cx="19107" cy="1566710"/>
             <a:chOff x="0" y="0"/>
             <a:chExt cx="19101" cy="1566710"/>
@@ -3311,7 +3189,7 @@
         </p:grpSpPr>
         <p:sp>
           <p:nvSpPr>
-            <p:cNvPr name="Freeform 8" id="8"/>
+            <p:cNvPr name="Freeform 5" id="5"/>
             <p:cNvSpPr/>
             <p:nvPr/>
           </p:nvSpPr>
@@ -3352,14 +3230,14 @@
       </p:grpSp>
       <p:sp>
         <p:nvSpPr>
-          <p:cNvPr name="Freeform 9" id="9"/>
+          <p:cNvPr name="Freeform 6" id="6"/>
           <p:cNvSpPr/>
           <p:nvPr/>
         </p:nvSpPr>
         <p:spPr>
           <a:xfrm flipH="false" flipV="false" rot="0">
-            <a:off x="5746776" y="7184829"/>
-            <a:ext cx="756218" cy="818077"/>
+            <a:off x="5624922" y="7139359"/>
+            <a:ext cx="965935" cy="863547"/>
           </a:xfrm>
           <a:custGeom>
             <a:avLst/>
@@ -3368,18 +3246,18 @@
             <a:cxnLst/>
             <a:rect r="r" b="b" t="t" l="l"/>
             <a:pathLst>
-              <a:path h="818077" w="756218">
+              <a:path h="863547" w="965935">
                 <a:moveTo>
                   <a:pt x="0" y="0"/>
                 </a:moveTo>
                 <a:lnTo>
-                  <a:pt x="756218" y="0"/>
+                  <a:pt x="965934" y="0"/>
                 </a:lnTo>
                 <a:lnTo>
-                  <a:pt x="756218" y="818077"/>
+                  <a:pt x="965934" y="863547"/>
                 </a:lnTo>
                 <a:lnTo>
-                  <a:pt x="0" y="818077"/>
+                  <a:pt x="0" y="863547"/>
                 </a:lnTo>
                 <a:lnTo>
                   <a:pt x="0" y="0"/>
@@ -3389,16 +3267,16 @@
             </a:pathLst>
           </a:custGeom>
           <a:blipFill>
-            <a:blip r:embed="rId9"/>
+            <a:blip r:embed="rId5"/>
             <a:stretch>
-              <a:fillRect l="-4090" t="0" r="-4090" b="0"/>
+              <a:fillRect l="-1002" t="0" r="-989" b="-3390"/>
             </a:stretch>
           </a:blipFill>
         </p:spPr>
       </p:sp>
       <p:sp>
         <p:nvSpPr>
-          <p:cNvPr name="Freeform 10" id="10"/>
+          <p:cNvPr name="Freeform 7" id="7"/>
           <p:cNvSpPr/>
           <p:nvPr/>
         </p:nvSpPr>
@@ -3435,7 +3313,7 @@
             </a:pathLst>
           </a:custGeom>
           <a:blipFill>
-            <a:blip r:embed="rId10"/>
+            <a:blip r:embed="rId6"/>
             <a:stretch>
               <a:fillRect l="0" t="0" r="0" b="0"/>
             </a:stretch>
@@ -3444,7 +3322,7 @@
       </p:sp>
       <p:sp>
         <p:nvSpPr>
-          <p:cNvPr name="Freeform 11" id="11"/>
+          <p:cNvPr name="Freeform 8" id="8"/>
           <p:cNvSpPr/>
           <p:nvPr/>
         </p:nvSpPr>
@@ -3481,7 +3359,7 @@
             </a:pathLst>
           </a:custGeom>
           <a:blipFill>
-            <a:blip r:embed="rId11"/>
+            <a:blip r:embed="rId7"/>
             <a:stretch>
               <a:fillRect l="0" t="0" r="0" b="0"/>
             </a:stretch>
@@ -3490,7 +3368,7 @@
       </p:sp>
       <p:sp>
         <p:nvSpPr>
-          <p:cNvPr name="Freeform 12" id="12"/>
+          <p:cNvPr name="Freeform 9" id="9"/>
           <p:cNvSpPr/>
           <p:nvPr/>
         </p:nvSpPr>
@@ -3527,47 +3405,69 @@
             </a:pathLst>
           </a:custGeom>
           <a:blipFill>
-            <a:blip r:embed="rId12"/>
+            <a:blip r:embed="rId8"/>
             <a:stretch>
               <a:fillRect l="0" t="0" r="0" b="0"/>
             </a:stretch>
           </a:blipFill>
         </p:spPr>
       </p:sp>
-      <p:pic>
-        <p:nvPicPr>
-          <p:cNvPr name="Picture 13" id="13"/>
-          <p:cNvPicPr>
-            <a:picLocks noChangeAspect="true"/>
-          </p:cNvPicPr>
-          <p:nvPr/>
-        </p:nvPicPr>
-        <p:blipFill>
-          <a:blip r:embed="rId13"/>
-          <a:stretch>
-            <a:fillRect/>
-          </a:stretch>
-        </p:blipFill>
+      <p:sp>
+        <p:nvSpPr>
+          <p:cNvPr name="Freeform 10" id="10"/>
+          <p:cNvSpPr/>
+          <p:nvPr/>
+        </p:nvSpPr>
+        <p:spPr>
+          <a:xfrm flipH="false" flipV="false" rot="0">
+            <a:off x="1081661" y="7244134"/>
+            <a:ext cx="732210" cy="732210"/>
+          </a:xfrm>
+          <a:custGeom>
+            <a:avLst/>
+            <a:gdLst/>
+            <a:ahLst/>
+            <a:cxnLst/>
+            <a:rect r="r" b="b" t="t" l="l"/>
+            <a:pathLst>
+              <a:path h="732210" w="732210">
+                <a:moveTo>
+                  <a:pt x="0" y="0"/>
+                </a:moveTo>
+                <a:lnTo>
+                  <a:pt x="732211" y="0"/>
+                </a:lnTo>
+                <a:lnTo>
+                  <a:pt x="732211" y="732210"/>
+                </a:lnTo>
+                <a:lnTo>
+                  <a:pt x="0" y="732210"/>
+                </a:lnTo>
+                <a:lnTo>
+                  <a:pt x="0" y="0"/>
+                </a:lnTo>
+                <a:close/>
+              </a:path>
+            </a:pathLst>
+          </a:custGeom>
+          <a:blipFill>
+            <a:blip r:embed="rId9"/>
+            <a:stretch>
+              <a:fillRect l="0" t="0" r="0" b="0"/>
+            </a:stretch>
+          </a:blipFill>
+        </p:spPr>
+      </p:sp>
+      <p:sp>
+        <p:nvSpPr>
+          <p:cNvPr name="TextBox 11" id="11"/>
+          <p:cNvSpPr txBox="true"/>
+          <p:nvPr/>
+        </p:nvSpPr>
         <p:spPr>
           <a:xfrm rot="0">
-            <a:off x="1097060" y="7088030"/>
-            <a:ext cx="998046" cy="998046"/>
-          </a:xfrm>
-          <a:prstGeom prst="rect">
-            <a:avLst/>
-          </a:prstGeom>
-        </p:spPr>
-      </p:pic>
-      <p:sp>
-        <p:nvSpPr>
-          <p:cNvPr name="TextBox 14" id="14"/>
-          <p:cNvSpPr txBox="true"/>
-          <p:nvPr/>
-        </p:nvSpPr>
-        <p:spPr>
-          <a:xfrm rot="0">
-            <a:off x="938608" y="8514740"/>
-            <a:ext cx="1595666" cy="219955"/>
+            <a:off x="350282" y="9056084"/>
+            <a:ext cx="1665427" cy="420240"/>
           </a:xfrm>
           <a:prstGeom prst="rect">
             <a:avLst/>
@@ -3585,42 +3485,201 @@
               </a:lnSpc>
             </a:pPr>
             <a:r>
-              <a:rPr lang="en-US" b="true" sz="802" spc="3">
-                <a:solidFill>
-                  <a:srgbClr val="0000EE"/>
+              <a:rPr lang="en-US" b="true" sz="802" spc="2">
+                <a:solidFill>
+                  <a:srgbClr val="000000"/>
+                </a:solidFill>
+                <a:latin typeface="Cairo Bold"/>
+                <a:ea typeface="Cairo Bold"/>
+                <a:cs typeface="Cairo Bold"/>
+                <a:sym typeface="Cairo Bold"/>
+              </a:rPr>
+              <a:t>11</a:t>
+            </a:r>
+            <a:r>
+              <a:rPr lang="en-US" b="true" sz="802" spc="2">
+                <a:solidFill>
+                  <a:srgbClr val="000000"/>
+                </a:solidFill>
+                <a:latin typeface="Cairo Bold"/>
+                <a:ea typeface="Cairo Bold"/>
+                <a:cs typeface="Cairo Bold"/>
+                <a:sym typeface="Cairo Bold"/>
+              </a:rPr>
+              <a:t>:50 AM</a:t>
+            </a:r>
+          </a:p>
+          <a:p>
+            <a:pPr algn="l">
+              <a:lnSpc>
+                <a:spcPts val="1103"/>
+              </a:lnSpc>
+            </a:pPr>
+            <a:r>
+              <a:rPr lang="en-US" b="true" sz="802" spc="2">
+                <a:solidFill>
+                  <a:srgbClr val="000000"/>
+                </a:solidFill>
+                <a:latin typeface="Cairo Bold"/>
+                <a:ea typeface="Cairo Bold"/>
+                <a:cs typeface="Cairo Bold"/>
+                <a:sym typeface="Cairo Bold"/>
+              </a:rPr>
+              <a:t>Sunday</a:t>
+            </a:r>
+            <a:r>
+              <a:rPr lang="en-US" b="true" sz="802" spc="2">
+                <a:solidFill>
+                  <a:srgbClr val="000000"/>
+                </a:solidFill>
+                <a:latin typeface="Cairo Bold"/>
+                <a:ea typeface="Cairo Bold"/>
+                <a:cs typeface="Cairo Bold"/>
+                <a:sym typeface="Cairo Bold"/>
+              </a:rPr>
+              <a:t>, 26 October 2025</a:t>
+            </a:r>
+          </a:p>
+        </p:txBody>
+      </p:sp>
+      <p:sp>
+        <p:nvSpPr>
+          <p:cNvPr name="TextBox 12" id="12"/>
+          <p:cNvSpPr txBox="true"/>
+          <p:nvPr/>
+        </p:nvSpPr>
+        <p:spPr>
+          <a:xfrm rot="0">
+            <a:off x="2143723" y="1645177"/>
+            <a:ext cx="3305417" cy="849747"/>
+          </a:xfrm>
+          <a:prstGeom prst="rect">
+            <a:avLst/>
+          </a:prstGeom>
+        </p:spPr>
+        <p:txBody>
+          <a:bodyPr anchor="t" rtlCol="false" tIns="0" lIns="0" bIns="0" rIns="0">
+            <a:spAutoFit/>
+          </a:bodyPr>
+          <a:lstStyle/>
+          <a:p>
+            <a:pPr algn="ctr" rtl="true">
+              <a:lnSpc>
+                <a:spcPts val="3560"/>
+              </a:lnSpc>
+            </a:pPr>
+            <a:r>
+              <a:rPr lang="ar-EG" b="true" sz="1855" spc="12">
+                <a:solidFill>
+                  <a:srgbClr val="3A74B9"/>
+                </a:solidFill>
+                <a:latin typeface="Cairo Bold"/>
+                <a:ea typeface="Cairo Bold"/>
+                <a:cs typeface="Cairo Bold"/>
+                <a:sym typeface="Cairo Bold"/>
+                <a:rtl val="true"/>
+              </a:rPr>
+              <a:t>ﺗﻘﺮﻳﺮ إﺟﺎزة ﻣﺮﺿﻴﺔ</a:t>
+            </a:r>
+            <a:r>
+              <a:rPr lang="ar-EG" b="true" sz="1855" spc="12">
+                <a:solidFill>
+                  <a:srgbClr val="000000"/>
+                </a:solidFill>
+                <a:latin typeface="Cairo Bold"/>
+                <a:ea typeface="Cairo Bold"/>
+                <a:cs typeface="Cairo Bold"/>
+                <a:sym typeface="Cairo Bold"/>
+                <a:rtl val="true"/>
+              </a:rPr>
+              <a:t> </a:t>
+            </a:r>
+          </a:p>
+          <a:p>
+            <a:pPr algn="ctr" rtl="true">
+              <a:lnSpc>
+                <a:spcPts val="3560"/>
+              </a:lnSpc>
+            </a:pPr>
+            <a:r>
+              <a:rPr lang="ar-EG" b="true" sz="1855" spc="12">
+                <a:solidFill>
+                  <a:srgbClr val="000000"/>
+                </a:solidFill>
+                <a:latin typeface="Cairo Bold"/>
+                <a:ea typeface="Cairo Bold"/>
+                <a:cs typeface="Cairo Bold"/>
+                <a:sym typeface="Cairo Bold"/>
+                <a:rtl val="true"/>
+              </a:rPr>
+              <a:t> </a:t>
+            </a:r>
+            <a:r>
+              <a:rPr lang="en-US" b="true" sz="1855" spc="12">
+                <a:solidFill>
+                  <a:srgbClr val="2C3E77"/>
+                </a:solidFill>
+                <a:latin typeface="Cairo Bold"/>
+                <a:ea typeface="Cairo Bold"/>
+                <a:cs typeface="Cairo Bold"/>
+                <a:sym typeface="Cairo Bold"/>
+              </a:rPr>
+              <a:t>Sick Leave Report</a:t>
+            </a:r>
+          </a:p>
+        </p:txBody>
+      </p:sp>
+      <p:sp>
+        <p:nvSpPr>
+          <p:cNvPr name="TextBox 13" id="13"/>
+          <p:cNvSpPr txBox="true"/>
+          <p:nvPr/>
+        </p:nvSpPr>
+        <p:spPr>
+          <a:xfrm rot="0">
+            <a:off x="745141" y="2769936"/>
+            <a:ext cx="396783" cy="226981"/>
+          </a:xfrm>
+          <a:prstGeom prst="rect">
+            <a:avLst/>
+          </a:prstGeom>
+        </p:spPr>
+        <p:txBody>
+          <a:bodyPr anchor="t" rtlCol="false" tIns="0" lIns="0" bIns="0" rIns="0">
+            <a:spAutoFit/>
+          </a:bodyPr>
+          <a:lstStyle/>
+          <a:p>
+            <a:pPr algn="l">
+              <a:lnSpc>
+                <a:spcPts val="2131"/>
+              </a:lnSpc>
+            </a:pPr>
+            <a:r>
+              <a:rPr lang="en-US" b="true" sz="852" spc="2">
+                <a:solidFill>
+                  <a:srgbClr val="366FB5"/>
                 </a:solidFill>
                 <a:latin typeface="Cairo Semi-Bold"/>
                 <a:ea typeface="Cairo Semi-Bold"/>
                 <a:cs typeface="Cairo Semi-Bold"/>
                 <a:sym typeface="Cairo Semi-Bold"/>
               </a:rPr>
-              <a:t>https://</a:t>
-            </a:r>
-            <a:r>
-              <a:rPr lang="en-US" b="true" sz="802" spc="3">
-                <a:solidFill>
-                  <a:srgbClr val="0000EE"/>
-                </a:solidFill>
-                <a:latin typeface="Cairo Semi-Bold"/>
-                <a:ea typeface="Cairo Semi-Bold"/>
-                <a:cs typeface="Cairo Semi-Bold"/>
-                <a:sym typeface="Cairo Semi-Bold"/>
-              </a:rPr>
-              <a:t>www.satha.kesug.com</a:t>
-            </a:r>
-          </a:p>
-        </p:txBody>
-      </p:sp>
-      <p:sp>
-        <p:nvSpPr>
-          <p:cNvPr name="TextBox 15" id="15"/>
+              <a:t>Leave ID</a:t>
+            </a:r>
+          </a:p>
+        </p:txBody>
+      </p:sp>
+      <p:sp>
+        <p:nvSpPr>
+          <p:cNvPr name="TextBox 14" id="14"/>
           <p:cNvSpPr txBox="true"/>
           <p:nvPr/>
         </p:nvSpPr>
         <p:spPr>
           <a:xfrm rot="0">
-            <a:off x="350282" y="9056084"/>
-            <a:ext cx="1665427" cy="420240"/>
+            <a:off x="1369276" y="2801979"/>
+            <a:ext cx="22660" cy="219799"/>
           </a:xfrm>
           <a:prstGeom prst="rect">
             <a:avLst/>
@@ -3642,69 +3701,26 @@
                 <a:solidFill>
                   <a:srgbClr val="000000"/>
                 </a:solidFill>
-                <a:latin typeface="Cairo Bold"/>
-                <a:ea typeface="Cairo Bold"/>
-                <a:cs typeface="Cairo Bold"/>
-                <a:sym typeface="Cairo Bold"/>
-              </a:rPr>
-              <a:t>10</a:t>
-            </a:r>
-            <a:r>
-              <a:rPr lang="en-US" b="true" sz="802" spc="2">
-                <a:solidFill>
-                  <a:srgbClr val="000000"/>
-                </a:solidFill>
-                <a:latin typeface="Cairo Bold"/>
-                <a:ea typeface="Cairo Bold"/>
-                <a:cs typeface="Cairo Bold"/>
-                <a:sym typeface="Cairo Bold"/>
-              </a:rPr>
-              <a:t>:18 AM</a:t>
-            </a:r>
-          </a:p>
-          <a:p>
-            <a:pPr algn="l">
-              <a:lnSpc>
-                <a:spcPts val="1103"/>
-              </a:lnSpc>
-            </a:pPr>
-            <a:r>
-              <a:rPr lang="en-US" b="true" sz="802" spc="2">
-                <a:solidFill>
-                  <a:srgbClr val="000000"/>
-                </a:solidFill>
-                <a:latin typeface="Cairo Bold"/>
-                <a:ea typeface="Cairo Bold"/>
-                <a:cs typeface="Cairo Bold"/>
-                <a:sym typeface="Cairo Bold"/>
-              </a:rPr>
-              <a:t>Sunday</a:t>
-            </a:r>
-            <a:r>
-              <a:rPr lang="en-US" b="true" sz="802" spc="2">
-                <a:solidFill>
-                  <a:srgbClr val="000000"/>
-                </a:solidFill>
-                <a:latin typeface="Cairo Bold"/>
-                <a:ea typeface="Cairo Bold"/>
-                <a:cs typeface="Cairo Bold"/>
-                <a:sym typeface="Cairo Bold"/>
-              </a:rPr>
-              <a:t>, 20 April 2025</a:t>
-            </a:r>
-          </a:p>
-        </p:txBody>
-      </p:sp>
-      <p:sp>
-        <p:nvSpPr>
-          <p:cNvPr name="TextBox 16" id="16"/>
+                <a:latin typeface="Cairo Semi-Bold"/>
+                <a:ea typeface="Cairo Semi-Bold"/>
+                <a:cs typeface="Cairo Semi-Bold"/>
+                <a:sym typeface="Cairo Semi-Bold"/>
+              </a:rPr>
+              <a:t> </a:t>
+            </a:r>
+          </a:p>
+        </p:txBody>
+      </p:sp>
+      <p:sp>
+        <p:nvSpPr>
+          <p:cNvPr name="TextBox 15" id="15"/>
           <p:cNvSpPr txBox="true"/>
           <p:nvPr/>
         </p:nvSpPr>
         <p:spPr>
           <a:xfrm rot="0">
-            <a:off x="2830906" y="1645177"/>
-            <a:ext cx="1931051" cy="849747"/>
+            <a:off x="557874" y="3135801"/>
+            <a:ext cx="705269" cy="226981"/>
           </a:xfrm>
           <a:prstGeom prst="rect">
             <a:avLst/>
@@ -3716,15 +3732,871 @@
           </a:bodyPr>
           <a:lstStyle/>
           <a:p>
-            <a:pPr algn="ctr" rtl="true">
+            <a:pPr algn="l">
               <a:lnSpc>
-                <a:spcPts val="3560"/>
+                <a:spcPts val="2131"/>
               </a:lnSpc>
             </a:pPr>
             <a:r>
-              <a:rPr lang="ar-EG" b="true" sz="1855" spc="12">
-                <a:solidFill>
-                  <a:srgbClr val="3A74B9"/>
+              <a:rPr lang="en-US" b="true" sz="852" spc="2">
+                <a:solidFill>
+                  <a:srgbClr val="FFFFFF"/>
+                </a:solidFill>
+                <a:latin typeface="Cairo Semi-Bold"/>
+                <a:ea typeface="Cairo Semi-Bold"/>
+                <a:cs typeface="Cairo Semi-Bold"/>
+                <a:sym typeface="Cairo Semi-Bold"/>
+              </a:rPr>
+              <a:t>Leave Duration</a:t>
+            </a:r>
+          </a:p>
+        </p:txBody>
+      </p:sp>
+      <p:sp>
+        <p:nvSpPr>
+          <p:cNvPr name="TextBox 16" id="16"/>
+          <p:cNvSpPr txBox="true"/>
+          <p:nvPr/>
+        </p:nvSpPr>
+        <p:spPr>
+          <a:xfrm rot="0">
+            <a:off x="1366095" y="3184103"/>
+            <a:ext cx="22660" cy="219799"/>
+          </a:xfrm>
+          <a:prstGeom prst="rect">
+            <a:avLst/>
+          </a:prstGeom>
+        </p:spPr>
+        <p:txBody>
+          <a:bodyPr anchor="t" rtlCol="false" tIns="0" lIns="0" bIns="0" rIns="0">
+            <a:spAutoFit/>
+          </a:bodyPr>
+          <a:lstStyle/>
+          <a:p>
+            <a:pPr algn="l">
+              <a:lnSpc>
+                <a:spcPts val="2005"/>
+              </a:lnSpc>
+            </a:pPr>
+            <a:r>
+              <a:rPr lang="en-US" b="true" sz="802" spc="2">
+                <a:solidFill>
+                  <a:srgbClr val="000000"/>
+                </a:solidFill>
+                <a:latin typeface="Cairo Semi-Bold"/>
+                <a:ea typeface="Cairo Semi-Bold"/>
+                <a:cs typeface="Cairo Semi-Bold"/>
+                <a:sym typeface="Cairo Semi-Bold"/>
+              </a:rPr>
+              <a:t> </a:t>
+            </a:r>
+          </a:p>
+        </p:txBody>
+      </p:sp>
+      <p:sp>
+        <p:nvSpPr>
+          <p:cNvPr name="TextBox 17" id="17"/>
+          <p:cNvSpPr txBox="true"/>
+          <p:nvPr/>
+        </p:nvSpPr>
+        <p:spPr>
+          <a:xfrm rot="0">
+            <a:off x="552493" y="3518202"/>
+            <a:ext cx="824932" cy="226981"/>
+          </a:xfrm>
+          <a:prstGeom prst="rect">
+            <a:avLst/>
+          </a:prstGeom>
+        </p:spPr>
+        <p:txBody>
+          <a:bodyPr anchor="t" rtlCol="false" tIns="0" lIns="0" bIns="0" rIns="0">
+            <a:spAutoFit/>
+          </a:bodyPr>
+          <a:lstStyle/>
+          <a:p>
+            <a:pPr algn="l">
+              <a:lnSpc>
+                <a:spcPts val="2131"/>
+              </a:lnSpc>
+            </a:pPr>
+            <a:r>
+              <a:rPr lang="en-US" b="true" sz="852" spc="3">
+                <a:solidFill>
+                  <a:srgbClr val="366FB5"/>
+                </a:solidFill>
+                <a:latin typeface="Cairo Semi-Bold"/>
+                <a:ea typeface="Cairo Semi-Bold"/>
+                <a:cs typeface="Cairo Semi-Bold"/>
+                <a:sym typeface="Cairo Semi-Bold"/>
+              </a:rPr>
+              <a:t>Admission Date</a:t>
+            </a:r>
+            <a:r>
+              <a:rPr lang="en-US" b="true" sz="852" spc="3">
+                <a:solidFill>
+                  <a:srgbClr val="000000"/>
+                </a:solidFill>
+                <a:latin typeface="Cairo Semi-Bold"/>
+                <a:ea typeface="Cairo Semi-Bold"/>
+                <a:cs typeface="Cairo Semi-Bold"/>
+                <a:sym typeface="Cairo Semi-Bold"/>
+              </a:rPr>
+              <a:t> </a:t>
+            </a:r>
+          </a:p>
+        </p:txBody>
+      </p:sp>
+      <p:sp>
+        <p:nvSpPr>
+          <p:cNvPr name="TextBox 18" id="18"/>
+          <p:cNvSpPr txBox="true"/>
+          <p:nvPr/>
+        </p:nvSpPr>
+        <p:spPr>
+          <a:xfrm rot="0">
+            <a:off x="543630" y="3897582"/>
+            <a:ext cx="709622" cy="226981"/>
+          </a:xfrm>
+          <a:prstGeom prst="rect">
+            <a:avLst/>
+          </a:prstGeom>
+        </p:spPr>
+        <p:txBody>
+          <a:bodyPr anchor="t" rtlCol="false" tIns="0" lIns="0" bIns="0" rIns="0">
+            <a:spAutoFit/>
+          </a:bodyPr>
+          <a:lstStyle/>
+          <a:p>
+            <a:pPr algn="l">
+              <a:lnSpc>
+                <a:spcPts val="2131"/>
+              </a:lnSpc>
+            </a:pPr>
+            <a:r>
+              <a:rPr lang="en-US" b="true" sz="852" spc="2">
+                <a:solidFill>
+                  <a:srgbClr val="366FB5"/>
+                </a:solidFill>
+                <a:latin typeface="Cairo Semi-Bold"/>
+                <a:ea typeface="Cairo Semi-Bold"/>
+                <a:cs typeface="Cairo Semi-Bold"/>
+                <a:sym typeface="Cairo Semi-Bold"/>
+              </a:rPr>
+              <a:t>Discharge Date</a:t>
+            </a:r>
+          </a:p>
+        </p:txBody>
+      </p:sp>
+      <p:sp>
+        <p:nvSpPr>
+          <p:cNvPr name="TextBox 19" id="19"/>
+          <p:cNvSpPr txBox="true"/>
+          <p:nvPr/>
+        </p:nvSpPr>
+        <p:spPr>
+          <a:xfrm rot="0">
+            <a:off x="1362913" y="3948351"/>
+            <a:ext cx="22660" cy="219799"/>
+          </a:xfrm>
+          <a:prstGeom prst="rect">
+            <a:avLst/>
+          </a:prstGeom>
+        </p:spPr>
+        <p:txBody>
+          <a:bodyPr anchor="t" rtlCol="false" tIns="0" lIns="0" bIns="0" rIns="0">
+            <a:spAutoFit/>
+          </a:bodyPr>
+          <a:lstStyle/>
+          <a:p>
+            <a:pPr algn="l">
+              <a:lnSpc>
+                <a:spcPts val="2005"/>
+              </a:lnSpc>
+            </a:pPr>
+            <a:r>
+              <a:rPr lang="en-US" b="true" sz="802" spc="2">
+                <a:solidFill>
+                  <a:srgbClr val="000000"/>
+                </a:solidFill>
+                <a:latin typeface="Cairo Semi-Bold"/>
+                <a:ea typeface="Cairo Semi-Bold"/>
+                <a:cs typeface="Cairo Semi-Bold"/>
+                <a:sym typeface="Cairo Semi-Bold"/>
+              </a:rPr>
+              <a:t> </a:t>
+            </a:r>
+          </a:p>
+        </p:txBody>
+      </p:sp>
+      <p:sp>
+        <p:nvSpPr>
+          <p:cNvPr name="TextBox 20" id="20"/>
+          <p:cNvSpPr txBox="true"/>
+          <p:nvPr/>
+        </p:nvSpPr>
+        <p:spPr>
+          <a:xfrm rot="0">
+            <a:off x="652234" y="4282173"/>
+            <a:ext cx="492414" cy="226981"/>
+          </a:xfrm>
+          <a:prstGeom prst="rect">
+            <a:avLst/>
+          </a:prstGeom>
+        </p:spPr>
+        <p:txBody>
+          <a:bodyPr anchor="t" rtlCol="false" tIns="0" lIns="0" bIns="0" rIns="0">
+            <a:spAutoFit/>
+          </a:bodyPr>
+          <a:lstStyle/>
+          <a:p>
+            <a:pPr algn="l">
+              <a:lnSpc>
+                <a:spcPts val="2131"/>
+              </a:lnSpc>
+            </a:pPr>
+            <a:r>
+              <a:rPr lang="en-US" b="true" sz="852" spc="2">
+                <a:solidFill>
+                  <a:srgbClr val="366FB5"/>
+                </a:solidFill>
+                <a:latin typeface="Cairo Semi-Bold"/>
+                <a:ea typeface="Cairo Semi-Bold"/>
+                <a:cs typeface="Cairo Semi-Bold"/>
+                <a:sym typeface="Cairo Semi-Bold"/>
+              </a:rPr>
+              <a:t>Issue Date</a:t>
+            </a:r>
+          </a:p>
+        </p:txBody>
+      </p:sp>
+      <p:sp>
+        <p:nvSpPr>
+          <p:cNvPr name="TextBox 21" id="21"/>
+          <p:cNvSpPr txBox="true"/>
+          <p:nvPr/>
+        </p:nvSpPr>
+        <p:spPr>
+          <a:xfrm rot="0">
+            <a:off x="1369276" y="4330475"/>
+            <a:ext cx="22660" cy="219799"/>
+          </a:xfrm>
+          <a:prstGeom prst="rect">
+            <a:avLst/>
+          </a:prstGeom>
+        </p:spPr>
+        <p:txBody>
+          <a:bodyPr anchor="t" rtlCol="false" tIns="0" lIns="0" bIns="0" rIns="0">
+            <a:spAutoFit/>
+          </a:bodyPr>
+          <a:lstStyle/>
+          <a:p>
+            <a:pPr algn="l">
+              <a:lnSpc>
+                <a:spcPts val="2005"/>
+              </a:lnSpc>
+            </a:pPr>
+            <a:r>
+              <a:rPr lang="en-US" b="true" sz="802" spc="2">
+                <a:solidFill>
+                  <a:srgbClr val="000000"/>
+                </a:solidFill>
+                <a:latin typeface="Cairo Semi-Bold"/>
+                <a:ea typeface="Cairo Semi-Bold"/>
+                <a:cs typeface="Cairo Semi-Bold"/>
+                <a:sym typeface="Cairo Semi-Bold"/>
+              </a:rPr>
+              <a:t> </a:t>
+            </a:r>
+          </a:p>
+        </p:txBody>
+      </p:sp>
+      <p:sp>
+        <p:nvSpPr>
+          <p:cNvPr name="TextBox 22" id="22"/>
+          <p:cNvSpPr txBox="true"/>
+          <p:nvPr/>
+        </p:nvSpPr>
+        <p:spPr>
+          <a:xfrm rot="0">
+            <a:off x="759114" y="4671184"/>
+            <a:ext cx="278654" cy="226981"/>
+          </a:xfrm>
+          <a:prstGeom prst="rect">
+            <a:avLst/>
+          </a:prstGeom>
+        </p:spPr>
+        <p:txBody>
+          <a:bodyPr anchor="t" rtlCol="false" tIns="0" lIns="0" bIns="0" rIns="0">
+            <a:spAutoFit/>
+          </a:bodyPr>
+          <a:lstStyle/>
+          <a:p>
+            <a:pPr algn="l">
+              <a:lnSpc>
+                <a:spcPts val="2131"/>
+              </a:lnSpc>
+            </a:pPr>
+            <a:r>
+              <a:rPr lang="en-US" b="true" sz="852" spc="4">
+                <a:solidFill>
+                  <a:srgbClr val="366FB5"/>
+                </a:solidFill>
+                <a:latin typeface="Cairo Semi-Bold"/>
+                <a:ea typeface="Cairo Semi-Bold"/>
+                <a:cs typeface="Cairo Semi-Bold"/>
+                <a:sym typeface="Cairo Semi-Bold"/>
+              </a:rPr>
+              <a:t>Name</a:t>
+            </a:r>
+          </a:p>
+        </p:txBody>
+      </p:sp>
+      <p:sp>
+        <p:nvSpPr>
+          <p:cNvPr name="TextBox 23" id="23"/>
+          <p:cNvSpPr txBox="true"/>
+          <p:nvPr/>
+        </p:nvSpPr>
+        <p:spPr>
+          <a:xfrm rot="0">
+            <a:off x="1369276" y="4712599"/>
+            <a:ext cx="22660" cy="219799"/>
+          </a:xfrm>
+          <a:prstGeom prst="rect">
+            <a:avLst/>
+          </a:prstGeom>
+        </p:spPr>
+        <p:txBody>
+          <a:bodyPr anchor="t" rtlCol="false" tIns="0" lIns="0" bIns="0" rIns="0">
+            <a:spAutoFit/>
+          </a:bodyPr>
+          <a:lstStyle/>
+          <a:p>
+            <a:pPr algn="l">
+              <a:lnSpc>
+                <a:spcPts val="2005"/>
+              </a:lnSpc>
+            </a:pPr>
+            <a:r>
+              <a:rPr lang="en-US" b="true" sz="802" spc="4">
+                <a:solidFill>
+                  <a:srgbClr val="000000"/>
+                </a:solidFill>
+                <a:latin typeface="Cairo Semi-Bold"/>
+                <a:ea typeface="Cairo Semi-Bold"/>
+                <a:cs typeface="Cairo Semi-Bold"/>
+                <a:sym typeface="Cairo Semi-Bold"/>
+              </a:rPr>
+              <a:t> </a:t>
+            </a:r>
+          </a:p>
+        </p:txBody>
+      </p:sp>
+      <p:sp>
+        <p:nvSpPr>
+          <p:cNvPr name="TextBox 24" id="24"/>
+          <p:cNvSpPr txBox="true"/>
+          <p:nvPr/>
+        </p:nvSpPr>
+        <p:spPr>
+          <a:xfrm rot="0">
+            <a:off x="557874" y="5075272"/>
+            <a:ext cx="889892" cy="192405"/>
+          </a:xfrm>
+          <a:prstGeom prst="rect">
+            <a:avLst/>
+          </a:prstGeom>
+        </p:spPr>
+        <p:txBody>
+          <a:bodyPr anchor="t" rtlCol="false" tIns="0" lIns="0" bIns="0" rIns="0">
+            <a:spAutoFit/>
+          </a:bodyPr>
+          <a:lstStyle/>
+          <a:p>
+            <a:pPr algn="l">
+              <a:lnSpc>
+                <a:spcPts val="1749"/>
+              </a:lnSpc>
+            </a:pPr>
+            <a:r>
+              <a:rPr lang="en-US" b="true" sz="699" spc="5">
+                <a:solidFill>
+                  <a:srgbClr val="366FB5"/>
+                </a:solidFill>
+                <a:latin typeface="Cairo Semi-Bold"/>
+                <a:ea typeface="Cairo Semi-Bold"/>
+                <a:cs typeface="Cairo Semi-Bold"/>
+                <a:sym typeface="Cairo Semi-Bold"/>
+              </a:rPr>
+              <a:t>National ID/Iqama</a:t>
+            </a:r>
+            <a:r>
+              <a:rPr lang="en-US" b="true" sz="699" spc="5">
+                <a:solidFill>
+                  <a:srgbClr val="000000"/>
+                </a:solidFill>
+                <a:latin typeface="Cairo Semi-Bold"/>
+                <a:ea typeface="Cairo Semi-Bold"/>
+                <a:cs typeface="Cairo Semi-Bold"/>
+                <a:sym typeface="Cairo Semi-Bold"/>
+              </a:rPr>
+              <a:t> </a:t>
+            </a:r>
+          </a:p>
+        </p:txBody>
+      </p:sp>
+      <p:sp>
+        <p:nvSpPr>
+          <p:cNvPr name="TextBox 25" id="25"/>
+          <p:cNvSpPr txBox="true"/>
+          <p:nvPr/>
+        </p:nvSpPr>
+        <p:spPr>
+          <a:xfrm rot="0">
+            <a:off x="652234" y="5445128"/>
+            <a:ext cx="513864" cy="226981"/>
+          </a:xfrm>
+          <a:prstGeom prst="rect">
+            <a:avLst/>
+          </a:prstGeom>
+        </p:spPr>
+        <p:txBody>
+          <a:bodyPr anchor="t" rtlCol="false" tIns="0" lIns="0" bIns="0" rIns="0">
+            <a:spAutoFit/>
+          </a:bodyPr>
+          <a:lstStyle/>
+          <a:p>
+            <a:pPr algn="l">
+              <a:lnSpc>
+                <a:spcPts val="2131"/>
+              </a:lnSpc>
+            </a:pPr>
+            <a:r>
+              <a:rPr lang="en-US" b="true" sz="852" spc="2">
+                <a:solidFill>
+                  <a:srgbClr val="366FB5"/>
+                </a:solidFill>
+                <a:latin typeface="Cairo Semi-Bold"/>
+                <a:ea typeface="Cairo Semi-Bold"/>
+                <a:cs typeface="Cairo Semi-Bold"/>
+                <a:sym typeface="Cairo Semi-Bold"/>
+              </a:rPr>
+              <a:t>Nationality</a:t>
+            </a:r>
+          </a:p>
+        </p:txBody>
+      </p:sp>
+      <p:sp>
+        <p:nvSpPr>
+          <p:cNvPr name="TextBox 26" id="26"/>
+          <p:cNvSpPr txBox="true"/>
+          <p:nvPr/>
+        </p:nvSpPr>
+        <p:spPr>
+          <a:xfrm rot="0">
+            <a:off x="1366095" y="5483219"/>
+            <a:ext cx="22660" cy="219799"/>
+          </a:xfrm>
+          <a:prstGeom prst="rect">
+            <a:avLst/>
+          </a:prstGeom>
+        </p:spPr>
+        <p:txBody>
+          <a:bodyPr anchor="t" rtlCol="false" tIns="0" lIns="0" bIns="0" rIns="0">
+            <a:spAutoFit/>
+          </a:bodyPr>
+          <a:lstStyle/>
+          <a:p>
+            <a:pPr algn="l">
+              <a:lnSpc>
+                <a:spcPts val="2005"/>
+              </a:lnSpc>
+            </a:pPr>
+            <a:r>
+              <a:rPr lang="en-US" b="true" sz="802" spc="2">
+                <a:solidFill>
+                  <a:srgbClr val="000000"/>
+                </a:solidFill>
+                <a:latin typeface="Cairo Semi-Bold"/>
+                <a:ea typeface="Cairo Semi-Bold"/>
+                <a:cs typeface="Cairo Semi-Bold"/>
+                <a:sym typeface="Cairo Semi-Bold"/>
+              </a:rPr>
+              <a:t> </a:t>
+            </a:r>
+          </a:p>
+        </p:txBody>
+      </p:sp>
+      <p:sp>
+        <p:nvSpPr>
+          <p:cNvPr name="TextBox 27" id="27"/>
+          <p:cNvSpPr txBox="true"/>
+          <p:nvPr/>
+        </p:nvSpPr>
+        <p:spPr>
+          <a:xfrm rot="0">
+            <a:off x="686324" y="5824509"/>
+            <a:ext cx="445684" cy="226981"/>
+          </a:xfrm>
+          <a:prstGeom prst="rect">
+            <a:avLst/>
+          </a:prstGeom>
+        </p:spPr>
+        <p:txBody>
+          <a:bodyPr anchor="t" rtlCol="false" tIns="0" lIns="0" bIns="0" rIns="0">
+            <a:spAutoFit/>
+          </a:bodyPr>
+          <a:lstStyle/>
+          <a:p>
+            <a:pPr algn="l">
+              <a:lnSpc>
+                <a:spcPts val="2131"/>
+              </a:lnSpc>
+            </a:pPr>
+            <a:r>
+              <a:rPr lang="en-US" b="true" sz="852" spc="3">
+                <a:solidFill>
+                  <a:srgbClr val="366FB5"/>
+                </a:solidFill>
+                <a:latin typeface="Cairo Semi-Bold"/>
+                <a:ea typeface="Cairo Semi-Bold"/>
+                <a:cs typeface="Cairo Semi-Bold"/>
+                <a:sym typeface="Cairo Semi-Bold"/>
+              </a:rPr>
+              <a:t>Employer</a:t>
+            </a:r>
+          </a:p>
+        </p:txBody>
+      </p:sp>
+      <p:sp>
+        <p:nvSpPr>
+          <p:cNvPr name="TextBox 28" id="28"/>
+          <p:cNvSpPr txBox="true"/>
+          <p:nvPr/>
+        </p:nvSpPr>
+        <p:spPr>
+          <a:xfrm rot="0">
+            <a:off x="1366095" y="5865343"/>
+            <a:ext cx="22660" cy="219799"/>
+          </a:xfrm>
+          <a:prstGeom prst="rect">
+            <a:avLst/>
+          </a:prstGeom>
+        </p:spPr>
+        <p:txBody>
+          <a:bodyPr anchor="t" rtlCol="false" tIns="0" lIns="0" bIns="0" rIns="0">
+            <a:spAutoFit/>
+          </a:bodyPr>
+          <a:lstStyle/>
+          <a:p>
+            <a:pPr algn="l">
+              <a:lnSpc>
+                <a:spcPts val="2005"/>
+              </a:lnSpc>
+            </a:pPr>
+            <a:r>
+              <a:rPr lang="en-US" b="true" sz="802" spc="3">
+                <a:solidFill>
+                  <a:srgbClr val="000000"/>
+                </a:solidFill>
+                <a:latin typeface="Cairo Semi-Bold"/>
+                <a:ea typeface="Cairo Semi-Bold"/>
+                <a:cs typeface="Cairo Semi-Bold"/>
+                <a:sym typeface="Cairo Semi-Bold"/>
+              </a:rPr>
+              <a:t> </a:t>
+            </a:r>
+          </a:p>
+        </p:txBody>
+      </p:sp>
+      <p:sp>
+        <p:nvSpPr>
+          <p:cNvPr name="TextBox 29" id="29"/>
+          <p:cNvSpPr txBox="true"/>
+          <p:nvPr/>
+        </p:nvSpPr>
+        <p:spPr>
+          <a:xfrm rot="0">
+            <a:off x="529442" y="6208966"/>
+            <a:ext cx="828180" cy="230726"/>
+          </a:xfrm>
+          <a:prstGeom prst="rect">
+            <a:avLst/>
+          </a:prstGeom>
+        </p:spPr>
+        <p:txBody>
+          <a:bodyPr anchor="t" rtlCol="false" tIns="0" lIns="0" bIns="0" rIns="0">
+            <a:spAutoFit/>
+          </a:bodyPr>
+          <a:lstStyle/>
+          <a:p>
+            <a:pPr algn="l">
+              <a:lnSpc>
+                <a:spcPts val="2131"/>
+              </a:lnSpc>
+            </a:pPr>
+            <a:r>
+              <a:rPr lang="en-US" b="true" sz="852" spc="2">
+                <a:solidFill>
+                  <a:srgbClr val="366FB5"/>
+                </a:solidFill>
+                <a:latin typeface="Cairo Semi-Bold"/>
+                <a:ea typeface="Cairo Semi-Bold"/>
+                <a:cs typeface="Cairo Semi-Bold"/>
+                <a:sym typeface="Cairo Semi-Bold"/>
+              </a:rPr>
+              <a:t>Physician Name</a:t>
+            </a:r>
+            <a:r>
+              <a:rPr lang="en-US" b="true" sz="852" spc="2">
+                <a:solidFill>
+                  <a:srgbClr val="000000"/>
+                </a:solidFill>
+                <a:latin typeface="Cairo Semi-Bold"/>
+                <a:ea typeface="Cairo Semi-Bold"/>
+                <a:cs typeface="Cairo Semi-Bold"/>
+                <a:sym typeface="Cairo Semi-Bold"/>
+              </a:rPr>
+              <a:t> </a:t>
+            </a:r>
+          </a:p>
+        </p:txBody>
+      </p:sp>
+      <p:sp>
+        <p:nvSpPr>
+          <p:cNvPr name="TextBox 30" id="30"/>
+          <p:cNvSpPr txBox="true"/>
+          <p:nvPr/>
+        </p:nvSpPr>
+        <p:spPr>
+          <a:xfrm rot="0">
+            <a:off x="683576" y="6596543"/>
+            <a:ext cx="383000" cy="226981"/>
+          </a:xfrm>
+          <a:prstGeom prst="rect">
+            <a:avLst/>
+          </a:prstGeom>
+        </p:spPr>
+        <p:txBody>
+          <a:bodyPr anchor="t" rtlCol="false" tIns="0" lIns="0" bIns="0" rIns="0">
+            <a:spAutoFit/>
+          </a:bodyPr>
+          <a:lstStyle/>
+          <a:p>
+            <a:pPr algn="l">
+              <a:lnSpc>
+                <a:spcPts val="2131"/>
+              </a:lnSpc>
+            </a:pPr>
+            <a:r>
+              <a:rPr lang="en-US" b="true" sz="852" spc="2">
+                <a:solidFill>
+                  <a:srgbClr val="366FB5"/>
+                </a:solidFill>
+                <a:latin typeface="Cairo Semi-Bold"/>
+                <a:ea typeface="Cairo Semi-Bold"/>
+                <a:cs typeface="Cairo Semi-Bold"/>
+                <a:sym typeface="Cairo Semi-Bold"/>
+              </a:rPr>
+              <a:t>Position</a:t>
+            </a:r>
+          </a:p>
+        </p:txBody>
+      </p:sp>
+      <p:sp>
+        <p:nvSpPr>
+          <p:cNvPr name="TextBox 31" id="31"/>
+          <p:cNvSpPr txBox="true"/>
+          <p:nvPr/>
+        </p:nvSpPr>
+        <p:spPr>
+          <a:xfrm rot="0">
+            <a:off x="1366095" y="6635963"/>
+            <a:ext cx="22660" cy="219799"/>
+          </a:xfrm>
+          <a:prstGeom prst="rect">
+            <a:avLst/>
+          </a:prstGeom>
+        </p:spPr>
+        <p:txBody>
+          <a:bodyPr anchor="t" rtlCol="false" tIns="0" lIns="0" bIns="0" rIns="0">
+            <a:spAutoFit/>
+          </a:bodyPr>
+          <a:lstStyle/>
+          <a:p>
+            <a:pPr algn="l">
+              <a:lnSpc>
+                <a:spcPts val="2005"/>
+              </a:lnSpc>
+            </a:pPr>
+            <a:r>
+              <a:rPr lang="en-US" b="true" sz="802" spc="2">
+                <a:solidFill>
+                  <a:srgbClr val="000000"/>
+                </a:solidFill>
+                <a:latin typeface="Cairo Semi-Bold"/>
+                <a:ea typeface="Cairo Semi-Bold"/>
+                <a:cs typeface="Cairo Semi-Bold"/>
+                <a:sym typeface="Cairo Semi-Bold"/>
+              </a:rPr>
+              <a:t> </a:t>
+            </a:r>
+          </a:p>
+        </p:txBody>
+      </p:sp>
+      <p:sp>
+        <p:nvSpPr>
+          <p:cNvPr name="TextBox 32" id="32"/>
+          <p:cNvSpPr txBox="true"/>
+          <p:nvPr/>
+        </p:nvSpPr>
+        <p:spPr>
+          <a:xfrm rot="0">
+            <a:off x="2375130" y="6691793"/>
+            <a:ext cx="1296038" cy="130746"/>
+          </a:xfrm>
+          <a:prstGeom prst="rect">
+            <a:avLst/>
+          </a:prstGeom>
+        </p:spPr>
+        <p:txBody>
+          <a:bodyPr anchor="t" rtlCol="false" tIns="0" lIns="0" bIns="0" rIns="0">
+            <a:spAutoFit/>
+          </a:bodyPr>
+          <a:lstStyle/>
+          <a:p>
+            <a:pPr algn="l">
+              <a:lnSpc>
+                <a:spcPts val="1193"/>
+              </a:lnSpc>
+            </a:pPr>
+            <a:r>
+              <a:rPr lang="en-US" b="true" sz="852" spc="3">
+                <a:solidFill>
+                  <a:srgbClr val="2C3E77"/>
+                </a:solidFill>
+                <a:latin typeface="Cairo Semi-Bold"/>
+                <a:ea typeface="Cairo Semi-Bold"/>
+                <a:cs typeface="Cairo Semi-Bold"/>
+                <a:sym typeface="Cairo Semi-Bold"/>
+              </a:rPr>
+              <a:t>General</a:t>
+            </a:r>
+          </a:p>
+        </p:txBody>
+      </p:sp>
+      <p:sp>
+        <p:nvSpPr>
+          <p:cNvPr name="TextBox 33" id="33"/>
+          <p:cNvSpPr txBox="true"/>
+          <p:nvPr/>
+        </p:nvSpPr>
+        <p:spPr>
+          <a:xfrm rot="0">
+            <a:off x="2295935" y="5443256"/>
+            <a:ext cx="583530" cy="230726"/>
+          </a:xfrm>
+          <a:prstGeom prst="rect">
+            <a:avLst/>
+          </a:prstGeom>
+        </p:spPr>
+        <p:txBody>
+          <a:bodyPr anchor="t" rtlCol="false" tIns="0" lIns="0" bIns="0" rIns="0">
+            <a:spAutoFit/>
+          </a:bodyPr>
+          <a:lstStyle/>
+          <a:p>
+            <a:pPr algn="l">
+              <a:lnSpc>
+                <a:spcPts val="2131"/>
+              </a:lnSpc>
+            </a:pPr>
+            <a:r>
+              <a:rPr lang="en-US" b="true" sz="852" spc="2">
+                <a:solidFill>
+                  <a:srgbClr val="2C3E77"/>
+                </a:solidFill>
+                <a:latin typeface="Cairo Semi-Bold"/>
+                <a:ea typeface="Cairo Semi-Bold"/>
+                <a:cs typeface="Cairo Semi-Bold"/>
+                <a:sym typeface="Cairo Semi-Bold"/>
+              </a:rPr>
+              <a:t>Saudi Arabia</a:t>
+            </a:r>
+          </a:p>
+        </p:txBody>
+      </p:sp>
+      <p:sp>
+        <p:nvSpPr>
+          <p:cNvPr name="TextBox 34" id="34"/>
+          <p:cNvSpPr txBox="true"/>
+          <p:nvPr/>
+        </p:nvSpPr>
+        <p:spPr>
+          <a:xfrm rot="0">
+            <a:off x="2534755" y="5861923"/>
+            <a:ext cx="24079" cy="226981"/>
+          </a:xfrm>
+          <a:prstGeom prst="rect">
+            <a:avLst/>
+          </a:prstGeom>
+        </p:spPr>
+        <p:txBody>
+          <a:bodyPr anchor="t" rtlCol="false" tIns="0" lIns="0" bIns="0" rIns="0">
+            <a:spAutoFit/>
+          </a:bodyPr>
+          <a:lstStyle/>
+          <a:p>
+            <a:pPr algn="l">
+              <a:lnSpc>
+                <a:spcPts val="2131"/>
+              </a:lnSpc>
+            </a:pPr>
+            <a:r>
+              <a:rPr lang="en-US" b="true" sz="852">
+                <a:solidFill>
+                  <a:srgbClr val="2C3E77"/>
+                </a:solidFill>
+                <a:latin typeface="Cairo Semi-Bold"/>
+                <a:ea typeface="Cairo Semi-Bold"/>
+                <a:cs typeface="Cairo Semi-Bold"/>
+                <a:sym typeface="Cairo Semi-Bold"/>
+              </a:rPr>
+              <a:t> </a:t>
+            </a:r>
+          </a:p>
+        </p:txBody>
+      </p:sp>
+      <p:sp>
+        <p:nvSpPr>
+          <p:cNvPr name="TextBox 35" id="35"/>
+          <p:cNvSpPr txBox="true"/>
+          <p:nvPr/>
+        </p:nvSpPr>
+        <p:spPr>
+          <a:xfrm rot="0">
+            <a:off x="4743845" y="6700539"/>
+            <a:ext cx="736275" cy="130746"/>
+          </a:xfrm>
+          <a:prstGeom prst="rect">
+            <a:avLst/>
+          </a:prstGeom>
+        </p:spPr>
+        <p:txBody>
+          <a:bodyPr anchor="t" rtlCol="false" tIns="0" lIns="0" bIns="0" rIns="0">
+            <a:spAutoFit/>
+          </a:bodyPr>
+          <a:lstStyle/>
+          <a:p>
+            <a:pPr algn="l" rtl="true">
+              <a:lnSpc>
+                <a:spcPts val="1193"/>
+              </a:lnSpc>
+            </a:pPr>
+            <a:r>
+              <a:rPr lang="ar-EG" b="true" sz="852" spc="2">
+                <a:solidFill>
+                  <a:srgbClr val="2C3E77"/>
                 </a:solidFill>
                 <a:latin typeface="Cairo Bold"/>
                 <a:ea typeface="Cairo Bold"/>
@@ -3732,12 +4604,723 @@
                 <a:sym typeface="Cairo Bold"/>
                 <a:rtl val="true"/>
               </a:rPr>
-              <a:t>ﺗﻘﺮﻳﺮ إﺟﺎزة ﻣﺮﺿﻴﺔ</a:t>
-            </a:r>
-            <a:r>
-              <a:rPr lang="ar-EG" b="true" sz="1855" spc="12">
+              <a:t>طبيب عام</a:t>
+            </a:r>
+          </a:p>
+        </p:txBody>
+      </p:sp>
+      <p:sp>
+        <p:nvSpPr>
+          <p:cNvPr name="TextBox 36" id="36"/>
+          <p:cNvSpPr txBox="true"/>
+          <p:nvPr/>
+        </p:nvSpPr>
+        <p:spPr>
+          <a:xfrm rot="0">
+            <a:off x="3743415" y="5464178"/>
+            <a:ext cx="2354038" cy="234315"/>
+          </a:xfrm>
+          <a:prstGeom prst="rect">
+            <a:avLst/>
+          </a:prstGeom>
+        </p:spPr>
+        <p:txBody>
+          <a:bodyPr anchor="t" rtlCol="false" tIns="0" lIns="0" bIns="0" rIns="0">
+            <a:spAutoFit/>
+          </a:bodyPr>
+          <a:lstStyle/>
+          <a:p>
+            <a:pPr algn="ctr">
+              <a:lnSpc>
+                <a:spcPts val="2125"/>
+              </a:lnSpc>
+            </a:pPr>
+            <a:r>
+              <a:rPr lang="en-US" b="true" sz="850" spc="3">
+                <a:solidFill>
+                  <a:srgbClr val="2C3E77"/>
+                </a:solidFill>
+                <a:latin typeface="Cairo Bold"/>
+                <a:ea typeface="Cairo Bold"/>
+                <a:cs typeface="Cairo Bold"/>
+                <a:sym typeface="Cairo Bold"/>
+              </a:rPr>
+              <a:t>{{NATIONALITY_AR}}</a:t>
+            </a:r>
+          </a:p>
+        </p:txBody>
+      </p:sp>
+      <p:sp>
+        <p:nvSpPr>
+          <p:cNvPr name="TextBox 37" id="37"/>
+          <p:cNvSpPr txBox="true"/>
+          <p:nvPr/>
+        </p:nvSpPr>
+        <p:spPr>
+          <a:xfrm rot="0">
+            <a:off x="4884820" y="5861923"/>
+            <a:ext cx="24079" cy="226981"/>
+          </a:xfrm>
+          <a:prstGeom prst="rect">
+            <a:avLst/>
+          </a:prstGeom>
+        </p:spPr>
+        <p:txBody>
+          <a:bodyPr anchor="t" rtlCol="false" tIns="0" lIns="0" bIns="0" rIns="0">
+            <a:spAutoFit/>
+          </a:bodyPr>
+          <a:lstStyle/>
+          <a:p>
+            <a:pPr algn="l">
+              <a:lnSpc>
+                <a:spcPts val="2131"/>
+              </a:lnSpc>
+            </a:pPr>
+            <a:r>
+              <a:rPr lang="en-US" b="true" sz="852">
+                <a:solidFill>
+                  <a:srgbClr val="2C3E77"/>
+                </a:solidFill>
+                <a:latin typeface="Cairo Semi-Bold"/>
+                <a:ea typeface="Cairo Semi-Bold"/>
+                <a:cs typeface="Cairo Semi-Bold"/>
+                <a:sym typeface="Cairo Semi-Bold"/>
+              </a:rPr>
+              <a:t> </a:t>
+            </a:r>
+          </a:p>
+        </p:txBody>
+      </p:sp>
+      <p:sp>
+        <p:nvSpPr>
+          <p:cNvPr name="TextBox 38" id="38"/>
+          <p:cNvSpPr txBox="true"/>
+          <p:nvPr/>
+        </p:nvSpPr>
+        <p:spPr>
+          <a:xfrm rot="0">
+            <a:off x="3313147" y="2733110"/>
+            <a:ext cx="1764679" cy="263525"/>
+          </a:xfrm>
+          <a:prstGeom prst="rect">
+            <a:avLst/>
+          </a:prstGeom>
+        </p:spPr>
+        <p:txBody>
+          <a:bodyPr anchor="t" rtlCol="false" tIns="0" lIns="0" bIns="0" rIns="0">
+            <a:spAutoFit/>
+          </a:bodyPr>
+          <a:lstStyle/>
+          <a:p>
+            <a:pPr algn="l">
+              <a:lnSpc>
+                <a:spcPts val="2499"/>
+              </a:lnSpc>
+            </a:pPr>
+            <a:r>
+              <a:rPr lang="en-US" sz="999" spc="3">
+                <a:solidFill>
+                  <a:srgbClr val="2C3E77"/>
+                </a:solidFill>
+                <a:latin typeface="Cairo"/>
+                <a:ea typeface="Cairo"/>
+                <a:cs typeface="Cairo"/>
+                <a:sym typeface="Cairo"/>
+              </a:rPr>
+              <a:t>PSL98635852494</a:t>
+            </a:r>
+          </a:p>
+        </p:txBody>
+      </p:sp>
+      <p:sp>
+        <p:nvSpPr>
+          <p:cNvPr name="TextBox 39" id="39"/>
+          <p:cNvSpPr txBox="true"/>
+          <p:nvPr/>
+        </p:nvSpPr>
+        <p:spPr>
+          <a:xfrm rot="0">
+            <a:off x="1757854" y="3149752"/>
+            <a:ext cx="1877314" cy="213030"/>
+          </a:xfrm>
+          <a:prstGeom prst="rect">
+            <a:avLst/>
+          </a:prstGeom>
+        </p:spPr>
+        <p:txBody>
+          <a:bodyPr anchor="t" rtlCol="false" tIns="0" lIns="0" bIns="0" rIns="0">
+            <a:spAutoFit/>
+          </a:bodyPr>
+          <a:lstStyle/>
+          <a:p>
+            <a:pPr algn="l">
+              <a:lnSpc>
+                <a:spcPts val="1993"/>
+              </a:lnSpc>
+            </a:pPr>
+            <a:r>
+              <a:rPr lang="en-US" b="true" sz="797">
+                <a:solidFill>
+                  <a:srgbClr val="FFFFFF"/>
+                </a:solidFill>
+                <a:latin typeface="Cairo Semi-Bold"/>
+                <a:ea typeface="Cairo Semi-Bold"/>
+                <a:cs typeface="Cairo Semi-Bold"/>
+                <a:sym typeface="Cairo Semi-Bold"/>
+              </a:rPr>
+              <a:t>1 </a:t>
+            </a:r>
+            <a:r>
+              <a:rPr lang="en-US" b="true" sz="797">
+                <a:solidFill>
+                  <a:srgbClr val="FFFFFF"/>
+                </a:solidFill>
+                <a:latin typeface="Cairo Semi-Bold"/>
+                <a:ea typeface="Cairo Semi-Bold"/>
+                <a:cs typeface="Cairo Semi-Bold"/>
+                <a:sym typeface="Cairo Semi-Bold"/>
+              </a:rPr>
+              <a:t>day ( 26-10-2025 to 26-10-2025 )</a:t>
+            </a:r>
+          </a:p>
+        </p:txBody>
+      </p:sp>
+      <p:sp>
+        <p:nvSpPr>
+          <p:cNvPr name="TextBox 40" id="40"/>
+          <p:cNvSpPr txBox="true"/>
+          <p:nvPr/>
+        </p:nvSpPr>
+        <p:spPr>
+          <a:xfrm rot="0">
+            <a:off x="3735267" y="3184103"/>
+            <a:ext cx="22660" cy="219799"/>
+          </a:xfrm>
+          <a:prstGeom prst="rect">
+            <a:avLst/>
+          </a:prstGeom>
+        </p:spPr>
+        <p:txBody>
+          <a:bodyPr anchor="t" rtlCol="false" tIns="0" lIns="0" bIns="0" rIns="0">
+            <a:spAutoFit/>
+          </a:bodyPr>
+          <a:lstStyle/>
+          <a:p>
+            <a:pPr algn="l">
+              <a:lnSpc>
+                <a:spcPts val="2005"/>
+              </a:lnSpc>
+            </a:pPr>
+            <a:r>
+              <a:rPr lang="en-US" b="true" sz="802">
                 <a:solidFill>
                   <a:srgbClr val="000000"/>
+                </a:solidFill>
+                <a:latin typeface="Cairo Semi-Bold"/>
+                <a:ea typeface="Cairo Semi-Bold"/>
+                <a:cs typeface="Cairo Semi-Bold"/>
+                <a:sym typeface="Cairo Semi-Bold"/>
+              </a:rPr>
+              <a:t> </a:t>
+            </a:r>
+          </a:p>
+        </p:txBody>
+      </p:sp>
+      <p:sp>
+        <p:nvSpPr>
+          <p:cNvPr name="TextBox 41" id="41"/>
+          <p:cNvSpPr txBox="true"/>
+          <p:nvPr/>
+        </p:nvSpPr>
+        <p:spPr>
+          <a:xfrm rot="0">
+            <a:off x="2292744" y="3541968"/>
+            <a:ext cx="588702" cy="230726"/>
+          </a:xfrm>
+          <a:prstGeom prst="rect">
+            <a:avLst/>
+          </a:prstGeom>
+        </p:spPr>
+        <p:txBody>
+          <a:bodyPr anchor="t" rtlCol="false" tIns="0" lIns="0" bIns="0" rIns="0">
+            <a:spAutoFit/>
+          </a:bodyPr>
+          <a:lstStyle/>
+          <a:p>
+            <a:pPr algn="l">
+              <a:lnSpc>
+                <a:spcPts val="2131"/>
+              </a:lnSpc>
+            </a:pPr>
+            <a:r>
+              <a:rPr lang="en-US" b="true" sz="852" spc="2">
+                <a:solidFill>
+                  <a:srgbClr val="2C3E77"/>
+                </a:solidFill>
+                <a:latin typeface="Cairo Semi-Bold"/>
+                <a:ea typeface="Cairo Semi-Bold"/>
+                <a:cs typeface="Cairo Semi-Bold"/>
+                <a:sym typeface="Cairo Semi-Bold"/>
+              </a:rPr>
+              <a:t>26-10-2025</a:t>
+            </a:r>
+          </a:p>
+        </p:txBody>
+      </p:sp>
+      <p:sp>
+        <p:nvSpPr>
+          <p:cNvPr name="TextBox 42" id="42"/>
+          <p:cNvSpPr txBox="true"/>
+          <p:nvPr/>
+        </p:nvSpPr>
+        <p:spPr>
+          <a:xfrm rot="0">
+            <a:off x="3735267" y="3566227"/>
+            <a:ext cx="22660" cy="219799"/>
+          </a:xfrm>
+          <a:prstGeom prst="rect">
+            <a:avLst/>
+          </a:prstGeom>
+        </p:spPr>
+        <p:txBody>
+          <a:bodyPr anchor="t" rtlCol="false" tIns="0" lIns="0" bIns="0" rIns="0">
+            <a:spAutoFit/>
+          </a:bodyPr>
+          <a:lstStyle/>
+          <a:p>
+            <a:pPr algn="l">
+              <a:lnSpc>
+                <a:spcPts val="2005"/>
+              </a:lnSpc>
+            </a:pPr>
+            <a:r>
+              <a:rPr lang="en-US" b="true" sz="802" spc="2">
+                <a:solidFill>
+                  <a:srgbClr val="000000"/>
+                </a:solidFill>
+                <a:latin typeface="Cairo Semi-Bold"/>
+                <a:ea typeface="Cairo Semi-Bold"/>
+                <a:cs typeface="Cairo Semi-Bold"/>
+                <a:sym typeface="Cairo Semi-Bold"/>
+              </a:rPr>
+              <a:t> </a:t>
+            </a:r>
+          </a:p>
+        </p:txBody>
+      </p:sp>
+      <p:sp>
+        <p:nvSpPr>
+          <p:cNvPr name="TextBox 43" id="43"/>
+          <p:cNvSpPr txBox="true"/>
+          <p:nvPr/>
+        </p:nvSpPr>
+        <p:spPr>
+          <a:xfrm rot="0">
+            <a:off x="4603504" y="3532443"/>
+            <a:ext cx="806331" cy="251460"/>
+          </a:xfrm>
+          <a:prstGeom prst="rect">
+            <a:avLst/>
+          </a:prstGeom>
+        </p:spPr>
+        <p:txBody>
+          <a:bodyPr anchor="t" rtlCol="false" tIns="0" lIns="0" bIns="0" rIns="0">
+            <a:spAutoFit/>
+          </a:bodyPr>
+          <a:lstStyle/>
+          <a:p>
+            <a:pPr algn="l">
+              <a:lnSpc>
+                <a:spcPts val="2250"/>
+              </a:lnSpc>
+            </a:pPr>
+            <a:r>
+              <a:rPr lang="en-US" b="true" sz="900" spc="2">
+                <a:solidFill>
+                  <a:srgbClr val="2C3E77"/>
+                </a:solidFill>
+                <a:latin typeface="Cairo Semi-Bold"/>
+                <a:ea typeface="Cairo Semi-Bold"/>
+                <a:cs typeface="Cairo Semi-Bold"/>
+                <a:sym typeface="Cairo Semi-Bold"/>
+              </a:rPr>
+              <a:t>04-05-1447</a:t>
+            </a:r>
+          </a:p>
+        </p:txBody>
+      </p:sp>
+      <p:sp>
+        <p:nvSpPr>
+          <p:cNvPr name="TextBox 44" id="44"/>
+          <p:cNvSpPr txBox="true"/>
+          <p:nvPr/>
+        </p:nvSpPr>
+        <p:spPr>
+          <a:xfrm rot="0">
+            <a:off x="2286381" y="3921348"/>
+            <a:ext cx="588702" cy="230726"/>
+          </a:xfrm>
+          <a:prstGeom prst="rect">
+            <a:avLst/>
+          </a:prstGeom>
+        </p:spPr>
+        <p:txBody>
+          <a:bodyPr anchor="t" rtlCol="false" tIns="0" lIns="0" bIns="0" rIns="0">
+            <a:spAutoFit/>
+          </a:bodyPr>
+          <a:lstStyle/>
+          <a:p>
+            <a:pPr algn="l">
+              <a:lnSpc>
+                <a:spcPts val="2131"/>
+              </a:lnSpc>
+            </a:pPr>
+            <a:r>
+              <a:rPr lang="en-US" b="true" sz="852" spc="2">
+                <a:solidFill>
+                  <a:srgbClr val="2C3E77"/>
+                </a:solidFill>
+                <a:latin typeface="Cairo Semi-Bold"/>
+                <a:ea typeface="Cairo Semi-Bold"/>
+                <a:cs typeface="Cairo Semi-Bold"/>
+                <a:sym typeface="Cairo Semi-Bold"/>
+              </a:rPr>
+              <a:t>26-10-2025</a:t>
+            </a:r>
+          </a:p>
+        </p:txBody>
+      </p:sp>
+      <p:sp>
+        <p:nvSpPr>
+          <p:cNvPr name="TextBox 45" id="45"/>
+          <p:cNvSpPr txBox="true"/>
+          <p:nvPr/>
+        </p:nvSpPr>
+        <p:spPr>
+          <a:xfrm rot="0">
+            <a:off x="3732086" y="3948351"/>
+            <a:ext cx="22660" cy="219799"/>
+          </a:xfrm>
+          <a:prstGeom prst="rect">
+            <a:avLst/>
+          </a:prstGeom>
+        </p:spPr>
+        <p:txBody>
+          <a:bodyPr anchor="t" rtlCol="false" tIns="0" lIns="0" bIns="0" rIns="0">
+            <a:spAutoFit/>
+          </a:bodyPr>
+          <a:lstStyle/>
+          <a:p>
+            <a:pPr algn="l">
+              <a:lnSpc>
+                <a:spcPts val="2005"/>
+              </a:lnSpc>
+            </a:pPr>
+            <a:r>
+              <a:rPr lang="en-US" b="true" sz="802" spc="2">
+                <a:solidFill>
+                  <a:srgbClr val="000000"/>
+                </a:solidFill>
+                <a:latin typeface="Cairo Semi-Bold"/>
+                <a:ea typeface="Cairo Semi-Bold"/>
+                <a:cs typeface="Cairo Semi-Bold"/>
+                <a:sym typeface="Cairo Semi-Bold"/>
+              </a:rPr>
+              <a:t> </a:t>
+            </a:r>
+          </a:p>
+        </p:txBody>
+      </p:sp>
+      <p:sp>
+        <p:nvSpPr>
+          <p:cNvPr name="TextBox 46" id="46"/>
+          <p:cNvSpPr txBox="true"/>
+          <p:nvPr/>
+        </p:nvSpPr>
+        <p:spPr>
+          <a:xfrm rot="0">
+            <a:off x="4597141" y="3911823"/>
+            <a:ext cx="812694" cy="251460"/>
+          </a:xfrm>
+          <a:prstGeom prst="rect">
+            <a:avLst/>
+          </a:prstGeom>
+        </p:spPr>
+        <p:txBody>
+          <a:bodyPr anchor="t" rtlCol="false" tIns="0" lIns="0" bIns="0" rIns="0">
+            <a:spAutoFit/>
+          </a:bodyPr>
+          <a:lstStyle/>
+          <a:p>
+            <a:pPr algn="l">
+              <a:lnSpc>
+                <a:spcPts val="2250"/>
+              </a:lnSpc>
+            </a:pPr>
+            <a:r>
+              <a:rPr lang="en-US" b="true" sz="900" spc="2">
+                <a:solidFill>
+                  <a:srgbClr val="2C3E77"/>
+                </a:solidFill>
+                <a:latin typeface="Cairo Semi-Bold"/>
+                <a:ea typeface="Cairo Semi-Bold"/>
+                <a:cs typeface="Cairo Semi-Bold"/>
+                <a:sym typeface="Cairo Semi-Bold"/>
+              </a:rPr>
+              <a:t>04</a:t>
+            </a:r>
+            <a:r>
+              <a:rPr lang="en-US" b="true" sz="900" spc="2">
+                <a:solidFill>
+                  <a:srgbClr val="2C3E77"/>
+                </a:solidFill>
+                <a:latin typeface="Cairo Semi-Bold"/>
+                <a:ea typeface="Cairo Semi-Bold"/>
+                <a:cs typeface="Cairo Semi-Bold"/>
+                <a:sym typeface="Cairo Semi-Bold"/>
+              </a:rPr>
+              <a:t>-05-1447</a:t>
+            </a:r>
+          </a:p>
+        </p:txBody>
+      </p:sp>
+      <p:sp>
+        <p:nvSpPr>
+          <p:cNvPr name="TextBox 47" id="47"/>
+          <p:cNvSpPr txBox="true"/>
+          <p:nvPr/>
+        </p:nvSpPr>
+        <p:spPr>
+          <a:xfrm rot="0">
+            <a:off x="3455041" y="4282450"/>
+            <a:ext cx="925020" cy="251460"/>
+          </a:xfrm>
+          <a:prstGeom prst="rect">
+            <a:avLst/>
+          </a:prstGeom>
+        </p:spPr>
+        <p:txBody>
+          <a:bodyPr anchor="t" rtlCol="false" tIns="0" lIns="0" bIns="0" rIns="0">
+            <a:spAutoFit/>
+          </a:bodyPr>
+          <a:lstStyle/>
+          <a:p>
+            <a:pPr algn="l">
+              <a:lnSpc>
+                <a:spcPts val="2250"/>
+              </a:lnSpc>
+            </a:pPr>
+            <a:r>
+              <a:rPr lang="en-US" b="true" sz="900" spc="2">
+                <a:solidFill>
+                  <a:srgbClr val="2C3E77"/>
+                </a:solidFill>
+                <a:latin typeface="Cairo Semi-Bold"/>
+                <a:ea typeface="Cairo Semi-Bold"/>
+                <a:cs typeface="Cairo Semi-Bold"/>
+                <a:sym typeface="Cairo Semi-Bold"/>
+              </a:rPr>
+              <a:t>26-10-2025</a:t>
+            </a:r>
+          </a:p>
+        </p:txBody>
+      </p:sp>
+      <p:sp>
+        <p:nvSpPr>
+          <p:cNvPr name="TextBox 48" id="48"/>
+          <p:cNvSpPr txBox="true"/>
+          <p:nvPr/>
+        </p:nvSpPr>
+        <p:spPr>
+          <a:xfrm rot="0">
+            <a:off x="6320971" y="2769936"/>
+            <a:ext cx="469573" cy="226981"/>
+          </a:xfrm>
+          <a:prstGeom prst="rect">
+            <a:avLst/>
+          </a:prstGeom>
+        </p:spPr>
+        <p:txBody>
+          <a:bodyPr anchor="t" rtlCol="false" tIns="0" lIns="0" bIns="0" rIns="0">
+            <a:spAutoFit/>
+          </a:bodyPr>
+          <a:lstStyle/>
+          <a:p>
+            <a:pPr algn="l" rtl="true">
+              <a:lnSpc>
+                <a:spcPts val="2131"/>
+              </a:lnSpc>
+            </a:pPr>
+            <a:r>
+              <a:rPr lang="ar-EG" b="true" sz="852" spc="2">
+                <a:solidFill>
+                  <a:srgbClr val="366FB5"/>
+                </a:solidFill>
+                <a:latin typeface="Cairo Semi-Bold"/>
+                <a:ea typeface="Cairo Semi-Bold"/>
+                <a:cs typeface="Cairo Semi-Bold"/>
+                <a:sym typeface="Cairo Semi-Bold"/>
+                <a:rtl val="true"/>
+              </a:rPr>
+              <a:t>رﻣﺰ اﻹﺟﺎزة</a:t>
+            </a:r>
+          </a:p>
+        </p:txBody>
+      </p:sp>
+      <p:sp>
+        <p:nvSpPr>
+          <p:cNvPr name="TextBox 49" id="49"/>
+          <p:cNvSpPr txBox="true"/>
+          <p:nvPr/>
+        </p:nvSpPr>
+        <p:spPr>
+          <a:xfrm rot="0">
+            <a:off x="6063044" y="2801979"/>
+            <a:ext cx="22660" cy="219799"/>
+          </a:xfrm>
+          <a:prstGeom prst="rect">
+            <a:avLst/>
+          </a:prstGeom>
+        </p:spPr>
+        <p:txBody>
+          <a:bodyPr anchor="t" rtlCol="false" tIns="0" lIns="0" bIns="0" rIns="0">
+            <a:spAutoFit/>
+          </a:bodyPr>
+          <a:lstStyle/>
+          <a:p>
+            <a:pPr algn="l">
+              <a:lnSpc>
+                <a:spcPts val="2005"/>
+              </a:lnSpc>
+            </a:pPr>
+            <a:r>
+              <a:rPr lang="en-US" b="true" sz="802" spc="2">
+                <a:solidFill>
+                  <a:srgbClr val="000000"/>
+                </a:solidFill>
+                <a:latin typeface="Cairo Semi-Bold"/>
+                <a:ea typeface="Cairo Semi-Bold"/>
+                <a:cs typeface="Cairo Semi-Bold"/>
+                <a:sym typeface="Cairo Semi-Bold"/>
+              </a:rPr>
+              <a:t> </a:t>
+            </a:r>
+          </a:p>
+        </p:txBody>
+      </p:sp>
+      <p:sp>
+        <p:nvSpPr>
+          <p:cNvPr name="TextBox 50" id="50"/>
+          <p:cNvSpPr txBox="true"/>
+          <p:nvPr/>
+        </p:nvSpPr>
+        <p:spPr>
+          <a:xfrm rot="0">
+            <a:off x="6305055" y="3123000"/>
+            <a:ext cx="509445" cy="226981"/>
+          </a:xfrm>
+          <a:prstGeom prst="rect">
+            <a:avLst/>
+          </a:prstGeom>
+        </p:spPr>
+        <p:txBody>
+          <a:bodyPr anchor="t" rtlCol="false" tIns="0" lIns="0" bIns="0" rIns="0">
+            <a:spAutoFit/>
+          </a:bodyPr>
+          <a:lstStyle/>
+          <a:p>
+            <a:pPr algn="l" rtl="true">
+              <a:lnSpc>
+                <a:spcPts val="2131"/>
+              </a:lnSpc>
+            </a:pPr>
+            <a:r>
+              <a:rPr lang="ar-EG" b="true" sz="852" spc="2">
+                <a:solidFill>
+                  <a:srgbClr val="FFFFFF"/>
+                </a:solidFill>
+                <a:latin typeface="Cairo Semi-Bold"/>
+                <a:ea typeface="Cairo Semi-Bold"/>
+                <a:cs typeface="Cairo Semi-Bold"/>
+                <a:sym typeface="Cairo Semi-Bold"/>
+                <a:rtl val="true"/>
+              </a:rPr>
+              <a:t>ﻣﺪة اﻹﺟﺎزة</a:t>
+            </a:r>
+          </a:p>
+        </p:txBody>
+      </p:sp>
+      <p:sp>
+        <p:nvSpPr>
+          <p:cNvPr name="TextBox 51" id="51"/>
+          <p:cNvSpPr txBox="true"/>
+          <p:nvPr/>
+        </p:nvSpPr>
+        <p:spPr>
+          <a:xfrm rot="0">
+            <a:off x="6066225" y="3184103"/>
+            <a:ext cx="22660" cy="219799"/>
+          </a:xfrm>
+          <a:prstGeom prst="rect">
+            <a:avLst/>
+          </a:prstGeom>
+        </p:spPr>
+        <p:txBody>
+          <a:bodyPr anchor="t" rtlCol="false" tIns="0" lIns="0" bIns="0" rIns="0">
+            <a:spAutoFit/>
+          </a:bodyPr>
+          <a:lstStyle/>
+          <a:p>
+            <a:pPr algn="l">
+              <a:lnSpc>
+                <a:spcPts val="2005"/>
+              </a:lnSpc>
+            </a:pPr>
+            <a:r>
+              <a:rPr lang="en-US" b="true" sz="802" spc="2">
+                <a:solidFill>
+                  <a:srgbClr val="000000"/>
+                </a:solidFill>
+                <a:latin typeface="Cairo Semi-Bold"/>
+                <a:ea typeface="Cairo Semi-Bold"/>
+                <a:cs typeface="Cairo Semi-Bold"/>
+                <a:sym typeface="Cairo Semi-Bold"/>
+              </a:rPr>
+              <a:t> </a:t>
+            </a:r>
+          </a:p>
+        </p:txBody>
+      </p:sp>
+      <p:sp>
+        <p:nvSpPr>
+          <p:cNvPr name="TextBox 52" id="52"/>
+          <p:cNvSpPr txBox="true"/>
+          <p:nvPr/>
+        </p:nvSpPr>
+        <p:spPr>
+          <a:xfrm rot="0">
+            <a:off x="6255413" y="3505124"/>
+            <a:ext cx="748889" cy="234697"/>
+          </a:xfrm>
+          <a:prstGeom prst="rect">
+            <a:avLst/>
+          </a:prstGeom>
+        </p:spPr>
+        <p:txBody>
+          <a:bodyPr anchor="t" rtlCol="false" tIns="0" lIns="0" bIns="0" rIns="0">
+            <a:spAutoFit/>
+          </a:bodyPr>
+          <a:lstStyle/>
+          <a:p>
+            <a:pPr algn="l" rtl="true">
+              <a:lnSpc>
+                <a:spcPts val="2131"/>
+              </a:lnSpc>
+            </a:pPr>
+            <a:r>
+              <a:rPr lang="ar-EG" b="true" sz="852" spc="2">
+                <a:solidFill>
+                  <a:srgbClr val="366FB5"/>
                 </a:solidFill>
                 <a:latin typeface="Cairo Bold"/>
                 <a:ea typeface="Cairo Bold"/>
@@ -3745,73 +5328,20 @@
                 <a:sym typeface="Cairo Bold"/>
                 <a:rtl val="true"/>
               </a:rPr>
-              <a:t>  </a:t>
-            </a:r>
-            <a:r>
-              <a:rPr lang="en-US" b="true" sz="1855" spc="12">
-                <a:solidFill>
-                  <a:srgbClr val="2C3E77"/>
-                </a:solidFill>
-                <a:latin typeface="Cairo Bold"/>
-                <a:ea typeface="Cairo Bold"/>
-                <a:cs typeface="Cairo Bold"/>
-                <a:sym typeface="Cairo Bold"/>
-              </a:rPr>
-              <a:t>Sick Leave Report</a:t>
-            </a:r>
-          </a:p>
-        </p:txBody>
-      </p:sp>
-      <p:sp>
-        <p:nvSpPr>
-          <p:cNvPr name="TextBox 17" id="17"/>
+              <a:t>ﺗﺎرﻳﺦ اﻟﺪﺧﻮل</a:t>
+            </a:r>
+          </a:p>
+        </p:txBody>
+      </p:sp>
+      <p:sp>
+        <p:nvSpPr>
+          <p:cNvPr name="TextBox 53" id="53"/>
           <p:cNvSpPr txBox="true"/>
           <p:nvPr/>
         </p:nvSpPr>
         <p:spPr>
           <a:xfrm rot="0">
-            <a:off x="745141" y="2769936"/>
-            <a:ext cx="396783" cy="226981"/>
-          </a:xfrm>
-          <a:prstGeom prst="rect">
-            <a:avLst/>
-          </a:prstGeom>
-        </p:spPr>
-        <p:txBody>
-          <a:bodyPr anchor="t" rtlCol="false" tIns="0" lIns="0" bIns="0" rIns="0">
-            <a:spAutoFit/>
-          </a:bodyPr>
-          <a:lstStyle/>
-          <a:p>
-            <a:pPr algn="l">
-              <a:lnSpc>
-                <a:spcPts val="2131"/>
-              </a:lnSpc>
-            </a:pPr>
-            <a:r>
-              <a:rPr lang="en-US" b="true" sz="852" spc="2">
-                <a:solidFill>
-                  <a:srgbClr val="366FB5"/>
-                </a:solidFill>
-                <a:latin typeface="Cairo Semi-Bold"/>
-                <a:ea typeface="Cairo Semi-Bold"/>
-                <a:cs typeface="Cairo Semi-Bold"/>
-                <a:sym typeface="Cairo Semi-Bold"/>
-              </a:rPr>
-              <a:t>Leave ID</a:t>
-            </a:r>
-          </a:p>
-        </p:txBody>
-      </p:sp>
-      <p:sp>
-        <p:nvSpPr>
-          <p:cNvPr name="TextBox 18" id="18"/>
-          <p:cNvSpPr txBox="true"/>
-          <p:nvPr/>
-        </p:nvSpPr>
-        <p:spPr>
-          <a:xfrm rot="0">
-            <a:off x="1369276" y="2801979"/>
+            <a:off x="6066225" y="3566227"/>
             <a:ext cx="22660" cy="219799"/>
           </a:xfrm>
           <a:prstGeom prst="rect">
@@ -3846,14 +5376,14 @@
       </p:sp>
       <p:sp>
         <p:nvSpPr>
-          <p:cNvPr name="TextBox 19" id="19"/>
+          <p:cNvPr name="TextBox 54" id="54"/>
           <p:cNvSpPr txBox="true"/>
           <p:nvPr/>
         </p:nvSpPr>
         <p:spPr>
           <a:xfrm rot="0">
-            <a:off x="592293" y="3135801"/>
-            <a:ext cx="705269" cy="226981"/>
+            <a:off x="6292310" y="3897582"/>
+            <a:ext cx="742526" cy="234697"/>
           </a:xfrm>
           <a:prstGeom prst="rect">
             <a:avLst/>
@@ -3865,35 +5395,36 @@
           </a:bodyPr>
           <a:lstStyle/>
           <a:p>
-            <a:pPr algn="l">
+            <a:pPr algn="l" rtl="true">
               <a:lnSpc>
                 <a:spcPts val="2131"/>
               </a:lnSpc>
             </a:pPr>
             <a:r>
-              <a:rPr lang="en-US" b="true" sz="852" spc="2">
-                <a:solidFill>
-                  <a:srgbClr val="FFFFFF"/>
-                </a:solidFill>
-                <a:latin typeface="Cairo Semi-Bold"/>
-                <a:ea typeface="Cairo Semi-Bold"/>
-                <a:cs typeface="Cairo Semi-Bold"/>
-                <a:sym typeface="Cairo Semi-Bold"/>
-              </a:rPr>
-              <a:t>Leave Duration</a:t>
-            </a:r>
-          </a:p>
-        </p:txBody>
-      </p:sp>
-      <p:sp>
-        <p:nvSpPr>
-          <p:cNvPr name="TextBox 20" id="20"/>
+              <a:rPr lang="ar-EG" b="true" sz="852" spc="2">
+                <a:solidFill>
+                  <a:srgbClr val="366FB5"/>
+                </a:solidFill>
+                <a:latin typeface="Cairo Bold"/>
+                <a:ea typeface="Cairo Bold"/>
+                <a:cs typeface="Cairo Bold"/>
+                <a:sym typeface="Cairo Bold"/>
+                <a:rtl val="true"/>
+              </a:rPr>
+              <a:t>ﺗﺎرﻳﺦ اﻟﺨﺮوج</a:t>
+            </a:r>
+          </a:p>
+        </p:txBody>
+      </p:sp>
+      <p:sp>
+        <p:nvSpPr>
+          <p:cNvPr name="TextBox 55" id="55"/>
           <p:cNvSpPr txBox="true"/>
           <p:nvPr/>
         </p:nvSpPr>
         <p:spPr>
           <a:xfrm rot="0">
-            <a:off x="1366095" y="3184103"/>
+            <a:off x="6063044" y="3948351"/>
             <a:ext cx="22660" cy="219799"/>
           </a:xfrm>
           <a:prstGeom prst="rect">
@@ -3928,14 +5459,14 @@
       </p:sp>
       <p:sp>
         <p:nvSpPr>
-          <p:cNvPr name="TextBox 21" id="21"/>
+          <p:cNvPr name="TextBox 56" id="56"/>
           <p:cNvSpPr txBox="true"/>
           <p:nvPr/>
         </p:nvSpPr>
         <p:spPr>
           <a:xfrm rot="0">
-            <a:off x="579558" y="3518202"/>
-            <a:ext cx="824932" cy="226981"/>
+            <a:off x="6074373" y="4282450"/>
+            <a:ext cx="905389" cy="234697"/>
           </a:xfrm>
           <a:prstGeom prst="rect">
             <a:avLst/>
@@ -3947,32 +5478,34 @@
           </a:bodyPr>
           <a:lstStyle/>
           <a:p>
-            <a:pPr algn="l">
+            <a:pPr algn="r" rtl="true">
               <a:lnSpc>
                 <a:spcPts val="2131"/>
               </a:lnSpc>
             </a:pPr>
             <a:r>
-              <a:rPr lang="en-US" b="true" sz="852" spc="3">
+              <a:rPr lang="ar-EG" b="true" sz="852" spc="5">
                 <a:solidFill>
                   <a:srgbClr val="366FB5"/>
                 </a:solidFill>
-                <a:latin typeface="Cairo Semi-Bold"/>
-                <a:ea typeface="Cairo Semi-Bold"/>
-                <a:cs typeface="Cairo Semi-Bold"/>
-                <a:sym typeface="Cairo Semi-Bold"/>
-              </a:rPr>
-              <a:t>Admission Date</a:t>
-            </a:r>
-            <a:r>
-              <a:rPr lang="en-US" b="true" sz="852" spc="3">
+                <a:latin typeface="Cairo Bold"/>
+                <a:ea typeface="Cairo Bold"/>
+                <a:cs typeface="Cairo Bold"/>
+                <a:sym typeface="Cairo Bold"/>
+                <a:rtl val="true"/>
+              </a:rPr>
+              <a:t>ﺗﺎرﻳﺦ اﺻﺪار اﻟﺘﻘﺮﻳﺮ</a:t>
+            </a:r>
+            <a:r>
+              <a:rPr lang="ar-EG" b="true" sz="852" spc="5">
                 <a:solidFill>
                   <a:srgbClr val="000000"/>
                 </a:solidFill>
-                <a:latin typeface="Cairo Semi-Bold"/>
-                <a:ea typeface="Cairo Semi-Bold"/>
-                <a:cs typeface="Cairo Semi-Bold"/>
-                <a:sym typeface="Cairo Semi-Bold"/>
+                <a:latin typeface="Cairo Bold"/>
+                <a:ea typeface="Cairo Bold"/>
+                <a:cs typeface="Cairo Bold"/>
+                <a:sym typeface="Cairo Bold"/>
+                <a:rtl val="true"/>
               </a:rPr>
               <a:t> </a:t>
             </a:r>
@@ -3981,14 +5514,14 @@
       </p:sp>
       <p:sp>
         <p:nvSpPr>
-          <p:cNvPr name="TextBox 22" id="22"/>
+          <p:cNvPr name="TextBox 57" id="57"/>
           <p:cNvSpPr txBox="true"/>
           <p:nvPr/>
         </p:nvSpPr>
         <p:spPr>
           <a:xfrm rot="0">
-            <a:off x="589112" y="3897582"/>
-            <a:ext cx="709622" cy="226981"/>
+            <a:off x="6426060" y="4671184"/>
+            <a:ext cx="414290" cy="234697"/>
           </a:xfrm>
           <a:prstGeom prst="rect">
             <a:avLst/>
@@ -4000,35 +5533,36 @@
           </a:bodyPr>
           <a:lstStyle/>
           <a:p>
-            <a:pPr algn="l">
+            <a:pPr algn="l" rtl="true">
               <a:lnSpc>
                 <a:spcPts val="2131"/>
               </a:lnSpc>
             </a:pPr>
             <a:r>
-              <a:rPr lang="en-US" b="true" sz="852" spc="2">
+              <a:rPr lang="ar-EG" b="true" sz="852" spc="4">
                 <a:solidFill>
                   <a:srgbClr val="366FB5"/>
                 </a:solidFill>
-                <a:latin typeface="Cairo Semi-Bold"/>
-                <a:ea typeface="Cairo Semi-Bold"/>
-                <a:cs typeface="Cairo Semi-Bold"/>
-                <a:sym typeface="Cairo Semi-Bold"/>
-              </a:rPr>
-              <a:t>Discharge Date</a:t>
-            </a:r>
-          </a:p>
-        </p:txBody>
-      </p:sp>
-      <p:sp>
-        <p:nvSpPr>
-          <p:cNvPr name="TextBox 23" id="23"/>
+                <a:latin typeface="Cairo Bold"/>
+                <a:ea typeface="Cairo Bold"/>
+                <a:cs typeface="Cairo Bold"/>
+                <a:sym typeface="Cairo Bold"/>
+                <a:rtl val="true"/>
+              </a:rPr>
+              <a:t>اﻻﺳﻢ</a:t>
+            </a:r>
+          </a:p>
+        </p:txBody>
+      </p:sp>
+      <p:sp>
+        <p:nvSpPr>
+          <p:cNvPr name="TextBox 58" id="58"/>
           <p:cNvSpPr txBox="true"/>
           <p:nvPr/>
         </p:nvSpPr>
         <p:spPr>
           <a:xfrm rot="0">
-            <a:off x="1362913" y="3948351"/>
+            <a:off x="6069406" y="4712599"/>
             <a:ext cx="22660" cy="219799"/>
           </a:xfrm>
           <a:prstGeom prst="rect">
@@ -4047,7 +5581,7 @@
               </a:lnSpc>
             </a:pPr>
             <a:r>
-              <a:rPr lang="en-US" b="true" sz="802" spc="2">
+              <a:rPr lang="en-US" b="true" sz="802" spc="4">
                 <a:solidFill>
                   <a:srgbClr val="000000"/>
                 </a:solidFill>
@@ -4063,14 +5597,14 @@
       </p:sp>
       <p:sp>
         <p:nvSpPr>
-          <p:cNvPr name="TextBox 24" id="24"/>
+          <p:cNvPr name="TextBox 59" id="59"/>
           <p:cNvSpPr txBox="true"/>
           <p:nvPr/>
         </p:nvSpPr>
         <p:spPr>
           <a:xfrm rot="0">
-            <a:off x="697373" y="4282173"/>
-            <a:ext cx="492414" cy="226981"/>
+            <a:off x="6102367" y="5075558"/>
+            <a:ext cx="1098304" cy="226695"/>
           </a:xfrm>
           <a:prstGeom prst="rect">
             <a:avLst/>
@@ -4082,35 +5616,104 @@
           </a:bodyPr>
           <a:lstStyle/>
           <a:p>
-            <a:pPr algn="l">
+            <a:pPr algn="l" rtl="true">
+              <a:lnSpc>
+                <a:spcPts val="2000"/>
+              </a:lnSpc>
+            </a:pPr>
+            <a:r>
+              <a:rPr lang="ar-EG" b="true" sz="800" spc="2">
+                <a:solidFill>
+                  <a:srgbClr val="366FB5"/>
+                </a:solidFill>
+                <a:latin typeface="Cairo Bold"/>
+                <a:ea typeface="Cairo Bold"/>
+                <a:cs typeface="Cairo Bold"/>
+                <a:sym typeface="Cairo Bold"/>
+                <a:rtl val="true"/>
+              </a:rPr>
+              <a:t>  </a:t>
+            </a:r>
+            <a:r>
+              <a:rPr lang="ar-EG" b="true" sz="800" spc="2">
+                <a:solidFill>
+                  <a:srgbClr val="366FB5"/>
+                </a:solidFill>
+                <a:latin typeface="Cairo Bold"/>
+                <a:ea typeface="Cairo Bold"/>
+                <a:cs typeface="Cairo Bold"/>
+                <a:sym typeface="Cairo Bold"/>
+                <a:rtl val="true"/>
+              </a:rPr>
+              <a:t>رﻗﻢ اﻟﻬﻮﻳﺔ/اﻹﻗﺎﻣﺔ</a:t>
+            </a:r>
+            <a:r>
+              <a:rPr lang="ar-EG" b="true" sz="800" spc="2">
+                <a:solidFill>
+                  <a:srgbClr val="000000"/>
+                </a:solidFill>
+                <a:latin typeface="Cairo Bold"/>
+                <a:ea typeface="Cairo Bold"/>
+                <a:cs typeface="Cairo Bold"/>
+                <a:sym typeface="Cairo Bold"/>
+                <a:rtl val="true"/>
+              </a:rPr>
+              <a:t> </a:t>
+            </a:r>
+          </a:p>
+        </p:txBody>
+      </p:sp>
+      <p:sp>
+        <p:nvSpPr>
+          <p:cNvPr name="TextBox 60" id="60"/>
+          <p:cNvSpPr txBox="true"/>
+          <p:nvPr/>
+        </p:nvSpPr>
+        <p:spPr>
+          <a:xfrm rot="0">
+            <a:off x="6368739" y="5445128"/>
+            <a:ext cx="834304" cy="234697"/>
+          </a:xfrm>
+          <a:prstGeom prst="rect">
+            <a:avLst/>
+          </a:prstGeom>
+        </p:spPr>
+        <p:txBody>
+          <a:bodyPr anchor="t" rtlCol="false" tIns="0" lIns="0" bIns="0" rIns="0">
+            <a:spAutoFit/>
+          </a:bodyPr>
+          <a:lstStyle/>
+          <a:p>
+            <a:pPr algn="l" rtl="true">
               <a:lnSpc>
                 <a:spcPts val="2131"/>
               </a:lnSpc>
             </a:pPr>
             <a:r>
-              <a:rPr lang="en-US" b="true" sz="852" spc="2">
+              <a:rPr lang="ar-EG" b="true" sz="852" spc="3">
                 <a:solidFill>
                   <a:srgbClr val="366FB5"/>
                 </a:solidFill>
-                <a:latin typeface="Cairo Semi-Bold"/>
-                <a:ea typeface="Cairo Semi-Bold"/>
-                <a:cs typeface="Cairo Semi-Bold"/>
-                <a:sym typeface="Cairo Semi-Bold"/>
-              </a:rPr>
-              <a:t>Issue Date</a:t>
-            </a:r>
-          </a:p>
-        </p:txBody>
-      </p:sp>
-      <p:sp>
-        <p:nvSpPr>
-          <p:cNvPr name="TextBox 25" id="25"/>
+                <a:latin typeface="Cairo Bold"/>
+                <a:ea typeface="Cairo Bold"/>
+                <a:cs typeface="Cairo Bold"/>
+                <a:sym typeface="Cairo Bold"/>
+                <a:rtl val="true"/>
+              </a:rPr>
+              <a:t>اﻟﺠﻨﺴﻴﺔ</a:t>
+            </a:r>
+          </a:p>
+        </p:txBody>
+      </p:sp>
+      <p:sp>
+        <p:nvSpPr>
+          <p:cNvPr name="TextBox 61" id="61"/>
           <p:cNvSpPr txBox="true"/>
           <p:nvPr/>
         </p:nvSpPr>
         <p:spPr>
           <a:xfrm rot="0">
-            <a:off x="1369276" y="4330475"/>
+            <a:off x="6066225" y="5483219"/>
             <a:ext cx="22660" cy="219799"/>
           </a:xfrm>
           <a:prstGeom prst="rect">
@@ -4129,7 +5732,7 @@
               </a:lnSpc>
             </a:pPr>
             <a:r>
-              <a:rPr lang="en-US" b="true" sz="802" spc="2">
+              <a:rPr lang="en-US" b="true" sz="802" spc="3">
                 <a:solidFill>
                   <a:srgbClr val="000000"/>
                 </a:solidFill>
@@ -4145,14 +5748,14 @@
       </p:sp>
       <p:sp>
         <p:nvSpPr>
-          <p:cNvPr name="TextBox 26" id="26"/>
+          <p:cNvPr name="TextBox 62" id="62"/>
           <p:cNvSpPr txBox="true"/>
           <p:nvPr/>
         </p:nvSpPr>
         <p:spPr>
           <a:xfrm rot="0">
-            <a:off x="799281" y="4671184"/>
-            <a:ext cx="278654" cy="226981"/>
+            <a:off x="6295501" y="5824509"/>
+            <a:ext cx="739335" cy="234697"/>
           </a:xfrm>
           <a:prstGeom prst="rect">
             <a:avLst/>
@@ -4164,35 +5767,36 @@
           </a:bodyPr>
           <a:lstStyle/>
           <a:p>
-            <a:pPr algn="l">
+            <a:pPr algn="l" rtl="true">
               <a:lnSpc>
                 <a:spcPts val="2131"/>
               </a:lnSpc>
             </a:pPr>
             <a:r>
-              <a:rPr lang="en-US" b="true" sz="852" spc="4">
+              <a:rPr lang="ar-EG" b="true" sz="852" spc="3">
                 <a:solidFill>
                   <a:srgbClr val="366FB5"/>
                 </a:solidFill>
-                <a:latin typeface="Cairo Semi-Bold"/>
-                <a:ea typeface="Cairo Semi-Bold"/>
-                <a:cs typeface="Cairo Semi-Bold"/>
-                <a:sym typeface="Cairo Semi-Bold"/>
-              </a:rPr>
-              <a:t>Name</a:t>
-            </a:r>
-          </a:p>
-        </p:txBody>
-      </p:sp>
-      <p:sp>
-        <p:nvSpPr>
-          <p:cNvPr name="TextBox 27" id="27"/>
+                <a:latin typeface="Cairo Bold"/>
+                <a:ea typeface="Cairo Bold"/>
+                <a:cs typeface="Cairo Bold"/>
+                <a:sym typeface="Cairo Bold"/>
+                <a:rtl val="true"/>
+              </a:rPr>
+              <a:t>ﺟﻬﺔ اﻟﻌﻤﻞ</a:t>
+            </a:r>
+          </a:p>
+        </p:txBody>
+      </p:sp>
+      <p:sp>
+        <p:nvSpPr>
+          <p:cNvPr name="TextBox 63" id="63"/>
           <p:cNvSpPr txBox="true"/>
           <p:nvPr/>
         </p:nvSpPr>
         <p:spPr>
           <a:xfrm rot="0">
-            <a:off x="1369276" y="4712599"/>
+            <a:off x="6066225" y="5865343"/>
             <a:ext cx="22660" cy="219799"/>
           </a:xfrm>
           <a:prstGeom prst="rect">
@@ -4211,7 +5815,7 @@
               </a:lnSpc>
             </a:pPr>
             <a:r>
-              <a:rPr lang="en-US" b="true" sz="802" spc="4">
+              <a:rPr lang="en-US" b="true" sz="802" spc="3">
                 <a:solidFill>
                   <a:srgbClr val="000000"/>
                 </a:solidFill>
@@ -4227,14 +5831,14 @@
       </p:sp>
       <p:sp>
         <p:nvSpPr>
-          <p:cNvPr name="TextBox 28" id="28"/>
+          <p:cNvPr name="TextBox 64" id="64"/>
           <p:cNvSpPr txBox="true"/>
           <p:nvPr/>
         </p:nvSpPr>
         <p:spPr>
           <a:xfrm rot="0">
-            <a:off x="519055" y="5056222"/>
-            <a:ext cx="889892" cy="226981"/>
+            <a:off x="6080736" y="6218968"/>
+            <a:ext cx="1020240" cy="220724"/>
           </a:xfrm>
           <a:prstGeom prst="rect">
             <a:avLst/>
@@ -4246,572 +5850,457 @@
           </a:bodyPr>
           <a:lstStyle/>
           <a:p>
+            <a:pPr algn="l" rtl="true">
+              <a:lnSpc>
+                <a:spcPts val="1902"/>
+              </a:lnSpc>
+            </a:pPr>
+            <a:r>
+              <a:rPr lang="ar-EG" b="true" sz="760" spc="8">
+                <a:solidFill>
+                  <a:srgbClr val="366FB5"/>
+                </a:solidFill>
+                <a:latin typeface="Cairo Bold"/>
+                <a:ea typeface="Cairo Bold"/>
+                <a:cs typeface="Cairo Bold"/>
+                <a:sym typeface="Cairo Bold"/>
+                <a:rtl val="true"/>
+              </a:rPr>
+              <a:t>اﺳﻢ اﻟﻄﺒﻴﺐ اﻟﻤﻌﺎﻟﺞ</a:t>
+            </a:r>
+            <a:r>
+              <a:rPr lang="ar-EG" b="true" sz="760" spc="8">
+                <a:solidFill>
+                  <a:srgbClr val="000000"/>
+                </a:solidFill>
+                <a:latin typeface="Cairo Bold"/>
+                <a:ea typeface="Cairo Bold"/>
+                <a:cs typeface="Cairo Bold"/>
+                <a:sym typeface="Cairo Bold"/>
+                <a:rtl val="true"/>
+              </a:rPr>
+              <a:t> </a:t>
+            </a:r>
+          </a:p>
+        </p:txBody>
+      </p:sp>
+      <p:sp>
+        <p:nvSpPr>
+          <p:cNvPr name="TextBox 65" id="65"/>
+          <p:cNvSpPr txBox="true"/>
+          <p:nvPr/>
+        </p:nvSpPr>
+        <p:spPr>
+          <a:xfrm rot="0">
+            <a:off x="6102367" y="6596543"/>
+            <a:ext cx="932469" cy="226695"/>
+          </a:xfrm>
+          <a:prstGeom prst="rect">
+            <a:avLst/>
+          </a:prstGeom>
+        </p:spPr>
+        <p:txBody>
+          <a:bodyPr anchor="t" rtlCol="false" tIns="0" lIns="0" bIns="0" rIns="0">
+            <a:spAutoFit/>
+          </a:bodyPr>
+          <a:lstStyle/>
+          <a:p>
+            <a:pPr algn="l" rtl="true">
+              <a:lnSpc>
+                <a:spcPts val="2000"/>
+              </a:lnSpc>
+            </a:pPr>
+            <a:r>
+              <a:rPr lang="ar-EG" b="true" sz="800" spc="3">
+                <a:solidFill>
+                  <a:srgbClr val="366FB5"/>
+                </a:solidFill>
+                <a:latin typeface="Cairo Bold"/>
+                <a:ea typeface="Cairo Bold"/>
+                <a:cs typeface="Cairo Bold"/>
+                <a:sym typeface="Cairo Bold"/>
+                <a:rtl val="true"/>
+              </a:rPr>
+              <a:t>اﻟﻤﺴﻤﻰ اﻟﻮﻇﻴﻔﻲ</a:t>
+            </a:r>
+            <a:r>
+              <a:rPr lang="ar-EG" b="true" sz="800" spc="3">
+                <a:solidFill>
+                  <a:srgbClr val="000000"/>
+                </a:solidFill>
+                <a:latin typeface="Cairo Bold"/>
+                <a:ea typeface="Cairo Bold"/>
+                <a:cs typeface="Cairo Bold"/>
+                <a:sym typeface="Cairo Bold"/>
+                <a:rtl val="true"/>
+              </a:rPr>
+              <a:t> </a:t>
+            </a:r>
+          </a:p>
+        </p:txBody>
+      </p:sp>
+      <p:sp>
+        <p:nvSpPr>
+          <p:cNvPr name="TextBox 66" id="66"/>
+          <p:cNvSpPr txBox="true"/>
+          <p:nvPr/>
+        </p:nvSpPr>
+        <p:spPr>
+          <a:xfrm rot="0">
+            <a:off x="2108312" y="6294691"/>
+            <a:ext cx="1626955" cy="127319"/>
+          </a:xfrm>
+          <a:prstGeom prst="rect">
+            <a:avLst/>
+          </a:prstGeom>
+        </p:spPr>
+        <p:txBody>
+          <a:bodyPr anchor="t" rtlCol="false" tIns="0" lIns="0" bIns="0" rIns="0">
+            <a:spAutoFit/>
+          </a:bodyPr>
+          <a:lstStyle/>
+          <a:p>
             <a:pPr algn="l">
+              <a:lnSpc>
+                <a:spcPts val="1053"/>
+              </a:lnSpc>
+            </a:pPr>
+            <a:r>
+              <a:rPr lang="en-US" b="true" sz="752" spc="4">
+                <a:solidFill>
+                  <a:srgbClr val="2C3E77"/>
+                </a:solidFill>
+                <a:latin typeface="Cairo Bold"/>
+                <a:ea typeface="Cairo Bold"/>
+                <a:cs typeface="Cairo Bold"/>
+                <a:sym typeface="Cairo Bold"/>
+              </a:rPr>
+              <a:t>MUHAMMAD FAROUK</a:t>
+            </a:r>
+          </a:p>
+        </p:txBody>
+      </p:sp>
+      <p:sp>
+        <p:nvSpPr>
+          <p:cNvPr name="TextBox 67" id="67"/>
+          <p:cNvSpPr txBox="true"/>
+          <p:nvPr/>
+        </p:nvSpPr>
+        <p:spPr>
+          <a:xfrm rot="0">
+            <a:off x="1378742" y="4760921"/>
+            <a:ext cx="2379185" cy="127000"/>
+          </a:xfrm>
+          <a:prstGeom prst="rect">
+            <a:avLst/>
+          </a:prstGeom>
+        </p:spPr>
+        <p:txBody>
+          <a:bodyPr anchor="t" rtlCol="false" tIns="0" lIns="0" bIns="0" rIns="0">
+            <a:spAutoFit/>
+          </a:bodyPr>
+          <a:lstStyle/>
+          <a:p>
+            <a:pPr algn="ctr">
+              <a:lnSpc>
+                <a:spcPts val="1050"/>
+              </a:lnSpc>
+            </a:pPr>
+            <a:r>
+              <a:rPr lang="en-US" b="true" sz="750" spc="3">
+                <a:solidFill>
+                  <a:srgbClr val="2C3E77"/>
+                </a:solidFill>
+                <a:latin typeface="Cairo Bold"/>
+                <a:ea typeface="Cairo Bold"/>
+                <a:cs typeface="Cairo Bold"/>
+                <a:sym typeface="Cairo Bold"/>
+              </a:rPr>
+              <a:t>{{NAME_EN}}</a:t>
+            </a:r>
+          </a:p>
+        </p:txBody>
+      </p:sp>
+      <p:sp>
+        <p:nvSpPr>
+          <p:cNvPr name="TextBox 68" id="68"/>
+          <p:cNvSpPr txBox="true"/>
+          <p:nvPr/>
+        </p:nvSpPr>
+        <p:spPr>
+          <a:xfrm rot="0">
+            <a:off x="3674448" y="6304693"/>
+            <a:ext cx="2491972" cy="134197"/>
+          </a:xfrm>
+          <a:prstGeom prst="rect">
+            <a:avLst/>
+          </a:prstGeom>
+        </p:spPr>
+        <p:txBody>
+          <a:bodyPr anchor="t" rtlCol="false" tIns="0" lIns="0" bIns="0" rIns="0">
+            <a:spAutoFit/>
+          </a:bodyPr>
+          <a:lstStyle/>
+          <a:p>
+            <a:pPr algn="ctr">
+              <a:lnSpc>
+                <a:spcPts val="1119"/>
+              </a:lnSpc>
+            </a:pPr>
+            <a:r>
+              <a:rPr lang="en-US" b="true" sz="799" spc="3">
+                <a:solidFill>
+                  <a:srgbClr val="2C3E77"/>
+                </a:solidFill>
+                <a:latin typeface="Cairo Bold"/>
+                <a:ea typeface="Cairo Bold"/>
+                <a:cs typeface="Cairo Bold"/>
+                <a:sym typeface="Cairo Bold"/>
+              </a:rPr>
+              <a:t>{{DOCTOR_NAME_AR}}</a:t>
+            </a:r>
+          </a:p>
+        </p:txBody>
+      </p:sp>
+      <p:sp>
+        <p:nvSpPr>
+          <p:cNvPr name="TextBox 69" id="69"/>
+          <p:cNvSpPr txBox="true"/>
+          <p:nvPr/>
+        </p:nvSpPr>
+        <p:spPr>
+          <a:xfrm rot="0">
+            <a:off x="3763355" y="4776476"/>
+            <a:ext cx="2344534" cy="127000"/>
+          </a:xfrm>
+          <a:prstGeom prst="rect">
+            <a:avLst/>
+          </a:prstGeom>
+        </p:spPr>
+        <p:txBody>
+          <a:bodyPr anchor="t" rtlCol="false" tIns="0" lIns="0" bIns="0" rIns="0">
+            <a:spAutoFit/>
+          </a:bodyPr>
+          <a:lstStyle/>
+          <a:p>
+            <a:pPr algn="ctr">
+              <a:lnSpc>
+                <a:spcPts val="1050"/>
+              </a:lnSpc>
+            </a:pPr>
+            <a:r>
+              <a:rPr lang="en-US" b="true" sz="750" spc="2">
+                <a:solidFill>
+                  <a:srgbClr val="2C3E77"/>
+                </a:solidFill>
+                <a:latin typeface="Cairo Bold"/>
+                <a:ea typeface="Cairo Bold"/>
+                <a:cs typeface="Cairo Bold"/>
+                <a:sym typeface="Cairo Bold"/>
+              </a:rPr>
+              <a:t>{{NAME_AR}}</a:t>
+            </a:r>
+          </a:p>
+        </p:txBody>
+      </p:sp>
+      <p:sp>
+        <p:nvSpPr>
+          <p:cNvPr name="TextBox 70" id="70"/>
+          <p:cNvSpPr txBox="true"/>
+          <p:nvPr/>
+        </p:nvSpPr>
+        <p:spPr>
+          <a:xfrm rot="0">
+            <a:off x="289779" y="8136445"/>
+            <a:ext cx="2582828" cy="392061"/>
+          </a:xfrm>
+          <a:prstGeom prst="rect">
+            <a:avLst/>
+          </a:prstGeom>
+        </p:spPr>
+        <p:txBody>
+          <a:bodyPr anchor="t" rtlCol="false" tIns="0" lIns="0" bIns="0" rIns="0">
+            <a:spAutoFit/>
+          </a:bodyPr>
+          <a:lstStyle/>
+          <a:p>
+            <a:pPr algn="ctr" rtl="true">
+              <a:lnSpc>
+                <a:spcPts val="1629"/>
+              </a:lnSpc>
+            </a:pPr>
+            <a:r>
+              <a:rPr lang="ar-EG" b="true" sz="651" spc="2">
+                <a:solidFill>
+                  <a:srgbClr val="000000"/>
+                </a:solidFill>
+                <a:latin typeface="Cairo Bold"/>
+                <a:ea typeface="Cairo Bold"/>
+                <a:cs typeface="Cairo Bold"/>
+                <a:sym typeface="Cairo Bold"/>
+                <a:rtl val="true"/>
+              </a:rPr>
+              <a:t>ﻟﻠﺘﺤﻘﻖ ﻣﻦ ﺑﻴﺎﻧﺎت اﻟﺘﻘﺮﻳﺮ ﻳﺮﺟﻰ اﻟﺘﺄﻛﺪ ﻣﻦ زﻳﺎرة ﻣﻮﻗﻊ ﻣﻨﺼﺔ ﺻﺤﺔ اﻟﺮﺳﻤﻲ  </a:t>
+            </a:r>
+            <a:r>
+              <a:rPr lang="en-US" b="true" sz="651" spc="2">
+                <a:solidFill>
+                  <a:srgbClr val="000000"/>
+                </a:solidFill>
+                <a:latin typeface="Cairo Bold"/>
+                <a:ea typeface="Cairo Bold"/>
+                <a:cs typeface="Cairo Bold"/>
+                <a:sym typeface="Cairo Bold"/>
+              </a:rPr>
+              <a:t>To check the report please visit Seha's offical website</a:t>
+            </a:r>
+          </a:p>
+        </p:txBody>
+      </p:sp>
+      <p:sp>
+        <p:nvSpPr>
+          <p:cNvPr name="TextBox 71" id="71"/>
+          <p:cNvSpPr txBox="true"/>
+          <p:nvPr/>
+        </p:nvSpPr>
+        <p:spPr>
+          <a:xfrm rot="0">
+            <a:off x="5364385" y="8079019"/>
+            <a:ext cx="1475965" cy="305141"/>
+          </a:xfrm>
+          <a:prstGeom prst="rect">
+            <a:avLst/>
+          </a:prstGeom>
+        </p:spPr>
+        <p:txBody>
+          <a:bodyPr anchor="t" rtlCol="false" tIns="0" lIns="0" bIns="0" rIns="0">
+            <a:spAutoFit/>
+          </a:bodyPr>
+          <a:lstStyle/>
+          <a:p>
+            <a:pPr algn="ctr" rtl="true">
+              <a:lnSpc>
+                <a:spcPts val="1253"/>
+              </a:lnSpc>
+            </a:pPr>
+            <a:r>
+              <a:rPr lang="ar-EG" b="true" sz="651" spc="1">
+                <a:solidFill>
+                  <a:srgbClr val="000000"/>
+                </a:solidFill>
+                <a:latin typeface="Cairo Bold"/>
+                <a:ea typeface="Cairo Bold"/>
+                <a:cs typeface="Cairo Bold"/>
+                <a:sym typeface="Cairo Bold"/>
+                <a:rtl val="true"/>
+              </a:rPr>
+              <a:t>مستشفى الملك فهد للقوات المسلحة</a:t>
+            </a:r>
+          </a:p>
+          <a:p>
+            <a:pPr algn="ctr">
+              <a:lnSpc>
+                <a:spcPts val="1253"/>
+              </a:lnSpc>
+            </a:pPr>
+            <a:r>
+              <a:rPr lang="en-US" b="true" sz="651" spc="1">
+                <a:solidFill>
+                  <a:srgbClr val="000000"/>
+                </a:solidFill>
+                <a:latin typeface="Cairo Bold"/>
+                <a:ea typeface="Cairo Bold"/>
+                <a:cs typeface="Cairo Bold"/>
+                <a:sym typeface="Cairo Bold"/>
+              </a:rPr>
+              <a:t>King Fahd Armed Forces Hospital</a:t>
+            </a:r>
+          </a:p>
+        </p:txBody>
+      </p:sp>
+      <p:sp>
+        <p:nvSpPr>
+          <p:cNvPr name="TextBox 72" id="72"/>
+          <p:cNvSpPr txBox="true"/>
+          <p:nvPr/>
+        </p:nvSpPr>
+        <p:spPr>
+          <a:xfrm rot="0">
+            <a:off x="3133420" y="607228"/>
+            <a:ext cx="1210713" cy="148447"/>
+          </a:xfrm>
+          <a:prstGeom prst="rect">
+            <a:avLst/>
+          </a:prstGeom>
+        </p:spPr>
+        <p:txBody>
+          <a:bodyPr anchor="t" rtlCol="false" tIns="0" lIns="0" bIns="0" rIns="0">
+            <a:spAutoFit/>
+          </a:bodyPr>
+          <a:lstStyle/>
+          <a:p>
+            <a:pPr algn="l">
+              <a:lnSpc>
+                <a:spcPts val="1263"/>
+              </a:lnSpc>
+            </a:pPr>
+            <a:r>
+              <a:rPr lang="en-US" b="true" sz="902" spc="2">
+                <a:solidFill>
+                  <a:srgbClr val="000000"/>
+                </a:solidFill>
+                <a:latin typeface="Cairo Semi-Bold"/>
+                <a:ea typeface="Cairo Semi-Bold"/>
+                <a:cs typeface="Cairo Semi-Bold"/>
+                <a:sym typeface="Cairo Semi-Bold"/>
+              </a:rPr>
+              <a:t>Kingdom of Saudi Arabia</a:t>
+            </a:r>
+          </a:p>
+        </p:txBody>
+      </p:sp>
+      <p:sp>
+        <p:nvSpPr>
+          <p:cNvPr name="TextBox 73" id="73"/>
+          <p:cNvSpPr txBox="true"/>
+          <p:nvPr/>
+        </p:nvSpPr>
+        <p:spPr>
+          <a:xfrm rot="0">
+            <a:off x="3890474" y="3123000"/>
+            <a:ext cx="1916692" cy="234697"/>
+          </a:xfrm>
+          <a:prstGeom prst="rect">
+            <a:avLst/>
+          </a:prstGeom>
+        </p:spPr>
+        <p:txBody>
+          <a:bodyPr anchor="t" rtlCol="false" tIns="0" lIns="0" bIns="0" rIns="0">
+            <a:spAutoFit/>
+          </a:bodyPr>
+          <a:lstStyle/>
+          <a:p>
+            <a:pPr algn="r" rtl="true">
               <a:lnSpc>
                 <a:spcPts val="2131"/>
               </a:lnSpc>
             </a:pPr>
             <a:r>
-              <a:rPr lang="en-US" b="true" sz="852" spc="6">
-                <a:solidFill>
-                  <a:srgbClr val="366FB5"/>
+              <a:rPr lang="en-US" b="true" sz="852">
+                <a:solidFill>
+                  <a:srgbClr val="FFFFFF"/>
                 </a:solidFill>
                 <a:latin typeface="Cairo Semi-Bold"/>
                 <a:ea typeface="Cairo Semi-Bold"/>
                 <a:cs typeface="Cairo Semi-Bold"/>
                 <a:sym typeface="Cairo Semi-Bold"/>
               </a:rPr>
-              <a:t>National ID/Iqama</a:t>
-            </a:r>
-            <a:r>
-              <a:rPr lang="en-US" b="true" sz="852" spc="6">
-                <a:solidFill>
-                  <a:srgbClr val="000000"/>
-                </a:solidFill>
-                <a:latin typeface="Cairo Semi-Bold"/>
-                <a:ea typeface="Cairo Semi-Bold"/>
-                <a:cs typeface="Cairo Semi-Bold"/>
-                <a:sym typeface="Cairo Semi-Bold"/>
-              </a:rPr>
-              <a:t> </a:t>
-            </a:r>
-          </a:p>
-        </p:txBody>
-      </p:sp>
-      <p:sp>
-        <p:nvSpPr>
-          <p:cNvPr name="TextBox 29" id="29"/>
-          <p:cNvSpPr txBox="true"/>
-          <p:nvPr/>
-        </p:nvSpPr>
-        <p:spPr>
-          <a:xfrm rot="0">
-            <a:off x="687819" y="5445128"/>
-            <a:ext cx="513864" cy="226981"/>
-          </a:xfrm>
-          <a:prstGeom prst="rect">
-            <a:avLst/>
-          </a:prstGeom>
-        </p:spPr>
-        <p:txBody>
-          <a:bodyPr anchor="t" rtlCol="false" tIns="0" lIns="0" bIns="0" rIns="0">
-            <a:spAutoFit/>
-          </a:bodyPr>
-          <a:lstStyle/>
-          <a:p>
-            <a:pPr algn="l">
-              <a:lnSpc>
-                <a:spcPts val="2131"/>
-              </a:lnSpc>
-            </a:pPr>
-            <a:r>
-              <a:rPr lang="en-US" b="true" sz="852" spc="2">
-                <a:solidFill>
-                  <a:srgbClr val="366FB5"/>
-                </a:solidFill>
-                <a:latin typeface="Cairo Semi-Bold"/>
-                <a:ea typeface="Cairo Semi-Bold"/>
-                <a:cs typeface="Cairo Semi-Bold"/>
-                <a:sym typeface="Cairo Semi-Bold"/>
-              </a:rPr>
-              <a:t>Nationality</a:t>
-            </a:r>
-          </a:p>
-        </p:txBody>
-      </p:sp>
-      <p:sp>
-        <p:nvSpPr>
-          <p:cNvPr name="TextBox 30" id="30"/>
-          <p:cNvSpPr txBox="true"/>
-          <p:nvPr/>
-        </p:nvSpPr>
-        <p:spPr>
-          <a:xfrm rot="0">
-            <a:off x="1366095" y="5483219"/>
-            <a:ext cx="22660" cy="219799"/>
-          </a:xfrm>
-          <a:prstGeom prst="rect">
-            <a:avLst/>
-          </a:prstGeom>
-        </p:spPr>
-        <p:txBody>
-          <a:bodyPr anchor="t" rtlCol="false" tIns="0" lIns="0" bIns="0" rIns="0">
-            <a:spAutoFit/>
-          </a:bodyPr>
-          <a:lstStyle/>
-          <a:p>
-            <a:pPr algn="l">
-              <a:lnSpc>
-                <a:spcPts val="2005"/>
-              </a:lnSpc>
-            </a:pPr>
-            <a:r>
-              <a:rPr lang="en-US" b="true" sz="802" spc="2">
-                <a:solidFill>
-                  <a:srgbClr val="000000"/>
-                </a:solidFill>
-                <a:latin typeface="Cairo Semi-Bold"/>
-                <a:ea typeface="Cairo Semi-Bold"/>
-                <a:cs typeface="Cairo Semi-Bold"/>
-                <a:sym typeface="Cairo Semi-Bold"/>
-              </a:rPr>
-              <a:t> </a:t>
-            </a:r>
-          </a:p>
-        </p:txBody>
-      </p:sp>
-      <p:sp>
-        <p:nvSpPr>
-          <p:cNvPr name="TextBox 31" id="31"/>
-          <p:cNvSpPr txBox="true"/>
-          <p:nvPr/>
-        </p:nvSpPr>
-        <p:spPr>
-          <a:xfrm rot="0">
-            <a:off x="719671" y="5824509"/>
-            <a:ext cx="445684" cy="226981"/>
-          </a:xfrm>
-          <a:prstGeom prst="rect">
-            <a:avLst/>
-          </a:prstGeom>
-        </p:spPr>
-        <p:txBody>
-          <a:bodyPr anchor="t" rtlCol="false" tIns="0" lIns="0" bIns="0" rIns="0">
-            <a:spAutoFit/>
-          </a:bodyPr>
-          <a:lstStyle/>
-          <a:p>
-            <a:pPr algn="l">
-              <a:lnSpc>
-                <a:spcPts val="2131"/>
-              </a:lnSpc>
-            </a:pPr>
-            <a:r>
-              <a:rPr lang="en-US" b="true" sz="852" spc="3">
-                <a:solidFill>
-                  <a:srgbClr val="366FB5"/>
-                </a:solidFill>
-                <a:latin typeface="Cairo Semi-Bold"/>
-                <a:ea typeface="Cairo Semi-Bold"/>
-                <a:cs typeface="Cairo Semi-Bold"/>
-                <a:sym typeface="Cairo Semi-Bold"/>
-              </a:rPr>
-              <a:t>Employer</a:t>
-            </a:r>
-          </a:p>
-        </p:txBody>
-      </p:sp>
-      <p:sp>
-        <p:nvSpPr>
-          <p:cNvPr name="TextBox 32" id="32"/>
-          <p:cNvSpPr txBox="true"/>
-          <p:nvPr/>
-        </p:nvSpPr>
-        <p:spPr>
-          <a:xfrm rot="0">
-            <a:off x="1366095" y="5865343"/>
-            <a:ext cx="22660" cy="219799"/>
-          </a:xfrm>
-          <a:prstGeom prst="rect">
-            <a:avLst/>
-          </a:prstGeom>
-        </p:spPr>
-        <p:txBody>
-          <a:bodyPr anchor="t" rtlCol="false" tIns="0" lIns="0" bIns="0" rIns="0">
-            <a:spAutoFit/>
-          </a:bodyPr>
-          <a:lstStyle/>
-          <a:p>
-            <a:pPr algn="l">
-              <a:lnSpc>
-                <a:spcPts val="2005"/>
-              </a:lnSpc>
-            </a:pPr>
-            <a:r>
-              <a:rPr lang="en-US" b="true" sz="802" spc="3">
-                <a:solidFill>
-                  <a:srgbClr val="000000"/>
-                </a:solidFill>
-                <a:latin typeface="Cairo Semi-Bold"/>
-                <a:ea typeface="Cairo Semi-Bold"/>
-                <a:cs typeface="Cairo Semi-Bold"/>
-                <a:sym typeface="Cairo Semi-Bold"/>
-              </a:rPr>
-              <a:t> </a:t>
-            </a:r>
-          </a:p>
-        </p:txBody>
-      </p:sp>
-      <p:sp>
-        <p:nvSpPr>
-          <p:cNvPr name="TextBox 33" id="33"/>
-          <p:cNvSpPr txBox="true"/>
-          <p:nvPr/>
-        </p:nvSpPr>
-        <p:spPr>
-          <a:xfrm rot="0">
-            <a:off x="576367" y="6208966"/>
-            <a:ext cx="828180" cy="230726"/>
-          </a:xfrm>
-          <a:prstGeom prst="rect">
-            <a:avLst/>
-          </a:prstGeom>
-        </p:spPr>
-        <p:txBody>
-          <a:bodyPr anchor="t" rtlCol="false" tIns="0" lIns="0" bIns="0" rIns="0">
-            <a:spAutoFit/>
-          </a:bodyPr>
-          <a:lstStyle/>
-          <a:p>
-            <a:pPr algn="l">
-              <a:lnSpc>
-                <a:spcPts val="2131"/>
-              </a:lnSpc>
-            </a:pPr>
-            <a:r>
-              <a:rPr lang="en-US" b="true" sz="852" spc="2">
-                <a:solidFill>
-                  <a:srgbClr val="366FB5"/>
-                </a:solidFill>
-                <a:latin typeface="Cairo Semi-Bold"/>
-                <a:ea typeface="Cairo Semi-Bold"/>
-                <a:cs typeface="Cairo Semi-Bold"/>
-                <a:sym typeface="Cairo Semi-Bold"/>
-              </a:rPr>
-              <a:t>Physician Name</a:t>
-            </a:r>
-            <a:r>
-              <a:rPr lang="en-US" b="true" sz="852" spc="2">
-                <a:solidFill>
-                  <a:srgbClr val="000000"/>
-                </a:solidFill>
-                <a:latin typeface="Cairo Semi-Bold"/>
-                <a:ea typeface="Cairo Semi-Bold"/>
-                <a:cs typeface="Cairo Semi-Bold"/>
-                <a:sym typeface="Cairo Semi-Bold"/>
-              </a:rPr>
-              <a:t> </a:t>
-            </a:r>
-          </a:p>
-        </p:txBody>
-      </p:sp>
-      <p:sp>
-        <p:nvSpPr>
-          <p:cNvPr name="TextBox 34" id="34"/>
-          <p:cNvSpPr txBox="true"/>
-          <p:nvPr/>
-        </p:nvSpPr>
-        <p:spPr>
-          <a:xfrm rot="0">
-            <a:off x="751513" y="6596543"/>
-            <a:ext cx="383000" cy="226981"/>
-          </a:xfrm>
-          <a:prstGeom prst="rect">
-            <a:avLst/>
-          </a:prstGeom>
-        </p:spPr>
-        <p:txBody>
-          <a:bodyPr anchor="t" rtlCol="false" tIns="0" lIns="0" bIns="0" rIns="0">
-            <a:spAutoFit/>
-          </a:bodyPr>
-          <a:lstStyle/>
-          <a:p>
-            <a:pPr algn="l">
-              <a:lnSpc>
-                <a:spcPts val="2131"/>
-              </a:lnSpc>
-            </a:pPr>
-            <a:r>
-              <a:rPr lang="en-US" b="true" sz="852" spc="2">
-                <a:solidFill>
-                  <a:srgbClr val="366FB5"/>
-                </a:solidFill>
-                <a:latin typeface="Cairo Semi-Bold"/>
-                <a:ea typeface="Cairo Semi-Bold"/>
-                <a:cs typeface="Cairo Semi-Bold"/>
-                <a:sym typeface="Cairo Semi-Bold"/>
-              </a:rPr>
-              <a:t>Position</a:t>
-            </a:r>
-          </a:p>
-        </p:txBody>
-      </p:sp>
-      <p:sp>
-        <p:nvSpPr>
-          <p:cNvPr name="TextBox 35" id="35"/>
-          <p:cNvSpPr txBox="true"/>
-          <p:nvPr/>
-        </p:nvSpPr>
-        <p:spPr>
-          <a:xfrm rot="0">
-            <a:off x="1366095" y="6635963"/>
-            <a:ext cx="22660" cy="219799"/>
-          </a:xfrm>
-          <a:prstGeom prst="rect">
-            <a:avLst/>
-          </a:prstGeom>
-        </p:spPr>
-        <p:txBody>
-          <a:bodyPr anchor="t" rtlCol="false" tIns="0" lIns="0" bIns="0" rIns="0">
-            <a:spAutoFit/>
-          </a:bodyPr>
-          <a:lstStyle/>
-          <a:p>
-            <a:pPr algn="l">
-              <a:lnSpc>
-                <a:spcPts val="2005"/>
-              </a:lnSpc>
-            </a:pPr>
-            <a:r>
-              <a:rPr lang="en-US" b="true" sz="802" spc="2">
-                <a:solidFill>
-                  <a:srgbClr val="000000"/>
-                </a:solidFill>
-                <a:latin typeface="Cairo Semi-Bold"/>
-                <a:ea typeface="Cairo Semi-Bold"/>
-                <a:cs typeface="Cairo Semi-Bold"/>
-                <a:sym typeface="Cairo Semi-Bold"/>
-              </a:rPr>
-              <a:t> </a:t>
-            </a:r>
-          </a:p>
-        </p:txBody>
-      </p:sp>
-      <p:sp>
-        <p:nvSpPr>
-          <p:cNvPr name="TextBox 36" id="36"/>
-          <p:cNvSpPr txBox="true"/>
-          <p:nvPr/>
-        </p:nvSpPr>
-        <p:spPr>
-          <a:xfrm rot="0">
-            <a:off x="2404196" y="6691793"/>
-            <a:ext cx="360759" cy="416496"/>
-          </a:xfrm>
-          <a:prstGeom prst="rect">
-            <a:avLst/>
-          </a:prstGeom>
-        </p:spPr>
-        <p:txBody>
-          <a:bodyPr anchor="t" rtlCol="false" tIns="0" lIns="0" bIns="0" rIns="0">
-            <a:spAutoFit/>
-          </a:bodyPr>
-          <a:lstStyle/>
-          <a:p>
-            <a:pPr algn="l">
-              <a:lnSpc>
-                <a:spcPts val="1193"/>
-              </a:lnSpc>
-            </a:pPr>
-            <a:r>
-              <a:rPr lang="en-US" b="true" sz="852" spc="3">
-                <a:solidFill>
-                  <a:srgbClr val="2C3E77"/>
-                </a:solidFill>
-                <a:latin typeface="Cairo Semi-Bold"/>
-                <a:ea typeface="Cairo Semi-Bold"/>
-                <a:cs typeface="Cairo Semi-Bold"/>
-                <a:sym typeface="Cairo Semi-Bold"/>
-              </a:rPr>
-              <a:t>{DOCTOR_TITLE_EN}</a:t>
-            </a:r>
-          </a:p>
-        </p:txBody>
-      </p:sp>
-      <p:sp>
-        <p:nvSpPr>
-          <p:cNvPr name="TextBox 37" id="37"/>
-          <p:cNvSpPr txBox="true"/>
-          <p:nvPr/>
-        </p:nvSpPr>
-        <p:spPr>
-          <a:xfrm rot="0">
-            <a:off x="2295935" y="5479799"/>
-            <a:ext cx="583530" cy="230726"/>
-          </a:xfrm>
-          <a:prstGeom prst="rect">
-            <a:avLst/>
-          </a:prstGeom>
-        </p:spPr>
-        <p:txBody>
-          <a:bodyPr anchor="t" rtlCol="false" tIns="0" lIns="0" bIns="0" rIns="0">
-            <a:spAutoFit/>
-          </a:bodyPr>
-          <a:lstStyle/>
-          <a:p>
-            <a:pPr algn="l">
-              <a:lnSpc>
-                <a:spcPts val="2131"/>
-              </a:lnSpc>
-            </a:pPr>
-            <a:r>
-              <a:rPr lang="en-US" b="true" sz="852" spc="2">
-                <a:solidFill>
-                  <a:srgbClr val="2C3E77"/>
-                </a:solidFill>
-                <a:latin typeface="Cairo Semi-Bold"/>
-                <a:ea typeface="Cairo Semi-Bold"/>
-                <a:cs typeface="Cairo Semi-Bold"/>
-                <a:sym typeface="Cairo Semi-Bold"/>
-              </a:rPr>
-              <a:t>Saudi Arabia</a:t>
-            </a:r>
-          </a:p>
-        </p:txBody>
-      </p:sp>
-      <p:sp>
-        <p:nvSpPr>
-          <p:cNvPr name="TextBox 38" id="38"/>
-          <p:cNvSpPr txBox="true"/>
-          <p:nvPr/>
-        </p:nvSpPr>
-        <p:spPr>
-          <a:xfrm rot="0">
-            <a:off x="2534755" y="5861923"/>
-            <a:ext cx="24079" cy="226981"/>
-          </a:xfrm>
-          <a:prstGeom prst="rect">
-            <a:avLst/>
-          </a:prstGeom>
-        </p:spPr>
-        <p:txBody>
-          <a:bodyPr anchor="t" rtlCol="false" tIns="0" lIns="0" bIns="0" rIns="0">
-            <a:spAutoFit/>
-          </a:bodyPr>
-          <a:lstStyle/>
-          <a:p>
-            <a:pPr algn="l">
-              <a:lnSpc>
-                <a:spcPts val="2131"/>
-              </a:lnSpc>
-            </a:pPr>
-            <a:r>
-              <a:rPr lang="en-US" b="true" sz="852">
-                <a:solidFill>
-                  <a:srgbClr val="2C3E77"/>
-                </a:solidFill>
-                <a:latin typeface="Cairo Semi-Bold"/>
-                <a:ea typeface="Cairo Semi-Bold"/>
-                <a:cs typeface="Cairo Semi-Bold"/>
-                <a:sym typeface="Cairo Semi-Bold"/>
-              </a:rPr>
-              <a:t> </a:t>
-            </a:r>
-          </a:p>
-        </p:txBody>
-      </p:sp>
-      <p:sp>
-        <p:nvSpPr>
-          <p:cNvPr name="TextBox 39" id="39"/>
-          <p:cNvSpPr txBox="true"/>
-          <p:nvPr/>
-        </p:nvSpPr>
-        <p:spPr>
-          <a:xfrm rot="0">
-            <a:off x="3442306" y="5157600"/>
-            <a:ext cx="617734" cy="273621"/>
-          </a:xfrm>
-          <a:prstGeom prst="rect">
-            <a:avLst/>
-          </a:prstGeom>
-        </p:spPr>
-        <p:txBody>
-          <a:bodyPr anchor="t" rtlCol="false" tIns="0" lIns="0" bIns="0" rIns="0">
-            <a:spAutoFit/>
-          </a:bodyPr>
-          <a:lstStyle/>
-          <a:p>
-            <a:pPr algn="l">
-              <a:lnSpc>
-                <a:spcPts val="1193"/>
-              </a:lnSpc>
-            </a:pPr>
-            <a:r>
-              <a:rPr lang="en-US" b="true" sz="852" spc="3">
-                <a:solidFill>
-                  <a:srgbClr val="2C3E77"/>
-                </a:solidFill>
-                <a:latin typeface="Cairo Semi-Bold"/>
-                <a:ea typeface="Cairo Semi-Bold"/>
-                <a:cs typeface="Cairo Semi-Bold"/>
-                <a:sym typeface="Cairo Semi-Bold"/>
-              </a:rPr>
-              <a:t>{ID_NUMBER}</a:t>
-            </a:r>
-          </a:p>
-        </p:txBody>
-      </p:sp>
-      <p:sp>
-        <p:nvSpPr>
-          <p:cNvPr name="TextBox 40" id="40"/>
-          <p:cNvSpPr txBox="true"/>
-          <p:nvPr/>
-        </p:nvSpPr>
-        <p:spPr>
-          <a:xfrm rot="0">
-            <a:off x="4712865" y="6691793"/>
-            <a:ext cx="449780" cy="416496"/>
-          </a:xfrm>
-          <a:prstGeom prst="rect">
-            <a:avLst/>
-          </a:prstGeom>
-        </p:spPr>
-        <p:txBody>
-          <a:bodyPr anchor="t" rtlCol="false" tIns="0" lIns="0" bIns="0" rIns="0">
-            <a:spAutoFit/>
-          </a:bodyPr>
-          <a:lstStyle/>
-          <a:p>
-            <a:pPr algn="r">
-              <a:lnSpc>
-                <a:spcPts val="1193"/>
-              </a:lnSpc>
-            </a:pPr>
-            <a:r>
-              <a:rPr lang="en-US" b="true" sz="852" spc="2">
-                <a:solidFill>
-                  <a:srgbClr val="2C3E77"/>
-                </a:solidFill>
-                <a:latin typeface="Cairo Semi-Bold"/>
-                <a:ea typeface="Cairo Semi-Bold"/>
-                <a:cs typeface="Cairo Semi-Bold"/>
-                <a:sym typeface="Cairo Semi-Bold"/>
-              </a:rPr>
-              <a:t>{DOCTOR_TITLE_AR}</a:t>
-            </a:r>
-          </a:p>
-        </p:txBody>
-      </p:sp>
-      <p:sp>
-        <p:nvSpPr>
-          <p:cNvPr name="TextBox 41" id="41"/>
-          <p:cNvSpPr txBox="true"/>
-          <p:nvPr/>
-        </p:nvSpPr>
-        <p:spPr>
-          <a:xfrm rot="0">
-            <a:off x="4709684" y="5479799"/>
-            <a:ext cx="451961" cy="230726"/>
-          </a:xfrm>
-          <a:prstGeom prst="rect">
-            <a:avLst/>
-          </a:prstGeom>
-        </p:spPr>
-        <p:txBody>
-          <a:bodyPr anchor="t" rtlCol="false" tIns="0" lIns="0" bIns="0" rIns="0">
-            <a:spAutoFit/>
-          </a:bodyPr>
-          <a:lstStyle/>
-          <a:p>
-            <a:pPr algn="l" rtl="true">
-              <a:lnSpc>
-                <a:spcPts val="2131"/>
-              </a:lnSpc>
-            </a:pPr>
-            <a:r>
-              <a:rPr lang="ar-EG" b="true" sz="852" spc="3">
-                <a:solidFill>
-                  <a:srgbClr val="2C3E77"/>
+              <a:t>1</a:t>
+            </a:r>
+            <a:r>
+              <a:rPr lang="ar-EG" b="true" sz="852">
+                <a:solidFill>
+                  <a:srgbClr val="FFFFFF"/>
                 </a:solidFill>
                 <a:latin typeface="Cairo Semi-Bold"/>
                 <a:ea typeface="Cairo Semi-Bold"/>
@@ -4819,492 +6308,24 @@
                 <a:sym typeface="Cairo Semi-Bold"/>
                 <a:rtl val="true"/>
               </a:rPr>
-              <a:t>اﻟﺴﻌﻮدﻳﺔ</a:t>
-            </a:r>
-          </a:p>
-        </p:txBody>
-      </p:sp>
-      <p:sp>
-        <p:nvSpPr>
-          <p:cNvPr name="TextBox 42" id="42"/>
-          <p:cNvSpPr txBox="true"/>
-          <p:nvPr/>
-        </p:nvSpPr>
-        <p:spPr>
-          <a:xfrm rot="0">
-            <a:off x="4884820" y="5861923"/>
-            <a:ext cx="24079" cy="226981"/>
-          </a:xfrm>
-          <a:prstGeom prst="rect">
-            <a:avLst/>
-          </a:prstGeom>
-        </p:spPr>
-        <p:txBody>
-          <a:bodyPr anchor="t" rtlCol="false" tIns="0" lIns="0" bIns="0" rIns="0">
-            <a:spAutoFit/>
-          </a:bodyPr>
-          <a:lstStyle/>
-          <a:p>
-            <a:pPr algn="l">
-              <a:lnSpc>
-                <a:spcPts val="2131"/>
-              </a:lnSpc>
-            </a:pPr>
+              <a:t> يوم ( </a:t>
+            </a:r>
             <a:r>
               <a:rPr lang="en-US" b="true" sz="852">
                 <a:solidFill>
-                  <a:srgbClr val="2C3E77"/>
+                  <a:srgbClr val="FFFFFF"/>
                 </a:solidFill>
                 <a:latin typeface="Cairo Semi-Bold"/>
                 <a:ea typeface="Cairo Semi-Bold"/>
                 <a:cs typeface="Cairo Semi-Bold"/>
                 <a:sym typeface="Cairo Semi-Bold"/>
               </a:rPr>
-              <a:t> </a:t>
-            </a:r>
-          </a:p>
-        </p:txBody>
-      </p:sp>
-      <p:sp>
-        <p:nvSpPr>
-          <p:cNvPr name="TextBox 43" id="43"/>
-          <p:cNvSpPr txBox="true"/>
-          <p:nvPr/>
-        </p:nvSpPr>
-        <p:spPr>
-          <a:xfrm rot="0">
-            <a:off x="3324482" y="2769936"/>
-            <a:ext cx="857374" cy="230726"/>
-          </a:xfrm>
-          <a:prstGeom prst="rect">
-            <a:avLst/>
-          </a:prstGeom>
-        </p:spPr>
-        <p:txBody>
-          <a:bodyPr anchor="t" rtlCol="false" tIns="0" lIns="0" bIns="0" rIns="0">
-            <a:spAutoFit/>
-          </a:bodyPr>
-          <a:lstStyle/>
-          <a:p>
-            <a:pPr algn="l">
-              <a:lnSpc>
-                <a:spcPts val="2131"/>
-              </a:lnSpc>
-            </a:pPr>
-            <a:r>
-              <a:rPr lang="en-US" b="true" sz="852" spc="3">
-                <a:solidFill>
-                  <a:srgbClr val="2C3E77"/>
-                </a:solidFill>
-                <a:latin typeface="Cairo Semi-Bold"/>
-                <a:ea typeface="Cairo Semi-Bold"/>
-                <a:cs typeface="Cairo Semi-Bold"/>
-                <a:sym typeface="Cairo Semi-Bold"/>
-              </a:rPr>
-              <a:t>{SERVICE_CODE}</a:t>
-            </a:r>
-          </a:p>
-        </p:txBody>
-      </p:sp>
-      <p:sp>
-        <p:nvSpPr>
-          <p:cNvPr name="TextBox 44" id="44"/>
-          <p:cNvSpPr txBox="true"/>
-          <p:nvPr/>
-        </p:nvSpPr>
-        <p:spPr>
-          <a:xfrm rot="0">
-            <a:off x="1741846" y="3123000"/>
-            <a:ext cx="1713281" cy="230726"/>
-          </a:xfrm>
-          <a:prstGeom prst="rect">
-            <a:avLst/>
-          </a:prstGeom>
-        </p:spPr>
-        <p:txBody>
-          <a:bodyPr anchor="t" rtlCol="false" tIns="0" lIns="0" bIns="0" rIns="0">
-            <a:spAutoFit/>
-          </a:bodyPr>
-          <a:lstStyle/>
-          <a:p>
-            <a:pPr algn="l">
-              <a:lnSpc>
-                <a:spcPts val="2131"/>
-              </a:lnSpc>
-            </a:pPr>
-            <a:r>
-              <a:rPr lang="en-US" b="true" sz="852">
+              <a:t>1447</a:t>
+            </a:r>
+            <a:r>
+              <a:rPr lang="ar-EG" b="true" sz="852">
                 <a:solidFill>
                   <a:srgbClr val="FFFFFF"/>
-                </a:solidFill>
-                <a:latin typeface="Cairo Semi-Bold"/>
-                <a:ea typeface="Cairo Semi-Bold"/>
-                <a:cs typeface="Cairo Semi-Bold"/>
-                <a:sym typeface="Cairo Semi-Bold"/>
-              </a:rPr>
-              <a:t>{leave_duration_dates}</a:t>
-            </a:r>
-          </a:p>
-        </p:txBody>
-      </p:sp>
-      <p:sp>
-        <p:nvSpPr>
-          <p:cNvPr name="TextBox 45" id="45"/>
-          <p:cNvSpPr txBox="true"/>
-          <p:nvPr/>
-        </p:nvSpPr>
-        <p:spPr>
-          <a:xfrm rot="0">
-            <a:off x="3735267" y="3184103"/>
-            <a:ext cx="22660" cy="219799"/>
-          </a:xfrm>
-          <a:prstGeom prst="rect">
-            <a:avLst/>
-          </a:prstGeom>
-        </p:spPr>
-        <p:txBody>
-          <a:bodyPr anchor="t" rtlCol="false" tIns="0" lIns="0" bIns="0" rIns="0">
-            <a:spAutoFit/>
-          </a:bodyPr>
-          <a:lstStyle/>
-          <a:p>
-            <a:pPr algn="l">
-              <a:lnSpc>
-                <a:spcPts val="2005"/>
-              </a:lnSpc>
-            </a:pPr>
-            <a:r>
-              <a:rPr lang="en-US" b="true" sz="802">
-                <a:solidFill>
-                  <a:srgbClr val="000000"/>
-                </a:solidFill>
-                <a:latin typeface="Cairo Semi-Bold"/>
-                <a:ea typeface="Cairo Semi-Bold"/>
-                <a:cs typeface="Cairo Semi-Bold"/>
-                <a:sym typeface="Cairo Semi-Bold"/>
-              </a:rPr>
-              <a:t> </a:t>
-            </a:r>
-          </a:p>
-        </p:txBody>
-      </p:sp>
-      <p:sp>
-        <p:nvSpPr>
-          <p:cNvPr name="TextBox 46" id="46"/>
-          <p:cNvSpPr txBox="true"/>
-          <p:nvPr/>
-        </p:nvSpPr>
-        <p:spPr>
-          <a:xfrm rot="0">
-            <a:off x="2292744" y="3541968"/>
-            <a:ext cx="588702" cy="497426"/>
-          </a:xfrm>
-          <a:prstGeom prst="rect">
-            <a:avLst/>
-          </a:prstGeom>
-        </p:spPr>
-        <p:txBody>
-          <a:bodyPr anchor="t" rtlCol="false" tIns="0" lIns="0" bIns="0" rIns="0">
-            <a:spAutoFit/>
-          </a:bodyPr>
-          <a:lstStyle/>
-          <a:p>
-            <a:pPr algn="l">
-              <a:lnSpc>
-                <a:spcPts val="2131"/>
-              </a:lnSpc>
-            </a:pPr>
-            <a:r>
-              <a:rPr lang="en-US" b="true" sz="852" spc="2">
-                <a:solidFill>
-                  <a:srgbClr val="2C3E77"/>
-                </a:solidFill>
-                <a:latin typeface="Cairo Semi-Bold"/>
-                <a:ea typeface="Cairo Semi-Bold"/>
-                <a:cs typeface="Cairo Semi-Bold"/>
-                <a:sym typeface="Cairo Semi-Bold"/>
-              </a:rPr>
-              <a:t>{ENTRY_DATE_G}</a:t>
-            </a:r>
-          </a:p>
-        </p:txBody>
-      </p:sp>
-      <p:sp>
-        <p:nvSpPr>
-          <p:cNvPr name="TextBox 47" id="47"/>
-          <p:cNvSpPr txBox="true"/>
-          <p:nvPr/>
-        </p:nvSpPr>
-        <p:spPr>
-          <a:xfrm rot="0">
-            <a:off x="3735267" y="3566227"/>
-            <a:ext cx="22660" cy="219799"/>
-          </a:xfrm>
-          <a:prstGeom prst="rect">
-            <a:avLst/>
-          </a:prstGeom>
-        </p:spPr>
-        <p:txBody>
-          <a:bodyPr anchor="t" rtlCol="false" tIns="0" lIns="0" bIns="0" rIns="0">
-            <a:spAutoFit/>
-          </a:bodyPr>
-          <a:lstStyle/>
-          <a:p>
-            <a:pPr algn="l">
-              <a:lnSpc>
-                <a:spcPts val="2005"/>
-              </a:lnSpc>
-            </a:pPr>
-            <a:r>
-              <a:rPr lang="en-US" b="true" sz="802" spc="2">
-                <a:solidFill>
-                  <a:srgbClr val="000000"/>
-                </a:solidFill>
-                <a:latin typeface="Cairo Semi-Bold"/>
-                <a:ea typeface="Cairo Semi-Bold"/>
-                <a:cs typeface="Cairo Semi-Bold"/>
-                <a:sym typeface="Cairo Semi-Bold"/>
-              </a:rPr>
-              <a:t> </a:t>
-            </a:r>
-          </a:p>
-        </p:txBody>
-      </p:sp>
-      <p:sp>
-        <p:nvSpPr>
-          <p:cNvPr name="TextBox 48" id="48"/>
-          <p:cNvSpPr txBox="true"/>
-          <p:nvPr/>
-        </p:nvSpPr>
-        <p:spPr>
-          <a:xfrm rot="0">
-            <a:off x="4642809" y="3541968"/>
-            <a:ext cx="588702" cy="497426"/>
-          </a:xfrm>
-          <a:prstGeom prst="rect">
-            <a:avLst/>
-          </a:prstGeom>
-        </p:spPr>
-        <p:txBody>
-          <a:bodyPr anchor="t" rtlCol="false" tIns="0" lIns="0" bIns="0" rIns="0">
-            <a:spAutoFit/>
-          </a:bodyPr>
-          <a:lstStyle/>
-          <a:p>
-            <a:pPr algn="l">
-              <a:lnSpc>
-                <a:spcPts val="2131"/>
-              </a:lnSpc>
-            </a:pPr>
-            <a:r>
-              <a:rPr lang="en-US" b="true" sz="852" spc="2">
-                <a:solidFill>
-                  <a:srgbClr val="2C3E77"/>
-                </a:solidFill>
-                <a:latin typeface="Cairo Semi-Bold"/>
-                <a:ea typeface="Cairo Semi-Bold"/>
-                <a:cs typeface="Cairo Semi-Bold"/>
-                <a:sym typeface="Cairo Semi-Bold"/>
-              </a:rPr>
-              <a:t>{ENTRY_DATE_H}</a:t>
-            </a:r>
-          </a:p>
-        </p:txBody>
-      </p:sp>
-      <p:sp>
-        <p:nvSpPr>
-          <p:cNvPr name="TextBox 49" id="49"/>
-          <p:cNvSpPr txBox="true"/>
-          <p:nvPr/>
-        </p:nvSpPr>
-        <p:spPr>
-          <a:xfrm rot="0">
-            <a:off x="2286381" y="3921348"/>
-            <a:ext cx="588702" cy="497426"/>
-          </a:xfrm>
-          <a:prstGeom prst="rect">
-            <a:avLst/>
-          </a:prstGeom>
-        </p:spPr>
-        <p:txBody>
-          <a:bodyPr anchor="t" rtlCol="false" tIns="0" lIns="0" bIns="0" rIns="0">
-            <a:spAutoFit/>
-          </a:bodyPr>
-          <a:lstStyle/>
-          <a:p>
-            <a:pPr algn="l">
-              <a:lnSpc>
-                <a:spcPts val="2131"/>
-              </a:lnSpc>
-            </a:pPr>
-            <a:r>
-              <a:rPr lang="en-US" b="true" sz="852" spc="2">
-                <a:solidFill>
-                  <a:srgbClr val="2C3E77"/>
-                </a:solidFill>
-                <a:latin typeface="Cairo Semi-Bold"/>
-                <a:ea typeface="Cairo Semi-Bold"/>
-                <a:cs typeface="Cairo Semi-Bold"/>
-                <a:sym typeface="Cairo Semi-Bold"/>
-              </a:rPr>
-              <a:t>{EXIT_DATE_G}</a:t>
-            </a:r>
-          </a:p>
-        </p:txBody>
-      </p:sp>
-      <p:sp>
-        <p:nvSpPr>
-          <p:cNvPr name="TextBox 50" id="50"/>
-          <p:cNvSpPr txBox="true"/>
-          <p:nvPr/>
-        </p:nvSpPr>
-        <p:spPr>
-          <a:xfrm rot="0">
-            <a:off x="3732086" y="3948351"/>
-            <a:ext cx="22660" cy="219799"/>
-          </a:xfrm>
-          <a:prstGeom prst="rect">
-            <a:avLst/>
-          </a:prstGeom>
-        </p:spPr>
-        <p:txBody>
-          <a:bodyPr anchor="t" rtlCol="false" tIns="0" lIns="0" bIns="0" rIns="0">
-            <a:spAutoFit/>
-          </a:bodyPr>
-          <a:lstStyle/>
-          <a:p>
-            <a:pPr algn="l">
-              <a:lnSpc>
-                <a:spcPts val="2005"/>
-              </a:lnSpc>
-            </a:pPr>
-            <a:r>
-              <a:rPr lang="en-US" b="true" sz="802" spc="2">
-                <a:solidFill>
-                  <a:srgbClr val="000000"/>
-                </a:solidFill>
-                <a:latin typeface="Cairo Semi-Bold"/>
-                <a:ea typeface="Cairo Semi-Bold"/>
-                <a:cs typeface="Cairo Semi-Bold"/>
-                <a:sym typeface="Cairo Semi-Bold"/>
-              </a:rPr>
-              <a:t> </a:t>
-            </a:r>
-          </a:p>
-        </p:txBody>
-      </p:sp>
-      <p:sp>
-        <p:nvSpPr>
-          <p:cNvPr name="TextBox 51" id="51"/>
-          <p:cNvSpPr txBox="true"/>
-          <p:nvPr/>
-        </p:nvSpPr>
-        <p:spPr>
-          <a:xfrm rot="0">
-            <a:off x="4636446" y="3921348"/>
-            <a:ext cx="588702" cy="497426"/>
-          </a:xfrm>
-          <a:prstGeom prst="rect">
-            <a:avLst/>
-          </a:prstGeom>
-        </p:spPr>
-        <p:txBody>
-          <a:bodyPr anchor="t" rtlCol="false" tIns="0" lIns="0" bIns="0" rIns="0">
-            <a:spAutoFit/>
-          </a:bodyPr>
-          <a:lstStyle/>
-          <a:p>
-            <a:pPr algn="l">
-              <a:lnSpc>
-                <a:spcPts val="2131"/>
-              </a:lnSpc>
-            </a:pPr>
-            <a:r>
-              <a:rPr lang="en-US" b="true" sz="852" spc="2">
-                <a:solidFill>
-                  <a:srgbClr val="2C3E77"/>
-                </a:solidFill>
-                <a:latin typeface="Cairo Semi-Bold"/>
-                <a:ea typeface="Cairo Semi-Bold"/>
-                <a:cs typeface="Cairo Semi-Bold"/>
-                <a:sym typeface="Cairo Semi-Bold"/>
-              </a:rPr>
-              <a:t>{EXIT_DATE_H}</a:t>
-            </a:r>
-          </a:p>
-        </p:txBody>
-      </p:sp>
-      <p:sp>
-        <p:nvSpPr>
-          <p:cNvPr name="TextBox 52" id="52"/>
-          <p:cNvSpPr txBox="true"/>
-          <p:nvPr/>
-        </p:nvSpPr>
-        <p:spPr>
-          <a:xfrm rot="0">
-            <a:off x="3455041" y="4327055"/>
-            <a:ext cx="588702" cy="497426"/>
-          </a:xfrm>
-          <a:prstGeom prst="rect">
-            <a:avLst/>
-          </a:prstGeom>
-        </p:spPr>
-        <p:txBody>
-          <a:bodyPr anchor="t" rtlCol="false" tIns="0" lIns="0" bIns="0" rIns="0">
-            <a:spAutoFit/>
-          </a:bodyPr>
-          <a:lstStyle/>
-          <a:p>
-            <a:pPr algn="l">
-              <a:lnSpc>
-                <a:spcPts val="2131"/>
-              </a:lnSpc>
-            </a:pPr>
-            <a:r>
-              <a:rPr lang="en-US" b="true" sz="852" spc="2">
-                <a:solidFill>
-                  <a:srgbClr val="2C3E77"/>
-                </a:solidFill>
-                <a:latin typeface="Cairo Semi-Bold"/>
-                <a:ea typeface="Cairo Semi-Bold"/>
-                <a:cs typeface="Cairo Semi-Bold"/>
-                <a:sym typeface="Cairo Semi-Bold"/>
-              </a:rPr>
-              <a:t>{DAYS_COUNT}</a:t>
-            </a:r>
-          </a:p>
-        </p:txBody>
-      </p:sp>
-      <p:sp>
-        <p:nvSpPr>
-          <p:cNvPr name="TextBox 53" id="53"/>
-          <p:cNvSpPr txBox="true"/>
-          <p:nvPr/>
-        </p:nvSpPr>
-        <p:spPr>
-          <a:xfrm rot="0">
-            <a:off x="6320971" y="2769936"/>
-            <a:ext cx="469573" cy="226981"/>
-          </a:xfrm>
-          <a:prstGeom prst="rect">
-            <a:avLst/>
-          </a:prstGeom>
-        </p:spPr>
-        <p:txBody>
-          <a:bodyPr anchor="t" rtlCol="false" tIns="0" lIns="0" bIns="0" rIns="0">
-            <a:spAutoFit/>
-          </a:bodyPr>
-          <a:lstStyle/>
-          <a:p>
-            <a:pPr algn="l" rtl="true">
-              <a:lnSpc>
-                <a:spcPts val="2131"/>
-              </a:lnSpc>
-            </a:pPr>
-            <a:r>
-              <a:rPr lang="ar-EG" b="true" sz="852" spc="2">
-                <a:solidFill>
-                  <a:srgbClr val="366FB5"/>
                 </a:solidFill>
                 <a:latin typeface="Cairo Semi-Bold"/>
                 <a:ea typeface="Cairo Semi-Bold"/>
@@ -5312,80 +6333,22 @@
                 <a:sym typeface="Cairo Semi-Bold"/>
                 <a:rtl val="true"/>
               </a:rPr>
-              <a:t>رﻣﺰ اﻹﺟﺎزة</a:t>
-            </a:r>
-          </a:p>
-        </p:txBody>
-      </p:sp>
-      <p:sp>
-        <p:nvSpPr>
-          <p:cNvPr name="TextBox 54" id="54"/>
-          <p:cNvSpPr txBox="true"/>
-          <p:nvPr/>
-        </p:nvSpPr>
-        <p:spPr>
-          <a:xfrm rot="0">
-            <a:off x="6063044" y="2801979"/>
-            <a:ext cx="22660" cy="219799"/>
-          </a:xfrm>
-          <a:prstGeom prst="rect">
-            <a:avLst/>
-          </a:prstGeom>
-        </p:spPr>
-        <p:txBody>
-          <a:bodyPr anchor="t" rtlCol="false" tIns="0" lIns="0" bIns="0" rIns="0">
-            <a:spAutoFit/>
-          </a:bodyPr>
-          <a:lstStyle/>
-          <a:p>
-            <a:pPr algn="l">
-              <a:lnSpc>
-                <a:spcPts val="2005"/>
-              </a:lnSpc>
-            </a:pPr>
-            <a:r>
-              <a:rPr lang="en-US" b="true" sz="802" spc="2">
-                <a:solidFill>
-                  <a:srgbClr val="000000"/>
+              <a:t>-</a:t>
+            </a:r>
+            <a:r>
+              <a:rPr lang="en-US" b="true" sz="852">
+                <a:solidFill>
+                  <a:srgbClr val="FFFFFF"/>
                 </a:solidFill>
                 <a:latin typeface="Cairo Semi-Bold"/>
                 <a:ea typeface="Cairo Semi-Bold"/>
                 <a:cs typeface="Cairo Semi-Bold"/>
                 <a:sym typeface="Cairo Semi-Bold"/>
               </a:rPr>
-              <a:t> </a:t>
-            </a:r>
-          </a:p>
-        </p:txBody>
-      </p:sp>
-      <p:sp>
-        <p:nvSpPr>
-          <p:cNvPr name="TextBox 55" id="55"/>
-          <p:cNvSpPr txBox="true"/>
-          <p:nvPr/>
-        </p:nvSpPr>
-        <p:spPr>
-          <a:xfrm rot="0">
-            <a:off x="6305055" y="3123000"/>
-            <a:ext cx="509445" cy="226981"/>
-          </a:xfrm>
-          <a:prstGeom prst="rect">
-            <a:avLst/>
-          </a:prstGeom>
-        </p:spPr>
-        <p:txBody>
-          <a:bodyPr anchor="t" rtlCol="false" tIns="0" lIns="0" bIns="0" rIns="0">
-            <a:spAutoFit/>
-          </a:bodyPr>
-          <a:lstStyle/>
-          <a:p>
-            <a:pPr algn="l" rtl="true">
-              <a:lnSpc>
-                <a:spcPts val="2131"/>
-              </a:lnSpc>
-            </a:pPr>
-            <a:r>
-              <a:rPr lang="ar-EG" b="true" sz="852" spc="2">
+              <a:t>05</a:t>
+            </a:r>
+            <a:r>
+              <a:rPr lang="ar-EG" b="true" sz="852">
                 <a:solidFill>
                   <a:srgbClr val="FFFFFF"/>
                 </a:solidFill>
@@ -5395,62 +6358,121 @@
                 <a:sym typeface="Cairo Semi-Bold"/>
                 <a:rtl val="true"/>
               </a:rPr>
-              <a:t>ﻣﺪة اﻹﺟﺎزة</a:t>
-            </a:r>
-          </a:p>
-        </p:txBody>
-      </p:sp>
-      <p:sp>
-        <p:nvSpPr>
-          <p:cNvPr name="TextBox 56" id="56"/>
-          <p:cNvSpPr txBox="true"/>
-          <p:nvPr/>
-        </p:nvSpPr>
-        <p:spPr>
-          <a:xfrm rot="0">
-            <a:off x="6066225" y="3184103"/>
-            <a:ext cx="22660" cy="219799"/>
-          </a:xfrm>
-          <a:prstGeom prst="rect">
-            <a:avLst/>
-          </a:prstGeom>
-        </p:spPr>
-        <p:txBody>
-          <a:bodyPr anchor="t" rtlCol="false" tIns="0" lIns="0" bIns="0" rIns="0">
-            <a:spAutoFit/>
-          </a:bodyPr>
-          <a:lstStyle/>
-          <a:p>
-            <a:pPr algn="l">
-              <a:lnSpc>
-                <a:spcPts val="2005"/>
-              </a:lnSpc>
-            </a:pPr>
-            <a:r>
-              <a:rPr lang="en-US" b="true" sz="802" spc="2">
-                <a:solidFill>
-                  <a:srgbClr val="000000"/>
+              <a:t>-</a:t>
+            </a:r>
+            <a:r>
+              <a:rPr lang="en-US" b="true" sz="852">
+                <a:solidFill>
+                  <a:srgbClr val="FFFFFF"/>
                 </a:solidFill>
                 <a:latin typeface="Cairo Semi-Bold"/>
                 <a:ea typeface="Cairo Semi-Bold"/>
                 <a:cs typeface="Cairo Semi-Bold"/>
                 <a:sym typeface="Cairo Semi-Bold"/>
               </a:rPr>
-              <a:t> </a:t>
-            </a:r>
-          </a:p>
-        </p:txBody>
-      </p:sp>
-      <p:sp>
-        <p:nvSpPr>
-          <p:cNvPr name="TextBox 57" id="57"/>
+              <a:t>04</a:t>
+            </a:r>
+            <a:r>
+              <a:rPr lang="ar-EG" b="true" sz="852">
+                <a:solidFill>
+                  <a:srgbClr val="FFFFFF"/>
+                </a:solidFill>
+                <a:latin typeface="Cairo Semi-Bold"/>
+                <a:ea typeface="Cairo Semi-Bold"/>
+                <a:cs typeface="Cairo Semi-Bold"/>
+                <a:sym typeface="Cairo Semi-Bold"/>
+                <a:rtl val="true"/>
+              </a:rPr>
+              <a:t> الى </a:t>
+            </a:r>
+            <a:r>
+              <a:rPr lang="en-US" b="true" sz="852">
+                <a:solidFill>
+                  <a:srgbClr val="FFFFFF"/>
+                </a:solidFill>
+                <a:latin typeface="Cairo Semi-Bold"/>
+                <a:ea typeface="Cairo Semi-Bold"/>
+                <a:cs typeface="Cairo Semi-Bold"/>
+                <a:sym typeface="Cairo Semi-Bold"/>
+              </a:rPr>
+              <a:t>1447</a:t>
+            </a:r>
+            <a:r>
+              <a:rPr lang="ar-EG" b="true" sz="852">
+                <a:solidFill>
+                  <a:srgbClr val="FFFFFF"/>
+                </a:solidFill>
+                <a:latin typeface="Cairo Semi-Bold"/>
+                <a:ea typeface="Cairo Semi-Bold"/>
+                <a:cs typeface="Cairo Semi-Bold"/>
+                <a:sym typeface="Cairo Semi-Bold"/>
+                <a:rtl val="true"/>
+              </a:rPr>
+              <a:t>-</a:t>
+            </a:r>
+            <a:r>
+              <a:rPr lang="en-US" b="true" sz="852">
+                <a:solidFill>
+                  <a:srgbClr val="FFFFFF"/>
+                </a:solidFill>
+                <a:latin typeface="Cairo Semi-Bold"/>
+                <a:ea typeface="Cairo Semi-Bold"/>
+                <a:cs typeface="Cairo Semi-Bold"/>
+                <a:sym typeface="Cairo Semi-Bold"/>
+              </a:rPr>
+              <a:t>05</a:t>
+            </a:r>
+            <a:r>
+              <a:rPr lang="ar-EG" b="true" sz="852">
+                <a:solidFill>
+                  <a:srgbClr val="FFFFFF"/>
+                </a:solidFill>
+                <a:latin typeface="Cairo Semi-Bold"/>
+                <a:ea typeface="Cairo Semi-Bold"/>
+                <a:cs typeface="Cairo Semi-Bold"/>
+                <a:sym typeface="Cairo Semi-Bold"/>
+                <a:rtl val="true"/>
+              </a:rPr>
+              <a:t>-</a:t>
+            </a:r>
+            <a:r>
+              <a:rPr lang="en-US" b="true" sz="852">
+                <a:solidFill>
+                  <a:srgbClr val="FFFFFF"/>
+                </a:solidFill>
+                <a:latin typeface="Cairo Semi-Bold"/>
+                <a:ea typeface="Cairo Semi-Bold"/>
+                <a:cs typeface="Cairo Semi-Bold"/>
+                <a:sym typeface="Cairo Semi-Bold"/>
+              </a:rPr>
+              <a:t>04</a:t>
+            </a:r>
+            <a:r>
+              <a:rPr lang="ar-EG" b="true" sz="852">
+                <a:solidFill>
+                  <a:srgbClr val="FFFFFF"/>
+                </a:solidFill>
+                <a:latin typeface="Cairo Semi-Bold"/>
+                <a:ea typeface="Cairo Semi-Bold"/>
+                <a:cs typeface="Cairo Semi-Bold"/>
+                <a:sym typeface="Cairo Semi-Bold"/>
+                <a:rtl val="true"/>
+              </a:rPr>
+              <a:t> ) </a:t>
+            </a:r>
+          </a:p>
+        </p:txBody>
+      </p:sp>
+      <p:sp>
+        <p:nvSpPr>
+          <p:cNvPr name="TextBox 74" id="74"/>
           <p:cNvSpPr txBox="true"/>
           <p:nvPr/>
         </p:nvSpPr>
         <p:spPr>
           <a:xfrm rot="0">
-            <a:off x="6285948" y="3505124"/>
-            <a:ext cx="748889" cy="234697"/>
+            <a:off x="4231220" y="5932801"/>
+            <a:ext cx="1477212" cy="127319"/>
           </a:xfrm>
           <a:prstGeom prst="rect">
             <a:avLst/>
@@ -5462,15 +6484,15 @@
           </a:bodyPr>
           <a:lstStyle/>
           <a:p>
-            <a:pPr algn="l" rtl="true">
+            <a:pPr algn="ctr" rtl="true">
               <a:lnSpc>
-                <a:spcPts val="2131"/>
+                <a:spcPts val="1053"/>
               </a:lnSpc>
             </a:pPr>
             <a:r>
-              <a:rPr lang="ar-EG" b="true" sz="852" spc="2">
-                <a:solidFill>
-                  <a:srgbClr val="366FB5"/>
+              <a:rPr lang="ar-EG" b="true" sz="752" spc="3">
+                <a:solidFill>
+                  <a:srgbClr val="2C3E77"/>
                 </a:solidFill>
                 <a:latin typeface="Cairo Bold"/>
                 <a:ea typeface="Cairo Bold"/>
@@ -5478,21 +6500,161 @@
                 <a:sym typeface="Cairo Bold"/>
                 <a:rtl val="true"/>
               </a:rPr>
-              <a:t>ﺗﺎرﻳﺦ اﻟﺪﺧﻮل</a:t>
-            </a:r>
-          </a:p>
-        </p:txBody>
-      </p:sp>
-      <p:sp>
-        <p:nvSpPr>
-          <p:cNvPr name="TextBox 58" id="58"/>
+              <a:t>طالب</a:t>
+            </a:r>
+          </a:p>
+        </p:txBody>
+      </p:sp>
+      <p:grpSp>
+        <p:nvGrpSpPr>
+          <p:cNvPr name="Group 75" id="75"/>
+          <p:cNvGrpSpPr/>
+          <p:nvPr/>
+        </p:nvGrpSpPr>
+        <p:grpSpPr>
+          <a:xfrm rot="0">
+            <a:off x="1003202" y="8437226"/>
+            <a:ext cx="5749004" cy="304352"/>
+            <a:chOff x="0" y="0"/>
+            <a:chExt cx="7665339" cy="405803"/>
+          </a:xfrm>
+        </p:grpSpPr>
+        <p:sp>
+          <p:nvSpPr>
+            <p:cNvPr name="TextBox 76" id="76"/>
+            <p:cNvSpPr txBox="true"/>
+            <p:nvPr/>
+          </p:nvSpPr>
+          <p:spPr>
+            <a:xfrm rot="0">
+              <a:off x="0" y="200749"/>
+              <a:ext cx="1467066" cy="205054"/>
+            </a:xfrm>
+            <a:prstGeom prst="rect">
+              <a:avLst/>
+            </a:prstGeom>
+          </p:spPr>
+          <p:txBody>
+            <a:bodyPr anchor="t" rtlCol="false" tIns="0" lIns="0" bIns="0" rIns="0">
+              <a:spAutoFit/>
+            </a:bodyPr>
+            <a:lstStyle/>
+            <a:p>
+              <a:pPr algn="l">
+                <a:lnSpc>
+                  <a:spcPts val="1123"/>
+                </a:lnSpc>
+              </a:pPr>
+              <a:r>
+                <a:rPr lang="en-US" b="true" sz="802" spc="3">
+                  <a:solidFill>
+                    <a:srgbClr val="0000EE"/>
+                  </a:solidFill>
+                  <a:latin typeface="Cairo Semi-Bold"/>
+                  <a:ea typeface="Cairo Semi-Bold"/>
+                  <a:cs typeface="Cairo Semi-Bold"/>
+                  <a:sym typeface="Cairo Semi-Bold"/>
+                  <a:hlinkClick r:id="rId10" tooltip="https://satha.kesug.com/"/>
+                </a:rPr>
+                <a:t>https://satha.kesug.com</a:t>
+              </a:r>
+            </a:p>
+          </p:txBody>
+        </p:sp>
+        <p:sp>
+          <p:nvSpPr>
+            <p:cNvPr name="TextBox 77" id="77"/>
+            <p:cNvSpPr txBox="true"/>
+            <p:nvPr/>
+          </p:nvSpPr>
+          <p:spPr>
+            <a:xfrm rot="0">
+              <a:off x="6966394" y="-47625"/>
+              <a:ext cx="698944" cy="198755"/>
+            </a:xfrm>
+            <a:prstGeom prst="rect">
+              <a:avLst/>
+            </a:prstGeom>
+          </p:spPr>
+          <p:txBody>
+            <a:bodyPr anchor="t" rtlCol="false" tIns="0" lIns="0" bIns="0" rIns="0">
+              <a:spAutoFit/>
+            </a:bodyPr>
+            <a:lstStyle/>
+            <a:p>
+              <a:pPr algn="l" rtl="true">
+                <a:lnSpc>
+                  <a:spcPts val="1250"/>
+                </a:lnSpc>
+              </a:pPr>
+              <a:r>
+                <a:rPr lang="ar-EG" b="true" sz="652">
+                  <a:solidFill>
+                    <a:srgbClr val="000000"/>
+                  </a:solidFill>
+                  <a:latin typeface="Cairo Bold"/>
+                  <a:ea typeface="Cairo Bold"/>
+                  <a:cs typeface="Cairo Bold"/>
+                  <a:sym typeface="Cairo Bold"/>
+                  <a:rtl val="true"/>
+                </a:rPr>
+                <a:t>رﻗﻢ اﻟﱰﺧﻴﺺ : </a:t>
+              </a:r>
+            </a:p>
+          </p:txBody>
+        </p:sp>
+        <p:sp>
+          <p:nvSpPr>
+            <p:cNvPr name="TextBox 78" id="78"/>
+            <p:cNvSpPr txBox="true"/>
+            <p:nvPr/>
+          </p:nvSpPr>
+          <p:spPr>
+            <a:xfrm rot="0">
+              <a:off x="5976810" y="-47625"/>
+              <a:ext cx="1009282" cy="198755"/>
+            </a:xfrm>
+            <a:prstGeom prst="rect">
+              <a:avLst/>
+            </a:prstGeom>
+          </p:spPr>
+          <p:txBody>
+            <a:bodyPr anchor="t" rtlCol="false" tIns="0" lIns="0" bIns="0" rIns="0">
+              <a:spAutoFit/>
+            </a:bodyPr>
+            <a:lstStyle/>
+            <a:p>
+              <a:pPr algn="l">
+                <a:lnSpc>
+                  <a:spcPts val="1250"/>
+                </a:lnSpc>
+              </a:pPr>
+              <a:r>
+                <a:rPr lang="en-US" b="true" sz="652">
+                  <a:solidFill>
+                    <a:srgbClr val="000000"/>
+                  </a:solidFill>
+                  <a:latin typeface="Cairo Bold"/>
+                  <a:ea typeface="Cairo Bold"/>
+                  <a:cs typeface="Cairo Bold"/>
+                  <a:sym typeface="Cairo Bold"/>
+                </a:rPr>
+                <a:t>3810501001210006</a:t>
+              </a:r>
+            </a:p>
+          </p:txBody>
+        </p:sp>
+      </p:grpSp>
+      <p:sp>
+        <p:nvSpPr>
+          <p:cNvPr name="TextBox 79" id="79"/>
           <p:cNvSpPr txBox="true"/>
           <p:nvPr/>
         </p:nvSpPr>
         <p:spPr>
           <a:xfrm rot="0">
-            <a:off x="6066225" y="3566227"/>
-            <a:ext cx="22660" cy="219799"/>
+            <a:off x="3419114" y="5050793"/>
+            <a:ext cx="925020" cy="251460"/>
           </a:xfrm>
           <a:prstGeom prst="rect">
             <a:avLst/>
@@ -5506,1196 +6668,20 @@
           <a:p>
             <a:pPr algn="l">
               <a:lnSpc>
-                <a:spcPts val="2005"/>
+                <a:spcPts val="2250"/>
               </a:lnSpc>
             </a:pPr>
             <a:r>
-              <a:rPr lang="en-US" b="true" sz="802" spc="2">
-                <a:solidFill>
-                  <a:srgbClr val="000000"/>
+              <a:rPr lang="en-US" b="true" sz="900" spc="2">
+                <a:solidFill>
+                  <a:srgbClr val="2C3E77"/>
                 </a:solidFill>
                 <a:latin typeface="Cairo Semi-Bold"/>
                 <a:ea typeface="Cairo Semi-Bold"/>
                 <a:cs typeface="Cairo Semi-Bold"/>
                 <a:sym typeface="Cairo Semi-Bold"/>
               </a:rPr>
-              <a:t> </a:t>
-            </a:r>
-          </a:p>
-        </p:txBody>
-      </p:sp>
-      <p:sp>
-        <p:nvSpPr>
-          <p:cNvPr name="TextBox 59" id="59"/>
-          <p:cNvSpPr txBox="true"/>
-          <p:nvPr/>
-        </p:nvSpPr>
-        <p:spPr>
-          <a:xfrm rot="0">
-            <a:off x="6292310" y="3897582"/>
-            <a:ext cx="742526" cy="234697"/>
-          </a:xfrm>
-          <a:prstGeom prst="rect">
-            <a:avLst/>
-          </a:prstGeom>
-        </p:spPr>
-        <p:txBody>
-          <a:bodyPr anchor="t" rtlCol="false" tIns="0" lIns="0" bIns="0" rIns="0">
-            <a:spAutoFit/>
-          </a:bodyPr>
-          <a:lstStyle/>
-          <a:p>
-            <a:pPr algn="l" rtl="true">
-              <a:lnSpc>
-                <a:spcPts val="2131"/>
-              </a:lnSpc>
-            </a:pPr>
-            <a:r>
-              <a:rPr lang="ar-EG" b="true" sz="852" spc="2">
-                <a:solidFill>
-                  <a:srgbClr val="366FB5"/>
-                </a:solidFill>
-                <a:latin typeface="Cairo Bold"/>
-                <a:ea typeface="Cairo Bold"/>
-                <a:cs typeface="Cairo Bold"/>
-                <a:sym typeface="Cairo Bold"/>
-                <a:rtl val="true"/>
-              </a:rPr>
-              <a:t>ﺗﺎرﻳﺦ اﻟﺨﺮوج</a:t>
-            </a:r>
-          </a:p>
-        </p:txBody>
-      </p:sp>
-      <p:sp>
-        <p:nvSpPr>
-          <p:cNvPr name="TextBox 60" id="60"/>
-          <p:cNvSpPr txBox="true"/>
-          <p:nvPr/>
-        </p:nvSpPr>
-        <p:spPr>
-          <a:xfrm rot="0">
-            <a:off x="6063044" y="3948351"/>
-            <a:ext cx="22660" cy="219799"/>
-          </a:xfrm>
-          <a:prstGeom prst="rect">
-            <a:avLst/>
-          </a:prstGeom>
-        </p:spPr>
-        <p:txBody>
-          <a:bodyPr anchor="t" rtlCol="false" tIns="0" lIns="0" bIns="0" rIns="0">
-            <a:spAutoFit/>
-          </a:bodyPr>
-          <a:lstStyle/>
-          <a:p>
-            <a:pPr algn="l">
-              <a:lnSpc>
-                <a:spcPts val="2005"/>
-              </a:lnSpc>
-            </a:pPr>
-            <a:r>
-              <a:rPr lang="en-US" b="true" sz="802" spc="2">
-                <a:solidFill>
-                  <a:srgbClr val="000000"/>
-                </a:solidFill>
-                <a:latin typeface="Cairo Semi-Bold"/>
-                <a:ea typeface="Cairo Semi-Bold"/>
-                <a:cs typeface="Cairo Semi-Bold"/>
-                <a:sym typeface="Cairo Semi-Bold"/>
-              </a:rPr>
-              <a:t> </a:t>
-            </a:r>
-          </a:p>
-        </p:txBody>
-      </p:sp>
-      <p:sp>
-        <p:nvSpPr>
-          <p:cNvPr name="TextBox 61" id="61"/>
-          <p:cNvSpPr txBox="true"/>
-          <p:nvPr/>
-        </p:nvSpPr>
-        <p:spPr>
-          <a:xfrm rot="0">
-            <a:off x="6074373" y="4282450"/>
-            <a:ext cx="905389" cy="234697"/>
-          </a:xfrm>
-          <a:prstGeom prst="rect">
-            <a:avLst/>
-          </a:prstGeom>
-        </p:spPr>
-        <p:txBody>
-          <a:bodyPr anchor="t" rtlCol="false" tIns="0" lIns="0" bIns="0" rIns="0">
-            <a:spAutoFit/>
-          </a:bodyPr>
-          <a:lstStyle/>
-          <a:p>
-            <a:pPr algn="r" rtl="true">
-              <a:lnSpc>
-                <a:spcPts val="2131"/>
-              </a:lnSpc>
-            </a:pPr>
-            <a:r>
-              <a:rPr lang="ar-EG" b="true" sz="852" spc="5">
-                <a:solidFill>
-                  <a:srgbClr val="366FB5"/>
-                </a:solidFill>
-                <a:latin typeface="Cairo Bold"/>
-                <a:ea typeface="Cairo Bold"/>
-                <a:cs typeface="Cairo Bold"/>
-                <a:sym typeface="Cairo Bold"/>
-                <a:rtl val="true"/>
-              </a:rPr>
-              <a:t>ﺗﺎرﻳﺦ اﺻﺪار اﻟﺘﻘﺮﻳﺮ</a:t>
-            </a:r>
-            <a:r>
-              <a:rPr lang="ar-EG" b="true" sz="852" spc="5">
-                <a:solidFill>
-                  <a:srgbClr val="000000"/>
-                </a:solidFill>
-                <a:latin typeface="Cairo Bold"/>
-                <a:ea typeface="Cairo Bold"/>
-                <a:cs typeface="Cairo Bold"/>
-                <a:sym typeface="Cairo Bold"/>
-                <a:rtl val="true"/>
-              </a:rPr>
-              <a:t> </a:t>
-            </a:r>
-          </a:p>
-        </p:txBody>
-      </p:sp>
-      <p:sp>
-        <p:nvSpPr>
-          <p:cNvPr name="TextBox 62" id="62"/>
-          <p:cNvSpPr txBox="true"/>
-          <p:nvPr/>
-        </p:nvSpPr>
-        <p:spPr>
-          <a:xfrm rot="0">
-            <a:off x="6426060" y="4671184"/>
-            <a:ext cx="414290" cy="234697"/>
-          </a:xfrm>
-          <a:prstGeom prst="rect">
-            <a:avLst/>
-          </a:prstGeom>
-        </p:spPr>
-        <p:txBody>
-          <a:bodyPr anchor="t" rtlCol="false" tIns="0" lIns="0" bIns="0" rIns="0">
-            <a:spAutoFit/>
-          </a:bodyPr>
-          <a:lstStyle/>
-          <a:p>
-            <a:pPr algn="l" rtl="true">
-              <a:lnSpc>
-                <a:spcPts val="2131"/>
-              </a:lnSpc>
-            </a:pPr>
-            <a:r>
-              <a:rPr lang="ar-EG" b="true" sz="852" spc="4">
-                <a:solidFill>
-                  <a:srgbClr val="366FB5"/>
-                </a:solidFill>
-                <a:latin typeface="Cairo Bold"/>
-                <a:ea typeface="Cairo Bold"/>
-                <a:cs typeface="Cairo Bold"/>
-                <a:sym typeface="Cairo Bold"/>
-                <a:rtl val="true"/>
-              </a:rPr>
-              <a:t>اﻻﺳﻢ</a:t>
-            </a:r>
-          </a:p>
-        </p:txBody>
-      </p:sp>
-      <p:sp>
-        <p:nvSpPr>
-          <p:cNvPr name="TextBox 63" id="63"/>
-          <p:cNvSpPr txBox="true"/>
-          <p:nvPr/>
-        </p:nvSpPr>
-        <p:spPr>
-          <a:xfrm rot="0">
-            <a:off x="6069406" y="4712599"/>
-            <a:ext cx="22660" cy="219799"/>
-          </a:xfrm>
-          <a:prstGeom prst="rect">
-            <a:avLst/>
-          </a:prstGeom>
-        </p:spPr>
-        <p:txBody>
-          <a:bodyPr anchor="t" rtlCol="false" tIns="0" lIns="0" bIns="0" rIns="0">
-            <a:spAutoFit/>
-          </a:bodyPr>
-          <a:lstStyle/>
-          <a:p>
-            <a:pPr algn="l">
-              <a:lnSpc>
-                <a:spcPts val="2005"/>
-              </a:lnSpc>
-            </a:pPr>
-            <a:r>
-              <a:rPr lang="en-US" b="true" sz="802" spc="4">
-                <a:solidFill>
-                  <a:srgbClr val="000000"/>
-                </a:solidFill>
-                <a:latin typeface="Cairo Semi-Bold"/>
-                <a:ea typeface="Cairo Semi-Bold"/>
-                <a:cs typeface="Cairo Semi-Bold"/>
-                <a:sym typeface="Cairo Semi-Bold"/>
-              </a:rPr>
-              <a:t> </a:t>
-            </a:r>
-          </a:p>
-        </p:txBody>
-      </p:sp>
-      <p:sp>
-        <p:nvSpPr>
-          <p:cNvPr name="TextBox 64" id="64"/>
-          <p:cNvSpPr txBox="true"/>
-          <p:nvPr/>
-        </p:nvSpPr>
-        <p:spPr>
-          <a:xfrm rot="0">
-            <a:off x="6085703" y="5094322"/>
-            <a:ext cx="1098304" cy="215543"/>
-          </a:xfrm>
-          <a:prstGeom prst="rect">
-            <a:avLst/>
-          </a:prstGeom>
-        </p:spPr>
-        <p:txBody>
-          <a:bodyPr anchor="t" rtlCol="false" tIns="0" lIns="0" bIns="0" rIns="0">
-            <a:spAutoFit/>
-          </a:bodyPr>
-          <a:lstStyle/>
-          <a:p>
-            <a:pPr algn="l" rtl="true">
-              <a:lnSpc>
-                <a:spcPts val="1973"/>
-              </a:lnSpc>
-            </a:pPr>
-            <a:r>
-              <a:rPr lang="ar-EG" b="true" sz="789" spc="2">
-                <a:solidFill>
-                  <a:srgbClr val="366FB5"/>
-                </a:solidFill>
-                <a:latin typeface="Cairo Bold"/>
-                <a:ea typeface="Cairo Bold"/>
-                <a:cs typeface="Cairo Bold"/>
-                <a:sym typeface="Cairo Bold"/>
-                <a:rtl val="true"/>
-              </a:rPr>
-              <a:t>  </a:t>
-            </a:r>
-            <a:r>
-              <a:rPr lang="ar-EG" b="true" sz="789" spc="2">
-                <a:solidFill>
-                  <a:srgbClr val="366FB5"/>
-                </a:solidFill>
-                <a:latin typeface="Cairo Bold"/>
-                <a:ea typeface="Cairo Bold"/>
-                <a:cs typeface="Cairo Bold"/>
-                <a:sym typeface="Cairo Bold"/>
-                <a:rtl val="true"/>
-              </a:rPr>
-              <a:t>رﻗﻢ اﻟﻬﻮﻳﺔ/اﻹﻗﺎﻣﺔ</a:t>
-            </a:r>
-            <a:r>
-              <a:rPr lang="ar-EG" b="true" sz="789" spc="2">
-                <a:solidFill>
-                  <a:srgbClr val="000000"/>
-                </a:solidFill>
-                <a:latin typeface="Cairo Bold"/>
-                <a:ea typeface="Cairo Bold"/>
-                <a:cs typeface="Cairo Bold"/>
-                <a:sym typeface="Cairo Bold"/>
-                <a:rtl val="true"/>
-              </a:rPr>
-              <a:t> </a:t>
-            </a:r>
-          </a:p>
-        </p:txBody>
-      </p:sp>
-      <p:sp>
-        <p:nvSpPr>
-          <p:cNvPr name="TextBox 65" id="65"/>
-          <p:cNvSpPr txBox="true"/>
-          <p:nvPr/>
-        </p:nvSpPr>
-        <p:spPr>
-          <a:xfrm rot="0">
-            <a:off x="6368739" y="5445128"/>
-            <a:ext cx="834304" cy="234697"/>
-          </a:xfrm>
-          <a:prstGeom prst="rect">
-            <a:avLst/>
-          </a:prstGeom>
-        </p:spPr>
-        <p:txBody>
-          <a:bodyPr anchor="t" rtlCol="false" tIns="0" lIns="0" bIns="0" rIns="0">
-            <a:spAutoFit/>
-          </a:bodyPr>
-          <a:lstStyle/>
-          <a:p>
-            <a:pPr algn="l" rtl="true">
-              <a:lnSpc>
-                <a:spcPts val="2131"/>
-              </a:lnSpc>
-            </a:pPr>
-            <a:r>
-              <a:rPr lang="ar-EG" b="true" sz="852" spc="3">
-                <a:solidFill>
-                  <a:srgbClr val="366FB5"/>
-                </a:solidFill>
-                <a:latin typeface="Cairo Bold"/>
-                <a:ea typeface="Cairo Bold"/>
-                <a:cs typeface="Cairo Bold"/>
-                <a:sym typeface="Cairo Bold"/>
-                <a:rtl val="true"/>
-              </a:rPr>
-              <a:t>اﻟﺠﻨﺴﻴﺔ</a:t>
-            </a:r>
-          </a:p>
-        </p:txBody>
-      </p:sp>
-      <p:sp>
-        <p:nvSpPr>
-          <p:cNvPr name="TextBox 66" id="66"/>
-          <p:cNvSpPr txBox="true"/>
-          <p:nvPr/>
-        </p:nvSpPr>
-        <p:spPr>
-          <a:xfrm rot="0">
-            <a:off x="6066225" y="5483219"/>
-            <a:ext cx="22660" cy="219799"/>
-          </a:xfrm>
-          <a:prstGeom prst="rect">
-            <a:avLst/>
-          </a:prstGeom>
-        </p:spPr>
-        <p:txBody>
-          <a:bodyPr anchor="t" rtlCol="false" tIns="0" lIns="0" bIns="0" rIns="0">
-            <a:spAutoFit/>
-          </a:bodyPr>
-          <a:lstStyle/>
-          <a:p>
-            <a:pPr algn="l">
-              <a:lnSpc>
-                <a:spcPts val="2005"/>
-              </a:lnSpc>
-            </a:pPr>
-            <a:r>
-              <a:rPr lang="en-US" b="true" sz="802" spc="3">
-                <a:solidFill>
-                  <a:srgbClr val="000000"/>
-                </a:solidFill>
-                <a:latin typeface="Cairo Semi-Bold"/>
-                <a:ea typeface="Cairo Semi-Bold"/>
-                <a:cs typeface="Cairo Semi-Bold"/>
-                <a:sym typeface="Cairo Semi-Bold"/>
-              </a:rPr>
-              <a:t> </a:t>
-            </a:r>
-          </a:p>
-        </p:txBody>
-      </p:sp>
-      <p:sp>
-        <p:nvSpPr>
-          <p:cNvPr name="TextBox 67" id="67"/>
-          <p:cNvSpPr txBox="true"/>
-          <p:nvPr/>
-        </p:nvSpPr>
-        <p:spPr>
-          <a:xfrm rot="0">
-            <a:off x="6295501" y="5824509"/>
-            <a:ext cx="739335" cy="234697"/>
-          </a:xfrm>
-          <a:prstGeom prst="rect">
-            <a:avLst/>
-          </a:prstGeom>
-        </p:spPr>
-        <p:txBody>
-          <a:bodyPr anchor="t" rtlCol="false" tIns="0" lIns="0" bIns="0" rIns="0">
-            <a:spAutoFit/>
-          </a:bodyPr>
-          <a:lstStyle/>
-          <a:p>
-            <a:pPr algn="l" rtl="true">
-              <a:lnSpc>
-                <a:spcPts val="2131"/>
-              </a:lnSpc>
-            </a:pPr>
-            <a:r>
-              <a:rPr lang="ar-EG" b="true" sz="852" spc="3">
-                <a:solidFill>
-                  <a:srgbClr val="366FB5"/>
-                </a:solidFill>
-                <a:latin typeface="Cairo Bold"/>
-                <a:ea typeface="Cairo Bold"/>
-                <a:cs typeface="Cairo Bold"/>
-                <a:sym typeface="Cairo Bold"/>
-                <a:rtl val="true"/>
-              </a:rPr>
-              <a:t>ﺟﻬﺔ اﻟﻌﻤﻞ</a:t>
-            </a:r>
-          </a:p>
-        </p:txBody>
-      </p:sp>
-      <p:sp>
-        <p:nvSpPr>
-          <p:cNvPr name="TextBox 68" id="68"/>
-          <p:cNvSpPr txBox="true"/>
-          <p:nvPr/>
-        </p:nvSpPr>
-        <p:spPr>
-          <a:xfrm rot="0">
-            <a:off x="6066225" y="5865343"/>
-            <a:ext cx="22660" cy="219799"/>
-          </a:xfrm>
-          <a:prstGeom prst="rect">
-            <a:avLst/>
-          </a:prstGeom>
-        </p:spPr>
-        <p:txBody>
-          <a:bodyPr anchor="t" rtlCol="false" tIns="0" lIns="0" bIns="0" rIns="0">
-            <a:spAutoFit/>
-          </a:bodyPr>
-          <a:lstStyle/>
-          <a:p>
-            <a:pPr algn="l">
-              <a:lnSpc>
-                <a:spcPts val="2005"/>
-              </a:lnSpc>
-            </a:pPr>
-            <a:r>
-              <a:rPr lang="en-US" b="true" sz="802" spc="3">
-                <a:solidFill>
-                  <a:srgbClr val="000000"/>
-                </a:solidFill>
-                <a:latin typeface="Cairo Semi-Bold"/>
-                <a:ea typeface="Cairo Semi-Bold"/>
-                <a:cs typeface="Cairo Semi-Bold"/>
-                <a:sym typeface="Cairo Semi-Bold"/>
-              </a:rPr>
-              <a:t> </a:t>
-            </a:r>
-          </a:p>
-        </p:txBody>
-      </p:sp>
-      <p:sp>
-        <p:nvSpPr>
-          <p:cNvPr name="TextBox 69" id="69"/>
-          <p:cNvSpPr txBox="true"/>
-          <p:nvPr/>
-        </p:nvSpPr>
-        <p:spPr>
-          <a:xfrm rot="0">
-            <a:off x="6077555" y="6218968"/>
-            <a:ext cx="1020240" cy="220724"/>
-          </a:xfrm>
-          <a:prstGeom prst="rect">
-            <a:avLst/>
-          </a:prstGeom>
-        </p:spPr>
-        <p:txBody>
-          <a:bodyPr anchor="t" rtlCol="false" tIns="0" lIns="0" bIns="0" rIns="0">
-            <a:spAutoFit/>
-          </a:bodyPr>
-          <a:lstStyle/>
-          <a:p>
-            <a:pPr algn="l" rtl="true">
-              <a:lnSpc>
-                <a:spcPts val="1902"/>
-              </a:lnSpc>
-            </a:pPr>
-            <a:r>
-              <a:rPr lang="ar-EG" b="true" sz="760" spc="8">
-                <a:solidFill>
-                  <a:srgbClr val="366FB5"/>
-                </a:solidFill>
-                <a:latin typeface="Cairo Bold"/>
-                <a:ea typeface="Cairo Bold"/>
-                <a:cs typeface="Cairo Bold"/>
-                <a:sym typeface="Cairo Bold"/>
-                <a:rtl val="true"/>
-              </a:rPr>
-              <a:t>اﺳﻢ اﻟﻄﺒﻴﺐ اﻟﻤﻌﺎﻟﺞ</a:t>
-            </a:r>
-            <a:r>
-              <a:rPr lang="ar-EG" b="true" sz="760" spc="8">
-                <a:solidFill>
-                  <a:srgbClr val="000000"/>
-                </a:solidFill>
-                <a:latin typeface="Cairo Bold"/>
-                <a:ea typeface="Cairo Bold"/>
-                <a:cs typeface="Cairo Bold"/>
-                <a:sym typeface="Cairo Bold"/>
-                <a:rtl val="true"/>
-              </a:rPr>
-              <a:t> </a:t>
-            </a:r>
-          </a:p>
-        </p:txBody>
-      </p:sp>
-      <p:sp>
-        <p:nvSpPr>
-          <p:cNvPr name="TextBox 70" id="70"/>
-          <p:cNvSpPr txBox="true"/>
-          <p:nvPr/>
-        </p:nvSpPr>
-        <p:spPr>
-          <a:xfrm rot="0">
-            <a:off x="6102367" y="6596543"/>
-            <a:ext cx="932469" cy="226695"/>
-          </a:xfrm>
-          <a:prstGeom prst="rect">
-            <a:avLst/>
-          </a:prstGeom>
-        </p:spPr>
-        <p:txBody>
-          <a:bodyPr anchor="t" rtlCol="false" tIns="0" lIns="0" bIns="0" rIns="0">
-            <a:spAutoFit/>
-          </a:bodyPr>
-          <a:lstStyle/>
-          <a:p>
-            <a:pPr algn="l" rtl="true">
-              <a:lnSpc>
-                <a:spcPts val="2000"/>
-              </a:lnSpc>
-            </a:pPr>
-            <a:r>
-              <a:rPr lang="ar-EG" b="true" sz="800" spc="3">
-                <a:solidFill>
-                  <a:srgbClr val="366FB5"/>
-                </a:solidFill>
-                <a:latin typeface="Cairo Bold"/>
-                <a:ea typeface="Cairo Bold"/>
-                <a:cs typeface="Cairo Bold"/>
-                <a:sym typeface="Cairo Bold"/>
-                <a:rtl val="true"/>
-              </a:rPr>
-              <a:t>اﻟﻤﺴﻤﻰ اﻟﻮﻇﻴﻔﻲ</a:t>
-            </a:r>
-            <a:r>
-              <a:rPr lang="ar-EG" b="true" sz="800" spc="3">
-                <a:solidFill>
-                  <a:srgbClr val="000000"/>
-                </a:solidFill>
-                <a:latin typeface="Cairo Bold"/>
-                <a:ea typeface="Cairo Bold"/>
-                <a:cs typeface="Cairo Bold"/>
-                <a:sym typeface="Cairo Bold"/>
-                <a:rtl val="true"/>
-              </a:rPr>
-              <a:t> </a:t>
-            </a:r>
-          </a:p>
-        </p:txBody>
-      </p:sp>
-      <p:sp>
-        <p:nvSpPr>
-          <p:cNvPr name="TextBox 71" id="71"/>
-          <p:cNvSpPr txBox="true"/>
-          <p:nvPr/>
-        </p:nvSpPr>
-        <p:spPr>
-          <a:xfrm rot="0">
-            <a:off x="2168862" y="6283042"/>
-            <a:ext cx="1155621" cy="133294"/>
-          </a:xfrm>
-          <a:prstGeom prst="rect">
-            <a:avLst/>
-          </a:prstGeom>
-        </p:spPr>
-        <p:txBody>
-          <a:bodyPr anchor="t" rtlCol="false" tIns="0" lIns="0" bIns="0" rIns="0">
-            <a:spAutoFit/>
-          </a:bodyPr>
-          <a:lstStyle/>
-          <a:p>
-            <a:pPr algn="l">
-              <a:lnSpc>
-                <a:spcPts val="1053"/>
-              </a:lnSpc>
-            </a:pPr>
-            <a:r>
-              <a:rPr lang="en-US" b="true" sz="752" spc="4">
-                <a:solidFill>
-                  <a:srgbClr val="2C3E77"/>
-                </a:solidFill>
-                <a:latin typeface="Cairo Semi-Bold"/>
-                <a:ea typeface="Cairo Semi-Bold"/>
-                <a:cs typeface="Cairo Semi-Bold"/>
-                <a:sym typeface="Cairo Semi-Bold"/>
-              </a:rPr>
-              <a:t>{DOCTOR_NAME_EN}</a:t>
-            </a:r>
-          </a:p>
-        </p:txBody>
-      </p:sp>
-      <p:sp>
-        <p:nvSpPr>
-          <p:cNvPr name="TextBox 72" id="72"/>
-          <p:cNvSpPr txBox="true"/>
-          <p:nvPr/>
-        </p:nvSpPr>
-        <p:spPr>
-          <a:xfrm rot="0">
-            <a:off x="1499406" y="4763877"/>
-            <a:ext cx="2200827" cy="127319"/>
-          </a:xfrm>
-          <a:prstGeom prst="rect">
-            <a:avLst/>
-          </a:prstGeom>
-        </p:spPr>
-        <p:txBody>
-          <a:bodyPr anchor="t" rtlCol="false" tIns="0" lIns="0" bIns="0" rIns="0">
-            <a:spAutoFit/>
-          </a:bodyPr>
-          <a:lstStyle/>
-          <a:p>
-            <a:pPr algn="ctr">
-              <a:lnSpc>
-                <a:spcPts val="1053"/>
-              </a:lnSpc>
-            </a:pPr>
-            <a:r>
-              <a:rPr lang="en-US" sz="752" spc="3">
-                <a:solidFill>
-                  <a:srgbClr val="2C3E77"/>
-                </a:solidFill>
-                <a:latin typeface="Cairo"/>
-                <a:ea typeface="Cairo"/>
-                <a:cs typeface="Cairo"/>
-                <a:sym typeface="Cairo"/>
-              </a:rPr>
-              <a:t>{NAME_ENGLISH}</a:t>
-            </a:r>
-          </a:p>
-        </p:txBody>
-      </p:sp>
-      <p:sp>
-        <p:nvSpPr>
-          <p:cNvPr name="TextBox 73" id="73"/>
-          <p:cNvSpPr txBox="true"/>
-          <p:nvPr/>
-        </p:nvSpPr>
-        <p:spPr>
-          <a:xfrm rot="0">
-            <a:off x="4515441" y="6283042"/>
-            <a:ext cx="748951" cy="266644"/>
-          </a:xfrm>
-          <a:prstGeom prst="rect">
-            <a:avLst/>
-          </a:prstGeom>
-        </p:spPr>
-        <p:txBody>
-          <a:bodyPr anchor="t" rtlCol="false" tIns="0" lIns="0" bIns="0" rIns="0">
-            <a:spAutoFit/>
-          </a:bodyPr>
-          <a:lstStyle/>
-          <a:p>
-            <a:pPr algn="r">
-              <a:lnSpc>
-                <a:spcPts val="1053"/>
-              </a:lnSpc>
-            </a:pPr>
-            <a:r>
-              <a:rPr lang="en-US" b="true" sz="752" spc="3">
-                <a:solidFill>
-                  <a:srgbClr val="2C3E77"/>
-                </a:solidFill>
-                <a:latin typeface="Cairo Semi-Bold"/>
-                <a:ea typeface="Cairo Semi-Bold"/>
-                <a:cs typeface="Cairo Semi-Bold"/>
-                <a:sym typeface="Cairo Semi-Bold"/>
-              </a:rPr>
-              <a:t>{DOCTOR_NAME_AR}</a:t>
-            </a:r>
-          </a:p>
-        </p:txBody>
-      </p:sp>
-      <p:sp>
-        <p:nvSpPr>
-          <p:cNvPr name="TextBox 74" id="74"/>
-          <p:cNvSpPr txBox="true"/>
-          <p:nvPr/>
-        </p:nvSpPr>
-        <p:spPr>
-          <a:xfrm rot="0">
-            <a:off x="4079898" y="4780724"/>
-            <a:ext cx="1727267" cy="127319"/>
-          </a:xfrm>
-          <a:prstGeom prst="rect">
-            <a:avLst/>
-          </a:prstGeom>
-        </p:spPr>
-        <p:txBody>
-          <a:bodyPr anchor="t" rtlCol="false" tIns="0" lIns="0" bIns="0" rIns="0">
-            <a:spAutoFit/>
-          </a:bodyPr>
-          <a:lstStyle/>
-          <a:p>
-            <a:pPr algn="ctr">
-              <a:lnSpc>
-                <a:spcPts val="1053"/>
-              </a:lnSpc>
-            </a:pPr>
-            <a:r>
-              <a:rPr lang="en-US" sz="752" spc="2">
-                <a:solidFill>
-                  <a:srgbClr val="2C3E77"/>
-                </a:solidFill>
-                <a:latin typeface="Cairo"/>
-                <a:ea typeface="Cairo"/>
-                <a:cs typeface="Cairo"/>
-                <a:sym typeface="Cairo"/>
-              </a:rPr>
-              <a:t>{NAME_ARABIC}</a:t>
-            </a:r>
-          </a:p>
-        </p:txBody>
-      </p:sp>
-      <p:sp>
-        <p:nvSpPr>
-          <p:cNvPr name="TextBox 75" id="75"/>
-          <p:cNvSpPr txBox="true"/>
-          <p:nvPr/>
-        </p:nvSpPr>
-        <p:spPr>
-          <a:xfrm rot="0">
-            <a:off x="289779" y="8136445"/>
-            <a:ext cx="2582828" cy="392061"/>
-          </a:xfrm>
-          <a:prstGeom prst="rect">
-            <a:avLst/>
-          </a:prstGeom>
-        </p:spPr>
-        <p:txBody>
-          <a:bodyPr anchor="t" rtlCol="false" tIns="0" lIns="0" bIns="0" rIns="0">
-            <a:spAutoFit/>
-          </a:bodyPr>
-          <a:lstStyle/>
-          <a:p>
-            <a:pPr algn="ctr" rtl="true">
-              <a:lnSpc>
-                <a:spcPts val="1629"/>
-              </a:lnSpc>
-            </a:pPr>
-            <a:r>
-              <a:rPr lang="ar-EG" b="true" sz="651" spc="2">
-                <a:solidFill>
-                  <a:srgbClr val="000000"/>
-                </a:solidFill>
-                <a:latin typeface="Cairo Bold"/>
-                <a:ea typeface="Cairo Bold"/>
-                <a:cs typeface="Cairo Bold"/>
-                <a:sym typeface="Cairo Bold"/>
-                <a:rtl val="true"/>
-              </a:rPr>
-              <a:t>ﻟﻠﺘﺤﻘﻖ ﻣﻦ ﺑﻴﺎﻧﺎت اﻟﺘﻘﺮﻳﺮ ﻳﺮﺟﻰ اﻟﺘﺄﻛﺪ ﻣﻦ زﻳﺎرة ﻣﻮﻗﻊ ﻣﻨﺼﺔ ﺻﺤﺔ اﻟﺮﺳﻤﻲ  </a:t>
-            </a:r>
-            <a:r>
-              <a:rPr lang="en-US" b="true" sz="651" spc="2">
-                <a:solidFill>
-                  <a:srgbClr val="000000"/>
-                </a:solidFill>
-                <a:latin typeface="Cairo Bold"/>
-                <a:ea typeface="Cairo Bold"/>
-                <a:cs typeface="Cairo Bold"/>
-                <a:sym typeface="Cairo Bold"/>
-              </a:rPr>
-              <a:t>To check the report please visit Seha's offical website</a:t>
-            </a:r>
-          </a:p>
-        </p:txBody>
-      </p:sp>
-      <p:sp>
-        <p:nvSpPr>
-          <p:cNvPr name="TextBox 76" id="76"/>
-          <p:cNvSpPr txBox="true"/>
-          <p:nvPr/>
-        </p:nvSpPr>
-        <p:spPr>
-          <a:xfrm rot="0">
-            <a:off x="3133420" y="607228"/>
-            <a:ext cx="1210713" cy="148447"/>
-          </a:xfrm>
-          <a:prstGeom prst="rect">
-            <a:avLst/>
-          </a:prstGeom>
-        </p:spPr>
-        <p:txBody>
-          <a:bodyPr anchor="t" rtlCol="false" tIns="0" lIns="0" bIns="0" rIns="0">
-            <a:spAutoFit/>
-          </a:bodyPr>
-          <a:lstStyle/>
-          <a:p>
-            <a:pPr algn="l">
-              <a:lnSpc>
-                <a:spcPts val="1263"/>
-              </a:lnSpc>
-            </a:pPr>
-            <a:r>
-              <a:rPr lang="en-US" b="true" sz="902" spc="2">
-                <a:solidFill>
-                  <a:srgbClr val="000000"/>
-                </a:solidFill>
-                <a:latin typeface="Cairo Semi-Bold"/>
-                <a:ea typeface="Cairo Semi-Bold"/>
-                <a:cs typeface="Cairo Semi-Bold"/>
-                <a:sym typeface="Cairo Semi-Bold"/>
-              </a:rPr>
-              <a:t>Kingdom of Saudi Arabia</a:t>
-            </a:r>
-          </a:p>
-        </p:txBody>
-      </p:sp>
-      <p:sp>
-        <p:nvSpPr>
-          <p:cNvPr name="TextBox 77" id="77"/>
-          <p:cNvSpPr txBox="true"/>
-          <p:nvPr/>
-        </p:nvSpPr>
-        <p:spPr>
-          <a:xfrm rot="0">
-            <a:off x="3890474" y="3123000"/>
-            <a:ext cx="1916692" cy="234697"/>
-          </a:xfrm>
-          <a:prstGeom prst="rect">
-            <a:avLst/>
-          </a:prstGeom>
-        </p:spPr>
-        <p:txBody>
-          <a:bodyPr anchor="t" rtlCol="false" tIns="0" lIns="0" bIns="0" rIns="0">
-            <a:spAutoFit/>
-          </a:bodyPr>
-          <a:lstStyle/>
-          <a:p>
-            <a:pPr algn="r" rtl="true">
-              <a:lnSpc>
-                <a:spcPts val="2131"/>
-              </a:lnSpc>
-            </a:pPr>
-            <a:r>
-              <a:rPr lang="en-US" b="true" sz="852">
-                <a:solidFill>
-                  <a:srgbClr val="FFFFFF"/>
-                </a:solidFill>
-                <a:latin typeface="Cairo Semi-Bold"/>
-                <a:ea typeface="Cairo Semi-Bold"/>
-                <a:cs typeface="Cairo Semi-Bold"/>
-                <a:sym typeface="Cairo Semi-Bold"/>
-              </a:rPr>
-              <a:t>2</a:t>
-            </a:r>
-            <a:r>
-              <a:rPr lang="ar-EG" b="true" sz="852">
-                <a:solidFill>
-                  <a:srgbClr val="FFFFFF"/>
-                </a:solidFill>
-                <a:latin typeface="Cairo Semi-Bold"/>
-                <a:ea typeface="Cairo Semi-Bold"/>
-                <a:cs typeface="Cairo Semi-Bold"/>
-                <a:sym typeface="Cairo Semi-Bold"/>
-                <a:rtl val="true"/>
-              </a:rPr>
-              <a:t> يوم ( </a:t>
-            </a:r>
-            <a:r>
-              <a:rPr lang="en-US" b="true" sz="852">
-                <a:solidFill>
-                  <a:srgbClr val="FFFFFF"/>
-                </a:solidFill>
-                <a:latin typeface="Cairo Semi-Bold"/>
-                <a:ea typeface="Cairo Semi-Bold"/>
-                <a:cs typeface="Cairo Semi-Bold"/>
-                <a:sym typeface="Cairo Semi-Bold"/>
-              </a:rPr>
-              <a:t>1446</a:t>
-            </a:r>
-            <a:r>
-              <a:rPr lang="ar-EG" b="true" sz="852">
-                <a:solidFill>
-                  <a:srgbClr val="FFFFFF"/>
-                </a:solidFill>
-                <a:latin typeface="Cairo Semi-Bold"/>
-                <a:ea typeface="Cairo Semi-Bold"/>
-                <a:cs typeface="Cairo Semi-Bold"/>
-                <a:sym typeface="Cairo Semi-Bold"/>
-                <a:rtl val="true"/>
-              </a:rPr>
-              <a:t>-</a:t>
-            </a:r>
-            <a:r>
-              <a:rPr lang="en-US" b="true" sz="852">
-                <a:solidFill>
-                  <a:srgbClr val="FFFFFF"/>
-                </a:solidFill>
-                <a:latin typeface="Cairo Semi-Bold"/>
-                <a:ea typeface="Cairo Semi-Bold"/>
-                <a:cs typeface="Cairo Semi-Bold"/>
-                <a:sym typeface="Cairo Semi-Bold"/>
-              </a:rPr>
-              <a:t>10</a:t>
-            </a:r>
-            <a:r>
-              <a:rPr lang="ar-EG" b="true" sz="852">
-                <a:solidFill>
-                  <a:srgbClr val="FFFFFF"/>
-                </a:solidFill>
-                <a:latin typeface="Cairo Semi-Bold"/>
-                <a:ea typeface="Cairo Semi-Bold"/>
-                <a:cs typeface="Cairo Semi-Bold"/>
-                <a:sym typeface="Cairo Semi-Bold"/>
-                <a:rtl val="true"/>
-              </a:rPr>
-              <a:t>-</a:t>
-            </a:r>
-            <a:r>
-              <a:rPr lang="en-US" b="true" sz="852">
-                <a:solidFill>
-                  <a:srgbClr val="FFFFFF"/>
-                </a:solidFill>
-                <a:latin typeface="Cairo Semi-Bold"/>
-                <a:ea typeface="Cairo Semi-Bold"/>
-                <a:cs typeface="Cairo Semi-Bold"/>
-                <a:sym typeface="Cairo Semi-Bold"/>
-              </a:rPr>
-              <a:t>22</a:t>
-            </a:r>
-            <a:r>
-              <a:rPr lang="ar-EG" b="true" sz="852">
-                <a:solidFill>
-                  <a:srgbClr val="FFFFFF"/>
-                </a:solidFill>
-                <a:latin typeface="Cairo Semi-Bold"/>
-                <a:ea typeface="Cairo Semi-Bold"/>
-                <a:cs typeface="Cairo Semi-Bold"/>
-                <a:sym typeface="Cairo Semi-Bold"/>
-                <a:rtl val="true"/>
-              </a:rPr>
-              <a:t> الى </a:t>
-            </a:r>
-            <a:r>
-              <a:rPr lang="en-US" b="true" sz="852">
-                <a:solidFill>
-                  <a:srgbClr val="FFFFFF"/>
-                </a:solidFill>
-                <a:latin typeface="Cairo Semi-Bold"/>
-                <a:ea typeface="Cairo Semi-Bold"/>
-                <a:cs typeface="Cairo Semi-Bold"/>
-                <a:sym typeface="Cairo Semi-Bold"/>
-              </a:rPr>
-              <a:t>1446</a:t>
-            </a:r>
-            <a:r>
-              <a:rPr lang="ar-EG" b="true" sz="852">
-                <a:solidFill>
-                  <a:srgbClr val="FFFFFF"/>
-                </a:solidFill>
-                <a:latin typeface="Cairo Semi-Bold"/>
-                <a:ea typeface="Cairo Semi-Bold"/>
-                <a:cs typeface="Cairo Semi-Bold"/>
-                <a:sym typeface="Cairo Semi-Bold"/>
-                <a:rtl val="true"/>
-              </a:rPr>
-              <a:t>-</a:t>
-            </a:r>
-            <a:r>
-              <a:rPr lang="en-US" b="true" sz="852">
-                <a:solidFill>
-                  <a:srgbClr val="FFFFFF"/>
-                </a:solidFill>
-                <a:latin typeface="Cairo Semi-Bold"/>
-                <a:ea typeface="Cairo Semi-Bold"/>
-                <a:cs typeface="Cairo Semi-Bold"/>
-                <a:sym typeface="Cairo Semi-Bold"/>
-              </a:rPr>
-              <a:t>10</a:t>
-            </a:r>
-            <a:r>
-              <a:rPr lang="ar-EG" b="true" sz="852">
-                <a:solidFill>
-                  <a:srgbClr val="FFFFFF"/>
-                </a:solidFill>
-                <a:latin typeface="Cairo Semi-Bold"/>
-                <a:ea typeface="Cairo Semi-Bold"/>
-                <a:cs typeface="Cairo Semi-Bold"/>
-                <a:sym typeface="Cairo Semi-Bold"/>
-                <a:rtl val="true"/>
-              </a:rPr>
-              <a:t>-</a:t>
-            </a:r>
-            <a:r>
-              <a:rPr lang="en-US" b="true" sz="852">
-                <a:solidFill>
-                  <a:srgbClr val="FFFFFF"/>
-                </a:solidFill>
-                <a:latin typeface="Cairo Semi-Bold"/>
-                <a:ea typeface="Cairo Semi-Bold"/>
-                <a:cs typeface="Cairo Semi-Bold"/>
-                <a:sym typeface="Cairo Semi-Bold"/>
-              </a:rPr>
-              <a:t>21</a:t>
-            </a:r>
-            <a:r>
-              <a:rPr lang="ar-EG" b="true" sz="852">
-                <a:solidFill>
-                  <a:srgbClr val="FFFFFF"/>
-                </a:solidFill>
-                <a:latin typeface="Cairo Semi-Bold"/>
-                <a:ea typeface="Cairo Semi-Bold"/>
-                <a:cs typeface="Cairo Semi-Bold"/>
-                <a:sym typeface="Cairo Semi-Bold"/>
-                <a:rtl val="true"/>
-              </a:rPr>
-              <a:t> ) </a:t>
-            </a:r>
-          </a:p>
-        </p:txBody>
-      </p:sp>
-      <p:sp>
-        <p:nvSpPr>
-          <p:cNvPr name="TextBox 78" id="78"/>
-          <p:cNvSpPr txBox="true"/>
-          <p:nvPr/>
-        </p:nvSpPr>
-        <p:spPr>
-          <a:xfrm rot="0">
-            <a:off x="5364385" y="8079019"/>
-            <a:ext cx="1475965" cy="146453"/>
-          </a:xfrm>
-          <a:prstGeom prst="rect">
-            <a:avLst/>
-          </a:prstGeom>
-        </p:spPr>
-        <p:txBody>
-          <a:bodyPr anchor="t" rtlCol="false" tIns="0" lIns="0" bIns="0" rIns="0">
-            <a:spAutoFit/>
-          </a:bodyPr>
-          <a:lstStyle/>
-          <a:p>
-            <a:pPr algn="ctr">
-              <a:lnSpc>
-                <a:spcPts val="1253"/>
-              </a:lnSpc>
-            </a:pPr>
-            <a:r>
-              <a:rPr lang="en-US" b="true" sz="651" spc="1">
-                <a:solidFill>
-                  <a:srgbClr val="000000"/>
-                </a:solidFill>
-                <a:latin typeface="Cairo Bold"/>
-                <a:ea typeface="Cairo Bold"/>
-                <a:cs typeface="Cairo Bold"/>
-                <a:sym typeface="Cairo Bold"/>
-              </a:rPr>
-              <a:t>{HOSPITAL_NAME_AR}</a:t>
-            </a:r>
-          </a:p>
-        </p:txBody>
-      </p:sp>
-      <p:sp>
-        <p:nvSpPr>
-          <p:cNvPr name="TextBox 79" id="79"/>
-          <p:cNvSpPr txBox="true"/>
-          <p:nvPr/>
-        </p:nvSpPr>
-        <p:spPr>
-          <a:xfrm rot="0">
-            <a:off x="5364385" y="8237707"/>
-            <a:ext cx="1475965" cy="146453"/>
-          </a:xfrm>
-          <a:prstGeom prst="rect">
-            <a:avLst/>
-          </a:prstGeom>
-        </p:spPr>
-        <p:txBody>
-          <a:bodyPr anchor="t" rtlCol="false" tIns="0" lIns="0" bIns="0" rIns="0">
-            <a:spAutoFit/>
-          </a:bodyPr>
-          <a:lstStyle/>
-          <a:p>
-            <a:pPr algn="ctr">
-              <a:lnSpc>
-                <a:spcPts val="1253"/>
-              </a:lnSpc>
-            </a:pPr>
-            <a:r>
-              <a:rPr lang="en-US" b="true" sz="651" spc="1">
-                <a:solidFill>
-                  <a:srgbClr val="000000"/>
-                </a:solidFill>
-                <a:latin typeface="Cairo Bold"/>
-                <a:ea typeface="Cairo Bold"/>
-                <a:cs typeface="Cairo Bold"/>
-                <a:sym typeface="Cairo Bold"/>
-              </a:rPr>
-              <a:t> {HOSPITAL_NAME_EN}</a:t>
-            </a:r>
-          </a:p>
-        </p:txBody>
-      </p:sp>
-      <p:sp>
-        <p:nvSpPr>
-          <p:cNvPr name="TextBox 80" id="80"/>
-          <p:cNvSpPr txBox="true"/>
-          <p:nvPr/>
-        </p:nvSpPr>
-        <p:spPr>
-          <a:xfrm rot="0">
-            <a:off x="5364385" y="8396395"/>
-            <a:ext cx="1475965" cy="146453"/>
-          </a:xfrm>
-          <a:prstGeom prst="rect">
-            <a:avLst/>
-          </a:prstGeom>
-        </p:spPr>
-        <p:txBody>
-          <a:bodyPr anchor="t" rtlCol="false" tIns="0" lIns="0" bIns="0" rIns="0">
-            <a:spAutoFit/>
-          </a:bodyPr>
-          <a:lstStyle/>
-          <a:p>
-            <a:pPr algn="ctr">
-              <a:lnSpc>
-                <a:spcPts val="1253"/>
-              </a:lnSpc>
-            </a:pPr>
-            <a:r>
-              <a:rPr lang="en-US" b="true" sz="651" spc="1">
-                <a:solidFill>
-                  <a:srgbClr val="000000"/>
-                </a:solidFill>
-                <a:latin typeface="Cairo Bold"/>
-                <a:ea typeface="Cairo Bold"/>
-                <a:cs typeface="Cairo Bold"/>
-                <a:sym typeface="Cairo Bold"/>
-              </a:rPr>
-              <a:t> </a:t>
-            </a:r>
-            <a:r>
-              <a:rPr lang="ar-EG" b="true" sz="651" spc="1">
-                <a:solidFill>
-                  <a:srgbClr val="000000"/>
-                </a:solidFill>
-                <a:latin typeface="Cairo Bold"/>
-                <a:ea typeface="Cairo Bold"/>
-                <a:cs typeface="Cairo Bold"/>
-                <a:sym typeface="Cairo Bold"/>
-                <a:rtl val="true"/>
-              </a:rPr>
-              <a:t>رﻗﻢ اﻟﱰﺧﻴﺺ : </a:t>
-            </a:r>
-            <a:r>
-              <a:rPr lang="en-US" b="true" sz="651" spc="1">
-                <a:solidFill>
-                  <a:srgbClr val="000000"/>
-                </a:solidFill>
-                <a:latin typeface="Cairo Bold"/>
-                <a:ea typeface="Cairo Bold"/>
-                <a:cs typeface="Cairo Bold"/>
-                <a:sym typeface="Cairo Bold"/>
-              </a:rPr>
-              <a:t>3810501001210006</a:t>
+              <a:t>1124875699</a:t>
             </a:r>
           </a:p>
         </p:txBody>

--- a/public/templates/report_template.pptx
+++ b/public/templates/report_template.pptx
@@ -11,16 +11,12 @@
   <p:notesSz cx="6858000" cy="9144000"/>
   <p:embeddedFontLst>
     <p:embeddedFont>
-      <p:font typeface="Cairo Bold" charset="1" panose="00000800000000000000"/>
+      <p:font typeface="Cairo Semi-Bold" charset="1" panose="00000700000000000000"/>
       <p:regular r:id="rId7"/>
     </p:embeddedFont>
     <p:embeddedFont>
-      <p:font typeface="Cairo Semi-Bold" charset="1" panose="00000700000000000000"/>
+      <p:font typeface="Cairo Bold" charset="1" panose="00000800000000000000"/>
       <p:regular r:id="rId8"/>
-    </p:embeddedFont>
-    <p:embeddedFont>
-      <p:font typeface="Cairo" charset="1" panose="00000500000000000000"/>
-      <p:regular r:id="rId9"/>
     </p:embeddedFont>
   </p:embeddedFontLst>
   <p:defaultTextStyle>
@@ -3127,7 +3123,7 @@
         </p:nvSpPr>
         <p:spPr>
           <a:xfrm flipH="false" flipV="false" rot="0">
-            <a:off x="391815" y="2675582"/>
+            <a:off x="407784" y="2699971"/>
             <a:ext cx="6674063" cy="4349477"/>
           </a:xfrm>
           <a:custGeom>
@@ -3171,9 +3167,242 @@
           </a:blipFill>
         </p:spPr>
       </p:sp>
+      <p:sp>
+        <p:nvSpPr>
+          <p:cNvPr name="TextBox 4" id="4"/>
+          <p:cNvSpPr txBox="true"/>
+          <p:nvPr/>
+        </p:nvSpPr>
+        <p:spPr>
+          <a:xfrm rot="0">
+            <a:off x="1856627" y="3180683"/>
+            <a:ext cx="1735765" cy="234697"/>
+          </a:xfrm>
+          <a:prstGeom prst="rect">
+            <a:avLst/>
+          </a:prstGeom>
+        </p:spPr>
+        <p:txBody>
+          <a:bodyPr anchor="t" rtlCol="false" tIns="0" lIns="0" bIns="0" rIns="0">
+            <a:spAutoFit/>
+          </a:bodyPr>
+          <a:lstStyle/>
+          <a:p>
+            <a:pPr algn="ctr">
+              <a:lnSpc>
+                <a:spcPts val="2131"/>
+              </a:lnSpc>
+            </a:pPr>
+            <a:r>
+              <a:rPr lang="en-US" b="true" sz="852">
+                <a:solidFill>
+                  <a:srgbClr val="FFFFFF"/>
+                </a:solidFill>
+                <a:latin typeface="Cairo Semi-Bold"/>
+                <a:ea typeface="Cairo Semi-Bold"/>
+                <a:cs typeface="Cairo Semi-Bold"/>
+                <a:sym typeface="Cairo Semi-Bold"/>
+              </a:rPr>
+              <a:t>to</a:t>
+            </a:r>
+          </a:p>
+        </p:txBody>
+      </p:sp>
+      <p:sp>
+        <p:nvSpPr>
+          <p:cNvPr name="TextBox 5" id="5"/>
+          <p:cNvSpPr txBox="true"/>
+          <p:nvPr/>
+        </p:nvSpPr>
+        <p:spPr>
+          <a:xfrm rot="0">
+            <a:off x="1730454" y="3188074"/>
+            <a:ext cx="1713281" cy="230726"/>
+          </a:xfrm>
+          <a:prstGeom prst="rect">
+            <a:avLst/>
+          </a:prstGeom>
+        </p:spPr>
+        <p:txBody>
+          <a:bodyPr anchor="t" rtlCol="false" tIns="0" lIns="0" bIns="0" rIns="0">
+            <a:spAutoFit/>
+          </a:bodyPr>
+          <a:lstStyle/>
+          <a:p>
+            <a:pPr algn="l">
+              <a:lnSpc>
+                <a:spcPts val="2131"/>
+              </a:lnSpc>
+            </a:pPr>
+            <a:r>
+              <a:rPr lang="en-US" b="true" sz="852">
+                <a:solidFill>
+                  <a:srgbClr val="FFFFFF"/>
+                </a:solidFill>
+                <a:latin typeface="Cairo Semi-Bold"/>
+                <a:ea typeface="Cairo Semi-Bold"/>
+                <a:cs typeface="Cairo Semi-Bold"/>
+                <a:sym typeface="Cairo Semi-Bold"/>
+              </a:rPr>
+              <a:t>   </a:t>
+            </a:r>
+            <a:r>
+              <a:rPr lang="en-US" b="true" sz="852">
+                <a:solidFill>
+                  <a:srgbClr val="FFFFFF"/>
+                </a:solidFill>
+                <a:latin typeface="Cairo Semi-Bold"/>
+                <a:ea typeface="Cairo Semi-Bold"/>
+                <a:cs typeface="Cairo Semi-Bold"/>
+                <a:sym typeface="Cairo Semi-Bold"/>
+              </a:rPr>
+              <a:t> day (                                                         )</a:t>
+            </a:r>
+          </a:p>
+        </p:txBody>
+      </p:sp>
+      <p:sp>
+        <p:nvSpPr>
+          <p:cNvPr name="TextBox 6" id="6"/>
+          <p:cNvSpPr txBox="true"/>
+          <p:nvPr/>
+        </p:nvSpPr>
+        <p:spPr>
+          <a:xfrm rot="0">
+            <a:off x="1383519" y="6342316"/>
+            <a:ext cx="2394427" cy="127000"/>
+          </a:xfrm>
+          <a:prstGeom prst="rect">
+            <a:avLst/>
+          </a:prstGeom>
+        </p:spPr>
+        <p:txBody>
+          <a:bodyPr anchor="t" rtlCol="false" tIns="0" lIns="0" bIns="0" rIns="0">
+            <a:spAutoFit/>
+          </a:bodyPr>
+          <a:lstStyle/>
+          <a:p>
+            <a:pPr algn="ctr">
+              <a:lnSpc>
+                <a:spcPts val="1050"/>
+              </a:lnSpc>
+            </a:pPr>
+            <a:r>
+              <a:rPr lang="en-US" b="true" sz="750" spc="3">
+                <a:solidFill>
+                  <a:srgbClr val="2C3E77"/>
+                </a:solidFill>
+                <a:latin typeface="Cairo Semi-Bold"/>
+                <a:ea typeface="Cairo Semi-Bold"/>
+                <a:cs typeface="Cairo Semi-Bold"/>
+                <a:sym typeface="Cairo Semi-Bold"/>
+              </a:rPr>
+              <a:t>{{DOCTOR_NAME_EN}}</a:t>
+            </a:r>
+          </a:p>
+        </p:txBody>
+      </p:sp>
+      <p:sp>
+        <p:nvSpPr>
+          <p:cNvPr name="Freeform 7" id="7"/>
+          <p:cNvSpPr/>
+          <p:nvPr/>
+        </p:nvSpPr>
+        <p:spPr>
+          <a:xfrm flipH="false" flipV="false" rot="0">
+            <a:off x="1082688" y="7139359"/>
+            <a:ext cx="955310" cy="955310"/>
+          </a:xfrm>
+          <a:custGeom>
+            <a:avLst/>
+            <a:gdLst/>
+            <a:ahLst/>
+            <a:cxnLst/>
+            <a:rect r="r" b="b" t="t" l="l"/>
+            <a:pathLst>
+              <a:path h="955310" w="955310">
+                <a:moveTo>
+                  <a:pt x="0" y="0"/>
+                </a:moveTo>
+                <a:lnTo>
+                  <a:pt x="955310" y="0"/>
+                </a:lnTo>
+                <a:lnTo>
+                  <a:pt x="955310" y="955310"/>
+                </a:lnTo>
+                <a:lnTo>
+                  <a:pt x="0" y="955310"/>
+                </a:lnTo>
+                <a:lnTo>
+                  <a:pt x="0" y="0"/>
+                </a:lnTo>
+                <a:close/>
+              </a:path>
+            </a:pathLst>
+          </a:custGeom>
+          <a:blipFill>
+            <a:blip r:embed="rId5"/>
+            <a:stretch>
+              <a:fillRect l="0" t="0" r="0" b="0"/>
+            </a:stretch>
+          </a:blipFill>
+        </p:spPr>
+      </p:sp>
+      <p:sp>
+        <p:nvSpPr>
+          <p:cNvPr name="Freeform 8" id="8"/>
+          <p:cNvSpPr/>
+          <p:nvPr/>
+        </p:nvSpPr>
+        <p:spPr>
+          <a:xfrm flipH="false" flipV="false" rot="0">
+            <a:off x="792909" y="8680590"/>
+            <a:ext cx="1547603" cy="9525"/>
+          </a:xfrm>
+          <a:custGeom>
+            <a:avLst/>
+            <a:gdLst/>
+            <a:ahLst/>
+            <a:cxnLst/>
+            <a:rect r="r" b="b" t="t" l="l"/>
+            <a:pathLst>
+              <a:path h="9525" w="1547603">
+                <a:moveTo>
+                  <a:pt x="0" y="0"/>
+                </a:moveTo>
+                <a:lnTo>
+                  <a:pt x="1547603" y="0"/>
+                </a:lnTo>
+                <a:lnTo>
+                  <a:pt x="1547603" y="9525"/>
+                </a:lnTo>
+                <a:lnTo>
+                  <a:pt x="0" y="9525"/>
+                </a:lnTo>
+                <a:lnTo>
+                  <a:pt x="0" y="0"/>
+                </a:lnTo>
+                <a:close/>
+              </a:path>
+            </a:pathLst>
+          </a:custGeom>
+          <a:blipFill>
+            <a:blip r:embed="rId6">
+              <a:extLst>
+                <a:ext uri="{96DAC541-7B7A-43D3-8B79-37D633B846F1}">
+                  <asvg:svgBlip xmlns:asvg="http://schemas.microsoft.com/office/drawing/2016/SVG/main" r:embed="rId7"/>
+                </a:ext>
+              </a:extLst>
+            </a:blip>
+            <a:stretch>
+              <a:fillRect l="0" t="0" r="0" b="0"/>
+            </a:stretch>
+          </a:blipFill>
+        </p:spPr>
+      </p:sp>
       <p:grpSp>
         <p:nvGrpSpPr>
-          <p:cNvPr name="Group 4" id="4"/>
+          <p:cNvPr name="Group 9" id="9"/>
           <p:cNvGrpSpPr>
             <a:grpSpLocks noChangeAspect="true"/>
           </p:cNvGrpSpPr>
@@ -3181,7 +3410,7 @@
         </p:nvGrpSpPr>
         <p:grpSpPr>
           <a:xfrm rot="0">
-            <a:off x="3728846" y="7052805"/>
+            <a:off x="3935882" y="7171201"/>
             <a:ext cx="19107" cy="1566710"/>
             <a:chOff x="0" y="0"/>
             <a:chExt cx="19101" cy="1566710"/>
@@ -3189,7 +3418,7 @@
         </p:grpSpPr>
         <p:sp>
           <p:nvSpPr>
-            <p:cNvPr name="Freeform 5" id="5"/>
+            <p:cNvPr name="Freeform 10" id="10"/>
             <p:cNvSpPr/>
             <p:nvPr/>
           </p:nvSpPr>
@@ -3230,14 +3459,14 @@
       </p:grpSp>
       <p:sp>
         <p:nvSpPr>
-          <p:cNvPr name="Freeform 6" id="6"/>
+          <p:cNvPr name="Freeform 11" id="11"/>
           <p:cNvSpPr/>
           <p:nvPr/>
         </p:nvSpPr>
         <p:spPr>
           <a:xfrm flipH="false" flipV="false" rot="0">
-            <a:off x="5624922" y="7139359"/>
-            <a:ext cx="965935" cy="863547"/>
+            <a:off x="5680920" y="7171201"/>
+            <a:ext cx="827932" cy="827932"/>
           </a:xfrm>
           <a:custGeom>
             <a:avLst/>
@@ -3246,18 +3475,18 @@
             <a:cxnLst/>
             <a:rect r="r" b="b" t="t" l="l"/>
             <a:pathLst>
-              <a:path h="863547" w="965935">
+              <a:path h="827932" w="827932">
                 <a:moveTo>
                   <a:pt x="0" y="0"/>
                 </a:moveTo>
                 <a:lnTo>
-                  <a:pt x="965934" y="0"/>
+                  <a:pt x="827932" y="0"/>
                 </a:lnTo>
                 <a:lnTo>
-                  <a:pt x="965934" y="863547"/>
+                  <a:pt x="827932" y="827932"/>
                 </a:lnTo>
                 <a:lnTo>
-                  <a:pt x="0" y="863547"/>
+                  <a:pt x="0" y="827932"/>
                 </a:lnTo>
                 <a:lnTo>
                   <a:pt x="0" y="0"/>
@@ -3267,16 +3496,16 @@
             </a:pathLst>
           </a:custGeom>
           <a:blipFill>
-            <a:blip r:embed="rId5"/>
+            <a:blip r:embed="rId8"/>
             <a:stretch>
-              <a:fillRect l="-1002" t="0" r="-989" b="-3390"/>
+              <a:fillRect l="0" t="0" r="0" b="0"/>
             </a:stretch>
           </a:blipFill>
         </p:spPr>
       </p:sp>
       <p:sp>
         <p:nvSpPr>
-          <p:cNvPr name="Freeform 7" id="7"/>
+          <p:cNvPr name="Freeform 12" id="12"/>
           <p:cNvSpPr/>
           <p:nvPr/>
         </p:nvSpPr>
@@ -3313,7 +3542,7 @@
             </a:pathLst>
           </a:custGeom>
           <a:blipFill>
-            <a:blip r:embed="rId6"/>
+            <a:blip r:embed="rId9"/>
             <a:stretch>
               <a:fillRect l="0" t="0" r="0" b="0"/>
             </a:stretch>
@@ -3322,7 +3551,7 @@
       </p:sp>
       <p:sp>
         <p:nvSpPr>
-          <p:cNvPr name="Freeform 8" id="8"/>
+          <p:cNvPr name="Freeform 13" id="13"/>
           <p:cNvSpPr/>
           <p:nvPr/>
         </p:nvSpPr>
@@ -3359,7 +3588,7 @@
             </a:pathLst>
           </a:custGeom>
           <a:blipFill>
-            <a:blip r:embed="rId7"/>
+            <a:blip r:embed="rId10"/>
             <a:stretch>
               <a:fillRect l="0" t="0" r="0" b="0"/>
             </a:stretch>
@@ -3368,7 +3597,7 @@
       </p:sp>
       <p:sp>
         <p:nvSpPr>
-          <p:cNvPr name="Freeform 9" id="9"/>
+          <p:cNvPr name="Freeform 14" id="14"/>
           <p:cNvSpPr/>
           <p:nvPr/>
         </p:nvSpPr>
@@ -3405,7 +3634,7 @@
             </a:pathLst>
           </a:custGeom>
           <a:blipFill>
-            <a:blip r:embed="rId8"/>
+            <a:blip r:embed="rId11"/>
             <a:stretch>
               <a:fillRect l="0" t="0" r="0" b="0"/>
             </a:stretch>
@@ -3414,14 +3643,14 @@
       </p:sp>
       <p:sp>
         <p:nvSpPr>
-          <p:cNvPr name="Freeform 10" id="10"/>
+          <p:cNvPr name="Freeform 15" id="15"/>
           <p:cNvSpPr/>
           <p:nvPr/>
         </p:nvSpPr>
         <p:spPr>
           <a:xfrm flipH="false" flipV="false" rot="0">
-            <a:off x="1081661" y="7244134"/>
-            <a:ext cx="732210" cy="732210"/>
+            <a:off x="1124667" y="7181338"/>
+            <a:ext cx="871352" cy="871352"/>
           </a:xfrm>
           <a:custGeom>
             <a:avLst/>
@@ -3430,18 +3659,18 @@
             <a:cxnLst/>
             <a:rect r="r" b="b" t="t" l="l"/>
             <a:pathLst>
-              <a:path h="732210" w="732210">
+              <a:path h="871352" w="871352">
                 <a:moveTo>
                   <a:pt x="0" y="0"/>
                 </a:moveTo>
                 <a:lnTo>
-                  <a:pt x="732211" y="0"/>
+                  <a:pt x="871352" y="0"/>
                 </a:lnTo>
                 <a:lnTo>
-                  <a:pt x="732211" y="732210"/>
+                  <a:pt x="871352" y="871352"/>
                 </a:lnTo>
                 <a:lnTo>
-                  <a:pt x="0" y="732210"/>
+                  <a:pt x="0" y="871352"/>
                 </a:lnTo>
                 <a:lnTo>
                   <a:pt x="0" y="0"/>
@@ -3451,7 +3680,7 @@
             </a:pathLst>
           </a:custGeom>
           <a:blipFill>
-            <a:blip r:embed="rId9"/>
+            <a:blip r:embed="rId12"/>
             <a:stretch>
               <a:fillRect l="0" t="0" r="0" b="0"/>
             </a:stretch>
@@ -3460,14 +3689,60 @@
       </p:sp>
       <p:sp>
         <p:nvSpPr>
-          <p:cNvPr name="TextBox 11" id="11"/>
-          <p:cNvSpPr txBox="true"/>
-          <p:nvPr/>
-        </p:nvSpPr>
-        <p:spPr>
-          <a:xfrm rot="0">
-            <a:off x="350282" y="9056084"/>
-            <a:ext cx="1665427" cy="420240"/>
+          <p:cNvPr name="Freeform 16" id="16"/>
+          <p:cNvSpPr/>
+          <p:nvPr/>
+        </p:nvSpPr>
+        <p:spPr>
+          <a:xfrm flipH="false" flipV="false" rot="0">
+            <a:off x="5749961" y="7222471"/>
+            <a:ext cx="727339" cy="659151"/>
+          </a:xfrm>
+          <a:custGeom>
+            <a:avLst/>
+            <a:gdLst/>
+            <a:ahLst/>
+            <a:cxnLst/>
+            <a:rect r="r" b="b" t="t" l="l"/>
+            <a:pathLst>
+              <a:path h="659151" w="727339">
+                <a:moveTo>
+                  <a:pt x="0" y="0"/>
+                </a:moveTo>
+                <a:lnTo>
+                  <a:pt x="727339" y="0"/>
+                </a:lnTo>
+                <a:lnTo>
+                  <a:pt x="727339" y="659150"/>
+                </a:lnTo>
+                <a:lnTo>
+                  <a:pt x="0" y="659150"/>
+                </a:lnTo>
+                <a:lnTo>
+                  <a:pt x="0" y="0"/>
+                </a:lnTo>
+                <a:close/>
+              </a:path>
+            </a:pathLst>
+          </a:custGeom>
+          <a:blipFill>
+            <a:blip r:embed="rId13"/>
+            <a:stretch>
+              <a:fillRect l="0" t="0" r="0" b="0"/>
+            </a:stretch>
+          </a:blipFill>
+        </p:spPr>
+      </p:sp>
+      <p:sp>
+        <p:nvSpPr>
+          <p:cNvPr name="TextBox 17" id="17"/>
+          <p:cNvSpPr txBox="true"/>
+          <p:nvPr/>
+        </p:nvSpPr>
+        <p:spPr>
+          <a:xfrm rot="0">
+            <a:off x="720957" y="8397450"/>
+            <a:ext cx="18412" cy="141075"/>
           </a:xfrm>
           <a:prstGeom prst="rect">
             <a:avLst/>
@@ -3481,77 +3756,75 @@
           <a:p>
             <a:pPr algn="l">
               <a:lnSpc>
-                <a:spcPts val="2005"/>
+                <a:spcPts val="1240"/>
+              </a:lnSpc>
+            </a:pPr>
+            <a:r>
+              <a:rPr lang="en-US" b="true" sz="651">
+                <a:solidFill>
+                  <a:srgbClr val="000000"/>
+                </a:solidFill>
+                <a:latin typeface="Cairo Semi-Bold"/>
+                <a:ea typeface="Cairo Semi-Bold"/>
+                <a:cs typeface="Cairo Semi-Bold"/>
+                <a:sym typeface="Cairo Semi-Bold"/>
+              </a:rPr>
+              <a:t> </a:t>
+            </a:r>
+          </a:p>
+        </p:txBody>
+      </p:sp>
+      <p:sp>
+        <p:nvSpPr>
+          <p:cNvPr name="TextBox 18" id="18"/>
+          <p:cNvSpPr txBox="true"/>
+          <p:nvPr/>
+        </p:nvSpPr>
+        <p:spPr>
+          <a:xfrm rot="0">
+            <a:off x="792909" y="8562209"/>
+            <a:ext cx="1569682" cy="172331"/>
+          </a:xfrm>
+          <a:prstGeom prst="rect">
+            <a:avLst/>
+          </a:prstGeom>
+        </p:spPr>
+        <p:txBody>
+          <a:bodyPr anchor="t" rtlCol="false" tIns="0" lIns="0" bIns="0" rIns="0">
+            <a:spAutoFit/>
+          </a:bodyPr>
+          <a:lstStyle/>
+          <a:p>
+            <a:pPr algn="ctr">
+              <a:lnSpc>
+                <a:spcPts val="1526"/>
               </a:lnSpc>
             </a:pPr>
             <a:r>
               <a:rPr lang="en-US" b="true" sz="802" spc="2">
                 <a:solidFill>
-                  <a:srgbClr val="000000"/>
-                </a:solidFill>
-                <a:latin typeface="Cairo Bold"/>
-                <a:ea typeface="Cairo Bold"/>
-                <a:cs typeface="Cairo Bold"/>
-                <a:sym typeface="Cairo Bold"/>
-              </a:rPr>
-              <a:t>11</a:t>
-            </a:r>
-            <a:r>
-              <a:rPr lang="en-US" b="true" sz="802" spc="2">
-                <a:solidFill>
-                  <a:srgbClr val="000000"/>
-                </a:solidFill>
-                <a:latin typeface="Cairo Bold"/>
-                <a:ea typeface="Cairo Bold"/>
-                <a:cs typeface="Cairo Bold"/>
-                <a:sym typeface="Cairo Bold"/>
-              </a:rPr>
-              <a:t>:50 AM</a:t>
-            </a:r>
-          </a:p>
-          <a:p>
-            <a:pPr algn="l">
-              <a:lnSpc>
-                <a:spcPts val="1103"/>
-              </a:lnSpc>
-            </a:pPr>
-            <a:r>
-              <a:rPr lang="en-US" b="true" sz="802" spc="2">
-                <a:solidFill>
-                  <a:srgbClr val="000000"/>
-                </a:solidFill>
-                <a:latin typeface="Cairo Bold"/>
-                <a:ea typeface="Cairo Bold"/>
-                <a:cs typeface="Cairo Bold"/>
-                <a:sym typeface="Cairo Bold"/>
-              </a:rPr>
-              <a:t>Sunday</a:t>
-            </a:r>
-            <a:r>
-              <a:rPr lang="en-US" b="true" sz="802" spc="2">
-                <a:solidFill>
-                  <a:srgbClr val="000000"/>
-                </a:solidFill>
-                <a:latin typeface="Cairo Bold"/>
-                <a:ea typeface="Cairo Bold"/>
-                <a:cs typeface="Cairo Bold"/>
-                <a:sym typeface="Cairo Bold"/>
-              </a:rPr>
-              <a:t>, 26 October 2025</a:t>
-            </a:r>
-          </a:p>
-        </p:txBody>
-      </p:sp>
-      <p:sp>
-        <p:nvSpPr>
-          <p:cNvPr name="TextBox 12" id="12"/>
-          <p:cNvSpPr txBox="true"/>
-          <p:nvPr/>
-        </p:nvSpPr>
-        <p:spPr>
-          <a:xfrm rot="0">
-            <a:off x="2143723" y="1645177"/>
-            <a:ext cx="3305417" cy="849747"/>
+                  <a:srgbClr val="0000EE"/>
+                </a:solidFill>
+                <a:latin typeface="Cairo Semi-Bold"/>
+                <a:ea typeface="Cairo Semi-Bold"/>
+                <a:cs typeface="Cairo Semi-Bold"/>
+                <a:sym typeface="Cairo Semi-Bold"/>
+              </a:rPr>
+              <a:t>https://satha.kesug.com</a:t>
+            </a:r>
+          </a:p>
+        </p:txBody>
+      </p:sp>
+      <p:sp>
+        <p:nvSpPr>
+          <p:cNvPr name="TextBox 19" id="19"/>
+          <p:cNvSpPr txBox="true"/>
+          <p:nvPr/>
+        </p:nvSpPr>
+        <p:spPr>
+          <a:xfrm rot="0">
+            <a:off x="2830906" y="1645177"/>
+            <a:ext cx="1931051" cy="847668"/>
           </a:xfrm>
           <a:prstGeom prst="rect">
             <a:avLst/>
@@ -3592,37 +3865,17 @@
                 <a:sym typeface="Cairo Bold"/>
                 <a:rtl val="true"/>
               </a:rPr>
-              <a:t> </a:t>
-            </a:r>
-          </a:p>
-          <a:p>
-            <a:pPr algn="ctr" rtl="true">
-              <a:lnSpc>
-                <a:spcPts val="3560"/>
-              </a:lnSpc>
-            </a:pPr>
-            <a:r>
-              <a:rPr lang="ar-EG" b="true" sz="1855" spc="12">
-                <a:solidFill>
-                  <a:srgbClr val="000000"/>
+              <a:t>  </a:t>
+            </a:r>
+            <a:r>
+              <a:rPr lang="en-US" b="true" sz="1855" spc="12">
+                <a:solidFill>
+                  <a:srgbClr val="2C3E77"/>
                 </a:solidFill>
                 <a:latin typeface="Cairo Bold"/>
                 <a:ea typeface="Cairo Bold"/>
                 <a:cs typeface="Cairo Bold"/>
                 <a:sym typeface="Cairo Bold"/>
-                <a:rtl val="true"/>
-              </a:rPr>
-              <a:t> </a:t>
-            </a:r>
-            <a:r>
-              <a:rPr lang="en-US" b="true" sz="1855" spc="12">
-                <a:solidFill>
-                  <a:srgbClr val="2C3E77"/>
-                </a:solidFill>
-                <a:latin typeface="Cairo Bold"/>
-                <a:ea typeface="Cairo Bold"/>
-                <a:cs typeface="Cairo Bold"/>
-                <a:sym typeface="Cairo Bold"/>
               </a:rPr>
               <a:t>Sick Leave Report</a:t>
             </a:r>
@@ -3631,13 +3884,13 @@
       </p:sp>
       <p:sp>
         <p:nvSpPr>
-          <p:cNvPr name="TextBox 13" id="13"/>
-          <p:cNvSpPr txBox="true"/>
-          <p:nvPr/>
-        </p:nvSpPr>
-        <p:spPr>
-          <a:xfrm rot="0">
-            <a:off x="745141" y="2769936"/>
+          <p:cNvPr name="TextBox 20" id="20"/>
+          <p:cNvSpPr txBox="true"/>
+          <p:nvPr/>
+        </p:nvSpPr>
+        <p:spPr>
+          <a:xfrm rot="0">
+            <a:off x="745141" y="2798559"/>
             <a:ext cx="396783" cy="226981"/>
           </a:xfrm>
           <a:prstGeom prst="rect">
@@ -3672,7 +3925,7 @@
       </p:sp>
       <p:sp>
         <p:nvSpPr>
-          <p:cNvPr name="TextBox 14" id="14"/>
+          <p:cNvPr name="TextBox 21" id="21"/>
           <p:cNvSpPr txBox="true"/>
           <p:nvPr/>
         </p:nvSpPr>
@@ -3713,13 +3966,13 @@
       </p:sp>
       <p:sp>
         <p:nvSpPr>
-          <p:cNvPr name="TextBox 15" id="15"/>
-          <p:cNvSpPr txBox="true"/>
-          <p:nvPr/>
-        </p:nvSpPr>
-        <p:spPr>
-          <a:xfrm rot="0">
-            <a:off x="557874" y="3135801"/>
+          <p:cNvPr name="TextBox 22" id="22"/>
+          <p:cNvSpPr txBox="true"/>
+          <p:nvPr/>
+        </p:nvSpPr>
+        <p:spPr>
+          <a:xfrm rot="0">
+            <a:off x="592293" y="3180683"/>
             <a:ext cx="705269" cy="226981"/>
           </a:xfrm>
           <a:prstGeom prst="rect">
@@ -3754,7 +4007,7 @@
       </p:sp>
       <p:sp>
         <p:nvSpPr>
-          <p:cNvPr name="TextBox 16" id="16"/>
+          <p:cNvPr name="TextBox 23" id="23"/>
           <p:cNvSpPr txBox="true"/>
           <p:nvPr/>
         </p:nvSpPr>
@@ -3795,13 +4048,13 @@
       </p:sp>
       <p:sp>
         <p:nvSpPr>
-          <p:cNvPr name="TextBox 17" id="17"/>
-          <p:cNvSpPr txBox="true"/>
-          <p:nvPr/>
-        </p:nvSpPr>
-        <p:spPr>
-          <a:xfrm rot="0">
-            <a:off x="552493" y="3518202"/>
+          <p:cNvPr name="TextBox 24" id="24"/>
+          <p:cNvSpPr txBox="true"/>
+          <p:nvPr/>
+        </p:nvSpPr>
+        <p:spPr>
+          <a:xfrm rot="0">
+            <a:off x="579558" y="3562807"/>
             <a:ext cx="824932" cy="226981"/>
           </a:xfrm>
           <a:prstGeom prst="rect">
@@ -3848,13 +4101,13 @@
       </p:sp>
       <p:sp>
         <p:nvSpPr>
-          <p:cNvPr name="TextBox 18" id="18"/>
-          <p:cNvSpPr txBox="true"/>
-          <p:nvPr/>
-        </p:nvSpPr>
-        <p:spPr>
-          <a:xfrm rot="0">
-            <a:off x="543630" y="3897582"/>
+          <p:cNvPr name="TextBox 25" id="25"/>
+          <p:cNvSpPr txBox="true"/>
+          <p:nvPr/>
+        </p:nvSpPr>
+        <p:spPr>
+          <a:xfrm rot="0">
+            <a:off x="589112" y="3944931"/>
             <a:ext cx="709622" cy="226981"/>
           </a:xfrm>
           <a:prstGeom prst="rect">
@@ -3889,7 +4142,7 @@
       </p:sp>
       <p:sp>
         <p:nvSpPr>
-          <p:cNvPr name="TextBox 19" id="19"/>
+          <p:cNvPr name="TextBox 26" id="26"/>
           <p:cNvSpPr txBox="true"/>
           <p:nvPr/>
         </p:nvSpPr>
@@ -3930,13 +4183,13 @@
       </p:sp>
       <p:sp>
         <p:nvSpPr>
-          <p:cNvPr name="TextBox 20" id="20"/>
-          <p:cNvSpPr txBox="true"/>
-          <p:nvPr/>
-        </p:nvSpPr>
-        <p:spPr>
-          <a:xfrm rot="0">
-            <a:off x="652234" y="4282173"/>
+          <p:cNvPr name="TextBox 27" id="27"/>
+          <p:cNvSpPr txBox="true"/>
+          <p:nvPr/>
+        </p:nvSpPr>
+        <p:spPr>
+          <a:xfrm rot="0">
+            <a:off x="697373" y="4327055"/>
             <a:ext cx="492414" cy="226981"/>
           </a:xfrm>
           <a:prstGeom prst="rect">
@@ -3971,7 +4224,7 @@
       </p:sp>
       <p:sp>
         <p:nvSpPr>
-          <p:cNvPr name="TextBox 21" id="21"/>
+          <p:cNvPr name="TextBox 28" id="28"/>
           <p:cNvSpPr txBox="true"/>
           <p:nvPr/>
         </p:nvSpPr>
@@ -4012,13 +4265,13 @@
       </p:sp>
       <p:sp>
         <p:nvSpPr>
-          <p:cNvPr name="TextBox 22" id="22"/>
-          <p:cNvSpPr txBox="true"/>
-          <p:nvPr/>
-        </p:nvSpPr>
-        <p:spPr>
-          <a:xfrm rot="0">
-            <a:off x="759114" y="4671184"/>
+          <p:cNvPr name="TextBox 29" id="29"/>
+          <p:cNvSpPr txBox="true"/>
+          <p:nvPr/>
+        </p:nvSpPr>
+        <p:spPr>
+          <a:xfrm rot="0">
+            <a:off x="799281" y="4709179"/>
             <a:ext cx="278654" cy="226981"/>
           </a:xfrm>
           <a:prstGeom prst="rect">
@@ -4053,7 +4306,7 @@
       </p:sp>
       <p:sp>
         <p:nvSpPr>
-          <p:cNvPr name="TextBox 23" id="23"/>
+          <p:cNvPr name="TextBox 30" id="30"/>
           <p:cNvSpPr txBox="true"/>
           <p:nvPr/>
         </p:nvSpPr>
@@ -4094,14 +4347,14 @@
       </p:sp>
       <p:sp>
         <p:nvSpPr>
-          <p:cNvPr name="TextBox 24" id="24"/>
-          <p:cNvSpPr txBox="true"/>
-          <p:nvPr/>
-        </p:nvSpPr>
-        <p:spPr>
-          <a:xfrm rot="0">
-            <a:off x="557874" y="5075272"/>
-            <a:ext cx="889892" cy="192405"/>
+          <p:cNvPr name="TextBox 31" id="31"/>
+          <p:cNvSpPr txBox="true"/>
+          <p:nvPr/>
+        </p:nvSpPr>
+        <p:spPr>
+          <a:xfrm rot="0">
+            <a:off x="519055" y="5097675"/>
+            <a:ext cx="889892" cy="234697"/>
           </a:xfrm>
           <a:prstGeom prst="rect">
             <a:avLst/>
@@ -4115,11 +4368,11 @@
           <a:p>
             <a:pPr algn="l">
               <a:lnSpc>
-                <a:spcPts val="1749"/>
-              </a:lnSpc>
-            </a:pPr>
-            <a:r>
-              <a:rPr lang="en-US" b="true" sz="699" spc="5">
+                <a:spcPts val="2131"/>
+              </a:lnSpc>
+            </a:pPr>
+            <a:r>
+              <a:rPr lang="en-US" b="true" sz="852" spc="6">
                 <a:solidFill>
                   <a:srgbClr val="366FB5"/>
                 </a:solidFill>
@@ -4131,7 +4384,7 @@
               <a:t>National ID/Iqama</a:t>
             </a:r>
             <a:r>
-              <a:rPr lang="en-US" b="true" sz="699" spc="5">
+              <a:rPr lang="en-US" b="true" sz="852" spc="6">
                 <a:solidFill>
                   <a:srgbClr val="000000"/>
                 </a:solidFill>
@@ -4147,13 +4400,13 @@
       </p:sp>
       <p:sp>
         <p:nvSpPr>
-          <p:cNvPr name="TextBox 25" id="25"/>
-          <p:cNvSpPr txBox="true"/>
-          <p:nvPr/>
-        </p:nvSpPr>
-        <p:spPr>
-          <a:xfrm rot="0">
-            <a:off x="652234" y="5445128"/>
+          <p:cNvPr name="TextBox 32" id="32"/>
+          <p:cNvSpPr txBox="true"/>
+          <p:nvPr/>
+        </p:nvSpPr>
+        <p:spPr>
+          <a:xfrm rot="0">
+            <a:off x="687819" y="5479799"/>
             <a:ext cx="513864" cy="226981"/>
           </a:xfrm>
           <a:prstGeom prst="rect">
@@ -4188,7 +4441,7 @@
       </p:sp>
       <p:sp>
         <p:nvSpPr>
-          <p:cNvPr name="TextBox 26" id="26"/>
+          <p:cNvPr name="TextBox 33" id="33"/>
           <p:cNvSpPr txBox="true"/>
           <p:nvPr/>
         </p:nvSpPr>
@@ -4229,13 +4482,13 @@
       </p:sp>
       <p:sp>
         <p:nvSpPr>
-          <p:cNvPr name="TextBox 27" id="27"/>
-          <p:cNvSpPr txBox="true"/>
-          <p:nvPr/>
-        </p:nvSpPr>
-        <p:spPr>
-          <a:xfrm rot="0">
-            <a:off x="686324" y="5824509"/>
+          <p:cNvPr name="TextBox 34" id="34"/>
+          <p:cNvSpPr txBox="true"/>
+          <p:nvPr/>
+        </p:nvSpPr>
+        <p:spPr>
+          <a:xfrm rot="0">
+            <a:off x="719671" y="5861923"/>
             <a:ext cx="445684" cy="226981"/>
           </a:xfrm>
           <a:prstGeom prst="rect">
@@ -4270,7 +4523,7 @@
       </p:sp>
       <p:sp>
         <p:nvSpPr>
-          <p:cNvPr name="TextBox 28" id="28"/>
+          <p:cNvPr name="TextBox 35" id="35"/>
           <p:cNvSpPr txBox="true"/>
           <p:nvPr/>
         </p:nvSpPr>
@@ -4311,14 +4564,14 @@
       </p:sp>
       <p:sp>
         <p:nvSpPr>
-          <p:cNvPr name="TextBox 29" id="29"/>
-          <p:cNvSpPr txBox="true"/>
-          <p:nvPr/>
-        </p:nvSpPr>
-        <p:spPr>
-          <a:xfrm rot="0">
-            <a:off x="529442" y="6208966"/>
-            <a:ext cx="828180" cy="230726"/>
+          <p:cNvPr name="TextBox 36" id="36"/>
+          <p:cNvSpPr txBox="true"/>
+          <p:nvPr/>
+        </p:nvSpPr>
+        <p:spPr>
+          <a:xfrm rot="0">
+            <a:off x="576367" y="6244047"/>
+            <a:ext cx="828180" cy="226981"/>
           </a:xfrm>
           <a:prstGeom prst="rect">
             <a:avLst/>
@@ -4364,13 +4617,13 @@
       </p:sp>
       <p:sp>
         <p:nvSpPr>
-          <p:cNvPr name="TextBox 30" id="30"/>
-          <p:cNvSpPr txBox="true"/>
-          <p:nvPr/>
-        </p:nvSpPr>
-        <p:spPr>
-          <a:xfrm rot="0">
-            <a:off x="683576" y="6596543"/>
+          <p:cNvPr name="TextBox 37" id="37"/>
+          <p:cNvSpPr txBox="true"/>
+          <p:nvPr/>
+        </p:nvSpPr>
+        <p:spPr>
+          <a:xfrm rot="0">
+            <a:off x="751513" y="6632543"/>
             <a:ext cx="383000" cy="226981"/>
           </a:xfrm>
           <a:prstGeom prst="rect">
@@ -4405,7 +4658,7 @@
       </p:sp>
       <p:sp>
         <p:nvSpPr>
-          <p:cNvPr name="TextBox 31" id="31"/>
+          <p:cNvPr name="TextBox 38" id="38"/>
           <p:cNvSpPr txBox="true"/>
           <p:nvPr/>
         </p:nvSpPr>
@@ -4446,31 +4699,113 @@
       </p:sp>
       <p:sp>
         <p:nvSpPr>
-          <p:cNvPr name="TextBox 32" id="32"/>
-          <p:cNvSpPr txBox="true"/>
-          <p:nvPr/>
-        </p:nvSpPr>
-        <p:spPr>
-          <a:xfrm rot="0">
-            <a:off x="2375130" y="6691793"/>
-            <a:ext cx="1296038" cy="130746"/>
-          </a:xfrm>
-          <a:prstGeom prst="rect">
-            <a:avLst/>
-          </a:prstGeom>
-        </p:spPr>
-        <p:txBody>
-          <a:bodyPr anchor="t" rtlCol="false" tIns="0" lIns="0" bIns="0" rIns="0">
-            <a:spAutoFit/>
-          </a:bodyPr>
-          <a:lstStyle/>
-          <a:p>
-            <a:pPr algn="l">
+          <p:cNvPr name="TextBox 39" id="39"/>
+          <p:cNvSpPr txBox="true"/>
+          <p:nvPr/>
+        </p:nvSpPr>
+        <p:spPr>
+          <a:xfrm rot="0">
+            <a:off x="1398200" y="6718678"/>
+            <a:ext cx="2369172" cy="132229"/>
+          </a:xfrm>
+          <a:prstGeom prst="rect">
+            <a:avLst/>
+          </a:prstGeom>
+        </p:spPr>
+        <p:txBody>
+          <a:bodyPr anchor="t" rtlCol="false" tIns="0" lIns="0" bIns="0" rIns="0">
+            <a:spAutoFit/>
+          </a:bodyPr>
+          <a:lstStyle/>
+          <a:p>
+            <a:pPr algn="ctr">
               <a:lnSpc>
                 <a:spcPts val="1193"/>
               </a:lnSpc>
             </a:pPr>
             <a:r>
+              <a:rPr lang="en-US" b="true" sz="852" spc="2">
+                <a:solidFill>
+                  <a:srgbClr val="2C3E77"/>
+                </a:solidFill>
+                <a:latin typeface="Cairo Semi-Bold"/>
+                <a:ea typeface="Cairo Semi-Bold"/>
+                <a:cs typeface="Cairo Semi-Bold"/>
+                <a:sym typeface="Cairo Semi-Bold"/>
+              </a:rPr>
+              <a:t>{{JOB_TITLE_EN}}</a:t>
+            </a:r>
+          </a:p>
+        </p:txBody>
+      </p:sp>
+      <p:sp>
+        <p:nvSpPr>
+          <p:cNvPr name="TextBox 40" id="40"/>
+          <p:cNvSpPr txBox="true"/>
+          <p:nvPr/>
+        </p:nvSpPr>
+        <p:spPr>
+          <a:xfrm rot="0">
+            <a:off x="1408948" y="5575049"/>
+            <a:ext cx="2348979" cy="132229"/>
+          </a:xfrm>
+          <a:prstGeom prst="rect">
+            <a:avLst/>
+          </a:prstGeom>
+        </p:spPr>
+        <p:txBody>
+          <a:bodyPr anchor="t" rtlCol="false" tIns="0" lIns="0" bIns="0" rIns="0">
+            <a:spAutoFit/>
+          </a:bodyPr>
+          <a:lstStyle/>
+          <a:p>
+            <a:pPr algn="ctr">
+              <a:lnSpc>
+                <a:spcPts val="1193"/>
+              </a:lnSpc>
+            </a:pPr>
+            <a:r>
+              <a:rPr lang="en-US" b="true" sz="852" spc="2">
+                <a:solidFill>
+                  <a:srgbClr val="2C3E77"/>
+                </a:solidFill>
+                <a:latin typeface="Cairo Semi-Bold"/>
+                <a:ea typeface="Cairo Semi-Bold"/>
+                <a:cs typeface="Cairo Semi-Bold"/>
+                <a:sym typeface="Cairo Semi-Bold"/>
+              </a:rPr>
+              <a:t>{{NATIONALITY_EN}}</a:t>
+            </a:r>
+          </a:p>
+        </p:txBody>
+      </p:sp>
+      <p:sp>
+        <p:nvSpPr>
+          <p:cNvPr name="TextBox 41" id="41"/>
+          <p:cNvSpPr txBox="true"/>
+          <p:nvPr/>
+        </p:nvSpPr>
+        <p:spPr>
+          <a:xfrm rot="0">
+            <a:off x="1391936" y="5192925"/>
+            <a:ext cx="4700130" cy="132229"/>
+          </a:xfrm>
+          <a:prstGeom prst="rect">
+            <a:avLst/>
+          </a:prstGeom>
+        </p:spPr>
+        <p:txBody>
+          <a:bodyPr anchor="t" rtlCol="false" tIns="0" lIns="0" bIns="0" rIns="0">
+            <a:spAutoFit/>
+          </a:bodyPr>
+          <a:lstStyle/>
+          <a:p>
+            <a:pPr algn="ctr">
+              <a:lnSpc>
+                <a:spcPts val="1193"/>
+              </a:lnSpc>
+            </a:pPr>
+            <a:r>
               <a:rPr lang="en-US" b="true" sz="852" spc="3">
                 <a:solidFill>
                   <a:srgbClr val="2C3E77"/>
@@ -4480,39 +4815,121 @@
                 <a:cs typeface="Cairo Semi-Bold"/>
                 <a:sym typeface="Cairo Semi-Bold"/>
               </a:rPr>
-              <a:t>General</a:t>
-            </a:r>
-          </a:p>
-        </p:txBody>
-      </p:sp>
-      <p:sp>
-        <p:nvSpPr>
-          <p:cNvPr name="TextBox 33" id="33"/>
-          <p:cNvSpPr txBox="true"/>
-          <p:nvPr/>
-        </p:nvSpPr>
-        <p:spPr>
-          <a:xfrm rot="0">
-            <a:off x="2295935" y="5443256"/>
-            <a:ext cx="583530" cy="230726"/>
-          </a:xfrm>
-          <a:prstGeom prst="rect">
-            <a:avLst/>
-          </a:prstGeom>
-        </p:spPr>
-        <p:txBody>
-          <a:bodyPr anchor="t" rtlCol="false" tIns="0" lIns="0" bIns="0" rIns="0">
-            <a:spAutoFit/>
-          </a:bodyPr>
-          <a:lstStyle/>
-          <a:p>
-            <a:pPr algn="l">
+              <a:t>{{ID_NUMBER}}</a:t>
+            </a:r>
+          </a:p>
+        </p:txBody>
+      </p:sp>
+      <p:sp>
+        <p:nvSpPr>
+          <p:cNvPr name="TextBox 42" id="42"/>
+          <p:cNvSpPr txBox="true"/>
+          <p:nvPr/>
+        </p:nvSpPr>
+        <p:spPr>
+          <a:xfrm rot="0">
+            <a:off x="3777945" y="6718678"/>
+            <a:ext cx="2325391" cy="132229"/>
+          </a:xfrm>
+          <a:prstGeom prst="rect">
+            <a:avLst/>
+          </a:prstGeom>
+        </p:spPr>
+        <p:txBody>
+          <a:bodyPr anchor="t" rtlCol="false" tIns="0" lIns="0" bIns="0" rIns="0">
+            <a:spAutoFit/>
+          </a:bodyPr>
+          <a:lstStyle/>
+          <a:p>
+            <a:pPr algn="ctr">
+              <a:lnSpc>
+                <a:spcPts val="1193"/>
+              </a:lnSpc>
+            </a:pPr>
+            <a:r>
+              <a:rPr lang="en-US" b="true" sz="852" spc="3">
+                <a:solidFill>
+                  <a:srgbClr val="2C3E77"/>
+                </a:solidFill>
+                <a:latin typeface="Cairo Semi-Bold"/>
+                <a:ea typeface="Cairo Semi-Bold"/>
+                <a:cs typeface="Cairo Semi-Bold"/>
+                <a:sym typeface="Cairo Semi-Bold"/>
+              </a:rPr>
+              <a:t>{{JOB_TITLE_AR}}</a:t>
+            </a:r>
+          </a:p>
+        </p:txBody>
+      </p:sp>
+      <p:sp>
+        <p:nvSpPr>
+          <p:cNvPr name="TextBox 43" id="43"/>
+          <p:cNvSpPr txBox="true"/>
+          <p:nvPr/>
+        </p:nvSpPr>
+        <p:spPr>
+          <a:xfrm rot="0">
+            <a:off x="3776977" y="5575049"/>
+            <a:ext cx="2325391" cy="132229"/>
+          </a:xfrm>
+          <a:prstGeom prst="rect">
+            <a:avLst/>
+          </a:prstGeom>
+        </p:spPr>
+        <p:txBody>
+          <a:bodyPr anchor="t" rtlCol="false" tIns="0" lIns="0" bIns="0" rIns="0">
+            <a:spAutoFit/>
+          </a:bodyPr>
+          <a:lstStyle/>
+          <a:p>
+            <a:pPr algn="ctr">
+              <a:lnSpc>
+                <a:spcPts val="1193"/>
+              </a:lnSpc>
+            </a:pPr>
+            <a:r>
+              <a:rPr lang="en-US" b="true" sz="852" spc="3">
+                <a:solidFill>
+                  <a:srgbClr val="2C3E77"/>
+                </a:solidFill>
+                <a:latin typeface="Cairo Semi-Bold"/>
+                <a:ea typeface="Cairo Semi-Bold"/>
+                <a:cs typeface="Cairo Semi-Bold"/>
+                <a:sym typeface="Cairo Semi-Bold"/>
+              </a:rPr>
+              <a:t>{{NATIONALITY_AR}}</a:t>
+            </a:r>
+          </a:p>
+        </p:txBody>
+      </p:sp>
+      <p:sp>
+        <p:nvSpPr>
+          <p:cNvPr name="TextBox 44" id="44"/>
+          <p:cNvSpPr txBox="true"/>
+          <p:nvPr/>
+        </p:nvSpPr>
+        <p:spPr>
+          <a:xfrm rot="0">
+            <a:off x="1391936" y="2798559"/>
+            <a:ext cx="4702950" cy="234697"/>
+          </a:xfrm>
+          <a:prstGeom prst="rect">
+            <a:avLst/>
+          </a:prstGeom>
+        </p:spPr>
+        <p:txBody>
+          <a:bodyPr anchor="t" rtlCol="false" tIns="0" lIns="0" bIns="0" rIns="0">
+            <a:spAutoFit/>
+          </a:bodyPr>
+          <a:lstStyle/>
+          <a:p>
+            <a:pPr algn="ctr">
               <a:lnSpc>
                 <a:spcPts val="2131"/>
               </a:lnSpc>
             </a:pPr>
             <a:r>
-              <a:rPr lang="en-US" b="true" sz="852" spc="2">
+              <a:rPr lang="en-US" b="true" sz="852" spc="3">
                 <a:solidFill>
                   <a:srgbClr val="2C3E77"/>
                 </a:solidFill>
@@ -4521,273 +4938,14 @@
                 <a:cs typeface="Cairo Semi-Bold"/>
                 <a:sym typeface="Cairo Semi-Bold"/>
               </a:rPr>
-              <a:t>Saudi Arabia</a:t>
-            </a:r>
-          </a:p>
-        </p:txBody>
-      </p:sp>
-      <p:sp>
-        <p:nvSpPr>
-          <p:cNvPr name="TextBox 34" id="34"/>
-          <p:cNvSpPr txBox="true"/>
-          <p:nvPr/>
-        </p:nvSpPr>
-        <p:spPr>
-          <a:xfrm rot="0">
-            <a:off x="2534755" y="5861923"/>
-            <a:ext cx="24079" cy="226981"/>
-          </a:xfrm>
-          <a:prstGeom prst="rect">
-            <a:avLst/>
-          </a:prstGeom>
-        </p:spPr>
-        <p:txBody>
-          <a:bodyPr anchor="t" rtlCol="false" tIns="0" lIns="0" bIns="0" rIns="0">
-            <a:spAutoFit/>
-          </a:bodyPr>
-          <a:lstStyle/>
-          <a:p>
-            <a:pPr algn="l">
-              <a:lnSpc>
-                <a:spcPts val="2131"/>
-              </a:lnSpc>
-            </a:pPr>
-            <a:r>
-              <a:rPr lang="en-US" b="true" sz="852">
-                <a:solidFill>
-                  <a:srgbClr val="2C3E77"/>
-                </a:solidFill>
-                <a:latin typeface="Cairo Semi-Bold"/>
-                <a:ea typeface="Cairo Semi-Bold"/>
-                <a:cs typeface="Cairo Semi-Bold"/>
-                <a:sym typeface="Cairo Semi-Bold"/>
-              </a:rPr>
-              <a:t> </a:t>
-            </a:r>
-          </a:p>
-        </p:txBody>
-      </p:sp>
-      <p:sp>
-        <p:nvSpPr>
-          <p:cNvPr name="TextBox 35" id="35"/>
-          <p:cNvSpPr txBox="true"/>
-          <p:nvPr/>
-        </p:nvSpPr>
-        <p:spPr>
-          <a:xfrm rot="0">
-            <a:off x="4743845" y="6700539"/>
-            <a:ext cx="736275" cy="130746"/>
-          </a:xfrm>
-          <a:prstGeom prst="rect">
-            <a:avLst/>
-          </a:prstGeom>
-        </p:spPr>
-        <p:txBody>
-          <a:bodyPr anchor="t" rtlCol="false" tIns="0" lIns="0" bIns="0" rIns="0">
-            <a:spAutoFit/>
-          </a:bodyPr>
-          <a:lstStyle/>
-          <a:p>
-            <a:pPr algn="l" rtl="true">
-              <a:lnSpc>
-                <a:spcPts val="1193"/>
-              </a:lnSpc>
-            </a:pPr>
-            <a:r>
-              <a:rPr lang="ar-EG" b="true" sz="852" spc="2">
-                <a:solidFill>
-                  <a:srgbClr val="2C3E77"/>
-                </a:solidFill>
-                <a:latin typeface="Cairo Bold"/>
-                <a:ea typeface="Cairo Bold"/>
-                <a:cs typeface="Cairo Bold"/>
-                <a:sym typeface="Cairo Bold"/>
-                <a:rtl val="true"/>
-              </a:rPr>
-              <a:t>طبيب عام</a:t>
-            </a:r>
-          </a:p>
-        </p:txBody>
-      </p:sp>
-      <p:sp>
-        <p:nvSpPr>
-          <p:cNvPr name="TextBox 36" id="36"/>
-          <p:cNvSpPr txBox="true"/>
-          <p:nvPr/>
-        </p:nvSpPr>
-        <p:spPr>
-          <a:xfrm rot="0">
-            <a:off x="3743415" y="5464178"/>
-            <a:ext cx="2354038" cy="234315"/>
-          </a:xfrm>
-          <a:prstGeom prst="rect">
-            <a:avLst/>
-          </a:prstGeom>
-        </p:spPr>
-        <p:txBody>
-          <a:bodyPr anchor="t" rtlCol="false" tIns="0" lIns="0" bIns="0" rIns="0">
-            <a:spAutoFit/>
-          </a:bodyPr>
-          <a:lstStyle/>
-          <a:p>
-            <a:pPr algn="ctr">
-              <a:lnSpc>
-                <a:spcPts val="2125"/>
-              </a:lnSpc>
-            </a:pPr>
-            <a:r>
-              <a:rPr lang="en-US" b="true" sz="850" spc="3">
-                <a:solidFill>
-                  <a:srgbClr val="2C3E77"/>
-                </a:solidFill>
-                <a:latin typeface="Cairo Bold"/>
-                <a:ea typeface="Cairo Bold"/>
-                <a:cs typeface="Cairo Bold"/>
-                <a:sym typeface="Cairo Bold"/>
-              </a:rPr>
-              <a:t>{{NATIONALITY_AR}}</a:t>
-            </a:r>
-          </a:p>
-        </p:txBody>
-      </p:sp>
-      <p:sp>
-        <p:nvSpPr>
-          <p:cNvPr name="TextBox 37" id="37"/>
-          <p:cNvSpPr txBox="true"/>
-          <p:nvPr/>
-        </p:nvSpPr>
-        <p:spPr>
-          <a:xfrm rot="0">
-            <a:off x="4884820" y="5861923"/>
-            <a:ext cx="24079" cy="226981"/>
-          </a:xfrm>
-          <a:prstGeom prst="rect">
-            <a:avLst/>
-          </a:prstGeom>
-        </p:spPr>
-        <p:txBody>
-          <a:bodyPr anchor="t" rtlCol="false" tIns="0" lIns="0" bIns="0" rIns="0">
-            <a:spAutoFit/>
-          </a:bodyPr>
-          <a:lstStyle/>
-          <a:p>
-            <a:pPr algn="l">
-              <a:lnSpc>
-                <a:spcPts val="2131"/>
-              </a:lnSpc>
-            </a:pPr>
-            <a:r>
-              <a:rPr lang="en-US" b="true" sz="852">
-                <a:solidFill>
-                  <a:srgbClr val="2C3E77"/>
-                </a:solidFill>
-                <a:latin typeface="Cairo Semi-Bold"/>
-                <a:ea typeface="Cairo Semi-Bold"/>
-                <a:cs typeface="Cairo Semi-Bold"/>
-                <a:sym typeface="Cairo Semi-Bold"/>
-              </a:rPr>
-              <a:t> </a:t>
-            </a:r>
-          </a:p>
-        </p:txBody>
-      </p:sp>
-      <p:sp>
-        <p:nvSpPr>
-          <p:cNvPr name="TextBox 38" id="38"/>
-          <p:cNvSpPr txBox="true"/>
-          <p:nvPr/>
-        </p:nvSpPr>
-        <p:spPr>
-          <a:xfrm rot="0">
-            <a:off x="3313147" y="2733110"/>
-            <a:ext cx="1764679" cy="263525"/>
-          </a:xfrm>
-          <a:prstGeom prst="rect">
-            <a:avLst/>
-          </a:prstGeom>
-        </p:spPr>
-        <p:txBody>
-          <a:bodyPr anchor="t" rtlCol="false" tIns="0" lIns="0" bIns="0" rIns="0">
-            <a:spAutoFit/>
-          </a:bodyPr>
-          <a:lstStyle/>
-          <a:p>
-            <a:pPr algn="l">
-              <a:lnSpc>
-                <a:spcPts val="2499"/>
-              </a:lnSpc>
-            </a:pPr>
-            <a:r>
-              <a:rPr lang="en-US" sz="999" spc="3">
-                <a:solidFill>
-                  <a:srgbClr val="2C3E77"/>
-                </a:solidFill>
-                <a:latin typeface="Cairo"/>
-                <a:ea typeface="Cairo"/>
-                <a:cs typeface="Cairo"/>
-                <a:sym typeface="Cairo"/>
-              </a:rPr>
-              <a:t>PSL98635852494</a:t>
-            </a:r>
-          </a:p>
-        </p:txBody>
-      </p:sp>
-      <p:sp>
-        <p:nvSpPr>
-          <p:cNvPr name="TextBox 39" id="39"/>
-          <p:cNvSpPr txBox="true"/>
-          <p:nvPr/>
-        </p:nvSpPr>
-        <p:spPr>
-          <a:xfrm rot="0">
-            <a:off x="1757854" y="3149752"/>
-            <a:ext cx="1877314" cy="213030"/>
-          </a:xfrm>
-          <a:prstGeom prst="rect">
-            <a:avLst/>
-          </a:prstGeom>
-        </p:spPr>
-        <p:txBody>
-          <a:bodyPr anchor="t" rtlCol="false" tIns="0" lIns="0" bIns="0" rIns="0">
-            <a:spAutoFit/>
-          </a:bodyPr>
-          <a:lstStyle/>
-          <a:p>
-            <a:pPr algn="l">
-              <a:lnSpc>
-                <a:spcPts val="1993"/>
-              </a:lnSpc>
-            </a:pPr>
-            <a:r>
-              <a:rPr lang="en-US" b="true" sz="797">
-                <a:solidFill>
-                  <a:srgbClr val="FFFFFF"/>
-                </a:solidFill>
-                <a:latin typeface="Cairo Semi-Bold"/>
-                <a:ea typeface="Cairo Semi-Bold"/>
-                <a:cs typeface="Cairo Semi-Bold"/>
-                <a:sym typeface="Cairo Semi-Bold"/>
-              </a:rPr>
-              <a:t>1 </a:t>
-            </a:r>
-            <a:r>
-              <a:rPr lang="en-US" b="true" sz="797">
-                <a:solidFill>
-                  <a:srgbClr val="FFFFFF"/>
-                </a:solidFill>
-                <a:latin typeface="Cairo Semi-Bold"/>
-                <a:ea typeface="Cairo Semi-Bold"/>
-                <a:cs typeface="Cairo Semi-Bold"/>
-                <a:sym typeface="Cairo Semi-Bold"/>
-              </a:rPr>
-              <a:t>day ( 26-10-2025 to 26-10-2025 )</a:t>
-            </a:r>
-          </a:p>
-        </p:txBody>
-      </p:sp>
-      <p:sp>
-        <p:nvSpPr>
-          <p:cNvPr name="TextBox 40" id="40"/>
+              <a:t>{{SERVICE_CODE}}</a:t>
+            </a:r>
+          </a:p>
+        </p:txBody>
+      </p:sp>
+      <p:sp>
+        <p:nvSpPr>
+          <p:cNvPr name="TextBox 45" id="45"/>
           <p:cNvSpPr txBox="true"/>
           <p:nvPr/>
         </p:nvSpPr>
@@ -4828,14 +4986,14 @@
       </p:sp>
       <p:sp>
         <p:nvSpPr>
-          <p:cNvPr name="TextBox 41" id="41"/>
-          <p:cNvSpPr txBox="true"/>
-          <p:nvPr/>
-        </p:nvSpPr>
-        <p:spPr>
-          <a:xfrm rot="0">
-            <a:off x="2292744" y="3541968"/>
-            <a:ext cx="588702" cy="230726"/>
+          <p:cNvPr name="TextBox 46" id="46"/>
+          <p:cNvSpPr txBox="true"/>
+          <p:nvPr/>
+        </p:nvSpPr>
+        <p:spPr>
+          <a:xfrm rot="0">
+            <a:off x="4037781" y="3180683"/>
+            <a:ext cx="667188" cy="226981"/>
           </a:xfrm>
           <a:prstGeom prst="rect">
             <a:avLst/>
@@ -4853,6 +5011,251 @@
               </a:lnSpc>
             </a:pPr>
             <a:r>
+              <a:rPr lang="en-US" b="true" sz="852">
+                <a:solidFill>
+                  <a:srgbClr val="FFFFFF"/>
+                </a:solidFill>
+                <a:latin typeface="Cairo Semi-Bold"/>
+                <a:ea typeface="Cairo Semi-Bold"/>
+                <a:cs typeface="Cairo Semi-Bold"/>
+                <a:sym typeface="Cairo Semi-Bold"/>
+              </a:rPr>
+              <a:t>( 04-06-1446 </a:t>
+            </a:r>
+          </a:p>
+        </p:txBody>
+      </p:sp>
+      <p:sp>
+        <p:nvSpPr>
+          <p:cNvPr name="TextBox 47" id="47"/>
+          <p:cNvSpPr txBox="true"/>
+          <p:nvPr/>
+        </p:nvSpPr>
+        <p:spPr>
+          <a:xfrm rot="0">
+            <a:off x="5209632" y="3180683"/>
+            <a:ext cx="246840" cy="226981"/>
+          </a:xfrm>
+          <a:prstGeom prst="rect">
+            <a:avLst/>
+          </a:prstGeom>
+        </p:spPr>
+        <p:txBody>
+          <a:bodyPr anchor="t" rtlCol="false" tIns="0" lIns="0" bIns="0" rIns="0">
+            <a:spAutoFit/>
+          </a:bodyPr>
+          <a:lstStyle/>
+          <a:p>
+            <a:pPr algn="l">
+              <a:lnSpc>
+                <a:spcPts val="2131"/>
+              </a:lnSpc>
+            </a:pPr>
+            <a:r>
+              <a:rPr lang="en-US" b="true" sz="852">
+                <a:solidFill>
+                  <a:srgbClr val="FFFFFF"/>
+                </a:solidFill>
+                <a:latin typeface="Cairo Semi-Bold"/>
+                <a:ea typeface="Cairo Semi-Bold"/>
+                <a:cs typeface="Cairo Semi-Bold"/>
+                <a:sym typeface="Cairo Semi-Bold"/>
+              </a:rPr>
+              <a:t>1446</a:t>
+            </a:r>
+          </a:p>
+        </p:txBody>
+      </p:sp>
+      <p:sp>
+        <p:nvSpPr>
+          <p:cNvPr name="TextBox 48" id="48"/>
+          <p:cNvSpPr txBox="true"/>
+          <p:nvPr/>
+        </p:nvSpPr>
+        <p:spPr>
+          <a:xfrm rot="0">
+            <a:off x="4692072" y="3180683"/>
+            <a:ext cx="529485" cy="234697"/>
+          </a:xfrm>
+          <a:prstGeom prst="rect">
+            <a:avLst/>
+          </a:prstGeom>
+        </p:spPr>
+        <p:txBody>
+          <a:bodyPr anchor="t" rtlCol="false" tIns="0" lIns="0" bIns="0" rIns="0">
+            <a:spAutoFit/>
+          </a:bodyPr>
+          <a:lstStyle/>
+          <a:p>
+            <a:pPr algn="r" rtl="true">
+              <a:lnSpc>
+                <a:spcPts val="2131"/>
+              </a:lnSpc>
+            </a:pPr>
+            <a:r>
+              <a:rPr lang="ar-EG" b="true" sz="852">
+                <a:solidFill>
+                  <a:srgbClr val="FFFFFF"/>
+                </a:solidFill>
+                <a:latin typeface="Cairo Semi-Bold"/>
+                <a:ea typeface="Cairo Semi-Bold"/>
+                <a:cs typeface="Cairo Semi-Bold"/>
+                <a:sym typeface="Cairo Semi-Bold"/>
+                <a:rtl val="true"/>
+              </a:rPr>
+              <a:t>-</a:t>
+            </a:r>
+            <a:r>
+              <a:rPr lang="en-US" b="true" sz="852">
+                <a:solidFill>
+                  <a:srgbClr val="FFFFFF"/>
+                </a:solidFill>
+                <a:latin typeface="Cairo Semi-Bold"/>
+                <a:ea typeface="Cairo Semi-Bold"/>
+                <a:cs typeface="Cairo Semi-Bold"/>
+                <a:sym typeface="Cairo Semi-Bold"/>
+              </a:rPr>
+              <a:t>06-04</a:t>
+            </a:r>
+            <a:r>
+              <a:rPr lang="ar-EG" b="true" sz="852">
+                <a:solidFill>
+                  <a:srgbClr val="FFFFFF"/>
+                </a:solidFill>
+                <a:latin typeface="Cairo Semi-Bold"/>
+                <a:ea typeface="Cairo Semi-Bold"/>
+                <a:cs typeface="Cairo Semi-Bold"/>
+                <a:sym typeface="Cairo Semi-Bold"/>
+                <a:rtl val="true"/>
+              </a:rPr>
+              <a:t> اﻟﻰ</a:t>
+            </a:r>
+          </a:p>
+        </p:txBody>
+      </p:sp>
+      <p:sp>
+        <p:nvSpPr>
+          <p:cNvPr name="TextBox 49" id="49"/>
+          <p:cNvSpPr txBox="true"/>
+          <p:nvPr/>
+        </p:nvSpPr>
+        <p:spPr>
+          <a:xfrm rot="0">
+            <a:off x="5451643" y="3180683"/>
+            <a:ext cx="76048" cy="226981"/>
+          </a:xfrm>
+          <a:prstGeom prst="rect">
+            <a:avLst/>
+          </a:prstGeom>
+        </p:spPr>
+        <p:txBody>
+          <a:bodyPr anchor="t" rtlCol="false" tIns="0" lIns="0" bIns="0" rIns="0">
+            <a:spAutoFit/>
+          </a:bodyPr>
+          <a:lstStyle/>
+          <a:p>
+            <a:pPr algn="l">
+              <a:lnSpc>
+                <a:spcPts val="2131"/>
+              </a:lnSpc>
+            </a:pPr>
+            <a:r>
+              <a:rPr lang="en-US" b="true" sz="852">
+                <a:solidFill>
+                  <a:srgbClr val="FFFFFF"/>
+                </a:solidFill>
+                <a:latin typeface="Cairo Semi-Bold"/>
+                <a:ea typeface="Cairo Semi-Bold"/>
+                <a:cs typeface="Cairo Semi-Bold"/>
+                <a:sym typeface="Cairo Semi-Bold"/>
+              </a:rPr>
+              <a:t> ) </a:t>
+            </a:r>
+          </a:p>
+        </p:txBody>
+      </p:sp>
+      <p:sp>
+        <p:nvSpPr>
+          <p:cNvPr name="TextBox 50" id="50"/>
+          <p:cNvSpPr txBox="true"/>
+          <p:nvPr/>
+        </p:nvSpPr>
+        <p:spPr>
+          <a:xfrm rot="0">
+            <a:off x="5451643" y="3180683"/>
+            <a:ext cx="377323" cy="234697"/>
+          </a:xfrm>
+          <a:prstGeom prst="rect">
+            <a:avLst/>
+          </a:prstGeom>
+        </p:spPr>
+        <p:txBody>
+          <a:bodyPr anchor="t" rtlCol="false" tIns="0" lIns="0" bIns="0" rIns="0">
+            <a:spAutoFit/>
+          </a:bodyPr>
+          <a:lstStyle/>
+          <a:p>
+            <a:pPr algn="r" rtl="true">
+              <a:lnSpc>
+                <a:spcPts val="2131"/>
+              </a:lnSpc>
+            </a:pPr>
+            <a:r>
+              <a:rPr lang="ar-EG" b="true" sz="852">
+                <a:solidFill>
+                  <a:srgbClr val="FFFFFF"/>
+                </a:solidFill>
+                <a:latin typeface="Cairo Semi-Bold"/>
+                <a:ea typeface="Cairo Semi-Bold"/>
+                <a:cs typeface="Cairo Semi-Bold"/>
+                <a:sym typeface="Cairo Semi-Bold"/>
+                <a:rtl val="true"/>
+              </a:rPr>
+              <a:t>   </a:t>
+            </a:r>
+            <a:r>
+              <a:rPr lang="ar-EG" b="true" sz="852">
+                <a:solidFill>
+                  <a:srgbClr val="FFFFFF"/>
+                </a:solidFill>
+                <a:latin typeface="Cairo Semi-Bold"/>
+                <a:ea typeface="Cairo Semi-Bold"/>
+                <a:cs typeface="Cairo Semi-Bold"/>
+                <a:sym typeface="Cairo Semi-Bold"/>
+                <a:rtl val="true"/>
+              </a:rPr>
+              <a:t> ﻳﻮم</a:t>
+            </a:r>
+          </a:p>
+        </p:txBody>
+      </p:sp>
+      <p:sp>
+        <p:nvSpPr>
+          <p:cNvPr name="TextBox 51" id="51"/>
+          <p:cNvSpPr txBox="true"/>
+          <p:nvPr/>
+        </p:nvSpPr>
+        <p:spPr>
+          <a:xfrm rot="0">
+            <a:off x="2292744" y="3562807"/>
+            <a:ext cx="588702" cy="764126"/>
+          </a:xfrm>
+          <a:prstGeom prst="rect">
+            <a:avLst/>
+          </a:prstGeom>
+        </p:spPr>
+        <p:txBody>
+          <a:bodyPr anchor="t" rtlCol="false" tIns="0" lIns="0" bIns="0" rIns="0">
+            <a:spAutoFit/>
+          </a:bodyPr>
+          <a:lstStyle/>
+          <a:p>
+            <a:pPr algn="l">
+              <a:lnSpc>
+                <a:spcPts val="2131"/>
+              </a:lnSpc>
+            </a:pPr>
+            <a:r>
               <a:rPr lang="en-US" b="true" sz="852" spc="2">
                 <a:solidFill>
                   <a:srgbClr val="2C3E77"/>
@@ -4862,14 +5265,14 @@
                 <a:cs typeface="Cairo Semi-Bold"/>
                 <a:sym typeface="Cairo Semi-Bold"/>
               </a:rPr>
-              <a:t>26-10-2025</a:t>
-            </a:r>
-          </a:p>
-        </p:txBody>
-      </p:sp>
-      <p:sp>
-        <p:nvSpPr>
-          <p:cNvPr name="TextBox 42" id="42"/>
+              <a:t>{{ENTRY_DATE_GREGORIAN}}</a:t>
+            </a:r>
+          </a:p>
+        </p:txBody>
+      </p:sp>
+      <p:sp>
+        <p:nvSpPr>
+          <p:cNvPr name="TextBox 52" id="52"/>
           <p:cNvSpPr txBox="true"/>
           <p:nvPr/>
         </p:nvSpPr>
@@ -4910,14 +5313,14 @@
       </p:sp>
       <p:sp>
         <p:nvSpPr>
-          <p:cNvPr name="TextBox 43" id="43"/>
-          <p:cNvSpPr txBox="true"/>
-          <p:nvPr/>
-        </p:nvSpPr>
-        <p:spPr>
-          <a:xfrm rot="0">
-            <a:off x="4603504" y="3532443"/>
-            <a:ext cx="806331" cy="251460"/>
+          <p:cNvPr name="TextBox 53" id="53"/>
+          <p:cNvSpPr txBox="true"/>
+          <p:nvPr/>
+        </p:nvSpPr>
+        <p:spPr>
+          <a:xfrm rot="0">
+            <a:off x="4642809" y="3562807"/>
+            <a:ext cx="588702" cy="226981"/>
           </a:xfrm>
           <a:prstGeom prst="rect">
             <a:avLst/>
@@ -4931,11 +5334,11 @@
           <a:p>
             <a:pPr algn="l">
               <a:lnSpc>
-                <a:spcPts val="2250"/>
-              </a:lnSpc>
-            </a:pPr>
-            <a:r>
-              <a:rPr lang="en-US" b="true" sz="900" spc="2">
+                <a:spcPts val="2131"/>
+              </a:lnSpc>
+            </a:pPr>
+            <a:r>
+              <a:rPr lang="en-US" b="true" sz="852" spc="2">
                 <a:solidFill>
                   <a:srgbClr val="2C3E77"/>
                 </a:solidFill>
@@ -4944,21 +5347,21 @@
                 <a:cs typeface="Cairo Semi-Bold"/>
                 <a:sym typeface="Cairo Semi-Bold"/>
               </a:rPr>
-              <a:t>04-05-1447</a:t>
-            </a:r>
-          </a:p>
-        </p:txBody>
-      </p:sp>
-      <p:sp>
-        <p:nvSpPr>
-          <p:cNvPr name="TextBox 44" id="44"/>
-          <p:cNvSpPr txBox="true"/>
-          <p:nvPr/>
-        </p:nvSpPr>
-        <p:spPr>
-          <a:xfrm rot="0">
-            <a:off x="2286381" y="3921348"/>
-            <a:ext cx="588702" cy="230726"/>
+              <a:t>04-06-1446</a:t>
+            </a:r>
+          </a:p>
+        </p:txBody>
+      </p:sp>
+      <p:sp>
+        <p:nvSpPr>
+          <p:cNvPr name="TextBox 54" id="54"/>
+          <p:cNvSpPr txBox="true"/>
+          <p:nvPr/>
+        </p:nvSpPr>
+        <p:spPr>
+          <a:xfrm rot="0">
+            <a:off x="2286381" y="3944931"/>
+            <a:ext cx="588702" cy="764126"/>
           </a:xfrm>
           <a:prstGeom prst="rect">
             <a:avLst/>
@@ -4985,14 +5388,14 @@
                 <a:cs typeface="Cairo Semi-Bold"/>
                 <a:sym typeface="Cairo Semi-Bold"/>
               </a:rPr>
-              <a:t>26-10-2025</a:t>
-            </a:r>
-          </a:p>
-        </p:txBody>
-      </p:sp>
-      <p:sp>
-        <p:nvSpPr>
-          <p:cNvPr name="TextBox 45" id="45"/>
+              <a:t>{{EXIT_DATE_GREGORIAN}}</a:t>
+            </a:r>
+          </a:p>
+        </p:txBody>
+      </p:sp>
+      <p:sp>
+        <p:nvSpPr>
+          <p:cNvPr name="TextBox 55" id="55"/>
           <p:cNvSpPr txBox="true"/>
           <p:nvPr/>
         </p:nvSpPr>
@@ -5033,14 +5436,14 @@
       </p:sp>
       <p:sp>
         <p:nvSpPr>
-          <p:cNvPr name="TextBox 46" id="46"/>
-          <p:cNvSpPr txBox="true"/>
-          <p:nvPr/>
-        </p:nvSpPr>
-        <p:spPr>
-          <a:xfrm rot="0">
-            <a:off x="4597141" y="3911823"/>
-            <a:ext cx="812694" cy="251460"/>
+          <p:cNvPr name="TextBox 56" id="56"/>
+          <p:cNvSpPr txBox="true"/>
+          <p:nvPr/>
+        </p:nvSpPr>
+        <p:spPr>
+          <a:xfrm rot="0">
+            <a:off x="4636446" y="3944931"/>
+            <a:ext cx="588702" cy="230726"/>
           </a:xfrm>
           <a:prstGeom prst="rect">
             <a:avLst/>
@@ -5054,11 +5457,11 @@
           <a:p>
             <a:pPr algn="l">
               <a:lnSpc>
-                <a:spcPts val="2250"/>
-              </a:lnSpc>
-            </a:pPr>
-            <a:r>
-              <a:rPr lang="en-US" b="true" sz="900" spc="2">
+                <a:spcPts val="2131"/>
+              </a:lnSpc>
+            </a:pPr>
+            <a:r>
+              <a:rPr lang="en-US" b="true" sz="852" spc="2">
                 <a:solidFill>
                   <a:srgbClr val="2C3E77"/>
                 </a:solidFill>
@@ -5067,10 +5470,39 @@
                 <a:cs typeface="Cairo Semi-Bold"/>
                 <a:sym typeface="Cairo Semi-Bold"/>
               </a:rPr>
-              <a:t>04</a:t>
-            </a:r>
-            <a:r>
-              <a:rPr lang="en-US" b="true" sz="900" spc="2">
+              <a:t>04-06-1446</a:t>
+            </a:r>
+          </a:p>
+        </p:txBody>
+      </p:sp>
+      <p:sp>
+        <p:nvSpPr>
+          <p:cNvPr name="TextBox 57" id="57"/>
+          <p:cNvSpPr txBox="true"/>
+          <p:nvPr/>
+        </p:nvSpPr>
+        <p:spPr>
+          <a:xfrm rot="0">
+            <a:off x="3455041" y="4327055"/>
+            <a:ext cx="588702" cy="764126"/>
+          </a:xfrm>
+          <a:prstGeom prst="rect">
+            <a:avLst/>
+          </a:prstGeom>
+        </p:spPr>
+        <p:txBody>
+          <a:bodyPr anchor="t" rtlCol="false" tIns="0" lIns="0" bIns="0" rIns="0">
+            <a:spAutoFit/>
+          </a:bodyPr>
+          <a:lstStyle/>
+          <a:p>
+            <a:pPr algn="l">
+              <a:lnSpc>
+                <a:spcPts val="2131"/>
+              </a:lnSpc>
+            </a:pPr>
+            <a:r>
+              <a:rPr lang="en-US" b="true" sz="852" spc="2">
                 <a:solidFill>
                   <a:srgbClr val="2C3E77"/>
                 </a:solidFill>
@@ -5079,61 +5511,20 @@
                 <a:cs typeface="Cairo Semi-Bold"/>
                 <a:sym typeface="Cairo Semi-Bold"/>
               </a:rPr>
-              <a:t>-05-1447</a:t>
-            </a:r>
-          </a:p>
-        </p:txBody>
-      </p:sp>
-      <p:sp>
-        <p:nvSpPr>
-          <p:cNvPr name="TextBox 47" id="47"/>
-          <p:cNvSpPr txBox="true"/>
-          <p:nvPr/>
-        </p:nvSpPr>
-        <p:spPr>
-          <a:xfrm rot="0">
-            <a:off x="3455041" y="4282450"/>
-            <a:ext cx="925020" cy="251460"/>
-          </a:xfrm>
-          <a:prstGeom prst="rect">
-            <a:avLst/>
-          </a:prstGeom>
-        </p:spPr>
-        <p:txBody>
-          <a:bodyPr anchor="t" rtlCol="false" tIns="0" lIns="0" bIns="0" rIns="0">
-            <a:spAutoFit/>
-          </a:bodyPr>
-          <a:lstStyle/>
-          <a:p>
-            <a:pPr algn="l">
-              <a:lnSpc>
-                <a:spcPts val="2250"/>
-              </a:lnSpc>
-            </a:pPr>
-            <a:r>
-              <a:rPr lang="en-US" b="true" sz="900" spc="2">
-                <a:solidFill>
-                  <a:srgbClr val="2C3E77"/>
-                </a:solidFill>
-                <a:latin typeface="Cairo Semi-Bold"/>
-                <a:ea typeface="Cairo Semi-Bold"/>
-                <a:cs typeface="Cairo Semi-Bold"/>
-                <a:sym typeface="Cairo Semi-Bold"/>
-              </a:rPr>
-              <a:t>26-10-2025</a:t>
-            </a:r>
-          </a:p>
-        </p:txBody>
-      </p:sp>
-      <p:sp>
-        <p:nvSpPr>
-          <p:cNvPr name="TextBox 48" id="48"/>
-          <p:cNvSpPr txBox="true"/>
-          <p:nvPr/>
-        </p:nvSpPr>
-        <p:spPr>
-          <a:xfrm rot="0">
-            <a:off x="6320971" y="2769936"/>
+              <a:t>{{REPORT_ISSUE_DATE}}</a:t>
+            </a:r>
+          </a:p>
+        </p:txBody>
+      </p:sp>
+      <p:sp>
+        <p:nvSpPr>
+          <p:cNvPr name="TextBox 58" id="58"/>
+          <p:cNvSpPr txBox="true"/>
+          <p:nvPr/>
+        </p:nvSpPr>
+        <p:spPr>
+          <a:xfrm rot="0">
+            <a:off x="6320971" y="2798559"/>
             <a:ext cx="469573" cy="226981"/>
           </a:xfrm>
           <a:prstGeom prst="rect">
@@ -5169,7 +5560,7 @@
       </p:sp>
       <p:sp>
         <p:nvSpPr>
-          <p:cNvPr name="TextBox 49" id="49"/>
+          <p:cNvPr name="TextBox 59" id="59"/>
           <p:cNvSpPr txBox="true"/>
           <p:nvPr/>
         </p:nvSpPr>
@@ -5210,13 +5601,13 @@
       </p:sp>
       <p:sp>
         <p:nvSpPr>
-          <p:cNvPr name="TextBox 50" id="50"/>
-          <p:cNvSpPr txBox="true"/>
-          <p:nvPr/>
-        </p:nvSpPr>
-        <p:spPr>
-          <a:xfrm rot="0">
-            <a:off x="6305055" y="3123000"/>
+          <p:cNvPr name="TextBox 60" id="60"/>
+          <p:cNvSpPr txBox="true"/>
+          <p:nvPr/>
+        </p:nvSpPr>
+        <p:spPr>
+          <a:xfrm rot="0">
+            <a:off x="6305055" y="3180683"/>
             <a:ext cx="509445" cy="226981"/>
           </a:xfrm>
           <a:prstGeom prst="rect">
@@ -5252,7 +5643,7 @@
       </p:sp>
       <p:sp>
         <p:nvSpPr>
-          <p:cNvPr name="TextBox 51" id="51"/>
+          <p:cNvPr name="TextBox 61" id="61"/>
           <p:cNvSpPr txBox="true"/>
           <p:nvPr/>
         </p:nvSpPr>
@@ -5293,14 +5684,14 @@
       </p:sp>
       <p:sp>
         <p:nvSpPr>
-          <p:cNvPr name="TextBox 52" id="52"/>
-          <p:cNvSpPr txBox="true"/>
-          <p:nvPr/>
-        </p:nvSpPr>
-        <p:spPr>
-          <a:xfrm rot="0">
-            <a:off x="6255413" y="3505124"/>
-            <a:ext cx="748889" cy="234697"/>
+          <p:cNvPr name="TextBox 62" id="62"/>
+          <p:cNvSpPr txBox="true"/>
+          <p:nvPr/>
+        </p:nvSpPr>
+        <p:spPr>
+          <a:xfrm rot="0">
+            <a:off x="6285948" y="3562807"/>
+            <a:ext cx="554403" cy="226981"/>
           </a:xfrm>
           <a:prstGeom prst="rect">
             <a:avLst/>
@@ -5322,10 +5713,10 @@
                 <a:solidFill>
                   <a:srgbClr val="366FB5"/>
                 </a:solidFill>
-                <a:latin typeface="Cairo Bold"/>
-                <a:ea typeface="Cairo Bold"/>
-                <a:cs typeface="Cairo Bold"/>
-                <a:sym typeface="Cairo Bold"/>
+                <a:latin typeface="Cairo Semi-Bold"/>
+                <a:ea typeface="Cairo Semi-Bold"/>
+                <a:cs typeface="Cairo Semi-Bold"/>
+                <a:sym typeface="Cairo Semi-Bold"/>
                 <a:rtl val="true"/>
               </a:rPr>
               <a:t>ﺗﺎرﻳﺦ اﻟﺪﺧﻮل</a:t>
@@ -5335,7 +5726,7 @@
       </p:sp>
       <p:sp>
         <p:nvSpPr>
-          <p:cNvPr name="TextBox 53" id="53"/>
+          <p:cNvPr name="TextBox 63" id="63"/>
           <p:cNvSpPr txBox="true"/>
           <p:nvPr/>
         </p:nvSpPr>
@@ -5376,14 +5767,14 @@
       </p:sp>
       <p:sp>
         <p:nvSpPr>
-          <p:cNvPr name="TextBox 54" id="54"/>
-          <p:cNvSpPr txBox="true"/>
-          <p:nvPr/>
-        </p:nvSpPr>
-        <p:spPr>
-          <a:xfrm rot="0">
-            <a:off x="6292310" y="3897582"/>
-            <a:ext cx="742526" cy="234697"/>
+          <p:cNvPr name="TextBox 64" id="64"/>
+          <p:cNvSpPr txBox="true"/>
+          <p:nvPr/>
+        </p:nvSpPr>
+        <p:spPr>
+          <a:xfrm rot="0">
+            <a:off x="6292310" y="3944931"/>
+            <a:ext cx="526790" cy="226981"/>
           </a:xfrm>
           <a:prstGeom prst="rect">
             <a:avLst/>
@@ -5405,10 +5796,10 @@
                 <a:solidFill>
                   <a:srgbClr val="366FB5"/>
                 </a:solidFill>
-                <a:latin typeface="Cairo Bold"/>
-                <a:ea typeface="Cairo Bold"/>
-                <a:cs typeface="Cairo Bold"/>
-                <a:sym typeface="Cairo Bold"/>
+                <a:latin typeface="Cairo Semi-Bold"/>
+                <a:ea typeface="Cairo Semi-Bold"/>
+                <a:cs typeface="Cairo Semi-Bold"/>
+                <a:sym typeface="Cairo Semi-Bold"/>
                 <a:rtl val="true"/>
               </a:rPr>
               <a:t>ﺗﺎرﻳﺦ اﻟﺨﺮوج</a:t>
@@ -5418,7 +5809,7 @@
       </p:sp>
       <p:sp>
         <p:nvSpPr>
-          <p:cNvPr name="TextBox 55" id="55"/>
+          <p:cNvPr name="TextBox 65" id="65"/>
           <p:cNvSpPr txBox="true"/>
           <p:nvPr/>
         </p:nvSpPr>
@@ -5459,26 +5850,26 @@
       </p:sp>
       <p:sp>
         <p:nvSpPr>
-          <p:cNvPr name="TextBox 56" id="56"/>
-          <p:cNvSpPr txBox="true"/>
-          <p:nvPr/>
-        </p:nvSpPr>
-        <p:spPr>
-          <a:xfrm rot="0">
-            <a:off x="6074373" y="4282450"/>
-            <a:ext cx="905389" cy="234697"/>
-          </a:xfrm>
-          <a:prstGeom prst="rect">
-            <a:avLst/>
-          </a:prstGeom>
-        </p:spPr>
-        <p:txBody>
-          <a:bodyPr anchor="t" rtlCol="false" tIns="0" lIns="0" bIns="0" rIns="0">
-            <a:spAutoFit/>
-          </a:bodyPr>
-          <a:lstStyle/>
-          <a:p>
-            <a:pPr algn="r" rtl="true">
+          <p:cNvPr name="TextBox 66" id="66"/>
+          <p:cNvSpPr txBox="true"/>
+          <p:nvPr/>
+        </p:nvSpPr>
+        <p:spPr>
+          <a:xfrm rot="0">
+            <a:off x="6113631" y="4327055"/>
+            <a:ext cx="905389" cy="226981"/>
+          </a:xfrm>
+          <a:prstGeom prst="rect">
+            <a:avLst/>
+          </a:prstGeom>
+        </p:spPr>
+        <p:txBody>
+          <a:bodyPr anchor="t" rtlCol="false" tIns="0" lIns="0" bIns="0" rIns="0">
+            <a:spAutoFit/>
+          </a:bodyPr>
+          <a:lstStyle/>
+          <a:p>
+            <a:pPr algn="l" rtl="true">
               <a:lnSpc>
                 <a:spcPts val="2131"/>
               </a:lnSpc>
@@ -5488,10 +5879,10 @@
                 <a:solidFill>
                   <a:srgbClr val="366FB5"/>
                 </a:solidFill>
-                <a:latin typeface="Cairo Bold"/>
-                <a:ea typeface="Cairo Bold"/>
-                <a:cs typeface="Cairo Bold"/>
-                <a:sym typeface="Cairo Bold"/>
+                <a:latin typeface="Cairo Semi-Bold"/>
+                <a:ea typeface="Cairo Semi-Bold"/>
+                <a:cs typeface="Cairo Semi-Bold"/>
+                <a:sym typeface="Cairo Semi-Bold"/>
                 <a:rtl val="true"/>
               </a:rPr>
               <a:t>ﺗﺎرﻳﺦ اﺻﺪار اﻟﺘﻘﺮﻳﺮ</a:t>
@@ -5501,10 +5892,10 @@
                 <a:solidFill>
                   <a:srgbClr val="000000"/>
                 </a:solidFill>
-                <a:latin typeface="Cairo Bold"/>
-                <a:ea typeface="Cairo Bold"/>
-                <a:cs typeface="Cairo Bold"/>
-                <a:sym typeface="Cairo Bold"/>
+                <a:latin typeface="Cairo Semi-Bold"/>
+                <a:ea typeface="Cairo Semi-Bold"/>
+                <a:cs typeface="Cairo Semi-Bold"/>
+                <a:sym typeface="Cairo Semi-Bold"/>
                 <a:rtl val="true"/>
               </a:rPr>
               <a:t> </a:t>
@@ -5514,14 +5905,14 @@
       </p:sp>
       <p:sp>
         <p:nvSpPr>
-          <p:cNvPr name="TextBox 57" id="57"/>
-          <p:cNvSpPr txBox="true"/>
-          <p:nvPr/>
-        </p:nvSpPr>
-        <p:spPr>
-          <a:xfrm rot="0">
-            <a:off x="6426060" y="4671184"/>
-            <a:ext cx="414290" cy="234697"/>
+          <p:cNvPr name="TextBox 67" id="67"/>
+          <p:cNvSpPr txBox="true"/>
+          <p:nvPr/>
+        </p:nvSpPr>
+        <p:spPr>
+          <a:xfrm rot="0">
+            <a:off x="6426060" y="4709179"/>
+            <a:ext cx="263166" cy="226981"/>
           </a:xfrm>
           <a:prstGeom prst="rect">
             <a:avLst/>
@@ -5543,10 +5934,10 @@
                 <a:solidFill>
                   <a:srgbClr val="366FB5"/>
                 </a:solidFill>
-                <a:latin typeface="Cairo Bold"/>
-                <a:ea typeface="Cairo Bold"/>
-                <a:cs typeface="Cairo Bold"/>
-                <a:sym typeface="Cairo Bold"/>
+                <a:latin typeface="Cairo Semi-Bold"/>
+                <a:ea typeface="Cairo Semi-Bold"/>
+                <a:cs typeface="Cairo Semi-Bold"/>
+                <a:sym typeface="Cairo Semi-Bold"/>
                 <a:rtl val="true"/>
               </a:rPr>
               <a:t>اﻻﺳﻢ</a:t>
@@ -5556,7 +5947,7 @@
       </p:sp>
       <p:sp>
         <p:nvSpPr>
-          <p:cNvPr name="TextBox 58" id="58"/>
+          <p:cNvPr name="TextBox 68" id="68"/>
           <p:cNvSpPr txBox="true"/>
           <p:nvPr/>
         </p:nvSpPr>
@@ -5597,14 +5988,14 @@
       </p:sp>
       <p:sp>
         <p:nvSpPr>
-          <p:cNvPr name="TextBox 59" id="59"/>
-          <p:cNvSpPr txBox="true"/>
-          <p:nvPr/>
-        </p:nvSpPr>
-        <p:spPr>
-          <a:xfrm rot="0">
-            <a:off x="6102367" y="5075558"/>
-            <a:ext cx="1098304" cy="226695"/>
+          <p:cNvPr name="TextBox 69" id="69"/>
+          <p:cNvSpPr txBox="true"/>
+          <p:nvPr/>
+        </p:nvSpPr>
+        <p:spPr>
+          <a:xfrm rot="0">
+            <a:off x="6081222" y="5097675"/>
+            <a:ext cx="949071" cy="226981"/>
           </a:xfrm>
           <a:prstGeom prst="rect">
             <a:avLst/>
@@ -5618,88 +6009,75 @@
           <a:p>
             <a:pPr algn="l" rtl="true">
               <a:lnSpc>
-                <a:spcPts val="2000"/>
-              </a:lnSpc>
-            </a:pPr>
-            <a:r>
-              <a:rPr lang="ar-EG" b="true" sz="800" spc="2">
+                <a:spcPts val="2131"/>
+              </a:lnSpc>
+            </a:pPr>
+            <a:r>
+              <a:rPr lang="ar-EG" b="true" sz="852" spc="2">
                 <a:solidFill>
                   <a:srgbClr val="366FB5"/>
                 </a:solidFill>
-                <a:latin typeface="Cairo Bold"/>
-                <a:ea typeface="Cairo Bold"/>
-                <a:cs typeface="Cairo Bold"/>
-                <a:sym typeface="Cairo Bold"/>
+                <a:latin typeface="Cairo Semi-Bold"/>
+                <a:ea typeface="Cairo Semi-Bold"/>
+                <a:cs typeface="Cairo Semi-Bold"/>
+                <a:sym typeface="Cairo Semi-Bold"/>
                 <a:rtl val="true"/>
               </a:rPr>
-              <a:t>  </a:t>
-            </a:r>
-            <a:r>
-              <a:rPr lang="ar-EG" b="true" sz="800" spc="2">
+              <a:t>رﻗﻢ اﻟﻬﻮﻳﺔ/اﻹﻗﺎﻣﺔ</a:t>
+            </a:r>
+            <a:r>
+              <a:rPr lang="ar-EG" b="true" sz="852" spc="2">
+                <a:solidFill>
+                  <a:srgbClr val="000000"/>
+                </a:solidFill>
+                <a:latin typeface="Cairo Semi-Bold"/>
+                <a:ea typeface="Cairo Semi-Bold"/>
+                <a:cs typeface="Cairo Semi-Bold"/>
+                <a:sym typeface="Cairo Semi-Bold"/>
+                <a:rtl val="true"/>
+              </a:rPr>
+              <a:t> </a:t>
+            </a:r>
+          </a:p>
+        </p:txBody>
+      </p:sp>
+      <p:sp>
+        <p:nvSpPr>
+          <p:cNvPr name="TextBox 70" id="70"/>
+          <p:cNvSpPr txBox="true"/>
+          <p:nvPr/>
+        </p:nvSpPr>
+        <p:spPr>
+          <a:xfrm rot="0">
+            <a:off x="6368739" y="5479799"/>
+            <a:ext cx="379895" cy="226981"/>
+          </a:xfrm>
+          <a:prstGeom prst="rect">
+            <a:avLst/>
+          </a:prstGeom>
+        </p:spPr>
+        <p:txBody>
+          <a:bodyPr anchor="t" rtlCol="false" tIns="0" lIns="0" bIns="0" rIns="0">
+            <a:spAutoFit/>
+          </a:bodyPr>
+          <a:lstStyle/>
+          <a:p>
+            <a:pPr algn="l" rtl="true">
+              <a:lnSpc>
+                <a:spcPts val="2131"/>
+              </a:lnSpc>
+            </a:pPr>
+            <a:r>
+              <a:rPr lang="ar-EG" b="true" sz="852" spc="3">
                 <a:solidFill>
                   <a:srgbClr val="366FB5"/>
                 </a:solidFill>
-                <a:latin typeface="Cairo Bold"/>
-                <a:ea typeface="Cairo Bold"/>
-                <a:cs typeface="Cairo Bold"/>
-                <a:sym typeface="Cairo Bold"/>
+                <a:latin typeface="Cairo Semi-Bold"/>
+                <a:ea typeface="Cairo Semi-Bold"/>
+                <a:cs typeface="Cairo Semi-Bold"/>
+                <a:sym typeface="Cairo Semi-Bold"/>
                 <a:rtl val="true"/>
               </a:rPr>
-              <a:t>رﻗﻢ اﻟﻬﻮﻳﺔ/اﻹﻗﺎﻣﺔ</a:t>
-            </a:r>
-            <a:r>
-              <a:rPr lang="ar-EG" b="true" sz="800" spc="2">
-                <a:solidFill>
-                  <a:srgbClr val="000000"/>
-                </a:solidFill>
-                <a:latin typeface="Cairo Bold"/>
-                <a:ea typeface="Cairo Bold"/>
-                <a:cs typeface="Cairo Bold"/>
-                <a:sym typeface="Cairo Bold"/>
-                <a:rtl val="true"/>
-              </a:rPr>
-              <a:t> </a:t>
-            </a:r>
-          </a:p>
-        </p:txBody>
-      </p:sp>
-      <p:sp>
-        <p:nvSpPr>
-          <p:cNvPr name="TextBox 60" id="60"/>
-          <p:cNvSpPr txBox="true"/>
-          <p:nvPr/>
-        </p:nvSpPr>
-        <p:spPr>
-          <a:xfrm rot="0">
-            <a:off x="6368739" y="5445128"/>
-            <a:ext cx="834304" cy="234697"/>
-          </a:xfrm>
-          <a:prstGeom prst="rect">
-            <a:avLst/>
-          </a:prstGeom>
-        </p:spPr>
-        <p:txBody>
-          <a:bodyPr anchor="t" rtlCol="false" tIns="0" lIns="0" bIns="0" rIns="0">
-            <a:spAutoFit/>
-          </a:bodyPr>
-          <a:lstStyle/>
-          <a:p>
-            <a:pPr algn="l" rtl="true">
-              <a:lnSpc>
-                <a:spcPts val="2131"/>
-              </a:lnSpc>
-            </a:pPr>
-            <a:r>
-              <a:rPr lang="ar-EG" b="true" sz="852" spc="3">
-                <a:solidFill>
-                  <a:srgbClr val="366FB5"/>
-                </a:solidFill>
-                <a:latin typeface="Cairo Bold"/>
-                <a:ea typeface="Cairo Bold"/>
-                <a:cs typeface="Cairo Bold"/>
-                <a:sym typeface="Cairo Bold"/>
-                <a:rtl val="true"/>
-              </a:rPr>
               <a:t>اﻟﺠﻨﺴﻴﺔ</a:t>
             </a:r>
           </a:p>
@@ -5707,7 +6085,7 @@
       </p:sp>
       <p:sp>
         <p:nvSpPr>
-          <p:cNvPr name="TextBox 61" id="61"/>
+          <p:cNvPr name="TextBox 71" id="71"/>
           <p:cNvSpPr txBox="true"/>
           <p:nvPr/>
         </p:nvSpPr>
@@ -5748,14 +6126,14 @@
       </p:sp>
       <p:sp>
         <p:nvSpPr>
-          <p:cNvPr name="TextBox 62" id="62"/>
-          <p:cNvSpPr txBox="true"/>
-          <p:nvPr/>
-        </p:nvSpPr>
-        <p:spPr>
-          <a:xfrm rot="0">
-            <a:off x="6295501" y="5824509"/>
-            <a:ext cx="739335" cy="234697"/>
+          <p:cNvPr name="TextBox 72" id="72"/>
+          <p:cNvSpPr txBox="true"/>
+          <p:nvPr/>
+        </p:nvSpPr>
+        <p:spPr>
+          <a:xfrm rot="0">
+            <a:off x="6295501" y="5861923"/>
+            <a:ext cx="529819" cy="226981"/>
           </a:xfrm>
           <a:prstGeom prst="rect">
             <a:avLst/>
@@ -5777,10 +6155,10 @@
                 <a:solidFill>
                   <a:srgbClr val="366FB5"/>
                 </a:solidFill>
-                <a:latin typeface="Cairo Bold"/>
-                <a:ea typeface="Cairo Bold"/>
-                <a:cs typeface="Cairo Bold"/>
-                <a:sym typeface="Cairo Bold"/>
+                <a:latin typeface="Cairo Semi-Bold"/>
+                <a:ea typeface="Cairo Semi-Bold"/>
+                <a:cs typeface="Cairo Semi-Bold"/>
+                <a:sym typeface="Cairo Semi-Bold"/>
                 <a:rtl val="true"/>
               </a:rPr>
               <a:t>ﺟﻬﺔ اﻟﻌﻤﻞ</a:t>
@@ -5790,7 +6168,7 @@
       </p:sp>
       <p:sp>
         <p:nvSpPr>
-          <p:cNvPr name="TextBox 63" id="63"/>
+          <p:cNvPr name="TextBox 73" id="73"/>
           <p:cNvSpPr txBox="true"/>
           <p:nvPr/>
         </p:nvSpPr>
@@ -5831,14 +6209,68 @@
       </p:sp>
       <p:sp>
         <p:nvSpPr>
-          <p:cNvPr name="TextBox 64" id="64"/>
-          <p:cNvSpPr txBox="true"/>
-          <p:nvPr/>
-        </p:nvSpPr>
-        <p:spPr>
-          <a:xfrm rot="0">
-            <a:off x="6080736" y="6218968"/>
-            <a:ext cx="1020240" cy="220724"/>
+          <p:cNvPr name="TextBox 74" id="74"/>
+          <p:cNvSpPr txBox="true"/>
+          <p:nvPr/>
+        </p:nvSpPr>
+        <p:spPr>
+          <a:xfrm rot="0">
+            <a:off x="6059853" y="6244047"/>
+            <a:ext cx="959168" cy="234697"/>
+          </a:xfrm>
+          <a:prstGeom prst="rect">
+            <a:avLst/>
+          </a:prstGeom>
+        </p:spPr>
+        <p:txBody>
+          <a:bodyPr anchor="t" rtlCol="false" tIns="0" lIns="0" bIns="0" rIns="0">
+            <a:spAutoFit/>
+          </a:bodyPr>
+          <a:lstStyle/>
+          <a:p>
+            <a:pPr algn="r">
+              <a:lnSpc>
+                <a:spcPts val="2131"/>
+              </a:lnSpc>
+            </a:pPr>
+            <a:r>
+              <a:rPr lang="ar-EG" b="true" sz="852" spc="9">
+                <a:solidFill>
+                  <a:srgbClr val="366FB5"/>
+                </a:solidFill>
+                <a:latin typeface="Cairo Semi-Bold"/>
+                <a:ea typeface="Cairo Semi-Bold"/>
+                <a:cs typeface="Cairo Semi-Bold"/>
+                <a:sym typeface="Cairo Semi-Bold"/>
+                <a:rtl val="true"/>
+              </a:rPr>
+              <a:t>اﺳﻢ اﻟﻄﺒﻴﺐ اﻟﻤﻌﺎﻟﺞ</a:t>
+            </a:r>
+            <a:r>
+              <a:rPr lang="en-US" b="true" sz="852" spc="9">
+                <a:solidFill>
+                  <a:srgbClr val="000000"/>
+                </a:solidFill>
+                <a:latin typeface="Cairo Semi-Bold"/>
+                <a:ea typeface="Cairo Semi-Bold"/>
+                <a:cs typeface="Cairo Semi-Bold"/>
+                <a:sym typeface="Cairo Semi-Bold"/>
+              </a:rPr>
+              <a:t> </a:t>
+            </a:r>
+          </a:p>
+        </p:txBody>
+      </p:sp>
+      <p:sp>
+        <p:nvSpPr>
+          <p:cNvPr name="TextBox 75" id="75"/>
+          <p:cNvSpPr txBox="true"/>
+          <p:nvPr/>
+        </p:nvSpPr>
+        <p:spPr>
+          <a:xfrm rot="0">
+            <a:off x="6102367" y="6632543"/>
+            <a:ext cx="932469" cy="226981"/>
           </a:xfrm>
           <a:prstGeom prst="rect">
             <a:avLst/>
@@ -5852,31 +6284,31 @@
           <a:p>
             <a:pPr algn="l" rtl="true">
               <a:lnSpc>
-                <a:spcPts val="1902"/>
-              </a:lnSpc>
-            </a:pPr>
-            <a:r>
-              <a:rPr lang="ar-EG" b="true" sz="760" spc="8">
+                <a:spcPts val="2131"/>
+              </a:lnSpc>
+            </a:pPr>
+            <a:r>
+              <a:rPr lang="ar-EG" b="true" sz="852" spc="3">
                 <a:solidFill>
                   <a:srgbClr val="366FB5"/>
                 </a:solidFill>
-                <a:latin typeface="Cairo Bold"/>
-                <a:ea typeface="Cairo Bold"/>
-                <a:cs typeface="Cairo Bold"/>
-                <a:sym typeface="Cairo Bold"/>
+                <a:latin typeface="Cairo Semi-Bold"/>
+                <a:ea typeface="Cairo Semi-Bold"/>
+                <a:cs typeface="Cairo Semi-Bold"/>
+                <a:sym typeface="Cairo Semi-Bold"/>
                 <a:rtl val="true"/>
               </a:rPr>
-              <a:t>اﺳﻢ اﻟﻄﺒﻴﺐ اﻟﻤﻌﺎﻟﺞ</a:t>
-            </a:r>
-            <a:r>
-              <a:rPr lang="ar-EG" b="true" sz="760" spc="8">
+              <a:t>اﻟﻤﺴﻤﻰ اﻟﻮﻇﻴﻔﻲ</a:t>
+            </a:r>
+            <a:r>
+              <a:rPr lang="ar-EG" b="true" sz="852" spc="3">
                 <a:solidFill>
                   <a:srgbClr val="000000"/>
                 </a:solidFill>
-                <a:latin typeface="Cairo Bold"/>
-                <a:ea typeface="Cairo Bold"/>
-                <a:cs typeface="Cairo Bold"/>
-                <a:sym typeface="Cairo Bold"/>
+                <a:latin typeface="Cairo Semi-Bold"/>
+                <a:ea typeface="Cairo Semi-Bold"/>
+                <a:cs typeface="Cairo Semi-Bold"/>
+                <a:sym typeface="Cairo Semi-Bold"/>
                 <a:rtl val="true"/>
               </a:rPr>
               <a:t> </a:t>
@@ -5886,14 +6318,137 @@
       </p:sp>
       <p:sp>
         <p:nvSpPr>
-          <p:cNvPr name="TextBox 65" id="65"/>
-          <p:cNvSpPr txBox="true"/>
-          <p:nvPr/>
-        </p:nvSpPr>
-        <p:spPr>
-          <a:xfrm rot="0">
-            <a:off x="6102367" y="6596543"/>
-            <a:ext cx="932469" cy="226695"/>
+          <p:cNvPr name="TextBox 76" id="76"/>
+          <p:cNvSpPr txBox="true"/>
+          <p:nvPr/>
+        </p:nvSpPr>
+        <p:spPr>
+          <a:xfrm rot="0">
+            <a:off x="1385573" y="4805397"/>
+            <a:ext cx="2394427" cy="127000"/>
+          </a:xfrm>
+          <a:prstGeom prst="rect">
+            <a:avLst/>
+          </a:prstGeom>
+        </p:spPr>
+        <p:txBody>
+          <a:bodyPr anchor="t" rtlCol="false" tIns="0" lIns="0" bIns="0" rIns="0">
+            <a:spAutoFit/>
+          </a:bodyPr>
+          <a:lstStyle/>
+          <a:p>
+            <a:pPr algn="ctr">
+              <a:lnSpc>
+                <a:spcPts val="1050"/>
+              </a:lnSpc>
+            </a:pPr>
+            <a:r>
+              <a:rPr lang="en-US" b="true" sz="750" spc="3">
+                <a:solidFill>
+                  <a:srgbClr val="2C3E77"/>
+                </a:solidFill>
+                <a:latin typeface="Cairo Semi-Bold"/>
+                <a:ea typeface="Cairo Semi-Bold"/>
+                <a:cs typeface="Cairo Semi-Bold"/>
+                <a:sym typeface="Cairo Semi-Bold"/>
+              </a:rPr>
+              <a:t>{{NAME_EN}}</a:t>
+            </a:r>
+          </a:p>
+        </p:txBody>
+      </p:sp>
+      <p:sp>
+        <p:nvSpPr>
+          <p:cNvPr name="TextBox 77" id="77"/>
+          <p:cNvSpPr txBox="true"/>
+          <p:nvPr/>
+        </p:nvSpPr>
+        <p:spPr>
+          <a:xfrm rot="0">
+            <a:off x="3757927" y="6332792"/>
+            <a:ext cx="2336959" cy="127000"/>
+          </a:xfrm>
+          <a:prstGeom prst="rect">
+            <a:avLst/>
+          </a:prstGeom>
+        </p:spPr>
+        <p:txBody>
+          <a:bodyPr anchor="t" rtlCol="false" tIns="0" lIns="0" bIns="0" rIns="0">
+            <a:spAutoFit/>
+          </a:bodyPr>
+          <a:lstStyle/>
+          <a:p>
+            <a:pPr algn="ctr">
+              <a:lnSpc>
+                <a:spcPts val="1050"/>
+              </a:lnSpc>
+            </a:pPr>
+            <a:r>
+              <a:rPr lang="en-US" b="true" sz="750" spc="3">
+                <a:solidFill>
+                  <a:srgbClr val="2C3E77"/>
+                </a:solidFill>
+                <a:latin typeface="Cairo Semi-Bold"/>
+                <a:ea typeface="Cairo Semi-Bold"/>
+                <a:cs typeface="Cairo Semi-Bold"/>
+                <a:sym typeface="Cairo Semi-Bold"/>
+              </a:rPr>
+              <a:t>{{DOCTOR_NAME_AR}}</a:t>
+            </a:r>
+          </a:p>
+        </p:txBody>
+      </p:sp>
+      <p:sp>
+        <p:nvSpPr>
+          <p:cNvPr name="TextBox 78" id="78"/>
+          <p:cNvSpPr txBox="true"/>
+          <p:nvPr/>
+        </p:nvSpPr>
+        <p:spPr>
+          <a:xfrm rot="0">
+            <a:off x="3780000" y="4792161"/>
+            <a:ext cx="2308885" cy="127714"/>
+          </a:xfrm>
+          <a:prstGeom prst="rect">
+            <a:avLst/>
+          </a:prstGeom>
+        </p:spPr>
+        <p:txBody>
+          <a:bodyPr anchor="t" rtlCol="false" tIns="0" lIns="0" bIns="0" rIns="0">
+            <a:spAutoFit/>
+          </a:bodyPr>
+          <a:lstStyle/>
+          <a:p>
+            <a:pPr algn="ctr">
+              <a:lnSpc>
+                <a:spcPts val="1056"/>
+              </a:lnSpc>
+            </a:pPr>
+            <a:r>
+              <a:rPr lang="en-US" b="true" sz="754" spc="2">
+                <a:solidFill>
+                  <a:srgbClr val="2C3E77"/>
+                </a:solidFill>
+                <a:latin typeface="Cairo Semi-Bold"/>
+                <a:ea typeface="Cairo Semi-Bold"/>
+                <a:cs typeface="Cairo Semi-Bold"/>
+                <a:sym typeface="Cairo Semi-Bold"/>
+              </a:rPr>
+              <a:t>{{NAME_AR}}</a:t>
+            </a:r>
+          </a:p>
+        </p:txBody>
+      </p:sp>
+      <p:sp>
+        <p:nvSpPr>
+          <p:cNvPr name="TextBox 79" id="79"/>
+          <p:cNvSpPr txBox="true"/>
+          <p:nvPr/>
+        </p:nvSpPr>
+        <p:spPr>
+          <a:xfrm rot="0">
+            <a:off x="289779" y="8136445"/>
+            <a:ext cx="2582828" cy="179175"/>
           </a:xfrm>
           <a:prstGeom prst="rect">
             <a:avLst/>
@@ -5907,320 +6462,123 @@
           <a:p>
             <a:pPr algn="l" rtl="true">
               <a:lnSpc>
-                <a:spcPts val="2000"/>
-              </a:lnSpc>
-            </a:pPr>
-            <a:r>
-              <a:rPr lang="ar-EG" b="true" sz="800" spc="3">
-                <a:solidFill>
-                  <a:srgbClr val="366FB5"/>
-                </a:solidFill>
-                <a:latin typeface="Cairo Bold"/>
-                <a:ea typeface="Cairo Bold"/>
-                <a:cs typeface="Cairo Bold"/>
-                <a:sym typeface="Cairo Bold"/>
+                <a:spcPts val="1629"/>
+              </a:lnSpc>
+            </a:pPr>
+            <a:r>
+              <a:rPr lang="ar-EG" b="true" sz="651" spc="2">
+                <a:solidFill>
+                  <a:srgbClr val="000000"/>
+                </a:solidFill>
+                <a:latin typeface="Cairo Semi-Bold"/>
+                <a:ea typeface="Cairo Semi-Bold"/>
+                <a:cs typeface="Cairo Semi-Bold"/>
+                <a:sym typeface="Cairo Semi-Bold"/>
                 <a:rtl val="true"/>
               </a:rPr>
-              <a:t>اﻟﻤﺴﻤﻰ اﻟﻮﻇﻴﻔﻲ</a:t>
-            </a:r>
-            <a:r>
-              <a:rPr lang="ar-EG" b="true" sz="800" spc="3">
+              <a:t>ﻟﻠﺘﺤﻘﻖ ﻣﻦ ﺑﻴﺎﻧﺎت اﻟﺘﻘﺮﻳﺮ ﻳﺮﺟﻰ اﻟﺘﺄﻛﺪ ﻣﻦ زﻳﺎرة ﻣﻮﻗﻊ ﻣﻨﺼﺔ ﺻﺤﺔ اﻟﺮﺳﻤﻲ </a:t>
+            </a:r>
+          </a:p>
+        </p:txBody>
+      </p:sp>
+      <p:sp>
+        <p:nvSpPr>
+          <p:cNvPr name="TextBox 80" id="80"/>
+          <p:cNvSpPr txBox="true"/>
+          <p:nvPr/>
+        </p:nvSpPr>
+        <p:spPr>
+          <a:xfrm rot="0">
+            <a:off x="614582" y="8359350"/>
+            <a:ext cx="1922193" cy="179175"/>
+          </a:xfrm>
+          <a:prstGeom prst="rect">
+            <a:avLst/>
+          </a:prstGeom>
+        </p:spPr>
+        <p:txBody>
+          <a:bodyPr anchor="t" rtlCol="false" tIns="0" lIns="0" bIns="0" rIns="0">
+            <a:spAutoFit/>
+          </a:bodyPr>
+          <a:lstStyle/>
+          <a:p>
+            <a:pPr algn="l">
+              <a:lnSpc>
+                <a:spcPts val="1629"/>
+              </a:lnSpc>
+            </a:pPr>
+            <a:r>
+              <a:rPr lang="en-US" b="true" sz="651" spc="1">
                 <a:solidFill>
                   <a:srgbClr val="000000"/>
                 </a:solidFill>
-                <a:latin typeface="Cairo Bold"/>
-                <a:ea typeface="Cairo Bold"/>
-                <a:cs typeface="Cairo Bold"/>
-                <a:sym typeface="Cairo Bold"/>
+                <a:latin typeface="Cairo Semi-Bold"/>
+                <a:ea typeface="Cairo Semi-Bold"/>
+                <a:cs typeface="Cairo Semi-Bold"/>
+                <a:sym typeface="Cairo Semi-Bold"/>
+              </a:rPr>
+              <a:t> Tocheckthereportplease visit Seha's offical website</a:t>
+            </a:r>
+          </a:p>
+        </p:txBody>
+      </p:sp>
+      <p:sp>
+        <p:nvSpPr>
+          <p:cNvPr name="TextBox 81" id="81"/>
+          <p:cNvSpPr txBox="true"/>
+          <p:nvPr/>
+        </p:nvSpPr>
+        <p:spPr>
+          <a:xfrm rot="0">
+            <a:off x="4636446" y="8391383"/>
+            <a:ext cx="2923554" cy="146162"/>
+          </a:xfrm>
+          <a:prstGeom prst="rect">
+            <a:avLst/>
+          </a:prstGeom>
+        </p:spPr>
+        <p:txBody>
+          <a:bodyPr anchor="t" rtlCol="false" tIns="0" lIns="0" bIns="0" rIns="0">
+            <a:spAutoFit/>
+          </a:bodyPr>
+          <a:lstStyle/>
+          <a:p>
+            <a:pPr algn="ctr">
+              <a:lnSpc>
+                <a:spcPts val="1249"/>
+              </a:lnSpc>
+            </a:pPr>
+            <a:r>
+              <a:rPr lang="ar-EG" b="true" sz="650" spc="1">
+                <a:solidFill>
+                  <a:srgbClr val="000000"/>
+                </a:solidFill>
+                <a:latin typeface="Cairo Semi-Bold"/>
+                <a:ea typeface="Cairo Semi-Bold"/>
+                <a:cs typeface="Cairo Semi-Bold"/>
+                <a:sym typeface="Cairo Semi-Bold"/>
                 <a:rtl val="true"/>
               </a:rPr>
-              <a:t> </a:t>
-            </a:r>
-          </a:p>
-        </p:txBody>
-      </p:sp>
-      <p:sp>
-        <p:nvSpPr>
-          <p:cNvPr name="TextBox 66" id="66"/>
-          <p:cNvSpPr txBox="true"/>
-          <p:nvPr/>
-        </p:nvSpPr>
-        <p:spPr>
-          <a:xfrm rot="0">
-            <a:off x="2108312" y="6294691"/>
-            <a:ext cx="1626955" cy="127319"/>
-          </a:xfrm>
-          <a:prstGeom prst="rect">
-            <a:avLst/>
-          </a:prstGeom>
-        </p:spPr>
-        <p:txBody>
-          <a:bodyPr anchor="t" rtlCol="false" tIns="0" lIns="0" bIns="0" rIns="0">
-            <a:spAutoFit/>
-          </a:bodyPr>
-          <a:lstStyle/>
-          <a:p>
-            <a:pPr algn="l">
-              <a:lnSpc>
-                <a:spcPts val="1053"/>
-              </a:lnSpc>
-            </a:pPr>
-            <a:r>
-              <a:rPr lang="en-US" b="true" sz="752" spc="4">
-                <a:solidFill>
-                  <a:srgbClr val="2C3E77"/>
-                </a:solidFill>
-                <a:latin typeface="Cairo Bold"/>
-                <a:ea typeface="Cairo Bold"/>
-                <a:cs typeface="Cairo Bold"/>
-                <a:sym typeface="Cairo Bold"/>
-              </a:rPr>
-              <a:t>MUHAMMAD FAROUK</a:t>
-            </a:r>
-          </a:p>
-        </p:txBody>
-      </p:sp>
-      <p:sp>
-        <p:nvSpPr>
-          <p:cNvPr name="TextBox 67" id="67"/>
-          <p:cNvSpPr txBox="true"/>
-          <p:nvPr/>
-        </p:nvSpPr>
-        <p:spPr>
-          <a:xfrm rot="0">
-            <a:off x="1378742" y="4760921"/>
-            <a:ext cx="2379185" cy="127000"/>
-          </a:xfrm>
-          <a:prstGeom prst="rect">
-            <a:avLst/>
-          </a:prstGeom>
-        </p:spPr>
-        <p:txBody>
-          <a:bodyPr anchor="t" rtlCol="false" tIns="0" lIns="0" bIns="0" rIns="0">
-            <a:spAutoFit/>
-          </a:bodyPr>
-          <a:lstStyle/>
-          <a:p>
-            <a:pPr algn="ctr">
-              <a:lnSpc>
-                <a:spcPts val="1050"/>
-              </a:lnSpc>
-            </a:pPr>
-            <a:r>
-              <a:rPr lang="en-US" b="true" sz="750" spc="3">
-                <a:solidFill>
-                  <a:srgbClr val="2C3E77"/>
-                </a:solidFill>
-                <a:latin typeface="Cairo Bold"/>
-                <a:ea typeface="Cairo Bold"/>
-                <a:cs typeface="Cairo Bold"/>
-                <a:sym typeface="Cairo Bold"/>
-              </a:rPr>
-              <a:t>{{NAME_EN}}</a:t>
-            </a:r>
-          </a:p>
-        </p:txBody>
-      </p:sp>
-      <p:sp>
-        <p:nvSpPr>
-          <p:cNvPr name="TextBox 68" id="68"/>
-          <p:cNvSpPr txBox="true"/>
-          <p:nvPr/>
-        </p:nvSpPr>
-        <p:spPr>
-          <a:xfrm rot="0">
-            <a:off x="3674448" y="6304693"/>
-            <a:ext cx="2491972" cy="134197"/>
-          </a:xfrm>
-          <a:prstGeom prst="rect">
-            <a:avLst/>
-          </a:prstGeom>
-        </p:spPr>
-        <p:txBody>
-          <a:bodyPr anchor="t" rtlCol="false" tIns="0" lIns="0" bIns="0" rIns="0">
-            <a:spAutoFit/>
-          </a:bodyPr>
-          <a:lstStyle/>
-          <a:p>
-            <a:pPr algn="ctr">
-              <a:lnSpc>
-                <a:spcPts val="1119"/>
-              </a:lnSpc>
-            </a:pPr>
-            <a:r>
-              <a:rPr lang="en-US" b="true" sz="799" spc="3">
-                <a:solidFill>
-                  <a:srgbClr val="2C3E77"/>
-                </a:solidFill>
-                <a:latin typeface="Cairo Bold"/>
-                <a:ea typeface="Cairo Bold"/>
-                <a:cs typeface="Cairo Bold"/>
-                <a:sym typeface="Cairo Bold"/>
-              </a:rPr>
-              <a:t>{{DOCTOR_NAME_AR}}</a:t>
-            </a:r>
-          </a:p>
-        </p:txBody>
-      </p:sp>
-      <p:sp>
-        <p:nvSpPr>
-          <p:cNvPr name="TextBox 69" id="69"/>
-          <p:cNvSpPr txBox="true"/>
-          <p:nvPr/>
-        </p:nvSpPr>
-        <p:spPr>
-          <a:xfrm rot="0">
-            <a:off x="3763355" y="4776476"/>
-            <a:ext cx="2344534" cy="127000"/>
-          </a:xfrm>
-          <a:prstGeom prst="rect">
-            <a:avLst/>
-          </a:prstGeom>
-        </p:spPr>
-        <p:txBody>
-          <a:bodyPr anchor="t" rtlCol="false" tIns="0" lIns="0" bIns="0" rIns="0">
-            <a:spAutoFit/>
-          </a:bodyPr>
-          <a:lstStyle/>
-          <a:p>
-            <a:pPr algn="ctr">
-              <a:lnSpc>
-                <a:spcPts val="1050"/>
-              </a:lnSpc>
-            </a:pPr>
-            <a:r>
-              <a:rPr lang="en-US" b="true" sz="750" spc="2">
-                <a:solidFill>
-                  <a:srgbClr val="2C3E77"/>
-                </a:solidFill>
-                <a:latin typeface="Cairo Bold"/>
-                <a:ea typeface="Cairo Bold"/>
-                <a:cs typeface="Cairo Bold"/>
-                <a:sym typeface="Cairo Bold"/>
-              </a:rPr>
-              <a:t>{{NAME_AR}}</a:t>
-            </a:r>
-          </a:p>
-        </p:txBody>
-      </p:sp>
-      <p:sp>
-        <p:nvSpPr>
-          <p:cNvPr name="TextBox 70" id="70"/>
-          <p:cNvSpPr txBox="true"/>
-          <p:nvPr/>
-        </p:nvSpPr>
-        <p:spPr>
-          <a:xfrm rot="0">
-            <a:off x="289779" y="8136445"/>
-            <a:ext cx="2582828" cy="392061"/>
-          </a:xfrm>
-          <a:prstGeom prst="rect">
-            <a:avLst/>
-          </a:prstGeom>
-        </p:spPr>
-        <p:txBody>
-          <a:bodyPr anchor="t" rtlCol="false" tIns="0" lIns="0" bIns="0" rIns="0">
-            <a:spAutoFit/>
-          </a:bodyPr>
-          <a:lstStyle/>
-          <a:p>
-            <a:pPr algn="ctr" rtl="true">
-              <a:lnSpc>
-                <a:spcPts val="1629"/>
-              </a:lnSpc>
-            </a:pPr>
-            <a:r>
-              <a:rPr lang="ar-EG" b="true" sz="651" spc="2">
+              <a:t>رﻗﻢ اﻟﱰﺧﻴﺺ : </a:t>
+            </a:r>
+            <a:r>
+              <a:rPr lang="en-US" b="true" sz="650" spc="1">
                 <a:solidFill>
                   <a:srgbClr val="000000"/>
                 </a:solidFill>
-                <a:latin typeface="Cairo Bold"/>
-                <a:ea typeface="Cairo Bold"/>
-                <a:cs typeface="Cairo Bold"/>
-                <a:sym typeface="Cairo Bold"/>
-                <a:rtl val="true"/>
-              </a:rPr>
-              <a:t>ﻟﻠﺘﺤﻘﻖ ﻣﻦ ﺑﻴﺎﻧﺎت اﻟﺘﻘﺮﻳﺮ ﻳﺮﺟﻰ اﻟﺘﺄﻛﺪ ﻣﻦ زﻳﺎرة ﻣﻮﻗﻊ ﻣﻨﺼﺔ ﺻﺤﺔ اﻟﺮﺳﻤﻲ  </a:t>
-            </a:r>
-            <a:r>
-              <a:rPr lang="en-US" b="true" sz="651" spc="2">
-                <a:solidFill>
-                  <a:srgbClr val="000000"/>
-                </a:solidFill>
-                <a:latin typeface="Cairo Bold"/>
-                <a:ea typeface="Cairo Bold"/>
-                <a:cs typeface="Cairo Bold"/>
-                <a:sym typeface="Cairo Bold"/>
-              </a:rPr>
-              <a:t>To check the report please visit Seha's offical website</a:t>
-            </a:r>
-          </a:p>
-        </p:txBody>
-      </p:sp>
-      <p:sp>
-        <p:nvSpPr>
-          <p:cNvPr name="TextBox 71" id="71"/>
-          <p:cNvSpPr txBox="true"/>
-          <p:nvPr/>
-        </p:nvSpPr>
-        <p:spPr>
-          <a:xfrm rot="0">
-            <a:off x="5364385" y="8079019"/>
-            <a:ext cx="1475965" cy="305141"/>
-          </a:xfrm>
-          <a:prstGeom prst="rect">
-            <a:avLst/>
-          </a:prstGeom>
-        </p:spPr>
-        <p:txBody>
-          <a:bodyPr anchor="t" rtlCol="false" tIns="0" lIns="0" bIns="0" rIns="0">
-            <a:spAutoFit/>
-          </a:bodyPr>
-          <a:lstStyle/>
-          <a:p>
-            <a:pPr algn="ctr" rtl="true">
-              <a:lnSpc>
-                <a:spcPts val="1253"/>
-              </a:lnSpc>
-            </a:pPr>
-            <a:r>
-              <a:rPr lang="ar-EG" b="true" sz="651" spc="1">
-                <a:solidFill>
-                  <a:srgbClr val="000000"/>
-                </a:solidFill>
-                <a:latin typeface="Cairo Bold"/>
-                <a:ea typeface="Cairo Bold"/>
-                <a:cs typeface="Cairo Bold"/>
-                <a:sym typeface="Cairo Bold"/>
-                <a:rtl val="true"/>
-              </a:rPr>
-              <a:t>مستشفى الملك فهد للقوات المسلحة</a:t>
-            </a:r>
-          </a:p>
-          <a:p>
-            <a:pPr algn="ctr">
-              <a:lnSpc>
-                <a:spcPts val="1253"/>
-              </a:lnSpc>
-            </a:pPr>
-            <a:r>
-              <a:rPr lang="en-US" b="true" sz="651" spc="1">
-                <a:solidFill>
-                  <a:srgbClr val="000000"/>
-                </a:solidFill>
-                <a:latin typeface="Cairo Bold"/>
-                <a:ea typeface="Cairo Bold"/>
-                <a:cs typeface="Cairo Bold"/>
-                <a:sym typeface="Cairo Bold"/>
-              </a:rPr>
-              <a:t>King Fahd Armed Forces Hospital</a:t>
-            </a:r>
-          </a:p>
-        </p:txBody>
-      </p:sp>
-      <p:sp>
-        <p:nvSpPr>
-          <p:cNvPr name="TextBox 72" id="72"/>
+                <a:latin typeface="Cairo Semi-Bold"/>
+                <a:ea typeface="Cairo Semi-Bold"/>
+                <a:cs typeface="Cairo Semi-Bold"/>
+                <a:sym typeface="Cairo Semi-Bold"/>
+              </a:rPr>
+              <a:t>1410101201200270</a:t>
+            </a:r>
+          </a:p>
+        </p:txBody>
+      </p:sp>
+      <p:sp>
+        <p:nvSpPr>
+          <p:cNvPr name="TextBox 82" id="82"/>
           <p:cNvSpPr txBox="true"/>
           <p:nvPr/>
         </p:nvSpPr>
@@ -6261,26 +6619,26 @@
       </p:sp>
       <p:sp>
         <p:nvSpPr>
-          <p:cNvPr name="TextBox 73" id="73"/>
-          <p:cNvSpPr txBox="true"/>
-          <p:nvPr/>
-        </p:nvSpPr>
-        <p:spPr>
-          <a:xfrm rot="0">
-            <a:off x="3890474" y="3123000"/>
-            <a:ext cx="1916692" cy="234697"/>
-          </a:xfrm>
-          <a:prstGeom prst="rect">
-            <a:avLst/>
-          </a:prstGeom>
-        </p:spPr>
-        <p:txBody>
-          <a:bodyPr anchor="t" rtlCol="false" tIns="0" lIns="0" bIns="0" rIns="0">
-            <a:spAutoFit/>
-          </a:bodyPr>
-          <a:lstStyle/>
-          <a:p>
-            <a:pPr algn="r" rtl="true">
+          <p:cNvPr name="TextBox 83" id="83"/>
+          <p:cNvSpPr txBox="true"/>
+          <p:nvPr/>
+        </p:nvSpPr>
+        <p:spPr>
+          <a:xfrm rot="0">
+            <a:off x="5667951" y="3184103"/>
+            <a:ext cx="258013" cy="1046712"/>
+          </a:xfrm>
+          <a:prstGeom prst="rect">
+            <a:avLst/>
+          </a:prstGeom>
+        </p:spPr>
+        <p:txBody>
+          <a:bodyPr anchor="t" rtlCol="false" tIns="0" lIns="0" bIns="0" rIns="0">
+            <a:spAutoFit/>
+          </a:bodyPr>
+          <a:lstStyle/>
+          <a:p>
+            <a:pPr algn="ctr">
               <a:lnSpc>
                 <a:spcPts val="2131"/>
               </a:lnSpc>
@@ -6295,10 +6653,39 @@
                 <a:cs typeface="Cairo Semi-Bold"/>
                 <a:sym typeface="Cairo Semi-Bold"/>
               </a:rPr>
-              <a:t>1</a:t>
-            </a:r>
-            <a:r>
-              <a:rPr lang="ar-EG" b="true" sz="852">
+              <a:t>{{DAYS_COUNT}}</a:t>
+            </a:r>
+          </a:p>
+        </p:txBody>
+      </p:sp>
+      <p:sp>
+        <p:nvSpPr>
+          <p:cNvPr name="TextBox 84" id="84"/>
+          <p:cNvSpPr txBox="true"/>
+          <p:nvPr/>
+        </p:nvSpPr>
+        <p:spPr>
+          <a:xfrm rot="0">
+            <a:off x="2074612" y="3188074"/>
+            <a:ext cx="588702" cy="764126"/>
+          </a:xfrm>
+          <a:prstGeom prst="rect">
+            <a:avLst/>
+          </a:prstGeom>
+        </p:spPr>
+        <p:txBody>
+          <a:bodyPr anchor="t" rtlCol="false" tIns="0" lIns="0" bIns="0" rIns="0">
+            <a:spAutoFit/>
+          </a:bodyPr>
+          <a:lstStyle/>
+          <a:p>
+            <a:pPr algn="l">
+              <a:lnSpc>
+                <a:spcPts val="2131"/>
+              </a:lnSpc>
+            </a:pPr>
+            <a:r>
+              <a:rPr lang="en-US" b="true" sz="852" spc="2">
                 <a:solidFill>
                   <a:srgbClr val="FFFFFF"/>
                 </a:solidFill>
@@ -6306,10 +6693,79 @@
                 <a:ea typeface="Cairo Semi-Bold"/>
                 <a:cs typeface="Cairo Semi-Bold"/>
                 <a:sym typeface="Cairo Semi-Bold"/>
-                <a:rtl val="true"/>
-              </a:rPr>
-              <a:t> يوم ( </a:t>
-            </a:r>
+              </a:rPr>
+              <a:t>{{ENTRY_DATE_GREGORIAN}}</a:t>
+            </a:r>
+          </a:p>
+        </p:txBody>
+      </p:sp>
+      <p:sp>
+        <p:nvSpPr>
+          <p:cNvPr name="TextBox 85" id="85"/>
+          <p:cNvSpPr txBox="true"/>
+          <p:nvPr/>
+        </p:nvSpPr>
+        <p:spPr>
+          <a:xfrm rot="0">
+            <a:off x="2791870" y="3188074"/>
+            <a:ext cx="588702" cy="764126"/>
+          </a:xfrm>
+          <a:prstGeom prst="rect">
+            <a:avLst/>
+          </a:prstGeom>
+        </p:spPr>
+        <p:txBody>
+          <a:bodyPr anchor="t" rtlCol="false" tIns="0" lIns="0" bIns="0" rIns="0">
+            <a:spAutoFit/>
+          </a:bodyPr>
+          <a:lstStyle/>
+          <a:p>
+            <a:pPr algn="l">
+              <a:lnSpc>
+                <a:spcPts val="2131"/>
+              </a:lnSpc>
+            </a:pPr>
+            <a:r>
+              <a:rPr lang="en-US" b="true" sz="852" spc="2">
+                <a:solidFill>
+                  <a:srgbClr val="FFFFFF"/>
+                </a:solidFill>
+                <a:latin typeface="Cairo Semi-Bold"/>
+                <a:ea typeface="Cairo Semi-Bold"/>
+                <a:cs typeface="Cairo Semi-Bold"/>
+                <a:sym typeface="Cairo Semi-Bold"/>
+              </a:rPr>
+              <a:t>{{EXIT_DATE_GREGORIAN}}</a:t>
+            </a:r>
+          </a:p>
+        </p:txBody>
+      </p:sp>
+      <p:sp>
+        <p:nvSpPr>
+          <p:cNvPr name="TextBox 86" id="86"/>
+          <p:cNvSpPr txBox="true"/>
+          <p:nvPr/>
+        </p:nvSpPr>
+        <p:spPr>
+          <a:xfrm rot="0">
+            <a:off x="1637723" y="3180683"/>
+            <a:ext cx="258013" cy="1046712"/>
+          </a:xfrm>
+          <a:prstGeom prst="rect">
+            <a:avLst/>
+          </a:prstGeom>
+        </p:spPr>
+        <p:txBody>
+          <a:bodyPr anchor="t" rtlCol="false" tIns="0" lIns="0" bIns="0" rIns="0">
+            <a:spAutoFit/>
+          </a:bodyPr>
+          <a:lstStyle/>
+          <a:p>
+            <a:pPr algn="ctr">
+              <a:lnSpc>
+                <a:spcPts val="2131"/>
+              </a:lnSpc>
+            </a:pPr>
             <a:r>
               <a:rPr lang="en-US" b="true" sz="852">
                 <a:solidFill>
@@ -6320,368 +6776,171 @@
                 <a:cs typeface="Cairo Semi-Bold"/>
                 <a:sym typeface="Cairo Semi-Bold"/>
               </a:rPr>
-              <a:t>1447</a:t>
-            </a:r>
-            <a:r>
-              <a:rPr lang="ar-EG" b="true" sz="852">
-                <a:solidFill>
-                  <a:srgbClr val="FFFFFF"/>
-                </a:solidFill>
-                <a:latin typeface="Cairo Semi-Bold"/>
-                <a:ea typeface="Cairo Semi-Bold"/>
-                <a:cs typeface="Cairo Semi-Bold"/>
-                <a:sym typeface="Cairo Semi-Bold"/>
-                <a:rtl val="true"/>
-              </a:rPr>
-              <a:t>-</a:t>
-            </a:r>
-            <a:r>
-              <a:rPr lang="en-US" b="true" sz="852">
-                <a:solidFill>
-                  <a:srgbClr val="FFFFFF"/>
-                </a:solidFill>
-                <a:latin typeface="Cairo Semi-Bold"/>
-                <a:ea typeface="Cairo Semi-Bold"/>
-                <a:cs typeface="Cairo Semi-Bold"/>
-                <a:sym typeface="Cairo Semi-Bold"/>
-              </a:rPr>
-              <a:t>05</a:t>
-            </a:r>
-            <a:r>
-              <a:rPr lang="ar-EG" b="true" sz="852">
-                <a:solidFill>
-                  <a:srgbClr val="FFFFFF"/>
-                </a:solidFill>
-                <a:latin typeface="Cairo Semi-Bold"/>
-                <a:ea typeface="Cairo Semi-Bold"/>
-                <a:cs typeface="Cairo Semi-Bold"/>
-                <a:sym typeface="Cairo Semi-Bold"/>
-                <a:rtl val="true"/>
-              </a:rPr>
-              <a:t>-</a:t>
-            </a:r>
-            <a:r>
-              <a:rPr lang="en-US" b="true" sz="852">
-                <a:solidFill>
-                  <a:srgbClr val="FFFFFF"/>
-                </a:solidFill>
-                <a:latin typeface="Cairo Semi-Bold"/>
-                <a:ea typeface="Cairo Semi-Bold"/>
-                <a:cs typeface="Cairo Semi-Bold"/>
-                <a:sym typeface="Cairo Semi-Bold"/>
-              </a:rPr>
-              <a:t>04</a:t>
-            </a:r>
-            <a:r>
-              <a:rPr lang="ar-EG" b="true" sz="852">
-                <a:solidFill>
-                  <a:srgbClr val="FFFFFF"/>
-                </a:solidFill>
-                <a:latin typeface="Cairo Semi-Bold"/>
-                <a:ea typeface="Cairo Semi-Bold"/>
-                <a:cs typeface="Cairo Semi-Bold"/>
-                <a:sym typeface="Cairo Semi-Bold"/>
-                <a:rtl val="true"/>
-              </a:rPr>
-              <a:t> الى </a:t>
-            </a:r>
-            <a:r>
-              <a:rPr lang="en-US" b="true" sz="852">
-                <a:solidFill>
-                  <a:srgbClr val="FFFFFF"/>
-                </a:solidFill>
-                <a:latin typeface="Cairo Semi-Bold"/>
-                <a:ea typeface="Cairo Semi-Bold"/>
-                <a:cs typeface="Cairo Semi-Bold"/>
-                <a:sym typeface="Cairo Semi-Bold"/>
-              </a:rPr>
-              <a:t>1447</a:t>
-            </a:r>
-            <a:r>
-              <a:rPr lang="ar-EG" b="true" sz="852">
-                <a:solidFill>
-                  <a:srgbClr val="FFFFFF"/>
-                </a:solidFill>
-                <a:latin typeface="Cairo Semi-Bold"/>
-                <a:ea typeface="Cairo Semi-Bold"/>
-                <a:cs typeface="Cairo Semi-Bold"/>
-                <a:sym typeface="Cairo Semi-Bold"/>
-                <a:rtl val="true"/>
-              </a:rPr>
-              <a:t>-</a:t>
-            </a:r>
-            <a:r>
-              <a:rPr lang="en-US" b="true" sz="852">
-                <a:solidFill>
-                  <a:srgbClr val="FFFFFF"/>
-                </a:solidFill>
-                <a:latin typeface="Cairo Semi-Bold"/>
-                <a:ea typeface="Cairo Semi-Bold"/>
-                <a:cs typeface="Cairo Semi-Bold"/>
-                <a:sym typeface="Cairo Semi-Bold"/>
-              </a:rPr>
-              <a:t>05</a:t>
-            </a:r>
-            <a:r>
-              <a:rPr lang="ar-EG" b="true" sz="852">
-                <a:solidFill>
-                  <a:srgbClr val="FFFFFF"/>
-                </a:solidFill>
-                <a:latin typeface="Cairo Semi-Bold"/>
-                <a:ea typeface="Cairo Semi-Bold"/>
-                <a:cs typeface="Cairo Semi-Bold"/>
-                <a:sym typeface="Cairo Semi-Bold"/>
-                <a:rtl val="true"/>
-              </a:rPr>
-              <a:t>-</a:t>
-            </a:r>
-            <a:r>
-              <a:rPr lang="en-US" b="true" sz="852">
-                <a:solidFill>
-                  <a:srgbClr val="FFFFFF"/>
-                </a:solidFill>
-                <a:latin typeface="Cairo Semi-Bold"/>
-                <a:ea typeface="Cairo Semi-Bold"/>
-                <a:cs typeface="Cairo Semi-Bold"/>
-                <a:sym typeface="Cairo Semi-Bold"/>
-              </a:rPr>
-              <a:t>04</a:t>
-            </a:r>
-            <a:r>
-              <a:rPr lang="ar-EG" b="true" sz="852">
-                <a:solidFill>
-                  <a:srgbClr val="FFFFFF"/>
-                </a:solidFill>
-                <a:latin typeface="Cairo Semi-Bold"/>
-                <a:ea typeface="Cairo Semi-Bold"/>
-                <a:cs typeface="Cairo Semi-Bold"/>
-                <a:sym typeface="Cairo Semi-Bold"/>
-                <a:rtl val="true"/>
-              </a:rPr>
-              <a:t> ) </a:t>
-            </a:r>
-          </a:p>
-        </p:txBody>
-      </p:sp>
-      <p:sp>
-        <p:nvSpPr>
-          <p:cNvPr name="TextBox 74" id="74"/>
-          <p:cNvSpPr txBox="true"/>
-          <p:nvPr/>
-        </p:nvSpPr>
-        <p:spPr>
-          <a:xfrm rot="0">
-            <a:off x="4231220" y="5932801"/>
-            <a:ext cx="1477212" cy="127319"/>
-          </a:xfrm>
-          <a:prstGeom prst="rect">
-            <a:avLst/>
-          </a:prstGeom>
-        </p:spPr>
-        <p:txBody>
-          <a:bodyPr anchor="t" rtlCol="false" tIns="0" lIns="0" bIns="0" rIns="0">
-            <a:spAutoFit/>
-          </a:bodyPr>
-          <a:lstStyle/>
-          <a:p>
-            <a:pPr algn="ctr" rtl="true">
-              <a:lnSpc>
-                <a:spcPts val="1053"/>
-              </a:lnSpc>
-            </a:pPr>
-            <a:r>
-              <a:rPr lang="ar-EG" b="true" sz="752" spc="3">
-                <a:solidFill>
-                  <a:srgbClr val="2C3E77"/>
-                </a:solidFill>
-                <a:latin typeface="Cairo Bold"/>
-                <a:ea typeface="Cairo Bold"/>
-                <a:cs typeface="Cairo Bold"/>
-                <a:sym typeface="Cairo Bold"/>
-                <a:rtl val="true"/>
-              </a:rPr>
-              <a:t>طالب</a:t>
-            </a:r>
-          </a:p>
-        </p:txBody>
-      </p:sp>
-      <p:grpSp>
-        <p:nvGrpSpPr>
-          <p:cNvPr name="Group 75" id="75"/>
-          <p:cNvGrpSpPr/>
-          <p:nvPr/>
-        </p:nvGrpSpPr>
-        <p:grpSpPr>
-          <a:xfrm rot="0">
-            <a:off x="1003202" y="8437226"/>
-            <a:ext cx="5749004" cy="304352"/>
-            <a:chOff x="0" y="0"/>
-            <a:chExt cx="7665339" cy="405803"/>
-          </a:xfrm>
-        </p:grpSpPr>
-        <p:sp>
-          <p:nvSpPr>
-            <p:cNvPr name="TextBox 76" id="76"/>
-            <p:cNvSpPr txBox="true"/>
-            <p:nvPr/>
-          </p:nvSpPr>
-          <p:spPr>
-            <a:xfrm rot="0">
-              <a:off x="0" y="200749"/>
-              <a:ext cx="1467066" cy="205054"/>
-            </a:xfrm>
-            <a:prstGeom prst="rect">
-              <a:avLst/>
-            </a:prstGeom>
-          </p:spPr>
-          <p:txBody>
-            <a:bodyPr anchor="t" rtlCol="false" tIns="0" lIns="0" bIns="0" rIns="0">
-              <a:spAutoFit/>
-            </a:bodyPr>
-            <a:lstStyle/>
-            <a:p>
-              <a:pPr algn="l">
-                <a:lnSpc>
-                  <a:spcPts val="1123"/>
-                </a:lnSpc>
-              </a:pPr>
-              <a:r>
-                <a:rPr lang="en-US" b="true" sz="802" spc="3">
-                  <a:solidFill>
-                    <a:srgbClr val="0000EE"/>
-                  </a:solidFill>
-                  <a:latin typeface="Cairo Semi-Bold"/>
-                  <a:ea typeface="Cairo Semi-Bold"/>
-                  <a:cs typeface="Cairo Semi-Bold"/>
-                  <a:sym typeface="Cairo Semi-Bold"/>
-                  <a:hlinkClick r:id="rId10" tooltip="https://satha.kesug.com/"/>
-                </a:rPr>
-                <a:t>https://satha.kesug.com</a:t>
-              </a:r>
-            </a:p>
-          </p:txBody>
-        </p:sp>
-        <p:sp>
-          <p:nvSpPr>
-            <p:cNvPr name="TextBox 77" id="77"/>
-            <p:cNvSpPr txBox="true"/>
-            <p:nvPr/>
-          </p:nvSpPr>
-          <p:spPr>
-            <a:xfrm rot="0">
-              <a:off x="6966394" y="-47625"/>
-              <a:ext cx="698944" cy="198755"/>
-            </a:xfrm>
-            <a:prstGeom prst="rect">
-              <a:avLst/>
-            </a:prstGeom>
-          </p:spPr>
-          <p:txBody>
-            <a:bodyPr anchor="t" rtlCol="false" tIns="0" lIns="0" bIns="0" rIns="0">
-              <a:spAutoFit/>
-            </a:bodyPr>
-            <a:lstStyle/>
-            <a:p>
-              <a:pPr algn="l" rtl="true">
-                <a:lnSpc>
-                  <a:spcPts val="1250"/>
-                </a:lnSpc>
-              </a:pPr>
-              <a:r>
-                <a:rPr lang="ar-EG" b="true" sz="652">
-                  <a:solidFill>
-                    <a:srgbClr val="000000"/>
-                  </a:solidFill>
-                  <a:latin typeface="Cairo Bold"/>
-                  <a:ea typeface="Cairo Bold"/>
-                  <a:cs typeface="Cairo Bold"/>
-                  <a:sym typeface="Cairo Bold"/>
-                  <a:rtl val="true"/>
-                </a:rPr>
-                <a:t>رﻗﻢ اﻟﱰﺧﻴﺺ : </a:t>
-              </a:r>
-            </a:p>
-          </p:txBody>
-        </p:sp>
-        <p:sp>
-          <p:nvSpPr>
-            <p:cNvPr name="TextBox 78" id="78"/>
-            <p:cNvSpPr txBox="true"/>
-            <p:nvPr/>
-          </p:nvSpPr>
-          <p:spPr>
-            <a:xfrm rot="0">
-              <a:off x="5976810" y="-47625"/>
-              <a:ext cx="1009282" cy="198755"/>
-            </a:xfrm>
-            <a:prstGeom prst="rect">
-              <a:avLst/>
-            </a:prstGeom>
-          </p:spPr>
-          <p:txBody>
-            <a:bodyPr anchor="t" rtlCol="false" tIns="0" lIns="0" bIns="0" rIns="0">
-              <a:spAutoFit/>
-            </a:bodyPr>
-            <a:lstStyle/>
-            <a:p>
-              <a:pPr algn="l">
-                <a:lnSpc>
-                  <a:spcPts val="1250"/>
-                </a:lnSpc>
-              </a:pPr>
-              <a:r>
-                <a:rPr lang="en-US" b="true" sz="652">
-                  <a:solidFill>
-                    <a:srgbClr val="000000"/>
-                  </a:solidFill>
-                  <a:latin typeface="Cairo Bold"/>
-                  <a:ea typeface="Cairo Bold"/>
-                  <a:cs typeface="Cairo Bold"/>
-                  <a:sym typeface="Cairo Bold"/>
-                </a:rPr>
-                <a:t>3810501001210006</a:t>
-              </a:r>
-            </a:p>
-          </p:txBody>
-        </p:sp>
-      </p:grpSp>
-      <p:sp>
-        <p:nvSpPr>
-          <p:cNvPr name="TextBox 79" id="79"/>
-          <p:cNvSpPr txBox="true"/>
-          <p:nvPr/>
-        </p:nvSpPr>
-        <p:spPr>
-          <a:xfrm rot="0">
-            <a:off x="3419114" y="5050793"/>
-            <a:ext cx="925020" cy="251460"/>
-          </a:xfrm>
-          <a:prstGeom prst="rect">
-            <a:avLst/>
-          </a:prstGeom>
-        </p:spPr>
-        <p:txBody>
-          <a:bodyPr anchor="t" rtlCol="false" tIns="0" lIns="0" bIns="0" rIns="0">
-            <a:spAutoFit/>
-          </a:bodyPr>
-          <a:lstStyle/>
-          <a:p>
-            <a:pPr algn="l">
-              <a:lnSpc>
-                <a:spcPts val="2250"/>
-              </a:lnSpc>
-            </a:pPr>
-            <a:r>
-              <a:rPr lang="en-US" b="true" sz="900" spc="2">
-                <a:solidFill>
-                  <a:srgbClr val="2C3E77"/>
-                </a:solidFill>
-                <a:latin typeface="Cairo Semi-Bold"/>
-                <a:ea typeface="Cairo Semi-Bold"/>
-                <a:cs typeface="Cairo Semi-Bold"/>
-                <a:sym typeface="Cairo Semi-Bold"/>
-              </a:rPr>
-              <a:t>1124875699</a:t>
+              <a:t>{{DAYS_COUNT}}</a:t>
+            </a:r>
+          </a:p>
+        </p:txBody>
+      </p:sp>
+      <p:sp>
+        <p:nvSpPr>
+          <p:cNvPr name="TextBox 87" id="87"/>
+          <p:cNvSpPr txBox="true"/>
+          <p:nvPr/>
+        </p:nvSpPr>
+        <p:spPr>
+          <a:xfrm rot="0">
+            <a:off x="4655532" y="8075333"/>
+            <a:ext cx="2904468" cy="146162"/>
+          </a:xfrm>
+          <a:prstGeom prst="rect">
+            <a:avLst/>
+          </a:prstGeom>
+        </p:spPr>
+        <p:txBody>
+          <a:bodyPr anchor="t" rtlCol="false" tIns="0" lIns="0" bIns="0" rIns="0">
+            <a:spAutoFit/>
+          </a:bodyPr>
+          <a:lstStyle/>
+          <a:p>
+            <a:pPr algn="ctr">
+              <a:lnSpc>
+                <a:spcPts val="1249"/>
+              </a:lnSpc>
+            </a:pPr>
+            <a:r>
+              <a:rPr lang="en-US" b="true" sz="650" spc="1">
+                <a:solidFill>
+                  <a:srgbClr val="000000"/>
+                </a:solidFill>
+                <a:latin typeface="Cairo Semi-Bold"/>
+                <a:ea typeface="Cairo Semi-Bold"/>
+                <a:cs typeface="Cairo Semi-Bold"/>
+                <a:sym typeface="Cairo Semi-Bold"/>
+              </a:rPr>
+              <a:t>{{HOSPITAL_NAME_AR}}</a:t>
+            </a:r>
+          </a:p>
+        </p:txBody>
+      </p:sp>
+      <p:sp>
+        <p:nvSpPr>
+          <p:cNvPr name="TextBox 88" id="88"/>
+          <p:cNvSpPr txBox="true"/>
+          <p:nvPr/>
+        </p:nvSpPr>
+        <p:spPr>
+          <a:xfrm rot="0">
+            <a:off x="4642809" y="8235695"/>
+            <a:ext cx="2917191" cy="146162"/>
+          </a:xfrm>
+          <a:prstGeom prst="rect">
+            <a:avLst/>
+          </a:prstGeom>
+        </p:spPr>
+        <p:txBody>
+          <a:bodyPr anchor="t" rtlCol="false" tIns="0" lIns="0" bIns="0" rIns="0">
+            <a:spAutoFit/>
+          </a:bodyPr>
+          <a:lstStyle/>
+          <a:p>
+            <a:pPr algn="ctr">
+              <a:lnSpc>
+                <a:spcPts val="1249"/>
+              </a:lnSpc>
+            </a:pPr>
+            <a:r>
+              <a:rPr lang="en-US" b="true" sz="650" spc="1">
+                <a:solidFill>
+                  <a:srgbClr val="000000"/>
+                </a:solidFill>
+                <a:latin typeface="Cairo Semi-Bold"/>
+                <a:ea typeface="Cairo Semi-Bold"/>
+                <a:cs typeface="Cairo Semi-Bold"/>
+                <a:sym typeface="Cairo Semi-Bold"/>
+              </a:rPr>
+              <a:t>{{HOSPITAL_NAME_EN}}</a:t>
+            </a:r>
+          </a:p>
+        </p:txBody>
+      </p:sp>
+      <p:sp>
+        <p:nvSpPr>
+          <p:cNvPr name="TextBox 89" id="89"/>
+          <p:cNvSpPr txBox="true"/>
+          <p:nvPr/>
+        </p:nvSpPr>
+        <p:spPr>
+          <a:xfrm rot="0">
+            <a:off x="141108" y="9329624"/>
+            <a:ext cx="1625622" cy="137084"/>
+          </a:xfrm>
+          <a:prstGeom prst="rect">
+            <a:avLst/>
+          </a:prstGeom>
+        </p:spPr>
+        <p:txBody>
+          <a:bodyPr anchor="t" rtlCol="false" tIns="0" lIns="0" bIns="0" rIns="0">
+            <a:spAutoFit/>
+          </a:bodyPr>
+          <a:lstStyle/>
+          <a:p>
+            <a:pPr algn="ctr">
+              <a:lnSpc>
+                <a:spcPts val="1103"/>
+              </a:lnSpc>
+            </a:pPr>
+            <a:r>
+              <a:rPr lang="en-US" b="true" sz="802" spc="2">
+                <a:solidFill>
+                  <a:srgbClr val="000000"/>
+                </a:solidFill>
+                <a:latin typeface="Cairo Semi-Bold"/>
+                <a:ea typeface="Cairo Semi-Bold"/>
+                <a:cs typeface="Cairo Semi-Bold"/>
+                <a:sym typeface="Cairo Semi-Bold"/>
+              </a:rPr>
+              <a:t>{{PRINT_DATE}}</a:t>
+            </a:r>
+          </a:p>
+        </p:txBody>
+      </p:sp>
+      <p:sp>
+        <p:nvSpPr>
+          <p:cNvPr name="TextBox 90" id="90"/>
+          <p:cNvSpPr txBox="true"/>
+          <p:nvPr/>
+        </p:nvSpPr>
+        <p:spPr>
+          <a:xfrm rot="0">
+            <a:off x="108352" y="9056084"/>
+            <a:ext cx="855649" cy="227055"/>
+          </a:xfrm>
+          <a:prstGeom prst="rect">
+            <a:avLst/>
+          </a:prstGeom>
+        </p:spPr>
+        <p:txBody>
+          <a:bodyPr anchor="t" rtlCol="false" tIns="0" lIns="0" bIns="0" rIns="0">
+            <a:spAutoFit/>
+          </a:bodyPr>
+          <a:lstStyle/>
+          <a:p>
+            <a:pPr algn="ctr">
+              <a:lnSpc>
+                <a:spcPts val="2005"/>
+              </a:lnSpc>
+            </a:pPr>
+            <a:r>
+              <a:rPr lang="en-US" b="true" sz="802" spc="2">
+                <a:solidFill>
+                  <a:srgbClr val="000000"/>
+                </a:solidFill>
+                <a:latin typeface="Cairo Semi-Bold"/>
+                <a:ea typeface="Cairo Semi-Bold"/>
+                <a:cs typeface="Cairo Semi-Bold"/>
+                <a:sym typeface="Cairo Semi-Bold"/>
+              </a:rPr>
+              <a:t>{{PRINT_TIME}}</a:t>
             </a:r>
           </a:p>
         </p:txBody>

--- a/public/templates/report_template.pptx
+++ b/public/templates/report_template.pptx
@@ -3782,20 +3782,20 @@
         </p:nvSpPr>
         <p:spPr>
           <a:xfrm rot="0">
-            <a:off x="792909" y="8562209"/>
-            <a:ext cx="1569682" cy="172331"/>
-          </a:xfrm>
-          <a:prstGeom prst="rect">
-            <a:avLst/>
-          </a:prstGeom>
-        </p:spPr>
-        <p:txBody>
-          <a:bodyPr anchor="t" rtlCol="false" tIns="0" lIns="0" bIns="0" rIns="0">
-            <a:spAutoFit/>
-          </a:bodyPr>
-          <a:lstStyle/>
-          <a:p>
-            <a:pPr algn="ctr">
+            <a:off x="799281" y="8562365"/>
+            <a:ext cx="1569682" cy="172174"/>
+          </a:xfrm>
+          <a:prstGeom prst="rect">
+            <a:avLst/>
+          </a:prstGeom>
+        </p:spPr>
+        <p:txBody>
+          <a:bodyPr anchor="t" rtlCol="false" tIns="0" lIns="0" bIns="0" rIns="0">
+            <a:spAutoFit/>
+          </a:bodyPr>
+          <a:lstStyle/>
+          <a:p>
+            <a:pPr algn="l">
               <a:lnSpc>
                 <a:spcPts val="1526"/>
               </a:lnSpc>
@@ -3810,7 +3810,7 @@
                 <a:cs typeface="Cairo Semi-Bold"/>
                 <a:sym typeface="Cairo Semi-Bold"/>
               </a:rPr>
-              <a:t>https://satha.kesug.com</a:t>
+              <a:t>www.seha.sa/#/inquiries/slenquiry</a:t>
             </a:r>
           </a:p>
         </p:txBody>
@@ -4856,7 +4856,7 @@
                 <a:cs typeface="Cairo Semi-Bold"/>
                 <a:sym typeface="Cairo Semi-Bold"/>
               </a:rPr>
-              <a:t>{{JOB_TITLE_AR}}</a:t>
+              <a:t>{{JOB_TITLE_AR}</a:t>
             </a:r>
           </a:p>
         </p:txBody>
@@ -5361,24 +5361,37 @@
         <p:spPr>
           <a:xfrm rot="0">
             <a:off x="2286381" y="3944931"/>
-            <a:ext cx="588702" cy="764126"/>
-          </a:xfrm>
-          <a:prstGeom prst="rect">
-            <a:avLst/>
-          </a:prstGeom>
-        </p:spPr>
-        <p:txBody>
-          <a:bodyPr anchor="t" rtlCol="false" tIns="0" lIns="0" bIns="0" rIns="0">
-            <a:spAutoFit/>
-          </a:bodyPr>
-          <a:lstStyle/>
-          <a:p>
-            <a:pPr algn="l">
+            <a:ext cx="588702" cy="776040"/>
+          </a:xfrm>
+          <a:prstGeom prst="rect">
+            <a:avLst/>
+          </a:prstGeom>
+        </p:spPr>
+        <p:txBody>
+          <a:bodyPr anchor="t" rtlCol="false" tIns="0" lIns="0" bIns="0" rIns="0">
+            <a:spAutoFit/>
+          </a:bodyPr>
+          <a:lstStyle/>
+          <a:p>
+            <a:pPr algn="r" rtl="true">
               <a:lnSpc>
                 <a:spcPts val="2131"/>
               </a:lnSpc>
             </a:pPr>
             <a:r>
+              <a:rPr lang="ar-EG" b="true" sz="852" spc="2">
+                <a:solidFill>
+                  <a:srgbClr val="2C3E77"/>
+                </a:solidFill>
+                <a:latin typeface="Cairo Semi-Bold"/>
+                <a:ea typeface="Cairo Semi-Bold"/>
+                <a:cs typeface="Cairo Semi-Bold"/>
+                <a:sym typeface="Cairo Semi-Bold"/>
+                <a:rtl val="true"/>
+              </a:rPr>
+              <a:t>{{</a:t>
+            </a:r>
+            <a:r>
               <a:rPr lang="en-US" b="true" sz="852" spc="2">
                 <a:solidFill>
                   <a:srgbClr val="2C3E77"/>
@@ -5388,7 +5401,20 @@
                 <a:cs typeface="Cairo Semi-Bold"/>
                 <a:sym typeface="Cairo Semi-Bold"/>
               </a:rPr>
-              <a:t>{{EXIT_DATE_GREGORIAN}}</a:t>
+              <a:t>EXIT_DATE_GREGORIAN</a:t>
+            </a:r>
+            <a:r>
+              <a:rPr lang="ar-EG" b="true" sz="852" spc="2">
+                <a:solidFill>
+                  <a:srgbClr val="2C3E77"/>
+                </a:solidFill>
+                <a:latin typeface="Cairo Semi-Bold"/>
+                <a:ea typeface="Cairo Semi-Bold"/>
+                <a:cs typeface="Cairo Semi-Bold"/>
+                <a:sym typeface="Cairo Semi-Bold"/>
+                <a:rtl val="true"/>
+              </a:rPr>
+              <a:t>}}</a:t>
             </a:r>
           </a:p>
         </p:txBody>
@@ -5484,24 +5510,37 @@
         <p:spPr>
           <a:xfrm rot="0">
             <a:off x="3455041" y="4327055"/>
-            <a:ext cx="588702" cy="764126"/>
-          </a:xfrm>
-          <a:prstGeom prst="rect">
-            <a:avLst/>
-          </a:prstGeom>
-        </p:spPr>
-        <p:txBody>
-          <a:bodyPr anchor="t" rtlCol="false" tIns="0" lIns="0" bIns="0" rIns="0">
-            <a:spAutoFit/>
-          </a:bodyPr>
-          <a:lstStyle/>
-          <a:p>
-            <a:pPr algn="l">
+            <a:ext cx="588702" cy="776040"/>
+          </a:xfrm>
+          <a:prstGeom prst="rect">
+            <a:avLst/>
+          </a:prstGeom>
+        </p:spPr>
+        <p:txBody>
+          <a:bodyPr anchor="t" rtlCol="false" tIns="0" lIns="0" bIns="0" rIns="0">
+            <a:spAutoFit/>
+          </a:bodyPr>
+          <a:lstStyle/>
+          <a:p>
+            <a:pPr algn="r" rtl="true">
               <a:lnSpc>
                 <a:spcPts val="2131"/>
               </a:lnSpc>
             </a:pPr>
             <a:r>
+              <a:rPr lang="ar-EG" b="true" sz="852" spc="2">
+                <a:solidFill>
+                  <a:srgbClr val="2C3E77"/>
+                </a:solidFill>
+                <a:latin typeface="Cairo Semi-Bold"/>
+                <a:ea typeface="Cairo Semi-Bold"/>
+                <a:cs typeface="Cairo Semi-Bold"/>
+                <a:sym typeface="Cairo Semi-Bold"/>
+                <a:rtl val="true"/>
+              </a:rPr>
+              <a:t>{{</a:t>
+            </a:r>
+            <a:r>
               <a:rPr lang="en-US" b="true" sz="852" spc="2">
                 <a:solidFill>
                   <a:srgbClr val="2C3E77"/>
@@ -5511,7 +5550,20 @@
                 <a:cs typeface="Cairo Semi-Bold"/>
                 <a:sym typeface="Cairo Semi-Bold"/>
               </a:rPr>
-              <a:t>{{REPORT_ISSUE_DATE}}</a:t>
+              <a:t>REPORT_ISSUE_DATE</a:t>
+            </a:r>
+            <a:r>
+              <a:rPr lang="ar-EG" b="true" sz="852" spc="2">
+                <a:solidFill>
+                  <a:srgbClr val="2C3E77"/>
+                </a:solidFill>
+                <a:latin typeface="Cairo Semi-Bold"/>
+                <a:ea typeface="Cairo Semi-Bold"/>
+                <a:cs typeface="Cairo Semi-Bold"/>
+                <a:sym typeface="Cairo Semi-Bold"/>
+                <a:rtl val="true"/>
+              </a:rPr>
+              <a:t>}}</a:t>
             </a:r>
           </a:p>
         </p:txBody>
@@ -6667,24 +6719,37 @@
         <p:spPr>
           <a:xfrm rot="0">
             <a:off x="2074612" y="3188074"/>
-            <a:ext cx="588702" cy="764126"/>
-          </a:xfrm>
-          <a:prstGeom prst="rect">
-            <a:avLst/>
-          </a:prstGeom>
-        </p:spPr>
-        <p:txBody>
-          <a:bodyPr anchor="t" rtlCol="false" tIns="0" lIns="0" bIns="0" rIns="0">
-            <a:spAutoFit/>
-          </a:bodyPr>
-          <a:lstStyle/>
-          <a:p>
-            <a:pPr algn="l">
+            <a:ext cx="588702" cy="776040"/>
+          </a:xfrm>
+          <a:prstGeom prst="rect">
+            <a:avLst/>
+          </a:prstGeom>
+        </p:spPr>
+        <p:txBody>
+          <a:bodyPr anchor="t" rtlCol="false" tIns="0" lIns="0" bIns="0" rIns="0">
+            <a:spAutoFit/>
+          </a:bodyPr>
+          <a:lstStyle/>
+          <a:p>
+            <a:pPr algn="r" rtl="true">
               <a:lnSpc>
                 <a:spcPts val="2131"/>
               </a:lnSpc>
             </a:pPr>
             <a:r>
+              <a:rPr lang="ar-EG" b="true" sz="852" spc="2">
+                <a:solidFill>
+                  <a:srgbClr val="FFFFFF"/>
+                </a:solidFill>
+                <a:latin typeface="Cairo Semi-Bold"/>
+                <a:ea typeface="Cairo Semi-Bold"/>
+                <a:cs typeface="Cairo Semi-Bold"/>
+                <a:sym typeface="Cairo Semi-Bold"/>
+                <a:rtl val="true"/>
+              </a:rPr>
+              <a:t>{{</a:t>
+            </a:r>
+            <a:r>
               <a:rPr lang="en-US" b="true" sz="852" spc="2">
                 <a:solidFill>
                   <a:srgbClr val="FFFFFF"/>
@@ -6694,7 +6759,20 @@
                 <a:cs typeface="Cairo Semi-Bold"/>
                 <a:sym typeface="Cairo Semi-Bold"/>
               </a:rPr>
-              <a:t>{{ENTRY_DATE_GREGORIAN}}</a:t>
+              <a:t>ENTRY_DATE_GREGORIAN</a:t>
+            </a:r>
+            <a:r>
+              <a:rPr lang="ar-EG" b="true" sz="852" spc="2">
+                <a:solidFill>
+                  <a:srgbClr val="FFFFFF"/>
+                </a:solidFill>
+                <a:latin typeface="Cairo Semi-Bold"/>
+                <a:ea typeface="Cairo Semi-Bold"/>
+                <a:cs typeface="Cairo Semi-Bold"/>
+                <a:sym typeface="Cairo Semi-Bold"/>
+                <a:rtl val="true"/>
+              </a:rPr>
+              <a:t>}}</a:t>
             </a:r>
           </a:p>
         </p:txBody>
@@ -6708,24 +6786,37 @@
         <p:spPr>
           <a:xfrm rot="0">
             <a:off x="2791870" y="3188074"/>
-            <a:ext cx="588702" cy="764126"/>
-          </a:xfrm>
-          <a:prstGeom prst="rect">
-            <a:avLst/>
-          </a:prstGeom>
-        </p:spPr>
-        <p:txBody>
-          <a:bodyPr anchor="t" rtlCol="false" tIns="0" lIns="0" bIns="0" rIns="0">
-            <a:spAutoFit/>
-          </a:bodyPr>
-          <a:lstStyle/>
-          <a:p>
-            <a:pPr algn="l">
+            <a:ext cx="588702" cy="776040"/>
+          </a:xfrm>
+          <a:prstGeom prst="rect">
+            <a:avLst/>
+          </a:prstGeom>
+        </p:spPr>
+        <p:txBody>
+          <a:bodyPr anchor="t" rtlCol="false" tIns="0" lIns="0" bIns="0" rIns="0">
+            <a:spAutoFit/>
+          </a:bodyPr>
+          <a:lstStyle/>
+          <a:p>
+            <a:pPr algn="r" rtl="true">
               <a:lnSpc>
                 <a:spcPts val="2131"/>
               </a:lnSpc>
             </a:pPr>
             <a:r>
+              <a:rPr lang="ar-EG" b="true" sz="852" spc="2">
+                <a:solidFill>
+                  <a:srgbClr val="FFFFFF"/>
+                </a:solidFill>
+                <a:latin typeface="Cairo Semi-Bold"/>
+                <a:ea typeface="Cairo Semi-Bold"/>
+                <a:cs typeface="Cairo Semi-Bold"/>
+                <a:sym typeface="Cairo Semi-Bold"/>
+                <a:rtl val="true"/>
+              </a:rPr>
+              <a:t>{{</a:t>
+            </a:r>
+            <a:r>
               <a:rPr lang="en-US" b="true" sz="852" spc="2">
                 <a:solidFill>
                   <a:srgbClr val="FFFFFF"/>
@@ -6735,7 +6826,20 @@
                 <a:cs typeface="Cairo Semi-Bold"/>
                 <a:sym typeface="Cairo Semi-Bold"/>
               </a:rPr>
-              <a:t>{{EXIT_DATE_GREGORIAN}}</a:t>
+              <a:t>EXIT_DATE_GREGORIAN</a:t>
+            </a:r>
+            <a:r>
+              <a:rPr lang="ar-EG" b="true" sz="852" spc="2">
+                <a:solidFill>
+                  <a:srgbClr val="FFFFFF"/>
+                </a:solidFill>
+                <a:latin typeface="Cairo Semi-Bold"/>
+                <a:ea typeface="Cairo Semi-Bold"/>
+                <a:cs typeface="Cairo Semi-Bold"/>
+                <a:sym typeface="Cairo Semi-Bold"/>
+                <a:rtl val="true"/>
+              </a:rPr>
+              <a:t>}}</a:t>
             </a:r>
           </a:p>
         </p:txBody>
@@ -6871,7 +6975,7 @@
         </p:nvSpPr>
         <p:spPr>
           <a:xfrm rot="0">
-            <a:off x="141108" y="9329624"/>
+            <a:off x="350282" y="9329624"/>
             <a:ext cx="1625622" cy="137084"/>
           </a:xfrm>
           <a:prstGeom prst="rect">
@@ -6884,7 +6988,7 @@
           </a:bodyPr>
           <a:lstStyle/>
           <a:p>
-            <a:pPr algn="ctr">
+            <a:pPr algn="l">
               <a:lnSpc>
                 <a:spcPts val="1103"/>
               </a:lnSpc>
@@ -6912,7 +7016,7 @@
         </p:nvSpPr>
         <p:spPr>
           <a:xfrm rot="0">
-            <a:off x="108352" y="9056084"/>
+            <a:off x="350282" y="9056084"/>
             <a:ext cx="855649" cy="227055"/>
           </a:xfrm>
           <a:prstGeom prst="rect">
@@ -6925,7 +7029,7 @@
           </a:bodyPr>
           <a:lstStyle/>
           <a:p>
-            <a:pPr algn="ctr">
+            <a:pPr algn="l">
               <a:lnSpc>
                 <a:spcPts val="2005"/>
               </a:lnSpc>

--- a/public/templates/report_template.pptx
+++ b/public/templates/report_template.pptx
@@ -5361,25 +5361,25 @@
         <p:spPr>
           <a:xfrm rot="0">
             <a:off x="2286381" y="3944931"/>
-            <a:ext cx="588702" cy="776040"/>
-          </a:xfrm>
-          <a:prstGeom prst="rect">
-            <a:avLst/>
-          </a:prstGeom>
-        </p:spPr>
-        <p:txBody>
-          <a:bodyPr anchor="t" rtlCol="false" tIns="0" lIns="0" bIns="0" rIns="0">
-            <a:spAutoFit/>
-          </a:bodyPr>
-          <a:lstStyle/>
-          <a:p>
-            <a:pPr algn="r" rtl="true">
+            <a:ext cx="588702" cy="764126"/>
+          </a:xfrm>
+          <a:prstGeom prst="rect">
+            <a:avLst/>
+          </a:prstGeom>
+        </p:spPr>
+        <p:txBody>
+          <a:bodyPr anchor="t" rtlCol="false" tIns="0" lIns="0" bIns="0" rIns="0">
+            <a:spAutoFit/>
+          </a:bodyPr>
+          <a:lstStyle/>
+          <a:p>
+            <a:pPr algn="l">
               <a:lnSpc>
                 <a:spcPts val="2131"/>
               </a:lnSpc>
             </a:pPr>
             <a:r>
-              <a:rPr lang="ar-EG" b="true" sz="852" spc="2">
+              <a:rPr lang="en-US" b="true" sz="852" spc="2">
                 <a:solidFill>
                   <a:srgbClr val="2C3E77"/>
                 </a:solidFill>
@@ -5387,34 +5387,8 @@
                 <a:ea typeface="Cairo Semi-Bold"/>
                 <a:cs typeface="Cairo Semi-Bold"/>
                 <a:sym typeface="Cairo Semi-Bold"/>
-                <a:rtl val="true"/>
-              </a:rPr>
-              <a:t>{{</a:t>
-            </a:r>
-            <a:r>
-              <a:rPr lang="en-US" b="true" sz="852" spc="2">
-                <a:solidFill>
-                  <a:srgbClr val="2C3E77"/>
-                </a:solidFill>
-                <a:latin typeface="Cairo Semi-Bold"/>
-                <a:ea typeface="Cairo Semi-Bold"/>
-                <a:cs typeface="Cairo Semi-Bold"/>
-                <a:sym typeface="Cairo Semi-Bold"/>
-              </a:rPr>
-              <a:t>EXIT_DATE_GREGORIAN</a:t>
-            </a:r>
-            <a:r>
-              <a:rPr lang="ar-EG" b="true" sz="852" spc="2">
-                <a:solidFill>
-                  <a:srgbClr val="2C3E77"/>
-                </a:solidFill>
-                <a:latin typeface="Cairo Semi-Bold"/>
-                <a:ea typeface="Cairo Semi-Bold"/>
-                <a:cs typeface="Cairo Semi-Bold"/>
-                <a:sym typeface="Cairo Semi-Bold"/>
-                <a:rtl val="true"/>
-              </a:rPr>
-              <a:t>}}</a:t>
+              </a:rPr>
+              <a:t>{{EXIT_DATE_GREGORIAN}}</a:t>
             </a:r>
           </a:p>
         </p:txBody>
@@ -5510,25 +5484,25 @@
         <p:spPr>
           <a:xfrm rot="0">
             <a:off x="3455041" y="4327055"/>
-            <a:ext cx="588702" cy="776040"/>
-          </a:xfrm>
-          <a:prstGeom prst="rect">
-            <a:avLst/>
-          </a:prstGeom>
-        </p:spPr>
-        <p:txBody>
-          <a:bodyPr anchor="t" rtlCol="false" tIns="0" lIns="0" bIns="0" rIns="0">
-            <a:spAutoFit/>
-          </a:bodyPr>
-          <a:lstStyle/>
-          <a:p>
-            <a:pPr algn="r" rtl="true">
+            <a:ext cx="588702" cy="764126"/>
+          </a:xfrm>
+          <a:prstGeom prst="rect">
+            <a:avLst/>
+          </a:prstGeom>
+        </p:spPr>
+        <p:txBody>
+          <a:bodyPr anchor="t" rtlCol="false" tIns="0" lIns="0" bIns="0" rIns="0">
+            <a:spAutoFit/>
+          </a:bodyPr>
+          <a:lstStyle/>
+          <a:p>
+            <a:pPr algn="l">
               <a:lnSpc>
                 <a:spcPts val="2131"/>
               </a:lnSpc>
             </a:pPr>
             <a:r>
-              <a:rPr lang="ar-EG" b="true" sz="852" spc="2">
+              <a:rPr lang="en-US" b="true" sz="852" spc="2">
                 <a:solidFill>
                   <a:srgbClr val="2C3E77"/>
                 </a:solidFill>
@@ -5536,34 +5510,8 @@
                 <a:ea typeface="Cairo Semi-Bold"/>
                 <a:cs typeface="Cairo Semi-Bold"/>
                 <a:sym typeface="Cairo Semi-Bold"/>
-                <a:rtl val="true"/>
-              </a:rPr>
-              <a:t>{{</a:t>
-            </a:r>
-            <a:r>
-              <a:rPr lang="en-US" b="true" sz="852" spc="2">
-                <a:solidFill>
-                  <a:srgbClr val="2C3E77"/>
-                </a:solidFill>
-                <a:latin typeface="Cairo Semi-Bold"/>
-                <a:ea typeface="Cairo Semi-Bold"/>
-                <a:cs typeface="Cairo Semi-Bold"/>
-                <a:sym typeface="Cairo Semi-Bold"/>
-              </a:rPr>
-              <a:t>REPORT_ISSUE_DATE</a:t>
-            </a:r>
-            <a:r>
-              <a:rPr lang="ar-EG" b="true" sz="852" spc="2">
-                <a:solidFill>
-                  <a:srgbClr val="2C3E77"/>
-                </a:solidFill>
-                <a:latin typeface="Cairo Semi-Bold"/>
-                <a:ea typeface="Cairo Semi-Bold"/>
-                <a:cs typeface="Cairo Semi-Bold"/>
-                <a:sym typeface="Cairo Semi-Bold"/>
-                <a:rtl val="true"/>
-              </a:rPr>
-              <a:t>}}</a:t>
+              </a:rPr>
+              <a:t>{{REPORT_ISSUE_DATE}}</a:t>
             </a:r>
           </a:p>
         </p:txBody>
@@ -6719,25 +6667,25 @@
         <p:spPr>
           <a:xfrm rot="0">
             <a:off x="2074612" y="3188074"/>
-            <a:ext cx="588702" cy="776040"/>
-          </a:xfrm>
-          <a:prstGeom prst="rect">
-            <a:avLst/>
-          </a:prstGeom>
-        </p:spPr>
-        <p:txBody>
-          <a:bodyPr anchor="t" rtlCol="false" tIns="0" lIns="0" bIns="0" rIns="0">
-            <a:spAutoFit/>
-          </a:bodyPr>
-          <a:lstStyle/>
-          <a:p>
-            <a:pPr algn="r" rtl="true">
+            <a:ext cx="588702" cy="764126"/>
+          </a:xfrm>
+          <a:prstGeom prst="rect">
+            <a:avLst/>
+          </a:prstGeom>
+        </p:spPr>
+        <p:txBody>
+          <a:bodyPr anchor="t" rtlCol="false" tIns="0" lIns="0" bIns="0" rIns="0">
+            <a:spAutoFit/>
+          </a:bodyPr>
+          <a:lstStyle/>
+          <a:p>
+            <a:pPr algn="l">
               <a:lnSpc>
                 <a:spcPts val="2131"/>
               </a:lnSpc>
             </a:pPr>
             <a:r>
-              <a:rPr lang="ar-EG" b="true" sz="852" spc="2">
+              <a:rPr lang="en-US" b="true" sz="852" spc="2">
                 <a:solidFill>
                   <a:srgbClr val="FFFFFF"/>
                 </a:solidFill>
@@ -6745,10 +6693,38 @@
                 <a:ea typeface="Cairo Semi-Bold"/>
                 <a:cs typeface="Cairo Semi-Bold"/>
                 <a:sym typeface="Cairo Semi-Bold"/>
-                <a:rtl val="true"/>
-              </a:rPr>
-              <a:t>{{</a:t>
-            </a:r>
+              </a:rPr>
+              <a:t>{{ENTRY_DATE_GREGORIAN}}</a:t>
+            </a:r>
+          </a:p>
+        </p:txBody>
+      </p:sp>
+      <p:sp>
+        <p:nvSpPr>
+          <p:cNvPr name="TextBox 85" id="85"/>
+          <p:cNvSpPr txBox="true"/>
+          <p:nvPr/>
+        </p:nvSpPr>
+        <p:spPr>
+          <a:xfrm rot="0">
+            <a:off x="2791870" y="3188074"/>
+            <a:ext cx="588702" cy="764126"/>
+          </a:xfrm>
+          <a:prstGeom prst="rect">
+            <a:avLst/>
+          </a:prstGeom>
+        </p:spPr>
+        <p:txBody>
+          <a:bodyPr anchor="t" rtlCol="false" tIns="0" lIns="0" bIns="0" rIns="0">
+            <a:spAutoFit/>
+          </a:bodyPr>
+          <a:lstStyle/>
+          <a:p>
+            <a:pPr algn="l">
+              <a:lnSpc>
+                <a:spcPts val="2131"/>
+              </a:lnSpc>
+            </a:pPr>
             <a:r>
               <a:rPr lang="en-US" b="true" sz="852" spc="2">
                 <a:solidFill>
@@ -6759,87 +6735,7 @@
                 <a:cs typeface="Cairo Semi-Bold"/>
                 <a:sym typeface="Cairo Semi-Bold"/>
               </a:rPr>
-              <a:t>ENTRY_DATE_GREGORIAN</a:t>
-            </a:r>
-            <a:r>
-              <a:rPr lang="ar-EG" b="true" sz="852" spc="2">
-                <a:solidFill>
-                  <a:srgbClr val="FFFFFF"/>
-                </a:solidFill>
-                <a:latin typeface="Cairo Semi-Bold"/>
-                <a:ea typeface="Cairo Semi-Bold"/>
-                <a:cs typeface="Cairo Semi-Bold"/>
-                <a:sym typeface="Cairo Semi-Bold"/>
-                <a:rtl val="true"/>
-              </a:rPr>
-              <a:t>}}</a:t>
-            </a:r>
-          </a:p>
-        </p:txBody>
-      </p:sp>
-      <p:sp>
-        <p:nvSpPr>
-          <p:cNvPr name="TextBox 85" id="85"/>
-          <p:cNvSpPr txBox="true"/>
-          <p:nvPr/>
-        </p:nvSpPr>
-        <p:spPr>
-          <a:xfrm rot="0">
-            <a:off x="2791870" y="3188074"/>
-            <a:ext cx="588702" cy="776040"/>
-          </a:xfrm>
-          <a:prstGeom prst="rect">
-            <a:avLst/>
-          </a:prstGeom>
-        </p:spPr>
-        <p:txBody>
-          <a:bodyPr anchor="t" rtlCol="false" tIns="0" lIns="0" bIns="0" rIns="0">
-            <a:spAutoFit/>
-          </a:bodyPr>
-          <a:lstStyle/>
-          <a:p>
-            <a:pPr algn="r" rtl="true">
-              <a:lnSpc>
-                <a:spcPts val="2131"/>
-              </a:lnSpc>
-            </a:pPr>
-            <a:r>
-              <a:rPr lang="ar-EG" b="true" sz="852" spc="2">
-                <a:solidFill>
-                  <a:srgbClr val="FFFFFF"/>
-                </a:solidFill>
-                <a:latin typeface="Cairo Semi-Bold"/>
-                <a:ea typeface="Cairo Semi-Bold"/>
-                <a:cs typeface="Cairo Semi-Bold"/>
-                <a:sym typeface="Cairo Semi-Bold"/>
-                <a:rtl val="true"/>
-              </a:rPr>
-              <a:t>{{</a:t>
-            </a:r>
-            <a:r>
-              <a:rPr lang="en-US" b="true" sz="852" spc="2">
-                <a:solidFill>
-                  <a:srgbClr val="FFFFFF"/>
-                </a:solidFill>
-                <a:latin typeface="Cairo Semi-Bold"/>
-                <a:ea typeface="Cairo Semi-Bold"/>
-                <a:cs typeface="Cairo Semi-Bold"/>
-                <a:sym typeface="Cairo Semi-Bold"/>
-              </a:rPr>
-              <a:t>EXIT_DATE_GREGORIAN</a:t>
-            </a:r>
-            <a:r>
-              <a:rPr lang="ar-EG" b="true" sz="852" spc="2">
-                <a:solidFill>
-                  <a:srgbClr val="FFFFFF"/>
-                </a:solidFill>
-                <a:latin typeface="Cairo Semi-Bold"/>
-                <a:ea typeface="Cairo Semi-Bold"/>
-                <a:cs typeface="Cairo Semi-Bold"/>
-                <a:sym typeface="Cairo Semi-Bold"/>
-                <a:rtl val="true"/>
-              </a:rPr>
-              <a:t>}}</a:t>
+              <a:t>{{EXIT_DATE_GREGORIAN}}</a:t>
             </a:r>
           </a:p>
         </p:txBody>

--- a/public/templates/report_template.pptx
+++ b/public/templates/report_template.pptx
@@ -4856,7 +4856,7 @@
                 <a:cs typeface="Cairo Semi-Bold"/>
                 <a:sym typeface="Cairo Semi-Bold"/>
               </a:rPr>
-              <a:t>{{JOB_TITLE_AR}</a:t>
+              <a:t>{{JOB_TITLE_AR}}</a:t>
             </a:r>
           </a:p>
         </p:txBody>
@@ -6543,7 +6543,7 @@
           </a:bodyPr>
           <a:lstStyle/>
           <a:p>
-            <a:pPr algn="ctr">
+            <a:pPr algn="ctr" rtl="true">
               <a:lnSpc>
                 <a:spcPts val="1249"/>
               </a:lnSpc>
@@ -6667,7 +6667,7 @@
         <p:spPr>
           <a:xfrm rot="0">
             <a:off x="2074612" y="3188074"/>
-            <a:ext cx="588702" cy="764126"/>
+            <a:ext cx="588702" cy="776040"/>
           </a:xfrm>
           <a:prstGeom prst="rect">
             <a:avLst/>

--- a/public/templates/report_template.pptx
+++ b/public/templates/report_template.pptx
@@ -3169,142 +3169,7 @@
       </p:sp>
       <p:sp>
         <p:nvSpPr>
-          <p:cNvPr name="TextBox 4" id="4"/>
-          <p:cNvSpPr txBox="true"/>
-          <p:nvPr/>
-        </p:nvSpPr>
-        <p:spPr>
-          <a:xfrm rot="0">
-            <a:off x="1856627" y="3180683"/>
-            <a:ext cx="1735765" cy="234697"/>
-          </a:xfrm>
-          <a:prstGeom prst="rect">
-            <a:avLst/>
-          </a:prstGeom>
-        </p:spPr>
-        <p:txBody>
-          <a:bodyPr anchor="t" rtlCol="false" tIns="0" lIns="0" bIns="0" rIns="0">
-            <a:spAutoFit/>
-          </a:bodyPr>
-          <a:lstStyle/>
-          <a:p>
-            <a:pPr algn="ctr">
-              <a:lnSpc>
-                <a:spcPts val="2131"/>
-              </a:lnSpc>
-            </a:pPr>
-            <a:r>
-              <a:rPr lang="en-US" b="true" sz="852">
-                <a:solidFill>
-                  <a:srgbClr val="FFFFFF"/>
-                </a:solidFill>
-                <a:latin typeface="Cairo Semi-Bold"/>
-                <a:ea typeface="Cairo Semi-Bold"/>
-                <a:cs typeface="Cairo Semi-Bold"/>
-                <a:sym typeface="Cairo Semi-Bold"/>
-              </a:rPr>
-              <a:t>to</a:t>
-            </a:r>
-          </a:p>
-        </p:txBody>
-      </p:sp>
-      <p:sp>
-        <p:nvSpPr>
-          <p:cNvPr name="TextBox 5" id="5"/>
-          <p:cNvSpPr txBox="true"/>
-          <p:nvPr/>
-        </p:nvSpPr>
-        <p:spPr>
-          <a:xfrm rot="0">
-            <a:off x="1730454" y="3188074"/>
-            <a:ext cx="1713281" cy="230726"/>
-          </a:xfrm>
-          <a:prstGeom prst="rect">
-            <a:avLst/>
-          </a:prstGeom>
-        </p:spPr>
-        <p:txBody>
-          <a:bodyPr anchor="t" rtlCol="false" tIns="0" lIns="0" bIns="0" rIns="0">
-            <a:spAutoFit/>
-          </a:bodyPr>
-          <a:lstStyle/>
-          <a:p>
-            <a:pPr algn="l">
-              <a:lnSpc>
-                <a:spcPts val="2131"/>
-              </a:lnSpc>
-            </a:pPr>
-            <a:r>
-              <a:rPr lang="en-US" b="true" sz="852">
-                <a:solidFill>
-                  <a:srgbClr val="FFFFFF"/>
-                </a:solidFill>
-                <a:latin typeface="Cairo Semi-Bold"/>
-                <a:ea typeface="Cairo Semi-Bold"/>
-                <a:cs typeface="Cairo Semi-Bold"/>
-                <a:sym typeface="Cairo Semi-Bold"/>
-              </a:rPr>
-              <a:t>   </a:t>
-            </a:r>
-            <a:r>
-              <a:rPr lang="en-US" b="true" sz="852">
-                <a:solidFill>
-                  <a:srgbClr val="FFFFFF"/>
-                </a:solidFill>
-                <a:latin typeface="Cairo Semi-Bold"/>
-                <a:ea typeface="Cairo Semi-Bold"/>
-                <a:cs typeface="Cairo Semi-Bold"/>
-                <a:sym typeface="Cairo Semi-Bold"/>
-              </a:rPr>
-              <a:t> day (                                                         )</a:t>
-            </a:r>
-          </a:p>
-        </p:txBody>
-      </p:sp>
-      <p:sp>
-        <p:nvSpPr>
-          <p:cNvPr name="TextBox 6" id="6"/>
-          <p:cNvSpPr txBox="true"/>
-          <p:nvPr/>
-        </p:nvSpPr>
-        <p:spPr>
-          <a:xfrm rot="0">
-            <a:off x="1383519" y="6342316"/>
-            <a:ext cx="2394427" cy="127000"/>
-          </a:xfrm>
-          <a:prstGeom prst="rect">
-            <a:avLst/>
-          </a:prstGeom>
-        </p:spPr>
-        <p:txBody>
-          <a:bodyPr anchor="t" rtlCol="false" tIns="0" lIns="0" bIns="0" rIns="0">
-            <a:spAutoFit/>
-          </a:bodyPr>
-          <a:lstStyle/>
-          <a:p>
-            <a:pPr algn="ctr">
-              <a:lnSpc>
-                <a:spcPts val="1050"/>
-              </a:lnSpc>
-            </a:pPr>
-            <a:r>
-              <a:rPr lang="en-US" b="true" sz="750" spc="3">
-                <a:solidFill>
-                  <a:srgbClr val="2C3E77"/>
-                </a:solidFill>
-                <a:latin typeface="Cairo Semi-Bold"/>
-                <a:ea typeface="Cairo Semi-Bold"/>
-                <a:cs typeface="Cairo Semi-Bold"/>
-                <a:sym typeface="Cairo Semi-Bold"/>
-              </a:rPr>
-              <a:t>{{DOCTOR_NAME_EN}}</a:t>
-            </a:r>
-          </a:p>
-        </p:txBody>
-      </p:sp>
-      <p:sp>
-        <p:nvSpPr>
-          <p:cNvPr name="Freeform 7" id="7"/>
+          <p:cNvPr name="Freeform 4" id="4"/>
           <p:cNvSpPr/>
           <p:nvPr/>
         </p:nvSpPr>
@@ -3350,7 +3215,7 @@
       </p:sp>
       <p:sp>
         <p:nvSpPr>
-          <p:cNvPr name="Freeform 8" id="8"/>
+          <p:cNvPr name="Freeform 5" id="5"/>
           <p:cNvSpPr/>
           <p:nvPr/>
         </p:nvSpPr>
@@ -3402,7 +3267,130 @@
       </p:sp>
       <p:grpSp>
         <p:nvGrpSpPr>
-          <p:cNvPr name="Group 9" id="9"/>
+          <p:cNvPr name="Group 6" id="6"/>
+          <p:cNvGrpSpPr/>
+          <p:nvPr/>
+        </p:nvGrpSpPr>
+        <p:grpSpPr>
+          <a:xfrm rot="0">
+            <a:off x="456510" y="8619515"/>
+            <a:ext cx="2268000" cy="111781"/>
+            <a:chOff x="0" y="0"/>
+            <a:chExt cx="812800" cy="40060"/>
+          </a:xfrm>
+        </p:grpSpPr>
+        <p:sp>
+          <p:nvSpPr>
+            <p:cNvPr name="Freeform 7" id="7"/>
+            <p:cNvSpPr/>
+            <p:nvPr/>
+          </p:nvSpPr>
+          <p:spPr>
+            <a:xfrm flipH="false" flipV="false" rot="0">
+              <a:off x="0" y="0"/>
+              <a:ext cx="812800" cy="40060"/>
+            </a:xfrm>
+            <a:custGeom>
+              <a:avLst/>
+              <a:gdLst/>
+              <a:ahLst/>
+              <a:cxnLst/>
+              <a:rect r="r" b="b" t="t" l="l"/>
+              <a:pathLst>
+                <a:path h="40060" w="812800">
+                  <a:moveTo>
+                    <a:pt x="0" y="0"/>
+                  </a:moveTo>
+                  <a:lnTo>
+                    <a:pt x="812800" y="0"/>
+                  </a:lnTo>
+                  <a:lnTo>
+                    <a:pt x="812800" y="40060"/>
+                  </a:lnTo>
+                  <a:lnTo>
+                    <a:pt x="0" y="40060"/>
+                  </a:lnTo>
+                  <a:close/>
+                </a:path>
+              </a:pathLst>
+            </a:custGeom>
+            <a:solidFill>
+              <a:srgbClr val="FFFFFF"/>
+            </a:solidFill>
+          </p:spPr>
+        </p:sp>
+        <p:sp>
+          <p:nvSpPr>
+            <p:cNvPr name="TextBox 8" id="8"/>
+            <p:cNvSpPr txBox="true"/>
+            <p:nvPr/>
+          </p:nvSpPr>
+          <p:spPr>
+            <a:xfrm>
+              <a:off x="0" y="-123825"/>
+              <a:ext cx="812800" cy="163885"/>
+            </a:xfrm>
+            <a:prstGeom prst="rect">
+              <a:avLst/>
+            </a:prstGeom>
+          </p:spPr>
+          <p:txBody>
+            <a:bodyPr anchor="ctr" rtlCol="false" tIns="50800" lIns="50800" bIns="50800" rIns="50800"/>
+            <a:lstStyle/>
+            <a:p>
+              <a:pPr algn="ctr">
+                <a:lnSpc>
+                  <a:spcPts val="3560"/>
+                </a:lnSpc>
+              </a:pPr>
+            </a:p>
+          </p:txBody>
+        </p:sp>
+      </p:grpSp>
+      <p:sp>
+        <p:nvSpPr>
+          <p:cNvPr name="TextBox 9" id="9"/>
+          <p:cNvSpPr txBox="true"/>
+          <p:nvPr/>
+        </p:nvSpPr>
+        <p:spPr>
+          <a:xfrm rot="0">
+            <a:off x="781869" y="8562365"/>
+            <a:ext cx="1569682" cy="172331"/>
+          </a:xfrm>
+          <a:prstGeom prst="rect">
+            <a:avLst/>
+          </a:prstGeom>
+        </p:spPr>
+        <p:txBody>
+          <a:bodyPr anchor="t" rtlCol="false" tIns="0" lIns="0" bIns="0" rIns="0">
+            <a:spAutoFit/>
+          </a:bodyPr>
+          <a:lstStyle/>
+          <a:p>
+            <a:pPr algn="ctr">
+              <a:lnSpc>
+                <a:spcPts val="1526"/>
+              </a:lnSpc>
+            </a:pPr>
+            <a:r>
+              <a:rPr lang="en-US" b="true" sz="802" spc="2">
+                <a:solidFill>
+                  <a:srgbClr val="0000EE"/>
+                </a:solidFill>
+                <a:latin typeface="Cairo Semi-Bold"/>
+                <a:ea typeface="Cairo Semi-Bold"/>
+                <a:cs typeface="Cairo Semi-Bold"/>
+                <a:sym typeface="Cairo Semi-Bold"/>
+              </a:rPr>
+              <a:t>https://satha.kesug.com</a:t>
+            </a:r>
+          </a:p>
+        </p:txBody>
+      </p:sp>
+      <p:grpSp>
+        <p:nvGrpSpPr>
+          <p:cNvPr name="Group 10" id="10"/>
           <p:cNvGrpSpPr>
             <a:grpSpLocks noChangeAspect="true"/>
           </p:cNvGrpSpPr>
@@ -3418,7 +3406,7 @@
         </p:grpSpPr>
         <p:sp>
           <p:nvSpPr>
-            <p:cNvPr name="Freeform 10" id="10"/>
+            <p:cNvPr name="Freeform 11" id="11"/>
             <p:cNvSpPr/>
             <p:nvPr/>
           </p:nvSpPr>
@@ -3459,7 +3447,7 @@
       </p:grpSp>
       <p:sp>
         <p:nvSpPr>
-          <p:cNvPr name="Freeform 11" id="11"/>
+          <p:cNvPr name="Freeform 12" id="12"/>
           <p:cNvSpPr/>
           <p:nvPr/>
         </p:nvSpPr>
@@ -3505,7 +3493,7 @@
       </p:sp>
       <p:sp>
         <p:nvSpPr>
-          <p:cNvPr name="Freeform 12" id="12"/>
+          <p:cNvPr name="Freeform 13" id="13"/>
           <p:cNvSpPr/>
           <p:nvPr/>
         </p:nvSpPr>
@@ -3551,7 +3539,7 @@
       </p:sp>
       <p:sp>
         <p:nvSpPr>
-          <p:cNvPr name="Freeform 13" id="13"/>
+          <p:cNvPr name="Freeform 14" id="14"/>
           <p:cNvSpPr/>
           <p:nvPr/>
         </p:nvSpPr>
@@ -3597,7 +3585,7 @@
       </p:sp>
       <p:sp>
         <p:nvSpPr>
-          <p:cNvPr name="Freeform 14" id="14"/>
+          <p:cNvPr name="Freeform 15" id="15"/>
           <p:cNvSpPr/>
           <p:nvPr/>
         </p:nvSpPr>
@@ -3643,7 +3631,7 @@
       </p:sp>
       <p:sp>
         <p:nvSpPr>
-          <p:cNvPr name="Freeform 15" id="15"/>
+          <p:cNvPr name="Freeform 16" id="16"/>
           <p:cNvSpPr/>
           <p:nvPr/>
         </p:nvSpPr>
@@ -3689,7 +3677,7 @@
       </p:sp>
       <p:sp>
         <p:nvSpPr>
-          <p:cNvPr name="Freeform 16" id="16"/>
+          <p:cNvPr name="Freeform 17" id="17"/>
           <p:cNvSpPr/>
           <p:nvPr/>
         </p:nvSpPr>
@@ -3735,7 +3723,183 @@
       </p:sp>
       <p:sp>
         <p:nvSpPr>
-          <p:cNvPr name="TextBox 17" id="17"/>
+          <p:cNvPr name="TextBox 18" id="18"/>
+          <p:cNvSpPr txBox="true"/>
+          <p:nvPr/>
+        </p:nvSpPr>
+        <p:spPr>
+          <a:xfrm rot="0">
+            <a:off x="4869894" y="3186088"/>
+            <a:ext cx="588702" cy="497426"/>
+          </a:xfrm>
+          <a:prstGeom prst="rect">
+            <a:avLst/>
+          </a:prstGeom>
+        </p:spPr>
+        <p:txBody>
+          <a:bodyPr anchor="t" rtlCol="false" tIns="0" lIns="0" bIns="0" rIns="0">
+            <a:spAutoFit/>
+          </a:bodyPr>
+          <a:lstStyle/>
+          <a:p>
+            <a:pPr algn="l">
+              <a:lnSpc>
+                <a:spcPts val="2131"/>
+              </a:lnSpc>
+            </a:pPr>
+            <a:r>
+              <a:rPr lang="en-US" b="true" sz="852" spc="2">
+                <a:solidFill>
+                  <a:srgbClr val="FFFFFF"/>
+                </a:solidFill>
+                <a:latin typeface="Cairo Semi-Bold"/>
+                <a:ea typeface="Cairo Semi-Bold"/>
+                <a:cs typeface="Cairo Semi-Bold"/>
+                <a:sym typeface="Cairo Semi-Bold"/>
+              </a:rPr>
+              <a:t>{{ENTRY_DATE_HIJRI}}</a:t>
+            </a:r>
+          </a:p>
+        </p:txBody>
+      </p:sp>
+      <p:sp>
+        <p:nvSpPr>
+          <p:cNvPr name="TextBox 19" id="19"/>
+          <p:cNvSpPr txBox="true"/>
+          <p:nvPr/>
+        </p:nvSpPr>
+        <p:spPr>
+          <a:xfrm rot="0">
+            <a:off x="1856627" y="3180683"/>
+            <a:ext cx="1735765" cy="234697"/>
+          </a:xfrm>
+          <a:prstGeom prst="rect">
+            <a:avLst/>
+          </a:prstGeom>
+        </p:spPr>
+        <p:txBody>
+          <a:bodyPr anchor="t" rtlCol="false" tIns="0" lIns="0" bIns="0" rIns="0">
+            <a:spAutoFit/>
+          </a:bodyPr>
+          <a:lstStyle/>
+          <a:p>
+            <a:pPr algn="ctr">
+              <a:lnSpc>
+                <a:spcPts val="2131"/>
+              </a:lnSpc>
+            </a:pPr>
+            <a:r>
+              <a:rPr lang="en-US" b="true" sz="852">
+                <a:solidFill>
+                  <a:srgbClr val="FFFFFF"/>
+                </a:solidFill>
+                <a:latin typeface="Cairo Semi-Bold"/>
+                <a:ea typeface="Cairo Semi-Bold"/>
+                <a:cs typeface="Cairo Semi-Bold"/>
+                <a:sym typeface="Cairo Semi-Bold"/>
+              </a:rPr>
+              <a:t>to</a:t>
+            </a:r>
+          </a:p>
+        </p:txBody>
+      </p:sp>
+      <p:sp>
+        <p:nvSpPr>
+          <p:cNvPr name="TextBox 20" id="20"/>
+          <p:cNvSpPr txBox="true"/>
+          <p:nvPr/>
+        </p:nvSpPr>
+        <p:spPr>
+          <a:xfrm rot="0">
+            <a:off x="1730454" y="3188074"/>
+            <a:ext cx="1713281" cy="230726"/>
+          </a:xfrm>
+          <a:prstGeom prst="rect">
+            <a:avLst/>
+          </a:prstGeom>
+        </p:spPr>
+        <p:txBody>
+          <a:bodyPr anchor="t" rtlCol="false" tIns="0" lIns="0" bIns="0" rIns="0">
+            <a:spAutoFit/>
+          </a:bodyPr>
+          <a:lstStyle/>
+          <a:p>
+            <a:pPr algn="l">
+              <a:lnSpc>
+                <a:spcPts val="2131"/>
+              </a:lnSpc>
+            </a:pPr>
+            <a:r>
+              <a:rPr lang="en-US" b="true" sz="852">
+                <a:solidFill>
+                  <a:srgbClr val="FFFFFF"/>
+                </a:solidFill>
+                <a:latin typeface="Cairo Semi-Bold"/>
+                <a:ea typeface="Cairo Semi-Bold"/>
+                <a:cs typeface="Cairo Semi-Bold"/>
+                <a:sym typeface="Cairo Semi-Bold"/>
+              </a:rPr>
+              <a:t>   </a:t>
+            </a:r>
+            <a:r>
+              <a:rPr lang="en-US" b="true" sz="852">
+                <a:solidFill>
+                  <a:srgbClr val="FFFFFF"/>
+                </a:solidFill>
+                <a:latin typeface="Cairo Semi-Bold"/>
+                <a:ea typeface="Cairo Semi-Bold"/>
+                <a:cs typeface="Cairo Semi-Bold"/>
+                <a:sym typeface="Cairo Semi-Bold"/>
+              </a:rPr>
+              <a:t> day (                                                         )</a:t>
+            </a:r>
+          </a:p>
+        </p:txBody>
+      </p:sp>
+      <p:sp>
+        <p:nvSpPr>
+          <p:cNvPr name="TextBox 21" id="21"/>
+          <p:cNvSpPr txBox="true"/>
+          <p:nvPr/>
+        </p:nvSpPr>
+        <p:spPr>
+          <a:xfrm rot="0">
+            <a:off x="1383519" y="6342316"/>
+            <a:ext cx="2394427" cy="127000"/>
+          </a:xfrm>
+          <a:prstGeom prst="rect">
+            <a:avLst/>
+          </a:prstGeom>
+        </p:spPr>
+        <p:txBody>
+          <a:bodyPr anchor="t" rtlCol="false" tIns="0" lIns="0" bIns="0" rIns="0">
+            <a:spAutoFit/>
+          </a:bodyPr>
+          <a:lstStyle/>
+          <a:p>
+            <a:pPr algn="ctr">
+              <a:lnSpc>
+                <a:spcPts val="1050"/>
+              </a:lnSpc>
+            </a:pPr>
+            <a:r>
+              <a:rPr lang="en-US" b="true" sz="750" spc="3">
+                <a:solidFill>
+                  <a:srgbClr val="2C3E77"/>
+                </a:solidFill>
+                <a:latin typeface="Cairo Semi-Bold"/>
+                <a:ea typeface="Cairo Semi-Bold"/>
+                <a:cs typeface="Cairo Semi-Bold"/>
+                <a:sym typeface="Cairo Semi-Bold"/>
+              </a:rPr>
+              <a:t>{{DOCTOR_NAME_EN}}</a:t>
+            </a:r>
+          </a:p>
+        </p:txBody>
+      </p:sp>
+      <p:sp>
+        <p:nvSpPr>
+          <p:cNvPr name="TextBox 22" id="22"/>
           <p:cNvSpPr txBox="true"/>
           <p:nvPr/>
         </p:nvSpPr>
@@ -3776,48 +3940,7 @@
       </p:sp>
       <p:sp>
         <p:nvSpPr>
-          <p:cNvPr name="TextBox 18" id="18"/>
-          <p:cNvSpPr txBox="true"/>
-          <p:nvPr/>
-        </p:nvSpPr>
-        <p:spPr>
-          <a:xfrm rot="0">
-            <a:off x="799281" y="8562365"/>
-            <a:ext cx="1569682" cy="172174"/>
-          </a:xfrm>
-          <a:prstGeom prst="rect">
-            <a:avLst/>
-          </a:prstGeom>
-        </p:spPr>
-        <p:txBody>
-          <a:bodyPr anchor="t" rtlCol="false" tIns="0" lIns="0" bIns="0" rIns="0">
-            <a:spAutoFit/>
-          </a:bodyPr>
-          <a:lstStyle/>
-          <a:p>
-            <a:pPr algn="l">
-              <a:lnSpc>
-                <a:spcPts val="1526"/>
-              </a:lnSpc>
-            </a:pPr>
-            <a:r>
-              <a:rPr lang="en-US" b="true" sz="802" spc="2">
-                <a:solidFill>
-                  <a:srgbClr val="0000EE"/>
-                </a:solidFill>
-                <a:latin typeface="Cairo Semi-Bold"/>
-                <a:ea typeface="Cairo Semi-Bold"/>
-                <a:cs typeface="Cairo Semi-Bold"/>
-                <a:sym typeface="Cairo Semi-Bold"/>
-              </a:rPr>
-              <a:t>www.seha.sa/#/inquiries/slenquiry</a:t>
-            </a:r>
-          </a:p>
-        </p:txBody>
-      </p:sp>
-      <p:sp>
-        <p:nvSpPr>
-          <p:cNvPr name="TextBox 19" id="19"/>
+          <p:cNvPr name="TextBox 23" id="23"/>
           <p:cNvSpPr txBox="true"/>
           <p:nvPr/>
         </p:nvSpPr>
@@ -3884,7 +4007,7 @@
       </p:sp>
       <p:sp>
         <p:nvSpPr>
-          <p:cNvPr name="TextBox 20" id="20"/>
+          <p:cNvPr name="TextBox 24" id="24"/>
           <p:cNvSpPr txBox="true"/>
           <p:nvPr/>
         </p:nvSpPr>
@@ -3925,7 +4048,7 @@
       </p:sp>
       <p:sp>
         <p:nvSpPr>
-          <p:cNvPr name="TextBox 21" id="21"/>
+          <p:cNvPr name="TextBox 25" id="25"/>
           <p:cNvSpPr txBox="true"/>
           <p:nvPr/>
         </p:nvSpPr>
@@ -3966,7 +4089,7 @@
       </p:sp>
       <p:sp>
         <p:nvSpPr>
-          <p:cNvPr name="TextBox 22" id="22"/>
+          <p:cNvPr name="TextBox 26" id="26"/>
           <p:cNvSpPr txBox="true"/>
           <p:nvPr/>
         </p:nvSpPr>
@@ -4007,7 +4130,7 @@
       </p:sp>
       <p:sp>
         <p:nvSpPr>
-          <p:cNvPr name="TextBox 23" id="23"/>
+          <p:cNvPr name="TextBox 27" id="27"/>
           <p:cNvSpPr txBox="true"/>
           <p:nvPr/>
         </p:nvSpPr>
@@ -4048,7 +4171,7 @@
       </p:sp>
       <p:sp>
         <p:nvSpPr>
-          <p:cNvPr name="TextBox 24" id="24"/>
+          <p:cNvPr name="TextBox 28" id="28"/>
           <p:cNvSpPr txBox="true"/>
           <p:nvPr/>
         </p:nvSpPr>
@@ -4101,7 +4224,7 @@
       </p:sp>
       <p:sp>
         <p:nvSpPr>
-          <p:cNvPr name="TextBox 25" id="25"/>
+          <p:cNvPr name="TextBox 29" id="29"/>
           <p:cNvSpPr txBox="true"/>
           <p:nvPr/>
         </p:nvSpPr>
@@ -4142,7 +4265,7 @@
       </p:sp>
       <p:sp>
         <p:nvSpPr>
-          <p:cNvPr name="TextBox 26" id="26"/>
+          <p:cNvPr name="TextBox 30" id="30"/>
           <p:cNvSpPr txBox="true"/>
           <p:nvPr/>
         </p:nvSpPr>
@@ -4183,7 +4306,7 @@
       </p:sp>
       <p:sp>
         <p:nvSpPr>
-          <p:cNvPr name="TextBox 27" id="27"/>
+          <p:cNvPr name="TextBox 31" id="31"/>
           <p:cNvSpPr txBox="true"/>
           <p:nvPr/>
         </p:nvSpPr>
@@ -4224,7 +4347,7 @@
       </p:sp>
       <p:sp>
         <p:nvSpPr>
-          <p:cNvPr name="TextBox 28" id="28"/>
+          <p:cNvPr name="TextBox 32" id="32"/>
           <p:cNvSpPr txBox="true"/>
           <p:nvPr/>
         </p:nvSpPr>
@@ -4265,7 +4388,7 @@
       </p:sp>
       <p:sp>
         <p:nvSpPr>
-          <p:cNvPr name="TextBox 29" id="29"/>
+          <p:cNvPr name="TextBox 33" id="33"/>
           <p:cNvSpPr txBox="true"/>
           <p:nvPr/>
         </p:nvSpPr>
@@ -4306,7 +4429,7 @@
       </p:sp>
       <p:sp>
         <p:nvSpPr>
-          <p:cNvPr name="TextBox 30" id="30"/>
+          <p:cNvPr name="TextBox 34" id="34"/>
           <p:cNvSpPr txBox="true"/>
           <p:nvPr/>
         </p:nvSpPr>
@@ -4347,7 +4470,7 @@
       </p:sp>
       <p:sp>
         <p:nvSpPr>
-          <p:cNvPr name="TextBox 31" id="31"/>
+          <p:cNvPr name="TextBox 35" id="35"/>
           <p:cNvSpPr txBox="true"/>
           <p:nvPr/>
         </p:nvSpPr>
@@ -4400,7 +4523,7 @@
       </p:sp>
       <p:sp>
         <p:nvSpPr>
-          <p:cNvPr name="TextBox 32" id="32"/>
+          <p:cNvPr name="TextBox 36" id="36"/>
           <p:cNvSpPr txBox="true"/>
           <p:nvPr/>
         </p:nvSpPr>
@@ -4441,7 +4564,7 @@
       </p:sp>
       <p:sp>
         <p:nvSpPr>
-          <p:cNvPr name="TextBox 33" id="33"/>
+          <p:cNvPr name="TextBox 37" id="37"/>
           <p:cNvSpPr txBox="true"/>
           <p:nvPr/>
         </p:nvSpPr>
@@ -4482,7 +4605,7 @@
       </p:sp>
       <p:sp>
         <p:nvSpPr>
-          <p:cNvPr name="TextBox 34" id="34"/>
+          <p:cNvPr name="TextBox 38" id="38"/>
           <p:cNvSpPr txBox="true"/>
           <p:nvPr/>
         </p:nvSpPr>
@@ -4523,7 +4646,7 @@
       </p:sp>
       <p:sp>
         <p:nvSpPr>
-          <p:cNvPr name="TextBox 35" id="35"/>
+          <p:cNvPr name="TextBox 39" id="39"/>
           <p:cNvSpPr txBox="true"/>
           <p:nvPr/>
         </p:nvSpPr>
@@ -4564,7 +4687,7 @@
       </p:sp>
       <p:sp>
         <p:nvSpPr>
-          <p:cNvPr name="TextBox 36" id="36"/>
+          <p:cNvPr name="TextBox 40" id="40"/>
           <p:cNvSpPr txBox="true"/>
           <p:nvPr/>
         </p:nvSpPr>
@@ -4617,7 +4740,7 @@
       </p:sp>
       <p:sp>
         <p:nvSpPr>
-          <p:cNvPr name="TextBox 37" id="37"/>
+          <p:cNvPr name="TextBox 41" id="41"/>
           <p:cNvSpPr txBox="true"/>
           <p:nvPr/>
         </p:nvSpPr>
@@ -4658,7 +4781,7 @@
       </p:sp>
       <p:sp>
         <p:nvSpPr>
-          <p:cNvPr name="TextBox 38" id="38"/>
+          <p:cNvPr name="TextBox 42" id="42"/>
           <p:cNvSpPr txBox="true"/>
           <p:nvPr/>
         </p:nvSpPr>
@@ -4699,7 +4822,7 @@
       </p:sp>
       <p:sp>
         <p:nvSpPr>
-          <p:cNvPr name="TextBox 39" id="39"/>
+          <p:cNvPr name="TextBox 43" id="43"/>
           <p:cNvSpPr txBox="true"/>
           <p:nvPr/>
         </p:nvSpPr>
@@ -4740,7 +4863,7 @@
       </p:sp>
       <p:sp>
         <p:nvSpPr>
-          <p:cNvPr name="TextBox 40" id="40"/>
+          <p:cNvPr name="TextBox 44" id="44"/>
           <p:cNvSpPr txBox="true"/>
           <p:nvPr/>
         </p:nvSpPr>
@@ -4781,7 +4904,7 @@
       </p:sp>
       <p:sp>
         <p:nvSpPr>
-          <p:cNvPr name="TextBox 41" id="41"/>
+          <p:cNvPr name="TextBox 45" id="45"/>
           <p:cNvSpPr txBox="true"/>
           <p:nvPr/>
         </p:nvSpPr>
@@ -4822,7 +4945,7 @@
       </p:sp>
       <p:sp>
         <p:nvSpPr>
-          <p:cNvPr name="TextBox 42" id="42"/>
+          <p:cNvPr name="TextBox 46" id="46"/>
           <p:cNvSpPr txBox="true"/>
           <p:nvPr/>
         </p:nvSpPr>
@@ -4863,7 +4986,7 @@
       </p:sp>
       <p:sp>
         <p:nvSpPr>
-          <p:cNvPr name="TextBox 43" id="43"/>
+          <p:cNvPr name="TextBox 47" id="47"/>
           <p:cNvSpPr txBox="true"/>
           <p:nvPr/>
         </p:nvSpPr>
@@ -4904,7 +5027,7 @@
       </p:sp>
       <p:sp>
         <p:nvSpPr>
-          <p:cNvPr name="TextBox 44" id="44"/>
+          <p:cNvPr name="TextBox 48" id="48"/>
           <p:cNvSpPr txBox="true"/>
           <p:nvPr/>
         </p:nvSpPr>
@@ -4945,7 +5068,7 @@
       </p:sp>
       <p:sp>
         <p:nvSpPr>
-          <p:cNvPr name="TextBox 45" id="45"/>
+          <p:cNvPr name="TextBox 49" id="49"/>
           <p:cNvSpPr txBox="true"/>
           <p:nvPr/>
         </p:nvSpPr>
@@ -4986,14 +5109,14 @@
       </p:sp>
       <p:sp>
         <p:nvSpPr>
-          <p:cNvPr name="TextBox 46" id="46"/>
-          <p:cNvSpPr txBox="true"/>
-          <p:nvPr/>
-        </p:nvSpPr>
-        <p:spPr>
-          <a:xfrm rot="0">
-            <a:off x="4037781" y="3180683"/>
-            <a:ext cx="667188" cy="226981"/>
+          <p:cNvPr name="TextBox 50" id="50"/>
+          <p:cNvSpPr txBox="true"/>
+          <p:nvPr/>
+        </p:nvSpPr>
+        <p:spPr>
+          <a:xfrm rot="0">
+            <a:off x="4077024" y="3192046"/>
+            <a:ext cx="588702" cy="497426"/>
           </a:xfrm>
           <a:prstGeom prst="rect">
             <a:avLst/>
@@ -5011,7 +5134,7 @@
               </a:lnSpc>
             </a:pPr>
             <a:r>
-              <a:rPr lang="en-US" b="true" sz="852">
+              <a:rPr lang="en-US" b="true" sz="852" spc="2">
                 <a:solidFill>
                   <a:srgbClr val="FFFFFF"/>
                 </a:solidFill>
@@ -5020,122 +5143,14 @@
                 <a:cs typeface="Cairo Semi-Bold"/>
                 <a:sym typeface="Cairo Semi-Bold"/>
               </a:rPr>
-              <a:t>( 04-06-1446 </a:t>
-            </a:r>
-          </a:p>
-        </p:txBody>
-      </p:sp>
-      <p:sp>
-        <p:nvSpPr>
-          <p:cNvPr name="TextBox 47" id="47"/>
-          <p:cNvSpPr txBox="true"/>
-          <p:nvPr/>
-        </p:nvSpPr>
-        <p:spPr>
-          <a:xfrm rot="0">
-            <a:off x="5209632" y="3180683"/>
-            <a:ext cx="246840" cy="226981"/>
-          </a:xfrm>
-          <a:prstGeom prst="rect">
-            <a:avLst/>
-          </a:prstGeom>
-        </p:spPr>
-        <p:txBody>
-          <a:bodyPr anchor="t" rtlCol="false" tIns="0" lIns="0" bIns="0" rIns="0">
-            <a:spAutoFit/>
-          </a:bodyPr>
-          <a:lstStyle/>
-          <a:p>
-            <a:pPr algn="l">
-              <a:lnSpc>
-                <a:spcPts val="2131"/>
-              </a:lnSpc>
-            </a:pPr>
-            <a:r>
-              <a:rPr lang="en-US" b="true" sz="852">
-                <a:solidFill>
-                  <a:srgbClr val="FFFFFF"/>
-                </a:solidFill>
-                <a:latin typeface="Cairo Semi-Bold"/>
-                <a:ea typeface="Cairo Semi-Bold"/>
-                <a:cs typeface="Cairo Semi-Bold"/>
-                <a:sym typeface="Cairo Semi-Bold"/>
-              </a:rPr>
-              <a:t>1446</a:t>
-            </a:r>
-          </a:p>
-        </p:txBody>
-      </p:sp>
-      <p:sp>
-        <p:nvSpPr>
-          <p:cNvPr name="TextBox 48" id="48"/>
-          <p:cNvSpPr txBox="true"/>
-          <p:nvPr/>
-        </p:nvSpPr>
-        <p:spPr>
-          <a:xfrm rot="0">
-            <a:off x="4692072" y="3180683"/>
-            <a:ext cx="529485" cy="234697"/>
-          </a:xfrm>
-          <a:prstGeom prst="rect">
-            <a:avLst/>
-          </a:prstGeom>
-        </p:spPr>
-        <p:txBody>
-          <a:bodyPr anchor="t" rtlCol="false" tIns="0" lIns="0" bIns="0" rIns="0">
-            <a:spAutoFit/>
-          </a:bodyPr>
-          <a:lstStyle/>
-          <a:p>
-            <a:pPr algn="r" rtl="true">
-              <a:lnSpc>
-                <a:spcPts val="2131"/>
-              </a:lnSpc>
-            </a:pPr>
-            <a:r>
-              <a:rPr lang="ar-EG" b="true" sz="852">
-                <a:solidFill>
-                  <a:srgbClr val="FFFFFF"/>
-                </a:solidFill>
-                <a:latin typeface="Cairo Semi-Bold"/>
-                <a:ea typeface="Cairo Semi-Bold"/>
-                <a:cs typeface="Cairo Semi-Bold"/>
-                <a:sym typeface="Cairo Semi-Bold"/>
-                <a:rtl val="true"/>
-              </a:rPr>
-              <a:t>-</a:t>
-            </a:r>
-            <a:r>
-              <a:rPr lang="en-US" b="true" sz="852">
-                <a:solidFill>
-                  <a:srgbClr val="FFFFFF"/>
-                </a:solidFill>
-                <a:latin typeface="Cairo Semi-Bold"/>
-                <a:ea typeface="Cairo Semi-Bold"/>
-                <a:cs typeface="Cairo Semi-Bold"/>
-                <a:sym typeface="Cairo Semi-Bold"/>
-              </a:rPr>
-              <a:t>06-04</a:t>
-            </a:r>
-            <a:r>
-              <a:rPr lang="ar-EG" b="true" sz="852">
-                <a:solidFill>
-                  <a:srgbClr val="FFFFFF"/>
-                </a:solidFill>
-                <a:latin typeface="Cairo Semi-Bold"/>
-                <a:ea typeface="Cairo Semi-Bold"/>
-                <a:cs typeface="Cairo Semi-Bold"/>
-                <a:sym typeface="Cairo Semi-Bold"/>
-                <a:rtl val="true"/>
-              </a:rPr>
-              <a:t> اﻟﻰ</a:t>
-            </a:r>
-          </a:p>
-        </p:txBody>
-      </p:sp>
-      <p:sp>
-        <p:nvSpPr>
-          <p:cNvPr name="TextBox 49" id="49"/>
+              <a:t>{{EXIT_DATE_HIJRI}}</a:t>
+            </a:r>
+          </a:p>
+        </p:txBody>
+      </p:sp>
+      <p:sp>
+        <p:nvSpPr>
+          <p:cNvPr name="TextBox 51" id="51"/>
           <p:cNvSpPr txBox="true"/>
           <p:nvPr/>
         </p:nvSpPr>
@@ -5176,7 +5191,7 @@
       </p:sp>
       <p:sp>
         <p:nvSpPr>
-          <p:cNvPr name="TextBox 50" id="50"/>
+          <p:cNvPr name="TextBox 52" id="52"/>
           <p:cNvSpPr txBox="true"/>
           <p:nvPr/>
         </p:nvSpPr>
@@ -5231,7 +5246,7 @@
       </p:sp>
       <p:sp>
         <p:nvSpPr>
-          <p:cNvPr name="TextBox 51" id="51"/>
+          <p:cNvPr name="TextBox 53" id="53"/>
           <p:cNvSpPr txBox="true"/>
           <p:nvPr/>
         </p:nvSpPr>
@@ -5272,7 +5287,7 @@
       </p:sp>
       <p:sp>
         <p:nvSpPr>
-          <p:cNvPr name="TextBox 52" id="52"/>
+          <p:cNvPr name="TextBox 54" id="54"/>
           <p:cNvSpPr txBox="true"/>
           <p:nvPr/>
         </p:nvSpPr>
@@ -5313,14 +5328,14 @@
       </p:sp>
       <p:sp>
         <p:nvSpPr>
-          <p:cNvPr name="TextBox 53" id="53"/>
+          <p:cNvPr name="TextBox 55" id="55"/>
           <p:cNvSpPr txBox="true"/>
           <p:nvPr/>
         </p:nvSpPr>
         <p:spPr>
           <a:xfrm rot="0">
             <a:off x="4642809" y="3562807"/>
-            <a:ext cx="588702" cy="226981"/>
+            <a:ext cx="588702" cy="497426"/>
           </a:xfrm>
           <a:prstGeom prst="rect">
             <a:avLst/>
@@ -5347,14 +5362,14 @@
                 <a:cs typeface="Cairo Semi-Bold"/>
                 <a:sym typeface="Cairo Semi-Bold"/>
               </a:rPr>
-              <a:t>04-06-1446</a:t>
-            </a:r>
-          </a:p>
-        </p:txBody>
-      </p:sp>
-      <p:sp>
-        <p:nvSpPr>
-          <p:cNvPr name="TextBox 54" id="54"/>
+              <a:t>{{ENTRY_DATE_HIJRI}}</a:t>
+            </a:r>
+          </a:p>
+        </p:txBody>
+      </p:sp>
+      <p:sp>
+        <p:nvSpPr>
+          <p:cNvPr name="TextBox 56" id="56"/>
           <p:cNvSpPr txBox="true"/>
           <p:nvPr/>
         </p:nvSpPr>
@@ -5395,7 +5410,7 @@
       </p:sp>
       <p:sp>
         <p:nvSpPr>
-          <p:cNvPr name="TextBox 55" id="55"/>
+          <p:cNvPr name="TextBox 57" id="57"/>
           <p:cNvSpPr txBox="true"/>
           <p:nvPr/>
         </p:nvSpPr>
@@ -5436,14 +5451,14 @@
       </p:sp>
       <p:sp>
         <p:nvSpPr>
-          <p:cNvPr name="TextBox 56" id="56"/>
+          <p:cNvPr name="TextBox 58" id="58"/>
           <p:cNvSpPr txBox="true"/>
           <p:nvPr/>
         </p:nvSpPr>
         <p:spPr>
           <a:xfrm rot="0">
             <a:off x="4636446" y="3944931"/>
-            <a:ext cx="588702" cy="230726"/>
+            <a:ext cx="588702" cy="497426"/>
           </a:xfrm>
           <a:prstGeom prst="rect">
             <a:avLst/>
@@ -5470,14 +5485,14 @@
                 <a:cs typeface="Cairo Semi-Bold"/>
                 <a:sym typeface="Cairo Semi-Bold"/>
               </a:rPr>
-              <a:t>04-06-1446</a:t>
-            </a:r>
-          </a:p>
-        </p:txBody>
-      </p:sp>
-      <p:sp>
-        <p:nvSpPr>
-          <p:cNvPr name="TextBox 57" id="57"/>
+              <a:t>{{EXIT_DATE_HIJRI}}</a:t>
+            </a:r>
+          </a:p>
+        </p:txBody>
+      </p:sp>
+      <p:sp>
+        <p:nvSpPr>
+          <p:cNvPr name="TextBox 59" id="59"/>
           <p:cNvSpPr txBox="true"/>
           <p:nvPr/>
         </p:nvSpPr>
@@ -5518,7 +5533,7 @@
       </p:sp>
       <p:sp>
         <p:nvSpPr>
-          <p:cNvPr name="TextBox 58" id="58"/>
+          <p:cNvPr name="TextBox 60" id="60"/>
           <p:cNvSpPr txBox="true"/>
           <p:nvPr/>
         </p:nvSpPr>
@@ -5560,7 +5575,7 @@
       </p:sp>
       <p:sp>
         <p:nvSpPr>
-          <p:cNvPr name="TextBox 59" id="59"/>
+          <p:cNvPr name="TextBox 61" id="61"/>
           <p:cNvSpPr txBox="true"/>
           <p:nvPr/>
         </p:nvSpPr>
@@ -5601,7 +5616,7 @@
       </p:sp>
       <p:sp>
         <p:nvSpPr>
-          <p:cNvPr name="TextBox 60" id="60"/>
+          <p:cNvPr name="TextBox 62" id="62"/>
           <p:cNvSpPr txBox="true"/>
           <p:nvPr/>
         </p:nvSpPr>
@@ -5643,7 +5658,7 @@
       </p:sp>
       <p:sp>
         <p:nvSpPr>
-          <p:cNvPr name="TextBox 61" id="61"/>
+          <p:cNvPr name="TextBox 63" id="63"/>
           <p:cNvSpPr txBox="true"/>
           <p:nvPr/>
         </p:nvSpPr>
@@ -5684,7 +5699,7 @@
       </p:sp>
       <p:sp>
         <p:nvSpPr>
-          <p:cNvPr name="TextBox 62" id="62"/>
+          <p:cNvPr name="TextBox 64" id="64"/>
           <p:cNvSpPr txBox="true"/>
           <p:nvPr/>
         </p:nvSpPr>
@@ -5726,7 +5741,7 @@
       </p:sp>
       <p:sp>
         <p:nvSpPr>
-          <p:cNvPr name="TextBox 63" id="63"/>
+          <p:cNvPr name="TextBox 65" id="65"/>
           <p:cNvSpPr txBox="true"/>
           <p:nvPr/>
         </p:nvSpPr>
@@ -5767,7 +5782,7 @@
       </p:sp>
       <p:sp>
         <p:nvSpPr>
-          <p:cNvPr name="TextBox 64" id="64"/>
+          <p:cNvPr name="TextBox 66" id="66"/>
           <p:cNvSpPr txBox="true"/>
           <p:nvPr/>
         </p:nvSpPr>
@@ -5809,7 +5824,7 @@
       </p:sp>
       <p:sp>
         <p:nvSpPr>
-          <p:cNvPr name="TextBox 65" id="65"/>
+          <p:cNvPr name="TextBox 67" id="67"/>
           <p:cNvSpPr txBox="true"/>
           <p:nvPr/>
         </p:nvSpPr>
@@ -5850,7 +5865,7 @@
       </p:sp>
       <p:sp>
         <p:nvSpPr>
-          <p:cNvPr name="TextBox 66" id="66"/>
+          <p:cNvPr name="TextBox 68" id="68"/>
           <p:cNvSpPr txBox="true"/>
           <p:nvPr/>
         </p:nvSpPr>
@@ -5905,7 +5920,7 @@
       </p:sp>
       <p:sp>
         <p:nvSpPr>
-          <p:cNvPr name="TextBox 67" id="67"/>
+          <p:cNvPr name="TextBox 69" id="69"/>
           <p:cNvSpPr txBox="true"/>
           <p:nvPr/>
         </p:nvSpPr>
@@ -5947,7 +5962,7 @@
       </p:sp>
       <p:sp>
         <p:nvSpPr>
-          <p:cNvPr name="TextBox 68" id="68"/>
+          <p:cNvPr name="TextBox 70" id="70"/>
           <p:cNvSpPr txBox="true"/>
           <p:nvPr/>
         </p:nvSpPr>
@@ -5988,7 +6003,7 @@
       </p:sp>
       <p:sp>
         <p:nvSpPr>
-          <p:cNvPr name="TextBox 69" id="69"/>
+          <p:cNvPr name="TextBox 71" id="71"/>
           <p:cNvSpPr txBox="true"/>
           <p:nvPr/>
         </p:nvSpPr>
@@ -6043,7 +6058,7 @@
       </p:sp>
       <p:sp>
         <p:nvSpPr>
-          <p:cNvPr name="TextBox 70" id="70"/>
+          <p:cNvPr name="TextBox 72" id="72"/>
           <p:cNvSpPr txBox="true"/>
           <p:nvPr/>
         </p:nvSpPr>
@@ -6085,7 +6100,7 @@
       </p:sp>
       <p:sp>
         <p:nvSpPr>
-          <p:cNvPr name="TextBox 71" id="71"/>
+          <p:cNvPr name="TextBox 73" id="73"/>
           <p:cNvSpPr txBox="true"/>
           <p:nvPr/>
         </p:nvSpPr>
@@ -6126,7 +6141,7 @@
       </p:sp>
       <p:sp>
         <p:nvSpPr>
-          <p:cNvPr name="TextBox 72" id="72"/>
+          <p:cNvPr name="TextBox 74" id="74"/>
           <p:cNvSpPr txBox="true"/>
           <p:nvPr/>
         </p:nvSpPr>
@@ -6168,7 +6183,7 @@
       </p:sp>
       <p:sp>
         <p:nvSpPr>
-          <p:cNvPr name="TextBox 73" id="73"/>
+          <p:cNvPr name="TextBox 75" id="75"/>
           <p:cNvSpPr txBox="true"/>
           <p:nvPr/>
         </p:nvSpPr>
@@ -6209,7 +6224,7 @@
       </p:sp>
       <p:sp>
         <p:nvSpPr>
-          <p:cNvPr name="TextBox 74" id="74"/>
+          <p:cNvPr name="TextBox 76" id="76"/>
           <p:cNvSpPr txBox="true"/>
           <p:nvPr/>
         </p:nvSpPr>
@@ -6263,7 +6278,7 @@
       </p:sp>
       <p:sp>
         <p:nvSpPr>
-          <p:cNvPr name="TextBox 75" id="75"/>
+          <p:cNvPr name="TextBox 77" id="77"/>
           <p:cNvSpPr txBox="true"/>
           <p:nvPr/>
         </p:nvSpPr>
@@ -6318,7 +6333,7 @@
       </p:sp>
       <p:sp>
         <p:nvSpPr>
-          <p:cNvPr name="TextBox 76" id="76"/>
+          <p:cNvPr name="TextBox 78" id="78"/>
           <p:cNvSpPr txBox="true"/>
           <p:nvPr/>
         </p:nvSpPr>
@@ -6359,7 +6374,7 @@
       </p:sp>
       <p:sp>
         <p:nvSpPr>
-          <p:cNvPr name="TextBox 77" id="77"/>
+          <p:cNvPr name="TextBox 79" id="79"/>
           <p:cNvSpPr txBox="true"/>
           <p:nvPr/>
         </p:nvSpPr>
@@ -6400,7 +6415,7 @@
       </p:sp>
       <p:sp>
         <p:nvSpPr>
-          <p:cNvPr name="TextBox 78" id="78"/>
+          <p:cNvPr name="TextBox 80" id="80"/>
           <p:cNvSpPr txBox="true"/>
           <p:nvPr/>
         </p:nvSpPr>
@@ -6441,7 +6456,7 @@
       </p:sp>
       <p:sp>
         <p:nvSpPr>
-          <p:cNvPr name="TextBox 79" id="79"/>
+          <p:cNvPr name="TextBox 81" id="81"/>
           <p:cNvSpPr txBox="true"/>
           <p:nvPr/>
         </p:nvSpPr>
@@ -6483,7 +6498,7 @@
       </p:sp>
       <p:sp>
         <p:nvSpPr>
-          <p:cNvPr name="TextBox 80" id="80"/>
+          <p:cNvPr name="TextBox 82" id="82"/>
           <p:cNvSpPr txBox="true"/>
           <p:nvPr/>
         </p:nvSpPr>
@@ -6524,7 +6539,7 @@
       </p:sp>
       <p:sp>
         <p:nvSpPr>
-          <p:cNvPr name="TextBox 81" id="81"/>
+          <p:cNvPr name="TextBox 83" id="83"/>
           <p:cNvSpPr txBox="true"/>
           <p:nvPr/>
         </p:nvSpPr>
@@ -6578,7 +6593,7 @@
       </p:sp>
       <p:sp>
         <p:nvSpPr>
-          <p:cNvPr name="TextBox 82" id="82"/>
+          <p:cNvPr name="TextBox 84" id="84"/>
           <p:cNvSpPr txBox="true"/>
           <p:nvPr/>
         </p:nvSpPr>
@@ -6619,7 +6634,7 @@
       </p:sp>
       <p:sp>
         <p:nvSpPr>
-          <p:cNvPr name="TextBox 83" id="83"/>
+          <p:cNvPr name="TextBox 85" id="85"/>
           <p:cNvSpPr txBox="true"/>
           <p:nvPr/>
         </p:nvSpPr>
@@ -6660,7 +6675,7 @@
       </p:sp>
       <p:sp>
         <p:nvSpPr>
-          <p:cNvPr name="TextBox 84" id="84"/>
+          <p:cNvPr name="TextBox 86" id="86"/>
           <p:cNvSpPr txBox="true"/>
           <p:nvPr/>
         </p:nvSpPr>
@@ -6701,7 +6716,7 @@
       </p:sp>
       <p:sp>
         <p:nvSpPr>
-          <p:cNvPr name="TextBox 85" id="85"/>
+          <p:cNvPr name="TextBox 87" id="87"/>
           <p:cNvSpPr txBox="true"/>
           <p:nvPr/>
         </p:nvSpPr>
@@ -6742,7 +6757,7 @@
       </p:sp>
       <p:sp>
         <p:nvSpPr>
-          <p:cNvPr name="TextBox 86" id="86"/>
+          <p:cNvPr name="TextBox 88" id="88"/>
           <p:cNvSpPr txBox="true"/>
           <p:nvPr/>
         </p:nvSpPr>
@@ -6783,7 +6798,7 @@
       </p:sp>
       <p:sp>
         <p:nvSpPr>
-          <p:cNvPr name="TextBox 87" id="87"/>
+          <p:cNvPr name="TextBox 89" id="89"/>
           <p:cNvSpPr txBox="true"/>
           <p:nvPr/>
         </p:nvSpPr>
@@ -6824,7 +6839,7 @@
       </p:sp>
       <p:sp>
         <p:nvSpPr>
-          <p:cNvPr name="TextBox 88" id="88"/>
+          <p:cNvPr name="TextBox 90" id="90"/>
           <p:cNvSpPr txBox="true"/>
           <p:nvPr/>
         </p:nvSpPr>
@@ -6865,7 +6880,7 @@
       </p:sp>
       <p:sp>
         <p:nvSpPr>
-          <p:cNvPr name="TextBox 89" id="89"/>
+          <p:cNvPr name="TextBox 91" id="91"/>
           <p:cNvSpPr txBox="true"/>
           <p:nvPr/>
         </p:nvSpPr>
@@ -6906,7 +6921,7 @@
       </p:sp>
       <p:sp>
         <p:nvSpPr>
-          <p:cNvPr name="TextBox 90" id="90"/>
+          <p:cNvPr name="TextBox 92" id="92"/>
           <p:cNvSpPr txBox="true"/>
           <p:nvPr/>
         </p:nvSpPr>
@@ -6941,6 +6956,89 @@
                 <a:sym typeface="Cairo Semi-Bold"/>
               </a:rPr>
               <a:t>{{PRINT_TIME}}</a:t>
+            </a:r>
+          </a:p>
+        </p:txBody>
+      </p:sp>
+      <p:sp>
+        <p:nvSpPr>
+          <p:cNvPr name="TextBox 93" id="93"/>
+          <p:cNvSpPr txBox="true"/>
+          <p:nvPr/>
+        </p:nvSpPr>
+        <p:spPr>
+          <a:xfrm rot="0">
+            <a:off x="3716217" y="3184103"/>
+            <a:ext cx="667188" cy="234697"/>
+          </a:xfrm>
+          <a:prstGeom prst="rect">
+            <a:avLst/>
+          </a:prstGeom>
+        </p:spPr>
+        <p:txBody>
+          <a:bodyPr anchor="t" rtlCol="false" tIns="0" lIns="0" bIns="0" rIns="0">
+            <a:spAutoFit/>
+          </a:bodyPr>
+          <a:lstStyle/>
+          <a:p>
+            <a:pPr algn="ctr">
+              <a:lnSpc>
+                <a:spcPts val="2131"/>
+              </a:lnSpc>
+            </a:pPr>
+            <a:r>
+              <a:rPr lang="en-US" b="true" sz="852">
+                <a:solidFill>
+                  <a:srgbClr val="FFFFFF"/>
+                </a:solidFill>
+                <a:latin typeface="Cairo Semi-Bold"/>
+                <a:ea typeface="Cairo Semi-Bold"/>
+                <a:cs typeface="Cairo Semi-Bold"/>
+                <a:sym typeface="Cairo Semi-Bold"/>
+              </a:rPr>
+              <a:t>( </a:t>
+            </a:r>
+          </a:p>
+        </p:txBody>
+      </p:sp>
+      <p:sp>
+        <p:nvSpPr>
+          <p:cNvPr name="TextBox 94" id="94"/>
+          <p:cNvSpPr txBox="true"/>
+          <p:nvPr/>
+        </p:nvSpPr>
+        <p:spPr>
+          <a:xfrm rot="0">
+            <a:off x="4673046" y="3176654"/>
+            <a:ext cx="177822" cy="234697"/>
+          </a:xfrm>
+          <a:prstGeom prst="rect">
+            <a:avLst/>
+          </a:prstGeom>
+        </p:spPr>
+        <p:txBody>
+          <a:bodyPr anchor="t" rtlCol="false" tIns="0" lIns="0" bIns="0" rIns="0">
+            <a:spAutoFit/>
+          </a:bodyPr>
+          <a:lstStyle/>
+          <a:p>
+            <a:pPr algn="r" rtl="true">
+              <a:lnSpc>
+                <a:spcPts val="2131"/>
+              </a:lnSpc>
+            </a:pPr>
+            <a:r>
+              <a:rPr lang="ar-EG" b="true" sz="852">
+                <a:solidFill>
+                  <a:srgbClr val="FFFFFF"/>
+                </a:solidFill>
+                <a:latin typeface="Cairo Semi-Bold"/>
+                <a:ea typeface="Cairo Semi-Bold"/>
+                <a:cs typeface="Cairo Semi-Bold"/>
+                <a:sym typeface="Cairo Semi-Bold"/>
+                <a:rtl val="true"/>
+              </a:rPr>
+              <a:t>الى</a:t>
             </a:r>
           </a:p>
         </p:txBody>

--- a/public/templates/report_template.pptx
+++ b/public/templates/report_template.pptx
@@ -15,8 +15,20 @@
       <p:regular r:id="rId7"/>
     </p:embeddedFont>
     <p:embeddedFont>
-      <p:font typeface="Cairo Bold" charset="1" panose="00000800000000000000"/>
+      <p:font typeface="Fedra sans arabic" charset="1" panose="00000000000000000000"/>
       <p:regular r:id="rId8"/>
+    </p:embeddedFont>
+    <p:embeddedFont>
+      <p:font typeface="Noto Sans Arabic Bold" charset="1" panose="020B0802040504020204"/>
+      <p:regular r:id="rId9"/>
+    </p:embeddedFont>
+    <p:embeddedFont>
+      <p:font typeface="Times New Roman Bold" charset="1" panose="02020803070505020304"/>
+      <p:regular r:id="rId10"/>
+    </p:embeddedFont>
+    <p:embeddedFont>
+      <p:font typeface="Noto Sans Arabic" charset="1" panose="020B0502040504020204"/>
+      <p:regular r:id="rId11"/>
     </p:embeddedFont>
   </p:embeddedFontLst>
   <p:defaultTextStyle>
@@ -3123,7 +3135,7 @@
         </p:nvSpPr>
         <p:spPr>
           <a:xfrm flipH="false" flipV="false" rot="0">
-            <a:off x="407784" y="2699971"/>
+            <a:off x="395054" y="2723207"/>
             <a:ext cx="6674063" cy="4349477"/>
           </a:xfrm>
           <a:custGeom>
@@ -3355,8 +3367,8 @@
         </p:nvSpPr>
         <p:spPr>
           <a:xfrm rot="0">
-            <a:off x="781869" y="8562365"/>
-            <a:ext cx="1569682" cy="172331"/>
+            <a:off x="408911" y="8562365"/>
+            <a:ext cx="2315599" cy="172331"/>
           </a:xfrm>
           <a:prstGeom prst="rect">
             <a:avLst/>
@@ -3383,7 +3395,7 @@
                 <a:cs typeface="Cairo Semi-Bold"/>
                 <a:sym typeface="Cairo Semi-Bold"/>
               </a:rPr>
-              <a:t>https://satha.kesug.com</a:t>
+              <a:t>https://siha-sa-xi.vercel.app/#/inquiries/slenquiry</a:t>
             </a:r>
           </a:p>
         </p:txBody>
@@ -3883,30 +3895,138 @@
               </a:lnSpc>
             </a:pPr>
             <a:r>
-              <a:rPr lang="en-US" b="true" sz="750" spc="3">
+              <a:rPr lang="en-US" sz="750" spc="3">
                 <a:solidFill>
                   <a:srgbClr val="2C3E77"/>
+                </a:solidFill>
+                <a:latin typeface="Fedra sans arabic"/>
+                <a:ea typeface="Fedra sans arabic"/>
+                <a:cs typeface="Fedra sans arabic"/>
+                <a:sym typeface="Fedra sans arabic"/>
+              </a:rPr>
+              <a:t>{{DOCTOR_NAME_EN}}</a:t>
+            </a:r>
+          </a:p>
+        </p:txBody>
+      </p:sp>
+      <p:sp>
+        <p:nvSpPr>
+          <p:cNvPr name="TextBox 22" id="22"/>
+          <p:cNvSpPr txBox="true"/>
+          <p:nvPr/>
+        </p:nvSpPr>
+        <p:spPr>
+          <a:xfrm rot="0">
+            <a:off x="720957" y="8397450"/>
+            <a:ext cx="18412" cy="141075"/>
+          </a:xfrm>
+          <a:prstGeom prst="rect">
+            <a:avLst/>
+          </a:prstGeom>
+        </p:spPr>
+        <p:txBody>
+          <a:bodyPr anchor="t" rtlCol="false" tIns="0" lIns="0" bIns="0" rIns="0">
+            <a:spAutoFit/>
+          </a:bodyPr>
+          <a:lstStyle/>
+          <a:p>
+            <a:pPr algn="l">
+              <a:lnSpc>
+                <a:spcPts val="1240"/>
+              </a:lnSpc>
+            </a:pPr>
+            <a:r>
+              <a:rPr lang="en-US" b="true" sz="651">
+                <a:solidFill>
+                  <a:srgbClr val="000000"/>
                 </a:solidFill>
                 <a:latin typeface="Cairo Semi-Bold"/>
                 <a:ea typeface="Cairo Semi-Bold"/>
                 <a:cs typeface="Cairo Semi-Bold"/>
                 <a:sym typeface="Cairo Semi-Bold"/>
               </a:rPr>
-              <a:t>{{DOCTOR_NAME_EN}}</a:t>
-            </a:r>
-          </a:p>
-        </p:txBody>
-      </p:sp>
-      <p:sp>
-        <p:nvSpPr>
-          <p:cNvPr name="TextBox 22" id="22"/>
-          <p:cNvSpPr txBox="true"/>
-          <p:nvPr/>
-        </p:nvSpPr>
-        <p:spPr>
-          <a:xfrm rot="0">
-            <a:off x="720957" y="8397450"/>
-            <a:ext cx="18412" cy="141075"/>
+              <a:t> </a:t>
+            </a:r>
+          </a:p>
+        </p:txBody>
+      </p:sp>
+      <p:sp>
+        <p:nvSpPr>
+          <p:cNvPr name="TextBox 23" id="23"/>
+          <p:cNvSpPr txBox="true"/>
+          <p:nvPr/>
+        </p:nvSpPr>
+        <p:spPr>
+          <a:xfrm rot="0">
+            <a:off x="2722969" y="1645177"/>
+            <a:ext cx="2146925" cy="849747"/>
+          </a:xfrm>
+          <a:prstGeom prst="rect">
+            <a:avLst/>
+          </a:prstGeom>
+        </p:spPr>
+        <p:txBody>
+          <a:bodyPr anchor="t" rtlCol="false" tIns="0" lIns="0" bIns="0" rIns="0">
+            <a:spAutoFit/>
+          </a:bodyPr>
+          <a:lstStyle/>
+          <a:p>
+            <a:pPr algn="ctr" rtl="true">
+              <a:lnSpc>
+                <a:spcPts val="3560"/>
+              </a:lnSpc>
+            </a:pPr>
+            <a:r>
+              <a:rPr lang="ar-EG" b="true" sz="1855" spc="12">
+                <a:solidFill>
+                  <a:srgbClr val="3A74B9"/>
+                </a:solidFill>
+                <a:latin typeface="Noto Sans Arabic Bold"/>
+                <a:ea typeface="Noto Sans Arabic Bold"/>
+                <a:cs typeface="Noto Sans Arabic Bold"/>
+                <a:sym typeface="Noto Sans Arabic Bold"/>
+                <a:rtl val="true"/>
+              </a:rPr>
+              <a:t>ﺗﻘﺮﻳﺮ إﺟﺎزة ﻣﺮﺿﻴﺔ</a:t>
+            </a:r>
+            <a:r>
+              <a:rPr lang="ar-EG" b="true" sz="1855" spc="12">
+                <a:solidFill>
+                  <a:srgbClr val="000000"/>
+                </a:solidFill>
+                <a:latin typeface="Noto Sans Arabic Bold"/>
+                <a:ea typeface="Noto Sans Arabic Bold"/>
+                <a:cs typeface="Noto Sans Arabic Bold"/>
+                <a:sym typeface="Noto Sans Arabic Bold"/>
+                <a:rtl val="true"/>
+              </a:rPr>
+              <a:t>  </a:t>
+            </a:r>
+            <a:r>
+              <a:rPr lang="en-US" b="true" sz="1855" spc="12">
+                <a:solidFill>
+                  <a:srgbClr val="2C3E77"/>
+                </a:solidFill>
+                <a:latin typeface="Noto Sans Arabic Bold"/>
+                <a:ea typeface="Noto Sans Arabic Bold"/>
+                <a:cs typeface="Noto Sans Arabic Bold"/>
+                <a:sym typeface="Noto Sans Arabic Bold"/>
+              </a:rPr>
+              <a:t>Sick Leave Report</a:t>
+            </a:r>
+          </a:p>
+        </p:txBody>
+      </p:sp>
+      <p:sp>
+        <p:nvSpPr>
+          <p:cNvPr name="TextBox 24" id="24"/>
+          <p:cNvSpPr txBox="true"/>
+          <p:nvPr/>
+        </p:nvSpPr>
+        <p:spPr>
+          <a:xfrm rot="0">
+            <a:off x="699730" y="2779509"/>
+            <a:ext cx="617772" cy="253747"/>
           </a:xfrm>
           <a:prstGeom prst="rect">
             <a:avLst/>
@@ -3920,11 +4040,52 @@
           <a:p>
             <a:pPr algn="l">
               <a:lnSpc>
-                <a:spcPts val="1240"/>
-              </a:lnSpc>
-            </a:pPr>
-            <a:r>
-              <a:rPr lang="en-US" b="true" sz="651">
+                <a:spcPts val="2131"/>
+              </a:lnSpc>
+            </a:pPr>
+            <a:r>
+              <a:rPr lang="en-US" b="true" sz="852" spc="2">
+                <a:solidFill>
+                  <a:srgbClr val="366FB5"/>
+                </a:solidFill>
+                <a:latin typeface="Times New Roman Bold"/>
+                <a:ea typeface="Times New Roman Bold"/>
+                <a:cs typeface="Times New Roman Bold"/>
+                <a:sym typeface="Times New Roman Bold"/>
+              </a:rPr>
+              <a:t>Leave ID</a:t>
+            </a:r>
+          </a:p>
+        </p:txBody>
+      </p:sp>
+      <p:sp>
+        <p:nvSpPr>
+          <p:cNvPr name="TextBox 25" id="25"/>
+          <p:cNvSpPr txBox="true"/>
+          <p:nvPr/>
+        </p:nvSpPr>
+        <p:spPr>
+          <a:xfrm rot="0">
+            <a:off x="1369276" y="2801979"/>
+            <a:ext cx="22660" cy="219799"/>
+          </a:xfrm>
+          <a:prstGeom prst="rect">
+            <a:avLst/>
+          </a:prstGeom>
+        </p:spPr>
+        <p:txBody>
+          <a:bodyPr anchor="t" rtlCol="false" tIns="0" lIns="0" bIns="0" rIns="0">
+            <a:spAutoFit/>
+          </a:bodyPr>
+          <a:lstStyle/>
+          <a:p>
+            <a:pPr algn="l">
+              <a:lnSpc>
+                <a:spcPts val="2005"/>
+              </a:lnSpc>
+            </a:pPr>
+            <a:r>
+              <a:rPr lang="en-US" b="true" sz="802" spc="2">
                 <a:solidFill>
                   <a:srgbClr val="000000"/>
                 </a:solidFill>
@@ -3940,121 +4101,189 @@
       </p:sp>
       <p:sp>
         <p:nvSpPr>
-          <p:cNvPr name="TextBox 23" id="23"/>
-          <p:cNvSpPr txBox="true"/>
-          <p:nvPr/>
-        </p:nvSpPr>
-        <p:spPr>
-          <a:xfrm rot="0">
-            <a:off x="2830906" y="1645177"/>
-            <a:ext cx="1931051" cy="847668"/>
-          </a:xfrm>
-          <a:prstGeom prst="rect">
-            <a:avLst/>
-          </a:prstGeom>
-        </p:spPr>
-        <p:txBody>
-          <a:bodyPr anchor="t" rtlCol="false" tIns="0" lIns="0" bIns="0" rIns="0">
-            <a:spAutoFit/>
-          </a:bodyPr>
-          <a:lstStyle/>
-          <a:p>
-            <a:pPr algn="ctr" rtl="true">
-              <a:lnSpc>
-                <a:spcPts val="3560"/>
-              </a:lnSpc>
-            </a:pPr>
-            <a:r>
-              <a:rPr lang="ar-EG" b="true" sz="1855" spc="12">
-                <a:solidFill>
-                  <a:srgbClr val="3A74B9"/>
-                </a:solidFill>
-                <a:latin typeface="Cairo Bold"/>
-                <a:ea typeface="Cairo Bold"/>
-                <a:cs typeface="Cairo Bold"/>
-                <a:sym typeface="Cairo Bold"/>
-                <a:rtl val="true"/>
-              </a:rPr>
-              <a:t>ﺗﻘﺮﻳﺮ إﺟﺎزة ﻣﺮﺿﻴﺔ</a:t>
-            </a:r>
-            <a:r>
-              <a:rPr lang="ar-EG" b="true" sz="1855" spc="12">
+          <p:cNvPr name="TextBox 26" id="26"/>
+          <p:cNvSpPr txBox="true"/>
+          <p:nvPr/>
+        </p:nvSpPr>
+        <p:spPr>
+          <a:xfrm rot="0">
+            <a:off x="550531" y="3161633"/>
+            <a:ext cx="916170" cy="253747"/>
+          </a:xfrm>
+          <a:prstGeom prst="rect">
+            <a:avLst/>
+          </a:prstGeom>
+        </p:spPr>
+        <p:txBody>
+          <a:bodyPr anchor="t" rtlCol="false" tIns="0" lIns="0" bIns="0" rIns="0">
+            <a:spAutoFit/>
+          </a:bodyPr>
+          <a:lstStyle/>
+          <a:p>
+            <a:pPr algn="l">
+              <a:lnSpc>
+                <a:spcPts val="2131"/>
+              </a:lnSpc>
+            </a:pPr>
+            <a:r>
+              <a:rPr lang="en-US" b="true" sz="852" spc="2">
+                <a:solidFill>
+                  <a:srgbClr val="FFFFFF"/>
+                </a:solidFill>
+                <a:latin typeface="Times New Roman Bold"/>
+                <a:ea typeface="Times New Roman Bold"/>
+                <a:cs typeface="Times New Roman Bold"/>
+                <a:sym typeface="Times New Roman Bold"/>
+              </a:rPr>
+              <a:t>Leave Duration</a:t>
+            </a:r>
+          </a:p>
+        </p:txBody>
+      </p:sp>
+      <p:sp>
+        <p:nvSpPr>
+          <p:cNvPr name="TextBox 27" id="27"/>
+          <p:cNvSpPr txBox="true"/>
+          <p:nvPr/>
+        </p:nvSpPr>
+        <p:spPr>
+          <a:xfrm rot="0">
+            <a:off x="1366095" y="3184103"/>
+            <a:ext cx="22660" cy="219799"/>
+          </a:xfrm>
+          <a:prstGeom prst="rect">
+            <a:avLst/>
+          </a:prstGeom>
+        </p:spPr>
+        <p:txBody>
+          <a:bodyPr anchor="t" rtlCol="false" tIns="0" lIns="0" bIns="0" rIns="0">
+            <a:spAutoFit/>
+          </a:bodyPr>
+          <a:lstStyle/>
+          <a:p>
+            <a:pPr algn="l">
+              <a:lnSpc>
+                <a:spcPts val="2005"/>
+              </a:lnSpc>
+            </a:pPr>
+            <a:r>
+              <a:rPr lang="en-US" b="true" sz="802" spc="2">
                 <a:solidFill>
                   <a:srgbClr val="000000"/>
-                </a:solidFill>
-                <a:latin typeface="Cairo Bold"/>
-                <a:ea typeface="Cairo Bold"/>
-                <a:cs typeface="Cairo Bold"/>
-                <a:sym typeface="Cairo Bold"/>
-                <a:rtl val="true"/>
-              </a:rPr>
-              <a:t>  </a:t>
-            </a:r>
-            <a:r>
-              <a:rPr lang="en-US" b="true" sz="1855" spc="12">
-                <a:solidFill>
-                  <a:srgbClr val="2C3E77"/>
-                </a:solidFill>
-                <a:latin typeface="Cairo Bold"/>
-                <a:ea typeface="Cairo Bold"/>
-                <a:cs typeface="Cairo Bold"/>
-                <a:sym typeface="Cairo Bold"/>
-              </a:rPr>
-              <a:t>Sick Leave Report</a:t>
-            </a:r>
-          </a:p>
-        </p:txBody>
-      </p:sp>
-      <p:sp>
-        <p:nvSpPr>
-          <p:cNvPr name="TextBox 24" id="24"/>
-          <p:cNvSpPr txBox="true"/>
-          <p:nvPr/>
-        </p:nvSpPr>
-        <p:spPr>
-          <a:xfrm rot="0">
-            <a:off x="745141" y="2798559"/>
-            <a:ext cx="396783" cy="226981"/>
-          </a:xfrm>
-          <a:prstGeom prst="rect">
-            <a:avLst/>
-          </a:prstGeom>
-        </p:spPr>
-        <p:txBody>
-          <a:bodyPr anchor="t" rtlCol="false" tIns="0" lIns="0" bIns="0" rIns="0">
-            <a:spAutoFit/>
-          </a:bodyPr>
-          <a:lstStyle/>
-          <a:p>
-            <a:pPr algn="l">
-              <a:lnSpc>
-                <a:spcPts val="2131"/>
-              </a:lnSpc>
-            </a:pPr>
-            <a:r>
-              <a:rPr lang="en-US" b="true" sz="852" spc="2">
-                <a:solidFill>
-                  <a:srgbClr val="366FB5"/>
                 </a:solidFill>
                 <a:latin typeface="Cairo Semi-Bold"/>
                 <a:ea typeface="Cairo Semi-Bold"/>
                 <a:cs typeface="Cairo Semi-Bold"/>
                 <a:sym typeface="Cairo Semi-Bold"/>
               </a:rPr>
-              <a:t>Leave ID</a:t>
-            </a:r>
-          </a:p>
-        </p:txBody>
-      </p:sp>
-      <p:sp>
-        <p:nvSpPr>
-          <p:cNvPr name="TextBox 25" id="25"/>
-          <p:cNvSpPr txBox="true"/>
-          <p:nvPr/>
-        </p:nvSpPr>
-        <p:spPr>
-          <a:xfrm rot="0">
-            <a:off x="1369276" y="2801979"/>
+              <a:t> </a:t>
+            </a:r>
+          </a:p>
+        </p:txBody>
+      </p:sp>
+      <p:sp>
+        <p:nvSpPr>
+          <p:cNvPr name="TextBox 28" id="28"/>
+          <p:cNvSpPr txBox="true"/>
+          <p:nvPr/>
+        </p:nvSpPr>
+        <p:spPr>
+          <a:xfrm rot="0">
+            <a:off x="549391" y="3538784"/>
+            <a:ext cx="1010951" cy="253747"/>
+          </a:xfrm>
+          <a:prstGeom prst="rect">
+            <a:avLst/>
+          </a:prstGeom>
+        </p:spPr>
+        <p:txBody>
+          <a:bodyPr anchor="t" rtlCol="false" tIns="0" lIns="0" bIns="0" rIns="0">
+            <a:spAutoFit/>
+          </a:bodyPr>
+          <a:lstStyle/>
+          <a:p>
+            <a:pPr algn="l">
+              <a:lnSpc>
+                <a:spcPts val="2131"/>
+              </a:lnSpc>
+            </a:pPr>
+            <a:r>
+              <a:rPr lang="en-US" b="true" sz="852" spc="3">
+                <a:solidFill>
+                  <a:srgbClr val="366FB5"/>
+                </a:solidFill>
+                <a:latin typeface="Times New Roman Bold"/>
+                <a:ea typeface="Times New Roman Bold"/>
+                <a:cs typeface="Times New Roman Bold"/>
+                <a:sym typeface="Times New Roman Bold"/>
+              </a:rPr>
+              <a:t>Admission Date</a:t>
+            </a:r>
+            <a:r>
+              <a:rPr lang="en-US" b="true" sz="852" spc="3">
+                <a:solidFill>
+                  <a:srgbClr val="000000"/>
+                </a:solidFill>
+                <a:latin typeface="Times New Roman Bold"/>
+                <a:ea typeface="Times New Roman Bold"/>
+                <a:cs typeface="Times New Roman Bold"/>
+                <a:sym typeface="Times New Roman Bold"/>
+              </a:rPr>
+              <a:t> </a:t>
+            </a:r>
+          </a:p>
+        </p:txBody>
+      </p:sp>
+      <p:sp>
+        <p:nvSpPr>
+          <p:cNvPr name="TextBox 29" id="29"/>
+          <p:cNvSpPr txBox="true"/>
+          <p:nvPr/>
+        </p:nvSpPr>
+        <p:spPr>
+          <a:xfrm rot="0">
+            <a:off x="563683" y="3923394"/>
+            <a:ext cx="819836" cy="253747"/>
+          </a:xfrm>
+          <a:prstGeom prst="rect">
+            <a:avLst/>
+          </a:prstGeom>
+        </p:spPr>
+        <p:txBody>
+          <a:bodyPr anchor="t" rtlCol="false" tIns="0" lIns="0" bIns="0" rIns="0">
+            <a:spAutoFit/>
+          </a:bodyPr>
+          <a:lstStyle/>
+          <a:p>
+            <a:pPr algn="l">
+              <a:lnSpc>
+                <a:spcPts val="2131"/>
+              </a:lnSpc>
+            </a:pPr>
+            <a:r>
+              <a:rPr lang="en-US" b="true" sz="852" spc="2">
+                <a:solidFill>
+                  <a:srgbClr val="366FB5"/>
+                </a:solidFill>
+                <a:latin typeface="Times New Roman Bold"/>
+                <a:ea typeface="Times New Roman Bold"/>
+                <a:cs typeface="Times New Roman Bold"/>
+                <a:sym typeface="Times New Roman Bold"/>
+              </a:rPr>
+              <a:t>Discharge Date</a:t>
+            </a:r>
+          </a:p>
+        </p:txBody>
+      </p:sp>
+      <p:sp>
+        <p:nvSpPr>
+          <p:cNvPr name="TextBox 30" id="30"/>
+          <p:cNvSpPr txBox="true"/>
+          <p:nvPr/>
+        </p:nvSpPr>
+        <p:spPr>
+          <a:xfrm rot="0">
+            <a:off x="1362913" y="3948351"/>
             <a:ext cx="22660" cy="219799"/>
           </a:xfrm>
           <a:prstGeom prst="rect">
@@ -4089,14 +4318,14 @@
       </p:sp>
       <p:sp>
         <p:nvSpPr>
-          <p:cNvPr name="TextBox 26" id="26"/>
-          <p:cNvSpPr txBox="true"/>
-          <p:nvPr/>
-        </p:nvSpPr>
-        <p:spPr>
-          <a:xfrm rot="0">
-            <a:off x="592293" y="3180683"/>
-            <a:ext cx="705269" cy="226981"/>
+          <p:cNvPr name="TextBox 31" id="31"/>
+          <p:cNvSpPr txBox="true"/>
+          <p:nvPr/>
+        </p:nvSpPr>
+        <p:spPr>
+          <a:xfrm rot="0">
+            <a:off x="670679" y="4308005"/>
+            <a:ext cx="492414" cy="253747"/>
           </a:xfrm>
           <a:prstGeom prst="rect">
             <a:avLst/>
@@ -4116,27 +4345,109 @@
             <a:r>
               <a:rPr lang="en-US" b="true" sz="852" spc="2">
                 <a:solidFill>
-                  <a:srgbClr val="FFFFFF"/>
+                  <a:srgbClr val="366FB5"/>
+                </a:solidFill>
+                <a:latin typeface="Times New Roman Bold"/>
+                <a:ea typeface="Times New Roman Bold"/>
+                <a:cs typeface="Times New Roman Bold"/>
+                <a:sym typeface="Times New Roman Bold"/>
+              </a:rPr>
+              <a:t>Issue Date</a:t>
+            </a:r>
+          </a:p>
+        </p:txBody>
+      </p:sp>
+      <p:sp>
+        <p:nvSpPr>
+          <p:cNvPr name="TextBox 32" id="32"/>
+          <p:cNvSpPr txBox="true"/>
+          <p:nvPr/>
+        </p:nvSpPr>
+        <p:spPr>
+          <a:xfrm rot="0">
+            <a:off x="1369276" y="4330475"/>
+            <a:ext cx="22660" cy="219799"/>
+          </a:xfrm>
+          <a:prstGeom prst="rect">
+            <a:avLst/>
+          </a:prstGeom>
+        </p:spPr>
+        <p:txBody>
+          <a:bodyPr anchor="t" rtlCol="false" tIns="0" lIns="0" bIns="0" rIns="0">
+            <a:spAutoFit/>
+          </a:bodyPr>
+          <a:lstStyle/>
+          <a:p>
+            <a:pPr algn="l">
+              <a:lnSpc>
+                <a:spcPts val="2005"/>
+              </a:lnSpc>
+            </a:pPr>
+            <a:r>
+              <a:rPr lang="en-US" b="true" sz="802" spc="2">
+                <a:solidFill>
+                  <a:srgbClr val="000000"/>
                 </a:solidFill>
                 <a:latin typeface="Cairo Semi-Bold"/>
                 <a:ea typeface="Cairo Semi-Bold"/>
                 <a:cs typeface="Cairo Semi-Bold"/>
                 <a:sym typeface="Cairo Semi-Bold"/>
               </a:rPr>
-              <a:t>Leave Duration</a:t>
-            </a:r>
-          </a:p>
-        </p:txBody>
-      </p:sp>
-      <p:sp>
-        <p:nvSpPr>
-          <p:cNvPr name="TextBox 27" id="27"/>
-          <p:cNvSpPr txBox="true"/>
-          <p:nvPr/>
-        </p:nvSpPr>
-        <p:spPr>
-          <a:xfrm rot="0">
-            <a:off x="1366095" y="3184103"/>
+              <a:t> </a:t>
+            </a:r>
+          </a:p>
+        </p:txBody>
+      </p:sp>
+      <p:sp>
+        <p:nvSpPr>
+          <p:cNvPr name="TextBox 33" id="33"/>
+          <p:cNvSpPr txBox="true"/>
+          <p:nvPr/>
+        </p:nvSpPr>
+        <p:spPr>
+          <a:xfrm rot="0">
+            <a:off x="756000" y="4690129"/>
+            <a:ext cx="278654" cy="253747"/>
+          </a:xfrm>
+          <a:prstGeom prst="rect">
+            <a:avLst/>
+          </a:prstGeom>
+        </p:spPr>
+        <p:txBody>
+          <a:bodyPr anchor="t" rtlCol="false" tIns="0" lIns="0" bIns="0" rIns="0">
+            <a:spAutoFit/>
+          </a:bodyPr>
+          <a:lstStyle/>
+          <a:p>
+            <a:pPr algn="l">
+              <a:lnSpc>
+                <a:spcPts val="2131"/>
+              </a:lnSpc>
+            </a:pPr>
+            <a:r>
+              <a:rPr lang="en-US" b="true" sz="852" spc="4">
+                <a:solidFill>
+                  <a:srgbClr val="366FB5"/>
+                </a:solidFill>
+                <a:latin typeface="Times New Roman Bold"/>
+                <a:ea typeface="Times New Roman Bold"/>
+                <a:cs typeface="Times New Roman Bold"/>
+                <a:sym typeface="Times New Roman Bold"/>
+              </a:rPr>
+              <a:t>Name</a:t>
+            </a:r>
+          </a:p>
+        </p:txBody>
+      </p:sp>
+      <p:sp>
+        <p:nvSpPr>
+          <p:cNvPr name="TextBox 34" id="34"/>
+          <p:cNvSpPr txBox="true"/>
+          <p:nvPr/>
+        </p:nvSpPr>
+        <p:spPr>
+          <a:xfrm rot="0">
+            <a:off x="1369276" y="4712599"/>
             <a:ext cx="22660" cy="219799"/>
           </a:xfrm>
           <a:prstGeom prst="rect">
@@ -4155,7 +4466,7 @@
               </a:lnSpc>
             </a:pPr>
             <a:r>
-              <a:rPr lang="en-US" b="true" sz="802" spc="2">
+              <a:rPr lang="en-US" b="true" sz="802" spc="4">
                 <a:solidFill>
                   <a:srgbClr val="000000"/>
                 </a:solidFill>
@@ -4171,14 +4482,14 @@
       </p:sp>
       <p:sp>
         <p:nvSpPr>
-          <p:cNvPr name="TextBox 28" id="28"/>
-          <p:cNvSpPr txBox="true"/>
-          <p:nvPr/>
-        </p:nvSpPr>
-        <p:spPr>
-          <a:xfrm rot="0">
-            <a:off x="579558" y="3562807"/>
-            <a:ext cx="824932" cy="226981"/>
+          <p:cNvPr name="TextBox 35" id="35"/>
+          <p:cNvSpPr txBox="true"/>
+          <p:nvPr/>
+        </p:nvSpPr>
+        <p:spPr>
+          <a:xfrm rot="0">
+            <a:off x="476918" y="5078625"/>
+            <a:ext cx="1031545" cy="253747"/>
           </a:xfrm>
           <a:prstGeom prst="rect">
             <a:avLst/>
@@ -4196,19 +4507,183 @@
               </a:lnSpc>
             </a:pPr>
             <a:r>
-              <a:rPr lang="en-US" b="true" sz="852" spc="3">
+              <a:rPr lang="en-US" b="true" sz="852" spc="6">
                 <a:solidFill>
                   <a:srgbClr val="366FB5"/>
+                </a:solidFill>
+                <a:latin typeface="Times New Roman Bold"/>
+                <a:ea typeface="Times New Roman Bold"/>
+                <a:cs typeface="Times New Roman Bold"/>
+                <a:sym typeface="Times New Roman Bold"/>
+              </a:rPr>
+              <a:t>National ID/Iqama</a:t>
+            </a:r>
+            <a:r>
+              <a:rPr lang="en-US" b="true" sz="852" spc="6">
+                <a:solidFill>
+                  <a:srgbClr val="000000"/>
+                </a:solidFill>
+                <a:latin typeface="Times New Roman Bold"/>
+                <a:ea typeface="Times New Roman Bold"/>
+                <a:cs typeface="Times New Roman Bold"/>
+                <a:sym typeface="Times New Roman Bold"/>
+              </a:rPr>
+              <a:t> </a:t>
+            </a:r>
+          </a:p>
+        </p:txBody>
+      </p:sp>
+      <p:sp>
+        <p:nvSpPr>
+          <p:cNvPr name="TextBox 36" id="36"/>
+          <p:cNvSpPr txBox="true"/>
+          <p:nvPr/>
+        </p:nvSpPr>
+        <p:spPr>
+          <a:xfrm rot="0">
+            <a:off x="650315" y="5460749"/>
+            <a:ext cx="609743" cy="253747"/>
+          </a:xfrm>
+          <a:prstGeom prst="rect">
+            <a:avLst/>
+          </a:prstGeom>
+        </p:spPr>
+        <p:txBody>
+          <a:bodyPr anchor="t" rtlCol="false" tIns="0" lIns="0" bIns="0" rIns="0">
+            <a:spAutoFit/>
+          </a:bodyPr>
+          <a:lstStyle/>
+          <a:p>
+            <a:pPr algn="l">
+              <a:lnSpc>
+                <a:spcPts val="2131"/>
+              </a:lnSpc>
+            </a:pPr>
+            <a:r>
+              <a:rPr lang="en-US" b="true" sz="852" spc="2">
+                <a:solidFill>
+                  <a:srgbClr val="366FB5"/>
+                </a:solidFill>
+                <a:latin typeface="Times New Roman Bold"/>
+                <a:ea typeface="Times New Roman Bold"/>
+                <a:cs typeface="Times New Roman Bold"/>
+                <a:sym typeface="Times New Roman Bold"/>
+              </a:rPr>
+              <a:t>Nationality</a:t>
+            </a:r>
+          </a:p>
+        </p:txBody>
+      </p:sp>
+      <p:sp>
+        <p:nvSpPr>
+          <p:cNvPr name="TextBox 37" id="37"/>
+          <p:cNvSpPr txBox="true"/>
+          <p:nvPr/>
+        </p:nvSpPr>
+        <p:spPr>
+          <a:xfrm rot="0">
+            <a:off x="1366095" y="5483219"/>
+            <a:ext cx="22660" cy="219799"/>
+          </a:xfrm>
+          <a:prstGeom prst="rect">
+            <a:avLst/>
+          </a:prstGeom>
+        </p:spPr>
+        <p:txBody>
+          <a:bodyPr anchor="t" rtlCol="false" tIns="0" lIns="0" bIns="0" rIns="0">
+            <a:spAutoFit/>
+          </a:bodyPr>
+          <a:lstStyle/>
+          <a:p>
+            <a:pPr algn="l">
+              <a:lnSpc>
+                <a:spcPts val="2005"/>
+              </a:lnSpc>
+            </a:pPr>
+            <a:r>
+              <a:rPr lang="en-US" b="true" sz="802" spc="2">
+                <a:solidFill>
+                  <a:srgbClr val="000000"/>
                 </a:solidFill>
                 <a:latin typeface="Cairo Semi-Bold"/>
                 <a:ea typeface="Cairo Semi-Bold"/>
                 <a:cs typeface="Cairo Semi-Bold"/>
                 <a:sym typeface="Cairo Semi-Bold"/>
               </a:rPr>
-              <a:t>Admission Date</a:t>
-            </a:r>
+              <a:t> </a:t>
+            </a:r>
+          </a:p>
+        </p:txBody>
+      </p:sp>
+      <p:sp>
+        <p:nvSpPr>
+          <p:cNvPr name="TextBox 38" id="38"/>
+          <p:cNvSpPr txBox="true"/>
+          <p:nvPr/>
+        </p:nvSpPr>
+        <p:spPr>
+          <a:xfrm rot="0">
+            <a:off x="719671" y="5842873"/>
+            <a:ext cx="577891" cy="253747"/>
+          </a:xfrm>
+          <a:prstGeom prst="rect">
+            <a:avLst/>
+          </a:prstGeom>
+        </p:spPr>
+        <p:txBody>
+          <a:bodyPr anchor="t" rtlCol="false" tIns="0" lIns="0" bIns="0" rIns="0">
+            <a:spAutoFit/>
+          </a:bodyPr>
+          <a:lstStyle/>
+          <a:p>
+            <a:pPr algn="l">
+              <a:lnSpc>
+                <a:spcPts val="2131"/>
+              </a:lnSpc>
+            </a:pPr>
             <a:r>
               <a:rPr lang="en-US" b="true" sz="852" spc="3">
+                <a:solidFill>
+                  <a:srgbClr val="366FB5"/>
+                </a:solidFill>
+                <a:latin typeface="Times New Roman Bold"/>
+                <a:ea typeface="Times New Roman Bold"/>
+                <a:cs typeface="Times New Roman Bold"/>
+                <a:sym typeface="Times New Roman Bold"/>
+              </a:rPr>
+              <a:t>Employer</a:t>
+            </a:r>
+          </a:p>
+        </p:txBody>
+      </p:sp>
+      <p:sp>
+        <p:nvSpPr>
+          <p:cNvPr name="TextBox 39" id="39"/>
+          <p:cNvSpPr txBox="true"/>
+          <p:nvPr/>
+        </p:nvSpPr>
+        <p:spPr>
+          <a:xfrm rot="0">
+            <a:off x="1366095" y="5865343"/>
+            <a:ext cx="22660" cy="219799"/>
+          </a:xfrm>
+          <a:prstGeom prst="rect">
+            <a:avLst/>
+          </a:prstGeom>
+        </p:spPr>
+        <p:txBody>
+          <a:bodyPr anchor="t" rtlCol="false" tIns="0" lIns="0" bIns="0" rIns="0">
+            <a:spAutoFit/>
+          </a:bodyPr>
+          <a:lstStyle/>
+          <a:p>
+            <a:pPr algn="l">
+              <a:lnSpc>
+                <a:spcPts val="2005"/>
+              </a:lnSpc>
+            </a:pPr>
+            <a:r>
+              <a:rPr lang="en-US" b="true" sz="802" spc="3">
                 <a:solidFill>
                   <a:srgbClr val="000000"/>
                 </a:solidFill>
@@ -4224,14 +4699,14 @@
       </p:sp>
       <p:sp>
         <p:nvSpPr>
-          <p:cNvPr name="TextBox 29" id="29"/>
-          <p:cNvSpPr txBox="true"/>
-          <p:nvPr/>
-        </p:nvSpPr>
-        <p:spPr>
-          <a:xfrm rot="0">
-            <a:off x="589112" y="3944931"/>
-            <a:ext cx="709622" cy="226981"/>
+          <p:cNvPr name="TextBox 40" id="40"/>
+          <p:cNvSpPr txBox="true"/>
+          <p:nvPr/>
+        </p:nvSpPr>
+        <p:spPr>
+          <a:xfrm rot="0">
+            <a:off x="541096" y="6224997"/>
+            <a:ext cx="828180" cy="253747"/>
           </a:xfrm>
           <a:prstGeom prst="rect">
             <a:avLst/>
@@ -4252,569 +4727,106 @@
               <a:rPr lang="en-US" b="true" sz="852" spc="2">
                 <a:solidFill>
                   <a:srgbClr val="366FB5"/>
+                </a:solidFill>
+                <a:latin typeface="Times New Roman Bold"/>
+                <a:ea typeface="Times New Roman Bold"/>
+                <a:cs typeface="Times New Roman Bold"/>
+                <a:sym typeface="Times New Roman Bold"/>
+              </a:rPr>
+              <a:t>Physician Name</a:t>
+            </a:r>
+            <a:r>
+              <a:rPr lang="en-US" b="true" sz="852" spc="2">
+                <a:solidFill>
+                  <a:srgbClr val="000000"/>
+                </a:solidFill>
+                <a:latin typeface="Times New Roman Bold"/>
+                <a:ea typeface="Times New Roman Bold"/>
+                <a:cs typeface="Times New Roman Bold"/>
+                <a:sym typeface="Times New Roman Bold"/>
+              </a:rPr>
+              <a:t> </a:t>
+            </a:r>
+          </a:p>
+        </p:txBody>
+      </p:sp>
+      <p:sp>
+        <p:nvSpPr>
+          <p:cNvPr name="TextBox 41" id="41"/>
+          <p:cNvSpPr txBox="true"/>
+          <p:nvPr/>
+        </p:nvSpPr>
+        <p:spPr>
+          <a:xfrm rot="0">
+            <a:off x="751513" y="6613493"/>
+            <a:ext cx="383000" cy="253747"/>
+          </a:xfrm>
+          <a:prstGeom prst="rect">
+            <a:avLst/>
+          </a:prstGeom>
+        </p:spPr>
+        <p:txBody>
+          <a:bodyPr anchor="t" rtlCol="false" tIns="0" lIns="0" bIns="0" rIns="0">
+            <a:spAutoFit/>
+          </a:bodyPr>
+          <a:lstStyle/>
+          <a:p>
+            <a:pPr algn="l">
+              <a:lnSpc>
+                <a:spcPts val="2131"/>
+              </a:lnSpc>
+            </a:pPr>
+            <a:r>
+              <a:rPr lang="en-US" b="true" sz="852" spc="2">
+                <a:solidFill>
+                  <a:srgbClr val="366FB5"/>
+                </a:solidFill>
+                <a:latin typeface="Times New Roman Bold"/>
+                <a:ea typeface="Times New Roman Bold"/>
+                <a:cs typeface="Times New Roman Bold"/>
+                <a:sym typeface="Times New Roman Bold"/>
+              </a:rPr>
+              <a:t>Position</a:t>
+            </a:r>
+          </a:p>
+        </p:txBody>
+      </p:sp>
+      <p:sp>
+        <p:nvSpPr>
+          <p:cNvPr name="TextBox 42" id="42"/>
+          <p:cNvSpPr txBox="true"/>
+          <p:nvPr/>
+        </p:nvSpPr>
+        <p:spPr>
+          <a:xfrm rot="0">
+            <a:off x="1366095" y="6635963"/>
+            <a:ext cx="22660" cy="219799"/>
+          </a:xfrm>
+          <a:prstGeom prst="rect">
+            <a:avLst/>
+          </a:prstGeom>
+        </p:spPr>
+        <p:txBody>
+          <a:bodyPr anchor="t" rtlCol="false" tIns="0" lIns="0" bIns="0" rIns="0">
+            <a:spAutoFit/>
+          </a:bodyPr>
+          <a:lstStyle/>
+          <a:p>
+            <a:pPr algn="l">
+              <a:lnSpc>
+                <a:spcPts val="2005"/>
+              </a:lnSpc>
+            </a:pPr>
+            <a:r>
+              <a:rPr lang="en-US" b="true" sz="802" spc="2">
+                <a:solidFill>
+                  <a:srgbClr val="000000"/>
                 </a:solidFill>
                 <a:latin typeface="Cairo Semi-Bold"/>
                 <a:ea typeface="Cairo Semi-Bold"/>
                 <a:cs typeface="Cairo Semi-Bold"/>
                 <a:sym typeface="Cairo Semi-Bold"/>
               </a:rPr>
-              <a:t>Discharge Date</a:t>
-            </a:r>
-          </a:p>
-        </p:txBody>
-      </p:sp>
-      <p:sp>
-        <p:nvSpPr>
-          <p:cNvPr name="TextBox 30" id="30"/>
-          <p:cNvSpPr txBox="true"/>
-          <p:nvPr/>
-        </p:nvSpPr>
-        <p:spPr>
-          <a:xfrm rot="0">
-            <a:off x="1362913" y="3948351"/>
-            <a:ext cx="22660" cy="219799"/>
-          </a:xfrm>
-          <a:prstGeom prst="rect">
-            <a:avLst/>
-          </a:prstGeom>
-        </p:spPr>
-        <p:txBody>
-          <a:bodyPr anchor="t" rtlCol="false" tIns="0" lIns="0" bIns="0" rIns="0">
-            <a:spAutoFit/>
-          </a:bodyPr>
-          <a:lstStyle/>
-          <a:p>
-            <a:pPr algn="l">
-              <a:lnSpc>
-                <a:spcPts val="2005"/>
-              </a:lnSpc>
-            </a:pPr>
-            <a:r>
-              <a:rPr lang="en-US" b="true" sz="802" spc="2">
-                <a:solidFill>
-                  <a:srgbClr val="000000"/>
-                </a:solidFill>
-                <a:latin typeface="Cairo Semi-Bold"/>
-                <a:ea typeface="Cairo Semi-Bold"/>
-                <a:cs typeface="Cairo Semi-Bold"/>
-                <a:sym typeface="Cairo Semi-Bold"/>
-              </a:rPr>
-              <a:t> </a:t>
-            </a:r>
-          </a:p>
-        </p:txBody>
-      </p:sp>
-      <p:sp>
-        <p:nvSpPr>
-          <p:cNvPr name="TextBox 31" id="31"/>
-          <p:cNvSpPr txBox="true"/>
-          <p:nvPr/>
-        </p:nvSpPr>
-        <p:spPr>
-          <a:xfrm rot="0">
-            <a:off x="697373" y="4327055"/>
-            <a:ext cx="492414" cy="226981"/>
-          </a:xfrm>
-          <a:prstGeom prst="rect">
-            <a:avLst/>
-          </a:prstGeom>
-        </p:spPr>
-        <p:txBody>
-          <a:bodyPr anchor="t" rtlCol="false" tIns="0" lIns="0" bIns="0" rIns="0">
-            <a:spAutoFit/>
-          </a:bodyPr>
-          <a:lstStyle/>
-          <a:p>
-            <a:pPr algn="l">
-              <a:lnSpc>
-                <a:spcPts val="2131"/>
-              </a:lnSpc>
-            </a:pPr>
-            <a:r>
-              <a:rPr lang="en-US" b="true" sz="852" spc="2">
-                <a:solidFill>
-                  <a:srgbClr val="366FB5"/>
-                </a:solidFill>
-                <a:latin typeface="Cairo Semi-Bold"/>
-                <a:ea typeface="Cairo Semi-Bold"/>
-                <a:cs typeface="Cairo Semi-Bold"/>
-                <a:sym typeface="Cairo Semi-Bold"/>
-              </a:rPr>
-              <a:t>Issue Date</a:t>
-            </a:r>
-          </a:p>
-        </p:txBody>
-      </p:sp>
-      <p:sp>
-        <p:nvSpPr>
-          <p:cNvPr name="TextBox 32" id="32"/>
-          <p:cNvSpPr txBox="true"/>
-          <p:nvPr/>
-        </p:nvSpPr>
-        <p:spPr>
-          <a:xfrm rot="0">
-            <a:off x="1369276" y="4330475"/>
-            <a:ext cx="22660" cy="219799"/>
-          </a:xfrm>
-          <a:prstGeom prst="rect">
-            <a:avLst/>
-          </a:prstGeom>
-        </p:spPr>
-        <p:txBody>
-          <a:bodyPr anchor="t" rtlCol="false" tIns="0" lIns="0" bIns="0" rIns="0">
-            <a:spAutoFit/>
-          </a:bodyPr>
-          <a:lstStyle/>
-          <a:p>
-            <a:pPr algn="l">
-              <a:lnSpc>
-                <a:spcPts val="2005"/>
-              </a:lnSpc>
-            </a:pPr>
-            <a:r>
-              <a:rPr lang="en-US" b="true" sz="802" spc="2">
-                <a:solidFill>
-                  <a:srgbClr val="000000"/>
-                </a:solidFill>
-                <a:latin typeface="Cairo Semi-Bold"/>
-                <a:ea typeface="Cairo Semi-Bold"/>
-                <a:cs typeface="Cairo Semi-Bold"/>
-                <a:sym typeface="Cairo Semi-Bold"/>
-              </a:rPr>
-              <a:t> </a:t>
-            </a:r>
-          </a:p>
-        </p:txBody>
-      </p:sp>
-      <p:sp>
-        <p:nvSpPr>
-          <p:cNvPr name="TextBox 33" id="33"/>
-          <p:cNvSpPr txBox="true"/>
-          <p:nvPr/>
-        </p:nvSpPr>
-        <p:spPr>
-          <a:xfrm rot="0">
-            <a:off x="799281" y="4709179"/>
-            <a:ext cx="278654" cy="226981"/>
-          </a:xfrm>
-          <a:prstGeom prst="rect">
-            <a:avLst/>
-          </a:prstGeom>
-        </p:spPr>
-        <p:txBody>
-          <a:bodyPr anchor="t" rtlCol="false" tIns="0" lIns="0" bIns="0" rIns="0">
-            <a:spAutoFit/>
-          </a:bodyPr>
-          <a:lstStyle/>
-          <a:p>
-            <a:pPr algn="l">
-              <a:lnSpc>
-                <a:spcPts val="2131"/>
-              </a:lnSpc>
-            </a:pPr>
-            <a:r>
-              <a:rPr lang="en-US" b="true" sz="852" spc="4">
-                <a:solidFill>
-                  <a:srgbClr val="366FB5"/>
-                </a:solidFill>
-                <a:latin typeface="Cairo Semi-Bold"/>
-                <a:ea typeface="Cairo Semi-Bold"/>
-                <a:cs typeface="Cairo Semi-Bold"/>
-                <a:sym typeface="Cairo Semi-Bold"/>
-              </a:rPr>
-              <a:t>Name</a:t>
-            </a:r>
-          </a:p>
-        </p:txBody>
-      </p:sp>
-      <p:sp>
-        <p:nvSpPr>
-          <p:cNvPr name="TextBox 34" id="34"/>
-          <p:cNvSpPr txBox="true"/>
-          <p:nvPr/>
-        </p:nvSpPr>
-        <p:spPr>
-          <a:xfrm rot="0">
-            <a:off x="1369276" y="4712599"/>
-            <a:ext cx="22660" cy="219799"/>
-          </a:xfrm>
-          <a:prstGeom prst="rect">
-            <a:avLst/>
-          </a:prstGeom>
-        </p:spPr>
-        <p:txBody>
-          <a:bodyPr anchor="t" rtlCol="false" tIns="0" lIns="0" bIns="0" rIns="0">
-            <a:spAutoFit/>
-          </a:bodyPr>
-          <a:lstStyle/>
-          <a:p>
-            <a:pPr algn="l">
-              <a:lnSpc>
-                <a:spcPts val="2005"/>
-              </a:lnSpc>
-            </a:pPr>
-            <a:r>
-              <a:rPr lang="en-US" b="true" sz="802" spc="4">
-                <a:solidFill>
-                  <a:srgbClr val="000000"/>
-                </a:solidFill>
-                <a:latin typeface="Cairo Semi-Bold"/>
-                <a:ea typeface="Cairo Semi-Bold"/>
-                <a:cs typeface="Cairo Semi-Bold"/>
-                <a:sym typeface="Cairo Semi-Bold"/>
-              </a:rPr>
-              <a:t> </a:t>
-            </a:r>
-          </a:p>
-        </p:txBody>
-      </p:sp>
-      <p:sp>
-        <p:nvSpPr>
-          <p:cNvPr name="TextBox 35" id="35"/>
-          <p:cNvSpPr txBox="true"/>
-          <p:nvPr/>
-        </p:nvSpPr>
-        <p:spPr>
-          <a:xfrm rot="0">
-            <a:off x="519055" y="5097675"/>
-            <a:ext cx="889892" cy="234697"/>
-          </a:xfrm>
-          <a:prstGeom prst="rect">
-            <a:avLst/>
-          </a:prstGeom>
-        </p:spPr>
-        <p:txBody>
-          <a:bodyPr anchor="t" rtlCol="false" tIns="0" lIns="0" bIns="0" rIns="0">
-            <a:spAutoFit/>
-          </a:bodyPr>
-          <a:lstStyle/>
-          <a:p>
-            <a:pPr algn="l">
-              <a:lnSpc>
-                <a:spcPts val="2131"/>
-              </a:lnSpc>
-            </a:pPr>
-            <a:r>
-              <a:rPr lang="en-US" b="true" sz="852" spc="6">
-                <a:solidFill>
-                  <a:srgbClr val="366FB5"/>
-                </a:solidFill>
-                <a:latin typeface="Cairo Semi-Bold"/>
-                <a:ea typeface="Cairo Semi-Bold"/>
-                <a:cs typeface="Cairo Semi-Bold"/>
-                <a:sym typeface="Cairo Semi-Bold"/>
-              </a:rPr>
-              <a:t>National ID/Iqama</a:t>
-            </a:r>
-            <a:r>
-              <a:rPr lang="en-US" b="true" sz="852" spc="6">
-                <a:solidFill>
-                  <a:srgbClr val="000000"/>
-                </a:solidFill>
-                <a:latin typeface="Cairo Semi-Bold"/>
-                <a:ea typeface="Cairo Semi-Bold"/>
-                <a:cs typeface="Cairo Semi-Bold"/>
-                <a:sym typeface="Cairo Semi-Bold"/>
-              </a:rPr>
-              <a:t> </a:t>
-            </a:r>
-          </a:p>
-        </p:txBody>
-      </p:sp>
-      <p:sp>
-        <p:nvSpPr>
-          <p:cNvPr name="TextBox 36" id="36"/>
-          <p:cNvSpPr txBox="true"/>
-          <p:nvPr/>
-        </p:nvSpPr>
-        <p:spPr>
-          <a:xfrm rot="0">
-            <a:off x="687819" y="5479799"/>
-            <a:ext cx="513864" cy="226981"/>
-          </a:xfrm>
-          <a:prstGeom prst="rect">
-            <a:avLst/>
-          </a:prstGeom>
-        </p:spPr>
-        <p:txBody>
-          <a:bodyPr anchor="t" rtlCol="false" tIns="0" lIns="0" bIns="0" rIns="0">
-            <a:spAutoFit/>
-          </a:bodyPr>
-          <a:lstStyle/>
-          <a:p>
-            <a:pPr algn="l">
-              <a:lnSpc>
-                <a:spcPts val="2131"/>
-              </a:lnSpc>
-            </a:pPr>
-            <a:r>
-              <a:rPr lang="en-US" b="true" sz="852" spc="2">
-                <a:solidFill>
-                  <a:srgbClr val="366FB5"/>
-                </a:solidFill>
-                <a:latin typeface="Cairo Semi-Bold"/>
-                <a:ea typeface="Cairo Semi-Bold"/>
-                <a:cs typeface="Cairo Semi-Bold"/>
-                <a:sym typeface="Cairo Semi-Bold"/>
-              </a:rPr>
-              <a:t>Nationality</a:t>
-            </a:r>
-          </a:p>
-        </p:txBody>
-      </p:sp>
-      <p:sp>
-        <p:nvSpPr>
-          <p:cNvPr name="TextBox 37" id="37"/>
-          <p:cNvSpPr txBox="true"/>
-          <p:nvPr/>
-        </p:nvSpPr>
-        <p:spPr>
-          <a:xfrm rot="0">
-            <a:off x="1366095" y="5483219"/>
-            <a:ext cx="22660" cy="219799"/>
-          </a:xfrm>
-          <a:prstGeom prst="rect">
-            <a:avLst/>
-          </a:prstGeom>
-        </p:spPr>
-        <p:txBody>
-          <a:bodyPr anchor="t" rtlCol="false" tIns="0" lIns="0" bIns="0" rIns="0">
-            <a:spAutoFit/>
-          </a:bodyPr>
-          <a:lstStyle/>
-          <a:p>
-            <a:pPr algn="l">
-              <a:lnSpc>
-                <a:spcPts val="2005"/>
-              </a:lnSpc>
-            </a:pPr>
-            <a:r>
-              <a:rPr lang="en-US" b="true" sz="802" spc="2">
-                <a:solidFill>
-                  <a:srgbClr val="000000"/>
-                </a:solidFill>
-                <a:latin typeface="Cairo Semi-Bold"/>
-                <a:ea typeface="Cairo Semi-Bold"/>
-                <a:cs typeface="Cairo Semi-Bold"/>
-                <a:sym typeface="Cairo Semi-Bold"/>
-              </a:rPr>
-              <a:t> </a:t>
-            </a:r>
-          </a:p>
-        </p:txBody>
-      </p:sp>
-      <p:sp>
-        <p:nvSpPr>
-          <p:cNvPr name="TextBox 38" id="38"/>
-          <p:cNvSpPr txBox="true"/>
-          <p:nvPr/>
-        </p:nvSpPr>
-        <p:spPr>
-          <a:xfrm rot="0">
-            <a:off x="719671" y="5861923"/>
-            <a:ext cx="445684" cy="226981"/>
-          </a:xfrm>
-          <a:prstGeom prst="rect">
-            <a:avLst/>
-          </a:prstGeom>
-        </p:spPr>
-        <p:txBody>
-          <a:bodyPr anchor="t" rtlCol="false" tIns="0" lIns="0" bIns="0" rIns="0">
-            <a:spAutoFit/>
-          </a:bodyPr>
-          <a:lstStyle/>
-          <a:p>
-            <a:pPr algn="l">
-              <a:lnSpc>
-                <a:spcPts val="2131"/>
-              </a:lnSpc>
-            </a:pPr>
-            <a:r>
-              <a:rPr lang="en-US" b="true" sz="852" spc="3">
-                <a:solidFill>
-                  <a:srgbClr val="366FB5"/>
-                </a:solidFill>
-                <a:latin typeface="Cairo Semi-Bold"/>
-                <a:ea typeface="Cairo Semi-Bold"/>
-                <a:cs typeface="Cairo Semi-Bold"/>
-                <a:sym typeface="Cairo Semi-Bold"/>
-              </a:rPr>
-              <a:t>Employer</a:t>
-            </a:r>
-          </a:p>
-        </p:txBody>
-      </p:sp>
-      <p:sp>
-        <p:nvSpPr>
-          <p:cNvPr name="TextBox 39" id="39"/>
-          <p:cNvSpPr txBox="true"/>
-          <p:nvPr/>
-        </p:nvSpPr>
-        <p:spPr>
-          <a:xfrm rot="0">
-            <a:off x="1366095" y="5865343"/>
-            <a:ext cx="22660" cy="219799"/>
-          </a:xfrm>
-          <a:prstGeom prst="rect">
-            <a:avLst/>
-          </a:prstGeom>
-        </p:spPr>
-        <p:txBody>
-          <a:bodyPr anchor="t" rtlCol="false" tIns="0" lIns="0" bIns="0" rIns="0">
-            <a:spAutoFit/>
-          </a:bodyPr>
-          <a:lstStyle/>
-          <a:p>
-            <a:pPr algn="l">
-              <a:lnSpc>
-                <a:spcPts val="2005"/>
-              </a:lnSpc>
-            </a:pPr>
-            <a:r>
-              <a:rPr lang="en-US" b="true" sz="802" spc="3">
-                <a:solidFill>
-                  <a:srgbClr val="000000"/>
-                </a:solidFill>
-                <a:latin typeface="Cairo Semi-Bold"/>
-                <a:ea typeface="Cairo Semi-Bold"/>
-                <a:cs typeface="Cairo Semi-Bold"/>
-                <a:sym typeface="Cairo Semi-Bold"/>
-              </a:rPr>
-              <a:t> </a:t>
-            </a:r>
-          </a:p>
-        </p:txBody>
-      </p:sp>
-      <p:sp>
-        <p:nvSpPr>
-          <p:cNvPr name="TextBox 40" id="40"/>
-          <p:cNvSpPr txBox="true"/>
-          <p:nvPr/>
-        </p:nvSpPr>
-        <p:spPr>
-          <a:xfrm rot="0">
-            <a:off x="576367" y="6244047"/>
-            <a:ext cx="828180" cy="226981"/>
-          </a:xfrm>
-          <a:prstGeom prst="rect">
-            <a:avLst/>
-          </a:prstGeom>
-        </p:spPr>
-        <p:txBody>
-          <a:bodyPr anchor="t" rtlCol="false" tIns="0" lIns="0" bIns="0" rIns="0">
-            <a:spAutoFit/>
-          </a:bodyPr>
-          <a:lstStyle/>
-          <a:p>
-            <a:pPr algn="l">
-              <a:lnSpc>
-                <a:spcPts val="2131"/>
-              </a:lnSpc>
-            </a:pPr>
-            <a:r>
-              <a:rPr lang="en-US" b="true" sz="852" spc="2">
-                <a:solidFill>
-                  <a:srgbClr val="366FB5"/>
-                </a:solidFill>
-                <a:latin typeface="Cairo Semi-Bold"/>
-                <a:ea typeface="Cairo Semi-Bold"/>
-                <a:cs typeface="Cairo Semi-Bold"/>
-                <a:sym typeface="Cairo Semi-Bold"/>
-              </a:rPr>
-              <a:t>Physician Name</a:t>
-            </a:r>
-            <a:r>
-              <a:rPr lang="en-US" b="true" sz="852" spc="2">
-                <a:solidFill>
-                  <a:srgbClr val="000000"/>
-                </a:solidFill>
-                <a:latin typeface="Cairo Semi-Bold"/>
-                <a:ea typeface="Cairo Semi-Bold"/>
-                <a:cs typeface="Cairo Semi-Bold"/>
-                <a:sym typeface="Cairo Semi-Bold"/>
-              </a:rPr>
-              <a:t> </a:t>
-            </a:r>
-          </a:p>
-        </p:txBody>
-      </p:sp>
-      <p:sp>
-        <p:nvSpPr>
-          <p:cNvPr name="TextBox 41" id="41"/>
-          <p:cNvSpPr txBox="true"/>
-          <p:nvPr/>
-        </p:nvSpPr>
-        <p:spPr>
-          <a:xfrm rot="0">
-            <a:off x="751513" y="6632543"/>
-            <a:ext cx="383000" cy="226981"/>
-          </a:xfrm>
-          <a:prstGeom prst="rect">
-            <a:avLst/>
-          </a:prstGeom>
-        </p:spPr>
-        <p:txBody>
-          <a:bodyPr anchor="t" rtlCol="false" tIns="0" lIns="0" bIns="0" rIns="0">
-            <a:spAutoFit/>
-          </a:bodyPr>
-          <a:lstStyle/>
-          <a:p>
-            <a:pPr algn="l">
-              <a:lnSpc>
-                <a:spcPts val="2131"/>
-              </a:lnSpc>
-            </a:pPr>
-            <a:r>
-              <a:rPr lang="en-US" b="true" sz="852" spc="2">
-                <a:solidFill>
-                  <a:srgbClr val="366FB5"/>
-                </a:solidFill>
-                <a:latin typeface="Cairo Semi-Bold"/>
-                <a:ea typeface="Cairo Semi-Bold"/>
-                <a:cs typeface="Cairo Semi-Bold"/>
-                <a:sym typeface="Cairo Semi-Bold"/>
-              </a:rPr>
-              <a:t>Position</a:t>
-            </a:r>
-          </a:p>
-        </p:txBody>
-      </p:sp>
-      <p:sp>
-        <p:nvSpPr>
-          <p:cNvPr name="TextBox 42" id="42"/>
-          <p:cNvSpPr txBox="true"/>
-          <p:nvPr/>
-        </p:nvSpPr>
-        <p:spPr>
-          <a:xfrm rot="0">
-            <a:off x="1366095" y="6635963"/>
-            <a:ext cx="22660" cy="219799"/>
-          </a:xfrm>
-          <a:prstGeom prst="rect">
-            <a:avLst/>
-          </a:prstGeom>
-        </p:spPr>
-        <p:txBody>
-          <a:bodyPr anchor="t" rtlCol="false" tIns="0" lIns="0" bIns="0" rIns="0">
-            <a:spAutoFit/>
-          </a:bodyPr>
-          <a:lstStyle/>
-          <a:p>
-            <a:pPr algn="l">
-              <a:lnSpc>
-                <a:spcPts val="2005"/>
-              </a:lnSpc>
-            </a:pPr>
-            <a:r>
-              <a:rPr lang="en-US" b="true" sz="802" spc="2">
-                <a:solidFill>
-                  <a:srgbClr val="000000"/>
-                </a:solidFill>
-                <a:latin typeface="Cairo Semi-Bold"/>
-                <a:ea typeface="Cairo Semi-Bold"/>
-                <a:cs typeface="Cairo Semi-Bold"/>
-                <a:sym typeface="Cairo Semi-Bold"/>
-              </a:rPr>
               <a:t> </a:t>
             </a:r>
           </a:p>
@@ -4847,14 +4859,14 @@
               </a:lnSpc>
             </a:pPr>
             <a:r>
-              <a:rPr lang="en-US" b="true" sz="852" spc="2">
+              <a:rPr lang="en-US" sz="852" spc="2">
                 <a:solidFill>
                   <a:srgbClr val="2C3E77"/>
                 </a:solidFill>
-                <a:latin typeface="Cairo Semi-Bold"/>
-                <a:ea typeface="Cairo Semi-Bold"/>
-                <a:cs typeface="Cairo Semi-Bold"/>
-                <a:sym typeface="Cairo Semi-Bold"/>
+                <a:latin typeface="Fedra sans arabic"/>
+                <a:ea typeface="Fedra sans arabic"/>
+                <a:cs typeface="Fedra sans arabic"/>
+                <a:sym typeface="Fedra sans arabic"/>
               </a:rPr>
               <a:t>{{JOB_TITLE_EN}}</a:t>
             </a:r>
@@ -4888,14 +4900,14 @@
               </a:lnSpc>
             </a:pPr>
             <a:r>
-              <a:rPr lang="en-US" b="true" sz="852" spc="2">
+              <a:rPr lang="en-US" sz="852" spc="2">
                 <a:solidFill>
                   <a:srgbClr val="2C3E77"/>
                 </a:solidFill>
-                <a:latin typeface="Cairo Semi-Bold"/>
-                <a:ea typeface="Cairo Semi-Bold"/>
-                <a:cs typeface="Cairo Semi-Bold"/>
-                <a:sym typeface="Cairo Semi-Bold"/>
+                <a:latin typeface="Fedra sans arabic"/>
+                <a:ea typeface="Fedra sans arabic"/>
+                <a:cs typeface="Fedra sans arabic"/>
+                <a:sym typeface="Fedra sans arabic"/>
               </a:rPr>
               <a:t>{{NATIONALITY_EN}}</a:t>
             </a:r>
@@ -4929,14 +4941,14 @@
               </a:lnSpc>
             </a:pPr>
             <a:r>
-              <a:rPr lang="en-US" b="true" sz="852" spc="3">
+              <a:rPr lang="en-US" sz="852" spc="3">
                 <a:solidFill>
                   <a:srgbClr val="2C3E77"/>
                 </a:solidFill>
-                <a:latin typeface="Cairo Semi-Bold"/>
-                <a:ea typeface="Cairo Semi-Bold"/>
-                <a:cs typeface="Cairo Semi-Bold"/>
-                <a:sym typeface="Cairo Semi-Bold"/>
+                <a:latin typeface="Fedra sans arabic"/>
+                <a:ea typeface="Fedra sans arabic"/>
+                <a:cs typeface="Fedra sans arabic"/>
+                <a:sym typeface="Fedra sans arabic"/>
               </a:rPr>
               <a:t>{{ID_NUMBER}}</a:t>
             </a:r>
@@ -4970,14 +4982,14 @@
               </a:lnSpc>
             </a:pPr>
             <a:r>
-              <a:rPr lang="en-US" b="true" sz="852" spc="3">
+              <a:rPr lang="en-US" sz="852" spc="3">
                 <a:solidFill>
                   <a:srgbClr val="2C3E77"/>
                 </a:solidFill>
-                <a:latin typeface="Cairo Semi-Bold"/>
-                <a:ea typeface="Cairo Semi-Bold"/>
-                <a:cs typeface="Cairo Semi-Bold"/>
-                <a:sym typeface="Cairo Semi-Bold"/>
+                <a:latin typeface="Noto Sans Arabic"/>
+                <a:ea typeface="Noto Sans Arabic"/>
+                <a:cs typeface="Noto Sans Arabic"/>
+                <a:sym typeface="Noto Sans Arabic"/>
               </a:rPr>
               <a:t>{{JOB_TITLE_AR}}</a:t>
             </a:r>
@@ -5011,14 +5023,14 @@
               </a:lnSpc>
             </a:pPr>
             <a:r>
-              <a:rPr lang="en-US" b="true" sz="852" spc="3">
+              <a:rPr lang="en-US" sz="852" spc="3">
                 <a:solidFill>
                   <a:srgbClr val="2C3E77"/>
                 </a:solidFill>
-                <a:latin typeface="Cairo Semi-Bold"/>
-                <a:ea typeface="Cairo Semi-Bold"/>
-                <a:cs typeface="Cairo Semi-Bold"/>
-                <a:sym typeface="Cairo Semi-Bold"/>
+                <a:latin typeface="Noto Sans Arabic"/>
+                <a:ea typeface="Noto Sans Arabic"/>
+                <a:cs typeface="Noto Sans Arabic"/>
+                <a:sym typeface="Noto Sans Arabic"/>
               </a:rPr>
               <a:t>{{NATIONALITY_AR}}</a:t>
             </a:r>
@@ -5253,7 +5265,7 @@
         <p:spPr>
           <a:xfrm rot="0">
             <a:off x="2292744" y="3562807"/>
-            <a:ext cx="588702" cy="764126"/>
+            <a:ext cx="588702" cy="776040"/>
           </a:xfrm>
           <a:prstGeom prst="rect">
             <a:avLst/>
@@ -5271,29 +5283,152 @@
               </a:lnSpc>
             </a:pPr>
             <a:r>
-              <a:rPr lang="en-US" b="true" sz="852" spc="2">
+              <a:rPr lang="en-US" sz="852" spc="2">
                 <a:solidFill>
                   <a:srgbClr val="2C3E77"/>
+                </a:solidFill>
+                <a:latin typeface="Fedra sans arabic"/>
+                <a:ea typeface="Fedra sans arabic"/>
+                <a:cs typeface="Fedra sans arabic"/>
+                <a:sym typeface="Fedra sans arabic"/>
+              </a:rPr>
+              <a:t>{{ENTRY_DATE_GREGORIAN}}</a:t>
+            </a:r>
+          </a:p>
+        </p:txBody>
+      </p:sp>
+      <p:sp>
+        <p:nvSpPr>
+          <p:cNvPr name="TextBox 54" id="54"/>
+          <p:cNvSpPr txBox="true"/>
+          <p:nvPr/>
+        </p:nvSpPr>
+        <p:spPr>
+          <a:xfrm rot="0">
+            <a:off x="3735267" y="3566227"/>
+            <a:ext cx="22660" cy="219799"/>
+          </a:xfrm>
+          <a:prstGeom prst="rect">
+            <a:avLst/>
+          </a:prstGeom>
+        </p:spPr>
+        <p:txBody>
+          <a:bodyPr anchor="t" rtlCol="false" tIns="0" lIns="0" bIns="0" rIns="0">
+            <a:spAutoFit/>
+          </a:bodyPr>
+          <a:lstStyle/>
+          <a:p>
+            <a:pPr algn="l">
+              <a:lnSpc>
+                <a:spcPts val="2005"/>
+              </a:lnSpc>
+            </a:pPr>
+            <a:r>
+              <a:rPr lang="en-US" b="true" sz="802" spc="2">
+                <a:solidFill>
+                  <a:srgbClr val="000000"/>
                 </a:solidFill>
                 <a:latin typeface="Cairo Semi-Bold"/>
                 <a:ea typeface="Cairo Semi-Bold"/>
                 <a:cs typeface="Cairo Semi-Bold"/>
                 <a:sym typeface="Cairo Semi-Bold"/>
               </a:rPr>
-              <a:t>{{ENTRY_DATE_GREGORIAN}}</a:t>
-            </a:r>
-          </a:p>
-        </p:txBody>
-      </p:sp>
-      <p:sp>
-        <p:nvSpPr>
-          <p:cNvPr name="TextBox 54" id="54"/>
-          <p:cNvSpPr txBox="true"/>
-          <p:nvPr/>
-        </p:nvSpPr>
-        <p:spPr>
-          <a:xfrm rot="0">
-            <a:off x="3735267" y="3566227"/>
+              <a:t> </a:t>
+            </a:r>
+          </a:p>
+        </p:txBody>
+      </p:sp>
+      <p:sp>
+        <p:nvSpPr>
+          <p:cNvPr name="TextBox 55" id="55"/>
+          <p:cNvSpPr txBox="true"/>
+          <p:nvPr/>
+        </p:nvSpPr>
+        <p:spPr>
+          <a:xfrm rot="0">
+            <a:off x="4642809" y="3562807"/>
+            <a:ext cx="588702" cy="505369"/>
+          </a:xfrm>
+          <a:prstGeom prst="rect">
+            <a:avLst/>
+          </a:prstGeom>
+        </p:spPr>
+        <p:txBody>
+          <a:bodyPr anchor="t" rtlCol="false" tIns="0" lIns="0" bIns="0" rIns="0">
+            <a:spAutoFit/>
+          </a:bodyPr>
+          <a:lstStyle/>
+          <a:p>
+            <a:pPr algn="l">
+              <a:lnSpc>
+                <a:spcPts val="2131"/>
+              </a:lnSpc>
+            </a:pPr>
+            <a:r>
+              <a:rPr lang="en-US" sz="852" spc="2">
+                <a:solidFill>
+                  <a:srgbClr val="2C3E77"/>
+                </a:solidFill>
+                <a:latin typeface="Noto Sans Arabic"/>
+                <a:ea typeface="Noto Sans Arabic"/>
+                <a:cs typeface="Noto Sans Arabic"/>
+                <a:sym typeface="Noto Sans Arabic"/>
+              </a:rPr>
+              <a:t>{{ENTRY_DATE_HIJRI}}</a:t>
+            </a:r>
+          </a:p>
+        </p:txBody>
+      </p:sp>
+      <p:sp>
+        <p:nvSpPr>
+          <p:cNvPr name="TextBox 56" id="56"/>
+          <p:cNvSpPr txBox="true"/>
+          <p:nvPr/>
+        </p:nvSpPr>
+        <p:spPr>
+          <a:xfrm rot="0">
+            <a:off x="2286381" y="3944931"/>
+            <a:ext cx="588702" cy="776040"/>
+          </a:xfrm>
+          <a:prstGeom prst="rect">
+            <a:avLst/>
+          </a:prstGeom>
+        </p:spPr>
+        <p:txBody>
+          <a:bodyPr anchor="t" rtlCol="false" tIns="0" lIns="0" bIns="0" rIns="0">
+            <a:spAutoFit/>
+          </a:bodyPr>
+          <a:lstStyle/>
+          <a:p>
+            <a:pPr algn="l">
+              <a:lnSpc>
+                <a:spcPts val="2131"/>
+              </a:lnSpc>
+            </a:pPr>
+            <a:r>
+              <a:rPr lang="en-US" sz="852" spc="2">
+                <a:solidFill>
+                  <a:srgbClr val="2C3E77"/>
+                </a:solidFill>
+                <a:latin typeface="Fedra sans arabic"/>
+                <a:ea typeface="Fedra sans arabic"/>
+                <a:cs typeface="Fedra sans arabic"/>
+                <a:sym typeface="Fedra sans arabic"/>
+              </a:rPr>
+              <a:t>{{EXIT_DATE_GREGORIAN}}</a:t>
+            </a:r>
+          </a:p>
+        </p:txBody>
+      </p:sp>
+      <p:sp>
+        <p:nvSpPr>
+          <p:cNvPr name="TextBox 57" id="57"/>
+          <p:cNvSpPr txBox="true"/>
+          <p:nvPr/>
+        </p:nvSpPr>
+        <p:spPr>
+          <a:xfrm rot="0">
+            <a:off x="3732086" y="3948351"/>
             <a:ext cx="22660" cy="219799"/>
           </a:xfrm>
           <a:prstGeom prst="rect">
@@ -5328,14 +5463,14 @@
       </p:sp>
       <p:sp>
         <p:nvSpPr>
-          <p:cNvPr name="TextBox 55" id="55"/>
-          <p:cNvSpPr txBox="true"/>
-          <p:nvPr/>
-        </p:nvSpPr>
-        <p:spPr>
-          <a:xfrm rot="0">
-            <a:off x="4642809" y="3562807"/>
-            <a:ext cx="588702" cy="497426"/>
+          <p:cNvPr name="TextBox 58" id="58"/>
+          <p:cNvSpPr txBox="true"/>
+          <p:nvPr/>
+        </p:nvSpPr>
+        <p:spPr>
+          <a:xfrm rot="0">
+            <a:off x="4636446" y="3944931"/>
+            <a:ext cx="588702" cy="505369"/>
           </a:xfrm>
           <a:prstGeom prst="rect">
             <a:avLst/>
@@ -5353,30 +5488,196 @@
               </a:lnSpc>
             </a:pPr>
             <a:r>
-              <a:rPr lang="en-US" b="true" sz="852" spc="2">
+              <a:rPr lang="en-US" sz="852" spc="2">
                 <a:solidFill>
                   <a:srgbClr val="2C3E77"/>
+                </a:solidFill>
+                <a:latin typeface="Noto Sans Arabic"/>
+                <a:ea typeface="Noto Sans Arabic"/>
+                <a:cs typeface="Noto Sans Arabic"/>
+                <a:sym typeface="Noto Sans Arabic"/>
+              </a:rPr>
+              <a:t>{{EXIT_DATE_HIJRI}}</a:t>
+            </a:r>
+          </a:p>
+        </p:txBody>
+      </p:sp>
+      <p:sp>
+        <p:nvSpPr>
+          <p:cNvPr name="TextBox 59" id="59"/>
+          <p:cNvSpPr txBox="true"/>
+          <p:nvPr/>
+        </p:nvSpPr>
+        <p:spPr>
+          <a:xfrm rot="0">
+            <a:off x="3455041" y="4327055"/>
+            <a:ext cx="588702" cy="776040"/>
+          </a:xfrm>
+          <a:prstGeom prst="rect">
+            <a:avLst/>
+          </a:prstGeom>
+        </p:spPr>
+        <p:txBody>
+          <a:bodyPr anchor="t" rtlCol="false" tIns="0" lIns="0" bIns="0" rIns="0">
+            <a:spAutoFit/>
+          </a:bodyPr>
+          <a:lstStyle/>
+          <a:p>
+            <a:pPr algn="l">
+              <a:lnSpc>
+                <a:spcPts val="2131"/>
+              </a:lnSpc>
+            </a:pPr>
+            <a:r>
+              <a:rPr lang="en-US" sz="852" spc="2">
+                <a:solidFill>
+                  <a:srgbClr val="2C3E77"/>
+                </a:solidFill>
+                <a:latin typeface="Noto Sans Arabic"/>
+                <a:ea typeface="Noto Sans Arabic"/>
+                <a:cs typeface="Noto Sans Arabic"/>
+                <a:sym typeface="Noto Sans Arabic"/>
+              </a:rPr>
+              <a:t>{{REPORT_ISSUE_DATE}}</a:t>
+            </a:r>
+          </a:p>
+        </p:txBody>
+      </p:sp>
+      <p:sp>
+        <p:nvSpPr>
+          <p:cNvPr name="TextBox 60" id="60"/>
+          <p:cNvSpPr txBox="true"/>
+          <p:nvPr/>
+        </p:nvSpPr>
+        <p:spPr>
+          <a:xfrm rot="0">
+            <a:off x="6320971" y="2798559"/>
+            <a:ext cx="570981" cy="234697"/>
+          </a:xfrm>
+          <a:prstGeom prst="rect">
+            <a:avLst/>
+          </a:prstGeom>
+        </p:spPr>
+        <p:txBody>
+          <a:bodyPr anchor="t" rtlCol="false" tIns="0" lIns="0" bIns="0" rIns="0">
+            <a:spAutoFit/>
+          </a:bodyPr>
+          <a:lstStyle/>
+          <a:p>
+            <a:pPr algn="l" rtl="true">
+              <a:lnSpc>
+                <a:spcPts val="2131"/>
+              </a:lnSpc>
+            </a:pPr>
+            <a:r>
+              <a:rPr lang="ar-EG" b="true" sz="852" spc="2">
+                <a:solidFill>
+                  <a:srgbClr val="366FB5"/>
+                </a:solidFill>
+                <a:latin typeface="Noto Sans Arabic Bold"/>
+                <a:ea typeface="Noto Sans Arabic Bold"/>
+                <a:cs typeface="Noto Sans Arabic Bold"/>
+                <a:sym typeface="Noto Sans Arabic Bold"/>
+                <a:rtl val="true"/>
+              </a:rPr>
+              <a:t>رﻣﺰ اﻹﺟﺎزة</a:t>
+            </a:r>
+          </a:p>
+        </p:txBody>
+      </p:sp>
+      <p:sp>
+        <p:nvSpPr>
+          <p:cNvPr name="TextBox 61" id="61"/>
+          <p:cNvSpPr txBox="true"/>
+          <p:nvPr/>
+        </p:nvSpPr>
+        <p:spPr>
+          <a:xfrm rot="0">
+            <a:off x="6063044" y="2801979"/>
+            <a:ext cx="22660" cy="219799"/>
+          </a:xfrm>
+          <a:prstGeom prst="rect">
+            <a:avLst/>
+          </a:prstGeom>
+        </p:spPr>
+        <p:txBody>
+          <a:bodyPr anchor="t" rtlCol="false" tIns="0" lIns="0" bIns="0" rIns="0">
+            <a:spAutoFit/>
+          </a:bodyPr>
+          <a:lstStyle/>
+          <a:p>
+            <a:pPr algn="l">
+              <a:lnSpc>
+                <a:spcPts val="2005"/>
+              </a:lnSpc>
+            </a:pPr>
+            <a:r>
+              <a:rPr lang="en-US" b="true" sz="802" spc="2">
+                <a:solidFill>
+                  <a:srgbClr val="000000"/>
                 </a:solidFill>
                 <a:latin typeface="Cairo Semi-Bold"/>
                 <a:ea typeface="Cairo Semi-Bold"/>
                 <a:cs typeface="Cairo Semi-Bold"/>
                 <a:sym typeface="Cairo Semi-Bold"/>
               </a:rPr>
-              <a:t>{{ENTRY_DATE_HIJRI}}</a:t>
-            </a:r>
-          </a:p>
-        </p:txBody>
-      </p:sp>
-      <p:sp>
-        <p:nvSpPr>
-          <p:cNvPr name="TextBox 56" id="56"/>
-          <p:cNvSpPr txBox="true"/>
-          <p:nvPr/>
-        </p:nvSpPr>
-        <p:spPr>
-          <a:xfrm rot="0">
-            <a:off x="2286381" y="3944931"/>
-            <a:ext cx="588702" cy="764126"/>
+              <a:t> </a:t>
+            </a:r>
+          </a:p>
+        </p:txBody>
+      </p:sp>
+      <p:sp>
+        <p:nvSpPr>
+          <p:cNvPr name="TextBox 62" id="62"/>
+          <p:cNvSpPr txBox="true"/>
+          <p:nvPr/>
+        </p:nvSpPr>
+        <p:spPr>
+          <a:xfrm rot="0">
+            <a:off x="6305055" y="3180683"/>
+            <a:ext cx="509445" cy="234697"/>
+          </a:xfrm>
+          <a:prstGeom prst="rect">
+            <a:avLst/>
+          </a:prstGeom>
+        </p:spPr>
+        <p:txBody>
+          <a:bodyPr anchor="t" rtlCol="false" tIns="0" lIns="0" bIns="0" rIns="0">
+            <a:spAutoFit/>
+          </a:bodyPr>
+          <a:lstStyle/>
+          <a:p>
+            <a:pPr algn="l" rtl="true">
+              <a:lnSpc>
+                <a:spcPts val="2131"/>
+              </a:lnSpc>
+            </a:pPr>
+            <a:r>
+              <a:rPr lang="ar-EG" b="true" sz="852" spc="2">
+                <a:solidFill>
+                  <a:srgbClr val="FFFFFF"/>
+                </a:solidFill>
+                <a:latin typeface="Noto Sans Arabic Bold"/>
+                <a:ea typeface="Noto Sans Arabic Bold"/>
+                <a:cs typeface="Noto Sans Arabic Bold"/>
+                <a:sym typeface="Noto Sans Arabic Bold"/>
+                <a:rtl val="true"/>
+              </a:rPr>
+              <a:t>ﻣﺪة اﻹﺟﺎزة</a:t>
+            </a:r>
+          </a:p>
+        </p:txBody>
+      </p:sp>
+      <p:sp>
+        <p:nvSpPr>
+          <p:cNvPr name="TextBox 63" id="63"/>
+          <p:cNvSpPr txBox="true"/>
+          <p:nvPr/>
+        </p:nvSpPr>
+        <p:spPr>
+          <a:xfrm rot="0">
+            <a:off x="6066225" y="3184103"/>
+            <a:ext cx="22660" cy="219799"/>
           </a:xfrm>
           <a:prstGeom prst="rect">
             <a:avLst/>
@@ -5390,33 +5691,75 @@
           <a:p>
             <a:pPr algn="l">
               <a:lnSpc>
-                <a:spcPts val="2131"/>
-              </a:lnSpc>
-            </a:pPr>
-            <a:r>
-              <a:rPr lang="en-US" b="true" sz="852" spc="2">
-                <a:solidFill>
-                  <a:srgbClr val="2C3E77"/>
+                <a:spcPts val="2005"/>
+              </a:lnSpc>
+            </a:pPr>
+            <a:r>
+              <a:rPr lang="en-US" b="true" sz="802" spc="2">
+                <a:solidFill>
+                  <a:srgbClr val="000000"/>
                 </a:solidFill>
                 <a:latin typeface="Cairo Semi-Bold"/>
                 <a:ea typeface="Cairo Semi-Bold"/>
                 <a:cs typeface="Cairo Semi-Bold"/>
                 <a:sym typeface="Cairo Semi-Bold"/>
               </a:rPr>
-              <a:t>{{EXIT_DATE_GREGORIAN}}</a:t>
-            </a:r>
-          </a:p>
-        </p:txBody>
-      </p:sp>
-      <p:sp>
-        <p:nvSpPr>
-          <p:cNvPr name="TextBox 57" id="57"/>
-          <p:cNvSpPr txBox="true"/>
-          <p:nvPr/>
-        </p:nvSpPr>
-        <p:spPr>
-          <a:xfrm rot="0">
-            <a:off x="3732086" y="3948351"/>
+              <a:t> </a:t>
+            </a:r>
+          </a:p>
+        </p:txBody>
+      </p:sp>
+      <p:sp>
+        <p:nvSpPr>
+          <p:cNvPr name="TextBox 64" id="64"/>
+          <p:cNvSpPr txBox="true"/>
+          <p:nvPr/>
+        </p:nvSpPr>
+        <p:spPr>
+          <a:xfrm rot="0">
+            <a:off x="6256775" y="3562807"/>
+            <a:ext cx="606005" cy="234697"/>
+          </a:xfrm>
+          <a:prstGeom prst="rect">
+            <a:avLst/>
+          </a:prstGeom>
+        </p:spPr>
+        <p:txBody>
+          <a:bodyPr anchor="t" rtlCol="false" tIns="0" lIns="0" bIns="0" rIns="0">
+            <a:spAutoFit/>
+          </a:bodyPr>
+          <a:lstStyle/>
+          <a:p>
+            <a:pPr algn="l" rtl="true">
+              <a:lnSpc>
+                <a:spcPts val="2131"/>
+              </a:lnSpc>
+            </a:pPr>
+            <a:r>
+              <a:rPr lang="ar-EG" b="true" sz="852" spc="2">
+                <a:solidFill>
+                  <a:srgbClr val="366FB5"/>
+                </a:solidFill>
+                <a:latin typeface="Noto Sans Arabic Bold"/>
+                <a:ea typeface="Noto Sans Arabic Bold"/>
+                <a:cs typeface="Noto Sans Arabic Bold"/>
+                <a:sym typeface="Noto Sans Arabic Bold"/>
+                <a:rtl val="true"/>
+              </a:rPr>
+              <a:t>ﺗﺎرﻳﺦ اﻟﺪﺧﻮل</a:t>
+            </a:r>
+          </a:p>
+        </p:txBody>
+      </p:sp>
+      <p:sp>
+        <p:nvSpPr>
+          <p:cNvPr name="TextBox 65" id="65"/>
+          <p:cNvSpPr txBox="true"/>
+          <p:nvPr/>
+        </p:nvSpPr>
+        <p:spPr>
+          <a:xfrm rot="0">
+            <a:off x="6066225" y="3566227"/>
             <a:ext cx="22660" cy="219799"/>
           </a:xfrm>
           <a:prstGeom prst="rect">
@@ -5451,14 +5794,56 @@
       </p:sp>
       <p:sp>
         <p:nvSpPr>
-          <p:cNvPr name="TextBox 58" id="58"/>
-          <p:cNvSpPr txBox="true"/>
-          <p:nvPr/>
-        </p:nvSpPr>
-        <p:spPr>
-          <a:xfrm rot="0">
-            <a:off x="4636446" y="3944931"/>
-            <a:ext cx="588702" cy="497426"/>
+          <p:cNvPr name="TextBox 66" id="66"/>
+          <p:cNvSpPr txBox="true"/>
+          <p:nvPr/>
+        </p:nvSpPr>
+        <p:spPr>
+          <a:xfrm rot="0">
+            <a:off x="6256775" y="3944931"/>
+            <a:ext cx="599642" cy="234697"/>
+          </a:xfrm>
+          <a:prstGeom prst="rect">
+            <a:avLst/>
+          </a:prstGeom>
+        </p:spPr>
+        <p:txBody>
+          <a:bodyPr anchor="t" rtlCol="false" tIns="0" lIns="0" bIns="0" rIns="0">
+            <a:spAutoFit/>
+          </a:bodyPr>
+          <a:lstStyle/>
+          <a:p>
+            <a:pPr algn="l" rtl="true">
+              <a:lnSpc>
+                <a:spcPts val="2131"/>
+              </a:lnSpc>
+            </a:pPr>
+            <a:r>
+              <a:rPr lang="ar-EG" b="true" sz="852" spc="2">
+                <a:solidFill>
+                  <a:srgbClr val="366FB5"/>
+                </a:solidFill>
+                <a:latin typeface="Noto Sans Arabic Bold"/>
+                <a:ea typeface="Noto Sans Arabic Bold"/>
+                <a:cs typeface="Noto Sans Arabic Bold"/>
+                <a:sym typeface="Noto Sans Arabic Bold"/>
+                <a:rtl val="true"/>
+              </a:rPr>
+              <a:t>ﺗﺎرﻳﺦ اﻟﺨﺮوج</a:t>
+            </a:r>
+          </a:p>
+        </p:txBody>
+      </p:sp>
+      <p:sp>
+        <p:nvSpPr>
+          <p:cNvPr name="TextBox 67" id="67"/>
+          <p:cNvSpPr txBox="true"/>
+          <p:nvPr/>
+        </p:nvSpPr>
+        <p:spPr>
+          <a:xfrm rot="0">
+            <a:off x="6063044" y="3948351"/>
+            <a:ext cx="22660" cy="219799"/>
           </a:xfrm>
           <a:prstGeom prst="rect">
             <a:avLst/>
@@ -5472,34 +5857,131 @@
           <a:p>
             <a:pPr algn="l">
               <a:lnSpc>
-                <a:spcPts val="2131"/>
-              </a:lnSpc>
-            </a:pPr>
-            <a:r>
-              <a:rPr lang="en-US" b="true" sz="852" spc="2">
-                <a:solidFill>
-                  <a:srgbClr val="2C3E77"/>
+                <a:spcPts val="2005"/>
+              </a:lnSpc>
+            </a:pPr>
+            <a:r>
+              <a:rPr lang="en-US" b="true" sz="802" spc="2">
+                <a:solidFill>
+                  <a:srgbClr val="000000"/>
                 </a:solidFill>
                 <a:latin typeface="Cairo Semi-Bold"/>
                 <a:ea typeface="Cairo Semi-Bold"/>
                 <a:cs typeface="Cairo Semi-Bold"/>
                 <a:sym typeface="Cairo Semi-Bold"/>
               </a:rPr>
-              <a:t>{{EXIT_DATE_HIJRI}}</a:t>
-            </a:r>
-          </a:p>
-        </p:txBody>
-      </p:sp>
-      <p:sp>
-        <p:nvSpPr>
-          <p:cNvPr name="TextBox 59" id="59"/>
-          <p:cNvSpPr txBox="true"/>
-          <p:nvPr/>
-        </p:nvSpPr>
-        <p:spPr>
-          <a:xfrm rot="0">
-            <a:off x="3455041" y="4327055"/>
-            <a:ext cx="588702" cy="764126"/>
+              <a:t> </a:t>
+            </a:r>
+          </a:p>
+        </p:txBody>
+      </p:sp>
+      <p:sp>
+        <p:nvSpPr>
+          <p:cNvPr name="TextBox 68" id="68"/>
+          <p:cNvSpPr txBox="true"/>
+          <p:nvPr/>
+        </p:nvSpPr>
+        <p:spPr>
+          <a:xfrm rot="0">
+            <a:off x="6080736" y="4327055"/>
+            <a:ext cx="905389" cy="234697"/>
+          </a:xfrm>
+          <a:prstGeom prst="rect">
+            <a:avLst/>
+          </a:prstGeom>
+        </p:spPr>
+        <p:txBody>
+          <a:bodyPr anchor="t" rtlCol="false" tIns="0" lIns="0" bIns="0" rIns="0">
+            <a:spAutoFit/>
+          </a:bodyPr>
+          <a:lstStyle/>
+          <a:p>
+            <a:pPr algn="l" rtl="true">
+              <a:lnSpc>
+                <a:spcPts val="2131"/>
+              </a:lnSpc>
+            </a:pPr>
+            <a:r>
+              <a:rPr lang="ar-EG" b="true" sz="852" spc="5">
+                <a:solidFill>
+                  <a:srgbClr val="366FB5"/>
+                </a:solidFill>
+                <a:latin typeface="Noto Sans Arabic Bold"/>
+                <a:ea typeface="Noto Sans Arabic Bold"/>
+                <a:cs typeface="Noto Sans Arabic Bold"/>
+                <a:sym typeface="Noto Sans Arabic Bold"/>
+                <a:rtl val="true"/>
+              </a:rPr>
+              <a:t>ﺗﺎرﻳﺦ اﺻﺪار اﻟﺘﻘﺮﻳﺮ</a:t>
+            </a:r>
+            <a:r>
+              <a:rPr lang="ar-EG" b="true" sz="852" spc="5">
+                <a:solidFill>
+                  <a:srgbClr val="000000"/>
+                </a:solidFill>
+                <a:latin typeface="Noto Sans Arabic Bold"/>
+                <a:ea typeface="Noto Sans Arabic Bold"/>
+                <a:cs typeface="Noto Sans Arabic Bold"/>
+                <a:sym typeface="Noto Sans Arabic Bold"/>
+                <a:rtl val="true"/>
+              </a:rPr>
+              <a:t> </a:t>
+            </a:r>
+          </a:p>
+        </p:txBody>
+      </p:sp>
+      <p:sp>
+        <p:nvSpPr>
+          <p:cNvPr name="TextBox 69" id="69"/>
+          <p:cNvSpPr txBox="true"/>
+          <p:nvPr/>
+        </p:nvSpPr>
+        <p:spPr>
+          <a:xfrm rot="0">
+            <a:off x="6426060" y="4709179"/>
+            <a:ext cx="414290" cy="234697"/>
+          </a:xfrm>
+          <a:prstGeom prst="rect">
+            <a:avLst/>
+          </a:prstGeom>
+        </p:spPr>
+        <p:txBody>
+          <a:bodyPr anchor="t" rtlCol="false" tIns="0" lIns="0" bIns="0" rIns="0">
+            <a:spAutoFit/>
+          </a:bodyPr>
+          <a:lstStyle/>
+          <a:p>
+            <a:pPr algn="l" rtl="true">
+              <a:lnSpc>
+                <a:spcPts val="2131"/>
+              </a:lnSpc>
+            </a:pPr>
+            <a:r>
+              <a:rPr lang="ar-EG" b="true" sz="852" spc="4">
+                <a:solidFill>
+                  <a:srgbClr val="366FB5"/>
+                </a:solidFill>
+                <a:latin typeface="Noto Sans Arabic Bold"/>
+                <a:ea typeface="Noto Sans Arabic Bold"/>
+                <a:cs typeface="Noto Sans Arabic Bold"/>
+                <a:sym typeface="Noto Sans Arabic Bold"/>
+                <a:rtl val="true"/>
+              </a:rPr>
+              <a:t>اﻻﺳﻢ</a:t>
+            </a:r>
+          </a:p>
+        </p:txBody>
+      </p:sp>
+      <p:sp>
+        <p:nvSpPr>
+          <p:cNvPr name="TextBox 70" id="70"/>
+          <p:cNvSpPr txBox="true"/>
+          <p:nvPr/>
+        </p:nvSpPr>
+        <p:spPr>
+          <a:xfrm rot="0">
+            <a:off x="6069406" y="4712599"/>
+            <a:ext cx="22660" cy="219799"/>
           </a:xfrm>
           <a:prstGeom prst="rect">
             <a:avLst/>
@@ -5513,34 +5995,89 @@
           <a:p>
             <a:pPr algn="l">
               <a:lnSpc>
-                <a:spcPts val="2131"/>
-              </a:lnSpc>
-            </a:pPr>
-            <a:r>
-              <a:rPr lang="en-US" b="true" sz="852" spc="2">
-                <a:solidFill>
-                  <a:srgbClr val="2C3E77"/>
+                <a:spcPts val="2005"/>
+              </a:lnSpc>
+            </a:pPr>
+            <a:r>
+              <a:rPr lang="en-US" b="true" sz="802" spc="4">
+                <a:solidFill>
+                  <a:srgbClr val="000000"/>
                 </a:solidFill>
                 <a:latin typeface="Cairo Semi-Bold"/>
                 <a:ea typeface="Cairo Semi-Bold"/>
                 <a:cs typeface="Cairo Semi-Bold"/>
                 <a:sym typeface="Cairo Semi-Bold"/>
               </a:rPr>
-              <a:t>{{REPORT_ISSUE_DATE}}</a:t>
-            </a:r>
-          </a:p>
-        </p:txBody>
-      </p:sp>
-      <p:sp>
-        <p:nvSpPr>
-          <p:cNvPr name="TextBox 60" id="60"/>
-          <p:cNvSpPr txBox="true"/>
-          <p:nvPr/>
-        </p:nvSpPr>
-        <p:spPr>
-          <a:xfrm rot="0">
-            <a:off x="6320971" y="2798559"/>
-            <a:ext cx="469573" cy="226981"/>
+              <a:t> </a:t>
+            </a:r>
+          </a:p>
+        </p:txBody>
+      </p:sp>
+      <p:sp>
+        <p:nvSpPr>
+          <p:cNvPr name="TextBox 71" id="71"/>
+          <p:cNvSpPr txBox="true"/>
+          <p:nvPr/>
+        </p:nvSpPr>
+        <p:spPr>
+          <a:xfrm rot="0">
+            <a:off x="6056671" y="5097675"/>
+            <a:ext cx="949071" cy="234697"/>
+          </a:xfrm>
+          <a:prstGeom prst="rect">
+            <a:avLst/>
+          </a:prstGeom>
+        </p:spPr>
+        <p:txBody>
+          <a:bodyPr anchor="t" rtlCol="false" tIns="0" lIns="0" bIns="0" rIns="0">
+            <a:spAutoFit/>
+          </a:bodyPr>
+          <a:lstStyle/>
+          <a:p>
+            <a:pPr algn="ctr" rtl="true">
+              <a:lnSpc>
+                <a:spcPts val="2131"/>
+              </a:lnSpc>
+            </a:pPr>
+            <a:r>
+              <a:rPr lang="ar-EG" b="true" sz="852" spc="2">
+                <a:solidFill>
+                  <a:srgbClr val="366FB5"/>
+                </a:solidFill>
+                <a:latin typeface="Noto Sans Arabic Bold"/>
+                <a:ea typeface="Noto Sans Arabic Bold"/>
+                <a:cs typeface="Noto Sans Arabic Bold"/>
+                <a:sym typeface="Noto Sans Arabic Bold"/>
+                <a:rtl val="true"/>
+              </a:rPr>
+              <a:t>رﻗﻢ اﻟﻬﻮﻳﺔ/اﻹﻗﺎﻣﺔ</a:t>
+            </a:r>
+            <a:r>
+              <a:rPr lang="ar-EG" b="true" sz="852" spc="2">
+                <a:solidFill>
+                  <a:srgbClr val="000000"/>
+                </a:solidFill>
+                <a:latin typeface="Noto Sans Arabic Bold"/>
+                <a:ea typeface="Noto Sans Arabic Bold"/>
+                <a:cs typeface="Noto Sans Arabic Bold"/>
+                <a:sym typeface="Noto Sans Arabic Bold"/>
+                <a:rtl val="true"/>
+              </a:rPr>
+              <a:t> </a:t>
+            </a:r>
+          </a:p>
+        </p:txBody>
+      </p:sp>
+      <p:sp>
+        <p:nvSpPr>
+          <p:cNvPr name="TextBox 72" id="72"/>
+          <p:cNvSpPr txBox="true"/>
+          <p:nvPr/>
+        </p:nvSpPr>
+        <p:spPr>
+          <a:xfrm rot="0">
+            <a:off x="6368739" y="5479799"/>
+            <a:ext cx="471611" cy="234697"/>
           </a:xfrm>
           <a:prstGeom prst="rect">
             <a:avLst/>
@@ -5558,9 +6095,490 @@
               </a:lnSpc>
             </a:pPr>
             <a:r>
-              <a:rPr lang="ar-EG" b="true" sz="852" spc="2">
+              <a:rPr lang="ar-EG" b="true" sz="852" spc="3">
                 <a:solidFill>
                   <a:srgbClr val="366FB5"/>
+                </a:solidFill>
+                <a:latin typeface="Noto Sans Arabic Bold"/>
+                <a:ea typeface="Noto Sans Arabic Bold"/>
+                <a:cs typeface="Noto Sans Arabic Bold"/>
+                <a:sym typeface="Noto Sans Arabic Bold"/>
+                <a:rtl val="true"/>
+              </a:rPr>
+              <a:t>اﻟﺠﻨﺴﻴﺔ</a:t>
+            </a:r>
+          </a:p>
+        </p:txBody>
+      </p:sp>
+      <p:sp>
+        <p:nvSpPr>
+          <p:cNvPr name="TextBox 73" id="73"/>
+          <p:cNvSpPr txBox="true"/>
+          <p:nvPr/>
+        </p:nvSpPr>
+        <p:spPr>
+          <a:xfrm rot="0">
+            <a:off x="6066225" y="5483219"/>
+            <a:ext cx="22660" cy="219799"/>
+          </a:xfrm>
+          <a:prstGeom prst="rect">
+            <a:avLst/>
+          </a:prstGeom>
+        </p:spPr>
+        <p:txBody>
+          <a:bodyPr anchor="t" rtlCol="false" tIns="0" lIns="0" bIns="0" rIns="0">
+            <a:spAutoFit/>
+          </a:bodyPr>
+          <a:lstStyle/>
+          <a:p>
+            <a:pPr algn="l">
+              <a:lnSpc>
+                <a:spcPts val="2005"/>
+              </a:lnSpc>
+            </a:pPr>
+            <a:r>
+              <a:rPr lang="en-US" b="true" sz="802" spc="3">
+                <a:solidFill>
+                  <a:srgbClr val="000000"/>
+                </a:solidFill>
+                <a:latin typeface="Cairo Semi-Bold"/>
+                <a:ea typeface="Cairo Semi-Bold"/>
+                <a:cs typeface="Cairo Semi-Bold"/>
+                <a:sym typeface="Cairo Semi-Bold"/>
+              </a:rPr>
+              <a:t> </a:t>
+            </a:r>
+          </a:p>
+        </p:txBody>
+      </p:sp>
+      <p:sp>
+        <p:nvSpPr>
+          <p:cNvPr name="TextBox 74" id="74"/>
+          <p:cNvSpPr txBox="true"/>
+          <p:nvPr/>
+        </p:nvSpPr>
+        <p:spPr>
+          <a:xfrm rot="0">
+            <a:off x="6295501" y="5861923"/>
+            <a:ext cx="529819" cy="234697"/>
+          </a:xfrm>
+          <a:prstGeom prst="rect">
+            <a:avLst/>
+          </a:prstGeom>
+        </p:spPr>
+        <p:txBody>
+          <a:bodyPr anchor="t" rtlCol="false" tIns="0" lIns="0" bIns="0" rIns="0">
+            <a:spAutoFit/>
+          </a:bodyPr>
+          <a:lstStyle/>
+          <a:p>
+            <a:pPr algn="l" rtl="true">
+              <a:lnSpc>
+                <a:spcPts val="2131"/>
+              </a:lnSpc>
+            </a:pPr>
+            <a:r>
+              <a:rPr lang="ar-EG" b="true" sz="852" spc="3">
+                <a:solidFill>
+                  <a:srgbClr val="366FB5"/>
+                </a:solidFill>
+                <a:latin typeface="Noto Sans Arabic Bold"/>
+                <a:ea typeface="Noto Sans Arabic Bold"/>
+                <a:cs typeface="Noto Sans Arabic Bold"/>
+                <a:sym typeface="Noto Sans Arabic Bold"/>
+                <a:rtl val="true"/>
+              </a:rPr>
+              <a:t>ﺟﻬﺔ اﻟﻌﻤﻞ</a:t>
+            </a:r>
+          </a:p>
+        </p:txBody>
+      </p:sp>
+      <p:sp>
+        <p:nvSpPr>
+          <p:cNvPr name="TextBox 75" id="75"/>
+          <p:cNvSpPr txBox="true"/>
+          <p:nvPr/>
+        </p:nvSpPr>
+        <p:spPr>
+          <a:xfrm rot="0">
+            <a:off x="6066225" y="5865343"/>
+            <a:ext cx="22660" cy="219799"/>
+          </a:xfrm>
+          <a:prstGeom prst="rect">
+            <a:avLst/>
+          </a:prstGeom>
+        </p:spPr>
+        <p:txBody>
+          <a:bodyPr anchor="t" rtlCol="false" tIns="0" lIns="0" bIns="0" rIns="0">
+            <a:spAutoFit/>
+          </a:bodyPr>
+          <a:lstStyle/>
+          <a:p>
+            <a:pPr algn="l">
+              <a:lnSpc>
+                <a:spcPts val="2005"/>
+              </a:lnSpc>
+            </a:pPr>
+            <a:r>
+              <a:rPr lang="en-US" b="true" sz="802" spc="3">
+                <a:solidFill>
+                  <a:srgbClr val="000000"/>
+                </a:solidFill>
+                <a:latin typeface="Cairo Semi-Bold"/>
+                <a:ea typeface="Cairo Semi-Bold"/>
+                <a:cs typeface="Cairo Semi-Bold"/>
+                <a:sym typeface="Cairo Semi-Bold"/>
+              </a:rPr>
+              <a:t> </a:t>
+            </a:r>
+          </a:p>
+        </p:txBody>
+      </p:sp>
+      <p:sp>
+        <p:nvSpPr>
+          <p:cNvPr name="TextBox 76" id="76"/>
+          <p:cNvSpPr txBox="true"/>
+          <p:nvPr/>
+        </p:nvSpPr>
+        <p:spPr>
+          <a:xfrm rot="0">
+            <a:off x="6059853" y="6234522"/>
+            <a:ext cx="959168" cy="236220"/>
+          </a:xfrm>
+          <a:prstGeom prst="rect">
+            <a:avLst/>
+          </a:prstGeom>
+        </p:spPr>
+        <p:txBody>
+          <a:bodyPr anchor="t" rtlCol="false" tIns="0" lIns="0" bIns="0" rIns="0">
+            <a:spAutoFit/>
+          </a:bodyPr>
+          <a:lstStyle/>
+          <a:p>
+            <a:pPr algn="r">
+              <a:lnSpc>
+                <a:spcPts val="2000"/>
+              </a:lnSpc>
+            </a:pPr>
+            <a:r>
+              <a:rPr lang="ar-EG" b="true" sz="800" spc="8">
+                <a:solidFill>
+                  <a:srgbClr val="366FB5"/>
+                </a:solidFill>
+                <a:latin typeface="Noto Sans Arabic Bold"/>
+                <a:ea typeface="Noto Sans Arabic Bold"/>
+                <a:cs typeface="Noto Sans Arabic Bold"/>
+                <a:sym typeface="Noto Sans Arabic Bold"/>
+                <a:rtl val="true"/>
+              </a:rPr>
+              <a:t>اﺳﻢ اﻟﻄﺒﻴﺐ اﻟﻤﻌﺎﻟﺞ</a:t>
+            </a:r>
+            <a:r>
+              <a:rPr lang="en-US" b="true" sz="800" spc="8">
+                <a:solidFill>
+                  <a:srgbClr val="000000"/>
+                </a:solidFill>
+                <a:latin typeface="Noto Sans Arabic Bold"/>
+                <a:ea typeface="Noto Sans Arabic Bold"/>
+                <a:cs typeface="Noto Sans Arabic Bold"/>
+                <a:sym typeface="Noto Sans Arabic Bold"/>
+              </a:rPr>
+              <a:t> </a:t>
+            </a:r>
+          </a:p>
+        </p:txBody>
+      </p:sp>
+      <p:sp>
+        <p:nvSpPr>
+          <p:cNvPr name="TextBox 77" id="77"/>
+          <p:cNvSpPr txBox="true"/>
+          <p:nvPr/>
+        </p:nvSpPr>
+        <p:spPr>
+          <a:xfrm rot="0">
+            <a:off x="6074373" y="6651717"/>
+            <a:ext cx="932469" cy="234697"/>
+          </a:xfrm>
+          <a:prstGeom prst="rect">
+            <a:avLst/>
+          </a:prstGeom>
+        </p:spPr>
+        <p:txBody>
+          <a:bodyPr anchor="t" rtlCol="false" tIns="0" lIns="0" bIns="0" rIns="0">
+            <a:spAutoFit/>
+          </a:bodyPr>
+          <a:lstStyle/>
+          <a:p>
+            <a:pPr algn="ctr" rtl="true">
+              <a:lnSpc>
+                <a:spcPts val="2131"/>
+              </a:lnSpc>
+            </a:pPr>
+            <a:r>
+              <a:rPr lang="ar-EG" b="true" sz="852" spc="3">
+                <a:solidFill>
+                  <a:srgbClr val="366FB5"/>
+                </a:solidFill>
+                <a:latin typeface="Noto Sans Arabic Bold"/>
+                <a:ea typeface="Noto Sans Arabic Bold"/>
+                <a:cs typeface="Noto Sans Arabic Bold"/>
+                <a:sym typeface="Noto Sans Arabic Bold"/>
+                <a:rtl val="true"/>
+              </a:rPr>
+              <a:t>اﻟﻤﺴﻤﻰ اﻟﻮﻇﻴﻔﻲ</a:t>
+            </a:r>
+            <a:r>
+              <a:rPr lang="ar-EG" b="true" sz="852" spc="3">
+                <a:solidFill>
+                  <a:srgbClr val="000000"/>
+                </a:solidFill>
+                <a:latin typeface="Noto Sans Arabic Bold"/>
+                <a:ea typeface="Noto Sans Arabic Bold"/>
+                <a:cs typeface="Noto Sans Arabic Bold"/>
+                <a:sym typeface="Noto Sans Arabic Bold"/>
+                <a:rtl val="true"/>
+              </a:rPr>
+              <a:t> </a:t>
+            </a:r>
+          </a:p>
+        </p:txBody>
+      </p:sp>
+      <p:sp>
+        <p:nvSpPr>
+          <p:cNvPr name="TextBox 78" id="78"/>
+          <p:cNvSpPr txBox="true"/>
+          <p:nvPr/>
+        </p:nvSpPr>
+        <p:spPr>
+          <a:xfrm rot="0">
+            <a:off x="1385573" y="4805397"/>
+            <a:ext cx="2394427" cy="127000"/>
+          </a:xfrm>
+          <a:prstGeom prst="rect">
+            <a:avLst/>
+          </a:prstGeom>
+        </p:spPr>
+        <p:txBody>
+          <a:bodyPr anchor="t" rtlCol="false" tIns="0" lIns="0" bIns="0" rIns="0">
+            <a:spAutoFit/>
+          </a:bodyPr>
+          <a:lstStyle/>
+          <a:p>
+            <a:pPr algn="ctr">
+              <a:lnSpc>
+                <a:spcPts val="1050"/>
+              </a:lnSpc>
+            </a:pPr>
+            <a:r>
+              <a:rPr lang="en-US" sz="750" spc="3">
+                <a:solidFill>
+                  <a:srgbClr val="2C3E77"/>
+                </a:solidFill>
+                <a:latin typeface="Fedra sans arabic"/>
+                <a:ea typeface="Fedra sans arabic"/>
+                <a:cs typeface="Fedra sans arabic"/>
+                <a:sym typeface="Fedra sans arabic"/>
+              </a:rPr>
+              <a:t>{{NAME_EN}}</a:t>
+            </a:r>
+          </a:p>
+        </p:txBody>
+      </p:sp>
+      <p:sp>
+        <p:nvSpPr>
+          <p:cNvPr name="TextBox 79" id="79"/>
+          <p:cNvSpPr txBox="true"/>
+          <p:nvPr/>
+        </p:nvSpPr>
+        <p:spPr>
+          <a:xfrm rot="0">
+            <a:off x="3757927" y="6342317"/>
+            <a:ext cx="2336959" cy="117475"/>
+          </a:xfrm>
+          <a:prstGeom prst="rect">
+            <a:avLst/>
+          </a:prstGeom>
+        </p:spPr>
+        <p:txBody>
+          <a:bodyPr anchor="t" rtlCol="false" tIns="0" lIns="0" bIns="0" rIns="0">
+            <a:spAutoFit/>
+          </a:bodyPr>
+          <a:lstStyle/>
+          <a:p>
+            <a:pPr algn="ctr">
+              <a:lnSpc>
+                <a:spcPts val="1050"/>
+              </a:lnSpc>
+            </a:pPr>
+            <a:r>
+              <a:rPr lang="en-US" sz="750" spc="3">
+                <a:solidFill>
+                  <a:srgbClr val="2C3E77"/>
+                </a:solidFill>
+                <a:latin typeface="Noto Sans Arabic"/>
+                <a:ea typeface="Noto Sans Arabic"/>
+                <a:cs typeface="Noto Sans Arabic"/>
+                <a:sym typeface="Noto Sans Arabic"/>
+              </a:rPr>
+              <a:t>{{DOCTOR_NAME_AR}}</a:t>
+            </a:r>
+          </a:p>
+        </p:txBody>
+      </p:sp>
+      <p:sp>
+        <p:nvSpPr>
+          <p:cNvPr name="TextBox 80" id="80"/>
+          <p:cNvSpPr txBox="true"/>
+          <p:nvPr/>
+        </p:nvSpPr>
+        <p:spPr>
+          <a:xfrm rot="0">
+            <a:off x="3780000" y="4801686"/>
+            <a:ext cx="2308885" cy="118189"/>
+          </a:xfrm>
+          <a:prstGeom prst="rect">
+            <a:avLst/>
+          </a:prstGeom>
+        </p:spPr>
+        <p:txBody>
+          <a:bodyPr anchor="t" rtlCol="false" tIns="0" lIns="0" bIns="0" rIns="0">
+            <a:spAutoFit/>
+          </a:bodyPr>
+          <a:lstStyle/>
+          <a:p>
+            <a:pPr algn="ctr">
+              <a:lnSpc>
+                <a:spcPts val="1056"/>
+              </a:lnSpc>
+            </a:pPr>
+            <a:r>
+              <a:rPr lang="en-US" sz="754" spc="2">
+                <a:solidFill>
+                  <a:srgbClr val="2C3E77"/>
+                </a:solidFill>
+                <a:latin typeface="Noto Sans Arabic"/>
+                <a:ea typeface="Noto Sans Arabic"/>
+                <a:cs typeface="Noto Sans Arabic"/>
+                <a:sym typeface="Noto Sans Arabic"/>
+              </a:rPr>
+              <a:t>{{NAME_AR}}</a:t>
+            </a:r>
+          </a:p>
+        </p:txBody>
+      </p:sp>
+      <p:sp>
+        <p:nvSpPr>
+          <p:cNvPr name="TextBox 81" id="81"/>
+          <p:cNvSpPr txBox="true"/>
+          <p:nvPr/>
+        </p:nvSpPr>
+        <p:spPr>
+          <a:xfrm rot="0">
+            <a:off x="280940" y="8203120"/>
+            <a:ext cx="2600506" cy="257302"/>
+          </a:xfrm>
+          <a:prstGeom prst="rect">
+            <a:avLst/>
+          </a:prstGeom>
+        </p:spPr>
+        <p:txBody>
+          <a:bodyPr anchor="t" rtlCol="false" tIns="0" lIns="0" bIns="0" rIns="0">
+            <a:spAutoFit/>
+          </a:bodyPr>
+          <a:lstStyle/>
+          <a:p>
+            <a:pPr algn="ctr" rtl="true">
+              <a:lnSpc>
+                <a:spcPts val="1064"/>
+              </a:lnSpc>
+            </a:pPr>
+            <a:r>
+              <a:rPr lang="ar-EG" b="true" sz="700" spc="2">
+                <a:solidFill>
+                  <a:srgbClr val="000000"/>
+                </a:solidFill>
+                <a:latin typeface="Noto Sans Arabic Bold"/>
+                <a:ea typeface="Noto Sans Arabic Bold"/>
+                <a:cs typeface="Noto Sans Arabic Bold"/>
+                <a:sym typeface="Noto Sans Arabic Bold"/>
+                <a:rtl val="true"/>
+              </a:rPr>
+              <a:t>ﻟﻠﺘﺤﻘﻖ ﻣﻦ ﺑﻴﺎﻧﺎت اﻟﺘﻘﺮﻳﺮ ﻳﺮﺟﻰ اﻟﺘﺄﻛﺪ ﻣﻦ زﻳﺎرة ﻣﻮﻗﻊ ﻣﻨﺼﺔ ﺻﺤﺔ اﻟﺮﺳﻤﻲ </a:t>
+            </a:r>
+          </a:p>
+        </p:txBody>
+      </p:sp>
+      <p:sp>
+        <p:nvSpPr>
+          <p:cNvPr name="TextBox 82" id="82"/>
+          <p:cNvSpPr txBox="true"/>
+          <p:nvPr/>
+        </p:nvSpPr>
+        <p:spPr>
+          <a:xfrm rot="0">
+            <a:off x="614582" y="8392619"/>
+            <a:ext cx="2120605" cy="194602"/>
+          </a:xfrm>
+          <a:prstGeom prst="rect">
+            <a:avLst/>
+          </a:prstGeom>
+        </p:spPr>
+        <p:txBody>
+          <a:bodyPr anchor="t" rtlCol="false" tIns="0" lIns="0" bIns="0" rIns="0">
+            <a:spAutoFit/>
+          </a:bodyPr>
+          <a:lstStyle/>
+          <a:p>
+            <a:pPr algn="l">
+              <a:lnSpc>
+                <a:spcPts val="1629"/>
+              </a:lnSpc>
+            </a:pPr>
+            <a:r>
+              <a:rPr lang="en-US" b="true" sz="651" spc="1">
+                <a:solidFill>
+                  <a:srgbClr val="000000"/>
+                </a:solidFill>
+                <a:latin typeface="Times New Roman Bold"/>
+                <a:ea typeface="Times New Roman Bold"/>
+                <a:cs typeface="Times New Roman Bold"/>
+                <a:sym typeface="Times New Roman Bold"/>
+              </a:rPr>
+              <a:t> Tocheckthereportplease visit Seha's offical website</a:t>
+            </a:r>
+          </a:p>
+        </p:txBody>
+      </p:sp>
+      <p:sp>
+        <p:nvSpPr>
+          <p:cNvPr name="TextBox 83" id="83"/>
+          <p:cNvSpPr txBox="true"/>
+          <p:nvPr/>
+        </p:nvSpPr>
+        <p:spPr>
+          <a:xfrm rot="0">
+            <a:off x="4636446" y="8391383"/>
+            <a:ext cx="2923554" cy="146162"/>
+          </a:xfrm>
+          <a:prstGeom prst="rect">
+            <a:avLst/>
+          </a:prstGeom>
+        </p:spPr>
+        <p:txBody>
+          <a:bodyPr anchor="t" rtlCol="false" tIns="0" lIns="0" bIns="0" rIns="0">
+            <a:spAutoFit/>
+          </a:bodyPr>
+          <a:lstStyle/>
+          <a:p>
+            <a:pPr algn="ctr" rtl="true">
+              <a:lnSpc>
+                <a:spcPts val="1249"/>
+              </a:lnSpc>
+            </a:pPr>
+            <a:r>
+              <a:rPr lang="ar-EG" b="true" sz="650" spc="1">
+                <a:solidFill>
+                  <a:srgbClr val="000000"/>
                 </a:solidFill>
                 <a:latin typeface="Cairo Semi-Bold"/>
                 <a:ea typeface="Cairo Semi-Bold"/>
@@ -5568,39 +6586,10 @@
                 <a:sym typeface="Cairo Semi-Bold"/>
                 <a:rtl val="true"/>
               </a:rPr>
-              <a:t>رﻣﺰ اﻹﺟﺎزة</a:t>
-            </a:r>
-          </a:p>
-        </p:txBody>
-      </p:sp>
-      <p:sp>
-        <p:nvSpPr>
-          <p:cNvPr name="TextBox 61" id="61"/>
-          <p:cNvSpPr txBox="true"/>
-          <p:nvPr/>
-        </p:nvSpPr>
-        <p:spPr>
-          <a:xfrm rot="0">
-            <a:off x="6063044" y="2801979"/>
-            <a:ext cx="22660" cy="219799"/>
-          </a:xfrm>
-          <a:prstGeom prst="rect">
-            <a:avLst/>
-          </a:prstGeom>
-        </p:spPr>
-        <p:txBody>
-          <a:bodyPr anchor="t" rtlCol="false" tIns="0" lIns="0" bIns="0" rIns="0">
-            <a:spAutoFit/>
-          </a:bodyPr>
-          <a:lstStyle/>
-          <a:p>
-            <a:pPr algn="l">
-              <a:lnSpc>
-                <a:spcPts val="2005"/>
-              </a:lnSpc>
-            </a:pPr>
-            <a:r>
-              <a:rPr lang="en-US" b="true" sz="802" spc="2">
+              <a:t>رﻗﻢ اﻟﱰﺧﻴﺺ : </a:t>
+            </a:r>
+            <a:r>
+              <a:rPr lang="en-US" b="true" sz="650" spc="1">
                 <a:solidFill>
                   <a:srgbClr val="000000"/>
                 </a:solidFill>
@@ -5609,39 +6598,449 @@
                 <a:cs typeface="Cairo Semi-Bold"/>
                 <a:sym typeface="Cairo Semi-Bold"/>
               </a:rPr>
-              <a:t> </a:t>
-            </a:r>
-          </a:p>
-        </p:txBody>
-      </p:sp>
-      <p:sp>
-        <p:nvSpPr>
-          <p:cNvPr name="TextBox 62" id="62"/>
-          <p:cNvSpPr txBox="true"/>
-          <p:nvPr/>
-        </p:nvSpPr>
-        <p:spPr>
-          <a:xfrm rot="0">
-            <a:off x="6305055" y="3180683"/>
-            <a:ext cx="509445" cy="226981"/>
-          </a:xfrm>
-          <a:prstGeom prst="rect">
-            <a:avLst/>
-          </a:prstGeom>
-        </p:spPr>
-        <p:txBody>
-          <a:bodyPr anchor="t" rtlCol="false" tIns="0" lIns="0" bIns="0" rIns="0">
-            <a:spAutoFit/>
-          </a:bodyPr>
-          <a:lstStyle/>
-          <a:p>
-            <a:pPr algn="l" rtl="true">
+              <a:t>1410101201200270</a:t>
+            </a:r>
+          </a:p>
+        </p:txBody>
+      </p:sp>
+      <p:sp>
+        <p:nvSpPr>
+          <p:cNvPr name="TextBox 84" id="84"/>
+          <p:cNvSpPr txBox="true"/>
+          <p:nvPr/>
+        </p:nvSpPr>
+        <p:spPr>
+          <a:xfrm rot="0">
+            <a:off x="3133420" y="607228"/>
+            <a:ext cx="1210713" cy="148447"/>
+          </a:xfrm>
+          <a:prstGeom prst="rect">
+            <a:avLst/>
+          </a:prstGeom>
+        </p:spPr>
+        <p:txBody>
+          <a:bodyPr anchor="t" rtlCol="false" tIns="0" lIns="0" bIns="0" rIns="0">
+            <a:spAutoFit/>
+          </a:bodyPr>
+          <a:lstStyle/>
+          <a:p>
+            <a:pPr algn="l">
+              <a:lnSpc>
+                <a:spcPts val="1263"/>
+              </a:lnSpc>
+            </a:pPr>
+            <a:r>
+              <a:rPr lang="en-US" b="true" sz="902" spc="2">
+                <a:solidFill>
+                  <a:srgbClr val="000000"/>
+                </a:solidFill>
+                <a:latin typeface="Cairo Semi-Bold"/>
+                <a:ea typeface="Cairo Semi-Bold"/>
+                <a:cs typeface="Cairo Semi-Bold"/>
+                <a:sym typeface="Cairo Semi-Bold"/>
+              </a:rPr>
+              <a:t>Kingdom of Saudi Arabia</a:t>
+            </a:r>
+          </a:p>
+        </p:txBody>
+      </p:sp>
+      <p:sp>
+        <p:nvSpPr>
+          <p:cNvPr name="TextBox 85" id="85"/>
+          <p:cNvSpPr txBox="true"/>
+          <p:nvPr/>
+        </p:nvSpPr>
+        <p:spPr>
+          <a:xfrm rot="0">
+            <a:off x="5667951" y="3184103"/>
+            <a:ext cx="258013" cy="1046712"/>
+          </a:xfrm>
+          <a:prstGeom prst="rect">
+            <a:avLst/>
+          </a:prstGeom>
+        </p:spPr>
+        <p:txBody>
+          <a:bodyPr anchor="t" rtlCol="false" tIns="0" lIns="0" bIns="0" rIns="0">
+            <a:spAutoFit/>
+          </a:bodyPr>
+          <a:lstStyle/>
+          <a:p>
+            <a:pPr algn="ctr">
               <a:lnSpc>
                 <a:spcPts val="2131"/>
               </a:lnSpc>
             </a:pPr>
             <a:r>
-              <a:rPr lang="ar-EG" b="true" sz="852" spc="2">
+              <a:rPr lang="en-US" b="true" sz="852">
+                <a:solidFill>
+                  <a:srgbClr val="FFFFFF"/>
+                </a:solidFill>
+                <a:latin typeface="Cairo Semi-Bold"/>
+                <a:ea typeface="Cairo Semi-Bold"/>
+                <a:cs typeface="Cairo Semi-Bold"/>
+                <a:sym typeface="Cairo Semi-Bold"/>
+              </a:rPr>
+              <a:t>{{DAYS_COUNT}}</a:t>
+            </a:r>
+          </a:p>
+        </p:txBody>
+      </p:sp>
+      <p:sp>
+        <p:nvSpPr>
+          <p:cNvPr name="TextBox 86" id="86"/>
+          <p:cNvSpPr txBox="true"/>
+          <p:nvPr/>
+        </p:nvSpPr>
+        <p:spPr>
+          <a:xfrm rot="0">
+            <a:off x="2074612" y="3188074"/>
+            <a:ext cx="588702" cy="776040"/>
+          </a:xfrm>
+          <a:prstGeom prst="rect">
+            <a:avLst/>
+          </a:prstGeom>
+        </p:spPr>
+        <p:txBody>
+          <a:bodyPr anchor="t" rtlCol="false" tIns="0" lIns="0" bIns="0" rIns="0">
+            <a:spAutoFit/>
+          </a:bodyPr>
+          <a:lstStyle/>
+          <a:p>
+            <a:pPr algn="l">
+              <a:lnSpc>
+                <a:spcPts val="2131"/>
+              </a:lnSpc>
+            </a:pPr>
+            <a:r>
+              <a:rPr lang="en-US" sz="852" spc="2">
+                <a:solidFill>
+                  <a:srgbClr val="FFFFFF"/>
+                </a:solidFill>
+                <a:latin typeface="Fedra sans arabic"/>
+                <a:ea typeface="Fedra sans arabic"/>
+                <a:cs typeface="Fedra sans arabic"/>
+                <a:sym typeface="Fedra sans arabic"/>
+              </a:rPr>
+              <a:t>{{ENTRY_DATE_GREGORIAN}}</a:t>
+            </a:r>
+          </a:p>
+        </p:txBody>
+      </p:sp>
+      <p:sp>
+        <p:nvSpPr>
+          <p:cNvPr name="TextBox 87" id="87"/>
+          <p:cNvSpPr txBox="true"/>
+          <p:nvPr/>
+        </p:nvSpPr>
+        <p:spPr>
+          <a:xfrm rot="0">
+            <a:off x="2791870" y="3188074"/>
+            <a:ext cx="588702" cy="764126"/>
+          </a:xfrm>
+          <a:prstGeom prst="rect">
+            <a:avLst/>
+          </a:prstGeom>
+        </p:spPr>
+        <p:txBody>
+          <a:bodyPr anchor="t" rtlCol="false" tIns="0" lIns="0" bIns="0" rIns="0">
+            <a:spAutoFit/>
+          </a:bodyPr>
+          <a:lstStyle/>
+          <a:p>
+            <a:pPr algn="l">
+              <a:lnSpc>
+                <a:spcPts val="2131"/>
+              </a:lnSpc>
+            </a:pPr>
+            <a:r>
+              <a:rPr lang="en-US" b="true" sz="852" spc="2">
+                <a:solidFill>
+                  <a:srgbClr val="FFFFFF"/>
+                </a:solidFill>
+                <a:latin typeface="Cairo Semi-Bold"/>
+                <a:ea typeface="Cairo Semi-Bold"/>
+                <a:cs typeface="Cairo Semi-Bold"/>
+                <a:sym typeface="Cairo Semi-Bold"/>
+              </a:rPr>
+              <a:t>{{EXIT_DATE_GREGORIAN}}</a:t>
+            </a:r>
+          </a:p>
+        </p:txBody>
+      </p:sp>
+      <p:sp>
+        <p:nvSpPr>
+          <p:cNvPr name="TextBox 88" id="88"/>
+          <p:cNvSpPr txBox="true"/>
+          <p:nvPr/>
+        </p:nvSpPr>
+        <p:spPr>
+          <a:xfrm rot="0">
+            <a:off x="1637723" y="3180683"/>
+            <a:ext cx="258013" cy="1046712"/>
+          </a:xfrm>
+          <a:prstGeom prst="rect">
+            <a:avLst/>
+          </a:prstGeom>
+        </p:spPr>
+        <p:txBody>
+          <a:bodyPr anchor="t" rtlCol="false" tIns="0" lIns="0" bIns="0" rIns="0">
+            <a:spAutoFit/>
+          </a:bodyPr>
+          <a:lstStyle/>
+          <a:p>
+            <a:pPr algn="ctr">
+              <a:lnSpc>
+                <a:spcPts val="2131"/>
+              </a:lnSpc>
+            </a:pPr>
+            <a:r>
+              <a:rPr lang="en-US" b="true" sz="852">
+                <a:solidFill>
+                  <a:srgbClr val="FFFFFF"/>
+                </a:solidFill>
+                <a:latin typeface="Cairo Semi-Bold"/>
+                <a:ea typeface="Cairo Semi-Bold"/>
+                <a:cs typeface="Cairo Semi-Bold"/>
+                <a:sym typeface="Cairo Semi-Bold"/>
+              </a:rPr>
+              <a:t>{{DAYS_COUNT}}</a:t>
+            </a:r>
+          </a:p>
+        </p:txBody>
+      </p:sp>
+      <p:sp>
+        <p:nvSpPr>
+          <p:cNvPr name="TextBox 89" id="89"/>
+          <p:cNvSpPr txBox="true"/>
+          <p:nvPr/>
+        </p:nvSpPr>
+        <p:spPr>
+          <a:xfrm rot="0">
+            <a:off x="4655532" y="8075333"/>
+            <a:ext cx="2904468" cy="146162"/>
+          </a:xfrm>
+          <a:prstGeom prst="rect">
+            <a:avLst/>
+          </a:prstGeom>
+        </p:spPr>
+        <p:txBody>
+          <a:bodyPr anchor="t" rtlCol="false" tIns="0" lIns="0" bIns="0" rIns="0">
+            <a:spAutoFit/>
+          </a:bodyPr>
+          <a:lstStyle/>
+          <a:p>
+            <a:pPr algn="ctr">
+              <a:lnSpc>
+                <a:spcPts val="1249"/>
+              </a:lnSpc>
+            </a:pPr>
+            <a:r>
+              <a:rPr lang="en-US" sz="650" spc="1">
+                <a:solidFill>
+                  <a:srgbClr val="000000"/>
+                </a:solidFill>
+                <a:latin typeface="Noto Sans Arabic"/>
+                <a:ea typeface="Noto Sans Arabic"/>
+                <a:cs typeface="Noto Sans Arabic"/>
+                <a:sym typeface="Noto Sans Arabic"/>
+              </a:rPr>
+              <a:t>{{HOSPITAL_NAME_AR}}</a:t>
+            </a:r>
+          </a:p>
+        </p:txBody>
+      </p:sp>
+      <p:sp>
+        <p:nvSpPr>
+          <p:cNvPr name="TextBox 90" id="90"/>
+          <p:cNvSpPr txBox="true"/>
+          <p:nvPr/>
+        </p:nvSpPr>
+        <p:spPr>
+          <a:xfrm rot="0">
+            <a:off x="4642809" y="8235695"/>
+            <a:ext cx="2917191" cy="146162"/>
+          </a:xfrm>
+          <a:prstGeom prst="rect">
+            <a:avLst/>
+          </a:prstGeom>
+        </p:spPr>
+        <p:txBody>
+          <a:bodyPr anchor="t" rtlCol="false" tIns="0" lIns="0" bIns="0" rIns="0">
+            <a:spAutoFit/>
+          </a:bodyPr>
+          <a:lstStyle/>
+          <a:p>
+            <a:pPr algn="ctr">
+              <a:lnSpc>
+                <a:spcPts val="1249"/>
+              </a:lnSpc>
+            </a:pPr>
+            <a:r>
+              <a:rPr lang="en-US" sz="650" spc="1">
+                <a:solidFill>
+                  <a:srgbClr val="000000"/>
+                </a:solidFill>
+                <a:latin typeface="Fedra sans arabic"/>
+                <a:ea typeface="Fedra sans arabic"/>
+                <a:cs typeface="Fedra sans arabic"/>
+                <a:sym typeface="Fedra sans arabic"/>
+              </a:rPr>
+              <a:t>{{HOSPITAL_NAME_EN}}</a:t>
+            </a:r>
+          </a:p>
+        </p:txBody>
+      </p:sp>
+      <p:sp>
+        <p:nvSpPr>
+          <p:cNvPr name="TextBox 91" id="91"/>
+          <p:cNvSpPr txBox="true"/>
+          <p:nvPr/>
+        </p:nvSpPr>
+        <p:spPr>
+          <a:xfrm rot="0">
+            <a:off x="350282" y="9329624"/>
+            <a:ext cx="1625622" cy="137084"/>
+          </a:xfrm>
+          <a:prstGeom prst="rect">
+            <a:avLst/>
+          </a:prstGeom>
+        </p:spPr>
+        <p:txBody>
+          <a:bodyPr anchor="t" rtlCol="false" tIns="0" lIns="0" bIns="0" rIns="0">
+            <a:spAutoFit/>
+          </a:bodyPr>
+          <a:lstStyle/>
+          <a:p>
+            <a:pPr algn="l">
+              <a:lnSpc>
+                <a:spcPts val="1103"/>
+              </a:lnSpc>
+            </a:pPr>
+            <a:r>
+              <a:rPr lang="en-US" b="true" sz="802" spc="2">
+                <a:solidFill>
+                  <a:srgbClr val="000000"/>
+                </a:solidFill>
+                <a:latin typeface="Cairo Semi-Bold"/>
+                <a:ea typeface="Cairo Semi-Bold"/>
+                <a:cs typeface="Cairo Semi-Bold"/>
+                <a:sym typeface="Cairo Semi-Bold"/>
+              </a:rPr>
+              <a:t>{{PRINT_DATE}}</a:t>
+            </a:r>
+          </a:p>
+        </p:txBody>
+      </p:sp>
+      <p:sp>
+        <p:nvSpPr>
+          <p:cNvPr name="TextBox 92" id="92"/>
+          <p:cNvSpPr txBox="true"/>
+          <p:nvPr/>
+        </p:nvSpPr>
+        <p:spPr>
+          <a:xfrm rot="0">
+            <a:off x="350282" y="9056084"/>
+            <a:ext cx="855649" cy="227055"/>
+          </a:xfrm>
+          <a:prstGeom prst="rect">
+            <a:avLst/>
+          </a:prstGeom>
+        </p:spPr>
+        <p:txBody>
+          <a:bodyPr anchor="t" rtlCol="false" tIns="0" lIns="0" bIns="0" rIns="0">
+            <a:spAutoFit/>
+          </a:bodyPr>
+          <a:lstStyle/>
+          <a:p>
+            <a:pPr algn="l">
+              <a:lnSpc>
+                <a:spcPts val="2005"/>
+              </a:lnSpc>
+            </a:pPr>
+            <a:r>
+              <a:rPr lang="en-US" b="true" sz="802" spc="2">
+                <a:solidFill>
+                  <a:srgbClr val="000000"/>
+                </a:solidFill>
+                <a:latin typeface="Cairo Semi-Bold"/>
+                <a:ea typeface="Cairo Semi-Bold"/>
+                <a:cs typeface="Cairo Semi-Bold"/>
+                <a:sym typeface="Cairo Semi-Bold"/>
+              </a:rPr>
+              <a:t>{{PRINT_TIME}}</a:t>
+            </a:r>
+          </a:p>
+        </p:txBody>
+      </p:sp>
+      <p:sp>
+        <p:nvSpPr>
+          <p:cNvPr name="TextBox 93" id="93"/>
+          <p:cNvSpPr txBox="true"/>
+          <p:nvPr/>
+        </p:nvSpPr>
+        <p:spPr>
+          <a:xfrm rot="0">
+            <a:off x="3716217" y="3184103"/>
+            <a:ext cx="667188" cy="234697"/>
+          </a:xfrm>
+          <a:prstGeom prst="rect">
+            <a:avLst/>
+          </a:prstGeom>
+        </p:spPr>
+        <p:txBody>
+          <a:bodyPr anchor="t" rtlCol="false" tIns="0" lIns="0" bIns="0" rIns="0">
+            <a:spAutoFit/>
+          </a:bodyPr>
+          <a:lstStyle/>
+          <a:p>
+            <a:pPr algn="ctr">
+              <a:lnSpc>
+                <a:spcPts val="2131"/>
+              </a:lnSpc>
+            </a:pPr>
+            <a:r>
+              <a:rPr lang="en-US" b="true" sz="852">
+                <a:solidFill>
+                  <a:srgbClr val="FFFFFF"/>
+                </a:solidFill>
+                <a:latin typeface="Cairo Semi-Bold"/>
+                <a:ea typeface="Cairo Semi-Bold"/>
+                <a:cs typeface="Cairo Semi-Bold"/>
+                <a:sym typeface="Cairo Semi-Bold"/>
+              </a:rPr>
+              <a:t>( </a:t>
+            </a:r>
+          </a:p>
+        </p:txBody>
+      </p:sp>
+      <p:sp>
+        <p:nvSpPr>
+          <p:cNvPr name="TextBox 94" id="94"/>
+          <p:cNvSpPr txBox="true"/>
+          <p:nvPr/>
+        </p:nvSpPr>
+        <p:spPr>
+          <a:xfrm rot="0">
+            <a:off x="4673046" y="3176654"/>
+            <a:ext cx="177822" cy="234697"/>
+          </a:xfrm>
+          <a:prstGeom prst="rect">
+            <a:avLst/>
+          </a:prstGeom>
+        </p:spPr>
+        <p:txBody>
+          <a:bodyPr anchor="t" rtlCol="false" tIns="0" lIns="0" bIns="0" rIns="0">
+            <a:spAutoFit/>
+          </a:bodyPr>
+          <a:lstStyle/>
+          <a:p>
+            <a:pPr algn="r" rtl="true">
+              <a:lnSpc>
+                <a:spcPts val="2131"/>
+              </a:lnSpc>
+            </a:pPr>
+            <a:r>
+              <a:rPr lang="ar-EG" b="true" sz="852">
                 <a:solidFill>
                   <a:srgbClr val="FFFFFF"/>
                 </a:solidFill>
@@ -5651,1394 +7050,90 @@
                 <a:sym typeface="Cairo Semi-Bold"/>
                 <a:rtl val="true"/>
               </a:rPr>
-              <a:t>ﻣﺪة اﻹﺟﺎزة</a:t>
-            </a:r>
-          </a:p>
-        </p:txBody>
-      </p:sp>
-      <p:sp>
-        <p:nvSpPr>
-          <p:cNvPr name="TextBox 63" id="63"/>
-          <p:cNvSpPr txBox="true"/>
-          <p:nvPr/>
-        </p:nvSpPr>
-        <p:spPr>
-          <a:xfrm rot="0">
-            <a:off x="6066225" y="3184103"/>
-            <a:ext cx="22660" cy="219799"/>
-          </a:xfrm>
-          <a:prstGeom prst="rect">
-            <a:avLst/>
-          </a:prstGeom>
-        </p:spPr>
-        <p:txBody>
-          <a:bodyPr anchor="t" rtlCol="false" tIns="0" lIns="0" bIns="0" rIns="0">
-            <a:spAutoFit/>
-          </a:bodyPr>
-          <a:lstStyle/>
-          <a:p>
-            <a:pPr algn="l">
-              <a:lnSpc>
-                <a:spcPts val="2005"/>
-              </a:lnSpc>
-            </a:pPr>
-            <a:r>
-              <a:rPr lang="en-US" b="true" sz="802" spc="2">
-                <a:solidFill>
-                  <a:srgbClr val="000000"/>
-                </a:solidFill>
-                <a:latin typeface="Cairo Semi-Bold"/>
-                <a:ea typeface="Cairo Semi-Bold"/>
-                <a:cs typeface="Cairo Semi-Bold"/>
-                <a:sym typeface="Cairo Semi-Bold"/>
-              </a:rPr>
-              <a:t> </a:t>
-            </a:r>
-          </a:p>
-        </p:txBody>
-      </p:sp>
-      <p:sp>
-        <p:nvSpPr>
-          <p:cNvPr name="TextBox 64" id="64"/>
-          <p:cNvSpPr txBox="true"/>
-          <p:nvPr/>
-        </p:nvSpPr>
-        <p:spPr>
-          <a:xfrm rot="0">
-            <a:off x="6285948" y="3562807"/>
-            <a:ext cx="554403" cy="226981"/>
-          </a:xfrm>
-          <a:prstGeom prst="rect">
-            <a:avLst/>
-          </a:prstGeom>
-        </p:spPr>
-        <p:txBody>
-          <a:bodyPr anchor="t" rtlCol="false" tIns="0" lIns="0" bIns="0" rIns="0">
-            <a:spAutoFit/>
-          </a:bodyPr>
-          <a:lstStyle/>
-          <a:p>
-            <a:pPr algn="l" rtl="true">
-              <a:lnSpc>
-                <a:spcPts val="2131"/>
-              </a:lnSpc>
-            </a:pPr>
-            <a:r>
-              <a:rPr lang="ar-EG" b="true" sz="852" spc="2">
-                <a:solidFill>
-                  <a:srgbClr val="366FB5"/>
-                </a:solidFill>
-                <a:latin typeface="Cairo Semi-Bold"/>
-                <a:ea typeface="Cairo Semi-Bold"/>
-                <a:cs typeface="Cairo Semi-Bold"/>
-                <a:sym typeface="Cairo Semi-Bold"/>
+              <a:t>الى</a:t>
+            </a:r>
+          </a:p>
+        </p:txBody>
+      </p:sp>
+      <p:sp>
+        <p:nvSpPr>
+          <p:cNvPr name="TextBox 95" id="95"/>
+          <p:cNvSpPr txBox="true"/>
+          <p:nvPr/>
+        </p:nvSpPr>
+        <p:spPr>
+          <a:xfrm rot="0">
+            <a:off x="1550600" y="6871078"/>
+            <a:ext cx="2369172" cy="132229"/>
+          </a:xfrm>
+          <a:prstGeom prst="rect">
+            <a:avLst/>
+          </a:prstGeom>
+        </p:spPr>
+        <p:txBody>
+          <a:bodyPr anchor="t" rtlCol="false" tIns="0" lIns="0" bIns="0" rIns="0">
+            <a:spAutoFit/>
+          </a:bodyPr>
+          <a:lstStyle/>
+          <a:p>
+            <a:pPr algn="ctr">
+              <a:lnSpc>
+                <a:spcPts val="1193"/>
+              </a:lnSpc>
+            </a:pPr>
+            <a:r>
+              <a:rPr lang="en-US" sz="852" spc="2">
+                <a:solidFill>
+                  <a:srgbClr val="2C3E77"/>
+                </a:solidFill>
+                <a:latin typeface="Fedra sans arabic"/>
+                <a:ea typeface="Fedra sans arabic"/>
+                <a:cs typeface="Fedra sans arabic"/>
+                <a:sym typeface="Fedra sans arabic"/>
+              </a:rPr>
+              <a:t>{{JOB_TITLE_EN}}</a:t>
+            </a:r>
+          </a:p>
+        </p:txBody>
+      </p:sp>
+      <p:sp>
+        <p:nvSpPr>
+          <p:cNvPr name="TextBox 96" id="96"/>
+          <p:cNvSpPr txBox="true"/>
+          <p:nvPr/>
+        </p:nvSpPr>
+        <p:spPr>
+          <a:xfrm rot="0">
+            <a:off x="3743415" y="5960782"/>
+            <a:ext cx="2325391" cy="132229"/>
+          </a:xfrm>
+          <a:prstGeom prst="rect">
+            <a:avLst/>
+          </a:prstGeom>
+        </p:spPr>
+        <p:txBody>
+          <a:bodyPr anchor="t" rtlCol="false" tIns="0" lIns="0" bIns="0" rIns="0">
+            <a:spAutoFit/>
+          </a:bodyPr>
+          <a:lstStyle/>
+          <a:p>
+            <a:pPr algn="ctr" rtl="true">
+              <a:lnSpc>
+                <a:spcPts val="1193"/>
+              </a:lnSpc>
+            </a:pPr>
+            <a:r>
+              <a:rPr lang="ar-EG" sz="852" spc="3">
+                <a:solidFill>
+                  <a:srgbClr val="2C3E77"/>
+                </a:solidFill>
+                <a:latin typeface="Noto Sans Arabic"/>
+                <a:ea typeface="Noto Sans Arabic"/>
+                <a:cs typeface="Noto Sans Arabic"/>
+                <a:sym typeface="Noto Sans Arabic"/>
                 <a:rtl val="true"/>
               </a:rPr>
-              <a:t>ﺗﺎرﻳﺦ اﻟﺪﺧﻮل</a:t>
-            </a:r>
-          </a:p>
-        </p:txBody>
-      </p:sp>
-      <p:sp>
-        <p:nvSpPr>
-          <p:cNvPr name="TextBox 65" id="65"/>
-          <p:cNvSpPr txBox="true"/>
-          <p:nvPr/>
-        </p:nvSpPr>
-        <p:spPr>
-          <a:xfrm rot="0">
-            <a:off x="6066225" y="3566227"/>
-            <a:ext cx="22660" cy="219799"/>
-          </a:xfrm>
-          <a:prstGeom prst="rect">
-            <a:avLst/>
-          </a:prstGeom>
-        </p:spPr>
-        <p:txBody>
-          <a:bodyPr anchor="t" rtlCol="false" tIns="0" lIns="0" bIns="0" rIns="0">
-            <a:spAutoFit/>
-          </a:bodyPr>
-          <a:lstStyle/>
-          <a:p>
-            <a:pPr algn="l">
-              <a:lnSpc>
-                <a:spcPts val="2005"/>
-              </a:lnSpc>
-            </a:pPr>
-            <a:r>
-              <a:rPr lang="en-US" b="true" sz="802" spc="2">
-                <a:solidFill>
-                  <a:srgbClr val="000000"/>
-                </a:solidFill>
-                <a:latin typeface="Cairo Semi-Bold"/>
-                <a:ea typeface="Cairo Semi-Bold"/>
-                <a:cs typeface="Cairo Semi-Bold"/>
-                <a:sym typeface="Cairo Semi-Bold"/>
-              </a:rPr>
-              <a:t> </a:t>
-            </a:r>
-          </a:p>
-        </p:txBody>
-      </p:sp>
-      <p:sp>
-        <p:nvSpPr>
-          <p:cNvPr name="TextBox 66" id="66"/>
-          <p:cNvSpPr txBox="true"/>
-          <p:nvPr/>
-        </p:nvSpPr>
-        <p:spPr>
-          <a:xfrm rot="0">
-            <a:off x="6292310" y="3944931"/>
-            <a:ext cx="526790" cy="226981"/>
-          </a:xfrm>
-          <a:prstGeom prst="rect">
-            <a:avLst/>
-          </a:prstGeom>
-        </p:spPr>
-        <p:txBody>
-          <a:bodyPr anchor="t" rtlCol="false" tIns="0" lIns="0" bIns="0" rIns="0">
-            <a:spAutoFit/>
-          </a:bodyPr>
-          <a:lstStyle/>
-          <a:p>
-            <a:pPr algn="l" rtl="true">
-              <a:lnSpc>
-                <a:spcPts val="2131"/>
-              </a:lnSpc>
-            </a:pPr>
-            <a:r>
-              <a:rPr lang="ar-EG" b="true" sz="852" spc="2">
-                <a:solidFill>
-                  <a:srgbClr val="366FB5"/>
-                </a:solidFill>
-                <a:latin typeface="Cairo Semi-Bold"/>
-                <a:ea typeface="Cairo Semi-Bold"/>
-                <a:cs typeface="Cairo Semi-Bold"/>
-                <a:sym typeface="Cairo Semi-Bold"/>
-                <a:rtl val="true"/>
-              </a:rPr>
-              <a:t>ﺗﺎرﻳﺦ اﻟﺨﺮوج</a:t>
-            </a:r>
-          </a:p>
-        </p:txBody>
-      </p:sp>
-      <p:sp>
-        <p:nvSpPr>
-          <p:cNvPr name="TextBox 67" id="67"/>
-          <p:cNvSpPr txBox="true"/>
-          <p:nvPr/>
-        </p:nvSpPr>
-        <p:spPr>
-          <a:xfrm rot="0">
-            <a:off x="6063044" y="3948351"/>
-            <a:ext cx="22660" cy="219799"/>
-          </a:xfrm>
-          <a:prstGeom prst="rect">
-            <a:avLst/>
-          </a:prstGeom>
-        </p:spPr>
-        <p:txBody>
-          <a:bodyPr anchor="t" rtlCol="false" tIns="0" lIns="0" bIns="0" rIns="0">
-            <a:spAutoFit/>
-          </a:bodyPr>
-          <a:lstStyle/>
-          <a:p>
-            <a:pPr algn="l">
-              <a:lnSpc>
-                <a:spcPts val="2005"/>
-              </a:lnSpc>
-            </a:pPr>
-            <a:r>
-              <a:rPr lang="en-US" b="true" sz="802" spc="2">
-                <a:solidFill>
-                  <a:srgbClr val="000000"/>
-                </a:solidFill>
-                <a:latin typeface="Cairo Semi-Bold"/>
-                <a:ea typeface="Cairo Semi-Bold"/>
-                <a:cs typeface="Cairo Semi-Bold"/>
-                <a:sym typeface="Cairo Semi-Bold"/>
-              </a:rPr>
-              <a:t> </a:t>
-            </a:r>
-          </a:p>
-        </p:txBody>
-      </p:sp>
-      <p:sp>
-        <p:nvSpPr>
-          <p:cNvPr name="TextBox 68" id="68"/>
-          <p:cNvSpPr txBox="true"/>
-          <p:nvPr/>
-        </p:nvSpPr>
-        <p:spPr>
-          <a:xfrm rot="0">
-            <a:off x="6113631" y="4327055"/>
-            <a:ext cx="905389" cy="226981"/>
-          </a:xfrm>
-          <a:prstGeom prst="rect">
-            <a:avLst/>
-          </a:prstGeom>
-        </p:spPr>
-        <p:txBody>
-          <a:bodyPr anchor="t" rtlCol="false" tIns="0" lIns="0" bIns="0" rIns="0">
-            <a:spAutoFit/>
-          </a:bodyPr>
-          <a:lstStyle/>
-          <a:p>
-            <a:pPr algn="l" rtl="true">
-              <a:lnSpc>
-                <a:spcPts val="2131"/>
-              </a:lnSpc>
-            </a:pPr>
-            <a:r>
-              <a:rPr lang="ar-EG" b="true" sz="852" spc="5">
-                <a:solidFill>
-                  <a:srgbClr val="366FB5"/>
-                </a:solidFill>
-                <a:latin typeface="Cairo Semi-Bold"/>
-                <a:ea typeface="Cairo Semi-Bold"/>
-                <a:cs typeface="Cairo Semi-Bold"/>
-                <a:sym typeface="Cairo Semi-Bold"/>
-                <a:rtl val="true"/>
-              </a:rPr>
-              <a:t>ﺗﺎرﻳﺦ اﺻﺪار اﻟﺘﻘﺮﻳﺮ</a:t>
-            </a:r>
-            <a:r>
-              <a:rPr lang="ar-EG" b="true" sz="852" spc="5">
-                <a:solidFill>
-                  <a:srgbClr val="000000"/>
-                </a:solidFill>
-                <a:latin typeface="Cairo Semi-Bold"/>
-                <a:ea typeface="Cairo Semi-Bold"/>
-                <a:cs typeface="Cairo Semi-Bold"/>
-                <a:sym typeface="Cairo Semi-Bold"/>
-                <a:rtl val="true"/>
-              </a:rPr>
-              <a:t> </a:t>
-            </a:r>
-          </a:p>
-        </p:txBody>
-      </p:sp>
-      <p:sp>
-        <p:nvSpPr>
-          <p:cNvPr name="TextBox 69" id="69"/>
-          <p:cNvSpPr txBox="true"/>
-          <p:nvPr/>
-        </p:nvSpPr>
-        <p:spPr>
-          <a:xfrm rot="0">
-            <a:off x="6426060" y="4709179"/>
-            <a:ext cx="263166" cy="226981"/>
-          </a:xfrm>
-          <a:prstGeom prst="rect">
-            <a:avLst/>
-          </a:prstGeom>
-        </p:spPr>
-        <p:txBody>
-          <a:bodyPr anchor="t" rtlCol="false" tIns="0" lIns="0" bIns="0" rIns="0">
-            <a:spAutoFit/>
-          </a:bodyPr>
-          <a:lstStyle/>
-          <a:p>
-            <a:pPr algn="l" rtl="true">
-              <a:lnSpc>
-                <a:spcPts val="2131"/>
-              </a:lnSpc>
-            </a:pPr>
-            <a:r>
-              <a:rPr lang="ar-EG" b="true" sz="852" spc="4">
-                <a:solidFill>
-                  <a:srgbClr val="366FB5"/>
-                </a:solidFill>
-                <a:latin typeface="Cairo Semi-Bold"/>
-                <a:ea typeface="Cairo Semi-Bold"/>
-                <a:cs typeface="Cairo Semi-Bold"/>
-                <a:sym typeface="Cairo Semi-Bold"/>
-                <a:rtl val="true"/>
-              </a:rPr>
-              <a:t>اﻻﺳﻢ</a:t>
-            </a:r>
-          </a:p>
-        </p:txBody>
-      </p:sp>
-      <p:sp>
-        <p:nvSpPr>
-          <p:cNvPr name="TextBox 70" id="70"/>
-          <p:cNvSpPr txBox="true"/>
-          <p:nvPr/>
-        </p:nvSpPr>
-        <p:spPr>
-          <a:xfrm rot="0">
-            <a:off x="6069406" y="4712599"/>
-            <a:ext cx="22660" cy="219799"/>
-          </a:xfrm>
-          <a:prstGeom prst="rect">
-            <a:avLst/>
-          </a:prstGeom>
-        </p:spPr>
-        <p:txBody>
-          <a:bodyPr anchor="t" rtlCol="false" tIns="0" lIns="0" bIns="0" rIns="0">
-            <a:spAutoFit/>
-          </a:bodyPr>
-          <a:lstStyle/>
-          <a:p>
-            <a:pPr algn="l">
-              <a:lnSpc>
-                <a:spcPts val="2005"/>
-              </a:lnSpc>
-            </a:pPr>
-            <a:r>
-              <a:rPr lang="en-US" b="true" sz="802" spc="4">
-                <a:solidFill>
-                  <a:srgbClr val="000000"/>
-                </a:solidFill>
-                <a:latin typeface="Cairo Semi-Bold"/>
-                <a:ea typeface="Cairo Semi-Bold"/>
-                <a:cs typeface="Cairo Semi-Bold"/>
-                <a:sym typeface="Cairo Semi-Bold"/>
-              </a:rPr>
-              <a:t> </a:t>
-            </a:r>
-          </a:p>
-        </p:txBody>
-      </p:sp>
-      <p:sp>
-        <p:nvSpPr>
-          <p:cNvPr name="TextBox 71" id="71"/>
-          <p:cNvSpPr txBox="true"/>
-          <p:nvPr/>
-        </p:nvSpPr>
-        <p:spPr>
-          <a:xfrm rot="0">
-            <a:off x="6081222" y="5097675"/>
-            <a:ext cx="949071" cy="226981"/>
-          </a:xfrm>
-          <a:prstGeom prst="rect">
-            <a:avLst/>
-          </a:prstGeom>
-        </p:spPr>
-        <p:txBody>
-          <a:bodyPr anchor="t" rtlCol="false" tIns="0" lIns="0" bIns="0" rIns="0">
-            <a:spAutoFit/>
-          </a:bodyPr>
-          <a:lstStyle/>
-          <a:p>
-            <a:pPr algn="l" rtl="true">
-              <a:lnSpc>
-                <a:spcPts val="2131"/>
-              </a:lnSpc>
-            </a:pPr>
-            <a:r>
-              <a:rPr lang="ar-EG" b="true" sz="852" spc="2">
-                <a:solidFill>
-                  <a:srgbClr val="366FB5"/>
-                </a:solidFill>
-                <a:latin typeface="Cairo Semi-Bold"/>
-                <a:ea typeface="Cairo Semi-Bold"/>
-                <a:cs typeface="Cairo Semi-Bold"/>
-                <a:sym typeface="Cairo Semi-Bold"/>
-                <a:rtl val="true"/>
-              </a:rPr>
-              <a:t>رﻗﻢ اﻟﻬﻮﻳﺔ/اﻹﻗﺎﻣﺔ</a:t>
-            </a:r>
-            <a:r>
-              <a:rPr lang="ar-EG" b="true" sz="852" spc="2">
-                <a:solidFill>
-                  <a:srgbClr val="000000"/>
-                </a:solidFill>
-                <a:latin typeface="Cairo Semi-Bold"/>
-                <a:ea typeface="Cairo Semi-Bold"/>
-                <a:cs typeface="Cairo Semi-Bold"/>
-                <a:sym typeface="Cairo Semi-Bold"/>
-                <a:rtl val="true"/>
-              </a:rPr>
-              <a:t> </a:t>
-            </a:r>
-          </a:p>
-        </p:txBody>
-      </p:sp>
-      <p:sp>
-        <p:nvSpPr>
-          <p:cNvPr name="TextBox 72" id="72"/>
-          <p:cNvSpPr txBox="true"/>
-          <p:nvPr/>
-        </p:nvSpPr>
-        <p:spPr>
-          <a:xfrm rot="0">
-            <a:off x="6368739" y="5479799"/>
-            <a:ext cx="379895" cy="226981"/>
-          </a:xfrm>
-          <a:prstGeom prst="rect">
-            <a:avLst/>
-          </a:prstGeom>
-        </p:spPr>
-        <p:txBody>
-          <a:bodyPr anchor="t" rtlCol="false" tIns="0" lIns="0" bIns="0" rIns="0">
-            <a:spAutoFit/>
-          </a:bodyPr>
-          <a:lstStyle/>
-          <a:p>
-            <a:pPr algn="l" rtl="true">
-              <a:lnSpc>
-                <a:spcPts val="2131"/>
-              </a:lnSpc>
-            </a:pPr>
-            <a:r>
-              <a:rPr lang="ar-EG" b="true" sz="852" spc="3">
-                <a:solidFill>
-                  <a:srgbClr val="366FB5"/>
-                </a:solidFill>
-                <a:latin typeface="Cairo Semi-Bold"/>
-                <a:ea typeface="Cairo Semi-Bold"/>
-                <a:cs typeface="Cairo Semi-Bold"/>
-                <a:sym typeface="Cairo Semi-Bold"/>
-                <a:rtl val="true"/>
-              </a:rPr>
-              <a:t>اﻟﺠﻨﺴﻴﺔ</a:t>
-            </a:r>
-          </a:p>
-        </p:txBody>
-      </p:sp>
-      <p:sp>
-        <p:nvSpPr>
-          <p:cNvPr name="TextBox 73" id="73"/>
-          <p:cNvSpPr txBox="true"/>
-          <p:nvPr/>
-        </p:nvSpPr>
-        <p:spPr>
-          <a:xfrm rot="0">
-            <a:off x="6066225" y="5483219"/>
-            <a:ext cx="22660" cy="219799"/>
-          </a:xfrm>
-          <a:prstGeom prst="rect">
-            <a:avLst/>
-          </a:prstGeom>
-        </p:spPr>
-        <p:txBody>
-          <a:bodyPr anchor="t" rtlCol="false" tIns="0" lIns="0" bIns="0" rIns="0">
-            <a:spAutoFit/>
-          </a:bodyPr>
-          <a:lstStyle/>
-          <a:p>
-            <a:pPr algn="l">
-              <a:lnSpc>
-                <a:spcPts val="2005"/>
-              </a:lnSpc>
-            </a:pPr>
-            <a:r>
-              <a:rPr lang="en-US" b="true" sz="802" spc="3">
-                <a:solidFill>
-                  <a:srgbClr val="000000"/>
-                </a:solidFill>
-                <a:latin typeface="Cairo Semi-Bold"/>
-                <a:ea typeface="Cairo Semi-Bold"/>
-                <a:cs typeface="Cairo Semi-Bold"/>
-                <a:sym typeface="Cairo Semi-Bold"/>
-              </a:rPr>
-              <a:t> </a:t>
-            </a:r>
-          </a:p>
-        </p:txBody>
-      </p:sp>
-      <p:sp>
-        <p:nvSpPr>
-          <p:cNvPr name="TextBox 74" id="74"/>
-          <p:cNvSpPr txBox="true"/>
-          <p:nvPr/>
-        </p:nvSpPr>
-        <p:spPr>
-          <a:xfrm rot="0">
-            <a:off x="6295501" y="5861923"/>
-            <a:ext cx="529819" cy="226981"/>
-          </a:xfrm>
-          <a:prstGeom prst="rect">
-            <a:avLst/>
-          </a:prstGeom>
-        </p:spPr>
-        <p:txBody>
-          <a:bodyPr anchor="t" rtlCol="false" tIns="0" lIns="0" bIns="0" rIns="0">
-            <a:spAutoFit/>
-          </a:bodyPr>
-          <a:lstStyle/>
-          <a:p>
-            <a:pPr algn="l" rtl="true">
-              <a:lnSpc>
-                <a:spcPts val="2131"/>
-              </a:lnSpc>
-            </a:pPr>
-            <a:r>
-              <a:rPr lang="ar-EG" b="true" sz="852" spc="3">
-                <a:solidFill>
-                  <a:srgbClr val="366FB5"/>
-                </a:solidFill>
-                <a:latin typeface="Cairo Semi-Bold"/>
-                <a:ea typeface="Cairo Semi-Bold"/>
-                <a:cs typeface="Cairo Semi-Bold"/>
-                <a:sym typeface="Cairo Semi-Bold"/>
-                <a:rtl val="true"/>
-              </a:rPr>
-              <a:t>ﺟﻬﺔ اﻟﻌﻤﻞ</a:t>
-            </a:r>
-          </a:p>
-        </p:txBody>
-      </p:sp>
-      <p:sp>
-        <p:nvSpPr>
-          <p:cNvPr name="TextBox 75" id="75"/>
-          <p:cNvSpPr txBox="true"/>
-          <p:nvPr/>
-        </p:nvSpPr>
-        <p:spPr>
-          <a:xfrm rot="0">
-            <a:off x="6066225" y="5865343"/>
-            <a:ext cx="22660" cy="219799"/>
-          </a:xfrm>
-          <a:prstGeom prst="rect">
-            <a:avLst/>
-          </a:prstGeom>
-        </p:spPr>
-        <p:txBody>
-          <a:bodyPr anchor="t" rtlCol="false" tIns="0" lIns="0" bIns="0" rIns="0">
-            <a:spAutoFit/>
-          </a:bodyPr>
-          <a:lstStyle/>
-          <a:p>
-            <a:pPr algn="l">
-              <a:lnSpc>
-                <a:spcPts val="2005"/>
-              </a:lnSpc>
-            </a:pPr>
-            <a:r>
-              <a:rPr lang="en-US" b="true" sz="802" spc="3">
-                <a:solidFill>
-                  <a:srgbClr val="000000"/>
-                </a:solidFill>
-                <a:latin typeface="Cairo Semi-Bold"/>
-                <a:ea typeface="Cairo Semi-Bold"/>
-                <a:cs typeface="Cairo Semi-Bold"/>
-                <a:sym typeface="Cairo Semi-Bold"/>
-              </a:rPr>
-              <a:t> </a:t>
-            </a:r>
-          </a:p>
-        </p:txBody>
-      </p:sp>
-      <p:sp>
-        <p:nvSpPr>
-          <p:cNvPr name="TextBox 76" id="76"/>
-          <p:cNvSpPr txBox="true"/>
-          <p:nvPr/>
-        </p:nvSpPr>
-        <p:spPr>
-          <a:xfrm rot="0">
-            <a:off x="6059853" y="6244047"/>
-            <a:ext cx="959168" cy="234697"/>
-          </a:xfrm>
-          <a:prstGeom prst="rect">
-            <a:avLst/>
-          </a:prstGeom>
-        </p:spPr>
-        <p:txBody>
-          <a:bodyPr anchor="t" rtlCol="false" tIns="0" lIns="0" bIns="0" rIns="0">
-            <a:spAutoFit/>
-          </a:bodyPr>
-          <a:lstStyle/>
-          <a:p>
-            <a:pPr algn="r">
-              <a:lnSpc>
-                <a:spcPts val="2131"/>
-              </a:lnSpc>
-            </a:pPr>
-            <a:r>
-              <a:rPr lang="ar-EG" b="true" sz="852" spc="9">
-                <a:solidFill>
-                  <a:srgbClr val="366FB5"/>
-                </a:solidFill>
-                <a:latin typeface="Cairo Semi-Bold"/>
-                <a:ea typeface="Cairo Semi-Bold"/>
-                <a:cs typeface="Cairo Semi-Bold"/>
-                <a:sym typeface="Cairo Semi-Bold"/>
-                <a:rtl val="true"/>
-              </a:rPr>
-              <a:t>اﺳﻢ اﻟﻄﺒﻴﺐ اﻟﻤﻌﺎﻟﺞ</a:t>
-            </a:r>
-            <a:r>
-              <a:rPr lang="en-US" b="true" sz="852" spc="9">
-                <a:solidFill>
-                  <a:srgbClr val="000000"/>
-                </a:solidFill>
-                <a:latin typeface="Cairo Semi-Bold"/>
-                <a:ea typeface="Cairo Semi-Bold"/>
-                <a:cs typeface="Cairo Semi-Bold"/>
-                <a:sym typeface="Cairo Semi-Bold"/>
-              </a:rPr>
-              <a:t> </a:t>
-            </a:r>
-          </a:p>
-        </p:txBody>
-      </p:sp>
-      <p:sp>
-        <p:nvSpPr>
-          <p:cNvPr name="TextBox 77" id="77"/>
-          <p:cNvSpPr txBox="true"/>
-          <p:nvPr/>
-        </p:nvSpPr>
-        <p:spPr>
-          <a:xfrm rot="0">
-            <a:off x="6102367" y="6632543"/>
-            <a:ext cx="932469" cy="226981"/>
-          </a:xfrm>
-          <a:prstGeom prst="rect">
-            <a:avLst/>
-          </a:prstGeom>
-        </p:spPr>
-        <p:txBody>
-          <a:bodyPr anchor="t" rtlCol="false" tIns="0" lIns="0" bIns="0" rIns="0">
-            <a:spAutoFit/>
-          </a:bodyPr>
-          <a:lstStyle/>
-          <a:p>
-            <a:pPr algn="l" rtl="true">
-              <a:lnSpc>
-                <a:spcPts val="2131"/>
-              </a:lnSpc>
-            </a:pPr>
-            <a:r>
-              <a:rPr lang="ar-EG" b="true" sz="852" spc="3">
-                <a:solidFill>
-                  <a:srgbClr val="366FB5"/>
-                </a:solidFill>
-                <a:latin typeface="Cairo Semi-Bold"/>
-                <a:ea typeface="Cairo Semi-Bold"/>
-                <a:cs typeface="Cairo Semi-Bold"/>
-                <a:sym typeface="Cairo Semi-Bold"/>
-                <a:rtl val="true"/>
-              </a:rPr>
-              <a:t>اﻟﻤﺴﻤﻰ اﻟﻮﻇﻴﻔﻲ</a:t>
-            </a:r>
-            <a:r>
-              <a:rPr lang="ar-EG" b="true" sz="852" spc="3">
-                <a:solidFill>
-                  <a:srgbClr val="000000"/>
-                </a:solidFill>
-                <a:latin typeface="Cairo Semi-Bold"/>
-                <a:ea typeface="Cairo Semi-Bold"/>
-                <a:cs typeface="Cairo Semi-Bold"/>
-                <a:sym typeface="Cairo Semi-Bold"/>
-                <a:rtl val="true"/>
-              </a:rPr>
-              <a:t> </a:t>
-            </a:r>
-          </a:p>
-        </p:txBody>
-      </p:sp>
-      <p:sp>
-        <p:nvSpPr>
-          <p:cNvPr name="TextBox 78" id="78"/>
-          <p:cNvSpPr txBox="true"/>
-          <p:nvPr/>
-        </p:nvSpPr>
-        <p:spPr>
-          <a:xfrm rot="0">
-            <a:off x="1385573" y="4805397"/>
-            <a:ext cx="2394427" cy="127000"/>
-          </a:xfrm>
-          <a:prstGeom prst="rect">
-            <a:avLst/>
-          </a:prstGeom>
-        </p:spPr>
-        <p:txBody>
-          <a:bodyPr anchor="t" rtlCol="false" tIns="0" lIns="0" bIns="0" rIns="0">
-            <a:spAutoFit/>
-          </a:bodyPr>
-          <a:lstStyle/>
-          <a:p>
-            <a:pPr algn="ctr">
-              <a:lnSpc>
-                <a:spcPts val="1050"/>
-              </a:lnSpc>
-            </a:pPr>
-            <a:r>
-              <a:rPr lang="en-US" b="true" sz="750" spc="3">
-                <a:solidFill>
-                  <a:srgbClr val="2C3E77"/>
-                </a:solidFill>
-                <a:latin typeface="Cairo Semi-Bold"/>
-                <a:ea typeface="Cairo Semi-Bold"/>
-                <a:cs typeface="Cairo Semi-Bold"/>
-                <a:sym typeface="Cairo Semi-Bold"/>
-              </a:rPr>
-              <a:t>{{NAME_EN}}</a:t>
-            </a:r>
-          </a:p>
-        </p:txBody>
-      </p:sp>
-      <p:sp>
-        <p:nvSpPr>
-          <p:cNvPr name="TextBox 79" id="79"/>
-          <p:cNvSpPr txBox="true"/>
-          <p:nvPr/>
-        </p:nvSpPr>
-        <p:spPr>
-          <a:xfrm rot="0">
-            <a:off x="3757927" y="6332792"/>
-            <a:ext cx="2336959" cy="127000"/>
-          </a:xfrm>
-          <a:prstGeom prst="rect">
-            <a:avLst/>
-          </a:prstGeom>
-        </p:spPr>
-        <p:txBody>
-          <a:bodyPr anchor="t" rtlCol="false" tIns="0" lIns="0" bIns="0" rIns="0">
-            <a:spAutoFit/>
-          </a:bodyPr>
-          <a:lstStyle/>
-          <a:p>
-            <a:pPr algn="ctr">
-              <a:lnSpc>
-                <a:spcPts val="1050"/>
-              </a:lnSpc>
-            </a:pPr>
-            <a:r>
-              <a:rPr lang="en-US" b="true" sz="750" spc="3">
-                <a:solidFill>
-                  <a:srgbClr val="2C3E77"/>
-                </a:solidFill>
-                <a:latin typeface="Cairo Semi-Bold"/>
-                <a:ea typeface="Cairo Semi-Bold"/>
-                <a:cs typeface="Cairo Semi-Bold"/>
-                <a:sym typeface="Cairo Semi-Bold"/>
-              </a:rPr>
-              <a:t>{{DOCTOR_NAME_AR}}</a:t>
-            </a:r>
-          </a:p>
-        </p:txBody>
-      </p:sp>
-      <p:sp>
-        <p:nvSpPr>
-          <p:cNvPr name="TextBox 80" id="80"/>
-          <p:cNvSpPr txBox="true"/>
-          <p:nvPr/>
-        </p:nvSpPr>
-        <p:spPr>
-          <a:xfrm rot="0">
-            <a:off x="3780000" y="4792161"/>
-            <a:ext cx="2308885" cy="127714"/>
-          </a:xfrm>
-          <a:prstGeom prst="rect">
-            <a:avLst/>
-          </a:prstGeom>
-        </p:spPr>
-        <p:txBody>
-          <a:bodyPr anchor="t" rtlCol="false" tIns="0" lIns="0" bIns="0" rIns="0">
-            <a:spAutoFit/>
-          </a:bodyPr>
-          <a:lstStyle/>
-          <a:p>
-            <a:pPr algn="ctr">
-              <a:lnSpc>
-                <a:spcPts val="1056"/>
-              </a:lnSpc>
-            </a:pPr>
-            <a:r>
-              <a:rPr lang="en-US" b="true" sz="754" spc="2">
-                <a:solidFill>
-                  <a:srgbClr val="2C3E77"/>
-                </a:solidFill>
-                <a:latin typeface="Cairo Semi-Bold"/>
-                <a:ea typeface="Cairo Semi-Bold"/>
-                <a:cs typeface="Cairo Semi-Bold"/>
-                <a:sym typeface="Cairo Semi-Bold"/>
-              </a:rPr>
-              <a:t>{{NAME_AR}}</a:t>
-            </a:r>
-          </a:p>
-        </p:txBody>
-      </p:sp>
-      <p:sp>
-        <p:nvSpPr>
-          <p:cNvPr name="TextBox 81" id="81"/>
-          <p:cNvSpPr txBox="true"/>
-          <p:nvPr/>
-        </p:nvSpPr>
-        <p:spPr>
-          <a:xfrm rot="0">
-            <a:off x="289779" y="8136445"/>
-            <a:ext cx="2582828" cy="179175"/>
-          </a:xfrm>
-          <a:prstGeom prst="rect">
-            <a:avLst/>
-          </a:prstGeom>
-        </p:spPr>
-        <p:txBody>
-          <a:bodyPr anchor="t" rtlCol="false" tIns="0" lIns="0" bIns="0" rIns="0">
-            <a:spAutoFit/>
-          </a:bodyPr>
-          <a:lstStyle/>
-          <a:p>
-            <a:pPr algn="l" rtl="true">
-              <a:lnSpc>
-                <a:spcPts val="1629"/>
-              </a:lnSpc>
-            </a:pPr>
-            <a:r>
-              <a:rPr lang="ar-EG" b="true" sz="651" spc="2">
-                <a:solidFill>
-                  <a:srgbClr val="000000"/>
-                </a:solidFill>
-                <a:latin typeface="Cairo Semi-Bold"/>
-                <a:ea typeface="Cairo Semi-Bold"/>
-                <a:cs typeface="Cairo Semi-Bold"/>
-                <a:sym typeface="Cairo Semi-Bold"/>
-                <a:rtl val="true"/>
-              </a:rPr>
-              <a:t>ﻟﻠﺘﺤﻘﻖ ﻣﻦ ﺑﻴﺎﻧﺎت اﻟﺘﻘﺮﻳﺮ ﻳﺮﺟﻰ اﻟﺘﺄﻛﺪ ﻣﻦ زﻳﺎرة ﻣﻮﻗﻊ ﻣﻨﺼﺔ ﺻﺤﺔ اﻟﺮﺳﻤﻲ </a:t>
-            </a:r>
-          </a:p>
-        </p:txBody>
-      </p:sp>
-      <p:sp>
-        <p:nvSpPr>
-          <p:cNvPr name="TextBox 82" id="82"/>
-          <p:cNvSpPr txBox="true"/>
-          <p:nvPr/>
-        </p:nvSpPr>
-        <p:spPr>
-          <a:xfrm rot="0">
-            <a:off x="614582" y="8359350"/>
-            <a:ext cx="1922193" cy="179175"/>
-          </a:xfrm>
-          <a:prstGeom prst="rect">
-            <a:avLst/>
-          </a:prstGeom>
-        </p:spPr>
-        <p:txBody>
-          <a:bodyPr anchor="t" rtlCol="false" tIns="0" lIns="0" bIns="0" rIns="0">
-            <a:spAutoFit/>
-          </a:bodyPr>
-          <a:lstStyle/>
-          <a:p>
-            <a:pPr algn="l">
-              <a:lnSpc>
-                <a:spcPts val="1629"/>
-              </a:lnSpc>
-            </a:pPr>
-            <a:r>
-              <a:rPr lang="en-US" b="true" sz="651" spc="1">
-                <a:solidFill>
-                  <a:srgbClr val="000000"/>
-                </a:solidFill>
-                <a:latin typeface="Cairo Semi-Bold"/>
-                <a:ea typeface="Cairo Semi-Bold"/>
-                <a:cs typeface="Cairo Semi-Bold"/>
-                <a:sym typeface="Cairo Semi-Bold"/>
-              </a:rPr>
-              <a:t> Tocheckthereportplease visit Seha's offical website</a:t>
-            </a:r>
-          </a:p>
-        </p:txBody>
-      </p:sp>
-      <p:sp>
-        <p:nvSpPr>
-          <p:cNvPr name="TextBox 83" id="83"/>
-          <p:cNvSpPr txBox="true"/>
-          <p:nvPr/>
-        </p:nvSpPr>
-        <p:spPr>
-          <a:xfrm rot="0">
-            <a:off x="4636446" y="8391383"/>
-            <a:ext cx="2923554" cy="146162"/>
-          </a:xfrm>
-          <a:prstGeom prst="rect">
-            <a:avLst/>
-          </a:prstGeom>
-        </p:spPr>
-        <p:txBody>
-          <a:bodyPr anchor="t" rtlCol="false" tIns="0" lIns="0" bIns="0" rIns="0">
-            <a:spAutoFit/>
-          </a:bodyPr>
-          <a:lstStyle/>
-          <a:p>
-            <a:pPr algn="ctr" rtl="true">
-              <a:lnSpc>
-                <a:spcPts val="1249"/>
-              </a:lnSpc>
-            </a:pPr>
-            <a:r>
-              <a:rPr lang="ar-EG" b="true" sz="650" spc="1">
-                <a:solidFill>
-                  <a:srgbClr val="000000"/>
-                </a:solidFill>
-                <a:latin typeface="Cairo Semi-Bold"/>
-                <a:ea typeface="Cairo Semi-Bold"/>
-                <a:cs typeface="Cairo Semi-Bold"/>
-                <a:sym typeface="Cairo Semi-Bold"/>
-                <a:rtl val="true"/>
-              </a:rPr>
-              <a:t>رﻗﻢ اﻟﱰﺧﻴﺺ : </a:t>
-            </a:r>
-            <a:r>
-              <a:rPr lang="en-US" b="true" sz="650" spc="1">
-                <a:solidFill>
-                  <a:srgbClr val="000000"/>
-                </a:solidFill>
-                <a:latin typeface="Cairo Semi-Bold"/>
-                <a:ea typeface="Cairo Semi-Bold"/>
-                <a:cs typeface="Cairo Semi-Bold"/>
-                <a:sym typeface="Cairo Semi-Bold"/>
-              </a:rPr>
-              <a:t>1410101201200270</a:t>
-            </a:r>
-          </a:p>
-        </p:txBody>
-      </p:sp>
-      <p:sp>
-        <p:nvSpPr>
-          <p:cNvPr name="TextBox 84" id="84"/>
-          <p:cNvSpPr txBox="true"/>
-          <p:nvPr/>
-        </p:nvSpPr>
-        <p:spPr>
-          <a:xfrm rot="0">
-            <a:off x="3133420" y="607228"/>
-            <a:ext cx="1210713" cy="148447"/>
-          </a:xfrm>
-          <a:prstGeom prst="rect">
-            <a:avLst/>
-          </a:prstGeom>
-        </p:spPr>
-        <p:txBody>
-          <a:bodyPr anchor="t" rtlCol="false" tIns="0" lIns="0" bIns="0" rIns="0">
-            <a:spAutoFit/>
-          </a:bodyPr>
-          <a:lstStyle/>
-          <a:p>
-            <a:pPr algn="l">
-              <a:lnSpc>
-                <a:spcPts val="1263"/>
-              </a:lnSpc>
-            </a:pPr>
-            <a:r>
-              <a:rPr lang="en-US" b="true" sz="902" spc="2">
-                <a:solidFill>
-                  <a:srgbClr val="000000"/>
-                </a:solidFill>
-                <a:latin typeface="Cairo Semi-Bold"/>
-                <a:ea typeface="Cairo Semi-Bold"/>
-                <a:cs typeface="Cairo Semi-Bold"/>
-                <a:sym typeface="Cairo Semi-Bold"/>
-              </a:rPr>
-              <a:t>Kingdom of Saudi Arabia</a:t>
-            </a:r>
-          </a:p>
-        </p:txBody>
-      </p:sp>
-      <p:sp>
-        <p:nvSpPr>
-          <p:cNvPr name="TextBox 85" id="85"/>
-          <p:cNvSpPr txBox="true"/>
-          <p:nvPr/>
-        </p:nvSpPr>
-        <p:spPr>
-          <a:xfrm rot="0">
-            <a:off x="5667951" y="3184103"/>
-            <a:ext cx="258013" cy="1046712"/>
-          </a:xfrm>
-          <a:prstGeom prst="rect">
-            <a:avLst/>
-          </a:prstGeom>
-        </p:spPr>
-        <p:txBody>
-          <a:bodyPr anchor="t" rtlCol="false" tIns="0" lIns="0" bIns="0" rIns="0">
-            <a:spAutoFit/>
-          </a:bodyPr>
-          <a:lstStyle/>
-          <a:p>
-            <a:pPr algn="ctr">
-              <a:lnSpc>
-                <a:spcPts val="2131"/>
-              </a:lnSpc>
-            </a:pPr>
-            <a:r>
-              <a:rPr lang="en-US" b="true" sz="852">
-                <a:solidFill>
-                  <a:srgbClr val="FFFFFF"/>
-                </a:solidFill>
-                <a:latin typeface="Cairo Semi-Bold"/>
-                <a:ea typeface="Cairo Semi-Bold"/>
-                <a:cs typeface="Cairo Semi-Bold"/>
-                <a:sym typeface="Cairo Semi-Bold"/>
-              </a:rPr>
-              <a:t>{{DAYS_COUNT}}</a:t>
-            </a:r>
-          </a:p>
-        </p:txBody>
-      </p:sp>
-      <p:sp>
-        <p:nvSpPr>
-          <p:cNvPr name="TextBox 86" id="86"/>
-          <p:cNvSpPr txBox="true"/>
-          <p:nvPr/>
-        </p:nvSpPr>
-        <p:spPr>
-          <a:xfrm rot="0">
-            <a:off x="2074612" y="3188074"/>
-            <a:ext cx="588702" cy="776040"/>
-          </a:xfrm>
-          <a:prstGeom prst="rect">
-            <a:avLst/>
-          </a:prstGeom>
-        </p:spPr>
-        <p:txBody>
-          <a:bodyPr anchor="t" rtlCol="false" tIns="0" lIns="0" bIns="0" rIns="0">
-            <a:spAutoFit/>
-          </a:bodyPr>
-          <a:lstStyle/>
-          <a:p>
-            <a:pPr algn="l">
-              <a:lnSpc>
-                <a:spcPts val="2131"/>
-              </a:lnSpc>
-            </a:pPr>
-            <a:r>
-              <a:rPr lang="en-US" b="true" sz="852" spc="2">
-                <a:solidFill>
-                  <a:srgbClr val="FFFFFF"/>
-                </a:solidFill>
-                <a:latin typeface="Cairo Semi-Bold"/>
-                <a:ea typeface="Cairo Semi-Bold"/>
-                <a:cs typeface="Cairo Semi-Bold"/>
-                <a:sym typeface="Cairo Semi-Bold"/>
-              </a:rPr>
-              <a:t>{{ENTRY_DATE_GREGORIAN}}</a:t>
-            </a:r>
-          </a:p>
-        </p:txBody>
-      </p:sp>
-      <p:sp>
-        <p:nvSpPr>
-          <p:cNvPr name="TextBox 87" id="87"/>
-          <p:cNvSpPr txBox="true"/>
-          <p:nvPr/>
-        </p:nvSpPr>
-        <p:spPr>
-          <a:xfrm rot="0">
-            <a:off x="2791870" y="3188074"/>
-            <a:ext cx="588702" cy="764126"/>
-          </a:xfrm>
-          <a:prstGeom prst="rect">
-            <a:avLst/>
-          </a:prstGeom>
-        </p:spPr>
-        <p:txBody>
-          <a:bodyPr anchor="t" rtlCol="false" tIns="0" lIns="0" bIns="0" rIns="0">
-            <a:spAutoFit/>
-          </a:bodyPr>
-          <a:lstStyle/>
-          <a:p>
-            <a:pPr algn="l">
-              <a:lnSpc>
-                <a:spcPts val="2131"/>
-              </a:lnSpc>
-            </a:pPr>
-            <a:r>
-              <a:rPr lang="en-US" b="true" sz="852" spc="2">
-                <a:solidFill>
-                  <a:srgbClr val="FFFFFF"/>
-                </a:solidFill>
-                <a:latin typeface="Cairo Semi-Bold"/>
-                <a:ea typeface="Cairo Semi-Bold"/>
-                <a:cs typeface="Cairo Semi-Bold"/>
-                <a:sym typeface="Cairo Semi-Bold"/>
-              </a:rPr>
-              <a:t>{{EXIT_DATE_GREGORIAN}}</a:t>
-            </a:r>
-          </a:p>
-        </p:txBody>
-      </p:sp>
-      <p:sp>
-        <p:nvSpPr>
-          <p:cNvPr name="TextBox 88" id="88"/>
-          <p:cNvSpPr txBox="true"/>
-          <p:nvPr/>
-        </p:nvSpPr>
-        <p:spPr>
-          <a:xfrm rot="0">
-            <a:off x="1637723" y="3180683"/>
-            <a:ext cx="258013" cy="1046712"/>
-          </a:xfrm>
-          <a:prstGeom prst="rect">
-            <a:avLst/>
-          </a:prstGeom>
-        </p:spPr>
-        <p:txBody>
-          <a:bodyPr anchor="t" rtlCol="false" tIns="0" lIns="0" bIns="0" rIns="0">
-            <a:spAutoFit/>
-          </a:bodyPr>
-          <a:lstStyle/>
-          <a:p>
-            <a:pPr algn="ctr">
-              <a:lnSpc>
-                <a:spcPts val="2131"/>
-              </a:lnSpc>
-            </a:pPr>
-            <a:r>
-              <a:rPr lang="en-US" b="true" sz="852">
-                <a:solidFill>
-                  <a:srgbClr val="FFFFFF"/>
-                </a:solidFill>
-                <a:latin typeface="Cairo Semi-Bold"/>
-                <a:ea typeface="Cairo Semi-Bold"/>
-                <a:cs typeface="Cairo Semi-Bold"/>
-                <a:sym typeface="Cairo Semi-Bold"/>
-              </a:rPr>
-              <a:t>{{DAYS_COUNT}}</a:t>
-            </a:r>
-          </a:p>
-        </p:txBody>
-      </p:sp>
-      <p:sp>
-        <p:nvSpPr>
-          <p:cNvPr name="TextBox 89" id="89"/>
-          <p:cNvSpPr txBox="true"/>
-          <p:nvPr/>
-        </p:nvSpPr>
-        <p:spPr>
-          <a:xfrm rot="0">
-            <a:off x="4655532" y="8075333"/>
-            <a:ext cx="2904468" cy="146162"/>
-          </a:xfrm>
-          <a:prstGeom prst="rect">
-            <a:avLst/>
-          </a:prstGeom>
-        </p:spPr>
-        <p:txBody>
-          <a:bodyPr anchor="t" rtlCol="false" tIns="0" lIns="0" bIns="0" rIns="0">
-            <a:spAutoFit/>
-          </a:bodyPr>
-          <a:lstStyle/>
-          <a:p>
-            <a:pPr algn="ctr">
-              <a:lnSpc>
-                <a:spcPts val="1249"/>
-              </a:lnSpc>
-            </a:pPr>
-            <a:r>
-              <a:rPr lang="en-US" b="true" sz="650" spc="1">
-                <a:solidFill>
-                  <a:srgbClr val="000000"/>
-                </a:solidFill>
-                <a:latin typeface="Cairo Semi-Bold"/>
-                <a:ea typeface="Cairo Semi-Bold"/>
-                <a:cs typeface="Cairo Semi-Bold"/>
-                <a:sym typeface="Cairo Semi-Bold"/>
-              </a:rPr>
-              <a:t>{{HOSPITAL_NAME_AR}}</a:t>
-            </a:r>
-          </a:p>
-        </p:txBody>
-      </p:sp>
-      <p:sp>
-        <p:nvSpPr>
-          <p:cNvPr name="TextBox 90" id="90"/>
-          <p:cNvSpPr txBox="true"/>
-          <p:nvPr/>
-        </p:nvSpPr>
-        <p:spPr>
-          <a:xfrm rot="0">
-            <a:off x="4642809" y="8235695"/>
-            <a:ext cx="2917191" cy="146162"/>
-          </a:xfrm>
-          <a:prstGeom prst="rect">
-            <a:avLst/>
-          </a:prstGeom>
-        </p:spPr>
-        <p:txBody>
-          <a:bodyPr anchor="t" rtlCol="false" tIns="0" lIns="0" bIns="0" rIns="0">
-            <a:spAutoFit/>
-          </a:bodyPr>
-          <a:lstStyle/>
-          <a:p>
-            <a:pPr algn="ctr">
-              <a:lnSpc>
-                <a:spcPts val="1249"/>
-              </a:lnSpc>
-            </a:pPr>
-            <a:r>
-              <a:rPr lang="en-US" b="true" sz="650" spc="1">
-                <a:solidFill>
-                  <a:srgbClr val="000000"/>
-                </a:solidFill>
-                <a:latin typeface="Cairo Semi-Bold"/>
-                <a:ea typeface="Cairo Semi-Bold"/>
-                <a:cs typeface="Cairo Semi-Bold"/>
-                <a:sym typeface="Cairo Semi-Bold"/>
-              </a:rPr>
-              <a:t>{{HOSPITAL_NAME_EN}}</a:t>
-            </a:r>
-          </a:p>
-        </p:txBody>
-      </p:sp>
-      <p:sp>
-        <p:nvSpPr>
-          <p:cNvPr name="TextBox 91" id="91"/>
-          <p:cNvSpPr txBox="true"/>
-          <p:nvPr/>
-        </p:nvSpPr>
-        <p:spPr>
-          <a:xfrm rot="0">
-            <a:off x="350282" y="9329624"/>
-            <a:ext cx="1625622" cy="137084"/>
-          </a:xfrm>
-          <a:prstGeom prst="rect">
-            <a:avLst/>
-          </a:prstGeom>
-        </p:spPr>
-        <p:txBody>
-          <a:bodyPr anchor="t" rtlCol="false" tIns="0" lIns="0" bIns="0" rIns="0">
-            <a:spAutoFit/>
-          </a:bodyPr>
-          <a:lstStyle/>
-          <a:p>
-            <a:pPr algn="l">
-              <a:lnSpc>
-                <a:spcPts val="1103"/>
-              </a:lnSpc>
-            </a:pPr>
-            <a:r>
-              <a:rPr lang="en-US" b="true" sz="802" spc="2">
-                <a:solidFill>
-                  <a:srgbClr val="000000"/>
-                </a:solidFill>
-                <a:latin typeface="Cairo Semi-Bold"/>
-                <a:ea typeface="Cairo Semi-Bold"/>
-                <a:cs typeface="Cairo Semi-Bold"/>
-                <a:sym typeface="Cairo Semi-Bold"/>
-              </a:rPr>
-              <a:t>{{PRINT_DATE}}</a:t>
-            </a:r>
-          </a:p>
-        </p:txBody>
-      </p:sp>
-      <p:sp>
-        <p:nvSpPr>
-          <p:cNvPr name="TextBox 92" id="92"/>
-          <p:cNvSpPr txBox="true"/>
-          <p:nvPr/>
-        </p:nvSpPr>
-        <p:spPr>
-          <a:xfrm rot="0">
-            <a:off x="350282" y="9056084"/>
-            <a:ext cx="855649" cy="227055"/>
-          </a:xfrm>
-          <a:prstGeom prst="rect">
-            <a:avLst/>
-          </a:prstGeom>
-        </p:spPr>
-        <p:txBody>
-          <a:bodyPr anchor="t" rtlCol="false" tIns="0" lIns="0" bIns="0" rIns="0">
-            <a:spAutoFit/>
-          </a:bodyPr>
-          <a:lstStyle/>
-          <a:p>
-            <a:pPr algn="l">
-              <a:lnSpc>
-                <a:spcPts val="2005"/>
-              </a:lnSpc>
-            </a:pPr>
-            <a:r>
-              <a:rPr lang="en-US" b="true" sz="802" spc="2">
-                <a:solidFill>
-                  <a:srgbClr val="000000"/>
-                </a:solidFill>
-                <a:latin typeface="Cairo Semi-Bold"/>
-                <a:ea typeface="Cairo Semi-Bold"/>
-                <a:cs typeface="Cairo Semi-Bold"/>
-                <a:sym typeface="Cairo Semi-Bold"/>
-              </a:rPr>
-              <a:t>{{PRINT_TIME}}</a:t>
-            </a:r>
-          </a:p>
-        </p:txBody>
-      </p:sp>
-      <p:sp>
-        <p:nvSpPr>
-          <p:cNvPr name="TextBox 93" id="93"/>
-          <p:cNvSpPr txBox="true"/>
-          <p:nvPr/>
-        </p:nvSpPr>
-        <p:spPr>
-          <a:xfrm rot="0">
-            <a:off x="3716217" y="3184103"/>
-            <a:ext cx="667188" cy="234697"/>
-          </a:xfrm>
-          <a:prstGeom prst="rect">
-            <a:avLst/>
-          </a:prstGeom>
-        </p:spPr>
-        <p:txBody>
-          <a:bodyPr anchor="t" rtlCol="false" tIns="0" lIns="0" bIns="0" rIns="0">
-            <a:spAutoFit/>
-          </a:bodyPr>
-          <a:lstStyle/>
-          <a:p>
-            <a:pPr algn="ctr">
-              <a:lnSpc>
-                <a:spcPts val="2131"/>
-              </a:lnSpc>
-            </a:pPr>
-            <a:r>
-              <a:rPr lang="en-US" b="true" sz="852">
-                <a:solidFill>
-                  <a:srgbClr val="FFFFFF"/>
-                </a:solidFill>
-                <a:latin typeface="Cairo Semi-Bold"/>
-                <a:ea typeface="Cairo Semi-Bold"/>
-                <a:cs typeface="Cairo Semi-Bold"/>
-                <a:sym typeface="Cairo Semi-Bold"/>
-              </a:rPr>
-              <a:t>( </a:t>
-            </a:r>
-          </a:p>
-        </p:txBody>
-      </p:sp>
-      <p:sp>
-        <p:nvSpPr>
-          <p:cNvPr name="TextBox 94" id="94"/>
-          <p:cNvSpPr txBox="true"/>
-          <p:nvPr/>
-        </p:nvSpPr>
-        <p:spPr>
-          <a:xfrm rot="0">
-            <a:off x="4673046" y="3176654"/>
-            <a:ext cx="177822" cy="234697"/>
-          </a:xfrm>
-          <a:prstGeom prst="rect">
-            <a:avLst/>
-          </a:prstGeom>
-        </p:spPr>
-        <p:txBody>
-          <a:bodyPr anchor="t" rtlCol="false" tIns="0" lIns="0" bIns="0" rIns="0">
-            <a:spAutoFit/>
-          </a:bodyPr>
-          <a:lstStyle/>
-          <a:p>
-            <a:pPr algn="r" rtl="true">
-              <a:lnSpc>
-                <a:spcPts val="2131"/>
-              </a:lnSpc>
-            </a:pPr>
-            <a:r>
-              <a:rPr lang="ar-EG" b="true" sz="852">
-                <a:solidFill>
-                  <a:srgbClr val="FFFFFF"/>
-                </a:solidFill>
-                <a:latin typeface="Cairo Semi-Bold"/>
-                <a:ea typeface="Cairo Semi-Bold"/>
-                <a:cs typeface="Cairo Semi-Bold"/>
-                <a:sym typeface="Cairo Semi-Bold"/>
-                <a:rtl val="true"/>
-              </a:rPr>
-              <a:t>الى</a:t>
+              <a:t>الى من يهمه الامر</a:t>
             </a:r>
           </a:p>
         </p:txBody>

--- a/public/templates/report_template.pptx
+++ b/public/templates/report_template.pptx
@@ -7,15 +7,15 @@
   <p:sldIdLst>
     <p:sldId id="256" r:id="rId6"/>
   </p:sldIdLst>
-  <p:sldSz cx="7556500" cy="10693400"/>
+  <p:sldSz cx="10693400" cy="15113000"/>
   <p:notesSz cx="6858000" cy="9144000"/>
   <p:embeddedFontLst>
     <p:embeddedFont>
-      <p:font typeface="Cairo Semi-Bold" charset="1" panose="00000700000000000000"/>
+      <p:font typeface="Open Sans" charset="1" panose="020B0606030504020204"/>
       <p:regular r:id="rId7"/>
     </p:embeddedFont>
     <p:embeddedFont>
-      <p:font typeface="Fedra sans arabic" charset="1" panose="00000000000000000000"/>
+      <p:font typeface="Arab Times" charset="1" panose="02000400000000000000"/>
       <p:regular r:id="rId8"/>
     </p:embeddedFont>
     <p:embeddedFont>
@@ -23,12 +23,16 @@
       <p:regular r:id="rId9"/>
     </p:embeddedFont>
     <p:embeddedFont>
-      <p:font typeface="Times New Roman Bold" charset="1" panose="02020803070505020304"/>
+      <p:font typeface="Fedra sans arabic" charset="1" panose="00000000000000000000"/>
       <p:regular r:id="rId10"/>
     </p:embeddedFont>
     <p:embeddedFont>
+      <p:font typeface="Times New Roman Bold" charset="1" panose="02020803070505020304"/>
+      <p:regular r:id="rId11"/>
+    </p:embeddedFont>
+    <p:embeddedFont>
       <p:font typeface="Noto Sans Arabic" charset="1" panose="020B0502040504020204"/>
-      <p:regular r:id="rId11"/>
+      <p:regular r:id="rId12"/>
     </p:embeddedFont>
   </p:embeddedFontLst>
   <p:defaultTextStyle>
@@ -3081,16 +3085,73 @@
           <a:chExt cx="0" cy="0"/>
         </a:xfrm>
       </p:grpSpPr>
-      <p:sp>
-        <p:nvSpPr>
-          <p:cNvPr name="Freeform 2" id="2"/>
+      <p:grpSp>
+        <p:nvGrpSpPr>
+          <p:cNvPr name="Group 2" id="2"/>
+          <p:cNvGrpSpPr>
+            <a:grpSpLocks noChangeAspect="true"/>
+          </p:cNvGrpSpPr>
+          <p:nvPr/>
+        </p:nvGrpSpPr>
+        <p:grpSpPr>
+          <a:xfrm rot="0">
+            <a:off x="457200" y="457200"/>
+            <a:ext cx="9779003" cy="952500"/>
+            <a:chOff x="0" y="0"/>
+            <a:chExt cx="9779000" cy="952500"/>
+          </a:xfrm>
+        </p:grpSpPr>
+        <p:sp>
+          <p:nvSpPr>
+            <p:cNvPr name="Freeform 3" id="3"/>
+            <p:cNvSpPr/>
+            <p:nvPr/>
+          </p:nvSpPr>
+          <p:spPr>
+            <a:xfrm flipH="false" flipV="false" rot="0">
+              <a:off x="0" y="0"/>
+              <a:ext cx="9779000" cy="952500"/>
+            </a:xfrm>
+            <a:custGeom>
+              <a:avLst/>
+              <a:gdLst/>
+              <a:ahLst/>
+              <a:cxnLst/>
+              <a:rect r="r" b="b" t="t" l="l"/>
+              <a:pathLst>
+                <a:path h="952500" w="9779000">
+                  <a:moveTo>
+                    <a:pt x="0" y="952500"/>
+                  </a:moveTo>
+                  <a:lnTo>
+                    <a:pt x="9779000" y="952500"/>
+                  </a:lnTo>
+                  <a:lnTo>
+                    <a:pt x="9779000" y="0"/>
+                  </a:lnTo>
+                  <a:lnTo>
+                    <a:pt x="0" y="0"/>
+                  </a:lnTo>
+                  <a:close/>
+                </a:path>
+              </a:pathLst>
+            </a:custGeom>
+            <a:solidFill>
+              <a:srgbClr val="FFFFFF"/>
+            </a:solidFill>
+          </p:spPr>
+        </p:sp>
+      </p:grpSp>
+      <p:sp>
+        <p:nvSpPr>
+          <p:cNvPr name="Freeform 4" id="4"/>
           <p:cNvSpPr/>
           <p:nvPr/>
         </p:nvSpPr>
         <p:spPr>
           <a:xfrm flipH="false" flipV="false" rot="0">
-            <a:off x="350282" y="324803"/>
-            <a:ext cx="891626" cy="388496"/>
+            <a:off x="393697" y="2993517"/>
+            <a:ext cx="9906000" cy="6047356"/>
           </a:xfrm>
           <a:custGeom>
             <a:avLst/>
@@ -3099,18 +3160,18 @@
             <a:cxnLst/>
             <a:rect r="r" b="b" t="t" l="l"/>
             <a:pathLst>
-              <a:path h="388496" w="891626">
+              <a:path h="6047356" w="9906000">
                 <a:moveTo>
                   <a:pt x="0" y="0"/>
                 </a:moveTo>
                 <a:lnTo>
-                  <a:pt x="891626" y="0"/>
+                  <a:pt x="9906000" y="0"/>
                 </a:lnTo>
                 <a:lnTo>
-                  <a:pt x="891626" y="388496"/>
+                  <a:pt x="9906000" y="6047356"/>
                 </a:lnTo>
                 <a:lnTo>
-                  <a:pt x="0" y="388496"/>
+                  <a:pt x="0" y="6047356"/>
                 </a:lnTo>
                 <a:lnTo>
                   <a:pt x="0" y="0"/>
@@ -3120,7 +3181,13 @@
             </a:pathLst>
           </a:custGeom>
           <a:blipFill>
-            <a:blip r:embed="rId2"/>
+            <a:blip r:embed="rId2">
+              <a:extLst>
+                <a:ext uri="{96DAC541-7B7A-43D3-8B79-37D633B846F1}">
+                  <asvg:svgBlip xmlns:asvg="http://schemas.microsoft.com/office/drawing/2016/SVG/main" r:embed="rId3"/>
+                </a:ext>
+              </a:extLst>
+            </a:blip>
             <a:stretch>
               <a:fillRect l="0" t="0" r="0" b="0"/>
             </a:stretch>
@@ -3129,14 +3196,14 @@
       </p:sp>
       <p:sp>
         <p:nvSpPr>
-          <p:cNvPr name="Freeform 3" id="3"/>
+          <p:cNvPr name="Freeform 5" id="5"/>
           <p:cNvSpPr/>
           <p:nvPr/>
         </p:nvSpPr>
         <p:spPr>
           <a:xfrm flipH="false" flipV="false" rot="0">
-            <a:off x="395054" y="2723207"/>
-            <a:ext cx="6674063" cy="4349477"/>
+            <a:off x="3663953" y="457200"/>
+            <a:ext cx="3333750" cy="1584703"/>
           </a:xfrm>
           <a:custGeom>
             <a:avLst/>
@@ -3145,18 +3212,18 @@
             <a:cxnLst/>
             <a:rect r="r" b="b" t="t" l="l"/>
             <a:pathLst>
-              <a:path h="4349477" w="6674063">
+              <a:path h="1584703" w="3333750">
                 <a:moveTo>
                   <a:pt x="0" y="0"/>
                 </a:moveTo>
                 <a:lnTo>
-                  <a:pt x="6674063" y="0"/>
+                  <a:pt x="3333750" y="0"/>
                 </a:lnTo>
                 <a:lnTo>
-                  <a:pt x="6674063" y="4349477"/>
+                  <a:pt x="3333750" y="1584703"/>
                 </a:lnTo>
                 <a:lnTo>
-                  <a:pt x="0" y="4349477"/>
+                  <a:pt x="0" y="1584703"/>
                 </a:lnTo>
                 <a:lnTo>
                   <a:pt x="0" y="0"/>
@@ -3166,13 +3233,7 @@
             </a:pathLst>
           </a:custGeom>
           <a:blipFill>
-            <a:blip r:embed="rId3">
-              <a:extLst>
-                <a:ext uri="{96DAC541-7B7A-43D3-8B79-37D633B846F1}">
-                  <asvg:svgBlip xmlns:asvg="http://schemas.microsoft.com/office/drawing/2016/SVG/main" r:embed="rId4"/>
-                </a:ext>
-              </a:extLst>
-            </a:blip>
+            <a:blip r:embed="rId4"/>
             <a:stretch>
               <a:fillRect l="0" t="0" r="0" b="0"/>
             </a:stretch>
@@ -3181,14 +3242,14 @@
       </p:sp>
       <p:sp>
         <p:nvSpPr>
-          <p:cNvPr name="Freeform 4" id="4"/>
+          <p:cNvPr name="Freeform 6" id="6"/>
           <p:cNvSpPr/>
           <p:nvPr/>
         </p:nvSpPr>
         <p:spPr>
           <a:xfrm flipH="false" flipV="false" rot="0">
-            <a:off x="1082688" y="7139359"/>
-            <a:ext cx="955310" cy="955310"/>
+            <a:off x="6902453" y="457200"/>
+            <a:ext cx="3333750" cy="1357760"/>
           </a:xfrm>
           <a:custGeom>
             <a:avLst/>
@@ -3197,18 +3258,18 @@
             <a:cxnLst/>
             <a:rect r="r" b="b" t="t" l="l"/>
             <a:pathLst>
-              <a:path h="955310" w="955310">
+              <a:path h="1357760" w="3333750">
                 <a:moveTo>
                   <a:pt x="0" y="0"/>
                 </a:moveTo>
                 <a:lnTo>
-                  <a:pt x="955310" y="0"/>
+                  <a:pt x="3333750" y="0"/>
                 </a:lnTo>
                 <a:lnTo>
-                  <a:pt x="955310" y="955310"/>
+                  <a:pt x="3333750" y="1357760"/>
                 </a:lnTo>
                 <a:lnTo>
-                  <a:pt x="0" y="955310"/>
+                  <a:pt x="0" y="1357760"/>
                 </a:lnTo>
                 <a:lnTo>
                   <a:pt x="0" y="0"/>
@@ -3227,14 +3288,14 @@
       </p:sp>
       <p:sp>
         <p:nvSpPr>
-          <p:cNvPr name="Freeform 5" id="5"/>
+          <p:cNvPr name="Freeform 7" id="7"/>
           <p:cNvSpPr/>
           <p:nvPr/>
         </p:nvSpPr>
         <p:spPr>
           <a:xfrm flipH="false" flipV="false" rot="0">
-            <a:off x="792909" y="8680590"/>
-            <a:ext cx="1547603" cy="9525"/>
+            <a:off x="457200" y="457200"/>
+            <a:ext cx="1905000" cy="840867"/>
           </a:xfrm>
           <a:custGeom>
             <a:avLst/>
@@ -3243,18 +3304,18 @@
             <a:cxnLst/>
             <a:rect r="r" b="b" t="t" l="l"/>
             <a:pathLst>
-              <a:path h="9525" w="1547603">
+              <a:path h="840867" w="1905000">
                 <a:moveTo>
                   <a:pt x="0" y="0"/>
                 </a:moveTo>
                 <a:lnTo>
-                  <a:pt x="1547603" y="0"/>
+                  <a:pt x="1905000" y="0"/>
                 </a:lnTo>
                 <a:lnTo>
-                  <a:pt x="1547603" y="9525"/>
+                  <a:pt x="1905000" y="840867"/>
                 </a:lnTo>
                 <a:lnTo>
-                  <a:pt x="0" y="9525"/>
+                  <a:pt x="0" y="840867"/>
                 </a:lnTo>
                 <a:lnTo>
                   <a:pt x="0" y="0"/>
@@ -3264,13 +3325,7 @@
             </a:pathLst>
           </a:custGeom>
           <a:blipFill>
-            <a:blip r:embed="rId6">
-              <a:extLst>
-                <a:ext uri="{96DAC541-7B7A-43D3-8B79-37D633B846F1}">
-                  <asvg:svgBlip xmlns:asvg="http://schemas.microsoft.com/office/drawing/2016/SVG/main" r:embed="rId7"/>
-                </a:ext>
-              </a:extLst>
-            </a:blip>
+            <a:blip r:embed="rId6"/>
             <a:stretch>
               <a:fillRect l="0" t="0" r="0" b="0"/>
             </a:stretch>
@@ -3279,28 +3334,30 @@
       </p:sp>
       <p:grpSp>
         <p:nvGrpSpPr>
-          <p:cNvPr name="Group 6" id="6"/>
-          <p:cNvGrpSpPr/>
+          <p:cNvPr name="Group 8" id="8"/>
+          <p:cNvGrpSpPr>
+            <a:grpSpLocks noChangeAspect="true"/>
+          </p:cNvGrpSpPr>
           <p:nvPr/>
         </p:nvGrpSpPr>
         <p:grpSpPr>
           <a:xfrm rot="0">
-            <a:off x="456510" y="8619515"/>
-            <a:ext cx="2268000" cy="111781"/>
+            <a:off x="5521328" y="9167879"/>
+            <a:ext cx="19050" cy="2570226"/>
             <a:chOff x="0" y="0"/>
-            <a:chExt cx="812800" cy="40060"/>
+            <a:chExt cx="19050" cy="2570226"/>
           </a:xfrm>
         </p:grpSpPr>
         <p:sp>
           <p:nvSpPr>
-            <p:cNvPr name="Freeform 7" id="7"/>
+            <p:cNvPr name="Freeform 9" id="9"/>
             <p:cNvSpPr/>
             <p:nvPr/>
           </p:nvSpPr>
           <p:spPr>
             <a:xfrm flipH="false" flipV="false" rot="0">
               <a:off x="0" y="0"/>
-              <a:ext cx="812800" cy="40060"/>
+              <a:ext cx="19050" cy="2570226"/>
             </a:xfrm>
             <a:custGeom>
               <a:avLst/>
@@ -3309,97 +3366,31 @@
               <a:cxnLst/>
               <a:rect r="r" b="b" t="t" l="l"/>
               <a:pathLst>
-                <a:path h="40060" w="812800">
+                <a:path h="2570226" w="19050">
                   <a:moveTo>
                     <a:pt x="0" y="0"/>
                   </a:moveTo>
                   <a:lnTo>
-                    <a:pt x="812800" y="0"/>
+                    <a:pt x="0" y="2570226"/>
                   </a:lnTo>
                   <a:lnTo>
-                    <a:pt x="812800" y="40060"/>
+                    <a:pt x="19050" y="2570226"/>
                   </a:lnTo>
                   <a:lnTo>
-                    <a:pt x="0" y="40060"/>
+                    <a:pt x="19050" y="0"/>
                   </a:lnTo>
-                  <a:close/>
+                  <a:lnTo>
+                    <a:pt x="0" y="0"/>
+                  </a:lnTo>
                 </a:path>
               </a:pathLst>
             </a:custGeom>
             <a:solidFill>
-              <a:srgbClr val="FFFFFF"/>
+              <a:srgbClr val="DDDDDD"/>
             </a:solidFill>
           </p:spPr>
         </p:sp>
-        <p:sp>
-          <p:nvSpPr>
-            <p:cNvPr name="TextBox 8" id="8"/>
-            <p:cNvSpPr txBox="true"/>
-            <p:nvPr/>
-          </p:nvSpPr>
-          <p:spPr>
-            <a:xfrm>
-              <a:off x="0" y="-123825"/>
-              <a:ext cx="812800" cy="163885"/>
-            </a:xfrm>
-            <a:prstGeom prst="rect">
-              <a:avLst/>
-            </a:prstGeom>
-          </p:spPr>
-          <p:txBody>
-            <a:bodyPr anchor="ctr" rtlCol="false" tIns="50800" lIns="50800" bIns="50800" rIns="50800"/>
-            <a:lstStyle/>
-            <a:p>
-              <a:pPr algn="ctr">
-                <a:lnSpc>
-                  <a:spcPts val="3560"/>
-                </a:lnSpc>
-              </a:pPr>
-            </a:p>
-          </p:txBody>
-        </p:sp>
       </p:grpSp>
-      <p:sp>
-        <p:nvSpPr>
-          <p:cNvPr name="TextBox 9" id="9"/>
-          <p:cNvSpPr txBox="true"/>
-          <p:nvPr/>
-        </p:nvSpPr>
-        <p:spPr>
-          <a:xfrm rot="0">
-            <a:off x="408911" y="8562365"/>
-            <a:ext cx="2315599" cy="172331"/>
-          </a:xfrm>
-          <a:prstGeom prst="rect">
-            <a:avLst/>
-          </a:prstGeom>
-        </p:spPr>
-        <p:txBody>
-          <a:bodyPr anchor="t" rtlCol="false" tIns="0" lIns="0" bIns="0" rIns="0">
-            <a:spAutoFit/>
-          </a:bodyPr>
-          <a:lstStyle/>
-          <a:p>
-            <a:pPr algn="ctr">
-              <a:lnSpc>
-                <a:spcPts val="1526"/>
-              </a:lnSpc>
-            </a:pPr>
-            <a:r>
-              <a:rPr lang="en-US" b="true" sz="802" spc="2">
-                <a:solidFill>
-                  <a:srgbClr val="0000EE"/>
-                </a:solidFill>
-                <a:latin typeface="Cairo Semi-Bold"/>
-                <a:ea typeface="Cairo Semi-Bold"/>
-                <a:cs typeface="Cairo Semi-Bold"/>
-                <a:sym typeface="Cairo Semi-Bold"/>
-              </a:rPr>
-              <a:t>https://siha-sa-xi.vercel.app/#/inquiries/slenquiry</a:t>
-            </a:r>
-          </a:p>
-        </p:txBody>
-      </p:sp>
       <p:grpSp>
         <p:nvGrpSpPr>
           <p:cNvPr name="Group 10" id="10"/>
@@ -3410,10 +3401,10 @@
         </p:nvGrpSpPr>
         <p:grpSpPr>
           <a:xfrm rot="0">
-            <a:off x="3935882" y="7171201"/>
-            <a:ext cx="19107" cy="1566710"/>
+            <a:off x="2163823" y="9167879"/>
+            <a:ext cx="1428750" cy="1428750"/>
             <a:chOff x="0" y="0"/>
-            <a:chExt cx="19101" cy="1566710"/>
+            <a:chExt cx="1905000" cy="1905000"/>
           </a:xfrm>
         </p:grpSpPr>
         <p:sp>
@@ -3425,7 +3416,7 @@
           <p:spPr>
             <a:xfrm flipH="false" flipV="false" rot="0">
               <a:off x="0" y="0"/>
-              <a:ext cx="19050" cy="1566672"/>
+              <a:ext cx="1905000" cy="1905000"/>
             </a:xfrm>
             <a:custGeom>
               <a:avLst/>
@@ -3434,39 +3425,199 @@
               <a:cxnLst/>
               <a:rect r="r" b="b" t="t" l="l"/>
               <a:pathLst>
-                <a:path h="1566672" w="19050">
+                <a:path h="1905000" w="1905000">
+                  <a:moveTo>
+                    <a:pt x="127000" y="0"/>
+                  </a:moveTo>
+                  <a:cubicBezTo>
+                    <a:pt x="56769" y="0"/>
+                    <a:pt x="0" y="56896"/>
+                    <a:pt x="0" y="127000"/>
+                  </a:cubicBezTo>
+                  <a:lnTo>
+                    <a:pt x="0" y="1778000"/>
+                  </a:lnTo>
+                  <a:cubicBezTo>
+                    <a:pt x="0" y="1848104"/>
+                    <a:pt x="56769" y="1905000"/>
+                    <a:pt x="127000" y="1905000"/>
+                  </a:cubicBezTo>
+                  <a:lnTo>
+                    <a:pt x="1778000" y="1905000"/>
+                  </a:lnTo>
+                  <a:cubicBezTo>
+                    <a:pt x="1848104" y="1905000"/>
+                    <a:pt x="1905000" y="1848104"/>
+                    <a:pt x="1905000" y="1778000"/>
+                  </a:cubicBezTo>
+                  <a:lnTo>
+                    <a:pt x="1905000" y="127000"/>
+                  </a:lnTo>
+                  <a:cubicBezTo>
+                    <a:pt x="1905000" y="56896"/>
+                    <a:pt x="1848104" y="0"/>
+                    <a:pt x="1778000" y="0"/>
+                  </a:cubicBezTo>
+                  <a:close/>
+                </a:path>
+              </a:pathLst>
+            </a:custGeom>
+            <a:blipFill>
+              <a:blip r:embed="rId7"/>
+              <a:stretch>
+                <a:fillRect l="0" t="0" r="0" b="0"/>
+              </a:stretch>
+            </a:blipFill>
+          </p:spPr>
+        </p:sp>
+      </p:grpSp>
+      <p:grpSp>
+        <p:nvGrpSpPr>
+          <p:cNvPr name="Group 12" id="12"/>
+          <p:cNvGrpSpPr>
+            <a:grpSpLocks noChangeAspect="true"/>
+          </p:cNvGrpSpPr>
+          <p:nvPr/>
+        </p:nvGrpSpPr>
+        <p:grpSpPr>
+          <a:xfrm rot="0">
+            <a:off x="1838201" y="11705396"/>
+            <a:ext cx="2079879" cy="9525"/>
+            <a:chOff x="0" y="0"/>
+            <a:chExt cx="2079879" cy="9525"/>
+          </a:xfrm>
+        </p:grpSpPr>
+        <p:sp>
+          <p:nvSpPr>
+            <p:cNvPr name="Freeform 13" id="13"/>
+            <p:cNvSpPr/>
+            <p:nvPr/>
+          </p:nvSpPr>
+          <p:spPr>
+            <a:xfrm flipH="false" flipV="false" rot="0">
+              <a:off x="0" y="0"/>
+              <a:ext cx="2079879" cy="9525"/>
+            </a:xfrm>
+            <a:custGeom>
+              <a:avLst/>
+              <a:gdLst/>
+              <a:ahLst/>
+              <a:cxnLst/>
+              <a:rect r="r" b="b" t="t" l="l"/>
+              <a:pathLst>
+                <a:path h="9525" w="2079879">
                   <a:moveTo>
                     <a:pt x="0" y="0"/>
                   </a:moveTo>
                   <a:lnTo>
-                    <a:pt x="19050" y="0"/>
+                    <a:pt x="2079879" y="0"/>
                   </a:lnTo>
                   <a:lnTo>
-                    <a:pt x="19050" y="1566672"/>
+                    <a:pt x="2079879" y="9525"/>
                   </a:lnTo>
                   <a:lnTo>
-                    <a:pt x="0" y="1566672"/>
+                    <a:pt x="0" y="9525"/>
                   </a:lnTo>
                   <a:close/>
                 </a:path>
               </a:pathLst>
             </a:custGeom>
             <a:solidFill>
-              <a:srgbClr val="EEEEEE"/>
+              <a:srgbClr val="0000FF"/>
             </a:solidFill>
           </p:spPr>
         </p:sp>
       </p:grpSp>
-      <p:sp>
-        <p:nvSpPr>
-          <p:cNvPr name="Freeform 12" id="12"/>
+      <p:grpSp>
+        <p:nvGrpSpPr>
+          <p:cNvPr name="Group 14" id="14"/>
+          <p:cNvGrpSpPr>
+            <a:grpSpLocks noChangeAspect="true"/>
+          </p:cNvGrpSpPr>
+          <p:nvPr/>
+        </p:nvGrpSpPr>
+        <p:grpSpPr>
+          <a:xfrm rot="0">
+            <a:off x="7335898" y="9186929"/>
+            <a:ext cx="1428750" cy="1428750"/>
+            <a:chOff x="0" y="0"/>
+            <a:chExt cx="1905000" cy="1905000"/>
+          </a:xfrm>
+        </p:grpSpPr>
+        <p:sp>
+          <p:nvSpPr>
+            <p:cNvPr name="Freeform 15" id="15"/>
+            <p:cNvSpPr/>
+            <p:nvPr/>
+          </p:nvSpPr>
+          <p:spPr>
+            <a:xfrm flipH="false" flipV="false" rot="0">
+              <a:off x="0" y="0"/>
+              <a:ext cx="1905000" cy="1905000"/>
+            </a:xfrm>
+            <a:custGeom>
+              <a:avLst/>
+              <a:gdLst/>
+              <a:ahLst/>
+              <a:cxnLst/>
+              <a:rect r="r" b="b" t="t" l="l"/>
+              <a:pathLst>
+                <a:path h="1905000" w="1905000">
+                  <a:moveTo>
+                    <a:pt x="127000" y="0"/>
+                  </a:moveTo>
+                  <a:cubicBezTo>
+                    <a:pt x="56769" y="0"/>
+                    <a:pt x="0" y="56896"/>
+                    <a:pt x="0" y="127000"/>
+                  </a:cubicBezTo>
+                  <a:lnTo>
+                    <a:pt x="0" y="1778000"/>
+                  </a:lnTo>
+                  <a:cubicBezTo>
+                    <a:pt x="0" y="1848104"/>
+                    <a:pt x="56769" y="1905000"/>
+                    <a:pt x="127000" y="1905000"/>
+                  </a:cubicBezTo>
+                  <a:lnTo>
+                    <a:pt x="1778000" y="1905000"/>
+                  </a:lnTo>
+                  <a:cubicBezTo>
+                    <a:pt x="1848104" y="1905000"/>
+                    <a:pt x="1905000" y="1848104"/>
+                    <a:pt x="1905000" y="1778000"/>
+                  </a:cubicBezTo>
+                  <a:lnTo>
+                    <a:pt x="1905000" y="127000"/>
+                  </a:lnTo>
+                  <a:cubicBezTo>
+                    <a:pt x="1905000" y="56896"/>
+                    <a:pt x="1848104" y="0"/>
+                    <a:pt x="1778000" y="0"/>
+                  </a:cubicBezTo>
+                  <a:close/>
+                </a:path>
+              </a:pathLst>
+            </a:custGeom>
+            <a:blipFill>
+              <a:blip r:embed="rId8"/>
+              <a:stretch>
+                <a:fillRect l="0" t="0" r="0" b="0"/>
+              </a:stretch>
+            </a:blipFill>
+          </p:spPr>
+        </p:sp>
+      </p:grpSp>
+      <p:sp>
+        <p:nvSpPr>
+          <p:cNvPr name="Freeform 16" id="16"/>
           <p:cNvSpPr/>
           <p:nvPr/>
         </p:nvSpPr>
         <p:spPr>
           <a:xfrm flipH="false" flipV="false" rot="0">
-            <a:off x="5680920" y="7171201"/>
-            <a:ext cx="827932" cy="827932"/>
+            <a:off x="8331203" y="11738105"/>
+            <a:ext cx="1905000" cy="902713"/>
           </a:xfrm>
           <a:custGeom>
             <a:avLst/>
@@ -3475,64 +3626,18 @@
             <a:cxnLst/>
             <a:rect r="r" b="b" t="t" l="l"/>
             <a:pathLst>
-              <a:path h="827932" w="827932">
+              <a:path h="902713" w="1905000">
                 <a:moveTo>
                   <a:pt x="0" y="0"/>
                 </a:moveTo>
                 <a:lnTo>
-                  <a:pt x="827932" y="0"/>
+                  <a:pt x="1905000" y="0"/>
                 </a:lnTo>
                 <a:lnTo>
-                  <a:pt x="827932" y="827932"/>
+                  <a:pt x="1905000" y="902713"/>
                 </a:lnTo>
                 <a:lnTo>
-                  <a:pt x="0" y="827932"/>
-                </a:lnTo>
-                <a:lnTo>
-                  <a:pt x="0" y="0"/>
-                </a:lnTo>
-                <a:close/>
-              </a:path>
-            </a:pathLst>
-          </a:custGeom>
-          <a:blipFill>
-            <a:blip r:embed="rId8"/>
-            <a:stretch>
-              <a:fillRect l="0" t="0" r="0" b="0"/>
-            </a:stretch>
-          </a:blipFill>
-        </p:spPr>
-      </p:sp>
-      <p:sp>
-        <p:nvSpPr>
-          <p:cNvPr name="Freeform 13" id="13"/>
-          <p:cNvSpPr/>
-          <p:nvPr/>
-        </p:nvSpPr>
-        <p:spPr>
-          <a:xfrm flipH="false" flipV="false" rot="0">
-            <a:off x="6056671" y="8852545"/>
-            <a:ext cx="1146372" cy="541344"/>
-          </a:xfrm>
-          <a:custGeom>
-            <a:avLst/>
-            <a:gdLst/>
-            <a:ahLst/>
-            <a:cxnLst/>
-            <a:rect r="r" b="b" t="t" l="l"/>
-            <a:pathLst>
-              <a:path h="541344" w="1146372">
-                <a:moveTo>
-                  <a:pt x="0" y="0"/>
-                </a:moveTo>
-                <a:lnTo>
-                  <a:pt x="1146372" y="0"/>
-                </a:lnTo>
-                <a:lnTo>
-                  <a:pt x="1146372" y="541343"/>
-                </a:lnTo>
-                <a:lnTo>
-                  <a:pt x="0" y="541343"/>
+                  <a:pt x="0" y="902713"/>
                 </a:lnTo>
                 <a:lnTo>
                   <a:pt x="0" y="0"/>
@@ -3551,198 +3656,14 @@
       </p:sp>
       <p:sp>
         <p:nvSpPr>
-          <p:cNvPr name="Freeform 14" id="14"/>
-          <p:cNvSpPr/>
-          <p:nvPr/>
-        </p:nvSpPr>
-        <p:spPr>
-          <a:xfrm flipH="false" flipV="false" rot="0">
-            <a:off x="5005826" y="0"/>
-            <a:ext cx="2547499" cy="1031738"/>
-          </a:xfrm>
-          <a:custGeom>
-            <a:avLst/>
-            <a:gdLst/>
-            <a:ahLst/>
-            <a:cxnLst/>
-            <a:rect r="r" b="b" t="t" l="l"/>
-            <a:pathLst>
-              <a:path h="1031738" w="2547499">
-                <a:moveTo>
-                  <a:pt x="0" y="0"/>
-                </a:moveTo>
-                <a:lnTo>
-                  <a:pt x="2547499" y="0"/>
-                </a:lnTo>
-                <a:lnTo>
-                  <a:pt x="2547499" y="1031738"/>
-                </a:lnTo>
-                <a:lnTo>
-                  <a:pt x="0" y="1031738"/>
-                </a:lnTo>
-                <a:lnTo>
-                  <a:pt x="0" y="0"/>
-                </a:lnTo>
-                <a:close/>
-              </a:path>
-            </a:pathLst>
-          </a:custGeom>
-          <a:blipFill>
-            <a:blip r:embed="rId10"/>
-            <a:stretch>
-              <a:fillRect l="0" t="0" r="0" b="0"/>
-            </a:stretch>
-          </a:blipFill>
-        </p:spPr>
-      </p:sp>
-      <p:sp>
-        <p:nvSpPr>
-          <p:cNvPr name="Freeform 15" id="15"/>
-          <p:cNvSpPr/>
-          <p:nvPr/>
-        </p:nvSpPr>
-        <p:spPr>
-          <a:xfrm flipH="false" flipV="false" rot="0">
-            <a:off x="2585704" y="0"/>
-            <a:ext cx="2229060" cy="1057208"/>
-          </a:xfrm>
-          <a:custGeom>
-            <a:avLst/>
-            <a:gdLst/>
-            <a:ahLst/>
-            <a:cxnLst/>
-            <a:rect r="r" b="b" t="t" l="l"/>
-            <a:pathLst>
-              <a:path h="1057208" w="2229060">
-                <a:moveTo>
-                  <a:pt x="0" y="0"/>
-                </a:moveTo>
-                <a:lnTo>
-                  <a:pt x="2229060" y="0"/>
-                </a:lnTo>
-                <a:lnTo>
-                  <a:pt x="2229060" y="1057208"/>
-                </a:lnTo>
-                <a:lnTo>
-                  <a:pt x="0" y="1057208"/>
-                </a:lnTo>
-                <a:lnTo>
-                  <a:pt x="0" y="0"/>
-                </a:lnTo>
-                <a:close/>
-              </a:path>
-            </a:pathLst>
-          </a:custGeom>
-          <a:blipFill>
-            <a:blip r:embed="rId11"/>
-            <a:stretch>
-              <a:fillRect l="0" t="0" r="0" b="0"/>
-            </a:stretch>
-          </a:blipFill>
-        </p:spPr>
-      </p:sp>
-      <p:sp>
-        <p:nvSpPr>
-          <p:cNvPr name="Freeform 16" id="16"/>
-          <p:cNvSpPr/>
-          <p:nvPr/>
-        </p:nvSpPr>
-        <p:spPr>
-          <a:xfrm flipH="false" flipV="false" rot="0">
-            <a:off x="1124667" y="7181338"/>
-            <a:ext cx="871352" cy="871352"/>
-          </a:xfrm>
-          <a:custGeom>
-            <a:avLst/>
-            <a:gdLst/>
-            <a:ahLst/>
-            <a:cxnLst/>
-            <a:rect r="r" b="b" t="t" l="l"/>
-            <a:pathLst>
-              <a:path h="871352" w="871352">
-                <a:moveTo>
-                  <a:pt x="0" y="0"/>
-                </a:moveTo>
-                <a:lnTo>
-                  <a:pt x="871352" y="0"/>
-                </a:lnTo>
-                <a:lnTo>
-                  <a:pt x="871352" y="871352"/>
-                </a:lnTo>
-                <a:lnTo>
-                  <a:pt x="0" y="871352"/>
-                </a:lnTo>
-                <a:lnTo>
-                  <a:pt x="0" y="0"/>
-                </a:lnTo>
-                <a:close/>
-              </a:path>
-            </a:pathLst>
-          </a:custGeom>
-          <a:blipFill>
-            <a:blip r:embed="rId12"/>
-            <a:stretch>
-              <a:fillRect l="0" t="0" r="0" b="0"/>
-            </a:stretch>
-          </a:blipFill>
-        </p:spPr>
-      </p:sp>
-      <p:sp>
-        <p:nvSpPr>
-          <p:cNvPr name="Freeform 17" id="17"/>
-          <p:cNvSpPr/>
-          <p:nvPr/>
-        </p:nvSpPr>
-        <p:spPr>
-          <a:xfrm flipH="false" flipV="false" rot="0">
-            <a:off x="5749961" y="7222471"/>
-            <a:ext cx="727339" cy="659151"/>
-          </a:xfrm>
-          <a:custGeom>
-            <a:avLst/>
-            <a:gdLst/>
-            <a:ahLst/>
-            <a:cxnLst/>
-            <a:rect r="r" b="b" t="t" l="l"/>
-            <a:pathLst>
-              <a:path h="659151" w="727339">
-                <a:moveTo>
-                  <a:pt x="0" y="0"/>
-                </a:moveTo>
-                <a:lnTo>
-                  <a:pt x="727339" y="0"/>
-                </a:lnTo>
-                <a:lnTo>
-                  <a:pt x="727339" y="659150"/>
-                </a:lnTo>
-                <a:lnTo>
-                  <a:pt x="0" y="659150"/>
-                </a:lnTo>
-                <a:lnTo>
-                  <a:pt x="0" y="0"/>
-                </a:lnTo>
-                <a:close/>
-              </a:path>
-            </a:pathLst>
-          </a:custGeom>
-          <a:blipFill>
-            <a:blip r:embed="rId13"/>
-            <a:stretch>
-              <a:fillRect l="0" t="0" r="0" b="0"/>
-            </a:stretch>
-          </a:blipFill>
-        </p:spPr>
-      </p:sp>
-      <p:sp>
-        <p:nvSpPr>
-          <p:cNvPr name="TextBox 18" id="18"/>
+          <p:cNvPr name="TextBox 17" id="17"/>
           <p:cNvSpPr txBox="true"/>
           <p:nvPr/>
         </p:nvSpPr>
         <p:spPr>
           <a:xfrm rot="0">
-            <a:off x="4869894" y="3186088"/>
-            <a:ext cx="588702" cy="497426"/>
+            <a:off x="4211831" y="1374924"/>
+            <a:ext cx="2315013" cy="323545"/>
           </a:xfrm>
           <a:prstGeom prst="rect">
             <a:avLst/>
@@ -3756,34 +3677,34 @@
           <a:p>
             <a:pPr algn="l">
               <a:lnSpc>
-                <a:spcPts val="2131"/>
+                <a:spcPts val="1885"/>
               </a:lnSpc>
             </a:pPr>
             <a:r>
-              <a:rPr lang="en-US" b="true" sz="852" spc="2">
-                <a:solidFill>
-                  <a:srgbClr val="FFFFFF"/>
-                </a:solidFill>
-                <a:latin typeface="Cairo Semi-Bold"/>
-                <a:ea typeface="Cairo Semi-Bold"/>
-                <a:cs typeface="Cairo Semi-Bold"/>
-                <a:sym typeface="Cairo Semi-Bold"/>
-              </a:rPr>
-              <a:t>{{ENTRY_DATE_HIJRI}}</a:t>
-            </a:r>
-          </a:p>
-        </p:txBody>
-      </p:sp>
-      <p:sp>
-        <p:nvSpPr>
-          <p:cNvPr name="TextBox 19" id="19"/>
+              <a:rPr lang="en-US" sz="1725" spc="-5">
+                <a:solidFill>
+                  <a:srgbClr val="000000"/>
+                </a:solidFill>
+                <a:latin typeface="Open Sans"/>
+                <a:ea typeface="Open Sans"/>
+                <a:cs typeface="Open Sans"/>
+                <a:sym typeface="Open Sans"/>
+              </a:rPr>
+              <a:t>Kingdom of Saudi Arabia</a:t>
+            </a:r>
+          </a:p>
+        </p:txBody>
+      </p:sp>
+      <p:sp>
+        <p:nvSpPr>
+          <p:cNvPr name="TextBox 18" id="18"/>
           <p:cNvSpPr txBox="true"/>
           <p:nvPr/>
         </p:nvSpPr>
         <p:spPr>
           <a:xfrm rot="0">
-            <a:off x="1856627" y="3180683"/>
-            <a:ext cx="1735765" cy="234697"/>
+            <a:off x="5346697" y="1605153"/>
+            <a:ext cx="72866" cy="434797"/>
           </a:xfrm>
           <a:prstGeom prst="rect">
             <a:avLst/>
@@ -3795,36 +3716,36 @@
           </a:bodyPr>
           <a:lstStyle/>
           <a:p>
-            <a:pPr algn="ctr">
+            <a:pPr algn="l">
               <a:lnSpc>
-                <a:spcPts val="2131"/>
+                <a:spcPts val="2459"/>
               </a:lnSpc>
             </a:pPr>
             <a:r>
-              <a:rPr lang="en-US" b="true" sz="852">
-                <a:solidFill>
-                  <a:srgbClr val="FFFFFF"/>
-                </a:solidFill>
-                <a:latin typeface="Cairo Semi-Bold"/>
-                <a:ea typeface="Cairo Semi-Bold"/>
-                <a:cs typeface="Cairo Semi-Bold"/>
-                <a:sym typeface="Cairo Semi-Bold"/>
-              </a:rPr>
-              <a:t>to</a:t>
-            </a:r>
-          </a:p>
-        </p:txBody>
-      </p:sp>
-      <p:sp>
-        <p:nvSpPr>
-          <p:cNvPr name="TextBox 20" id="20"/>
+              <a:rPr lang="en-US" sz="2250">
+                <a:solidFill>
+                  <a:srgbClr val="2C3E77"/>
+                </a:solidFill>
+                <a:latin typeface="Arab Times"/>
+                <a:ea typeface="Arab Times"/>
+                <a:cs typeface="Arab Times"/>
+                <a:sym typeface="Arab Times"/>
+              </a:rPr>
+              <a:t> </a:t>
+            </a:r>
+          </a:p>
+        </p:txBody>
+      </p:sp>
+      <p:sp>
+        <p:nvSpPr>
+          <p:cNvPr name="TextBox 19" id="19"/>
           <p:cNvSpPr txBox="true"/>
           <p:nvPr/>
         </p:nvSpPr>
         <p:spPr>
           <a:xfrm rot="0">
-            <a:off x="1730454" y="3188074"/>
-            <a:ext cx="1713281" cy="230726"/>
+            <a:off x="4241168" y="2005517"/>
+            <a:ext cx="2255358" cy="744855"/>
           </a:xfrm>
           <a:prstGeom prst="rect">
             <a:avLst/>
@@ -3836,150 +3757,15 @@
           </a:bodyPr>
           <a:lstStyle/>
           <a:p>
-            <a:pPr algn="l">
+            <a:pPr algn="ctr" rtl="true">
               <a:lnSpc>
-                <a:spcPts val="2131"/>
+                <a:spcPts val="3149"/>
               </a:lnSpc>
             </a:pPr>
             <a:r>
-              <a:rPr lang="en-US" b="true" sz="852">
-                <a:solidFill>
-                  <a:srgbClr val="FFFFFF"/>
-                </a:solidFill>
-                <a:latin typeface="Cairo Semi-Bold"/>
-                <a:ea typeface="Cairo Semi-Bold"/>
-                <a:cs typeface="Cairo Semi-Bold"/>
-                <a:sym typeface="Cairo Semi-Bold"/>
-              </a:rPr>
-              <a:t>   </a:t>
-            </a:r>
-            <a:r>
-              <a:rPr lang="en-US" b="true" sz="852">
-                <a:solidFill>
-                  <a:srgbClr val="FFFFFF"/>
-                </a:solidFill>
-                <a:latin typeface="Cairo Semi-Bold"/>
-                <a:ea typeface="Cairo Semi-Bold"/>
-                <a:cs typeface="Cairo Semi-Bold"/>
-                <a:sym typeface="Cairo Semi-Bold"/>
-              </a:rPr>
-              <a:t> day (                                                         )</a:t>
-            </a:r>
-          </a:p>
-        </p:txBody>
-      </p:sp>
-      <p:sp>
-        <p:nvSpPr>
-          <p:cNvPr name="TextBox 21" id="21"/>
-          <p:cNvSpPr txBox="true"/>
-          <p:nvPr/>
-        </p:nvSpPr>
-        <p:spPr>
-          <a:xfrm rot="0">
-            <a:off x="1383519" y="6342316"/>
-            <a:ext cx="2394427" cy="127000"/>
-          </a:xfrm>
-          <a:prstGeom prst="rect">
-            <a:avLst/>
-          </a:prstGeom>
-        </p:spPr>
-        <p:txBody>
-          <a:bodyPr anchor="t" rtlCol="false" tIns="0" lIns="0" bIns="0" rIns="0">
-            <a:spAutoFit/>
-          </a:bodyPr>
-          <a:lstStyle/>
-          <a:p>
-            <a:pPr algn="ctr">
-              <a:lnSpc>
-                <a:spcPts val="1050"/>
-              </a:lnSpc>
-            </a:pPr>
-            <a:r>
-              <a:rPr lang="en-US" sz="750" spc="3">
-                <a:solidFill>
-                  <a:srgbClr val="2C3E77"/>
-                </a:solidFill>
-                <a:latin typeface="Fedra sans arabic"/>
-                <a:ea typeface="Fedra sans arabic"/>
-                <a:cs typeface="Fedra sans arabic"/>
-                <a:sym typeface="Fedra sans arabic"/>
-              </a:rPr>
-              <a:t>{{DOCTOR_NAME_EN}}</a:t>
-            </a:r>
-          </a:p>
-        </p:txBody>
-      </p:sp>
-      <p:sp>
-        <p:nvSpPr>
-          <p:cNvPr name="TextBox 22" id="22"/>
-          <p:cNvSpPr txBox="true"/>
-          <p:nvPr/>
-        </p:nvSpPr>
-        <p:spPr>
-          <a:xfrm rot="0">
-            <a:off x="720957" y="8397450"/>
-            <a:ext cx="18412" cy="141075"/>
-          </a:xfrm>
-          <a:prstGeom prst="rect">
-            <a:avLst/>
-          </a:prstGeom>
-        </p:spPr>
-        <p:txBody>
-          <a:bodyPr anchor="t" rtlCol="false" tIns="0" lIns="0" bIns="0" rIns="0">
-            <a:spAutoFit/>
-          </a:bodyPr>
-          <a:lstStyle/>
-          <a:p>
-            <a:pPr algn="l">
-              <a:lnSpc>
-                <a:spcPts val="1240"/>
-              </a:lnSpc>
-            </a:pPr>
-            <a:r>
-              <a:rPr lang="en-US" b="true" sz="651">
-                <a:solidFill>
-                  <a:srgbClr val="000000"/>
-                </a:solidFill>
-                <a:latin typeface="Cairo Semi-Bold"/>
-                <a:ea typeface="Cairo Semi-Bold"/>
-                <a:cs typeface="Cairo Semi-Bold"/>
-                <a:sym typeface="Cairo Semi-Bold"/>
-              </a:rPr>
-              <a:t> </a:t>
-            </a:r>
-          </a:p>
-        </p:txBody>
-      </p:sp>
-      <p:sp>
-        <p:nvSpPr>
-          <p:cNvPr name="TextBox 23" id="23"/>
-          <p:cNvSpPr txBox="true"/>
-          <p:nvPr/>
-        </p:nvSpPr>
-        <p:spPr>
-          <a:xfrm rot="0">
-            <a:off x="2722969" y="1645177"/>
-            <a:ext cx="2146925" cy="849747"/>
-          </a:xfrm>
-          <a:prstGeom prst="rect">
-            <a:avLst/>
-          </a:prstGeom>
-        </p:spPr>
-        <p:txBody>
-          <a:bodyPr anchor="t" rtlCol="false" tIns="0" lIns="0" bIns="0" rIns="0">
-            <a:spAutoFit/>
-          </a:bodyPr>
-          <a:lstStyle/>
-          <a:p>
-            <a:pPr algn="ctr" rtl="true">
-              <a:lnSpc>
-                <a:spcPts val="3560"/>
-              </a:lnSpc>
-            </a:pPr>
-            <a:r>
-              <a:rPr lang="ar-EG" b="true" sz="1855" spc="12">
-                <a:solidFill>
-                  <a:srgbClr val="3A74B9"/>
+              <a:rPr lang="ar-EG" b="true" sz="2250">
+                <a:solidFill>
+                  <a:srgbClr val="306DB5"/>
                 </a:solidFill>
                 <a:latin typeface="Noto Sans Arabic Bold"/>
                 <a:ea typeface="Noto Sans Arabic Bold"/>
@@ -3987,12 +3773,1083 @@
                 <a:sym typeface="Noto Sans Arabic Bold"/>
                 <a:rtl val="true"/>
               </a:rPr>
-              <a:t>ﺗﻘﺮﻳﺮ إﺟﺎزة ﻣﺮﺿﻴﺔ</a:t>
-            </a:r>
-            <a:r>
-              <a:rPr lang="ar-EG" b="true" sz="1855" spc="12">
-                <a:solidFill>
-                  <a:srgbClr val="000000"/>
+              <a:t>تقرير إجازة مرضية</a:t>
+            </a:r>
+          </a:p>
+          <a:p>
+            <a:pPr algn="ctr">
+              <a:lnSpc>
+                <a:spcPts val="2613"/>
+              </a:lnSpc>
+            </a:pPr>
+            <a:r>
+              <a:rPr lang="en-US" sz="1867">
+                <a:solidFill>
+                  <a:srgbClr val="2C3E77"/>
+                </a:solidFill>
+                <a:latin typeface="Arab Times"/>
+                <a:ea typeface="Arab Times"/>
+                <a:cs typeface="Arab Times"/>
+                <a:sym typeface="Arab Times"/>
+              </a:rPr>
+              <a:t>Sick Leave Report</a:t>
+            </a:r>
+          </a:p>
+        </p:txBody>
+      </p:sp>
+      <p:sp>
+        <p:nvSpPr>
+          <p:cNvPr name="TextBox 20" id="20"/>
+          <p:cNvSpPr txBox="true"/>
+          <p:nvPr/>
+        </p:nvSpPr>
+        <p:spPr>
+          <a:xfrm rot="0">
+            <a:off x="1278131" y="5847617"/>
+            <a:ext cx="640242" cy="222885"/>
+          </a:xfrm>
+          <a:prstGeom prst="rect">
+            <a:avLst/>
+          </a:prstGeom>
+        </p:spPr>
+        <p:txBody>
+          <a:bodyPr anchor="t" rtlCol="false" tIns="0" lIns="0" bIns="0" rIns="0">
+            <a:spAutoFit/>
+          </a:bodyPr>
+          <a:lstStyle/>
+          <a:p>
+            <a:pPr algn="l">
+              <a:lnSpc>
+                <a:spcPts val="1889"/>
+              </a:lnSpc>
+            </a:pPr>
+            <a:r>
+              <a:rPr lang="en-US" sz="1350">
+                <a:solidFill>
+                  <a:srgbClr val="366FB5"/>
+                </a:solidFill>
+                <a:latin typeface="Fedra sans arabic"/>
+                <a:ea typeface="Fedra sans arabic"/>
+                <a:cs typeface="Fedra sans arabic"/>
+                <a:sym typeface="Fedra sans arabic"/>
+              </a:rPr>
+              <a:t>Name</a:t>
+            </a:r>
+          </a:p>
+        </p:txBody>
+      </p:sp>
+      <p:sp>
+        <p:nvSpPr>
+          <p:cNvPr name="TextBox 21" id="21"/>
+          <p:cNvSpPr txBox="true"/>
+          <p:nvPr/>
+        </p:nvSpPr>
+        <p:spPr>
+          <a:xfrm rot="0">
+            <a:off x="1197102" y="8538115"/>
+            <a:ext cx="602456" cy="300885"/>
+          </a:xfrm>
+          <a:prstGeom prst="rect">
+            <a:avLst/>
+          </a:prstGeom>
+        </p:spPr>
+        <p:txBody>
+          <a:bodyPr anchor="t" rtlCol="false" tIns="0" lIns="0" bIns="0" rIns="0">
+            <a:spAutoFit/>
+          </a:bodyPr>
+          <a:lstStyle/>
+          <a:p>
+            <a:pPr algn="l">
+              <a:lnSpc>
+                <a:spcPts val="1889"/>
+              </a:lnSpc>
+            </a:pPr>
+            <a:r>
+              <a:rPr lang="en-US" sz="1350">
+                <a:solidFill>
+                  <a:srgbClr val="366FB5"/>
+                </a:solidFill>
+                <a:latin typeface="Arab Times"/>
+                <a:ea typeface="Arab Times"/>
+                <a:cs typeface="Arab Times"/>
+                <a:sym typeface="Arab Times"/>
+              </a:rPr>
+              <a:t>Position</a:t>
+            </a:r>
+          </a:p>
+        </p:txBody>
+      </p:sp>
+      <p:sp>
+        <p:nvSpPr>
+          <p:cNvPr name="TextBox 22" id="22"/>
+          <p:cNvSpPr txBox="true"/>
+          <p:nvPr/>
+        </p:nvSpPr>
+        <p:spPr>
+          <a:xfrm rot="0">
+            <a:off x="1156716" y="3160805"/>
+            <a:ext cx="684828" cy="300885"/>
+          </a:xfrm>
+          <a:prstGeom prst="rect">
+            <a:avLst/>
+          </a:prstGeom>
+        </p:spPr>
+        <p:txBody>
+          <a:bodyPr anchor="t" rtlCol="false" tIns="0" lIns="0" bIns="0" rIns="0">
+            <a:spAutoFit/>
+          </a:bodyPr>
+          <a:lstStyle/>
+          <a:p>
+            <a:pPr algn="l">
+              <a:lnSpc>
+                <a:spcPts val="1889"/>
+              </a:lnSpc>
+            </a:pPr>
+            <a:r>
+              <a:rPr lang="en-US" sz="1350">
+                <a:solidFill>
+                  <a:srgbClr val="366FB5"/>
+                </a:solidFill>
+                <a:latin typeface="Arab Times"/>
+                <a:ea typeface="Arab Times"/>
+                <a:cs typeface="Arab Times"/>
+                <a:sym typeface="Arab Times"/>
+              </a:rPr>
+              <a:t>Leave ID</a:t>
+            </a:r>
+          </a:p>
+        </p:txBody>
+      </p:sp>
+      <p:sp>
+        <p:nvSpPr>
+          <p:cNvPr name="TextBox 23" id="23"/>
+          <p:cNvSpPr txBox="true"/>
+          <p:nvPr/>
+        </p:nvSpPr>
+        <p:spPr>
+          <a:xfrm rot="0">
+            <a:off x="1130427" y="7438796"/>
+            <a:ext cx="738340" cy="300885"/>
+          </a:xfrm>
+          <a:prstGeom prst="rect">
+            <a:avLst/>
+          </a:prstGeom>
+        </p:spPr>
+        <p:txBody>
+          <a:bodyPr anchor="t" rtlCol="false" tIns="0" lIns="0" bIns="0" rIns="0">
+            <a:spAutoFit/>
+          </a:bodyPr>
+          <a:lstStyle/>
+          <a:p>
+            <a:pPr algn="l">
+              <a:lnSpc>
+                <a:spcPts val="1889"/>
+              </a:lnSpc>
+            </a:pPr>
+            <a:r>
+              <a:rPr lang="en-US" sz="1350">
+                <a:solidFill>
+                  <a:srgbClr val="366FB5"/>
+                </a:solidFill>
+                <a:latin typeface="Arab Times"/>
+                <a:ea typeface="Arab Times"/>
+                <a:cs typeface="Arab Times"/>
+                <a:sym typeface="Arab Times"/>
+              </a:rPr>
+              <a:t>Employer</a:t>
+            </a:r>
+          </a:p>
+        </p:txBody>
+      </p:sp>
+      <p:sp>
+        <p:nvSpPr>
+          <p:cNvPr name="TextBox 24" id="24"/>
+          <p:cNvSpPr txBox="true"/>
+          <p:nvPr/>
+        </p:nvSpPr>
+        <p:spPr>
+          <a:xfrm rot="0">
+            <a:off x="1113787" y="5314093"/>
+            <a:ext cx="975446" cy="222885"/>
+          </a:xfrm>
+          <a:prstGeom prst="rect">
+            <a:avLst/>
+          </a:prstGeom>
+        </p:spPr>
+        <p:txBody>
+          <a:bodyPr anchor="t" rtlCol="false" tIns="0" lIns="0" bIns="0" rIns="0">
+            <a:spAutoFit/>
+          </a:bodyPr>
+          <a:lstStyle/>
+          <a:p>
+            <a:pPr algn="l">
+              <a:lnSpc>
+                <a:spcPts val="1889"/>
+              </a:lnSpc>
+            </a:pPr>
+            <a:r>
+              <a:rPr lang="en-US" sz="1350">
+                <a:solidFill>
+                  <a:srgbClr val="366FB5"/>
+                </a:solidFill>
+                <a:latin typeface="Fedra sans arabic"/>
+                <a:ea typeface="Fedra sans arabic"/>
+                <a:cs typeface="Fedra sans arabic"/>
+                <a:sym typeface="Fedra sans arabic"/>
+              </a:rPr>
+              <a:t>Issue Date</a:t>
+            </a:r>
+          </a:p>
+        </p:txBody>
+      </p:sp>
+      <p:sp>
+        <p:nvSpPr>
+          <p:cNvPr name="TextBox 25" id="25"/>
+          <p:cNvSpPr txBox="true"/>
+          <p:nvPr/>
+        </p:nvSpPr>
+        <p:spPr>
+          <a:xfrm rot="0">
+            <a:off x="1082802" y="6905149"/>
+            <a:ext cx="835571" cy="300885"/>
+          </a:xfrm>
+          <a:prstGeom prst="rect">
+            <a:avLst/>
+          </a:prstGeom>
+        </p:spPr>
+        <p:txBody>
+          <a:bodyPr anchor="t" rtlCol="false" tIns="0" lIns="0" bIns="0" rIns="0">
+            <a:spAutoFit/>
+          </a:bodyPr>
+          <a:lstStyle/>
+          <a:p>
+            <a:pPr algn="l">
+              <a:lnSpc>
+                <a:spcPts val="1889"/>
+              </a:lnSpc>
+            </a:pPr>
+            <a:r>
+              <a:rPr lang="en-US" sz="1350">
+                <a:solidFill>
+                  <a:srgbClr val="366FB5"/>
+                </a:solidFill>
+                <a:latin typeface="Arab Times"/>
+                <a:ea typeface="Arab Times"/>
+                <a:cs typeface="Arab Times"/>
+                <a:sym typeface="Arab Times"/>
+              </a:rPr>
+              <a:t>Nationality</a:t>
+            </a:r>
+          </a:p>
+        </p:txBody>
+      </p:sp>
+      <p:sp>
+        <p:nvSpPr>
+          <p:cNvPr name="TextBox 26" id="26"/>
+          <p:cNvSpPr txBox="true"/>
+          <p:nvPr/>
+        </p:nvSpPr>
+        <p:spPr>
+          <a:xfrm rot="0">
+            <a:off x="918591" y="3703853"/>
+            <a:ext cx="1170642" cy="300885"/>
+          </a:xfrm>
+          <a:prstGeom prst="rect">
+            <a:avLst/>
+          </a:prstGeom>
+        </p:spPr>
+        <p:txBody>
+          <a:bodyPr anchor="t" rtlCol="false" tIns="0" lIns="0" bIns="0" rIns="0">
+            <a:spAutoFit/>
+          </a:bodyPr>
+          <a:lstStyle/>
+          <a:p>
+            <a:pPr algn="l">
+              <a:lnSpc>
+                <a:spcPts val="1889"/>
+              </a:lnSpc>
+            </a:pPr>
+            <a:r>
+              <a:rPr lang="en-US" sz="1350">
+                <a:solidFill>
+                  <a:srgbClr val="FFFFFF"/>
+                </a:solidFill>
+                <a:latin typeface="Arab Times"/>
+                <a:ea typeface="Arab Times"/>
+                <a:cs typeface="Arab Times"/>
+                <a:sym typeface="Arab Times"/>
+              </a:rPr>
+              <a:t>Leave Duration</a:t>
+            </a:r>
+          </a:p>
+        </p:txBody>
+      </p:sp>
+      <p:sp>
+        <p:nvSpPr>
+          <p:cNvPr name="TextBox 27" id="27"/>
+          <p:cNvSpPr txBox="true"/>
+          <p:nvPr/>
+        </p:nvSpPr>
+        <p:spPr>
+          <a:xfrm rot="0">
+            <a:off x="932945" y="4780559"/>
+            <a:ext cx="1324756" cy="222885"/>
+          </a:xfrm>
+          <a:prstGeom prst="rect">
+            <a:avLst/>
+          </a:prstGeom>
+        </p:spPr>
+        <p:txBody>
+          <a:bodyPr anchor="t" rtlCol="false" tIns="0" lIns="0" bIns="0" rIns="0">
+            <a:spAutoFit/>
+          </a:bodyPr>
+          <a:lstStyle/>
+          <a:p>
+            <a:pPr algn="l">
+              <a:lnSpc>
+                <a:spcPts val="1889"/>
+              </a:lnSpc>
+            </a:pPr>
+            <a:r>
+              <a:rPr lang="en-US" sz="1350">
+                <a:solidFill>
+                  <a:srgbClr val="366FB5"/>
+                </a:solidFill>
+                <a:latin typeface="Fedra sans arabic"/>
+                <a:ea typeface="Fedra sans arabic"/>
+                <a:cs typeface="Fedra sans arabic"/>
+                <a:sym typeface="Fedra sans arabic"/>
+              </a:rPr>
+              <a:t>Discharge Date</a:t>
+            </a:r>
+          </a:p>
+        </p:txBody>
+      </p:sp>
+      <p:sp>
+        <p:nvSpPr>
+          <p:cNvPr name="TextBox 28" id="28"/>
+          <p:cNvSpPr txBox="true"/>
+          <p:nvPr/>
+        </p:nvSpPr>
+        <p:spPr>
+          <a:xfrm rot="0">
+            <a:off x="913762" y="4227862"/>
+            <a:ext cx="1709299" cy="241935"/>
+          </a:xfrm>
+          <a:prstGeom prst="rect">
+            <a:avLst/>
+          </a:prstGeom>
+        </p:spPr>
+        <p:txBody>
+          <a:bodyPr anchor="t" rtlCol="false" tIns="0" lIns="0" bIns="0" rIns="0">
+            <a:spAutoFit/>
+          </a:bodyPr>
+          <a:lstStyle/>
+          <a:p>
+            <a:pPr algn="l">
+              <a:lnSpc>
+                <a:spcPts val="1889"/>
+              </a:lnSpc>
+            </a:pPr>
+            <a:r>
+              <a:rPr lang="en-US" b="true" sz="1350">
+                <a:solidFill>
+                  <a:srgbClr val="366FB5"/>
+                </a:solidFill>
+                <a:latin typeface="Times New Roman Bold"/>
+                <a:ea typeface="Times New Roman Bold"/>
+                <a:cs typeface="Times New Roman Bold"/>
+                <a:sym typeface="Times New Roman Bold"/>
+              </a:rPr>
+              <a:t>Admission Date</a:t>
+            </a:r>
+          </a:p>
+        </p:txBody>
+      </p:sp>
+      <p:sp>
+        <p:nvSpPr>
+          <p:cNvPr name="TextBox 29" id="29"/>
+          <p:cNvSpPr txBox="true"/>
+          <p:nvPr/>
+        </p:nvSpPr>
+        <p:spPr>
+          <a:xfrm rot="0">
+            <a:off x="813940" y="7988456"/>
+            <a:ext cx="1383992" cy="300885"/>
+          </a:xfrm>
+          <a:prstGeom prst="rect">
+            <a:avLst/>
+          </a:prstGeom>
+        </p:spPr>
+        <p:txBody>
+          <a:bodyPr anchor="t" rtlCol="false" tIns="0" lIns="0" bIns="0" rIns="0">
+            <a:spAutoFit/>
+          </a:bodyPr>
+          <a:lstStyle/>
+          <a:p>
+            <a:pPr algn="l">
+              <a:lnSpc>
+                <a:spcPts val="1889"/>
+              </a:lnSpc>
+            </a:pPr>
+            <a:r>
+              <a:rPr lang="en-US" sz="1350">
+                <a:solidFill>
+                  <a:srgbClr val="366FB5"/>
+                </a:solidFill>
+                <a:latin typeface="Arab Times"/>
+                <a:ea typeface="Arab Times"/>
+                <a:cs typeface="Arab Times"/>
+                <a:sym typeface="Arab Times"/>
+              </a:rPr>
+              <a:t>Practitioner Name</a:t>
+            </a:r>
+          </a:p>
+        </p:txBody>
+      </p:sp>
+      <p:sp>
+        <p:nvSpPr>
+          <p:cNvPr name="TextBox 30" id="30"/>
+          <p:cNvSpPr txBox="true"/>
+          <p:nvPr/>
+        </p:nvSpPr>
+        <p:spPr>
+          <a:xfrm rot="0">
+            <a:off x="756542" y="6371615"/>
+            <a:ext cx="1501159" cy="300885"/>
+          </a:xfrm>
+          <a:prstGeom prst="rect">
+            <a:avLst/>
+          </a:prstGeom>
+        </p:spPr>
+        <p:txBody>
+          <a:bodyPr anchor="t" rtlCol="false" tIns="0" lIns="0" bIns="0" rIns="0">
+            <a:spAutoFit/>
+          </a:bodyPr>
+          <a:lstStyle/>
+          <a:p>
+            <a:pPr algn="l">
+              <a:lnSpc>
+                <a:spcPts val="1889"/>
+              </a:lnSpc>
+            </a:pPr>
+            <a:r>
+              <a:rPr lang="en-US" sz="1350">
+                <a:solidFill>
+                  <a:srgbClr val="366FB5"/>
+                </a:solidFill>
+                <a:latin typeface="Arab Times"/>
+                <a:ea typeface="Arab Times"/>
+                <a:cs typeface="Arab Times"/>
+                <a:sym typeface="Arab Times"/>
+              </a:rPr>
+              <a:t>National ID / Iqama</a:t>
+            </a:r>
+          </a:p>
+        </p:txBody>
+      </p:sp>
+      <p:sp>
+        <p:nvSpPr>
+          <p:cNvPr name="TextBox 31" id="31"/>
+          <p:cNvSpPr txBox="true"/>
+          <p:nvPr/>
+        </p:nvSpPr>
+        <p:spPr>
+          <a:xfrm rot="0">
+            <a:off x="2522466" y="5868734"/>
+            <a:ext cx="3008388" cy="222885"/>
+          </a:xfrm>
+          <a:prstGeom prst="rect">
+            <a:avLst/>
+          </a:prstGeom>
+        </p:spPr>
+        <p:txBody>
+          <a:bodyPr anchor="t" rtlCol="false" tIns="0" lIns="0" bIns="0" rIns="0">
+            <a:spAutoFit/>
+          </a:bodyPr>
+          <a:lstStyle/>
+          <a:p>
+            <a:pPr algn="ctr">
+              <a:lnSpc>
+                <a:spcPts val="1889"/>
+              </a:lnSpc>
+            </a:pPr>
+            <a:r>
+              <a:rPr lang="en-US" sz="1350" spc="-4">
+                <a:solidFill>
+                  <a:srgbClr val="2C3E77"/>
+                </a:solidFill>
+                <a:latin typeface="Fedra sans arabic"/>
+                <a:ea typeface="Fedra sans arabic"/>
+                <a:cs typeface="Fedra sans arabic"/>
+                <a:sym typeface="Fedra sans arabic"/>
+              </a:rPr>
+              <a:t>{{N</a:t>
+            </a:r>
+            <a:r>
+              <a:rPr lang="en-US" sz="1350" spc="-4">
+                <a:solidFill>
+                  <a:srgbClr val="2C3E77"/>
+                </a:solidFill>
+                <a:latin typeface="Fedra sans arabic"/>
+                <a:ea typeface="Fedra sans arabic"/>
+                <a:cs typeface="Fedra sans arabic"/>
+                <a:sym typeface="Fedra sans arabic"/>
+              </a:rPr>
+              <a:t>AME_EN}}</a:t>
+            </a:r>
+          </a:p>
+        </p:txBody>
+      </p:sp>
+      <p:sp>
+        <p:nvSpPr>
+          <p:cNvPr name="TextBox 32" id="32"/>
+          <p:cNvSpPr txBox="true"/>
+          <p:nvPr/>
+        </p:nvSpPr>
+        <p:spPr>
+          <a:xfrm rot="0">
+            <a:off x="2823086" y="3699643"/>
+            <a:ext cx="2486777" cy="304152"/>
+          </a:xfrm>
+          <a:prstGeom prst="rect">
+            <a:avLst/>
+          </a:prstGeom>
+        </p:spPr>
+        <p:txBody>
+          <a:bodyPr anchor="t" rtlCol="false" tIns="0" lIns="0" bIns="0" rIns="0">
+            <a:spAutoFit/>
+          </a:bodyPr>
+          <a:lstStyle/>
+          <a:p>
+            <a:pPr algn="l">
+              <a:lnSpc>
+                <a:spcPts val="1889"/>
+              </a:lnSpc>
+            </a:pPr>
+            <a:r>
+              <a:rPr lang="en-US" sz="1350" spc="-4">
+                <a:solidFill>
+                  <a:srgbClr val="FFFFFF"/>
+                </a:solidFill>
+                <a:latin typeface="Open Sans"/>
+                <a:ea typeface="Open Sans"/>
+                <a:cs typeface="Open Sans"/>
+                <a:sym typeface="Open Sans"/>
+              </a:rPr>
+              <a:t>1 day ( 29-06-2025 to 29-06-2025 )</a:t>
+            </a:r>
+          </a:p>
+        </p:txBody>
+      </p:sp>
+      <p:sp>
+        <p:nvSpPr>
+          <p:cNvPr name="TextBox 33" id="33"/>
+          <p:cNvSpPr txBox="true"/>
+          <p:nvPr/>
+        </p:nvSpPr>
+        <p:spPr>
+          <a:xfrm rot="0">
+            <a:off x="3956428" y="7291711"/>
+            <a:ext cx="174879" cy="447027"/>
+          </a:xfrm>
+          <a:prstGeom prst="rect">
+            <a:avLst/>
+          </a:prstGeom>
+        </p:spPr>
+        <p:txBody>
+          <a:bodyPr anchor="t" rtlCol="false" tIns="0" lIns="0" bIns="0" rIns="0">
+            <a:spAutoFit/>
+          </a:bodyPr>
+          <a:lstStyle/>
+          <a:p>
+            <a:pPr algn="l">
+              <a:lnSpc>
+                <a:spcPts val="3375"/>
+              </a:lnSpc>
+            </a:pPr>
+            <a:r>
+              <a:rPr lang="en-US" sz="1350" spc="-4">
+                <a:solidFill>
+                  <a:srgbClr val="2C3E77"/>
+                </a:solidFill>
+                <a:latin typeface="Open Sans"/>
+                <a:ea typeface="Open Sans"/>
+                <a:cs typeface="Open Sans"/>
+                <a:sym typeface="Open Sans"/>
+              </a:rPr>
+              <a:t>    </a:t>
+            </a:r>
+          </a:p>
+        </p:txBody>
+      </p:sp>
+      <p:sp>
+        <p:nvSpPr>
+          <p:cNvPr name="TextBox 34" id="34"/>
+          <p:cNvSpPr txBox="true"/>
+          <p:nvPr/>
+        </p:nvSpPr>
+        <p:spPr>
+          <a:xfrm rot="0">
+            <a:off x="2551061" y="5346182"/>
+            <a:ext cx="6018267" cy="232410"/>
+          </a:xfrm>
+          <a:prstGeom prst="rect">
+            <a:avLst/>
+          </a:prstGeom>
+        </p:spPr>
+        <p:txBody>
+          <a:bodyPr anchor="t" rtlCol="false" tIns="0" lIns="0" bIns="0" rIns="0">
+            <a:spAutoFit/>
+          </a:bodyPr>
+          <a:lstStyle/>
+          <a:p>
+            <a:pPr algn="ctr">
+              <a:lnSpc>
+                <a:spcPts val="1889"/>
+              </a:lnSpc>
+            </a:pPr>
+            <a:r>
+              <a:rPr lang="en-US" sz="1350" spc="-4">
+                <a:solidFill>
+                  <a:srgbClr val="2C3E77"/>
+                </a:solidFill>
+                <a:latin typeface="Open Sans"/>
+                <a:ea typeface="Open Sans"/>
+                <a:cs typeface="Open Sans"/>
+                <a:sym typeface="Open Sans"/>
+              </a:rPr>
+              <a:t>{{REPORT_ISSUE_DATE}}</a:t>
+            </a:r>
+          </a:p>
+        </p:txBody>
+      </p:sp>
+      <p:sp>
+        <p:nvSpPr>
+          <p:cNvPr name="TextBox 35" id="35"/>
+          <p:cNvSpPr txBox="true"/>
+          <p:nvPr/>
+        </p:nvSpPr>
+        <p:spPr>
+          <a:xfrm rot="0">
+            <a:off x="2551061" y="6405853"/>
+            <a:ext cx="6018267" cy="232410"/>
+          </a:xfrm>
+          <a:prstGeom prst="rect">
+            <a:avLst/>
+          </a:prstGeom>
+        </p:spPr>
+        <p:txBody>
+          <a:bodyPr anchor="t" rtlCol="false" tIns="0" lIns="0" bIns="0" rIns="0">
+            <a:spAutoFit/>
+          </a:bodyPr>
+          <a:lstStyle/>
+          <a:p>
+            <a:pPr algn="ctr">
+              <a:lnSpc>
+                <a:spcPts val="1889"/>
+              </a:lnSpc>
+            </a:pPr>
+            <a:r>
+              <a:rPr lang="en-US" sz="1350" spc="-4">
+                <a:solidFill>
+                  <a:srgbClr val="2C3E77"/>
+                </a:solidFill>
+                <a:latin typeface="Open Sans"/>
+                <a:ea typeface="Open Sans"/>
+                <a:cs typeface="Open Sans"/>
+                <a:sym typeface="Open Sans"/>
+              </a:rPr>
+              <a:t>{{ID_NUMBER}}</a:t>
+            </a:r>
+          </a:p>
+        </p:txBody>
+      </p:sp>
+      <p:sp>
+        <p:nvSpPr>
+          <p:cNvPr name="TextBox 36" id="36"/>
+          <p:cNvSpPr txBox="true"/>
+          <p:nvPr/>
+        </p:nvSpPr>
+        <p:spPr>
+          <a:xfrm rot="0">
+            <a:off x="4937379" y="3156595"/>
+            <a:ext cx="1559147" cy="232410"/>
+          </a:xfrm>
+          <a:prstGeom prst="rect">
+            <a:avLst/>
+          </a:prstGeom>
+        </p:spPr>
+        <p:txBody>
+          <a:bodyPr anchor="t" rtlCol="false" tIns="0" lIns="0" bIns="0" rIns="0">
+            <a:spAutoFit/>
+          </a:bodyPr>
+          <a:lstStyle/>
+          <a:p>
+            <a:pPr algn="l">
+              <a:lnSpc>
+                <a:spcPts val="1889"/>
+              </a:lnSpc>
+            </a:pPr>
+            <a:r>
+              <a:rPr lang="en-US" sz="1350" spc="-4">
+                <a:solidFill>
+                  <a:srgbClr val="2C3E77"/>
+                </a:solidFill>
+                <a:latin typeface="Open Sans"/>
+                <a:ea typeface="Open Sans"/>
+                <a:cs typeface="Open Sans"/>
+                <a:sym typeface="Open Sans"/>
+              </a:rPr>
+              <a:t>{{</a:t>
+            </a:r>
+            <a:r>
+              <a:rPr lang="en-US" sz="1350" spc="-4">
+                <a:solidFill>
+                  <a:srgbClr val="2C3E77"/>
+                </a:solidFill>
+                <a:latin typeface="Open Sans"/>
+                <a:ea typeface="Open Sans"/>
+                <a:cs typeface="Open Sans"/>
+                <a:sym typeface="Open Sans"/>
+              </a:rPr>
+              <a:t>SERVICE_CODE}}</a:t>
+            </a:r>
+          </a:p>
+        </p:txBody>
+      </p:sp>
+      <p:sp>
+        <p:nvSpPr>
+          <p:cNvPr name="TextBox 37" id="37"/>
+          <p:cNvSpPr txBox="true"/>
+          <p:nvPr/>
+        </p:nvSpPr>
+        <p:spPr>
+          <a:xfrm rot="0">
+            <a:off x="5871210" y="3706254"/>
+            <a:ext cx="917943" cy="304152"/>
+          </a:xfrm>
+          <a:prstGeom prst="rect">
+            <a:avLst/>
+          </a:prstGeom>
+        </p:spPr>
+        <p:txBody>
+          <a:bodyPr anchor="t" rtlCol="false" tIns="0" lIns="0" bIns="0" rIns="0">
+            <a:spAutoFit/>
+          </a:bodyPr>
+          <a:lstStyle/>
+          <a:p>
+            <a:pPr algn="l">
+              <a:lnSpc>
+                <a:spcPts val="1889"/>
+              </a:lnSpc>
+            </a:pPr>
+            <a:r>
+              <a:rPr lang="en-US" sz="1350" spc="-4">
+                <a:solidFill>
+                  <a:srgbClr val="FFFFFF"/>
+                </a:solidFill>
+                <a:latin typeface="Open Sans"/>
+                <a:ea typeface="Open Sans"/>
+                <a:cs typeface="Open Sans"/>
+                <a:sym typeface="Open Sans"/>
+              </a:rPr>
+              <a:t>(04-01-1447 </a:t>
+            </a:r>
+          </a:p>
+        </p:txBody>
+      </p:sp>
+      <p:sp>
+        <p:nvSpPr>
+          <p:cNvPr name="TextBox 38" id="38"/>
+          <p:cNvSpPr txBox="true"/>
+          <p:nvPr/>
+        </p:nvSpPr>
+        <p:spPr>
+          <a:xfrm rot="0">
+            <a:off x="5564572" y="4802695"/>
+            <a:ext cx="3004756" cy="232410"/>
+          </a:xfrm>
+          <a:prstGeom prst="rect">
+            <a:avLst/>
+          </a:prstGeom>
+        </p:spPr>
+        <p:txBody>
+          <a:bodyPr anchor="t" rtlCol="false" tIns="0" lIns="0" bIns="0" rIns="0">
+            <a:spAutoFit/>
+          </a:bodyPr>
+          <a:lstStyle/>
+          <a:p>
+            <a:pPr algn="ctr">
+              <a:lnSpc>
+                <a:spcPts val="1889"/>
+              </a:lnSpc>
+            </a:pPr>
+            <a:r>
+              <a:rPr lang="en-US" sz="1350" spc="-4">
+                <a:solidFill>
+                  <a:srgbClr val="2C3E77"/>
+                </a:solidFill>
+                <a:latin typeface="Open Sans"/>
+                <a:ea typeface="Open Sans"/>
+                <a:cs typeface="Open Sans"/>
+                <a:sym typeface="Open Sans"/>
+              </a:rPr>
+              <a:t>{{EXIT_DATE_HIJRI}}</a:t>
+            </a:r>
+          </a:p>
+        </p:txBody>
+      </p:sp>
+      <p:sp>
+        <p:nvSpPr>
+          <p:cNvPr name="TextBox 39" id="39"/>
+          <p:cNvSpPr txBox="true"/>
+          <p:nvPr/>
+        </p:nvSpPr>
+        <p:spPr>
+          <a:xfrm rot="0">
+            <a:off x="6982711" y="3596354"/>
+            <a:ext cx="963387" cy="474916"/>
+          </a:xfrm>
+          <a:prstGeom prst="rect">
+            <a:avLst/>
+          </a:prstGeom>
+        </p:spPr>
+        <p:txBody>
+          <a:bodyPr anchor="t" rtlCol="false" tIns="0" lIns="0" bIns="0" rIns="0">
+            <a:spAutoFit/>
+          </a:bodyPr>
+          <a:lstStyle/>
+          <a:p>
+            <a:pPr algn="l">
+              <a:lnSpc>
+                <a:spcPts val="1889"/>
+              </a:lnSpc>
+            </a:pPr>
+            <a:r>
+              <a:rPr lang="en-US" sz="1350" spc="-4">
+                <a:solidFill>
+                  <a:srgbClr val="FFFFFF"/>
+                </a:solidFill>
+                <a:latin typeface="Open Sans"/>
+                <a:ea typeface="Open Sans"/>
+                <a:cs typeface="Open Sans"/>
+                <a:sym typeface="Open Sans"/>
+              </a:rPr>
+              <a:t> 04-01-1447) </a:t>
+            </a:r>
+          </a:p>
+        </p:txBody>
+      </p:sp>
+      <p:sp>
+        <p:nvSpPr>
+          <p:cNvPr name="TextBox 40" id="40"/>
+          <p:cNvSpPr txBox="true"/>
+          <p:nvPr/>
+        </p:nvSpPr>
+        <p:spPr>
+          <a:xfrm rot="0">
+            <a:off x="8142351" y="3706254"/>
+            <a:ext cx="131159" cy="304152"/>
+          </a:xfrm>
+          <a:prstGeom prst="rect">
+            <a:avLst/>
+          </a:prstGeom>
+        </p:spPr>
+        <p:txBody>
+          <a:bodyPr anchor="t" rtlCol="false" tIns="0" lIns="0" bIns="0" rIns="0">
+            <a:spAutoFit/>
+          </a:bodyPr>
+          <a:lstStyle/>
+          <a:p>
+            <a:pPr algn="l">
+              <a:lnSpc>
+                <a:spcPts val="1889"/>
+              </a:lnSpc>
+            </a:pPr>
+            <a:r>
+              <a:rPr lang="en-US" sz="1350" spc="-4">
+                <a:solidFill>
+                  <a:srgbClr val="FFFFFF"/>
+                </a:solidFill>
+                <a:latin typeface="Open Sans"/>
+                <a:ea typeface="Open Sans"/>
+                <a:cs typeface="Open Sans"/>
+                <a:sym typeface="Open Sans"/>
+              </a:rPr>
+              <a:t> 1</a:t>
+            </a:r>
+          </a:p>
+        </p:txBody>
+      </p:sp>
+      <p:sp>
+        <p:nvSpPr>
+          <p:cNvPr name="TextBox 41" id="41"/>
+          <p:cNvSpPr txBox="true"/>
+          <p:nvPr/>
+        </p:nvSpPr>
+        <p:spPr>
+          <a:xfrm rot="0">
+            <a:off x="6771132" y="3697100"/>
+            <a:ext cx="215798" cy="273406"/>
+          </a:xfrm>
+          <a:prstGeom prst="rect">
+            <a:avLst/>
+          </a:prstGeom>
+        </p:spPr>
+        <p:txBody>
+          <a:bodyPr anchor="t" rtlCol="false" tIns="0" lIns="0" bIns="0" rIns="0">
+            <a:spAutoFit/>
+          </a:bodyPr>
+          <a:lstStyle/>
+          <a:p>
+            <a:pPr algn="l" rtl="true">
+              <a:lnSpc>
+                <a:spcPts val="1889"/>
+              </a:lnSpc>
+            </a:pPr>
+            <a:r>
+              <a:rPr lang="ar-EG" sz="1350">
+                <a:solidFill>
+                  <a:srgbClr val="FFFFFF"/>
+                </a:solidFill>
+                <a:latin typeface="Noto Sans Arabic"/>
+                <a:ea typeface="Noto Sans Arabic"/>
+                <a:cs typeface="Noto Sans Arabic"/>
+                <a:sym typeface="Noto Sans Arabic"/>
+                <a:rtl val="true"/>
+              </a:rPr>
+              <a:t>الىلى</a:t>
+            </a:r>
+          </a:p>
+        </p:txBody>
+      </p:sp>
+      <p:sp>
+        <p:nvSpPr>
+          <p:cNvPr name="TextBox 42" id="42"/>
+          <p:cNvSpPr txBox="true"/>
+          <p:nvPr/>
+        </p:nvSpPr>
+        <p:spPr>
+          <a:xfrm rot="0">
+            <a:off x="5540378" y="5868481"/>
+            <a:ext cx="3028950" cy="232410"/>
+          </a:xfrm>
+          <a:prstGeom prst="rect">
+            <a:avLst/>
+          </a:prstGeom>
+        </p:spPr>
+        <p:txBody>
+          <a:bodyPr anchor="t" rtlCol="false" tIns="0" lIns="0" bIns="0" rIns="0">
+            <a:spAutoFit/>
+          </a:bodyPr>
+          <a:lstStyle/>
+          <a:p>
+            <a:pPr algn="ctr">
+              <a:lnSpc>
+                <a:spcPts val="1889"/>
+              </a:lnSpc>
+            </a:pPr>
+            <a:r>
+              <a:rPr lang="en-US" sz="1350">
+                <a:solidFill>
+                  <a:srgbClr val="2C3E77"/>
+                </a:solidFill>
+                <a:latin typeface="Noto Sans Arabic"/>
+                <a:ea typeface="Noto Sans Arabic"/>
+                <a:cs typeface="Noto Sans Arabic"/>
+                <a:sym typeface="Noto Sans Arabic"/>
+              </a:rPr>
+              <a:t>{{NAME_AR}}</a:t>
+            </a:r>
+          </a:p>
+        </p:txBody>
+      </p:sp>
+      <p:sp>
+        <p:nvSpPr>
+          <p:cNvPr name="TextBox 43" id="43"/>
+          <p:cNvSpPr txBox="true"/>
+          <p:nvPr/>
+        </p:nvSpPr>
+        <p:spPr>
+          <a:xfrm rot="0">
+            <a:off x="7927210" y="3697100"/>
+            <a:ext cx="219475" cy="273406"/>
+          </a:xfrm>
+          <a:prstGeom prst="rect">
+            <a:avLst/>
+          </a:prstGeom>
+        </p:spPr>
+        <p:txBody>
+          <a:bodyPr anchor="t" rtlCol="false" tIns="0" lIns="0" bIns="0" rIns="0">
+            <a:spAutoFit/>
+          </a:bodyPr>
+          <a:lstStyle/>
+          <a:p>
+            <a:pPr algn="l" rtl="true">
+              <a:lnSpc>
+                <a:spcPts val="1889"/>
+              </a:lnSpc>
+            </a:pPr>
+            <a:r>
+              <a:rPr lang="ar-EG" sz="1350">
+                <a:solidFill>
+                  <a:srgbClr val="FFFFFF"/>
+                </a:solidFill>
+                <a:latin typeface="Noto Sans Arabic"/>
+                <a:ea typeface="Noto Sans Arabic"/>
+                <a:cs typeface="Noto Sans Arabic"/>
+                <a:sym typeface="Noto Sans Arabic"/>
+                <a:rtl val="true"/>
+              </a:rPr>
+              <a:t>يوم</a:t>
+            </a:r>
+          </a:p>
+        </p:txBody>
+      </p:sp>
+      <p:sp>
+        <p:nvSpPr>
+          <p:cNvPr name="TextBox 44" id="44"/>
+          <p:cNvSpPr txBox="true"/>
+          <p:nvPr/>
+        </p:nvSpPr>
+        <p:spPr>
+          <a:xfrm rot="0">
+            <a:off x="8719185" y="6270536"/>
+            <a:ext cx="544906" cy="476802"/>
+          </a:xfrm>
+          <a:prstGeom prst="rect">
+            <a:avLst/>
+          </a:prstGeom>
+        </p:spPr>
+        <p:txBody>
+          <a:bodyPr anchor="t" rtlCol="false" tIns="0" lIns="0" bIns="0" rIns="0">
+            <a:spAutoFit/>
+          </a:bodyPr>
+          <a:lstStyle/>
+          <a:p>
+            <a:pPr algn="l" rtl="true">
+              <a:lnSpc>
+                <a:spcPts val="1889"/>
+              </a:lnSpc>
+            </a:pPr>
+            <a:r>
+              <a:rPr lang="ar-EG" sz="1350">
+                <a:solidFill>
+                  <a:srgbClr val="366FB5"/>
+                </a:solidFill>
+                <a:latin typeface="Noto Sans Arabic"/>
+                <a:ea typeface="Noto Sans Arabic"/>
+                <a:cs typeface="Noto Sans Arabic"/>
+                <a:sym typeface="Noto Sans Arabic"/>
+                <a:rtl val="true"/>
+              </a:rPr>
+              <a:t> </a:t>
+            </a:r>
+            <a:r>
+              <a:rPr lang="ar-EG" b="true" sz="1350">
+                <a:solidFill>
+                  <a:srgbClr val="366FB5"/>
                 </a:solidFill>
                 <a:latin typeface="Noto Sans Arabic Bold"/>
                 <a:ea typeface="Noto Sans Arabic Bold"/>
@@ -4000,33 +4857,21 @@
                 <a:sym typeface="Noto Sans Arabic Bold"/>
                 <a:rtl val="true"/>
               </a:rPr>
-              <a:t>  </a:t>
-            </a:r>
-            <a:r>
-              <a:rPr lang="en-US" b="true" sz="1855" spc="12">
-                <a:solidFill>
-                  <a:srgbClr val="2C3E77"/>
-                </a:solidFill>
-                <a:latin typeface="Noto Sans Arabic Bold"/>
-                <a:ea typeface="Noto Sans Arabic Bold"/>
-                <a:cs typeface="Noto Sans Arabic Bold"/>
-                <a:sym typeface="Noto Sans Arabic Bold"/>
-              </a:rPr>
-              <a:t>Sick Leave Report</a:t>
-            </a:r>
-          </a:p>
-        </p:txBody>
-      </p:sp>
-      <p:sp>
-        <p:nvSpPr>
-          <p:cNvPr name="TextBox 24" id="24"/>
+              <a:t>الإلإقامة</a:t>
+            </a:r>
+          </a:p>
+        </p:txBody>
+      </p:sp>
+      <p:sp>
+        <p:nvSpPr>
+          <p:cNvPr name="TextBox 45" id="45"/>
           <p:cNvSpPr txBox="true"/>
           <p:nvPr/>
         </p:nvSpPr>
         <p:spPr>
           <a:xfrm rot="0">
-            <a:off x="699730" y="2779509"/>
-            <a:ext cx="617772" cy="253747"/>
+            <a:off x="9195178" y="5838711"/>
+            <a:ext cx="439998" cy="273406"/>
           </a:xfrm>
           <a:prstGeom prst="rect">
             <a:avLst/>
@@ -4038,1539 +4883,13 @@
           </a:bodyPr>
           <a:lstStyle/>
           <a:p>
-            <a:pPr algn="l">
+            <a:pPr algn="l" rtl="true">
               <a:lnSpc>
-                <a:spcPts val="2131"/>
+                <a:spcPts val="1889"/>
               </a:lnSpc>
             </a:pPr>
             <a:r>
-              <a:rPr lang="en-US" b="true" sz="852" spc="2">
-                <a:solidFill>
-                  <a:srgbClr val="366FB5"/>
-                </a:solidFill>
-                <a:latin typeface="Times New Roman Bold"/>
-                <a:ea typeface="Times New Roman Bold"/>
-                <a:cs typeface="Times New Roman Bold"/>
-                <a:sym typeface="Times New Roman Bold"/>
-              </a:rPr>
-              <a:t>Leave ID</a:t>
-            </a:r>
-          </a:p>
-        </p:txBody>
-      </p:sp>
-      <p:sp>
-        <p:nvSpPr>
-          <p:cNvPr name="TextBox 25" id="25"/>
-          <p:cNvSpPr txBox="true"/>
-          <p:nvPr/>
-        </p:nvSpPr>
-        <p:spPr>
-          <a:xfrm rot="0">
-            <a:off x="1369276" y="2801979"/>
-            <a:ext cx="22660" cy="219799"/>
-          </a:xfrm>
-          <a:prstGeom prst="rect">
-            <a:avLst/>
-          </a:prstGeom>
-        </p:spPr>
-        <p:txBody>
-          <a:bodyPr anchor="t" rtlCol="false" tIns="0" lIns="0" bIns="0" rIns="0">
-            <a:spAutoFit/>
-          </a:bodyPr>
-          <a:lstStyle/>
-          <a:p>
-            <a:pPr algn="l">
-              <a:lnSpc>
-                <a:spcPts val="2005"/>
-              </a:lnSpc>
-            </a:pPr>
-            <a:r>
-              <a:rPr lang="en-US" b="true" sz="802" spc="2">
-                <a:solidFill>
-                  <a:srgbClr val="000000"/>
-                </a:solidFill>
-                <a:latin typeface="Cairo Semi-Bold"/>
-                <a:ea typeface="Cairo Semi-Bold"/>
-                <a:cs typeface="Cairo Semi-Bold"/>
-                <a:sym typeface="Cairo Semi-Bold"/>
-              </a:rPr>
-              <a:t> </a:t>
-            </a:r>
-          </a:p>
-        </p:txBody>
-      </p:sp>
-      <p:sp>
-        <p:nvSpPr>
-          <p:cNvPr name="TextBox 26" id="26"/>
-          <p:cNvSpPr txBox="true"/>
-          <p:nvPr/>
-        </p:nvSpPr>
-        <p:spPr>
-          <a:xfrm rot="0">
-            <a:off x="550531" y="3161633"/>
-            <a:ext cx="916170" cy="253747"/>
-          </a:xfrm>
-          <a:prstGeom prst="rect">
-            <a:avLst/>
-          </a:prstGeom>
-        </p:spPr>
-        <p:txBody>
-          <a:bodyPr anchor="t" rtlCol="false" tIns="0" lIns="0" bIns="0" rIns="0">
-            <a:spAutoFit/>
-          </a:bodyPr>
-          <a:lstStyle/>
-          <a:p>
-            <a:pPr algn="l">
-              <a:lnSpc>
-                <a:spcPts val="2131"/>
-              </a:lnSpc>
-            </a:pPr>
-            <a:r>
-              <a:rPr lang="en-US" b="true" sz="852" spc="2">
-                <a:solidFill>
-                  <a:srgbClr val="FFFFFF"/>
-                </a:solidFill>
-                <a:latin typeface="Times New Roman Bold"/>
-                <a:ea typeface="Times New Roman Bold"/>
-                <a:cs typeface="Times New Roman Bold"/>
-                <a:sym typeface="Times New Roman Bold"/>
-              </a:rPr>
-              <a:t>Leave Duration</a:t>
-            </a:r>
-          </a:p>
-        </p:txBody>
-      </p:sp>
-      <p:sp>
-        <p:nvSpPr>
-          <p:cNvPr name="TextBox 27" id="27"/>
-          <p:cNvSpPr txBox="true"/>
-          <p:nvPr/>
-        </p:nvSpPr>
-        <p:spPr>
-          <a:xfrm rot="0">
-            <a:off x="1366095" y="3184103"/>
-            <a:ext cx="22660" cy="219799"/>
-          </a:xfrm>
-          <a:prstGeom prst="rect">
-            <a:avLst/>
-          </a:prstGeom>
-        </p:spPr>
-        <p:txBody>
-          <a:bodyPr anchor="t" rtlCol="false" tIns="0" lIns="0" bIns="0" rIns="0">
-            <a:spAutoFit/>
-          </a:bodyPr>
-          <a:lstStyle/>
-          <a:p>
-            <a:pPr algn="l">
-              <a:lnSpc>
-                <a:spcPts val="2005"/>
-              </a:lnSpc>
-            </a:pPr>
-            <a:r>
-              <a:rPr lang="en-US" b="true" sz="802" spc="2">
-                <a:solidFill>
-                  <a:srgbClr val="000000"/>
-                </a:solidFill>
-                <a:latin typeface="Cairo Semi-Bold"/>
-                <a:ea typeface="Cairo Semi-Bold"/>
-                <a:cs typeface="Cairo Semi-Bold"/>
-                <a:sym typeface="Cairo Semi-Bold"/>
-              </a:rPr>
-              <a:t> </a:t>
-            </a:r>
-          </a:p>
-        </p:txBody>
-      </p:sp>
-      <p:sp>
-        <p:nvSpPr>
-          <p:cNvPr name="TextBox 28" id="28"/>
-          <p:cNvSpPr txBox="true"/>
-          <p:nvPr/>
-        </p:nvSpPr>
-        <p:spPr>
-          <a:xfrm rot="0">
-            <a:off x="549391" y="3538784"/>
-            <a:ext cx="1010951" cy="253747"/>
-          </a:xfrm>
-          <a:prstGeom prst="rect">
-            <a:avLst/>
-          </a:prstGeom>
-        </p:spPr>
-        <p:txBody>
-          <a:bodyPr anchor="t" rtlCol="false" tIns="0" lIns="0" bIns="0" rIns="0">
-            <a:spAutoFit/>
-          </a:bodyPr>
-          <a:lstStyle/>
-          <a:p>
-            <a:pPr algn="l">
-              <a:lnSpc>
-                <a:spcPts val="2131"/>
-              </a:lnSpc>
-            </a:pPr>
-            <a:r>
-              <a:rPr lang="en-US" b="true" sz="852" spc="3">
-                <a:solidFill>
-                  <a:srgbClr val="366FB5"/>
-                </a:solidFill>
-                <a:latin typeface="Times New Roman Bold"/>
-                <a:ea typeface="Times New Roman Bold"/>
-                <a:cs typeface="Times New Roman Bold"/>
-                <a:sym typeface="Times New Roman Bold"/>
-              </a:rPr>
-              <a:t>Admission Date</a:t>
-            </a:r>
-            <a:r>
-              <a:rPr lang="en-US" b="true" sz="852" spc="3">
-                <a:solidFill>
-                  <a:srgbClr val="000000"/>
-                </a:solidFill>
-                <a:latin typeface="Times New Roman Bold"/>
-                <a:ea typeface="Times New Roman Bold"/>
-                <a:cs typeface="Times New Roman Bold"/>
-                <a:sym typeface="Times New Roman Bold"/>
-              </a:rPr>
-              <a:t> </a:t>
-            </a:r>
-          </a:p>
-        </p:txBody>
-      </p:sp>
-      <p:sp>
-        <p:nvSpPr>
-          <p:cNvPr name="TextBox 29" id="29"/>
-          <p:cNvSpPr txBox="true"/>
-          <p:nvPr/>
-        </p:nvSpPr>
-        <p:spPr>
-          <a:xfrm rot="0">
-            <a:off x="563683" y="3923394"/>
-            <a:ext cx="819836" cy="253747"/>
-          </a:xfrm>
-          <a:prstGeom prst="rect">
-            <a:avLst/>
-          </a:prstGeom>
-        </p:spPr>
-        <p:txBody>
-          <a:bodyPr anchor="t" rtlCol="false" tIns="0" lIns="0" bIns="0" rIns="0">
-            <a:spAutoFit/>
-          </a:bodyPr>
-          <a:lstStyle/>
-          <a:p>
-            <a:pPr algn="l">
-              <a:lnSpc>
-                <a:spcPts val="2131"/>
-              </a:lnSpc>
-            </a:pPr>
-            <a:r>
-              <a:rPr lang="en-US" b="true" sz="852" spc="2">
-                <a:solidFill>
-                  <a:srgbClr val="366FB5"/>
-                </a:solidFill>
-                <a:latin typeface="Times New Roman Bold"/>
-                <a:ea typeface="Times New Roman Bold"/>
-                <a:cs typeface="Times New Roman Bold"/>
-                <a:sym typeface="Times New Roman Bold"/>
-              </a:rPr>
-              <a:t>Discharge Date</a:t>
-            </a:r>
-          </a:p>
-        </p:txBody>
-      </p:sp>
-      <p:sp>
-        <p:nvSpPr>
-          <p:cNvPr name="TextBox 30" id="30"/>
-          <p:cNvSpPr txBox="true"/>
-          <p:nvPr/>
-        </p:nvSpPr>
-        <p:spPr>
-          <a:xfrm rot="0">
-            <a:off x="1362913" y="3948351"/>
-            <a:ext cx="22660" cy="219799"/>
-          </a:xfrm>
-          <a:prstGeom prst="rect">
-            <a:avLst/>
-          </a:prstGeom>
-        </p:spPr>
-        <p:txBody>
-          <a:bodyPr anchor="t" rtlCol="false" tIns="0" lIns="0" bIns="0" rIns="0">
-            <a:spAutoFit/>
-          </a:bodyPr>
-          <a:lstStyle/>
-          <a:p>
-            <a:pPr algn="l">
-              <a:lnSpc>
-                <a:spcPts val="2005"/>
-              </a:lnSpc>
-            </a:pPr>
-            <a:r>
-              <a:rPr lang="en-US" b="true" sz="802" spc="2">
-                <a:solidFill>
-                  <a:srgbClr val="000000"/>
-                </a:solidFill>
-                <a:latin typeface="Cairo Semi-Bold"/>
-                <a:ea typeface="Cairo Semi-Bold"/>
-                <a:cs typeface="Cairo Semi-Bold"/>
-                <a:sym typeface="Cairo Semi-Bold"/>
-              </a:rPr>
-              <a:t> </a:t>
-            </a:r>
-          </a:p>
-        </p:txBody>
-      </p:sp>
-      <p:sp>
-        <p:nvSpPr>
-          <p:cNvPr name="TextBox 31" id="31"/>
-          <p:cNvSpPr txBox="true"/>
-          <p:nvPr/>
-        </p:nvSpPr>
-        <p:spPr>
-          <a:xfrm rot="0">
-            <a:off x="670679" y="4308005"/>
-            <a:ext cx="492414" cy="253747"/>
-          </a:xfrm>
-          <a:prstGeom prst="rect">
-            <a:avLst/>
-          </a:prstGeom>
-        </p:spPr>
-        <p:txBody>
-          <a:bodyPr anchor="t" rtlCol="false" tIns="0" lIns="0" bIns="0" rIns="0">
-            <a:spAutoFit/>
-          </a:bodyPr>
-          <a:lstStyle/>
-          <a:p>
-            <a:pPr algn="l">
-              <a:lnSpc>
-                <a:spcPts val="2131"/>
-              </a:lnSpc>
-            </a:pPr>
-            <a:r>
-              <a:rPr lang="en-US" b="true" sz="852" spc="2">
-                <a:solidFill>
-                  <a:srgbClr val="366FB5"/>
-                </a:solidFill>
-                <a:latin typeface="Times New Roman Bold"/>
-                <a:ea typeface="Times New Roman Bold"/>
-                <a:cs typeface="Times New Roman Bold"/>
-                <a:sym typeface="Times New Roman Bold"/>
-              </a:rPr>
-              <a:t>Issue Date</a:t>
-            </a:r>
-          </a:p>
-        </p:txBody>
-      </p:sp>
-      <p:sp>
-        <p:nvSpPr>
-          <p:cNvPr name="TextBox 32" id="32"/>
-          <p:cNvSpPr txBox="true"/>
-          <p:nvPr/>
-        </p:nvSpPr>
-        <p:spPr>
-          <a:xfrm rot="0">
-            <a:off x="1369276" y="4330475"/>
-            <a:ext cx="22660" cy="219799"/>
-          </a:xfrm>
-          <a:prstGeom prst="rect">
-            <a:avLst/>
-          </a:prstGeom>
-        </p:spPr>
-        <p:txBody>
-          <a:bodyPr anchor="t" rtlCol="false" tIns="0" lIns="0" bIns="0" rIns="0">
-            <a:spAutoFit/>
-          </a:bodyPr>
-          <a:lstStyle/>
-          <a:p>
-            <a:pPr algn="l">
-              <a:lnSpc>
-                <a:spcPts val="2005"/>
-              </a:lnSpc>
-            </a:pPr>
-            <a:r>
-              <a:rPr lang="en-US" b="true" sz="802" spc="2">
-                <a:solidFill>
-                  <a:srgbClr val="000000"/>
-                </a:solidFill>
-                <a:latin typeface="Cairo Semi-Bold"/>
-                <a:ea typeface="Cairo Semi-Bold"/>
-                <a:cs typeface="Cairo Semi-Bold"/>
-                <a:sym typeface="Cairo Semi-Bold"/>
-              </a:rPr>
-              <a:t> </a:t>
-            </a:r>
-          </a:p>
-        </p:txBody>
-      </p:sp>
-      <p:sp>
-        <p:nvSpPr>
-          <p:cNvPr name="TextBox 33" id="33"/>
-          <p:cNvSpPr txBox="true"/>
-          <p:nvPr/>
-        </p:nvSpPr>
-        <p:spPr>
-          <a:xfrm rot="0">
-            <a:off x="756000" y="4690129"/>
-            <a:ext cx="278654" cy="253747"/>
-          </a:xfrm>
-          <a:prstGeom prst="rect">
-            <a:avLst/>
-          </a:prstGeom>
-        </p:spPr>
-        <p:txBody>
-          <a:bodyPr anchor="t" rtlCol="false" tIns="0" lIns="0" bIns="0" rIns="0">
-            <a:spAutoFit/>
-          </a:bodyPr>
-          <a:lstStyle/>
-          <a:p>
-            <a:pPr algn="l">
-              <a:lnSpc>
-                <a:spcPts val="2131"/>
-              </a:lnSpc>
-            </a:pPr>
-            <a:r>
-              <a:rPr lang="en-US" b="true" sz="852" spc="4">
-                <a:solidFill>
-                  <a:srgbClr val="366FB5"/>
-                </a:solidFill>
-                <a:latin typeface="Times New Roman Bold"/>
-                <a:ea typeface="Times New Roman Bold"/>
-                <a:cs typeface="Times New Roman Bold"/>
-                <a:sym typeface="Times New Roman Bold"/>
-              </a:rPr>
-              <a:t>Name</a:t>
-            </a:r>
-          </a:p>
-        </p:txBody>
-      </p:sp>
-      <p:sp>
-        <p:nvSpPr>
-          <p:cNvPr name="TextBox 34" id="34"/>
-          <p:cNvSpPr txBox="true"/>
-          <p:nvPr/>
-        </p:nvSpPr>
-        <p:spPr>
-          <a:xfrm rot="0">
-            <a:off x="1369276" y="4712599"/>
-            <a:ext cx="22660" cy="219799"/>
-          </a:xfrm>
-          <a:prstGeom prst="rect">
-            <a:avLst/>
-          </a:prstGeom>
-        </p:spPr>
-        <p:txBody>
-          <a:bodyPr anchor="t" rtlCol="false" tIns="0" lIns="0" bIns="0" rIns="0">
-            <a:spAutoFit/>
-          </a:bodyPr>
-          <a:lstStyle/>
-          <a:p>
-            <a:pPr algn="l">
-              <a:lnSpc>
-                <a:spcPts val="2005"/>
-              </a:lnSpc>
-            </a:pPr>
-            <a:r>
-              <a:rPr lang="en-US" b="true" sz="802" spc="4">
-                <a:solidFill>
-                  <a:srgbClr val="000000"/>
-                </a:solidFill>
-                <a:latin typeface="Cairo Semi-Bold"/>
-                <a:ea typeface="Cairo Semi-Bold"/>
-                <a:cs typeface="Cairo Semi-Bold"/>
-                <a:sym typeface="Cairo Semi-Bold"/>
-              </a:rPr>
-              <a:t> </a:t>
-            </a:r>
-          </a:p>
-        </p:txBody>
-      </p:sp>
-      <p:sp>
-        <p:nvSpPr>
-          <p:cNvPr name="TextBox 35" id="35"/>
-          <p:cNvSpPr txBox="true"/>
-          <p:nvPr/>
-        </p:nvSpPr>
-        <p:spPr>
-          <a:xfrm rot="0">
-            <a:off x="476918" y="5078625"/>
-            <a:ext cx="1031545" cy="253747"/>
-          </a:xfrm>
-          <a:prstGeom prst="rect">
-            <a:avLst/>
-          </a:prstGeom>
-        </p:spPr>
-        <p:txBody>
-          <a:bodyPr anchor="t" rtlCol="false" tIns="0" lIns="0" bIns="0" rIns="0">
-            <a:spAutoFit/>
-          </a:bodyPr>
-          <a:lstStyle/>
-          <a:p>
-            <a:pPr algn="l">
-              <a:lnSpc>
-                <a:spcPts val="2131"/>
-              </a:lnSpc>
-            </a:pPr>
-            <a:r>
-              <a:rPr lang="en-US" b="true" sz="852" spc="6">
-                <a:solidFill>
-                  <a:srgbClr val="366FB5"/>
-                </a:solidFill>
-                <a:latin typeface="Times New Roman Bold"/>
-                <a:ea typeface="Times New Roman Bold"/>
-                <a:cs typeface="Times New Roman Bold"/>
-                <a:sym typeface="Times New Roman Bold"/>
-              </a:rPr>
-              <a:t>National ID/Iqama</a:t>
-            </a:r>
-            <a:r>
-              <a:rPr lang="en-US" b="true" sz="852" spc="6">
-                <a:solidFill>
-                  <a:srgbClr val="000000"/>
-                </a:solidFill>
-                <a:latin typeface="Times New Roman Bold"/>
-                <a:ea typeface="Times New Roman Bold"/>
-                <a:cs typeface="Times New Roman Bold"/>
-                <a:sym typeface="Times New Roman Bold"/>
-              </a:rPr>
-              <a:t> </a:t>
-            </a:r>
-          </a:p>
-        </p:txBody>
-      </p:sp>
-      <p:sp>
-        <p:nvSpPr>
-          <p:cNvPr name="TextBox 36" id="36"/>
-          <p:cNvSpPr txBox="true"/>
-          <p:nvPr/>
-        </p:nvSpPr>
-        <p:spPr>
-          <a:xfrm rot="0">
-            <a:off x="650315" y="5460749"/>
-            <a:ext cx="609743" cy="253747"/>
-          </a:xfrm>
-          <a:prstGeom prst="rect">
-            <a:avLst/>
-          </a:prstGeom>
-        </p:spPr>
-        <p:txBody>
-          <a:bodyPr anchor="t" rtlCol="false" tIns="0" lIns="0" bIns="0" rIns="0">
-            <a:spAutoFit/>
-          </a:bodyPr>
-          <a:lstStyle/>
-          <a:p>
-            <a:pPr algn="l">
-              <a:lnSpc>
-                <a:spcPts val="2131"/>
-              </a:lnSpc>
-            </a:pPr>
-            <a:r>
-              <a:rPr lang="en-US" b="true" sz="852" spc="2">
-                <a:solidFill>
-                  <a:srgbClr val="366FB5"/>
-                </a:solidFill>
-                <a:latin typeface="Times New Roman Bold"/>
-                <a:ea typeface="Times New Roman Bold"/>
-                <a:cs typeface="Times New Roman Bold"/>
-                <a:sym typeface="Times New Roman Bold"/>
-              </a:rPr>
-              <a:t>Nationality</a:t>
-            </a:r>
-          </a:p>
-        </p:txBody>
-      </p:sp>
-      <p:sp>
-        <p:nvSpPr>
-          <p:cNvPr name="TextBox 37" id="37"/>
-          <p:cNvSpPr txBox="true"/>
-          <p:nvPr/>
-        </p:nvSpPr>
-        <p:spPr>
-          <a:xfrm rot="0">
-            <a:off x="1366095" y="5483219"/>
-            <a:ext cx="22660" cy="219799"/>
-          </a:xfrm>
-          <a:prstGeom prst="rect">
-            <a:avLst/>
-          </a:prstGeom>
-        </p:spPr>
-        <p:txBody>
-          <a:bodyPr anchor="t" rtlCol="false" tIns="0" lIns="0" bIns="0" rIns="0">
-            <a:spAutoFit/>
-          </a:bodyPr>
-          <a:lstStyle/>
-          <a:p>
-            <a:pPr algn="l">
-              <a:lnSpc>
-                <a:spcPts val="2005"/>
-              </a:lnSpc>
-            </a:pPr>
-            <a:r>
-              <a:rPr lang="en-US" b="true" sz="802" spc="2">
-                <a:solidFill>
-                  <a:srgbClr val="000000"/>
-                </a:solidFill>
-                <a:latin typeface="Cairo Semi-Bold"/>
-                <a:ea typeface="Cairo Semi-Bold"/>
-                <a:cs typeface="Cairo Semi-Bold"/>
-                <a:sym typeface="Cairo Semi-Bold"/>
-              </a:rPr>
-              <a:t> </a:t>
-            </a:r>
-          </a:p>
-        </p:txBody>
-      </p:sp>
-      <p:sp>
-        <p:nvSpPr>
-          <p:cNvPr name="TextBox 38" id="38"/>
-          <p:cNvSpPr txBox="true"/>
-          <p:nvPr/>
-        </p:nvSpPr>
-        <p:spPr>
-          <a:xfrm rot="0">
-            <a:off x="719671" y="5842873"/>
-            <a:ext cx="577891" cy="253747"/>
-          </a:xfrm>
-          <a:prstGeom prst="rect">
-            <a:avLst/>
-          </a:prstGeom>
-        </p:spPr>
-        <p:txBody>
-          <a:bodyPr anchor="t" rtlCol="false" tIns="0" lIns="0" bIns="0" rIns="0">
-            <a:spAutoFit/>
-          </a:bodyPr>
-          <a:lstStyle/>
-          <a:p>
-            <a:pPr algn="l">
-              <a:lnSpc>
-                <a:spcPts val="2131"/>
-              </a:lnSpc>
-            </a:pPr>
-            <a:r>
-              <a:rPr lang="en-US" b="true" sz="852" spc="3">
-                <a:solidFill>
-                  <a:srgbClr val="366FB5"/>
-                </a:solidFill>
-                <a:latin typeface="Times New Roman Bold"/>
-                <a:ea typeface="Times New Roman Bold"/>
-                <a:cs typeface="Times New Roman Bold"/>
-                <a:sym typeface="Times New Roman Bold"/>
-              </a:rPr>
-              <a:t>Employer</a:t>
-            </a:r>
-          </a:p>
-        </p:txBody>
-      </p:sp>
-      <p:sp>
-        <p:nvSpPr>
-          <p:cNvPr name="TextBox 39" id="39"/>
-          <p:cNvSpPr txBox="true"/>
-          <p:nvPr/>
-        </p:nvSpPr>
-        <p:spPr>
-          <a:xfrm rot="0">
-            <a:off x="1366095" y="5865343"/>
-            <a:ext cx="22660" cy="219799"/>
-          </a:xfrm>
-          <a:prstGeom prst="rect">
-            <a:avLst/>
-          </a:prstGeom>
-        </p:spPr>
-        <p:txBody>
-          <a:bodyPr anchor="t" rtlCol="false" tIns="0" lIns="0" bIns="0" rIns="0">
-            <a:spAutoFit/>
-          </a:bodyPr>
-          <a:lstStyle/>
-          <a:p>
-            <a:pPr algn="l">
-              <a:lnSpc>
-                <a:spcPts val="2005"/>
-              </a:lnSpc>
-            </a:pPr>
-            <a:r>
-              <a:rPr lang="en-US" b="true" sz="802" spc="3">
-                <a:solidFill>
-                  <a:srgbClr val="000000"/>
-                </a:solidFill>
-                <a:latin typeface="Cairo Semi-Bold"/>
-                <a:ea typeface="Cairo Semi-Bold"/>
-                <a:cs typeface="Cairo Semi-Bold"/>
-                <a:sym typeface="Cairo Semi-Bold"/>
-              </a:rPr>
-              <a:t> </a:t>
-            </a:r>
-          </a:p>
-        </p:txBody>
-      </p:sp>
-      <p:sp>
-        <p:nvSpPr>
-          <p:cNvPr name="TextBox 40" id="40"/>
-          <p:cNvSpPr txBox="true"/>
-          <p:nvPr/>
-        </p:nvSpPr>
-        <p:spPr>
-          <a:xfrm rot="0">
-            <a:off x="541096" y="6224997"/>
-            <a:ext cx="828180" cy="253747"/>
-          </a:xfrm>
-          <a:prstGeom prst="rect">
-            <a:avLst/>
-          </a:prstGeom>
-        </p:spPr>
-        <p:txBody>
-          <a:bodyPr anchor="t" rtlCol="false" tIns="0" lIns="0" bIns="0" rIns="0">
-            <a:spAutoFit/>
-          </a:bodyPr>
-          <a:lstStyle/>
-          <a:p>
-            <a:pPr algn="l">
-              <a:lnSpc>
-                <a:spcPts val="2131"/>
-              </a:lnSpc>
-            </a:pPr>
-            <a:r>
-              <a:rPr lang="en-US" b="true" sz="852" spc="2">
-                <a:solidFill>
-                  <a:srgbClr val="366FB5"/>
-                </a:solidFill>
-                <a:latin typeface="Times New Roman Bold"/>
-                <a:ea typeface="Times New Roman Bold"/>
-                <a:cs typeface="Times New Roman Bold"/>
-                <a:sym typeface="Times New Roman Bold"/>
-              </a:rPr>
-              <a:t>Physician Name</a:t>
-            </a:r>
-            <a:r>
-              <a:rPr lang="en-US" b="true" sz="852" spc="2">
-                <a:solidFill>
-                  <a:srgbClr val="000000"/>
-                </a:solidFill>
-                <a:latin typeface="Times New Roman Bold"/>
-                <a:ea typeface="Times New Roman Bold"/>
-                <a:cs typeface="Times New Roman Bold"/>
-                <a:sym typeface="Times New Roman Bold"/>
-              </a:rPr>
-              <a:t> </a:t>
-            </a:r>
-          </a:p>
-        </p:txBody>
-      </p:sp>
-      <p:sp>
-        <p:nvSpPr>
-          <p:cNvPr name="TextBox 41" id="41"/>
-          <p:cNvSpPr txBox="true"/>
-          <p:nvPr/>
-        </p:nvSpPr>
-        <p:spPr>
-          <a:xfrm rot="0">
-            <a:off x="751513" y="6613493"/>
-            <a:ext cx="383000" cy="253747"/>
-          </a:xfrm>
-          <a:prstGeom prst="rect">
-            <a:avLst/>
-          </a:prstGeom>
-        </p:spPr>
-        <p:txBody>
-          <a:bodyPr anchor="t" rtlCol="false" tIns="0" lIns="0" bIns="0" rIns="0">
-            <a:spAutoFit/>
-          </a:bodyPr>
-          <a:lstStyle/>
-          <a:p>
-            <a:pPr algn="l">
-              <a:lnSpc>
-                <a:spcPts val="2131"/>
-              </a:lnSpc>
-            </a:pPr>
-            <a:r>
-              <a:rPr lang="en-US" b="true" sz="852" spc="2">
-                <a:solidFill>
-                  <a:srgbClr val="366FB5"/>
-                </a:solidFill>
-                <a:latin typeface="Times New Roman Bold"/>
-                <a:ea typeface="Times New Roman Bold"/>
-                <a:cs typeface="Times New Roman Bold"/>
-                <a:sym typeface="Times New Roman Bold"/>
-              </a:rPr>
-              <a:t>Position</a:t>
-            </a:r>
-          </a:p>
-        </p:txBody>
-      </p:sp>
-      <p:sp>
-        <p:nvSpPr>
-          <p:cNvPr name="TextBox 42" id="42"/>
-          <p:cNvSpPr txBox="true"/>
-          <p:nvPr/>
-        </p:nvSpPr>
-        <p:spPr>
-          <a:xfrm rot="0">
-            <a:off x="1366095" y="6635963"/>
-            <a:ext cx="22660" cy="219799"/>
-          </a:xfrm>
-          <a:prstGeom prst="rect">
-            <a:avLst/>
-          </a:prstGeom>
-        </p:spPr>
-        <p:txBody>
-          <a:bodyPr anchor="t" rtlCol="false" tIns="0" lIns="0" bIns="0" rIns="0">
-            <a:spAutoFit/>
-          </a:bodyPr>
-          <a:lstStyle/>
-          <a:p>
-            <a:pPr algn="l">
-              <a:lnSpc>
-                <a:spcPts val="2005"/>
-              </a:lnSpc>
-            </a:pPr>
-            <a:r>
-              <a:rPr lang="en-US" b="true" sz="802" spc="2">
-                <a:solidFill>
-                  <a:srgbClr val="000000"/>
-                </a:solidFill>
-                <a:latin typeface="Cairo Semi-Bold"/>
-                <a:ea typeface="Cairo Semi-Bold"/>
-                <a:cs typeface="Cairo Semi-Bold"/>
-                <a:sym typeface="Cairo Semi-Bold"/>
-              </a:rPr>
-              <a:t> </a:t>
-            </a:r>
-          </a:p>
-        </p:txBody>
-      </p:sp>
-      <p:sp>
-        <p:nvSpPr>
-          <p:cNvPr name="TextBox 43" id="43"/>
-          <p:cNvSpPr txBox="true"/>
-          <p:nvPr/>
-        </p:nvSpPr>
-        <p:spPr>
-          <a:xfrm rot="0">
-            <a:off x="1398200" y="6718678"/>
-            <a:ext cx="2369172" cy="132229"/>
-          </a:xfrm>
-          <a:prstGeom prst="rect">
-            <a:avLst/>
-          </a:prstGeom>
-        </p:spPr>
-        <p:txBody>
-          <a:bodyPr anchor="t" rtlCol="false" tIns="0" lIns="0" bIns="0" rIns="0">
-            <a:spAutoFit/>
-          </a:bodyPr>
-          <a:lstStyle/>
-          <a:p>
-            <a:pPr algn="ctr">
-              <a:lnSpc>
-                <a:spcPts val="1193"/>
-              </a:lnSpc>
-            </a:pPr>
-            <a:r>
-              <a:rPr lang="en-US" sz="852" spc="2">
-                <a:solidFill>
-                  <a:srgbClr val="2C3E77"/>
-                </a:solidFill>
-                <a:latin typeface="Fedra sans arabic"/>
-                <a:ea typeface="Fedra sans arabic"/>
-                <a:cs typeface="Fedra sans arabic"/>
-                <a:sym typeface="Fedra sans arabic"/>
-              </a:rPr>
-              <a:t>{{JOB_TITLE_EN}}</a:t>
-            </a:r>
-          </a:p>
-        </p:txBody>
-      </p:sp>
-      <p:sp>
-        <p:nvSpPr>
-          <p:cNvPr name="TextBox 44" id="44"/>
-          <p:cNvSpPr txBox="true"/>
-          <p:nvPr/>
-        </p:nvSpPr>
-        <p:spPr>
-          <a:xfrm rot="0">
-            <a:off x="1408948" y="5575049"/>
-            <a:ext cx="2348979" cy="132229"/>
-          </a:xfrm>
-          <a:prstGeom prst="rect">
-            <a:avLst/>
-          </a:prstGeom>
-        </p:spPr>
-        <p:txBody>
-          <a:bodyPr anchor="t" rtlCol="false" tIns="0" lIns="0" bIns="0" rIns="0">
-            <a:spAutoFit/>
-          </a:bodyPr>
-          <a:lstStyle/>
-          <a:p>
-            <a:pPr algn="ctr">
-              <a:lnSpc>
-                <a:spcPts val="1193"/>
-              </a:lnSpc>
-            </a:pPr>
-            <a:r>
-              <a:rPr lang="en-US" sz="852" spc="2">
-                <a:solidFill>
-                  <a:srgbClr val="2C3E77"/>
-                </a:solidFill>
-                <a:latin typeface="Fedra sans arabic"/>
-                <a:ea typeface="Fedra sans arabic"/>
-                <a:cs typeface="Fedra sans arabic"/>
-                <a:sym typeface="Fedra sans arabic"/>
-              </a:rPr>
-              <a:t>{{NATIONALITY_EN}}</a:t>
-            </a:r>
-          </a:p>
-        </p:txBody>
-      </p:sp>
-      <p:sp>
-        <p:nvSpPr>
-          <p:cNvPr name="TextBox 45" id="45"/>
-          <p:cNvSpPr txBox="true"/>
-          <p:nvPr/>
-        </p:nvSpPr>
-        <p:spPr>
-          <a:xfrm rot="0">
-            <a:off x="1391936" y="5192925"/>
-            <a:ext cx="4700130" cy="132229"/>
-          </a:xfrm>
-          <a:prstGeom prst="rect">
-            <a:avLst/>
-          </a:prstGeom>
-        </p:spPr>
-        <p:txBody>
-          <a:bodyPr anchor="t" rtlCol="false" tIns="0" lIns="0" bIns="0" rIns="0">
-            <a:spAutoFit/>
-          </a:bodyPr>
-          <a:lstStyle/>
-          <a:p>
-            <a:pPr algn="ctr">
-              <a:lnSpc>
-                <a:spcPts val="1193"/>
-              </a:lnSpc>
-            </a:pPr>
-            <a:r>
-              <a:rPr lang="en-US" sz="852" spc="3">
-                <a:solidFill>
-                  <a:srgbClr val="2C3E77"/>
-                </a:solidFill>
-                <a:latin typeface="Fedra sans arabic"/>
-                <a:ea typeface="Fedra sans arabic"/>
-                <a:cs typeface="Fedra sans arabic"/>
-                <a:sym typeface="Fedra sans arabic"/>
-              </a:rPr>
-              <a:t>{{ID_NUMBER}}</a:t>
-            </a:r>
-          </a:p>
-        </p:txBody>
-      </p:sp>
-      <p:sp>
-        <p:nvSpPr>
-          <p:cNvPr name="TextBox 46" id="46"/>
-          <p:cNvSpPr txBox="true"/>
-          <p:nvPr/>
-        </p:nvSpPr>
-        <p:spPr>
-          <a:xfrm rot="0">
-            <a:off x="3777945" y="6718678"/>
-            <a:ext cx="2325391" cy="132229"/>
-          </a:xfrm>
-          <a:prstGeom prst="rect">
-            <a:avLst/>
-          </a:prstGeom>
-        </p:spPr>
-        <p:txBody>
-          <a:bodyPr anchor="t" rtlCol="false" tIns="0" lIns="0" bIns="0" rIns="0">
-            <a:spAutoFit/>
-          </a:bodyPr>
-          <a:lstStyle/>
-          <a:p>
-            <a:pPr algn="ctr">
-              <a:lnSpc>
-                <a:spcPts val="1193"/>
-              </a:lnSpc>
-            </a:pPr>
-            <a:r>
-              <a:rPr lang="en-US" sz="852" spc="3">
-                <a:solidFill>
-                  <a:srgbClr val="2C3E77"/>
-                </a:solidFill>
-                <a:latin typeface="Noto Sans Arabic"/>
-                <a:ea typeface="Noto Sans Arabic"/>
-                <a:cs typeface="Noto Sans Arabic"/>
-                <a:sym typeface="Noto Sans Arabic"/>
-              </a:rPr>
-              <a:t>{{JOB_TITLE_AR}}</a:t>
-            </a:r>
-          </a:p>
-        </p:txBody>
-      </p:sp>
-      <p:sp>
-        <p:nvSpPr>
-          <p:cNvPr name="TextBox 47" id="47"/>
-          <p:cNvSpPr txBox="true"/>
-          <p:nvPr/>
-        </p:nvSpPr>
-        <p:spPr>
-          <a:xfrm rot="0">
-            <a:off x="3776977" y="5575049"/>
-            <a:ext cx="2325391" cy="132229"/>
-          </a:xfrm>
-          <a:prstGeom prst="rect">
-            <a:avLst/>
-          </a:prstGeom>
-        </p:spPr>
-        <p:txBody>
-          <a:bodyPr anchor="t" rtlCol="false" tIns="0" lIns="0" bIns="0" rIns="0">
-            <a:spAutoFit/>
-          </a:bodyPr>
-          <a:lstStyle/>
-          <a:p>
-            <a:pPr algn="ctr">
-              <a:lnSpc>
-                <a:spcPts val="1193"/>
-              </a:lnSpc>
-            </a:pPr>
-            <a:r>
-              <a:rPr lang="en-US" sz="852" spc="3">
-                <a:solidFill>
-                  <a:srgbClr val="2C3E77"/>
-                </a:solidFill>
-                <a:latin typeface="Noto Sans Arabic"/>
-                <a:ea typeface="Noto Sans Arabic"/>
-                <a:cs typeface="Noto Sans Arabic"/>
-                <a:sym typeface="Noto Sans Arabic"/>
-              </a:rPr>
-              <a:t>{{NATIONALITY_AR}}</a:t>
-            </a:r>
-          </a:p>
-        </p:txBody>
-      </p:sp>
-      <p:sp>
-        <p:nvSpPr>
-          <p:cNvPr name="TextBox 48" id="48"/>
-          <p:cNvSpPr txBox="true"/>
-          <p:nvPr/>
-        </p:nvSpPr>
-        <p:spPr>
-          <a:xfrm rot="0">
-            <a:off x="1391936" y="2798559"/>
-            <a:ext cx="4702950" cy="234697"/>
-          </a:xfrm>
-          <a:prstGeom prst="rect">
-            <a:avLst/>
-          </a:prstGeom>
-        </p:spPr>
-        <p:txBody>
-          <a:bodyPr anchor="t" rtlCol="false" tIns="0" lIns="0" bIns="0" rIns="0">
-            <a:spAutoFit/>
-          </a:bodyPr>
-          <a:lstStyle/>
-          <a:p>
-            <a:pPr algn="ctr">
-              <a:lnSpc>
-                <a:spcPts val="2131"/>
-              </a:lnSpc>
-            </a:pPr>
-            <a:r>
-              <a:rPr lang="en-US" b="true" sz="852" spc="3">
-                <a:solidFill>
-                  <a:srgbClr val="2C3E77"/>
-                </a:solidFill>
-                <a:latin typeface="Cairo Semi-Bold"/>
-                <a:ea typeface="Cairo Semi-Bold"/>
-                <a:cs typeface="Cairo Semi-Bold"/>
-                <a:sym typeface="Cairo Semi-Bold"/>
-              </a:rPr>
-              <a:t>{{SERVICE_CODE}}</a:t>
-            </a:r>
-          </a:p>
-        </p:txBody>
-      </p:sp>
-      <p:sp>
-        <p:nvSpPr>
-          <p:cNvPr name="TextBox 49" id="49"/>
-          <p:cNvSpPr txBox="true"/>
-          <p:nvPr/>
-        </p:nvSpPr>
-        <p:spPr>
-          <a:xfrm rot="0">
-            <a:off x="3735267" y="3184103"/>
-            <a:ext cx="22660" cy="219799"/>
-          </a:xfrm>
-          <a:prstGeom prst="rect">
-            <a:avLst/>
-          </a:prstGeom>
-        </p:spPr>
-        <p:txBody>
-          <a:bodyPr anchor="t" rtlCol="false" tIns="0" lIns="0" bIns="0" rIns="0">
-            <a:spAutoFit/>
-          </a:bodyPr>
-          <a:lstStyle/>
-          <a:p>
-            <a:pPr algn="l">
-              <a:lnSpc>
-                <a:spcPts val="2005"/>
-              </a:lnSpc>
-            </a:pPr>
-            <a:r>
-              <a:rPr lang="en-US" b="true" sz="802">
-                <a:solidFill>
-                  <a:srgbClr val="000000"/>
-                </a:solidFill>
-                <a:latin typeface="Cairo Semi-Bold"/>
-                <a:ea typeface="Cairo Semi-Bold"/>
-                <a:cs typeface="Cairo Semi-Bold"/>
-                <a:sym typeface="Cairo Semi-Bold"/>
-              </a:rPr>
-              <a:t> </a:t>
-            </a:r>
-          </a:p>
-        </p:txBody>
-      </p:sp>
-      <p:sp>
-        <p:nvSpPr>
-          <p:cNvPr name="TextBox 50" id="50"/>
-          <p:cNvSpPr txBox="true"/>
-          <p:nvPr/>
-        </p:nvSpPr>
-        <p:spPr>
-          <a:xfrm rot="0">
-            <a:off x="4077024" y="3192046"/>
-            <a:ext cx="588702" cy="497426"/>
-          </a:xfrm>
-          <a:prstGeom prst="rect">
-            <a:avLst/>
-          </a:prstGeom>
-        </p:spPr>
-        <p:txBody>
-          <a:bodyPr anchor="t" rtlCol="false" tIns="0" lIns="0" bIns="0" rIns="0">
-            <a:spAutoFit/>
-          </a:bodyPr>
-          <a:lstStyle/>
-          <a:p>
-            <a:pPr algn="l">
-              <a:lnSpc>
-                <a:spcPts val="2131"/>
-              </a:lnSpc>
-            </a:pPr>
-            <a:r>
-              <a:rPr lang="en-US" b="true" sz="852" spc="2">
-                <a:solidFill>
-                  <a:srgbClr val="FFFFFF"/>
-                </a:solidFill>
-                <a:latin typeface="Cairo Semi-Bold"/>
-                <a:ea typeface="Cairo Semi-Bold"/>
-                <a:cs typeface="Cairo Semi-Bold"/>
-                <a:sym typeface="Cairo Semi-Bold"/>
-              </a:rPr>
-              <a:t>{{EXIT_DATE_HIJRI}}</a:t>
-            </a:r>
-          </a:p>
-        </p:txBody>
-      </p:sp>
-      <p:sp>
-        <p:nvSpPr>
-          <p:cNvPr name="TextBox 51" id="51"/>
-          <p:cNvSpPr txBox="true"/>
-          <p:nvPr/>
-        </p:nvSpPr>
-        <p:spPr>
-          <a:xfrm rot="0">
-            <a:off x="5451643" y="3180683"/>
-            <a:ext cx="76048" cy="226981"/>
-          </a:xfrm>
-          <a:prstGeom prst="rect">
-            <a:avLst/>
-          </a:prstGeom>
-        </p:spPr>
-        <p:txBody>
-          <a:bodyPr anchor="t" rtlCol="false" tIns="0" lIns="0" bIns="0" rIns="0">
-            <a:spAutoFit/>
-          </a:bodyPr>
-          <a:lstStyle/>
-          <a:p>
-            <a:pPr algn="l">
-              <a:lnSpc>
-                <a:spcPts val="2131"/>
-              </a:lnSpc>
-            </a:pPr>
-            <a:r>
-              <a:rPr lang="en-US" b="true" sz="852">
-                <a:solidFill>
-                  <a:srgbClr val="FFFFFF"/>
-                </a:solidFill>
-                <a:latin typeface="Cairo Semi-Bold"/>
-                <a:ea typeface="Cairo Semi-Bold"/>
-                <a:cs typeface="Cairo Semi-Bold"/>
-                <a:sym typeface="Cairo Semi-Bold"/>
-              </a:rPr>
-              <a:t> ) </a:t>
-            </a:r>
-          </a:p>
-        </p:txBody>
-      </p:sp>
-      <p:sp>
-        <p:nvSpPr>
-          <p:cNvPr name="TextBox 52" id="52"/>
-          <p:cNvSpPr txBox="true"/>
-          <p:nvPr/>
-        </p:nvSpPr>
-        <p:spPr>
-          <a:xfrm rot="0">
-            <a:off x="5451643" y="3180683"/>
-            <a:ext cx="377323" cy="234697"/>
-          </a:xfrm>
-          <a:prstGeom prst="rect">
-            <a:avLst/>
-          </a:prstGeom>
-        </p:spPr>
-        <p:txBody>
-          <a:bodyPr anchor="t" rtlCol="false" tIns="0" lIns="0" bIns="0" rIns="0">
-            <a:spAutoFit/>
-          </a:bodyPr>
-          <a:lstStyle/>
-          <a:p>
-            <a:pPr algn="r" rtl="true">
-              <a:lnSpc>
-                <a:spcPts val="2131"/>
-              </a:lnSpc>
-            </a:pPr>
-            <a:r>
-              <a:rPr lang="ar-EG" b="true" sz="852">
-                <a:solidFill>
-                  <a:srgbClr val="FFFFFF"/>
-                </a:solidFill>
-                <a:latin typeface="Cairo Semi-Bold"/>
-                <a:ea typeface="Cairo Semi-Bold"/>
-                <a:cs typeface="Cairo Semi-Bold"/>
-                <a:sym typeface="Cairo Semi-Bold"/>
-                <a:rtl val="true"/>
-              </a:rPr>
-              <a:t>   </a:t>
-            </a:r>
-            <a:r>
-              <a:rPr lang="ar-EG" b="true" sz="852">
-                <a:solidFill>
-                  <a:srgbClr val="FFFFFF"/>
-                </a:solidFill>
-                <a:latin typeface="Cairo Semi-Bold"/>
-                <a:ea typeface="Cairo Semi-Bold"/>
-                <a:cs typeface="Cairo Semi-Bold"/>
-                <a:sym typeface="Cairo Semi-Bold"/>
-                <a:rtl val="true"/>
-              </a:rPr>
-              <a:t> ﻳﻮم</a:t>
-            </a:r>
-          </a:p>
-        </p:txBody>
-      </p:sp>
-      <p:sp>
-        <p:nvSpPr>
-          <p:cNvPr name="TextBox 53" id="53"/>
-          <p:cNvSpPr txBox="true"/>
-          <p:nvPr/>
-        </p:nvSpPr>
-        <p:spPr>
-          <a:xfrm rot="0">
-            <a:off x="2292744" y="3562807"/>
-            <a:ext cx="588702" cy="776040"/>
-          </a:xfrm>
-          <a:prstGeom prst="rect">
-            <a:avLst/>
-          </a:prstGeom>
-        </p:spPr>
-        <p:txBody>
-          <a:bodyPr anchor="t" rtlCol="false" tIns="0" lIns="0" bIns="0" rIns="0">
-            <a:spAutoFit/>
-          </a:bodyPr>
-          <a:lstStyle/>
-          <a:p>
-            <a:pPr algn="l">
-              <a:lnSpc>
-                <a:spcPts val="2131"/>
-              </a:lnSpc>
-            </a:pPr>
-            <a:r>
-              <a:rPr lang="en-US" sz="852" spc="2">
-                <a:solidFill>
-                  <a:srgbClr val="2C3E77"/>
-                </a:solidFill>
-                <a:latin typeface="Fedra sans arabic"/>
-                <a:ea typeface="Fedra sans arabic"/>
-                <a:cs typeface="Fedra sans arabic"/>
-                <a:sym typeface="Fedra sans arabic"/>
-              </a:rPr>
-              <a:t>{{ENTRY_DATE_GREGORIAN}}</a:t>
-            </a:r>
-          </a:p>
-        </p:txBody>
-      </p:sp>
-      <p:sp>
-        <p:nvSpPr>
-          <p:cNvPr name="TextBox 54" id="54"/>
-          <p:cNvSpPr txBox="true"/>
-          <p:nvPr/>
-        </p:nvSpPr>
-        <p:spPr>
-          <a:xfrm rot="0">
-            <a:off x="3735267" y="3566227"/>
-            <a:ext cx="22660" cy="219799"/>
-          </a:xfrm>
-          <a:prstGeom prst="rect">
-            <a:avLst/>
-          </a:prstGeom>
-        </p:spPr>
-        <p:txBody>
-          <a:bodyPr anchor="t" rtlCol="false" tIns="0" lIns="0" bIns="0" rIns="0">
-            <a:spAutoFit/>
-          </a:bodyPr>
-          <a:lstStyle/>
-          <a:p>
-            <a:pPr algn="l">
-              <a:lnSpc>
-                <a:spcPts val="2005"/>
-              </a:lnSpc>
-            </a:pPr>
-            <a:r>
-              <a:rPr lang="en-US" b="true" sz="802" spc="2">
-                <a:solidFill>
-                  <a:srgbClr val="000000"/>
-                </a:solidFill>
-                <a:latin typeface="Cairo Semi-Bold"/>
-                <a:ea typeface="Cairo Semi-Bold"/>
-                <a:cs typeface="Cairo Semi-Bold"/>
-                <a:sym typeface="Cairo Semi-Bold"/>
-              </a:rPr>
-              <a:t> </a:t>
-            </a:r>
-          </a:p>
-        </p:txBody>
-      </p:sp>
-      <p:sp>
-        <p:nvSpPr>
-          <p:cNvPr name="TextBox 55" id="55"/>
-          <p:cNvSpPr txBox="true"/>
-          <p:nvPr/>
-        </p:nvSpPr>
-        <p:spPr>
-          <a:xfrm rot="0">
-            <a:off x="4642809" y="3562807"/>
-            <a:ext cx="588702" cy="505369"/>
-          </a:xfrm>
-          <a:prstGeom prst="rect">
-            <a:avLst/>
-          </a:prstGeom>
-        </p:spPr>
-        <p:txBody>
-          <a:bodyPr anchor="t" rtlCol="false" tIns="0" lIns="0" bIns="0" rIns="0">
-            <a:spAutoFit/>
-          </a:bodyPr>
-          <a:lstStyle/>
-          <a:p>
-            <a:pPr algn="l">
-              <a:lnSpc>
-                <a:spcPts val="2131"/>
-              </a:lnSpc>
-            </a:pPr>
-            <a:r>
-              <a:rPr lang="en-US" sz="852" spc="2">
-                <a:solidFill>
-                  <a:srgbClr val="2C3E77"/>
-                </a:solidFill>
-                <a:latin typeface="Noto Sans Arabic"/>
-                <a:ea typeface="Noto Sans Arabic"/>
-                <a:cs typeface="Noto Sans Arabic"/>
-                <a:sym typeface="Noto Sans Arabic"/>
-              </a:rPr>
-              <a:t>{{ENTRY_DATE_HIJRI}}</a:t>
-            </a:r>
-          </a:p>
-        </p:txBody>
-      </p:sp>
-      <p:sp>
-        <p:nvSpPr>
-          <p:cNvPr name="TextBox 56" id="56"/>
-          <p:cNvSpPr txBox="true"/>
-          <p:nvPr/>
-        </p:nvSpPr>
-        <p:spPr>
-          <a:xfrm rot="0">
-            <a:off x="2286381" y="3944931"/>
-            <a:ext cx="588702" cy="776040"/>
-          </a:xfrm>
-          <a:prstGeom prst="rect">
-            <a:avLst/>
-          </a:prstGeom>
-        </p:spPr>
-        <p:txBody>
-          <a:bodyPr anchor="t" rtlCol="false" tIns="0" lIns="0" bIns="0" rIns="0">
-            <a:spAutoFit/>
-          </a:bodyPr>
-          <a:lstStyle/>
-          <a:p>
-            <a:pPr algn="l">
-              <a:lnSpc>
-                <a:spcPts val="2131"/>
-              </a:lnSpc>
-            </a:pPr>
-            <a:r>
-              <a:rPr lang="en-US" sz="852" spc="2">
-                <a:solidFill>
-                  <a:srgbClr val="2C3E77"/>
-                </a:solidFill>
-                <a:latin typeface="Fedra sans arabic"/>
-                <a:ea typeface="Fedra sans arabic"/>
-                <a:cs typeface="Fedra sans arabic"/>
-                <a:sym typeface="Fedra sans arabic"/>
-              </a:rPr>
-              <a:t>{{EXIT_DATE_GREGORIAN}}</a:t>
-            </a:r>
-          </a:p>
-        </p:txBody>
-      </p:sp>
-      <p:sp>
-        <p:nvSpPr>
-          <p:cNvPr name="TextBox 57" id="57"/>
-          <p:cNvSpPr txBox="true"/>
-          <p:nvPr/>
-        </p:nvSpPr>
-        <p:spPr>
-          <a:xfrm rot="0">
-            <a:off x="3732086" y="3948351"/>
-            <a:ext cx="22660" cy="219799"/>
-          </a:xfrm>
-          <a:prstGeom prst="rect">
-            <a:avLst/>
-          </a:prstGeom>
-        </p:spPr>
-        <p:txBody>
-          <a:bodyPr anchor="t" rtlCol="false" tIns="0" lIns="0" bIns="0" rIns="0">
-            <a:spAutoFit/>
-          </a:bodyPr>
-          <a:lstStyle/>
-          <a:p>
-            <a:pPr algn="l">
-              <a:lnSpc>
-                <a:spcPts val="2005"/>
-              </a:lnSpc>
-            </a:pPr>
-            <a:r>
-              <a:rPr lang="en-US" b="true" sz="802" spc="2">
-                <a:solidFill>
-                  <a:srgbClr val="000000"/>
-                </a:solidFill>
-                <a:latin typeface="Cairo Semi-Bold"/>
-                <a:ea typeface="Cairo Semi-Bold"/>
-                <a:cs typeface="Cairo Semi-Bold"/>
-                <a:sym typeface="Cairo Semi-Bold"/>
-              </a:rPr>
-              <a:t> </a:t>
-            </a:r>
-          </a:p>
-        </p:txBody>
-      </p:sp>
-      <p:sp>
-        <p:nvSpPr>
-          <p:cNvPr name="TextBox 58" id="58"/>
-          <p:cNvSpPr txBox="true"/>
-          <p:nvPr/>
-        </p:nvSpPr>
-        <p:spPr>
-          <a:xfrm rot="0">
-            <a:off x="4636446" y="3944931"/>
-            <a:ext cx="588702" cy="505369"/>
-          </a:xfrm>
-          <a:prstGeom prst="rect">
-            <a:avLst/>
-          </a:prstGeom>
-        </p:spPr>
-        <p:txBody>
-          <a:bodyPr anchor="t" rtlCol="false" tIns="0" lIns="0" bIns="0" rIns="0">
-            <a:spAutoFit/>
-          </a:bodyPr>
-          <a:lstStyle/>
-          <a:p>
-            <a:pPr algn="l">
-              <a:lnSpc>
-                <a:spcPts val="2131"/>
-              </a:lnSpc>
-            </a:pPr>
-            <a:r>
-              <a:rPr lang="en-US" sz="852" spc="2">
-                <a:solidFill>
-                  <a:srgbClr val="2C3E77"/>
-                </a:solidFill>
-                <a:latin typeface="Noto Sans Arabic"/>
-                <a:ea typeface="Noto Sans Arabic"/>
-                <a:cs typeface="Noto Sans Arabic"/>
-                <a:sym typeface="Noto Sans Arabic"/>
-              </a:rPr>
-              <a:t>{{EXIT_DATE_HIJRI}}</a:t>
-            </a:r>
-          </a:p>
-        </p:txBody>
-      </p:sp>
-      <p:sp>
-        <p:nvSpPr>
-          <p:cNvPr name="TextBox 59" id="59"/>
-          <p:cNvSpPr txBox="true"/>
-          <p:nvPr/>
-        </p:nvSpPr>
-        <p:spPr>
-          <a:xfrm rot="0">
-            <a:off x="3455041" y="4327055"/>
-            <a:ext cx="588702" cy="776040"/>
-          </a:xfrm>
-          <a:prstGeom prst="rect">
-            <a:avLst/>
-          </a:prstGeom>
-        </p:spPr>
-        <p:txBody>
-          <a:bodyPr anchor="t" rtlCol="false" tIns="0" lIns="0" bIns="0" rIns="0">
-            <a:spAutoFit/>
-          </a:bodyPr>
-          <a:lstStyle/>
-          <a:p>
-            <a:pPr algn="l">
-              <a:lnSpc>
-                <a:spcPts val="2131"/>
-              </a:lnSpc>
-            </a:pPr>
-            <a:r>
-              <a:rPr lang="en-US" sz="852" spc="2">
-                <a:solidFill>
-                  <a:srgbClr val="2C3E77"/>
-                </a:solidFill>
-                <a:latin typeface="Noto Sans Arabic"/>
-                <a:ea typeface="Noto Sans Arabic"/>
-                <a:cs typeface="Noto Sans Arabic"/>
-                <a:sym typeface="Noto Sans Arabic"/>
-              </a:rPr>
-              <a:t>{{REPORT_ISSUE_DATE}}</a:t>
-            </a:r>
-          </a:p>
-        </p:txBody>
-      </p:sp>
-      <p:sp>
-        <p:nvSpPr>
-          <p:cNvPr name="TextBox 60" id="60"/>
-          <p:cNvSpPr txBox="true"/>
-          <p:nvPr/>
-        </p:nvSpPr>
-        <p:spPr>
-          <a:xfrm rot="0">
-            <a:off x="6320971" y="2798559"/>
-            <a:ext cx="570981" cy="234697"/>
-          </a:xfrm>
-          <a:prstGeom prst="rect">
-            <a:avLst/>
-          </a:prstGeom>
-        </p:spPr>
-        <p:txBody>
-          <a:bodyPr anchor="t" rtlCol="false" tIns="0" lIns="0" bIns="0" rIns="0">
-            <a:spAutoFit/>
-          </a:bodyPr>
-          <a:lstStyle/>
-          <a:p>
-            <a:pPr algn="l" rtl="true">
-              <a:lnSpc>
-                <a:spcPts val="2131"/>
-              </a:lnSpc>
-            </a:pPr>
-            <a:r>
-              <a:rPr lang="ar-EG" b="true" sz="852" spc="2">
+              <a:rPr lang="ar-EG" b="true" sz="1350">
                 <a:solidFill>
                   <a:srgbClr val="366FB5"/>
                 </a:solidFill>
@@ -5580,21 +4899,21 @@
                 <a:sym typeface="Noto Sans Arabic Bold"/>
                 <a:rtl val="true"/>
               </a:rPr>
-              <a:t>رﻣﺰ اﻹﺟﺎزة</a:t>
-            </a:r>
-          </a:p>
-        </p:txBody>
-      </p:sp>
-      <p:sp>
-        <p:nvSpPr>
-          <p:cNvPr name="TextBox 61" id="61"/>
+              <a:t>الالاسم</a:t>
+            </a:r>
+          </a:p>
+        </p:txBody>
+      </p:sp>
+      <p:sp>
+        <p:nvSpPr>
+          <p:cNvPr name="TextBox 46" id="46"/>
           <p:cNvSpPr txBox="true"/>
           <p:nvPr/>
         </p:nvSpPr>
         <p:spPr>
           <a:xfrm rot="0">
-            <a:off x="6063044" y="2801979"/>
-            <a:ext cx="22660" cy="219799"/>
+            <a:off x="9102976" y="6905768"/>
+            <a:ext cx="628164" cy="273406"/>
           </a:xfrm>
           <a:prstGeom prst="rect">
             <a:avLst/>
@@ -5606,56 +4925,15 @@
           </a:bodyPr>
           <a:lstStyle/>
           <a:p>
-            <a:pPr algn="l">
+            <a:pPr algn="l" rtl="true">
               <a:lnSpc>
-                <a:spcPts val="2005"/>
+                <a:spcPts val="1889"/>
               </a:lnSpc>
             </a:pPr>
             <a:r>
-              <a:rPr lang="en-US" b="true" sz="802" spc="2">
-                <a:solidFill>
-                  <a:srgbClr val="000000"/>
-                </a:solidFill>
-                <a:latin typeface="Cairo Semi-Bold"/>
-                <a:ea typeface="Cairo Semi-Bold"/>
-                <a:cs typeface="Cairo Semi-Bold"/>
-                <a:sym typeface="Cairo Semi-Bold"/>
-              </a:rPr>
-              <a:t> </a:t>
-            </a:r>
-          </a:p>
-        </p:txBody>
-      </p:sp>
-      <p:sp>
-        <p:nvSpPr>
-          <p:cNvPr name="TextBox 62" id="62"/>
-          <p:cNvSpPr txBox="true"/>
-          <p:nvPr/>
-        </p:nvSpPr>
-        <p:spPr>
-          <a:xfrm rot="0">
-            <a:off x="6305055" y="3180683"/>
-            <a:ext cx="509445" cy="234697"/>
-          </a:xfrm>
-          <a:prstGeom prst="rect">
-            <a:avLst/>
-          </a:prstGeom>
-        </p:spPr>
-        <p:txBody>
-          <a:bodyPr anchor="t" rtlCol="false" tIns="0" lIns="0" bIns="0" rIns="0">
-            <a:spAutoFit/>
-          </a:bodyPr>
-          <a:lstStyle/>
-          <a:p>
-            <a:pPr algn="l" rtl="true">
-              <a:lnSpc>
-                <a:spcPts val="2131"/>
-              </a:lnSpc>
-            </a:pPr>
-            <a:r>
-              <a:rPr lang="ar-EG" b="true" sz="852" spc="2">
-                <a:solidFill>
-                  <a:srgbClr val="FFFFFF"/>
+              <a:rPr lang="ar-EG" b="true" sz="1350">
+                <a:solidFill>
+                  <a:srgbClr val="366FB5"/>
                 </a:solidFill>
                 <a:latin typeface="Noto Sans Arabic Bold"/>
                 <a:ea typeface="Noto Sans Arabic Bold"/>
@@ -5663,21 +4941,21 @@
                 <a:sym typeface="Noto Sans Arabic Bold"/>
                 <a:rtl val="true"/>
               </a:rPr>
-              <a:t>ﻣﺪة اﻹﺟﺎزة</a:t>
-            </a:r>
-          </a:p>
-        </p:txBody>
-      </p:sp>
-      <p:sp>
-        <p:nvSpPr>
-          <p:cNvPr name="TextBox 63" id="63"/>
+              <a:t>الجنسية</a:t>
+            </a:r>
+          </a:p>
+        </p:txBody>
+      </p:sp>
+      <p:sp>
+        <p:nvSpPr>
+          <p:cNvPr name="TextBox 47" id="47"/>
           <p:cNvSpPr txBox="true"/>
           <p:nvPr/>
         </p:nvSpPr>
         <p:spPr>
           <a:xfrm rot="0">
-            <a:off x="6066225" y="3184103"/>
-            <a:ext cx="22660" cy="219799"/>
+            <a:off x="9030843" y="3161424"/>
+            <a:ext cx="775240" cy="273406"/>
           </a:xfrm>
           <a:prstGeom prst="rect">
             <a:avLst/>
@@ -5689,54 +4967,13 @@
           </a:bodyPr>
           <a:lstStyle/>
           <a:p>
-            <a:pPr algn="l">
+            <a:pPr algn="l" rtl="true">
               <a:lnSpc>
-                <a:spcPts val="2005"/>
+                <a:spcPts val="1889"/>
               </a:lnSpc>
             </a:pPr>
             <a:r>
-              <a:rPr lang="en-US" b="true" sz="802" spc="2">
-                <a:solidFill>
-                  <a:srgbClr val="000000"/>
-                </a:solidFill>
-                <a:latin typeface="Cairo Semi-Bold"/>
-                <a:ea typeface="Cairo Semi-Bold"/>
-                <a:cs typeface="Cairo Semi-Bold"/>
-                <a:sym typeface="Cairo Semi-Bold"/>
-              </a:rPr>
-              <a:t> </a:t>
-            </a:r>
-          </a:p>
-        </p:txBody>
-      </p:sp>
-      <p:sp>
-        <p:nvSpPr>
-          <p:cNvPr name="TextBox 64" id="64"/>
-          <p:cNvSpPr txBox="true"/>
-          <p:nvPr/>
-        </p:nvSpPr>
-        <p:spPr>
-          <a:xfrm rot="0">
-            <a:off x="6256775" y="3562807"/>
-            <a:ext cx="606005" cy="234697"/>
-          </a:xfrm>
-          <a:prstGeom prst="rect">
-            <a:avLst/>
-          </a:prstGeom>
-        </p:spPr>
-        <p:txBody>
-          <a:bodyPr anchor="t" rtlCol="false" tIns="0" lIns="0" bIns="0" rIns="0">
-            <a:spAutoFit/>
-          </a:bodyPr>
-          <a:lstStyle/>
-          <a:p>
-            <a:pPr algn="l" rtl="true">
-              <a:lnSpc>
-                <a:spcPts val="2131"/>
-              </a:lnSpc>
-            </a:pPr>
-            <a:r>
-              <a:rPr lang="ar-EG" b="true" sz="852" spc="2">
+              <a:rPr lang="ar-EG" b="true" sz="1350">
                 <a:solidFill>
                   <a:srgbClr val="366FB5"/>
                 </a:solidFill>
@@ -5746,21 +4983,21 @@
                 <a:sym typeface="Noto Sans Arabic Bold"/>
                 <a:rtl val="true"/>
               </a:rPr>
-              <a:t>ﺗﺎرﻳﺦ اﻟﺪﺧﻮل</a:t>
-            </a:r>
-          </a:p>
-        </p:txBody>
-      </p:sp>
-      <p:sp>
-        <p:nvSpPr>
-          <p:cNvPr name="TextBox 65" id="65"/>
+              <a:t>رمز الإلإجازة</a:t>
+            </a:r>
+          </a:p>
+        </p:txBody>
+      </p:sp>
+      <p:sp>
+        <p:nvSpPr>
+          <p:cNvPr name="TextBox 48" id="48"/>
           <p:cNvSpPr txBox="true"/>
           <p:nvPr/>
         </p:nvSpPr>
         <p:spPr>
           <a:xfrm rot="0">
-            <a:off x="6066225" y="3566227"/>
-            <a:ext cx="22660" cy="219799"/>
+            <a:off x="9020556" y="7439292"/>
+            <a:ext cx="796223" cy="273406"/>
           </a:xfrm>
           <a:prstGeom prst="rect">
             <a:avLst/>
@@ -5772,54 +5009,13 @@
           </a:bodyPr>
           <a:lstStyle/>
           <a:p>
-            <a:pPr algn="l">
+            <a:pPr algn="l" rtl="true">
               <a:lnSpc>
-                <a:spcPts val="2005"/>
+                <a:spcPts val="1889"/>
               </a:lnSpc>
             </a:pPr>
             <a:r>
-              <a:rPr lang="en-US" b="true" sz="802" spc="2">
-                <a:solidFill>
-                  <a:srgbClr val="000000"/>
-                </a:solidFill>
-                <a:latin typeface="Cairo Semi-Bold"/>
-                <a:ea typeface="Cairo Semi-Bold"/>
-                <a:cs typeface="Cairo Semi-Bold"/>
-                <a:sym typeface="Cairo Semi-Bold"/>
-              </a:rPr>
-              <a:t> </a:t>
-            </a:r>
-          </a:p>
-        </p:txBody>
-      </p:sp>
-      <p:sp>
-        <p:nvSpPr>
-          <p:cNvPr name="TextBox 66" id="66"/>
-          <p:cNvSpPr txBox="true"/>
-          <p:nvPr/>
-        </p:nvSpPr>
-        <p:spPr>
-          <a:xfrm rot="0">
-            <a:off x="6256775" y="3944931"/>
-            <a:ext cx="599642" cy="234697"/>
-          </a:xfrm>
-          <a:prstGeom prst="rect">
-            <a:avLst/>
-          </a:prstGeom>
-        </p:spPr>
-        <p:txBody>
-          <a:bodyPr anchor="t" rtlCol="false" tIns="0" lIns="0" bIns="0" rIns="0">
-            <a:spAutoFit/>
-          </a:bodyPr>
-          <a:lstStyle/>
-          <a:p>
-            <a:pPr algn="l" rtl="true">
-              <a:lnSpc>
-                <a:spcPts val="2131"/>
-              </a:lnSpc>
-            </a:pPr>
-            <a:r>
-              <a:rPr lang="ar-EG" b="true" sz="852" spc="2">
+              <a:rPr lang="ar-EG" b="true" sz="1350">
                 <a:solidFill>
                   <a:srgbClr val="366FB5"/>
                 </a:solidFill>
@@ -5829,21 +5025,21 @@
                 <a:sym typeface="Noto Sans Arabic Bold"/>
                 <a:rtl val="true"/>
               </a:rPr>
-              <a:t>ﺗﺎرﻳﺦ اﻟﺨﺮوج</a:t>
-            </a:r>
-          </a:p>
-        </p:txBody>
-      </p:sp>
-      <p:sp>
-        <p:nvSpPr>
-          <p:cNvPr name="TextBox 67" id="67"/>
+              <a:t>جهة العمل</a:t>
+            </a:r>
+          </a:p>
+        </p:txBody>
+      </p:sp>
+      <p:sp>
+        <p:nvSpPr>
+          <p:cNvPr name="TextBox 49" id="49"/>
           <p:cNvSpPr txBox="true"/>
           <p:nvPr/>
         </p:nvSpPr>
         <p:spPr>
           <a:xfrm rot="0">
-            <a:off x="6063044" y="3948351"/>
-            <a:ext cx="22660" cy="219799"/>
+            <a:off x="9015098" y="3704473"/>
+            <a:ext cx="807244" cy="273406"/>
           </a:xfrm>
           <a:prstGeom prst="rect">
             <a:avLst/>
@@ -5855,56 +5051,15 @@
           </a:bodyPr>
           <a:lstStyle/>
           <a:p>
-            <a:pPr algn="l">
+            <a:pPr algn="l" rtl="true">
               <a:lnSpc>
-                <a:spcPts val="2005"/>
+                <a:spcPts val="1889"/>
               </a:lnSpc>
             </a:pPr>
             <a:r>
-              <a:rPr lang="en-US" b="true" sz="802" spc="2">
-                <a:solidFill>
-                  <a:srgbClr val="000000"/>
-                </a:solidFill>
-                <a:latin typeface="Cairo Semi-Bold"/>
-                <a:ea typeface="Cairo Semi-Bold"/>
-                <a:cs typeface="Cairo Semi-Bold"/>
-                <a:sym typeface="Cairo Semi-Bold"/>
-              </a:rPr>
-              <a:t> </a:t>
-            </a:r>
-          </a:p>
-        </p:txBody>
-      </p:sp>
-      <p:sp>
-        <p:nvSpPr>
-          <p:cNvPr name="TextBox 68" id="68"/>
-          <p:cNvSpPr txBox="true"/>
-          <p:nvPr/>
-        </p:nvSpPr>
-        <p:spPr>
-          <a:xfrm rot="0">
-            <a:off x="6080736" y="4327055"/>
-            <a:ext cx="905389" cy="234697"/>
-          </a:xfrm>
-          <a:prstGeom prst="rect">
-            <a:avLst/>
-          </a:prstGeom>
-        </p:spPr>
-        <p:txBody>
-          <a:bodyPr anchor="t" rtlCol="false" tIns="0" lIns="0" bIns="0" rIns="0">
-            <a:spAutoFit/>
-          </a:bodyPr>
-          <a:lstStyle/>
-          <a:p>
-            <a:pPr algn="l" rtl="true">
-              <a:lnSpc>
-                <a:spcPts val="2131"/>
-              </a:lnSpc>
-            </a:pPr>
-            <a:r>
-              <a:rPr lang="ar-EG" b="true" sz="852" spc="5">
-                <a:solidFill>
-                  <a:srgbClr val="366FB5"/>
+              <a:rPr lang="ar-EG" b="true" sz="1350">
+                <a:solidFill>
+                  <a:srgbClr val="FFFFFF"/>
                 </a:solidFill>
                 <a:latin typeface="Noto Sans Arabic Bold"/>
                 <a:ea typeface="Noto Sans Arabic Bold"/>
@@ -5912,12 +5067,41 @@
                 <a:sym typeface="Noto Sans Arabic Bold"/>
                 <a:rtl val="true"/>
               </a:rPr>
-              <a:t>ﺗﺎرﻳﺦ اﺻﺪار اﻟﺘﻘﺮﻳﺮ</a:t>
-            </a:r>
-            <a:r>
-              <a:rPr lang="ar-EG" b="true" sz="852" spc="5">
-                <a:solidFill>
-                  <a:srgbClr val="000000"/>
+              <a:t>مدة الإلإجازة</a:t>
+            </a:r>
+          </a:p>
+        </p:txBody>
+      </p:sp>
+      <p:sp>
+        <p:nvSpPr>
+          <p:cNvPr name="TextBox 50" id="50"/>
+          <p:cNvSpPr txBox="true"/>
+          <p:nvPr/>
+        </p:nvSpPr>
+        <p:spPr>
+          <a:xfrm rot="0">
+            <a:off x="8956291" y="4771530"/>
+            <a:ext cx="927383" cy="273406"/>
+          </a:xfrm>
+          <a:prstGeom prst="rect">
+            <a:avLst/>
+          </a:prstGeom>
+        </p:spPr>
+        <p:txBody>
+          <a:bodyPr anchor="t" rtlCol="false" tIns="0" lIns="0" bIns="0" rIns="0">
+            <a:spAutoFit/>
+          </a:bodyPr>
+          <a:lstStyle/>
+          <a:p>
+            <a:pPr algn="l" rtl="true">
+              <a:lnSpc>
+                <a:spcPts val="1889"/>
+              </a:lnSpc>
+            </a:pPr>
+            <a:r>
+              <a:rPr lang="ar-EG" b="true" sz="1350">
+                <a:solidFill>
+                  <a:srgbClr val="366FB5"/>
                 </a:solidFill>
                 <a:latin typeface="Noto Sans Arabic Bold"/>
                 <a:ea typeface="Noto Sans Arabic Bold"/>
@@ -5925,21 +5109,21 @@
                 <a:sym typeface="Noto Sans Arabic Bold"/>
                 <a:rtl val="true"/>
               </a:rPr>
-              <a:t> </a:t>
-            </a:r>
-          </a:p>
-        </p:txBody>
-      </p:sp>
-      <p:sp>
-        <p:nvSpPr>
-          <p:cNvPr name="TextBox 69" id="69"/>
+              <a:t>تاريخ الخروج</a:t>
+            </a:r>
+          </a:p>
+        </p:txBody>
+      </p:sp>
+      <p:sp>
+        <p:nvSpPr>
+          <p:cNvPr name="TextBox 51" id="51"/>
           <p:cNvSpPr txBox="true"/>
           <p:nvPr/>
         </p:nvSpPr>
         <p:spPr>
           <a:xfrm rot="0">
-            <a:off x="6426060" y="4709179"/>
-            <a:ext cx="414290" cy="234697"/>
+            <a:off x="8941184" y="4238006"/>
+            <a:ext cx="958158" cy="273406"/>
           </a:xfrm>
           <a:prstGeom prst="rect">
             <a:avLst/>
@@ -5953,11 +5137,11 @@
           <a:p>
             <a:pPr algn="l" rtl="true">
               <a:lnSpc>
-                <a:spcPts val="2131"/>
+                <a:spcPts val="1889"/>
               </a:lnSpc>
             </a:pPr>
             <a:r>
-              <a:rPr lang="ar-EG" b="true" sz="852" spc="4">
+              <a:rPr lang="ar-EG" b="true" sz="1350">
                 <a:solidFill>
                   <a:srgbClr val="366FB5"/>
                 </a:solidFill>
@@ -5967,21 +5151,21 @@
                 <a:sym typeface="Noto Sans Arabic Bold"/>
                 <a:rtl val="true"/>
               </a:rPr>
-              <a:t>اﻻﺳﻢ</a:t>
-            </a:r>
-          </a:p>
-        </p:txBody>
-      </p:sp>
-      <p:sp>
-        <p:nvSpPr>
-          <p:cNvPr name="TextBox 70" id="70"/>
+              <a:t>تاريخ الدخول</a:t>
+            </a:r>
+          </a:p>
+        </p:txBody>
+      </p:sp>
+      <p:sp>
+        <p:nvSpPr>
+          <p:cNvPr name="TextBox 52" id="52"/>
           <p:cNvSpPr txBox="true"/>
           <p:nvPr/>
         </p:nvSpPr>
         <p:spPr>
           <a:xfrm rot="0">
-            <a:off x="6069406" y="4712599"/>
-            <a:ext cx="22660" cy="219799"/>
+            <a:off x="8891397" y="7989075"/>
+            <a:ext cx="1059590" cy="273406"/>
           </a:xfrm>
           <a:prstGeom prst="rect">
             <a:avLst/>
@@ -5993,54 +5177,13 @@
           </a:bodyPr>
           <a:lstStyle/>
           <a:p>
-            <a:pPr algn="l">
+            <a:pPr algn="l" rtl="true">
               <a:lnSpc>
-                <a:spcPts val="2005"/>
+                <a:spcPts val="1889"/>
               </a:lnSpc>
             </a:pPr>
             <a:r>
-              <a:rPr lang="en-US" b="true" sz="802" spc="4">
-                <a:solidFill>
-                  <a:srgbClr val="000000"/>
-                </a:solidFill>
-                <a:latin typeface="Cairo Semi-Bold"/>
-                <a:ea typeface="Cairo Semi-Bold"/>
-                <a:cs typeface="Cairo Semi-Bold"/>
-                <a:sym typeface="Cairo Semi-Bold"/>
-              </a:rPr>
-              <a:t> </a:t>
-            </a:r>
-          </a:p>
-        </p:txBody>
-      </p:sp>
-      <p:sp>
-        <p:nvSpPr>
-          <p:cNvPr name="TextBox 71" id="71"/>
-          <p:cNvSpPr txBox="true"/>
-          <p:nvPr/>
-        </p:nvSpPr>
-        <p:spPr>
-          <a:xfrm rot="0">
-            <a:off x="6056671" y="5097675"/>
-            <a:ext cx="949071" cy="234697"/>
-          </a:xfrm>
-          <a:prstGeom prst="rect">
-            <a:avLst/>
-          </a:prstGeom>
-        </p:spPr>
-        <p:txBody>
-          <a:bodyPr anchor="t" rtlCol="false" tIns="0" lIns="0" bIns="0" rIns="0">
-            <a:spAutoFit/>
-          </a:bodyPr>
-          <a:lstStyle/>
-          <a:p>
-            <a:pPr algn="ctr" rtl="true">
-              <a:lnSpc>
-                <a:spcPts val="2131"/>
-              </a:lnSpc>
-            </a:pPr>
-            <a:r>
-              <a:rPr lang="ar-EG" b="true" sz="852" spc="2">
+              <a:rPr lang="ar-EG" b="true" sz="1350">
                 <a:solidFill>
                   <a:srgbClr val="366FB5"/>
                 </a:solidFill>
@@ -6050,12 +5193,41 @@
                 <a:sym typeface="Noto Sans Arabic Bold"/>
                 <a:rtl val="true"/>
               </a:rPr>
-              <a:t>رﻗﻢ اﻟﻬﻮﻳﺔ/اﻹﻗﺎﻣﺔ</a:t>
-            </a:r>
-            <a:r>
-              <a:rPr lang="ar-EG" b="true" sz="852" spc="2">
-                <a:solidFill>
-                  <a:srgbClr val="000000"/>
+              <a:t>اسم الممارس</a:t>
+            </a:r>
+          </a:p>
+        </p:txBody>
+      </p:sp>
+      <p:sp>
+        <p:nvSpPr>
+          <p:cNvPr name="TextBox 53" id="53"/>
+          <p:cNvSpPr txBox="true"/>
+          <p:nvPr/>
+        </p:nvSpPr>
+        <p:spPr>
+          <a:xfrm rot="0">
+            <a:off x="8770877" y="8538734"/>
+            <a:ext cx="1305649" cy="273406"/>
+          </a:xfrm>
+          <a:prstGeom prst="rect">
+            <a:avLst/>
+          </a:prstGeom>
+        </p:spPr>
+        <p:txBody>
+          <a:bodyPr anchor="t" rtlCol="false" tIns="0" lIns="0" bIns="0" rIns="0">
+            <a:spAutoFit/>
+          </a:bodyPr>
+          <a:lstStyle/>
+          <a:p>
+            <a:pPr algn="l" rtl="true">
+              <a:lnSpc>
+                <a:spcPts val="1889"/>
+              </a:lnSpc>
+            </a:pPr>
+            <a:r>
+              <a:rPr lang="ar-EG" b="true" sz="1350">
+                <a:solidFill>
+                  <a:srgbClr val="366FB5"/>
                 </a:solidFill>
                 <a:latin typeface="Noto Sans Arabic Bold"/>
                 <a:ea typeface="Noto Sans Arabic Bold"/>
@@ -6063,21 +5235,21 @@
                 <a:sym typeface="Noto Sans Arabic Bold"/>
                 <a:rtl val="true"/>
               </a:rPr>
-              <a:t> </a:t>
-            </a:r>
-          </a:p>
-        </p:txBody>
-      </p:sp>
-      <p:sp>
-        <p:nvSpPr>
-          <p:cNvPr name="TextBox 72" id="72"/>
+              <a:t>المسمى الوظيفى</a:t>
+            </a:r>
+          </a:p>
+        </p:txBody>
+      </p:sp>
+      <p:sp>
+        <p:nvSpPr>
+          <p:cNvPr name="TextBox 54" id="54"/>
           <p:cNvSpPr txBox="true"/>
           <p:nvPr/>
         </p:nvSpPr>
         <p:spPr>
           <a:xfrm rot="0">
-            <a:off x="6368739" y="5479799"/>
-            <a:ext cx="471611" cy="234697"/>
+            <a:off x="9253414" y="6372235"/>
+            <a:ext cx="866204" cy="273406"/>
           </a:xfrm>
           <a:prstGeom prst="rect">
             <a:avLst/>
@@ -6091,11 +5263,11 @@
           <a:p>
             <a:pPr algn="l" rtl="true">
               <a:lnSpc>
-                <a:spcPts val="2131"/>
+                <a:spcPts val="1889"/>
               </a:lnSpc>
             </a:pPr>
             <a:r>
-              <a:rPr lang="ar-EG" b="true" sz="852" spc="3">
+              <a:rPr lang="ar-EG" b="true" sz="1350">
                 <a:solidFill>
                   <a:srgbClr val="366FB5"/>
                 </a:solidFill>
@@ -6105,21 +5277,34 @@
                 <a:sym typeface="Noto Sans Arabic Bold"/>
                 <a:rtl val="true"/>
               </a:rPr>
-              <a:t>اﻟﺠﻨﺴﻴﺔ</a:t>
-            </a:r>
-          </a:p>
-        </p:txBody>
-      </p:sp>
-      <p:sp>
-        <p:nvSpPr>
-          <p:cNvPr name="TextBox 73" id="73"/>
+              <a:t>رقم الهوية </a:t>
+            </a:r>
+            <a:r>
+              <a:rPr lang="ar-EG" sz="1350">
+                <a:solidFill>
+                  <a:srgbClr val="366FB5"/>
+                </a:solidFill>
+                <a:latin typeface="Noto Sans Arabic"/>
+                <a:ea typeface="Noto Sans Arabic"/>
+                <a:cs typeface="Noto Sans Arabic"/>
+                <a:sym typeface="Noto Sans Arabic"/>
+                <a:rtl val="true"/>
+              </a:rPr>
+              <a:t>/</a:t>
+            </a:r>
+          </a:p>
+        </p:txBody>
+      </p:sp>
+      <p:sp>
+        <p:nvSpPr>
+          <p:cNvPr name="TextBox 55" id="55"/>
           <p:cNvSpPr txBox="true"/>
           <p:nvPr/>
         </p:nvSpPr>
         <p:spPr>
           <a:xfrm rot="0">
-            <a:off x="6066225" y="5483219"/>
-            <a:ext cx="22660" cy="219799"/>
+            <a:off x="8727567" y="5305187"/>
+            <a:ext cx="1393965" cy="273406"/>
           </a:xfrm>
           <a:prstGeom prst="rect">
             <a:avLst/>
@@ -6131,54 +5316,13 @@
           </a:bodyPr>
           <a:lstStyle/>
           <a:p>
-            <a:pPr algn="l">
+            <a:pPr algn="l" rtl="true">
               <a:lnSpc>
-                <a:spcPts val="2005"/>
+                <a:spcPts val="1889"/>
               </a:lnSpc>
             </a:pPr>
             <a:r>
-              <a:rPr lang="en-US" b="true" sz="802" spc="3">
-                <a:solidFill>
-                  <a:srgbClr val="000000"/>
-                </a:solidFill>
-                <a:latin typeface="Cairo Semi-Bold"/>
-                <a:ea typeface="Cairo Semi-Bold"/>
-                <a:cs typeface="Cairo Semi-Bold"/>
-                <a:sym typeface="Cairo Semi-Bold"/>
-              </a:rPr>
-              <a:t> </a:t>
-            </a:r>
-          </a:p>
-        </p:txBody>
-      </p:sp>
-      <p:sp>
-        <p:nvSpPr>
-          <p:cNvPr name="TextBox 74" id="74"/>
-          <p:cNvSpPr txBox="true"/>
-          <p:nvPr/>
-        </p:nvSpPr>
-        <p:spPr>
-          <a:xfrm rot="0">
-            <a:off x="6295501" y="5861923"/>
-            <a:ext cx="529819" cy="234697"/>
-          </a:xfrm>
-          <a:prstGeom prst="rect">
-            <a:avLst/>
-          </a:prstGeom>
-        </p:spPr>
-        <p:txBody>
-          <a:bodyPr anchor="t" rtlCol="false" tIns="0" lIns="0" bIns="0" rIns="0">
-            <a:spAutoFit/>
-          </a:bodyPr>
-          <a:lstStyle/>
-          <a:p>
-            <a:pPr algn="l" rtl="true">
-              <a:lnSpc>
-                <a:spcPts val="2131"/>
-              </a:lnSpc>
-            </a:pPr>
-            <a:r>
-              <a:rPr lang="ar-EG" b="true" sz="852" spc="3">
+              <a:rPr lang="ar-EG" b="true" sz="1350">
                 <a:solidFill>
                   <a:srgbClr val="366FB5"/>
                 </a:solidFill>
@@ -6188,21 +5332,21 @@
                 <a:sym typeface="Noto Sans Arabic Bold"/>
                 <a:rtl val="true"/>
               </a:rPr>
-              <a:t>ﺟﻬﺔ اﻟﻌﻤﻞ</a:t>
-            </a:r>
-          </a:p>
-        </p:txBody>
-      </p:sp>
-      <p:sp>
-        <p:nvSpPr>
-          <p:cNvPr name="TextBox 75" id="75"/>
+              <a:t>تاريخ إصدار التقرير</a:t>
+            </a:r>
+          </a:p>
+        </p:txBody>
+      </p:sp>
+      <p:sp>
+        <p:nvSpPr>
+          <p:cNvPr name="TextBox 56" id="56"/>
           <p:cNvSpPr txBox="true"/>
           <p:nvPr/>
         </p:nvSpPr>
         <p:spPr>
           <a:xfrm rot="0">
-            <a:off x="6066225" y="5865343"/>
-            <a:ext cx="22660" cy="219799"/>
+            <a:off x="906018" y="10577798"/>
+            <a:ext cx="4023236" cy="771744"/>
           </a:xfrm>
           <a:prstGeom prst="rect">
             <a:avLst/>
@@ -6214,56 +5358,15 @@
           </a:bodyPr>
           <a:lstStyle/>
           <a:p>
-            <a:pPr algn="l">
+            <a:pPr algn="ctr" rtl="true">
               <a:lnSpc>
-                <a:spcPts val="2005"/>
+                <a:spcPts val="2376"/>
               </a:lnSpc>
             </a:pPr>
             <a:r>
-              <a:rPr lang="en-US" b="true" sz="802" spc="3">
+              <a:rPr lang="ar-EG" b="true" sz="1125">
                 <a:solidFill>
                   <a:srgbClr val="000000"/>
-                </a:solidFill>
-                <a:latin typeface="Cairo Semi-Bold"/>
-                <a:ea typeface="Cairo Semi-Bold"/>
-                <a:cs typeface="Cairo Semi-Bold"/>
-                <a:sym typeface="Cairo Semi-Bold"/>
-              </a:rPr>
-              <a:t> </a:t>
-            </a:r>
-          </a:p>
-        </p:txBody>
-      </p:sp>
-      <p:sp>
-        <p:nvSpPr>
-          <p:cNvPr name="TextBox 76" id="76"/>
-          <p:cNvSpPr txBox="true"/>
-          <p:nvPr/>
-        </p:nvSpPr>
-        <p:spPr>
-          <a:xfrm rot="0">
-            <a:off x="6059853" y="6234522"/>
-            <a:ext cx="959168" cy="236220"/>
-          </a:xfrm>
-          <a:prstGeom prst="rect">
-            <a:avLst/>
-          </a:prstGeom>
-        </p:spPr>
-        <p:txBody>
-          <a:bodyPr anchor="t" rtlCol="false" tIns="0" lIns="0" bIns="0" rIns="0">
-            <a:spAutoFit/>
-          </a:bodyPr>
-          <a:lstStyle/>
-          <a:p>
-            <a:pPr algn="r">
-              <a:lnSpc>
-                <a:spcPts val="2000"/>
-              </a:lnSpc>
-            </a:pPr>
-            <a:r>
-              <a:rPr lang="ar-EG" b="true" sz="800" spc="8">
-                <a:solidFill>
-                  <a:srgbClr val="366FB5"/>
                 </a:solidFill>
                 <a:latin typeface="Noto Sans Arabic Bold"/>
                 <a:ea typeface="Noto Sans Arabic Bold"/>
@@ -6271,33 +5374,40 @@
                 <a:sym typeface="Noto Sans Arabic Bold"/>
                 <a:rtl val="true"/>
               </a:rPr>
-              <a:t>اﺳﻢ اﻟﻄﺒﻴﺐ اﻟﻤﻌﺎﻟﺞ</a:t>
-            </a:r>
-            <a:r>
-              <a:rPr lang="en-US" b="true" sz="800" spc="8">
+              <a:t>للتحقق من بيانات التقرير يرجى التأكد من زيارة موقع منصة صحة الرسمي </a:t>
+            </a:r>
+          </a:p>
+          <a:p>
+            <a:pPr algn="ctr">
+              <a:lnSpc>
+                <a:spcPts val="1293"/>
+              </a:lnSpc>
+            </a:pPr>
+            <a:r>
+              <a:rPr lang="en-US" sz="1125">
                 <a:solidFill>
                   <a:srgbClr val="000000"/>
                 </a:solidFill>
-                <a:latin typeface="Noto Sans Arabic Bold"/>
-                <a:ea typeface="Noto Sans Arabic Bold"/>
-                <a:cs typeface="Noto Sans Arabic Bold"/>
-                <a:sym typeface="Noto Sans Arabic Bold"/>
-              </a:rPr>
-              <a:t> </a:t>
-            </a:r>
-          </a:p>
-        </p:txBody>
-      </p:sp>
-      <p:sp>
-        <p:nvSpPr>
-          <p:cNvPr name="TextBox 77" id="77"/>
+                <a:latin typeface="Arab Times"/>
+                <a:ea typeface="Arab Times"/>
+                <a:cs typeface="Arab Times"/>
+                <a:sym typeface="Arab Times"/>
+              </a:rPr>
+              <a:t>To check the report please visit Seha's offical website</a:t>
+            </a:r>
+          </a:p>
+        </p:txBody>
+      </p:sp>
+      <p:sp>
+        <p:nvSpPr>
+          <p:cNvPr name="TextBox 57" id="57"/>
           <p:cNvSpPr txBox="true"/>
           <p:nvPr/>
         </p:nvSpPr>
         <p:spPr>
           <a:xfrm rot="0">
-            <a:off x="6074373" y="6651717"/>
-            <a:ext cx="932469" cy="234697"/>
+            <a:off x="2878198" y="11381232"/>
+            <a:ext cx="36433" cy="217399"/>
           </a:xfrm>
           <a:prstGeom prst="rect">
             <a:avLst/>
@@ -6309,15 +5419,98 @@
           </a:bodyPr>
           <a:lstStyle/>
           <a:p>
+            <a:pPr algn="l">
+              <a:lnSpc>
+                <a:spcPts val="1293"/>
+              </a:lnSpc>
+            </a:pPr>
+            <a:r>
+              <a:rPr lang="en-US" sz="1125">
+                <a:solidFill>
+                  <a:srgbClr val="000000"/>
+                </a:solidFill>
+                <a:latin typeface="Arab Times"/>
+                <a:ea typeface="Arab Times"/>
+                <a:cs typeface="Arab Times"/>
+                <a:sym typeface="Arab Times"/>
+              </a:rPr>
+              <a:t> </a:t>
+            </a:r>
+          </a:p>
+        </p:txBody>
+      </p:sp>
+      <p:sp>
+        <p:nvSpPr>
+          <p:cNvPr name="TextBox 58" id="58"/>
+          <p:cNvSpPr txBox="true"/>
+          <p:nvPr/>
+        </p:nvSpPr>
+        <p:spPr>
+          <a:xfrm rot="0">
+            <a:off x="1838201" y="11545443"/>
+            <a:ext cx="2121570" cy="217399"/>
+          </a:xfrm>
+          <a:prstGeom prst="rect">
+            <a:avLst/>
+          </a:prstGeom>
+        </p:spPr>
+        <p:txBody>
+          <a:bodyPr anchor="t" rtlCol="false" tIns="0" lIns="0" bIns="0" rIns="0">
+            <a:spAutoFit/>
+          </a:bodyPr>
+          <a:lstStyle/>
+          <a:p>
+            <a:pPr algn="l">
+              <a:lnSpc>
+                <a:spcPts val="1293"/>
+              </a:lnSpc>
+            </a:pPr>
+            <a:r>
+              <a:rPr lang="en-US" sz="1125">
+                <a:solidFill>
+                  <a:srgbClr val="0000FF"/>
+                </a:solidFill>
+                <a:latin typeface="Arab Times"/>
+                <a:ea typeface="Arab Times"/>
+                <a:cs typeface="Arab Times"/>
+                <a:sym typeface="Arab Times"/>
+                <a:hlinkClick r:id="rId10" tooltip="https://iVBORw0KGgoAAAANSUhEUgAAAuQAAALkAQAAAABv3x3IAAACYElEQVR4nO3aQZKjMAwFUN+A+98yN/BUzYAly04qi55N+2lBAbae2P2CpPX/WK9Gp9PpdDqdTqfT6XQ6nU6n0+l0Op1Op9Ppv1Fvta773r16/Wt4Fq4PbXQ6nU6n09P9PvfnhlSf2+h0Op1OP16/+65xuR7+jij5XdrodDqdTqdv9bhsbRvxdDqdTqfTv9QjofOWi06n0+l0+jf6fljbBPb6O+6i0Ol0Op1+sl5qSugPh7WNTqfT6fTj9V1Ff1y+Deyl6HQ6nU4/WY8vytOfinMal38bv+azMpFOp9Pp9JP1nnN5OfTx5htJHnofEU+n0+l0On3o0XUNruU5+bJvtnQ6nU6n0+kVzgvxIrzkctp8A3Q6nU6n09/tfWK6vAOXYF8Cm06n0+n0w/UMPzEdl1l6Zpdhywg6nU6n08/Vy5zg7pr0GLHrpdPpdDqdPt58373bttxaOnZFp9PpdDo9v+/uzHhX3sHfpDadTqfT6Yfo+eyBMzLFeV59htHpdDqdTt/unS5jSz6LhamNTqfT6fTj9X1XcKUy0spT0Ol0Op1+vB4xnftfo6tEcl82l1U6nU6n00/Wd5XnrPdypq9ndDqdTqefrLdaV92b7i2Hp/Jz0Ol0Op1+sn7lpei64am/zM4j8vPQ6XQ6nX60HjvubfGD7PSpuWR1GUun0+l0On2jt02VEM/pTqfT6XQ6/YMeWZ1TO0Zco5dOp9PpdPpXX5nLxDbXPbaPR4mi0+l0Ov1kvVSO3xZwIHlsmUOn0+l0+uH6zxedTqfT6XQ6nU6n0+l0Op1Op9PpdDqdTqf/Iv0P+tt93VO+3TQAAAAASUVORK5CYII="/>
+              </a:rPr>
+              <a:t>www.seha.sa/#/inquiries/slenquiry</a:t>
+            </a:r>
+          </a:p>
+        </p:txBody>
+      </p:sp>
+      <p:sp>
+        <p:nvSpPr>
+          <p:cNvPr name="TextBox 59" id="59"/>
+          <p:cNvSpPr txBox="true"/>
+          <p:nvPr/>
+        </p:nvSpPr>
+        <p:spPr>
+          <a:xfrm rot="0">
+            <a:off x="7276719" y="10680021"/>
+            <a:ext cx="1577969" cy="443770"/>
+          </a:xfrm>
+          <a:prstGeom prst="rect">
+            <a:avLst/>
+          </a:prstGeom>
+        </p:spPr>
+        <p:txBody>
+          <a:bodyPr anchor="t" rtlCol="false" tIns="0" lIns="0" bIns="0" rIns="0">
+            <a:spAutoFit/>
+          </a:bodyPr>
+          <a:lstStyle/>
+          <a:p>
             <a:pPr algn="ctr" rtl="true">
               <a:lnSpc>
-                <a:spcPts val="2131"/>
+                <a:spcPts val="1784"/>
               </a:lnSpc>
             </a:pPr>
             <a:r>
-              <a:rPr lang="ar-EG" b="true" sz="852" spc="3">
-                <a:solidFill>
-                  <a:srgbClr val="366FB5"/>
+              <a:rPr lang="ar-EG" b="true" sz="1275">
+                <a:solidFill>
+                  <a:srgbClr val="000000"/>
                 </a:solidFill>
                 <a:latin typeface="Noto Sans Arabic Bold"/>
                 <a:ea typeface="Noto Sans Arabic Bold"/>
@@ -6325,10 +5518,58 @@
                 <a:sym typeface="Noto Sans Arabic Bold"/>
                 <a:rtl val="true"/>
               </a:rPr>
-              <a:t>اﻟﻤﺴﻤﻰ اﻟﻮﻇﻴﻔﻲ</a:t>
-            </a:r>
-            <a:r>
-              <a:rPr lang="ar-EG" b="true" sz="852" spc="3">
+              <a:t>مجمع طمأنه الطبي</a:t>
+            </a:r>
+          </a:p>
+          <a:p>
+            <a:pPr algn="ctr">
+              <a:lnSpc>
+                <a:spcPts val="2127"/>
+              </a:lnSpc>
+            </a:pPr>
+            <a:r>
+              <a:rPr lang="en-US" sz="1275">
+                <a:solidFill>
+                  <a:srgbClr val="000000"/>
+                </a:solidFill>
+                <a:latin typeface="Arab Times"/>
+                <a:ea typeface="Arab Times"/>
+                <a:cs typeface="Arab Times"/>
+                <a:sym typeface="Arab Times"/>
+              </a:rPr>
+              <a:t>Tmana medical center</a:t>
+            </a:r>
+          </a:p>
+        </p:txBody>
+      </p:sp>
+      <p:sp>
+        <p:nvSpPr>
+          <p:cNvPr name="TextBox 60" id="60"/>
+          <p:cNvSpPr txBox="true"/>
+          <p:nvPr/>
+        </p:nvSpPr>
+        <p:spPr>
+          <a:xfrm rot="0">
+            <a:off x="7885176" y="11208210"/>
+            <a:ext cx="1162555" cy="250279"/>
+          </a:xfrm>
+          <a:prstGeom prst="rect">
+            <a:avLst/>
+          </a:prstGeom>
+        </p:spPr>
+        <p:txBody>
+          <a:bodyPr anchor="t" rtlCol="false" tIns="0" lIns="0" bIns="0" rIns="0">
+            <a:spAutoFit/>
+          </a:bodyPr>
+          <a:lstStyle/>
+          <a:p>
+            <a:pPr algn="l" rtl="true">
+              <a:lnSpc>
+                <a:spcPts val="1784"/>
+              </a:lnSpc>
+            </a:pPr>
+            <a:r>
+              <a:rPr lang="ar-EG" b="true" sz="1275">
                 <a:solidFill>
                   <a:srgbClr val="000000"/>
                 </a:solidFill>
@@ -6338,794 +5579,12 @@
                 <a:sym typeface="Noto Sans Arabic Bold"/>
                 <a:rtl val="true"/>
               </a:rPr>
-              <a:t> </a:t>
-            </a:r>
-          </a:p>
-        </p:txBody>
-      </p:sp>
-      <p:sp>
-        <p:nvSpPr>
-          <p:cNvPr name="TextBox 78" id="78"/>
-          <p:cNvSpPr txBox="true"/>
-          <p:nvPr/>
-        </p:nvSpPr>
-        <p:spPr>
-          <a:xfrm rot="0">
-            <a:off x="1385573" y="4805397"/>
-            <a:ext cx="2394427" cy="127000"/>
-          </a:xfrm>
-          <a:prstGeom prst="rect">
-            <a:avLst/>
-          </a:prstGeom>
-        </p:spPr>
-        <p:txBody>
-          <a:bodyPr anchor="t" rtlCol="false" tIns="0" lIns="0" bIns="0" rIns="0">
-            <a:spAutoFit/>
-          </a:bodyPr>
-          <a:lstStyle/>
-          <a:p>
-            <a:pPr algn="ctr">
-              <a:lnSpc>
-                <a:spcPts val="1050"/>
-              </a:lnSpc>
-            </a:pPr>
-            <a:r>
-              <a:rPr lang="en-US" sz="750" spc="3">
-                <a:solidFill>
-                  <a:srgbClr val="2C3E77"/>
-                </a:solidFill>
-                <a:latin typeface="Fedra sans arabic"/>
-                <a:ea typeface="Fedra sans arabic"/>
-                <a:cs typeface="Fedra sans arabic"/>
-                <a:sym typeface="Fedra sans arabic"/>
-              </a:rPr>
-              <a:t>{{NAME_EN}}</a:t>
-            </a:r>
-          </a:p>
-        </p:txBody>
-      </p:sp>
-      <p:sp>
-        <p:nvSpPr>
-          <p:cNvPr name="TextBox 79" id="79"/>
-          <p:cNvSpPr txBox="true"/>
-          <p:nvPr/>
-        </p:nvSpPr>
-        <p:spPr>
-          <a:xfrm rot="0">
-            <a:off x="3757927" y="6342317"/>
-            <a:ext cx="2336959" cy="117475"/>
-          </a:xfrm>
-          <a:prstGeom prst="rect">
-            <a:avLst/>
-          </a:prstGeom>
-        </p:spPr>
-        <p:txBody>
-          <a:bodyPr anchor="t" rtlCol="false" tIns="0" lIns="0" bIns="0" rIns="0">
-            <a:spAutoFit/>
-          </a:bodyPr>
-          <a:lstStyle/>
-          <a:p>
-            <a:pPr algn="ctr">
-              <a:lnSpc>
-                <a:spcPts val="1050"/>
-              </a:lnSpc>
-            </a:pPr>
-            <a:r>
-              <a:rPr lang="en-US" sz="750" spc="3">
-                <a:solidFill>
-                  <a:srgbClr val="2C3E77"/>
-                </a:solidFill>
-                <a:latin typeface="Noto Sans Arabic"/>
-                <a:ea typeface="Noto Sans Arabic"/>
-                <a:cs typeface="Noto Sans Arabic"/>
-                <a:sym typeface="Noto Sans Arabic"/>
-              </a:rPr>
-              <a:t>{{DOCTOR_NAME_AR}}</a:t>
-            </a:r>
-          </a:p>
-        </p:txBody>
-      </p:sp>
-      <p:sp>
-        <p:nvSpPr>
-          <p:cNvPr name="TextBox 80" id="80"/>
-          <p:cNvSpPr txBox="true"/>
-          <p:nvPr/>
-        </p:nvSpPr>
-        <p:spPr>
-          <a:xfrm rot="0">
-            <a:off x="3780000" y="4801686"/>
-            <a:ext cx="2308885" cy="118189"/>
-          </a:xfrm>
-          <a:prstGeom prst="rect">
-            <a:avLst/>
-          </a:prstGeom>
-        </p:spPr>
-        <p:txBody>
-          <a:bodyPr anchor="t" rtlCol="false" tIns="0" lIns="0" bIns="0" rIns="0">
-            <a:spAutoFit/>
-          </a:bodyPr>
-          <a:lstStyle/>
-          <a:p>
-            <a:pPr algn="ctr">
-              <a:lnSpc>
-                <a:spcPts val="1056"/>
-              </a:lnSpc>
-            </a:pPr>
-            <a:r>
-              <a:rPr lang="en-US" sz="754" spc="2">
-                <a:solidFill>
-                  <a:srgbClr val="2C3E77"/>
-                </a:solidFill>
-                <a:latin typeface="Noto Sans Arabic"/>
-                <a:ea typeface="Noto Sans Arabic"/>
-                <a:cs typeface="Noto Sans Arabic"/>
-                <a:sym typeface="Noto Sans Arabic"/>
-              </a:rPr>
-              <a:t>{{NAME_AR}}</a:t>
-            </a:r>
-          </a:p>
-        </p:txBody>
-      </p:sp>
-      <p:sp>
-        <p:nvSpPr>
-          <p:cNvPr name="TextBox 81" id="81"/>
-          <p:cNvSpPr txBox="true"/>
-          <p:nvPr/>
-        </p:nvSpPr>
-        <p:spPr>
-          <a:xfrm rot="0">
-            <a:off x="280940" y="8203120"/>
-            <a:ext cx="2600506" cy="257302"/>
-          </a:xfrm>
-          <a:prstGeom prst="rect">
-            <a:avLst/>
-          </a:prstGeom>
-        </p:spPr>
-        <p:txBody>
-          <a:bodyPr anchor="t" rtlCol="false" tIns="0" lIns="0" bIns="0" rIns="0">
-            <a:spAutoFit/>
-          </a:bodyPr>
-          <a:lstStyle/>
-          <a:p>
-            <a:pPr algn="ctr" rtl="true">
-              <a:lnSpc>
-                <a:spcPts val="1064"/>
-              </a:lnSpc>
-            </a:pPr>
-            <a:r>
-              <a:rPr lang="ar-EG" b="true" sz="700" spc="2">
+              <a:t>رقم الترخيص :</a:t>
+            </a:r>
+            <a:r>
+              <a:rPr lang="ar-EG" sz="1275">
                 <a:solidFill>
                   <a:srgbClr val="000000"/>
-                </a:solidFill>
-                <a:latin typeface="Noto Sans Arabic Bold"/>
-                <a:ea typeface="Noto Sans Arabic Bold"/>
-                <a:cs typeface="Noto Sans Arabic Bold"/>
-                <a:sym typeface="Noto Sans Arabic Bold"/>
-                <a:rtl val="true"/>
-              </a:rPr>
-              <a:t>ﻟﻠﺘﺤﻘﻖ ﻣﻦ ﺑﻴﺎﻧﺎت اﻟﺘﻘﺮﻳﺮ ﻳﺮﺟﻰ اﻟﺘﺄﻛﺪ ﻣﻦ زﻳﺎرة ﻣﻮﻗﻊ ﻣﻨﺼﺔ ﺻﺤﺔ اﻟﺮﺳﻤﻲ </a:t>
-            </a:r>
-          </a:p>
-        </p:txBody>
-      </p:sp>
-      <p:sp>
-        <p:nvSpPr>
-          <p:cNvPr name="TextBox 82" id="82"/>
-          <p:cNvSpPr txBox="true"/>
-          <p:nvPr/>
-        </p:nvSpPr>
-        <p:spPr>
-          <a:xfrm rot="0">
-            <a:off x="614582" y="8392619"/>
-            <a:ext cx="2120605" cy="194602"/>
-          </a:xfrm>
-          <a:prstGeom prst="rect">
-            <a:avLst/>
-          </a:prstGeom>
-        </p:spPr>
-        <p:txBody>
-          <a:bodyPr anchor="t" rtlCol="false" tIns="0" lIns="0" bIns="0" rIns="0">
-            <a:spAutoFit/>
-          </a:bodyPr>
-          <a:lstStyle/>
-          <a:p>
-            <a:pPr algn="l">
-              <a:lnSpc>
-                <a:spcPts val="1629"/>
-              </a:lnSpc>
-            </a:pPr>
-            <a:r>
-              <a:rPr lang="en-US" b="true" sz="651" spc="1">
-                <a:solidFill>
-                  <a:srgbClr val="000000"/>
-                </a:solidFill>
-                <a:latin typeface="Times New Roman Bold"/>
-                <a:ea typeface="Times New Roman Bold"/>
-                <a:cs typeface="Times New Roman Bold"/>
-                <a:sym typeface="Times New Roman Bold"/>
-              </a:rPr>
-              <a:t> Tocheckthereportplease visit Seha's offical website</a:t>
-            </a:r>
-          </a:p>
-        </p:txBody>
-      </p:sp>
-      <p:sp>
-        <p:nvSpPr>
-          <p:cNvPr name="TextBox 83" id="83"/>
-          <p:cNvSpPr txBox="true"/>
-          <p:nvPr/>
-        </p:nvSpPr>
-        <p:spPr>
-          <a:xfrm rot="0">
-            <a:off x="4636446" y="8391383"/>
-            <a:ext cx="2923554" cy="146162"/>
-          </a:xfrm>
-          <a:prstGeom prst="rect">
-            <a:avLst/>
-          </a:prstGeom>
-        </p:spPr>
-        <p:txBody>
-          <a:bodyPr anchor="t" rtlCol="false" tIns="0" lIns="0" bIns="0" rIns="0">
-            <a:spAutoFit/>
-          </a:bodyPr>
-          <a:lstStyle/>
-          <a:p>
-            <a:pPr algn="ctr" rtl="true">
-              <a:lnSpc>
-                <a:spcPts val="1249"/>
-              </a:lnSpc>
-            </a:pPr>
-            <a:r>
-              <a:rPr lang="ar-EG" b="true" sz="650" spc="1">
-                <a:solidFill>
-                  <a:srgbClr val="000000"/>
-                </a:solidFill>
-                <a:latin typeface="Cairo Semi-Bold"/>
-                <a:ea typeface="Cairo Semi-Bold"/>
-                <a:cs typeface="Cairo Semi-Bold"/>
-                <a:sym typeface="Cairo Semi-Bold"/>
-                <a:rtl val="true"/>
-              </a:rPr>
-              <a:t>رﻗﻢ اﻟﱰﺧﻴﺺ : </a:t>
-            </a:r>
-            <a:r>
-              <a:rPr lang="en-US" b="true" sz="650" spc="1">
-                <a:solidFill>
-                  <a:srgbClr val="000000"/>
-                </a:solidFill>
-                <a:latin typeface="Cairo Semi-Bold"/>
-                <a:ea typeface="Cairo Semi-Bold"/>
-                <a:cs typeface="Cairo Semi-Bold"/>
-                <a:sym typeface="Cairo Semi-Bold"/>
-              </a:rPr>
-              <a:t>1410101201200270</a:t>
-            </a:r>
-          </a:p>
-        </p:txBody>
-      </p:sp>
-      <p:sp>
-        <p:nvSpPr>
-          <p:cNvPr name="TextBox 84" id="84"/>
-          <p:cNvSpPr txBox="true"/>
-          <p:nvPr/>
-        </p:nvSpPr>
-        <p:spPr>
-          <a:xfrm rot="0">
-            <a:off x="3133420" y="607228"/>
-            <a:ext cx="1210713" cy="148447"/>
-          </a:xfrm>
-          <a:prstGeom prst="rect">
-            <a:avLst/>
-          </a:prstGeom>
-        </p:spPr>
-        <p:txBody>
-          <a:bodyPr anchor="t" rtlCol="false" tIns="0" lIns="0" bIns="0" rIns="0">
-            <a:spAutoFit/>
-          </a:bodyPr>
-          <a:lstStyle/>
-          <a:p>
-            <a:pPr algn="l">
-              <a:lnSpc>
-                <a:spcPts val="1263"/>
-              </a:lnSpc>
-            </a:pPr>
-            <a:r>
-              <a:rPr lang="en-US" b="true" sz="902" spc="2">
-                <a:solidFill>
-                  <a:srgbClr val="000000"/>
-                </a:solidFill>
-                <a:latin typeface="Cairo Semi-Bold"/>
-                <a:ea typeface="Cairo Semi-Bold"/>
-                <a:cs typeface="Cairo Semi-Bold"/>
-                <a:sym typeface="Cairo Semi-Bold"/>
-              </a:rPr>
-              <a:t>Kingdom of Saudi Arabia</a:t>
-            </a:r>
-          </a:p>
-        </p:txBody>
-      </p:sp>
-      <p:sp>
-        <p:nvSpPr>
-          <p:cNvPr name="TextBox 85" id="85"/>
-          <p:cNvSpPr txBox="true"/>
-          <p:nvPr/>
-        </p:nvSpPr>
-        <p:spPr>
-          <a:xfrm rot="0">
-            <a:off x="5667951" y="3184103"/>
-            <a:ext cx="258013" cy="1046712"/>
-          </a:xfrm>
-          <a:prstGeom prst="rect">
-            <a:avLst/>
-          </a:prstGeom>
-        </p:spPr>
-        <p:txBody>
-          <a:bodyPr anchor="t" rtlCol="false" tIns="0" lIns="0" bIns="0" rIns="0">
-            <a:spAutoFit/>
-          </a:bodyPr>
-          <a:lstStyle/>
-          <a:p>
-            <a:pPr algn="ctr">
-              <a:lnSpc>
-                <a:spcPts val="2131"/>
-              </a:lnSpc>
-            </a:pPr>
-            <a:r>
-              <a:rPr lang="en-US" b="true" sz="852">
-                <a:solidFill>
-                  <a:srgbClr val="FFFFFF"/>
-                </a:solidFill>
-                <a:latin typeface="Cairo Semi-Bold"/>
-                <a:ea typeface="Cairo Semi-Bold"/>
-                <a:cs typeface="Cairo Semi-Bold"/>
-                <a:sym typeface="Cairo Semi-Bold"/>
-              </a:rPr>
-              <a:t>{{DAYS_COUNT}}</a:t>
-            </a:r>
-          </a:p>
-        </p:txBody>
-      </p:sp>
-      <p:sp>
-        <p:nvSpPr>
-          <p:cNvPr name="TextBox 86" id="86"/>
-          <p:cNvSpPr txBox="true"/>
-          <p:nvPr/>
-        </p:nvSpPr>
-        <p:spPr>
-          <a:xfrm rot="0">
-            <a:off x="2074612" y="3188074"/>
-            <a:ext cx="588702" cy="776040"/>
-          </a:xfrm>
-          <a:prstGeom prst="rect">
-            <a:avLst/>
-          </a:prstGeom>
-        </p:spPr>
-        <p:txBody>
-          <a:bodyPr anchor="t" rtlCol="false" tIns="0" lIns="0" bIns="0" rIns="0">
-            <a:spAutoFit/>
-          </a:bodyPr>
-          <a:lstStyle/>
-          <a:p>
-            <a:pPr algn="l">
-              <a:lnSpc>
-                <a:spcPts val="2131"/>
-              </a:lnSpc>
-            </a:pPr>
-            <a:r>
-              <a:rPr lang="en-US" sz="852" spc="2">
-                <a:solidFill>
-                  <a:srgbClr val="FFFFFF"/>
-                </a:solidFill>
-                <a:latin typeface="Fedra sans arabic"/>
-                <a:ea typeface="Fedra sans arabic"/>
-                <a:cs typeface="Fedra sans arabic"/>
-                <a:sym typeface="Fedra sans arabic"/>
-              </a:rPr>
-              <a:t>{{ENTRY_DATE_GREGORIAN}}</a:t>
-            </a:r>
-          </a:p>
-        </p:txBody>
-      </p:sp>
-      <p:sp>
-        <p:nvSpPr>
-          <p:cNvPr name="TextBox 87" id="87"/>
-          <p:cNvSpPr txBox="true"/>
-          <p:nvPr/>
-        </p:nvSpPr>
-        <p:spPr>
-          <a:xfrm rot="0">
-            <a:off x="2791870" y="3188074"/>
-            <a:ext cx="588702" cy="764126"/>
-          </a:xfrm>
-          <a:prstGeom prst="rect">
-            <a:avLst/>
-          </a:prstGeom>
-        </p:spPr>
-        <p:txBody>
-          <a:bodyPr anchor="t" rtlCol="false" tIns="0" lIns="0" bIns="0" rIns="0">
-            <a:spAutoFit/>
-          </a:bodyPr>
-          <a:lstStyle/>
-          <a:p>
-            <a:pPr algn="l">
-              <a:lnSpc>
-                <a:spcPts val="2131"/>
-              </a:lnSpc>
-            </a:pPr>
-            <a:r>
-              <a:rPr lang="en-US" b="true" sz="852" spc="2">
-                <a:solidFill>
-                  <a:srgbClr val="FFFFFF"/>
-                </a:solidFill>
-                <a:latin typeface="Cairo Semi-Bold"/>
-                <a:ea typeface="Cairo Semi-Bold"/>
-                <a:cs typeface="Cairo Semi-Bold"/>
-                <a:sym typeface="Cairo Semi-Bold"/>
-              </a:rPr>
-              <a:t>{{EXIT_DATE_GREGORIAN}}</a:t>
-            </a:r>
-          </a:p>
-        </p:txBody>
-      </p:sp>
-      <p:sp>
-        <p:nvSpPr>
-          <p:cNvPr name="TextBox 88" id="88"/>
-          <p:cNvSpPr txBox="true"/>
-          <p:nvPr/>
-        </p:nvSpPr>
-        <p:spPr>
-          <a:xfrm rot="0">
-            <a:off x="1637723" y="3180683"/>
-            <a:ext cx="258013" cy="1046712"/>
-          </a:xfrm>
-          <a:prstGeom prst="rect">
-            <a:avLst/>
-          </a:prstGeom>
-        </p:spPr>
-        <p:txBody>
-          <a:bodyPr anchor="t" rtlCol="false" tIns="0" lIns="0" bIns="0" rIns="0">
-            <a:spAutoFit/>
-          </a:bodyPr>
-          <a:lstStyle/>
-          <a:p>
-            <a:pPr algn="ctr">
-              <a:lnSpc>
-                <a:spcPts val="2131"/>
-              </a:lnSpc>
-            </a:pPr>
-            <a:r>
-              <a:rPr lang="en-US" b="true" sz="852">
-                <a:solidFill>
-                  <a:srgbClr val="FFFFFF"/>
-                </a:solidFill>
-                <a:latin typeface="Cairo Semi-Bold"/>
-                <a:ea typeface="Cairo Semi-Bold"/>
-                <a:cs typeface="Cairo Semi-Bold"/>
-                <a:sym typeface="Cairo Semi-Bold"/>
-              </a:rPr>
-              <a:t>{{DAYS_COUNT}}</a:t>
-            </a:r>
-          </a:p>
-        </p:txBody>
-      </p:sp>
-      <p:sp>
-        <p:nvSpPr>
-          <p:cNvPr name="TextBox 89" id="89"/>
-          <p:cNvSpPr txBox="true"/>
-          <p:nvPr/>
-        </p:nvSpPr>
-        <p:spPr>
-          <a:xfrm rot="0">
-            <a:off x="4655532" y="8075333"/>
-            <a:ext cx="2904468" cy="146162"/>
-          </a:xfrm>
-          <a:prstGeom prst="rect">
-            <a:avLst/>
-          </a:prstGeom>
-        </p:spPr>
-        <p:txBody>
-          <a:bodyPr anchor="t" rtlCol="false" tIns="0" lIns="0" bIns="0" rIns="0">
-            <a:spAutoFit/>
-          </a:bodyPr>
-          <a:lstStyle/>
-          <a:p>
-            <a:pPr algn="ctr">
-              <a:lnSpc>
-                <a:spcPts val="1249"/>
-              </a:lnSpc>
-            </a:pPr>
-            <a:r>
-              <a:rPr lang="en-US" sz="650" spc="1">
-                <a:solidFill>
-                  <a:srgbClr val="000000"/>
-                </a:solidFill>
-                <a:latin typeface="Noto Sans Arabic"/>
-                <a:ea typeface="Noto Sans Arabic"/>
-                <a:cs typeface="Noto Sans Arabic"/>
-                <a:sym typeface="Noto Sans Arabic"/>
-              </a:rPr>
-              <a:t>{{HOSPITAL_NAME_AR}}</a:t>
-            </a:r>
-          </a:p>
-        </p:txBody>
-      </p:sp>
-      <p:sp>
-        <p:nvSpPr>
-          <p:cNvPr name="TextBox 90" id="90"/>
-          <p:cNvSpPr txBox="true"/>
-          <p:nvPr/>
-        </p:nvSpPr>
-        <p:spPr>
-          <a:xfrm rot="0">
-            <a:off x="4642809" y="8235695"/>
-            <a:ext cx="2917191" cy="146162"/>
-          </a:xfrm>
-          <a:prstGeom prst="rect">
-            <a:avLst/>
-          </a:prstGeom>
-        </p:spPr>
-        <p:txBody>
-          <a:bodyPr anchor="t" rtlCol="false" tIns="0" lIns="0" bIns="0" rIns="0">
-            <a:spAutoFit/>
-          </a:bodyPr>
-          <a:lstStyle/>
-          <a:p>
-            <a:pPr algn="ctr">
-              <a:lnSpc>
-                <a:spcPts val="1249"/>
-              </a:lnSpc>
-            </a:pPr>
-            <a:r>
-              <a:rPr lang="en-US" sz="650" spc="1">
-                <a:solidFill>
-                  <a:srgbClr val="000000"/>
-                </a:solidFill>
-                <a:latin typeface="Fedra sans arabic"/>
-                <a:ea typeface="Fedra sans arabic"/>
-                <a:cs typeface="Fedra sans arabic"/>
-                <a:sym typeface="Fedra sans arabic"/>
-              </a:rPr>
-              <a:t>{{HOSPITAL_NAME_EN}}</a:t>
-            </a:r>
-          </a:p>
-        </p:txBody>
-      </p:sp>
-      <p:sp>
-        <p:nvSpPr>
-          <p:cNvPr name="TextBox 91" id="91"/>
-          <p:cNvSpPr txBox="true"/>
-          <p:nvPr/>
-        </p:nvSpPr>
-        <p:spPr>
-          <a:xfrm rot="0">
-            <a:off x="350282" y="9329624"/>
-            <a:ext cx="1625622" cy="137084"/>
-          </a:xfrm>
-          <a:prstGeom prst="rect">
-            <a:avLst/>
-          </a:prstGeom>
-        </p:spPr>
-        <p:txBody>
-          <a:bodyPr anchor="t" rtlCol="false" tIns="0" lIns="0" bIns="0" rIns="0">
-            <a:spAutoFit/>
-          </a:bodyPr>
-          <a:lstStyle/>
-          <a:p>
-            <a:pPr algn="l">
-              <a:lnSpc>
-                <a:spcPts val="1103"/>
-              </a:lnSpc>
-            </a:pPr>
-            <a:r>
-              <a:rPr lang="en-US" b="true" sz="802" spc="2">
-                <a:solidFill>
-                  <a:srgbClr val="000000"/>
-                </a:solidFill>
-                <a:latin typeface="Cairo Semi-Bold"/>
-                <a:ea typeface="Cairo Semi-Bold"/>
-                <a:cs typeface="Cairo Semi-Bold"/>
-                <a:sym typeface="Cairo Semi-Bold"/>
-              </a:rPr>
-              <a:t>{{PRINT_DATE}}</a:t>
-            </a:r>
-          </a:p>
-        </p:txBody>
-      </p:sp>
-      <p:sp>
-        <p:nvSpPr>
-          <p:cNvPr name="TextBox 92" id="92"/>
-          <p:cNvSpPr txBox="true"/>
-          <p:nvPr/>
-        </p:nvSpPr>
-        <p:spPr>
-          <a:xfrm rot="0">
-            <a:off x="350282" y="9056084"/>
-            <a:ext cx="855649" cy="227055"/>
-          </a:xfrm>
-          <a:prstGeom prst="rect">
-            <a:avLst/>
-          </a:prstGeom>
-        </p:spPr>
-        <p:txBody>
-          <a:bodyPr anchor="t" rtlCol="false" tIns="0" lIns="0" bIns="0" rIns="0">
-            <a:spAutoFit/>
-          </a:bodyPr>
-          <a:lstStyle/>
-          <a:p>
-            <a:pPr algn="l">
-              <a:lnSpc>
-                <a:spcPts val="2005"/>
-              </a:lnSpc>
-            </a:pPr>
-            <a:r>
-              <a:rPr lang="en-US" b="true" sz="802" spc="2">
-                <a:solidFill>
-                  <a:srgbClr val="000000"/>
-                </a:solidFill>
-                <a:latin typeface="Cairo Semi-Bold"/>
-                <a:ea typeface="Cairo Semi-Bold"/>
-                <a:cs typeface="Cairo Semi-Bold"/>
-                <a:sym typeface="Cairo Semi-Bold"/>
-              </a:rPr>
-              <a:t>{{PRINT_TIME}}</a:t>
-            </a:r>
-          </a:p>
-        </p:txBody>
-      </p:sp>
-      <p:sp>
-        <p:nvSpPr>
-          <p:cNvPr name="TextBox 93" id="93"/>
-          <p:cNvSpPr txBox="true"/>
-          <p:nvPr/>
-        </p:nvSpPr>
-        <p:spPr>
-          <a:xfrm rot="0">
-            <a:off x="3716217" y="3184103"/>
-            <a:ext cx="667188" cy="234697"/>
-          </a:xfrm>
-          <a:prstGeom prst="rect">
-            <a:avLst/>
-          </a:prstGeom>
-        </p:spPr>
-        <p:txBody>
-          <a:bodyPr anchor="t" rtlCol="false" tIns="0" lIns="0" bIns="0" rIns="0">
-            <a:spAutoFit/>
-          </a:bodyPr>
-          <a:lstStyle/>
-          <a:p>
-            <a:pPr algn="ctr">
-              <a:lnSpc>
-                <a:spcPts val="2131"/>
-              </a:lnSpc>
-            </a:pPr>
-            <a:r>
-              <a:rPr lang="en-US" b="true" sz="852">
-                <a:solidFill>
-                  <a:srgbClr val="FFFFFF"/>
-                </a:solidFill>
-                <a:latin typeface="Cairo Semi-Bold"/>
-                <a:ea typeface="Cairo Semi-Bold"/>
-                <a:cs typeface="Cairo Semi-Bold"/>
-                <a:sym typeface="Cairo Semi-Bold"/>
-              </a:rPr>
-              <a:t>( </a:t>
-            </a:r>
-          </a:p>
-        </p:txBody>
-      </p:sp>
-      <p:sp>
-        <p:nvSpPr>
-          <p:cNvPr name="TextBox 94" id="94"/>
-          <p:cNvSpPr txBox="true"/>
-          <p:nvPr/>
-        </p:nvSpPr>
-        <p:spPr>
-          <a:xfrm rot="0">
-            <a:off x="4673046" y="3176654"/>
-            <a:ext cx="177822" cy="234697"/>
-          </a:xfrm>
-          <a:prstGeom prst="rect">
-            <a:avLst/>
-          </a:prstGeom>
-        </p:spPr>
-        <p:txBody>
-          <a:bodyPr anchor="t" rtlCol="false" tIns="0" lIns="0" bIns="0" rIns="0">
-            <a:spAutoFit/>
-          </a:bodyPr>
-          <a:lstStyle/>
-          <a:p>
-            <a:pPr algn="r" rtl="true">
-              <a:lnSpc>
-                <a:spcPts val="2131"/>
-              </a:lnSpc>
-            </a:pPr>
-            <a:r>
-              <a:rPr lang="ar-EG" b="true" sz="852">
-                <a:solidFill>
-                  <a:srgbClr val="FFFFFF"/>
-                </a:solidFill>
-                <a:latin typeface="Cairo Semi-Bold"/>
-                <a:ea typeface="Cairo Semi-Bold"/>
-                <a:cs typeface="Cairo Semi-Bold"/>
-                <a:sym typeface="Cairo Semi-Bold"/>
-                <a:rtl val="true"/>
-              </a:rPr>
-              <a:t>الى</a:t>
-            </a:r>
-          </a:p>
-        </p:txBody>
-      </p:sp>
-      <p:sp>
-        <p:nvSpPr>
-          <p:cNvPr name="TextBox 95" id="95"/>
-          <p:cNvSpPr txBox="true"/>
-          <p:nvPr/>
-        </p:nvSpPr>
-        <p:spPr>
-          <a:xfrm rot="0">
-            <a:off x="1550600" y="6871078"/>
-            <a:ext cx="2369172" cy="132229"/>
-          </a:xfrm>
-          <a:prstGeom prst="rect">
-            <a:avLst/>
-          </a:prstGeom>
-        </p:spPr>
-        <p:txBody>
-          <a:bodyPr anchor="t" rtlCol="false" tIns="0" lIns="0" bIns="0" rIns="0">
-            <a:spAutoFit/>
-          </a:bodyPr>
-          <a:lstStyle/>
-          <a:p>
-            <a:pPr algn="ctr">
-              <a:lnSpc>
-                <a:spcPts val="1193"/>
-              </a:lnSpc>
-            </a:pPr>
-            <a:r>
-              <a:rPr lang="en-US" sz="852" spc="2">
-                <a:solidFill>
-                  <a:srgbClr val="2C3E77"/>
-                </a:solidFill>
-                <a:latin typeface="Fedra sans arabic"/>
-                <a:ea typeface="Fedra sans arabic"/>
-                <a:cs typeface="Fedra sans arabic"/>
-                <a:sym typeface="Fedra sans arabic"/>
-              </a:rPr>
-              <a:t>{{JOB_TITLE_EN}}</a:t>
-            </a:r>
-          </a:p>
-        </p:txBody>
-      </p:sp>
-      <p:sp>
-        <p:nvSpPr>
-          <p:cNvPr name="TextBox 96" id="96"/>
-          <p:cNvSpPr txBox="true"/>
-          <p:nvPr/>
-        </p:nvSpPr>
-        <p:spPr>
-          <a:xfrm rot="0">
-            <a:off x="3743415" y="5960782"/>
-            <a:ext cx="2325391" cy="132229"/>
-          </a:xfrm>
-          <a:prstGeom prst="rect">
-            <a:avLst/>
-          </a:prstGeom>
-        </p:spPr>
-        <p:txBody>
-          <a:bodyPr anchor="t" rtlCol="false" tIns="0" lIns="0" bIns="0" rIns="0">
-            <a:spAutoFit/>
-          </a:bodyPr>
-          <a:lstStyle/>
-          <a:p>
-            <a:pPr algn="ctr" rtl="true">
-              <a:lnSpc>
-                <a:spcPts val="1193"/>
-              </a:lnSpc>
-            </a:pPr>
-            <a:r>
-              <a:rPr lang="ar-EG" sz="852" spc="3">
-                <a:solidFill>
-                  <a:srgbClr val="2C3E77"/>
                 </a:solidFill>
                 <a:latin typeface="Noto Sans Arabic"/>
                 <a:ea typeface="Noto Sans Arabic"/>
@@ -7133,7 +5592,560 @@
                 <a:sym typeface="Noto Sans Arabic"/>
                 <a:rtl val="true"/>
               </a:rPr>
+              <a:t> </a:t>
+            </a:r>
+          </a:p>
+        </p:txBody>
+      </p:sp>
+      <p:sp>
+        <p:nvSpPr>
+          <p:cNvPr name="TextBox 61" id="61"/>
+          <p:cNvSpPr txBox="true"/>
+          <p:nvPr/>
+        </p:nvSpPr>
+        <p:spPr>
+          <a:xfrm rot="0">
+            <a:off x="476250" y="11563493"/>
+            <a:ext cx="1550889" cy="729110"/>
+          </a:xfrm>
+          <a:prstGeom prst="rect">
+            <a:avLst/>
+          </a:prstGeom>
+        </p:spPr>
+        <p:txBody>
+          <a:bodyPr anchor="t" rtlCol="false" tIns="0" lIns="0" bIns="0" rIns="0">
+            <a:spAutoFit/>
+          </a:bodyPr>
+          <a:lstStyle/>
+          <a:p>
+            <a:pPr algn="l">
+              <a:lnSpc>
+                <a:spcPts val="2741"/>
+              </a:lnSpc>
+            </a:pPr>
+            <a:r>
+              <a:rPr lang="en-US" sz="1275">
+                <a:solidFill>
+                  <a:srgbClr val="000000"/>
+                </a:solidFill>
+                <a:latin typeface="Arab Times"/>
+                <a:ea typeface="Arab Times"/>
+                <a:cs typeface="Arab Times"/>
+                <a:sym typeface="Arab Times"/>
+              </a:rPr>
+              <a:t>7:37 PM Monday, 14 July 2025</a:t>
+            </a:r>
+          </a:p>
+        </p:txBody>
+      </p:sp>
+      <p:sp>
+        <p:nvSpPr>
+          <p:cNvPr name="TextBox 62" id="62"/>
+          <p:cNvSpPr txBox="true"/>
+          <p:nvPr/>
+        </p:nvSpPr>
+        <p:spPr>
+          <a:xfrm rot="0">
+            <a:off x="7075551" y="11290068"/>
+            <a:ext cx="949690" cy="135065"/>
+          </a:xfrm>
+          <a:prstGeom prst="rect">
+            <a:avLst/>
+          </a:prstGeom>
+        </p:spPr>
+        <p:txBody>
+          <a:bodyPr anchor="t" rtlCol="false" tIns="0" lIns="0" bIns="0" rIns="0">
+            <a:spAutoFit/>
+          </a:bodyPr>
+          <a:lstStyle/>
+          <a:p>
+            <a:pPr algn="l">
+              <a:lnSpc>
+                <a:spcPts val="841"/>
+              </a:lnSpc>
+            </a:pPr>
+            <a:r>
+              <a:rPr lang="en-US" sz="1275">
+                <a:solidFill>
+                  <a:srgbClr val="000000"/>
+                </a:solidFill>
+                <a:latin typeface="Arab Times"/>
+                <a:ea typeface="Arab Times"/>
+                <a:cs typeface="Arab Times"/>
+                <a:sym typeface="Arab Times"/>
+              </a:rPr>
+              <a:t>4500070092</a:t>
+            </a:r>
+            <a:r>
+              <a:rPr lang="en-US" sz="1275">
+                <a:solidFill>
+                  <a:srgbClr val="FFFFFF"/>
+                </a:solidFill>
+                <a:latin typeface="Arab Times"/>
+                <a:ea typeface="Arab Times"/>
+                <a:cs typeface="Arab Times"/>
+                <a:sym typeface="Arab Times"/>
+              </a:rPr>
+              <a:t> </a:t>
+            </a:r>
+            <a:r>
+              <a:rPr lang="en-US" sz="1275">
+                <a:solidFill>
+                  <a:srgbClr val="000000"/>
+                </a:solidFill>
+                <a:latin typeface="Arab Times"/>
+                <a:ea typeface="Arab Times"/>
+                <a:cs typeface="Arab Times"/>
+                <a:sym typeface="Arab Times"/>
+              </a:rPr>
+              <a:t>  </a:t>
+            </a:r>
+          </a:p>
+        </p:txBody>
+      </p:sp>
+      <p:sp>
+        <p:nvSpPr>
+          <p:cNvPr name="TextBox 63" id="63"/>
+          <p:cNvSpPr txBox="true"/>
+          <p:nvPr/>
+        </p:nvSpPr>
+        <p:spPr>
+          <a:xfrm rot="0">
+            <a:off x="5564572" y="8022693"/>
+            <a:ext cx="3028950" cy="232410"/>
+          </a:xfrm>
+          <a:prstGeom prst="rect">
+            <a:avLst/>
+          </a:prstGeom>
+        </p:spPr>
+        <p:txBody>
+          <a:bodyPr anchor="t" rtlCol="false" tIns="0" lIns="0" bIns="0" rIns="0">
+            <a:spAutoFit/>
+          </a:bodyPr>
+          <a:lstStyle/>
+          <a:p>
+            <a:pPr algn="ctr">
+              <a:lnSpc>
+                <a:spcPts val="1889"/>
+              </a:lnSpc>
+            </a:pPr>
+            <a:r>
+              <a:rPr lang="en-US" sz="1350">
+                <a:solidFill>
+                  <a:srgbClr val="2C3E77"/>
+                </a:solidFill>
+                <a:latin typeface="Noto Sans Arabic"/>
+                <a:ea typeface="Noto Sans Arabic"/>
+                <a:cs typeface="Noto Sans Arabic"/>
+                <a:sym typeface="Noto Sans Arabic"/>
+              </a:rPr>
+              <a:t>{{DOCTOR_NAME_AR}}</a:t>
+            </a:r>
+          </a:p>
+        </p:txBody>
+      </p:sp>
+      <p:sp>
+        <p:nvSpPr>
+          <p:cNvPr name="TextBox 64" id="64"/>
+          <p:cNvSpPr txBox="true"/>
+          <p:nvPr/>
+        </p:nvSpPr>
+        <p:spPr>
+          <a:xfrm rot="0">
+            <a:off x="5564572" y="8572352"/>
+            <a:ext cx="3028950" cy="232410"/>
+          </a:xfrm>
+          <a:prstGeom prst="rect">
+            <a:avLst/>
+          </a:prstGeom>
+        </p:spPr>
+        <p:txBody>
+          <a:bodyPr anchor="t" rtlCol="false" tIns="0" lIns="0" bIns="0" rIns="0">
+            <a:spAutoFit/>
+          </a:bodyPr>
+          <a:lstStyle/>
+          <a:p>
+            <a:pPr algn="ctr">
+              <a:lnSpc>
+                <a:spcPts val="1889"/>
+              </a:lnSpc>
+            </a:pPr>
+            <a:r>
+              <a:rPr lang="en-US" sz="1350">
+                <a:solidFill>
+                  <a:srgbClr val="2C3E77"/>
+                </a:solidFill>
+                <a:latin typeface="Noto Sans Arabic"/>
+                <a:ea typeface="Noto Sans Arabic"/>
+                <a:cs typeface="Noto Sans Arabic"/>
+                <a:sym typeface="Noto Sans Arabic"/>
+              </a:rPr>
+              <a:t>{{JOB_TITLE_AR}}</a:t>
+            </a:r>
+          </a:p>
+        </p:txBody>
+      </p:sp>
+      <p:sp>
+        <p:nvSpPr>
+          <p:cNvPr name="TextBox 65" id="65"/>
+          <p:cNvSpPr txBox="true"/>
+          <p:nvPr/>
+        </p:nvSpPr>
+        <p:spPr>
+          <a:xfrm rot="0">
+            <a:off x="2531991" y="6914488"/>
+            <a:ext cx="3008388" cy="222885"/>
+          </a:xfrm>
+          <a:prstGeom prst="rect">
+            <a:avLst/>
+          </a:prstGeom>
+        </p:spPr>
+        <p:txBody>
+          <a:bodyPr anchor="t" rtlCol="false" tIns="0" lIns="0" bIns="0" rIns="0">
+            <a:spAutoFit/>
+          </a:bodyPr>
+          <a:lstStyle/>
+          <a:p>
+            <a:pPr algn="ctr">
+              <a:lnSpc>
+                <a:spcPts val="1889"/>
+              </a:lnSpc>
+            </a:pPr>
+            <a:r>
+              <a:rPr lang="en-US" sz="1350" spc="-4">
+                <a:solidFill>
+                  <a:srgbClr val="2C3E77"/>
+                </a:solidFill>
+                <a:latin typeface="Fedra sans arabic"/>
+                <a:ea typeface="Fedra sans arabic"/>
+                <a:cs typeface="Fedra sans arabic"/>
+                <a:sym typeface="Fedra sans arabic"/>
+              </a:rPr>
+              <a:t>{{N</a:t>
+            </a:r>
+            <a:r>
+              <a:rPr lang="en-US" sz="1350" spc="-4">
+                <a:solidFill>
+                  <a:srgbClr val="2C3E77"/>
+                </a:solidFill>
+                <a:latin typeface="Fedra sans arabic"/>
+                <a:ea typeface="Fedra sans arabic"/>
+                <a:cs typeface="Fedra sans arabic"/>
+                <a:sym typeface="Fedra sans arabic"/>
+              </a:rPr>
+              <a:t>ATIONALITY_EN}}</a:t>
+            </a:r>
+          </a:p>
+        </p:txBody>
+      </p:sp>
+      <p:sp>
+        <p:nvSpPr>
+          <p:cNvPr name="TextBox 66" id="66"/>
+          <p:cNvSpPr txBox="true"/>
+          <p:nvPr/>
+        </p:nvSpPr>
+        <p:spPr>
+          <a:xfrm rot="0">
+            <a:off x="5564572" y="6904963"/>
+            <a:ext cx="3028950" cy="232410"/>
+          </a:xfrm>
+          <a:prstGeom prst="rect">
+            <a:avLst/>
+          </a:prstGeom>
+        </p:spPr>
+        <p:txBody>
+          <a:bodyPr anchor="t" rtlCol="false" tIns="0" lIns="0" bIns="0" rIns="0">
+            <a:spAutoFit/>
+          </a:bodyPr>
+          <a:lstStyle/>
+          <a:p>
+            <a:pPr algn="ctr">
+              <a:lnSpc>
+                <a:spcPts val="1889"/>
+              </a:lnSpc>
+            </a:pPr>
+            <a:r>
+              <a:rPr lang="en-US" sz="1350">
+                <a:solidFill>
+                  <a:srgbClr val="2C3E77"/>
+                </a:solidFill>
+                <a:latin typeface="Noto Sans Arabic"/>
+                <a:ea typeface="Noto Sans Arabic"/>
+                <a:cs typeface="Noto Sans Arabic"/>
+                <a:sym typeface="Noto Sans Arabic"/>
+              </a:rPr>
+              <a:t>{{NATIONALITY_AR}}</a:t>
+            </a:r>
+          </a:p>
+        </p:txBody>
+      </p:sp>
+      <p:sp>
+        <p:nvSpPr>
+          <p:cNvPr name="TextBox 67" id="67"/>
+          <p:cNvSpPr txBox="true"/>
+          <p:nvPr/>
+        </p:nvSpPr>
+        <p:spPr>
+          <a:xfrm rot="0">
+            <a:off x="5560195" y="7470457"/>
+            <a:ext cx="3028950" cy="232410"/>
+          </a:xfrm>
+          <a:prstGeom prst="rect">
+            <a:avLst/>
+          </a:prstGeom>
+        </p:spPr>
+        <p:txBody>
+          <a:bodyPr anchor="t" rtlCol="false" tIns="0" lIns="0" bIns="0" rIns="0">
+            <a:spAutoFit/>
+          </a:bodyPr>
+          <a:lstStyle/>
+          <a:p>
+            <a:pPr algn="ctr" rtl="true">
+              <a:lnSpc>
+                <a:spcPts val="1889"/>
+              </a:lnSpc>
+            </a:pPr>
+            <a:r>
+              <a:rPr lang="ar-EG" sz="1350">
+                <a:solidFill>
+                  <a:srgbClr val="2C3E77"/>
+                </a:solidFill>
+                <a:latin typeface="Noto Sans Arabic"/>
+                <a:ea typeface="Noto Sans Arabic"/>
+                <a:cs typeface="Noto Sans Arabic"/>
+                <a:sym typeface="Noto Sans Arabic"/>
+                <a:rtl val="true"/>
+              </a:rPr>
               <a:t>الى من يهمه الامر</a:t>
+            </a:r>
+          </a:p>
+        </p:txBody>
+      </p:sp>
+      <p:sp>
+        <p:nvSpPr>
+          <p:cNvPr name="TextBox 68" id="68"/>
+          <p:cNvSpPr txBox="true"/>
+          <p:nvPr/>
+        </p:nvSpPr>
+        <p:spPr>
+          <a:xfrm rot="0">
+            <a:off x="2539674" y="8014964"/>
+            <a:ext cx="3008388" cy="222885"/>
+          </a:xfrm>
+          <a:prstGeom prst="rect">
+            <a:avLst/>
+          </a:prstGeom>
+        </p:spPr>
+        <p:txBody>
+          <a:bodyPr anchor="t" rtlCol="false" tIns="0" lIns="0" bIns="0" rIns="0">
+            <a:spAutoFit/>
+          </a:bodyPr>
+          <a:lstStyle/>
+          <a:p>
+            <a:pPr algn="ctr">
+              <a:lnSpc>
+                <a:spcPts val="1889"/>
+              </a:lnSpc>
+            </a:pPr>
+            <a:r>
+              <a:rPr lang="en-US" sz="1350" spc="-4">
+                <a:solidFill>
+                  <a:srgbClr val="2C3E77"/>
+                </a:solidFill>
+                <a:latin typeface="Fedra sans arabic"/>
+                <a:ea typeface="Fedra sans arabic"/>
+                <a:cs typeface="Fedra sans arabic"/>
+                <a:sym typeface="Fedra sans arabic"/>
+              </a:rPr>
+              <a:t>{{DOC</a:t>
+            </a:r>
+            <a:r>
+              <a:rPr lang="en-US" sz="1350" spc="-4">
+                <a:solidFill>
+                  <a:srgbClr val="2C3E77"/>
+                </a:solidFill>
+                <a:latin typeface="Fedra sans arabic"/>
+                <a:ea typeface="Fedra sans arabic"/>
+                <a:cs typeface="Fedra sans arabic"/>
+                <a:sym typeface="Fedra sans arabic"/>
+              </a:rPr>
+              <a:t>TOR_NAME_EN}}</a:t>
+            </a:r>
+          </a:p>
+        </p:txBody>
+      </p:sp>
+      <p:sp>
+        <p:nvSpPr>
+          <p:cNvPr name="TextBox 69" id="69"/>
+          <p:cNvSpPr txBox="true"/>
+          <p:nvPr/>
+        </p:nvSpPr>
+        <p:spPr>
+          <a:xfrm rot="0">
+            <a:off x="2531991" y="8581877"/>
+            <a:ext cx="3008388" cy="222885"/>
+          </a:xfrm>
+          <a:prstGeom prst="rect">
+            <a:avLst/>
+          </a:prstGeom>
+        </p:spPr>
+        <p:txBody>
+          <a:bodyPr anchor="t" rtlCol="false" tIns="0" lIns="0" bIns="0" rIns="0">
+            <a:spAutoFit/>
+          </a:bodyPr>
+          <a:lstStyle/>
+          <a:p>
+            <a:pPr algn="ctr">
+              <a:lnSpc>
+                <a:spcPts val="1889"/>
+              </a:lnSpc>
+            </a:pPr>
+            <a:r>
+              <a:rPr lang="en-US" sz="1350" spc="-4">
+                <a:solidFill>
+                  <a:srgbClr val="2C3E77"/>
+                </a:solidFill>
+                <a:latin typeface="Fedra sans arabic"/>
+                <a:ea typeface="Fedra sans arabic"/>
+                <a:cs typeface="Fedra sans arabic"/>
+                <a:sym typeface="Fedra sans arabic"/>
+              </a:rPr>
+              <a:t>{{JOB</a:t>
+            </a:r>
+            <a:r>
+              <a:rPr lang="en-US" sz="1350" spc="-4">
+                <a:solidFill>
+                  <a:srgbClr val="2C3E77"/>
+                </a:solidFill>
+                <a:latin typeface="Fedra sans arabic"/>
+                <a:ea typeface="Fedra sans arabic"/>
+                <a:cs typeface="Fedra sans arabic"/>
+                <a:sym typeface="Fedra sans arabic"/>
+              </a:rPr>
+              <a:t>_TITLE_EN}}</a:t>
+            </a:r>
+          </a:p>
+        </p:txBody>
+      </p:sp>
+      <p:sp>
+        <p:nvSpPr>
+          <p:cNvPr name="TextBox 70" id="70"/>
+          <p:cNvSpPr txBox="true"/>
+          <p:nvPr/>
+        </p:nvSpPr>
+        <p:spPr>
+          <a:xfrm rot="0">
+            <a:off x="2551061" y="4802695"/>
+            <a:ext cx="3004756" cy="232410"/>
+          </a:xfrm>
+          <a:prstGeom prst="rect">
+            <a:avLst/>
+          </a:prstGeom>
+        </p:spPr>
+        <p:txBody>
+          <a:bodyPr anchor="t" rtlCol="false" tIns="0" lIns="0" bIns="0" rIns="0">
+            <a:spAutoFit/>
+          </a:bodyPr>
+          <a:lstStyle/>
+          <a:p>
+            <a:pPr algn="ctr">
+              <a:lnSpc>
+                <a:spcPts val="1889"/>
+              </a:lnSpc>
+            </a:pPr>
+            <a:r>
+              <a:rPr lang="en-US" sz="1350" spc="-4">
+                <a:solidFill>
+                  <a:srgbClr val="2C3E77"/>
+                </a:solidFill>
+                <a:latin typeface="Open Sans"/>
+                <a:ea typeface="Open Sans"/>
+                <a:cs typeface="Open Sans"/>
+                <a:sym typeface="Open Sans"/>
+              </a:rPr>
+              <a:t>{{EXIT_DATE_GREGORIAN}}</a:t>
+            </a:r>
+          </a:p>
+        </p:txBody>
+      </p:sp>
+      <p:sp>
+        <p:nvSpPr>
+          <p:cNvPr name="TextBox 71" id="71"/>
+          <p:cNvSpPr txBox="true"/>
+          <p:nvPr/>
+        </p:nvSpPr>
+        <p:spPr>
+          <a:xfrm rot="0">
+            <a:off x="5555818" y="4246435"/>
+            <a:ext cx="3004756" cy="232410"/>
+          </a:xfrm>
+          <a:prstGeom prst="rect">
+            <a:avLst/>
+          </a:prstGeom>
+        </p:spPr>
+        <p:txBody>
+          <a:bodyPr anchor="t" rtlCol="false" tIns="0" lIns="0" bIns="0" rIns="0">
+            <a:spAutoFit/>
+          </a:bodyPr>
+          <a:lstStyle/>
+          <a:p>
+            <a:pPr algn="ctr">
+              <a:lnSpc>
+                <a:spcPts val="1889"/>
+              </a:lnSpc>
+            </a:pPr>
+            <a:r>
+              <a:rPr lang="en-US" sz="1350" spc="-4">
+                <a:solidFill>
+                  <a:srgbClr val="2C3E77"/>
+                </a:solidFill>
+                <a:latin typeface="Open Sans"/>
+                <a:ea typeface="Open Sans"/>
+                <a:cs typeface="Open Sans"/>
+                <a:sym typeface="Open Sans"/>
+              </a:rPr>
+              <a:t>{{ENTRY_DATE_HIJRI}}</a:t>
+            </a:r>
+          </a:p>
+        </p:txBody>
+      </p:sp>
+      <p:sp>
+        <p:nvSpPr>
+          <p:cNvPr name="TextBox 72" id="72"/>
+          <p:cNvSpPr txBox="true"/>
+          <p:nvPr/>
+        </p:nvSpPr>
+        <p:spPr>
+          <a:xfrm rot="0">
+            <a:off x="2531991" y="4258504"/>
+            <a:ext cx="3004756" cy="232410"/>
+          </a:xfrm>
+          <a:prstGeom prst="rect">
+            <a:avLst/>
+          </a:prstGeom>
+        </p:spPr>
+        <p:txBody>
+          <a:bodyPr anchor="t" rtlCol="false" tIns="0" lIns="0" bIns="0" rIns="0">
+            <a:spAutoFit/>
+          </a:bodyPr>
+          <a:lstStyle/>
+          <a:p>
+            <a:pPr algn="ctr">
+              <a:lnSpc>
+                <a:spcPts val="1889"/>
+              </a:lnSpc>
+            </a:pPr>
+            <a:r>
+              <a:rPr lang="en-US" sz="1350" spc="-4">
+                <a:solidFill>
+                  <a:srgbClr val="2C3E77"/>
+                </a:solidFill>
+                <a:latin typeface="Open Sans"/>
+                <a:ea typeface="Open Sans"/>
+                <a:cs typeface="Open Sans"/>
+                <a:sym typeface="Open Sans"/>
+              </a:rPr>
+              <a:t>{{ENTRY_DATE_HIJRI}}</a:t>
             </a:r>
           </a:p>
         </p:txBody>

--- a/public/templates/report_template.pptx
+++ b/public/templates/report_template.pptx
@@ -6150,6 +6150,47 @@
           </a:p>
         </p:txBody>
       </p:sp>
+      <p:sp>
+        <p:nvSpPr>
+          <p:cNvPr name="TextBox 73" id="73"/>
+          <p:cNvSpPr txBox="true"/>
+          <p:nvPr/>
+        </p:nvSpPr>
+        <p:spPr>
+          <a:xfrm rot="0">
+            <a:off x="5383130" y="8855828"/>
+            <a:ext cx="3028950" cy="232410"/>
+          </a:xfrm>
+          <a:prstGeom prst="rect">
+            <a:avLst/>
+          </a:prstGeom>
+        </p:spPr>
+        <p:txBody>
+          <a:bodyPr anchor="t" rtlCol="false" tIns="0" lIns="0" bIns="0" rIns="0">
+            <a:spAutoFit/>
+          </a:bodyPr>
+          <a:lstStyle/>
+          <a:p>
+            <a:pPr algn="ctr">
+              <a:lnSpc>
+                <a:spcPts val="1889"/>
+              </a:lnSpc>
+            </a:pPr>
+            <a:r>
+              <a:rPr lang="en-US" sz="1350">
+                <a:solidFill>
+                  <a:srgbClr val="2C3E77"/>
+                </a:solidFill>
+                <a:latin typeface="Noto Sans Arabic"/>
+                <a:ea typeface="Noto Sans Arabic"/>
+                <a:cs typeface="Noto Sans Arabic"/>
+                <a:sym typeface="Noto Sans Arabic"/>
+              </a:rPr>
+              <a:t>{{JOB_TITLE_EN}}</a:t>
+            </a:r>
+          </a:p>
+        </p:txBody>
+      </p:sp>
     </p:spTree>
   </p:cSld>
   <p:clrMapOvr>

--- a/public/templates/report_template.pptx
+++ b/public/templates/report_template.pptx
@@ -23,11 +23,11 @@
       <p:regular r:id="rId9"/>
     </p:embeddedFont>
     <p:embeddedFont>
-      <p:font typeface="Fedra sans arabic" charset="1" panose="00000000000000000000"/>
+      <p:font typeface="Times New Roman Bold" charset="1" panose="02020803070505020304"/>
       <p:regular r:id="rId10"/>
     </p:embeddedFont>
     <p:embeddedFont>
-      <p:font typeface="Times New Roman Bold" charset="1" panose="02020803070505020304"/>
+      <p:font typeface="Times New Roman" charset="1" panose="02020603050405020304"/>
       <p:regular r:id="rId11"/>
     </p:embeddedFont>
     <p:embeddedFont>
@@ -3150,7 +3150,7 @@
         </p:nvSpPr>
         <p:spPr>
           <a:xfrm flipH="false" flipV="false" rot="0">
-            <a:off x="393697" y="2993517"/>
+            <a:off x="393697" y="2958651"/>
             <a:ext cx="9906000" cy="6047356"/>
           </a:xfrm>
           <a:custGeom>
@@ -3202,7 +3202,7 @@
         </p:nvSpPr>
         <p:spPr>
           <a:xfrm flipH="false" flipV="false" rot="0">
-            <a:off x="3663953" y="457200"/>
+            <a:off x="3663953" y="348412"/>
             <a:ext cx="3333750" cy="1584703"/>
           </a:xfrm>
           <a:custGeom>
@@ -3409,7 +3409,13 @@
         </p:grpSpPr>
         <p:sp>
           <p:nvSpPr>
-            <p:cNvPr name="Freeform 11" id="11"/>
+            <p:cNvPr name="Freeform 11" id="11">
+              <a:extLst>
+                <a:ext uri="{C183D7F6-B498-43B3-948B-1728B52AA6E4}">
+                  <adec:decorative xmlns:adec="http://schemas.microsoft.com/office/drawing/2017/decorative" val="1"/>
+                </a:ext>
+              </a:extLst>
+            </p:cNvPr>
             <p:cNvSpPr/>
             <p:nvPr/>
           </p:nvSpPr>
@@ -3471,146 +3477,9 @@
           </p:spPr>
         </p:sp>
       </p:grpSp>
-      <p:grpSp>
-        <p:nvGrpSpPr>
-          <p:cNvPr name="Group 12" id="12"/>
-          <p:cNvGrpSpPr>
-            <a:grpSpLocks noChangeAspect="true"/>
-          </p:cNvGrpSpPr>
-          <p:nvPr/>
-        </p:nvGrpSpPr>
-        <p:grpSpPr>
-          <a:xfrm rot="0">
-            <a:off x="1838201" y="11705396"/>
-            <a:ext cx="2079879" cy="9525"/>
-            <a:chOff x="0" y="0"/>
-            <a:chExt cx="2079879" cy="9525"/>
-          </a:xfrm>
-        </p:grpSpPr>
-        <p:sp>
-          <p:nvSpPr>
-            <p:cNvPr name="Freeform 13" id="13"/>
-            <p:cNvSpPr/>
-            <p:nvPr/>
-          </p:nvSpPr>
-          <p:spPr>
-            <a:xfrm flipH="false" flipV="false" rot="0">
-              <a:off x="0" y="0"/>
-              <a:ext cx="2079879" cy="9525"/>
-            </a:xfrm>
-            <a:custGeom>
-              <a:avLst/>
-              <a:gdLst/>
-              <a:ahLst/>
-              <a:cxnLst/>
-              <a:rect r="r" b="b" t="t" l="l"/>
-              <a:pathLst>
-                <a:path h="9525" w="2079879">
-                  <a:moveTo>
-                    <a:pt x="0" y="0"/>
-                  </a:moveTo>
-                  <a:lnTo>
-                    <a:pt x="2079879" y="0"/>
-                  </a:lnTo>
-                  <a:lnTo>
-                    <a:pt x="2079879" y="9525"/>
-                  </a:lnTo>
-                  <a:lnTo>
-                    <a:pt x="0" y="9525"/>
-                  </a:lnTo>
-                  <a:close/>
-                </a:path>
-              </a:pathLst>
-            </a:custGeom>
-            <a:solidFill>
-              <a:srgbClr val="0000FF"/>
-            </a:solidFill>
-          </p:spPr>
-        </p:sp>
-      </p:grpSp>
-      <p:grpSp>
-        <p:nvGrpSpPr>
-          <p:cNvPr name="Group 14" id="14"/>
-          <p:cNvGrpSpPr>
-            <a:grpSpLocks noChangeAspect="true"/>
-          </p:cNvGrpSpPr>
-          <p:nvPr/>
-        </p:nvGrpSpPr>
-        <p:grpSpPr>
-          <a:xfrm rot="0">
-            <a:off x="7335898" y="9186929"/>
-            <a:ext cx="1428750" cy="1428750"/>
-            <a:chOff x="0" y="0"/>
-            <a:chExt cx="1905000" cy="1905000"/>
-          </a:xfrm>
-        </p:grpSpPr>
-        <p:sp>
-          <p:nvSpPr>
-            <p:cNvPr name="Freeform 15" id="15"/>
-            <p:cNvSpPr/>
-            <p:nvPr/>
-          </p:nvSpPr>
-          <p:spPr>
-            <a:xfrm flipH="false" flipV="false" rot="0">
-              <a:off x="0" y="0"/>
-              <a:ext cx="1905000" cy="1905000"/>
-            </a:xfrm>
-            <a:custGeom>
-              <a:avLst/>
-              <a:gdLst/>
-              <a:ahLst/>
-              <a:cxnLst/>
-              <a:rect r="r" b="b" t="t" l="l"/>
-              <a:pathLst>
-                <a:path h="1905000" w="1905000">
-                  <a:moveTo>
-                    <a:pt x="127000" y="0"/>
-                  </a:moveTo>
-                  <a:cubicBezTo>
-                    <a:pt x="56769" y="0"/>
-                    <a:pt x="0" y="56896"/>
-                    <a:pt x="0" y="127000"/>
-                  </a:cubicBezTo>
-                  <a:lnTo>
-                    <a:pt x="0" y="1778000"/>
-                  </a:lnTo>
-                  <a:cubicBezTo>
-                    <a:pt x="0" y="1848104"/>
-                    <a:pt x="56769" y="1905000"/>
-                    <a:pt x="127000" y="1905000"/>
-                  </a:cubicBezTo>
-                  <a:lnTo>
-                    <a:pt x="1778000" y="1905000"/>
-                  </a:lnTo>
-                  <a:cubicBezTo>
-                    <a:pt x="1848104" y="1905000"/>
-                    <a:pt x="1905000" y="1848104"/>
-                    <a:pt x="1905000" y="1778000"/>
-                  </a:cubicBezTo>
-                  <a:lnTo>
-                    <a:pt x="1905000" y="127000"/>
-                  </a:lnTo>
-                  <a:cubicBezTo>
-                    <a:pt x="1905000" y="56896"/>
-                    <a:pt x="1848104" y="0"/>
-                    <a:pt x="1778000" y="0"/>
-                  </a:cubicBezTo>
-                  <a:close/>
-                </a:path>
-              </a:pathLst>
-            </a:custGeom>
-            <a:blipFill>
-              <a:blip r:embed="rId8"/>
-              <a:stretch>
-                <a:fillRect l="0" t="0" r="0" b="0"/>
-              </a:stretch>
-            </a:blipFill>
-          </p:spPr>
-        </p:sp>
-      </p:grpSp>
-      <p:sp>
-        <p:nvSpPr>
-          <p:cNvPr name="Freeform 16" id="16"/>
+      <p:sp>
+        <p:nvSpPr>
+          <p:cNvPr name="Freeform 12" id="12"/>
           <p:cNvSpPr/>
           <p:nvPr/>
         </p:nvSpPr>
@@ -3647,7 +3516,7 @@
             </a:pathLst>
           </a:custGeom>
           <a:blipFill>
-            <a:blip r:embed="rId9"/>
+            <a:blip r:embed="rId8"/>
             <a:stretch>
               <a:fillRect l="0" t="0" r="0" b="0"/>
             </a:stretch>
@@ -3656,14 +3525,14 @@
       </p:sp>
       <p:sp>
         <p:nvSpPr>
-          <p:cNvPr name="TextBox 17" id="17"/>
+          <p:cNvPr name="TextBox 13" id="13"/>
           <p:cNvSpPr txBox="true"/>
           <p:nvPr/>
         </p:nvSpPr>
         <p:spPr>
           <a:xfrm rot="0">
-            <a:off x="4211831" y="1374924"/>
-            <a:ext cx="2315013" cy="323545"/>
+            <a:off x="4211831" y="1326642"/>
+            <a:ext cx="2690622" cy="232991"/>
           </a:xfrm>
           <a:prstGeom prst="rect">
             <a:avLst/>
@@ -3697,7 +3566,7 @@
       </p:sp>
       <p:sp>
         <p:nvSpPr>
-          <p:cNvPr name="TextBox 18" id="18"/>
+          <p:cNvPr name="TextBox 14" id="14"/>
           <p:cNvSpPr txBox="true"/>
           <p:nvPr/>
         </p:nvSpPr>
@@ -3738,14 +3607,14 @@
       </p:sp>
       <p:sp>
         <p:nvSpPr>
-          <p:cNvPr name="TextBox 19" id="19"/>
+          <p:cNvPr name="TextBox 15" id="15"/>
           <p:cNvSpPr txBox="true"/>
           <p:nvPr/>
         </p:nvSpPr>
         <p:spPr>
           <a:xfrm rot="0">
-            <a:off x="4241168" y="2005517"/>
-            <a:ext cx="2255358" cy="744855"/>
+            <a:off x="4241168" y="1885490"/>
+            <a:ext cx="2255358" cy="390525"/>
           </a:xfrm>
           <a:prstGeom prst="rect">
             <a:avLst/>
@@ -3776,6 +3645,2240 @@
               <a:t>تقرير إجازة مرضية</a:t>
             </a:r>
           </a:p>
+        </p:txBody>
+      </p:sp>
+      <p:sp>
+        <p:nvSpPr>
+          <p:cNvPr name="TextBox 16" id="16"/>
+          <p:cNvSpPr txBox="true"/>
+          <p:nvPr/>
+        </p:nvSpPr>
+        <p:spPr>
+          <a:xfrm rot="0">
+            <a:off x="476250" y="5828567"/>
+            <a:ext cx="2044969" cy="241935"/>
+          </a:xfrm>
+          <a:prstGeom prst="rect">
+            <a:avLst/>
+          </a:prstGeom>
+        </p:spPr>
+        <p:txBody>
+          <a:bodyPr anchor="t" rtlCol="false" tIns="0" lIns="0" bIns="0" rIns="0">
+            <a:spAutoFit/>
+          </a:bodyPr>
+          <a:lstStyle/>
+          <a:p>
+            <a:pPr algn="ctr">
+              <a:lnSpc>
+                <a:spcPts val="1889"/>
+              </a:lnSpc>
+            </a:pPr>
+            <a:r>
+              <a:rPr lang="en-US" b="true" sz="1350">
+                <a:solidFill>
+                  <a:srgbClr val="366FB5"/>
+                </a:solidFill>
+                <a:latin typeface="Times New Roman Bold"/>
+                <a:ea typeface="Times New Roman Bold"/>
+                <a:cs typeface="Times New Roman Bold"/>
+                <a:sym typeface="Times New Roman Bold"/>
+              </a:rPr>
+              <a:t>Name</a:t>
+            </a:r>
+          </a:p>
+        </p:txBody>
+      </p:sp>
+      <p:sp>
+        <p:nvSpPr>
+          <p:cNvPr name="TextBox 17" id="17"/>
+          <p:cNvSpPr txBox="true"/>
+          <p:nvPr/>
+        </p:nvSpPr>
+        <p:spPr>
+          <a:xfrm rot="0">
+            <a:off x="476250" y="8528590"/>
+            <a:ext cx="2044969" cy="241935"/>
+          </a:xfrm>
+          <a:prstGeom prst="rect">
+            <a:avLst/>
+          </a:prstGeom>
+        </p:spPr>
+        <p:txBody>
+          <a:bodyPr anchor="t" rtlCol="false" tIns="0" lIns="0" bIns="0" rIns="0">
+            <a:spAutoFit/>
+          </a:bodyPr>
+          <a:lstStyle/>
+          <a:p>
+            <a:pPr algn="ctr">
+              <a:lnSpc>
+                <a:spcPts val="1889"/>
+              </a:lnSpc>
+            </a:pPr>
+            <a:r>
+              <a:rPr lang="en-US" b="true" sz="1350">
+                <a:solidFill>
+                  <a:srgbClr val="366FB5"/>
+                </a:solidFill>
+                <a:latin typeface="Times New Roman Bold"/>
+                <a:ea typeface="Times New Roman Bold"/>
+                <a:cs typeface="Times New Roman Bold"/>
+                <a:sym typeface="Times New Roman Bold"/>
+              </a:rPr>
+              <a:t>Position</a:t>
+            </a:r>
+          </a:p>
+        </p:txBody>
+      </p:sp>
+      <p:sp>
+        <p:nvSpPr>
+          <p:cNvPr name="TextBox 18" id="18"/>
+          <p:cNvSpPr txBox="true"/>
+          <p:nvPr/>
+        </p:nvSpPr>
+        <p:spPr>
+          <a:xfrm rot="0">
+            <a:off x="476250" y="3151280"/>
+            <a:ext cx="2043025" cy="241935"/>
+          </a:xfrm>
+          <a:prstGeom prst="rect">
+            <a:avLst/>
+          </a:prstGeom>
+        </p:spPr>
+        <p:txBody>
+          <a:bodyPr anchor="t" rtlCol="false" tIns="0" lIns="0" bIns="0" rIns="0">
+            <a:spAutoFit/>
+          </a:bodyPr>
+          <a:lstStyle/>
+          <a:p>
+            <a:pPr algn="ctr">
+              <a:lnSpc>
+                <a:spcPts val="1889"/>
+              </a:lnSpc>
+            </a:pPr>
+            <a:r>
+              <a:rPr lang="en-US" b="true" sz="1350">
+                <a:solidFill>
+                  <a:srgbClr val="366FB5"/>
+                </a:solidFill>
+                <a:latin typeface="Times New Roman Bold"/>
+                <a:ea typeface="Times New Roman Bold"/>
+                <a:cs typeface="Times New Roman Bold"/>
+                <a:sym typeface="Times New Roman Bold"/>
+              </a:rPr>
+              <a:t>Leave ID</a:t>
+            </a:r>
+          </a:p>
+        </p:txBody>
+      </p:sp>
+      <p:sp>
+        <p:nvSpPr>
+          <p:cNvPr name="TextBox 19" id="19"/>
+          <p:cNvSpPr txBox="true"/>
+          <p:nvPr/>
+        </p:nvSpPr>
+        <p:spPr>
+          <a:xfrm rot="0">
+            <a:off x="476250" y="7429271"/>
+            <a:ext cx="2044969" cy="241935"/>
+          </a:xfrm>
+          <a:prstGeom prst="rect">
+            <a:avLst/>
+          </a:prstGeom>
+        </p:spPr>
+        <p:txBody>
+          <a:bodyPr anchor="t" rtlCol="false" tIns="0" lIns="0" bIns="0" rIns="0">
+            <a:spAutoFit/>
+          </a:bodyPr>
+          <a:lstStyle/>
+          <a:p>
+            <a:pPr algn="ctr">
+              <a:lnSpc>
+                <a:spcPts val="1889"/>
+              </a:lnSpc>
+            </a:pPr>
+            <a:r>
+              <a:rPr lang="en-US" b="true" sz="1350">
+                <a:solidFill>
+                  <a:srgbClr val="366FB5"/>
+                </a:solidFill>
+                <a:latin typeface="Times New Roman Bold"/>
+                <a:ea typeface="Times New Roman Bold"/>
+                <a:cs typeface="Times New Roman Bold"/>
+                <a:sym typeface="Times New Roman Bold"/>
+              </a:rPr>
+              <a:t>Employer</a:t>
+            </a:r>
+          </a:p>
+        </p:txBody>
+      </p:sp>
+      <p:sp>
+        <p:nvSpPr>
+          <p:cNvPr name="TextBox 20" id="20"/>
+          <p:cNvSpPr txBox="true"/>
+          <p:nvPr/>
+        </p:nvSpPr>
+        <p:spPr>
+          <a:xfrm rot="0">
+            <a:off x="476250" y="5295043"/>
+            <a:ext cx="2044969" cy="241935"/>
+          </a:xfrm>
+          <a:prstGeom prst="rect">
+            <a:avLst/>
+          </a:prstGeom>
+        </p:spPr>
+        <p:txBody>
+          <a:bodyPr anchor="t" rtlCol="false" tIns="0" lIns="0" bIns="0" rIns="0">
+            <a:spAutoFit/>
+          </a:bodyPr>
+          <a:lstStyle/>
+          <a:p>
+            <a:pPr algn="ctr">
+              <a:lnSpc>
+                <a:spcPts val="1889"/>
+              </a:lnSpc>
+            </a:pPr>
+            <a:r>
+              <a:rPr lang="en-US" b="true" sz="1350">
+                <a:solidFill>
+                  <a:srgbClr val="366FB5"/>
+                </a:solidFill>
+                <a:latin typeface="Times New Roman Bold"/>
+                <a:ea typeface="Times New Roman Bold"/>
+                <a:cs typeface="Times New Roman Bold"/>
+                <a:sym typeface="Times New Roman Bold"/>
+              </a:rPr>
+              <a:t>Issue Date</a:t>
+            </a:r>
+          </a:p>
+        </p:txBody>
+      </p:sp>
+      <p:sp>
+        <p:nvSpPr>
+          <p:cNvPr name="TextBox 21" id="21"/>
+          <p:cNvSpPr txBox="true"/>
+          <p:nvPr/>
+        </p:nvSpPr>
+        <p:spPr>
+          <a:xfrm rot="0">
+            <a:off x="476250" y="6895624"/>
+            <a:ext cx="2044969" cy="241935"/>
+          </a:xfrm>
+          <a:prstGeom prst="rect">
+            <a:avLst/>
+          </a:prstGeom>
+        </p:spPr>
+        <p:txBody>
+          <a:bodyPr anchor="t" rtlCol="false" tIns="0" lIns="0" bIns="0" rIns="0">
+            <a:spAutoFit/>
+          </a:bodyPr>
+          <a:lstStyle/>
+          <a:p>
+            <a:pPr algn="ctr">
+              <a:lnSpc>
+                <a:spcPts val="1889"/>
+              </a:lnSpc>
+            </a:pPr>
+            <a:r>
+              <a:rPr lang="en-US" b="true" sz="1350">
+                <a:solidFill>
+                  <a:srgbClr val="366FB5"/>
+                </a:solidFill>
+                <a:latin typeface="Times New Roman Bold"/>
+                <a:ea typeface="Times New Roman Bold"/>
+                <a:cs typeface="Times New Roman Bold"/>
+                <a:sym typeface="Times New Roman Bold"/>
+              </a:rPr>
+              <a:t>Nationality</a:t>
+            </a:r>
+          </a:p>
+        </p:txBody>
+      </p:sp>
+      <p:sp>
+        <p:nvSpPr>
+          <p:cNvPr name="TextBox 22" id="22"/>
+          <p:cNvSpPr txBox="true"/>
+          <p:nvPr/>
+        </p:nvSpPr>
+        <p:spPr>
+          <a:xfrm rot="0">
+            <a:off x="457200" y="3694328"/>
+            <a:ext cx="2062075" cy="241935"/>
+          </a:xfrm>
+          <a:prstGeom prst="rect">
+            <a:avLst/>
+          </a:prstGeom>
+        </p:spPr>
+        <p:txBody>
+          <a:bodyPr anchor="t" rtlCol="false" tIns="0" lIns="0" bIns="0" rIns="0">
+            <a:spAutoFit/>
+          </a:bodyPr>
+          <a:lstStyle/>
+          <a:p>
+            <a:pPr algn="ctr">
+              <a:lnSpc>
+                <a:spcPts val="1889"/>
+              </a:lnSpc>
+            </a:pPr>
+            <a:r>
+              <a:rPr lang="en-US" b="true" sz="1350">
+                <a:solidFill>
+                  <a:srgbClr val="FFFFFF"/>
+                </a:solidFill>
+                <a:latin typeface="Times New Roman Bold"/>
+                <a:ea typeface="Times New Roman Bold"/>
+                <a:cs typeface="Times New Roman Bold"/>
+                <a:sym typeface="Times New Roman Bold"/>
+              </a:rPr>
+              <a:t>Leave Duration</a:t>
+            </a:r>
+          </a:p>
+        </p:txBody>
+      </p:sp>
+      <p:sp>
+        <p:nvSpPr>
+          <p:cNvPr name="TextBox 23" id="23"/>
+          <p:cNvSpPr txBox="true"/>
+          <p:nvPr/>
+        </p:nvSpPr>
+        <p:spPr>
+          <a:xfrm rot="0">
+            <a:off x="476250" y="4761509"/>
+            <a:ext cx="2044969" cy="241935"/>
+          </a:xfrm>
+          <a:prstGeom prst="rect">
+            <a:avLst/>
+          </a:prstGeom>
+        </p:spPr>
+        <p:txBody>
+          <a:bodyPr anchor="t" rtlCol="false" tIns="0" lIns="0" bIns="0" rIns="0">
+            <a:spAutoFit/>
+          </a:bodyPr>
+          <a:lstStyle/>
+          <a:p>
+            <a:pPr algn="ctr">
+              <a:lnSpc>
+                <a:spcPts val="1889"/>
+              </a:lnSpc>
+            </a:pPr>
+            <a:r>
+              <a:rPr lang="en-US" b="true" sz="1350">
+                <a:solidFill>
+                  <a:srgbClr val="366FB5"/>
+                </a:solidFill>
+                <a:latin typeface="Times New Roman Bold"/>
+                <a:ea typeface="Times New Roman Bold"/>
+                <a:cs typeface="Times New Roman Bold"/>
+                <a:sym typeface="Times New Roman Bold"/>
+              </a:rPr>
+              <a:t>Discharge Date</a:t>
+            </a:r>
+          </a:p>
+        </p:txBody>
+      </p:sp>
+      <p:sp>
+        <p:nvSpPr>
+          <p:cNvPr name="TextBox 24" id="24"/>
+          <p:cNvSpPr txBox="true"/>
+          <p:nvPr/>
+        </p:nvSpPr>
+        <p:spPr>
+          <a:xfrm rot="0">
+            <a:off x="476250" y="4227862"/>
+            <a:ext cx="2044969" cy="241935"/>
+          </a:xfrm>
+          <a:prstGeom prst="rect">
+            <a:avLst/>
+          </a:prstGeom>
+        </p:spPr>
+        <p:txBody>
+          <a:bodyPr anchor="t" rtlCol="false" tIns="0" lIns="0" bIns="0" rIns="0">
+            <a:spAutoFit/>
+          </a:bodyPr>
+          <a:lstStyle/>
+          <a:p>
+            <a:pPr algn="ctr">
+              <a:lnSpc>
+                <a:spcPts val="1889"/>
+              </a:lnSpc>
+            </a:pPr>
+            <a:r>
+              <a:rPr lang="en-US" b="true" sz="1350">
+                <a:solidFill>
+                  <a:srgbClr val="366FB5"/>
+                </a:solidFill>
+                <a:latin typeface="Times New Roman Bold"/>
+                <a:ea typeface="Times New Roman Bold"/>
+                <a:cs typeface="Times New Roman Bold"/>
+                <a:sym typeface="Times New Roman Bold"/>
+              </a:rPr>
+              <a:t>Admission Date</a:t>
+            </a:r>
+          </a:p>
+        </p:txBody>
+      </p:sp>
+      <p:sp>
+        <p:nvSpPr>
+          <p:cNvPr name="TextBox 25" id="25"/>
+          <p:cNvSpPr txBox="true"/>
+          <p:nvPr/>
+        </p:nvSpPr>
+        <p:spPr>
+          <a:xfrm rot="0">
+            <a:off x="476250" y="7978931"/>
+            <a:ext cx="2044969" cy="241935"/>
+          </a:xfrm>
+          <a:prstGeom prst="rect">
+            <a:avLst/>
+          </a:prstGeom>
+        </p:spPr>
+        <p:txBody>
+          <a:bodyPr anchor="t" rtlCol="false" tIns="0" lIns="0" bIns="0" rIns="0">
+            <a:spAutoFit/>
+          </a:bodyPr>
+          <a:lstStyle/>
+          <a:p>
+            <a:pPr algn="ctr">
+              <a:lnSpc>
+                <a:spcPts val="1889"/>
+              </a:lnSpc>
+            </a:pPr>
+            <a:r>
+              <a:rPr lang="en-US" b="true" sz="1350">
+                <a:solidFill>
+                  <a:srgbClr val="366FB5"/>
+                </a:solidFill>
+                <a:latin typeface="Times New Roman Bold"/>
+                <a:ea typeface="Times New Roman Bold"/>
+                <a:cs typeface="Times New Roman Bold"/>
+                <a:sym typeface="Times New Roman Bold"/>
+              </a:rPr>
+              <a:t>Practitioner Name</a:t>
+            </a:r>
+          </a:p>
+        </p:txBody>
+      </p:sp>
+      <p:sp>
+        <p:nvSpPr>
+          <p:cNvPr name="TextBox 26" id="26"/>
+          <p:cNvSpPr txBox="true"/>
+          <p:nvPr/>
+        </p:nvSpPr>
+        <p:spPr>
+          <a:xfrm rot="0">
+            <a:off x="476250" y="6362090"/>
+            <a:ext cx="2044969" cy="241935"/>
+          </a:xfrm>
+          <a:prstGeom prst="rect">
+            <a:avLst/>
+          </a:prstGeom>
+        </p:spPr>
+        <p:txBody>
+          <a:bodyPr anchor="t" rtlCol="false" tIns="0" lIns="0" bIns="0" rIns="0">
+            <a:spAutoFit/>
+          </a:bodyPr>
+          <a:lstStyle/>
+          <a:p>
+            <a:pPr algn="ctr">
+              <a:lnSpc>
+                <a:spcPts val="1889"/>
+              </a:lnSpc>
+            </a:pPr>
+            <a:r>
+              <a:rPr lang="en-US" b="true" sz="1350">
+                <a:solidFill>
+                  <a:srgbClr val="366FB5"/>
+                </a:solidFill>
+                <a:latin typeface="Times New Roman Bold"/>
+                <a:ea typeface="Times New Roman Bold"/>
+                <a:cs typeface="Times New Roman Bold"/>
+                <a:sym typeface="Times New Roman Bold"/>
+              </a:rPr>
+              <a:t>National ID / Iqama</a:t>
+            </a:r>
+          </a:p>
+        </p:txBody>
+      </p:sp>
+      <p:sp>
+        <p:nvSpPr>
+          <p:cNvPr name="TextBox 27" id="27"/>
+          <p:cNvSpPr txBox="true"/>
+          <p:nvPr/>
+        </p:nvSpPr>
+        <p:spPr>
+          <a:xfrm rot="0">
+            <a:off x="2521219" y="4233177"/>
+            <a:ext cx="3117533" cy="232410"/>
+          </a:xfrm>
+          <a:prstGeom prst="rect">
+            <a:avLst/>
+          </a:prstGeom>
+        </p:spPr>
+        <p:txBody>
+          <a:bodyPr anchor="t" rtlCol="false" tIns="0" lIns="0" bIns="0" rIns="0">
+            <a:spAutoFit/>
+          </a:bodyPr>
+          <a:lstStyle/>
+          <a:p>
+            <a:pPr algn="ctr">
+              <a:lnSpc>
+                <a:spcPts val="1889"/>
+              </a:lnSpc>
+            </a:pPr>
+            <a:r>
+              <a:rPr lang="en-US" sz="1350" spc="-4">
+                <a:solidFill>
+                  <a:srgbClr val="2C3E77"/>
+                </a:solidFill>
+                <a:latin typeface="Open Sans"/>
+                <a:ea typeface="Open Sans"/>
+                <a:cs typeface="Open Sans"/>
+                <a:sym typeface="Open Sans"/>
+              </a:rPr>
+              <a:t>{{ENTRY_DATE_HIJRI}}</a:t>
+            </a:r>
+          </a:p>
+        </p:txBody>
+      </p:sp>
+      <p:sp>
+        <p:nvSpPr>
+          <p:cNvPr name="TextBox 28" id="28"/>
+          <p:cNvSpPr txBox="true"/>
+          <p:nvPr/>
+        </p:nvSpPr>
+        <p:spPr>
+          <a:xfrm rot="0">
+            <a:off x="2521219" y="4766824"/>
+            <a:ext cx="3117533" cy="232410"/>
+          </a:xfrm>
+          <a:prstGeom prst="rect">
+            <a:avLst/>
+          </a:prstGeom>
+        </p:spPr>
+        <p:txBody>
+          <a:bodyPr anchor="t" rtlCol="false" tIns="0" lIns="0" bIns="0" rIns="0">
+            <a:spAutoFit/>
+          </a:bodyPr>
+          <a:lstStyle/>
+          <a:p>
+            <a:pPr algn="ctr">
+              <a:lnSpc>
+                <a:spcPts val="1889"/>
+              </a:lnSpc>
+            </a:pPr>
+            <a:r>
+              <a:rPr lang="en-US" sz="1350" spc="-4">
+                <a:solidFill>
+                  <a:srgbClr val="2C3E77"/>
+                </a:solidFill>
+                <a:latin typeface="Open Sans"/>
+                <a:ea typeface="Open Sans"/>
+                <a:cs typeface="Open Sans"/>
+                <a:sym typeface="Open Sans"/>
+              </a:rPr>
+              <a:t>{{EXIT_DATE_GREGORIAN}}</a:t>
+            </a:r>
+          </a:p>
+        </p:txBody>
+      </p:sp>
+      <p:sp>
+        <p:nvSpPr>
+          <p:cNvPr name="TextBox 29" id="29"/>
+          <p:cNvSpPr txBox="true"/>
+          <p:nvPr/>
+        </p:nvSpPr>
+        <p:spPr>
+          <a:xfrm rot="0">
+            <a:off x="2519275" y="6891414"/>
+            <a:ext cx="3045297" cy="241935"/>
+          </a:xfrm>
+          <a:prstGeom prst="rect">
+            <a:avLst/>
+          </a:prstGeom>
+        </p:spPr>
+        <p:txBody>
+          <a:bodyPr anchor="t" rtlCol="false" tIns="0" lIns="0" bIns="0" rIns="0">
+            <a:spAutoFit/>
+          </a:bodyPr>
+          <a:lstStyle/>
+          <a:p>
+            <a:pPr algn="ctr">
+              <a:lnSpc>
+                <a:spcPts val="1889"/>
+              </a:lnSpc>
+            </a:pPr>
+            <a:r>
+              <a:rPr lang="en-US" sz="1350" spc="-4">
+                <a:solidFill>
+                  <a:srgbClr val="2C3E77"/>
+                </a:solidFill>
+                <a:latin typeface="Times New Roman"/>
+                <a:ea typeface="Times New Roman"/>
+                <a:cs typeface="Times New Roman"/>
+                <a:sym typeface="Times New Roman"/>
+              </a:rPr>
+              <a:t>{{N</a:t>
+            </a:r>
+            <a:r>
+              <a:rPr lang="en-US" sz="1350" spc="-4">
+                <a:solidFill>
+                  <a:srgbClr val="2C3E77"/>
+                </a:solidFill>
+                <a:latin typeface="Times New Roman"/>
+                <a:ea typeface="Times New Roman"/>
+                <a:cs typeface="Times New Roman"/>
+                <a:sym typeface="Times New Roman"/>
+              </a:rPr>
+              <a:t>ATIONALITY_EN}}</a:t>
+            </a:r>
+          </a:p>
+        </p:txBody>
+      </p:sp>
+      <p:sp>
+        <p:nvSpPr>
+          <p:cNvPr name="TextBox 30" id="30"/>
+          <p:cNvSpPr txBox="true"/>
+          <p:nvPr/>
+        </p:nvSpPr>
+        <p:spPr>
+          <a:xfrm rot="0">
+            <a:off x="2519275" y="5824357"/>
+            <a:ext cx="3045297" cy="241935"/>
+          </a:xfrm>
+          <a:prstGeom prst="rect">
+            <a:avLst/>
+          </a:prstGeom>
+        </p:spPr>
+        <p:txBody>
+          <a:bodyPr anchor="t" rtlCol="false" tIns="0" lIns="0" bIns="0" rIns="0">
+            <a:spAutoFit/>
+          </a:bodyPr>
+          <a:lstStyle/>
+          <a:p>
+            <a:pPr algn="ctr">
+              <a:lnSpc>
+                <a:spcPts val="1889"/>
+              </a:lnSpc>
+            </a:pPr>
+            <a:r>
+              <a:rPr lang="en-US" sz="1350" spc="-4">
+                <a:solidFill>
+                  <a:srgbClr val="2C3E77"/>
+                </a:solidFill>
+                <a:latin typeface="Times New Roman"/>
+                <a:ea typeface="Times New Roman"/>
+                <a:cs typeface="Times New Roman"/>
+                <a:sym typeface="Times New Roman"/>
+              </a:rPr>
+              <a:t>{{N</a:t>
+            </a:r>
+            <a:r>
+              <a:rPr lang="en-US" sz="1350" spc="-4">
+                <a:solidFill>
+                  <a:srgbClr val="2C3E77"/>
+                </a:solidFill>
+                <a:latin typeface="Times New Roman"/>
+                <a:ea typeface="Times New Roman"/>
+                <a:cs typeface="Times New Roman"/>
+                <a:sym typeface="Times New Roman"/>
+              </a:rPr>
+              <a:t>AME_EN}}</a:t>
+            </a:r>
+          </a:p>
+        </p:txBody>
+      </p:sp>
+      <p:sp>
+        <p:nvSpPr>
+          <p:cNvPr name="TextBox 31" id="31"/>
+          <p:cNvSpPr txBox="true"/>
+          <p:nvPr/>
+        </p:nvSpPr>
+        <p:spPr>
+          <a:xfrm rot="0">
+            <a:off x="2519275" y="3690118"/>
+            <a:ext cx="377140" cy="1194435"/>
+          </a:xfrm>
+          <a:prstGeom prst="rect">
+            <a:avLst/>
+          </a:prstGeom>
+        </p:spPr>
+        <p:txBody>
+          <a:bodyPr anchor="t" rtlCol="false" tIns="0" lIns="0" bIns="0" rIns="0">
+            <a:spAutoFit/>
+          </a:bodyPr>
+          <a:lstStyle/>
+          <a:p>
+            <a:pPr algn="r">
+              <a:lnSpc>
+                <a:spcPts val="1889"/>
+              </a:lnSpc>
+            </a:pPr>
+            <a:r>
+              <a:rPr lang="en-US" sz="1350" spc="-4">
+                <a:solidFill>
+                  <a:srgbClr val="FFFFFF"/>
+                </a:solidFill>
+                <a:latin typeface="Times New Roman"/>
+                <a:ea typeface="Times New Roman"/>
+                <a:cs typeface="Times New Roman"/>
+                <a:sym typeface="Times New Roman"/>
+              </a:rPr>
+              <a:t>{{DAYS_COUNT}}</a:t>
+            </a:r>
+          </a:p>
+        </p:txBody>
+      </p:sp>
+      <p:sp>
+        <p:nvSpPr>
+          <p:cNvPr name="TextBox 32" id="32"/>
+          <p:cNvSpPr txBox="true"/>
+          <p:nvPr/>
+        </p:nvSpPr>
+        <p:spPr>
+          <a:xfrm rot="0">
+            <a:off x="3956428" y="7291711"/>
+            <a:ext cx="174879" cy="447027"/>
+          </a:xfrm>
+          <a:prstGeom prst="rect">
+            <a:avLst/>
+          </a:prstGeom>
+        </p:spPr>
+        <p:txBody>
+          <a:bodyPr anchor="t" rtlCol="false" tIns="0" lIns="0" bIns="0" rIns="0">
+            <a:spAutoFit/>
+          </a:bodyPr>
+          <a:lstStyle/>
+          <a:p>
+            <a:pPr algn="l">
+              <a:lnSpc>
+                <a:spcPts val="3375"/>
+              </a:lnSpc>
+            </a:pPr>
+            <a:r>
+              <a:rPr lang="en-US" sz="1350" spc="-4">
+                <a:solidFill>
+                  <a:srgbClr val="2C3E77"/>
+                </a:solidFill>
+                <a:latin typeface="Open Sans"/>
+                <a:ea typeface="Open Sans"/>
+                <a:cs typeface="Open Sans"/>
+                <a:sym typeface="Open Sans"/>
+              </a:rPr>
+              <a:t>    </a:t>
+            </a:r>
+          </a:p>
+        </p:txBody>
+      </p:sp>
+      <p:sp>
+        <p:nvSpPr>
+          <p:cNvPr name="TextBox 33" id="33"/>
+          <p:cNvSpPr txBox="true"/>
+          <p:nvPr/>
+        </p:nvSpPr>
+        <p:spPr>
+          <a:xfrm rot="0">
+            <a:off x="2521219" y="8381505"/>
+            <a:ext cx="3023083" cy="386715"/>
+          </a:xfrm>
+          <a:prstGeom prst="rect">
+            <a:avLst/>
+          </a:prstGeom>
+        </p:spPr>
+        <p:txBody>
+          <a:bodyPr anchor="t" rtlCol="false" tIns="0" lIns="0" bIns="0" rIns="0">
+            <a:spAutoFit/>
+          </a:bodyPr>
+          <a:lstStyle/>
+          <a:p>
+            <a:pPr algn="ctr">
+              <a:lnSpc>
+                <a:spcPts val="3375"/>
+              </a:lnSpc>
+            </a:pPr>
+            <a:r>
+              <a:rPr lang="en-US" sz="1350" spc="-4">
+                <a:solidFill>
+                  <a:srgbClr val="2C3E77"/>
+                </a:solidFill>
+                <a:latin typeface="Times New Roman"/>
+                <a:ea typeface="Times New Roman"/>
+                <a:cs typeface="Times New Roman"/>
+                <a:sym typeface="Times New Roman"/>
+              </a:rPr>
+              <a:t>{{JOB_TITLE_EN}}</a:t>
+            </a:r>
+          </a:p>
+        </p:txBody>
+      </p:sp>
+      <p:sp>
+        <p:nvSpPr>
+          <p:cNvPr name="TextBox 34" id="34"/>
+          <p:cNvSpPr txBox="true"/>
+          <p:nvPr/>
+        </p:nvSpPr>
+        <p:spPr>
+          <a:xfrm rot="0">
+            <a:off x="2521219" y="5300358"/>
+            <a:ext cx="6048109" cy="232410"/>
+          </a:xfrm>
+          <a:prstGeom prst="rect">
+            <a:avLst/>
+          </a:prstGeom>
+        </p:spPr>
+        <p:txBody>
+          <a:bodyPr anchor="t" rtlCol="false" tIns="0" lIns="0" bIns="0" rIns="0">
+            <a:spAutoFit/>
+          </a:bodyPr>
+          <a:lstStyle/>
+          <a:p>
+            <a:pPr algn="ctr">
+              <a:lnSpc>
+                <a:spcPts val="1889"/>
+              </a:lnSpc>
+            </a:pPr>
+            <a:r>
+              <a:rPr lang="en-US" sz="1350" spc="-4">
+                <a:solidFill>
+                  <a:srgbClr val="2C3E77"/>
+                </a:solidFill>
+                <a:latin typeface="Open Sans"/>
+                <a:ea typeface="Open Sans"/>
+                <a:cs typeface="Open Sans"/>
+                <a:sym typeface="Open Sans"/>
+              </a:rPr>
+              <a:t>{{REPORT_ISSUE_DATE}}</a:t>
+            </a:r>
+          </a:p>
+        </p:txBody>
+      </p:sp>
+      <p:sp>
+        <p:nvSpPr>
+          <p:cNvPr name="TextBox 35" id="35"/>
+          <p:cNvSpPr txBox="true"/>
+          <p:nvPr/>
+        </p:nvSpPr>
+        <p:spPr>
+          <a:xfrm rot="0">
+            <a:off x="2519275" y="6367405"/>
+            <a:ext cx="6050053" cy="232410"/>
+          </a:xfrm>
+          <a:prstGeom prst="rect">
+            <a:avLst/>
+          </a:prstGeom>
+        </p:spPr>
+        <p:txBody>
+          <a:bodyPr anchor="t" rtlCol="false" tIns="0" lIns="0" bIns="0" rIns="0">
+            <a:spAutoFit/>
+          </a:bodyPr>
+          <a:lstStyle/>
+          <a:p>
+            <a:pPr algn="ctr">
+              <a:lnSpc>
+                <a:spcPts val="1889"/>
+              </a:lnSpc>
+            </a:pPr>
+            <a:r>
+              <a:rPr lang="en-US" sz="1350" spc="-4">
+                <a:solidFill>
+                  <a:srgbClr val="2C3E77"/>
+                </a:solidFill>
+                <a:latin typeface="Open Sans"/>
+                <a:ea typeface="Open Sans"/>
+                <a:cs typeface="Open Sans"/>
+                <a:sym typeface="Open Sans"/>
+              </a:rPr>
+              <a:t>{{ID_NUMBER}}</a:t>
+            </a:r>
+          </a:p>
+        </p:txBody>
+      </p:sp>
+      <p:sp>
+        <p:nvSpPr>
+          <p:cNvPr name="TextBox 36" id="36"/>
+          <p:cNvSpPr txBox="true"/>
+          <p:nvPr/>
+        </p:nvSpPr>
+        <p:spPr>
+          <a:xfrm rot="0">
+            <a:off x="2521219" y="3156595"/>
+            <a:ext cx="6048109" cy="232410"/>
+          </a:xfrm>
+          <a:prstGeom prst="rect">
+            <a:avLst/>
+          </a:prstGeom>
+        </p:spPr>
+        <p:txBody>
+          <a:bodyPr anchor="t" rtlCol="false" tIns="0" lIns="0" bIns="0" rIns="0">
+            <a:spAutoFit/>
+          </a:bodyPr>
+          <a:lstStyle/>
+          <a:p>
+            <a:pPr algn="ctr">
+              <a:lnSpc>
+                <a:spcPts val="1889"/>
+              </a:lnSpc>
+            </a:pPr>
+            <a:r>
+              <a:rPr lang="en-US" sz="1350" spc="-4">
+                <a:solidFill>
+                  <a:srgbClr val="2C3E77"/>
+                </a:solidFill>
+                <a:latin typeface="Open Sans"/>
+                <a:ea typeface="Open Sans"/>
+                <a:cs typeface="Open Sans"/>
+                <a:sym typeface="Open Sans"/>
+              </a:rPr>
+              <a:t>{{</a:t>
+            </a:r>
+            <a:r>
+              <a:rPr lang="en-US" sz="1350" spc="-4">
+                <a:solidFill>
+                  <a:srgbClr val="2C3E77"/>
+                </a:solidFill>
+                <a:latin typeface="Open Sans"/>
+                <a:ea typeface="Open Sans"/>
+                <a:cs typeface="Open Sans"/>
+                <a:sym typeface="Open Sans"/>
+              </a:rPr>
+              <a:t>SERVICE_CODE}}</a:t>
+            </a:r>
+          </a:p>
+        </p:txBody>
+      </p:sp>
+      <p:sp>
+        <p:nvSpPr>
+          <p:cNvPr name="TextBox 37" id="37"/>
+          <p:cNvSpPr txBox="true"/>
+          <p:nvPr/>
+        </p:nvSpPr>
+        <p:spPr>
+          <a:xfrm rot="0">
+            <a:off x="5871210" y="3696729"/>
+            <a:ext cx="917943" cy="480060"/>
+          </a:xfrm>
+          <a:prstGeom prst="rect">
+            <a:avLst/>
+          </a:prstGeom>
+        </p:spPr>
+        <p:txBody>
+          <a:bodyPr anchor="t" rtlCol="false" tIns="0" lIns="0" bIns="0" rIns="0">
+            <a:spAutoFit/>
+          </a:bodyPr>
+          <a:lstStyle/>
+          <a:p>
+            <a:pPr algn="r">
+              <a:lnSpc>
+                <a:spcPts val="1889"/>
+              </a:lnSpc>
+            </a:pPr>
+            <a:r>
+              <a:rPr lang="en-US" sz="1350" spc="-4">
+                <a:solidFill>
+                  <a:srgbClr val="FFFFFF"/>
+                </a:solidFill>
+                <a:latin typeface="Times New Roman"/>
+                <a:ea typeface="Times New Roman"/>
+                <a:cs typeface="Times New Roman"/>
+                <a:sym typeface="Times New Roman"/>
+              </a:rPr>
+              <a:t>{{EXIT_DATE_HIJRI}}</a:t>
+            </a:r>
+          </a:p>
+        </p:txBody>
+      </p:sp>
+      <p:sp>
+        <p:nvSpPr>
+          <p:cNvPr name="TextBox 38" id="38"/>
+          <p:cNvSpPr txBox="true"/>
+          <p:nvPr/>
+        </p:nvSpPr>
+        <p:spPr>
+          <a:xfrm rot="0">
+            <a:off x="5568953" y="4233177"/>
+            <a:ext cx="3076899" cy="232410"/>
+          </a:xfrm>
+          <a:prstGeom prst="rect">
+            <a:avLst/>
+          </a:prstGeom>
+        </p:spPr>
+        <p:txBody>
+          <a:bodyPr anchor="t" rtlCol="false" tIns="0" lIns="0" bIns="0" rIns="0">
+            <a:spAutoFit/>
+          </a:bodyPr>
+          <a:lstStyle/>
+          <a:p>
+            <a:pPr algn="ctr">
+              <a:lnSpc>
+                <a:spcPts val="1889"/>
+              </a:lnSpc>
+            </a:pPr>
+            <a:r>
+              <a:rPr lang="en-US" sz="1350" spc="-4">
+                <a:solidFill>
+                  <a:srgbClr val="2C3E77"/>
+                </a:solidFill>
+                <a:latin typeface="Open Sans"/>
+                <a:ea typeface="Open Sans"/>
+                <a:cs typeface="Open Sans"/>
+                <a:sym typeface="Open Sans"/>
+              </a:rPr>
+              <a:t>{{ENTRY_DATE_HIJRI}}</a:t>
+            </a:r>
+          </a:p>
+        </p:txBody>
+      </p:sp>
+      <p:sp>
+        <p:nvSpPr>
+          <p:cNvPr name="TextBox 39" id="39"/>
+          <p:cNvSpPr txBox="true"/>
+          <p:nvPr/>
+        </p:nvSpPr>
+        <p:spPr>
+          <a:xfrm rot="0">
+            <a:off x="5568953" y="4766824"/>
+            <a:ext cx="3076899" cy="232410"/>
+          </a:xfrm>
+          <a:prstGeom prst="rect">
+            <a:avLst/>
+          </a:prstGeom>
+        </p:spPr>
+        <p:txBody>
+          <a:bodyPr anchor="t" rtlCol="false" tIns="0" lIns="0" bIns="0" rIns="0">
+            <a:spAutoFit/>
+          </a:bodyPr>
+          <a:lstStyle/>
+          <a:p>
+            <a:pPr algn="ctr">
+              <a:lnSpc>
+                <a:spcPts val="1889"/>
+              </a:lnSpc>
+            </a:pPr>
+            <a:r>
+              <a:rPr lang="en-US" sz="1350" spc="-4">
+                <a:solidFill>
+                  <a:srgbClr val="2C3E77"/>
+                </a:solidFill>
+                <a:latin typeface="Open Sans"/>
+                <a:ea typeface="Open Sans"/>
+                <a:cs typeface="Open Sans"/>
+                <a:sym typeface="Open Sans"/>
+              </a:rPr>
+              <a:t>{{EXIT_DATE_HIJRI}}</a:t>
+            </a:r>
+          </a:p>
+        </p:txBody>
+      </p:sp>
+      <p:sp>
+        <p:nvSpPr>
+          <p:cNvPr name="TextBox 40" id="40"/>
+          <p:cNvSpPr txBox="true"/>
+          <p:nvPr/>
+        </p:nvSpPr>
+        <p:spPr>
+          <a:xfrm rot="0">
+            <a:off x="6982711" y="3696729"/>
+            <a:ext cx="1094965" cy="480060"/>
+          </a:xfrm>
+          <a:prstGeom prst="rect">
+            <a:avLst/>
+          </a:prstGeom>
+        </p:spPr>
+        <p:txBody>
+          <a:bodyPr anchor="t" rtlCol="false" tIns="0" lIns="0" bIns="0" rIns="0">
+            <a:spAutoFit/>
+          </a:bodyPr>
+          <a:lstStyle/>
+          <a:p>
+            <a:pPr algn="l">
+              <a:lnSpc>
+                <a:spcPts val="1889"/>
+              </a:lnSpc>
+            </a:pPr>
+            <a:r>
+              <a:rPr lang="en-US" sz="1350" spc="-4">
+                <a:solidFill>
+                  <a:srgbClr val="FFFFFF"/>
+                </a:solidFill>
+                <a:latin typeface="Times New Roman"/>
+                <a:ea typeface="Times New Roman"/>
+                <a:cs typeface="Times New Roman"/>
+                <a:sym typeface="Times New Roman"/>
+              </a:rPr>
+              <a:t>{{ENTRY_DATE_HIJRI}}</a:t>
+            </a:r>
+          </a:p>
+        </p:txBody>
+      </p:sp>
+      <p:sp>
+        <p:nvSpPr>
+          <p:cNvPr name="TextBox 41" id="41"/>
+          <p:cNvSpPr txBox="true"/>
+          <p:nvPr/>
+        </p:nvSpPr>
+        <p:spPr>
+          <a:xfrm rot="0">
+            <a:off x="8142351" y="3696729"/>
+            <a:ext cx="435959" cy="956310"/>
+          </a:xfrm>
+          <a:prstGeom prst="rect">
+            <a:avLst/>
+          </a:prstGeom>
+        </p:spPr>
+        <p:txBody>
+          <a:bodyPr anchor="t" rtlCol="false" tIns="0" lIns="0" bIns="0" rIns="0">
+            <a:spAutoFit/>
+          </a:bodyPr>
+          <a:lstStyle/>
+          <a:p>
+            <a:pPr algn="l">
+              <a:lnSpc>
+                <a:spcPts val="1889"/>
+              </a:lnSpc>
+            </a:pPr>
+            <a:r>
+              <a:rPr lang="en-US" sz="1350" spc="-4">
+                <a:solidFill>
+                  <a:srgbClr val="FFFFFF"/>
+                </a:solidFill>
+                <a:latin typeface="Times New Roman"/>
+                <a:ea typeface="Times New Roman"/>
+                <a:cs typeface="Times New Roman"/>
+                <a:sym typeface="Times New Roman"/>
+              </a:rPr>
+              <a:t>{{DAYS_COUNT}}</a:t>
+            </a:r>
+          </a:p>
+        </p:txBody>
+      </p:sp>
+      <p:sp>
+        <p:nvSpPr>
+          <p:cNvPr name="TextBox 42" id="42"/>
+          <p:cNvSpPr txBox="true"/>
+          <p:nvPr/>
+        </p:nvSpPr>
+        <p:spPr>
+          <a:xfrm rot="0">
+            <a:off x="6771132" y="3697100"/>
+            <a:ext cx="215798" cy="232410"/>
+          </a:xfrm>
+          <a:prstGeom prst="rect">
+            <a:avLst/>
+          </a:prstGeom>
+        </p:spPr>
+        <p:txBody>
+          <a:bodyPr anchor="t" rtlCol="false" tIns="0" lIns="0" bIns="0" rIns="0">
+            <a:spAutoFit/>
+          </a:bodyPr>
+          <a:lstStyle/>
+          <a:p>
+            <a:pPr algn="l" rtl="true">
+              <a:lnSpc>
+                <a:spcPts val="1889"/>
+              </a:lnSpc>
+            </a:pPr>
+            <a:r>
+              <a:rPr lang="ar-EG" sz="1350">
+                <a:solidFill>
+                  <a:srgbClr val="FFFFFF"/>
+                </a:solidFill>
+                <a:latin typeface="Noto Sans Arabic"/>
+                <a:ea typeface="Noto Sans Arabic"/>
+                <a:cs typeface="Noto Sans Arabic"/>
+                <a:sym typeface="Noto Sans Arabic"/>
+                <a:rtl val="true"/>
+              </a:rPr>
+              <a:t>الى</a:t>
+            </a:r>
+          </a:p>
+        </p:txBody>
+      </p:sp>
+      <p:sp>
+        <p:nvSpPr>
+          <p:cNvPr name="TextBox 43" id="43"/>
+          <p:cNvSpPr txBox="true"/>
+          <p:nvPr/>
+        </p:nvSpPr>
+        <p:spPr>
+          <a:xfrm rot="0">
+            <a:off x="5568953" y="7431919"/>
+            <a:ext cx="3000375" cy="232410"/>
+          </a:xfrm>
+          <a:prstGeom prst="rect">
+            <a:avLst/>
+          </a:prstGeom>
+        </p:spPr>
+        <p:txBody>
+          <a:bodyPr anchor="t" rtlCol="false" tIns="0" lIns="0" bIns="0" rIns="0">
+            <a:spAutoFit/>
+          </a:bodyPr>
+          <a:lstStyle/>
+          <a:p>
+            <a:pPr algn="ctr" rtl="true">
+              <a:lnSpc>
+                <a:spcPts val="1889"/>
+              </a:lnSpc>
+            </a:pPr>
+            <a:r>
+              <a:rPr lang="ar-EG" sz="1350">
+                <a:solidFill>
+                  <a:srgbClr val="2C3E77"/>
+                </a:solidFill>
+                <a:latin typeface="Noto Sans Arabic"/>
+                <a:ea typeface="Noto Sans Arabic"/>
+                <a:cs typeface="Noto Sans Arabic"/>
+                <a:sym typeface="Noto Sans Arabic"/>
+                <a:rtl val="true"/>
+              </a:rPr>
+              <a:t>الى من يهمه الامر</a:t>
+            </a:r>
+          </a:p>
+        </p:txBody>
+      </p:sp>
+      <p:sp>
+        <p:nvSpPr>
+          <p:cNvPr name="TextBox 44" id="44"/>
+          <p:cNvSpPr txBox="true"/>
+          <p:nvPr/>
+        </p:nvSpPr>
+        <p:spPr>
+          <a:xfrm rot="0">
+            <a:off x="5568953" y="6898396"/>
+            <a:ext cx="3000375" cy="232410"/>
+          </a:xfrm>
+          <a:prstGeom prst="rect">
+            <a:avLst/>
+          </a:prstGeom>
+        </p:spPr>
+        <p:txBody>
+          <a:bodyPr anchor="t" rtlCol="false" tIns="0" lIns="0" bIns="0" rIns="0">
+            <a:spAutoFit/>
+          </a:bodyPr>
+          <a:lstStyle/>
+          <a:p>
+            <a:pPr algn="ctr">
+              <a:lnSpc>
+                <a:spcPts val="1889"/>
+              </a:lnSpc>
+            </a:pPr>
+            <a:r>
+              <a:rPr lang="en-US" sz="1350">
+                <a:solidFill>
+                  <a:srgbClr val="2C3E77"/>
+                </a:solidFill>
+                <a:latin typeface="Noto Sans Arabic"/>
+                <a:ea typeface="Noto Sans Arabic"/>
+                <a:cs typeface="Noto Sans Arabic"/>
+                <a:sym typeface="Noto Sans Arabic"/>
+              </a:rPr>
+              <a:t>{{NATIONALITY_AR}}</a:t>
+            </a:r>
+          </a:p>
+        </p:txBody>
+      </p:sp>
+      <p:sp>
+        <p:nvSpPr>
+          <p:cNvPr name="TextBox 45" id="45"/>
+          <p:cNvSpPr txBox="true"/>
+          <p:nvPr/>
+        </p:nvSpPr>
+        <p:spPr>
+          <a:xfrm rot="0">
+            <a:off x="5568953" y="8531362"/>
+            <a:ext cx="3000375" cy="232410"/>
+          </a:xfrm>
+          <a:prstGeom prst="rect">
+            <a:avLst/>
+          </a:prstGeom>
+        </p:spPr>
+        <p:txBody>
+          <a:bodyPr anchor="t" rtlCol="false" tIns="0" lIns="0" bIns="0" rIns="0">
+            <a:spAutoFit/>
+          </a:bodyPr>
+          <a:lstStyle/>
+          <a:p>
+            <a:pPr algn="ctr">
+              <a:lnSpc>
+                <a:spcPts val="1889"/>
+              </a:lnSpc>
+            </a:pPr>
+            <a:r>
+              <a:rPr lang="en-US" sz="1350">
+                <a:solidFill>
+                  <a:srgbClr val="2C3E77"/>
+                </a:solidFill>
+                <a:latin typeface="Noto Sans Arabic"/>
+                <a:ea typeface="Noto Sans Arabic"/>
+                <a:cs typeface="Noto Sans Arabic"/>
+                <a:sym typeface="Noto Sans Arabic"/>
+              </a:rPr>
+              <a:t>{{JOB_TITLE_AR}}</a:t>
+            </a:r>
+          </a:p>
+        </p:txBody>
+      </p:sp>
+      <p:sp>
+        <p:nvSpPr>
+          <p:cNvPr name="TextBox 46" id="46"/>
+          <p:cNvSpPr txBox="true"/>
+          <p:nvPr/>
+        </p:nvSpPr>
+        <p:spPr>
+          <a:xfrm rot="0">
+            <a:off x="5564572" y="5831338"/>
+            <a:ext cx="3004756" cy="232410"/>
+          </a:xfrm>
+          <a:prstGeom prst="rect">
+            <a:avLst/>
+          </a:prstGeom>
+        </p:spPr>
+        <p:txBody>
+          <a:bodyPr anchor="t" rtlCol="false" tIns="0" lIns="0" bIns="0" rIns="0">
+            <a:spAutoFit/>
+          </a:bodyPr>
+          <a:lstStyle/>
+          <a:p>
+            <a:pPr algn="ctr">
+              <a:lnSpc>
+                <a:spcPts val="1889"/>
+              </a:lnSpc>
+            </a:pPr>
+            <a:r>
+              <a:rPr lang="en-US" sz="1350">
+                <a:solidFill>
+                  <a:srgbClr val="2C3E77"/>
+                </a:solidFill>
+                <a:latin typeface="Noto Sans Arabic"/>
+                <a:ea typeface="Noto Sans Arabic"/>
+                <a:cs typeface="Noto Sans Arabic"/>
+                <a:sym typeface="Noto Sans Arabic"/>
+              </a:rPr>
+              <a:t>{{NAME_AR}}</a:t>
+            </a:r>
+          </a:p>
+        </p:txBody>
+      </p:sp>
+      <p:sp>
+        <p:nvSpPr>
+          <p:cNvPr name="TextBox 47" id="47"/>
+          <p:cNvSpPr txBox="true"/>
+          <p:nvPr/>
+        </p:nvSpPr>
+        <p:spPr>
+          <a:xfrm rot="0">
+            <a:off x="5568953" y="7981702"/>
+            <a:ext cx="3000375" cy="232410"/>
+          </a:xfrm>
+          <a:prstGeom prst="rect">
+            <a:avLst/>
+          </a:prstGeom>
+        </p:spPr>
+        <p:txBody>
+          <a:bodyPr anchor="t" rtlCol="false" tIns="0" lIns="0" bIns="0" rIns="0">
+            <a:spAutoFit/>
+          </a:bodyPr>
+          <a:lstStyle/>
+          <a:p>
+            <a:pPr algn="ctr">
+              <a:lnSpc>
+                <a:spcPts val="1889"/>
+              </a:lnSpc>
+            </a:pPr>
+            <a:r>
+              <a:rPr lang="en-US" sz="1350">
+                <a:solidFill>
+                  <a:srgbClr val="2C3E77"/>
+                </a:solidFill>
+                <a:latin typeface="Noto Sans Arabic"/>
+                <a:ea typeface="Noto Sans Arabic"/>
+                <a:cs typeface="Noto Sans Arabic"/>
+                <a:sym typeface="Noto Sans Arabic"/>
+              </a:rPr>
+              <a:t>{{DOCTOR_NAME_AR}}</a:t>
+            </a:r>
+          </a:p>
+        </p:txBody>
+      </p:sp>
+      <p:sp>
+        <p:nvSpPr>
+          <p:cNvPr name="TextBox 48" id="48"/>
+          <p:cNvSpPr txBox="true"/>
+          <p:nvPr/>
+        </p:nvSpPr>
+        <p:spPr>
+          <a:xfrm rot="0">
+            <a:off x="7927210" y="3697100"/>
+            <a:ext cx="219475" cy="273406"/>
+          </a:xfrm>
+          <a:prstGeom prst="rect">
+            <a:avLst/>
+          </a:prstGeom>
+        </p:spPr>
+        <p:txBody>
+          <a:bodyPr anchor="t" rtlCol="false" tIns="0" lIns="0" bIns="0" rIns="0">
+            <a:spAutoFit/>
+          </a:bodyPr>
+          <a:lstStyle/>
+          <a:p>
+            <a:pPr algn="l" rtl="true">
+              <a:lnSpc>
+                <a:spcPts val="1889"/>
+              </a:lnSpc>
+            </a:pPr>
+            <a:r>
+              <a:rPr lang="ar-EG" sz="1350">
+                <a:solidFill>
+                  <a:srgbClr val="FFFFFF"/>
+                </a:solidFill>
+                <a:latin typeface="Noto Sans Arabic"/>
+                <a:ea typeface="Noto Sans Arabic"/>
+                <a:cs typeface="Noto Sans Arabic"/>
+                <a:sym typeface="Noto Sans Arabic"/>
+                <a:rtl val="true"/>
+              </a:rPr>
+              <a:t>يوم</a:t>
+            </a:r>
+          </a:p>
+        </p:txBody>
+      </p:sp>
+      <p:sp>
+        <p:nvSpPr>
+          <p:cNvPr name="TextBox 49" id="49"/>
+          <p:cNvSpPr txBox="true"/>
+          <p:nvPr/>
+        </p:nvSpPr>
+        <p:spPr>
+          <a:xfrm rot="0">
+            <a:off x="8578310" y="5838711"/>
+            <a:ext cx="1657893" cy="232410"/>
+          </a:xfrm>
+          <a:prstGeom prst="rect">
+            <a:avLst/>
+          </a:prstGeom>
+        </p:spPr>
+        <p:txBody>
+          <a:bodyPr anchor="t" rtlCol="false" tIns="0" lIns="0" bIns="0" rIns="0">
+            <a:spAutoFit/>
+          </a:bodyPr>
+          <a:lstStyle/>
+          <a:p>
+            <a:pPr algn="ctr" rtl="true">
+              <a:lnSpc>
+                <a:spcPts val="1889"/>
+              </a:lnSpc>
+            </a:pPr>
+            <a:r>
+              <a:rPr lang="ar-EG" b="true" sz="1350">
+                <a:solidFill>
+                  <a:srgbClr val="366FB5"/>
+                </a:solidFill>
+                <a:latin typeface="Noto Sans Arabic Bold"/>
+                <a:ea typeface="Noto Sans Arabic Bold"/>
+                <a:cs typeface="Noto Sans Arabic Bold"/>
+                <a:sym typeface="Noto Sans Arabic Bold"/>
+                <a:rtl val="true"/>
+              </a:rPr>
+              <a:t>الاسم</a:t>
+            </a:r>
+          </a:p>
+        </p:txBody>
+      </p:sp>
+      <p:sp>
+        <p:nvSpPr>
+          <p:cNvPr name="TextBox 50" id="50"/>
+          <p:cNvSpPr txBox="true"/>
+          <p:nvPr/>
+        </p:nvSpPr>
+        <p:spPr>
+          <a:xfrm rot="0">
+            <a:off x="9102976" y="6905768"/>
+            <a:ext cx="628164" cy="273406"/>
+          </a:xfrm>
+          <a:prstGeom prst="rect">
+            <a:avLst/>
+          </a:prstGeom>
+        </p:spPr>
+        <p:txBody>
+          <a:bodyPr anchor="t" rtlCol="false" tIns="0" lIns="0" bIns="0" rIns="0">
+            <a:spAutoFit/>
+          </a:bodyPr>
+          <a:lstStyle/>
+          <a:p>
+            <a:pPr algn="l" rtl="true">
+              <a:lnSpc>
+                <a:spcPts val="1889"/>
+              </a:lnSpc>
+            </a:pPr>
+            <a:r>
+              <a:rPr lang="ar-EG" b="true" sz="1350">
+                <a:solidFill>
+                  <a:srgbClr val="366FB5"/>
+                </a:solidFill>
+                <a:latin typeface="Noto Sans Arabic Bold"/>
+                <a:ea typeface="Noto Sans Arabic Bold"/>
+                <a:cs typeface="Noto Sans Arabic Bold"/>
+                <a:sym typeface="Noto Sans Arabic Bold"/>
+                <a:rtl val="true"/>
+              </a:rPr>
+              <a:t>الجنسية</a:t>
+            </a:r>
+          </a:p>
+        </p:txBody>
+      </p:sp>
+      <p:sp>
+        <p:nvSpPr>
+          <p:cNvPr name="TextBox 51" id="51"/>
+          <p:cNvSpPr txBox="true"/>
+          <p:nvPr/>
+        </p:nvSpPr>
+        <p:spPr>
+          <a:xfrm rot="0">
+            <a:off x="8569328" y="3161424"/>
+            <a:ext cx="1666875" cy="232410"/>
+          </a:xfrm>
+          <a:prstGeom prst="rect">
+            <a:avLst/>
+          </a:prstGeom>
+        </p:spPr>
+        <p:txBody>
+          <a:bodyPr anchor="t" rtlCol="false" tIns="0" lIns="0" bIns="0" rIns="0">
+            <a:spAutoFit/>
+          </a:bodyPr>
+          <a:lstStyle/>
+          <a:p>
+            <a:pPr algn="ctr" rtl="true">
+              <a:lnSpc>
+                <a:spcPts val="1889"/>
+              </a:lnSpc>
+            </a:pPr>
+            <a:r>
+              <a:rPr lang="ar-EG" b="true" sz="1350">
+                <a:solidFill>
+                  <a:srgbClr val="366FB5"/>
+                </a:solidFill>
+                <a:latin typeface="Noto Sans Arabic Bold"/>
+                <a:ea typeface="Noto Sans Arabic Bold"/>
+                <a:cs typeface="Noto Sans Arabic Bold"/>
+                <a:sym typeface="Noto Sans Arabic Bold"/>
+                <a:rtl val="true"/>
+              </a:rPr>
+              <a:t>رمز الإجازة</a:t>
+            </a:r>
+          </a:p>
+        </p:txBody>
+      </p:sp>
+      <p:sp>
+        <p:nvSpPr>
+          <p:cNvPr name="TextBox 52" id="52"/>
+          <p:cNvSpPr txBox="true"/>
+          <p:nvPr/>
+        </p:nvSpPr>
+        <p:spPr>
+          <a:xfrm rot="0">
+            <a:off x="9020556" y="7439292"/>
+            <a:ext cx="796223" cy="273406"/>
+          </a:xfrm>
+          <a:prstGeom prst="rect">
+            <a:avLst/>
+          </a:prstGeom>
+        </p:spPr>
+        <p:txBody>
+          <a:bodyPr anchor="t" rtlCol="false" tIns="0" lIns="0" bIns="0" rIns="0">
+            <a:spAutoFit/>
+          </a:bodyPr>
+          <a:lstStyle/>
+          <a:p>
+            <a:pPr algn="l" rtl="true">
+              <a:lnSpc>
+                <a:spcPts val="1889"/>
+              </a:lnSpc>
+            </a:pPr>
+            <a:r>
+              <a:rPr lang="ar-EG" b="true" sz="1350">
+                <a:solidFill>
+                  <a:srgbClr val="366FB5"/>
+                </a:solidFill>
+                <a:latin typeface="Noto Sans Arabic Bold"/>
+                <a:ea typeface="Noto Sans Arabic Bold"/>
+                <a:cs typeface="Noto Sans Arabic Bold"/>
+                <a:sym typeface="Noto Sans Arabic Bold"/>
+                <a:rtl val="true"/>
+              </a:rPr>
+              <a:t>جهة العمل</a:t>
+            </a:r>
+          </a:p>
+        </p:txBody>
+      </p:sp>
+      <p:sp>
+        <p:nvSpPr>
+          <p:cNvPr name="TextBox 53" id="53"/>
+          <p:cNvSpPr txBox="true"/>
+          <p:nvPr/>
+        </p:nvSpPr>
+        <p:spPr>
+          <a:xfrm rot="0">
+            <a:off x="8578310" y="3704473"/>
+            <a:ext cx="1657893" cy="232410"/>
+          </a:xfrm>
+          <a:prstGeom prst="rect">
+            <a:avLst/>
+          </a:prstGeom>
+        </p:spPr>
+        <p:txBody>
+          <a:bodyPr anchor="t" rtlCol="false" tIns="0" lIns="0" bIns="0" rIns="0">
+            <a:spAutoFit/>
+          </a:bodyPr>
+          <a:lstStyle/>
+          <a:p>
+            <a:pPr algn="ctr" rtl="true">
+              <a:lnSpc>
+                <a:spcPts val="1889"/>
+              </a:lnSpc>
+            </a:pPr>
+            <a:r>
+              <a:rPr lang="ar-EG" b="true" sz="1350">
+                <a:solidFill>
+                  <a:srgbClr val="FFFFFF"/>
+                </a:solidFill>
+                <a:latin typeface="Noto Sans Arabic Bold"/>
+                <a:ea typeface="Noto Sans Arabic Bold"/>
+                <a:cs typeface="Noto Sans Arabic Bold"/>
+                <a:sym typeface="Noto Sans Arabic Bold"/>
+                <a:rtl val="true"/>
+              </a:rPr>
+              <a:t>مدة الإجازة</a:t>
+            </a:r>
+          </a:p>
+        </p:txBody>
+      </p:sp>
+      <p:sp>
+        <p:nvSpPr>
+          <p:cNvPr name="TextBox 54" id="54"/>
+          <p:cNvSpPr txBox="true"/>
+          <p:nvPr/>
+        </p:nvSpPr>
+        <p:spPr>
+          <a:xfrm rot="0">
+            <a:off x="8956291" y="4771530"/>
+            <a:ext cx="927383" cy="273406"/>
+          </a:xfrm>
+          <a:prstGeom prst="rect">
+            <a:avLst/>
+          </a:prstGeom>
+        </p:spPr>
+        <p:txBody>
+          <a:bodyPr anchor="t" rtlCol="false" tIns="0" lIns="0" bIns="0" rIns="0">
+            <a:spAutoFit/>
+          </a:bodyPr>
+          <a:lstStyle/>
+          <a:p>
+            <a:pPr algn="l" rtl="true">
+              <a:lnSpc>
+                <a:spcPts val="1889"/>
+              </a:lnSpc>
+            </a:pPr>
+            <a:r>
+              <a:rPr lang="ar-EG" b="true" sz="1350">
+                <a:solidFill>
+                  <a:srgbClr val="366FB5"/>
+                </a:solidFill>
+                <a:latin typeface="Noto Sans Arabic Bold"/>
+                <a:ea typeface="Noto Sans Arabic Bold"/>
+                <a:cs typeface="Noto Sans Arabic Bold"/>
+                <a:sym typeface="Noto Sans Arabic Bold"/>
+                <a:rtl val="true"/>
+              </a:rPr>
+              <a:t>تاريخ الخروج</a:t>
+            </a:r>
+          </a:p>
+        </p:txBody>
+      </p:sp>
+      <p:sp>
+        <p:nvSpPr>
+          <p:cNvPr name="TextBox 55" id="55"/>
+          <p:cNvSpPr txBox="true"/>
+          <p:nvPr/>
+        </p:nvSpPr>
+        <p:spPr>
+          <a:xfrm rot="0">
+            <a:off x="8941184" y="4238006"/>
+            <a:ext cx="958158" cy="273406"/>
+          </a:xfrm>
+          <a:prstGeom prst="rect">
+            <a:avLst/>
+          </a:prstGeom>
+        </p:spPr>
+        <p:txBody>
+          <a:bodyPr anchor="t" rtlCol="false" tIns="0" lIns="0" bIns="0" rIns="0">
+            <a:spAutoFit/>
+          </a:bodyPr>
+          <a:lstStyle/>
+          <a:p>
+            <a:pPr algn="l" rtl="true">
+              <a:lnSpc>
+                <a:spcPts val="1889"/>
+              </a:lnSpc>
+            </a:pPr>
+            <a:r>
+              <a:rPr lang="ar-EG" b="true" sz="1350">
+                <a:solidFill>
+                  <a:srgbClr val="366FB5"/>
+                </a:solidFill>
+                <a:latin typeface="Noto Sans Arabic Bold"/>
+                <a:ea typeface="Noto Sans Arabic Bold"/>
+                <a:cs typeface="Noto Sans Arabic Bold"/>
+                <a:sym typeface="Noto Sans Arabic Bold"/>
+                <a:rtl val="true"/>
+              </a:rPr>
+              <a:t>تاريخ الدخول</a:t>
+            </a:r>
+          </a:p>
+        </p:txBody>
+      </p:sp>
+      <p:sp>
+        <p:nvSpPr>
+          <p:cNvPr name="TextBox 56" id="56"/>
+          <p:cNvSpPr txBox="true"/>
+          <p:nvPr/>
+        </p:nvSpPr>
+        <p:spPr>
+          <a:xfrm rot="0">
+            <a:off x="8891397" y="7989075"/>
+            <a:ext cx="1059590" cy="273406"/>
+          </a:xfrm>
+          <a:prstGeom prst="rect">
+            <a:avLst/>
+          </a:prstGeom>
+        </p:spPr>
+        <p:txBody>
+          <a:bodyPr anchor="t" rtlCol="false" tIns="0" lIns="0" bIns="0" rIns="0">
+            <a:spAutoFit/>
+          </a:bodyPr>
+          <a:lstStyle/>
+          <a:p>
+            <a:pPr algn="l" rtl="true">
+              <a:lnSpc>
+                <a:spcPts val="1889"/>
+              </a:lnSpc>
+            </a:pPr>
+            <a:r>
+              <a:rPr lang="ar-EG" b="true" sz="1350">
+                <a:solidFill>
+                  <a:srgbClr val="366FB5"/>
+                </a:solidFill>
+                <a:latin typeface="Noto Sans Arabic Bold"/>
+                <a:ea typeface="Noto Sans Arabic Bold"/>
+                <a:cs typeface="Noto Sans Arabic Bold"/>
+                <a:sym typeface="Noto Sans Arabic Bold"/>
+                <a:rtl val="true"/>
+              </a:rPr>
+              <a:t>اسم الممارس</a:t>
+            </a:r>
+          </a:p>
+        </p:txBody>
+      </p:sp>
+      <p:sp>
+        <p:nvSpPr>
+          <p:cNvPr name="TextBox 57" id="57"/>
+          <p:cNvSpPr txBox="true"/>
+          <p:nvPr/>
+        </p:nvSpPr>
+        <p:spPr>
+          <a:xfrm rot="0">
+            <a:off x="8770877" y="8538734"/>
+            <a:ext cx="1305649" cy="273406"/>
+          </a:xfrm>
+          <a:prstGeom prst="rect">
+            <a:avLst/>
+          </a:prstGeom>
+        </p:spPr>
+        <p:txBody>
+          <a:bodyPr anchor="t" rtlCol="false" tIns="0" lIns="0" bIns="0" rIns="0">
+            <a:spAutoFit/>
+          </a:bodyPr>
+          <a:lstStyle/>
+          <a:p>
+            <a:pPr algn="l" rtl="true">
+              <a:lnSpc>
+                <a:spcPts val="1889"/>
+              </a:lnSpc>
+            </a:pPr>
+            <a:r>
+              <a:rPr lang="ar-EG" b="true" sz="1350">
+                <a:solidFill>
+                  <a:srgbClr val="366FB5"/>
+                </a:solidFill>
+                <a:latin typeface="Noto Sans Arabic Bold"/>
+                <a:ea typeface="Noto Sans Arabic Bold"/>
+                <a:cs typeface="Noto Sans Arabic Bold"/>
+                <a:sym typeface="Noto Sans Arabic Bold"/>
+                <a:rtl val="true"/>
+              </a:rPr>
+              <a:t>المسمى الوظيفى</a:t>
+            </a:r>
+          </a:p>
+        </p:txBody>
+      </p:sp>
+      <p:sp>
+        <p:nvSpPr>
+          <p:cNvPr name="TextBox 58" id="58"/>
+          <p:cNvSpPr txBox="true"/>
+          <p:nvPr/>
+        </p:nvSpPr>
+        <p:spPr>
+          <a:xfrm rot="0">
+            <a:off x="8578310" y="6372235"/>
+            <a:ext cx="1657893" cy="232410"/>
+          </a:xfrm>
+          <a:prstGeom prst="rect">
+            <a:avLst/>
+          </a:prstGeom>
+        </p:spPr>
+        <p:txBody>
+          <a:bodyPr anchor="t" rtlCol="false" tIns="0" lIns="0" bIns="0" rIns="0">
+            <a:spAutoFit/>
+          </a:bodyPr>
+          <a:lstStyle/>
+          <a:p>
+            <a:pPr algn="ctr" rtl="true">
+              <a:lnSpc>
+                <a:spcPts val="1889"/>
+              </a:lnSpc>
+            </a:pPr>
+            <a:r>
+              <a:rPr lang="ar-EG" b="true" sz="1350">
+                <a:solidFill>
+                  <a:srgbClr val="366FB5"/>
+                </a:solidFill>
+                <a:latin typeface="Noto Sans Arabic Bold"/>
+                <a:ea typeface="Noto Sans Arabic Bold"/>
+                <a:cs typeface="Noto Sans Arabic Bold"/>
+                <a:sym typeface="Noto Sans Arabic Bold"/>
+                <a:rtl val="true"/>
+              </a:rPr>
+              <a:t>رقم الهوية / الاقامة</a:t>
+            </a:r>
+          </a:p>
+        </p:txBody>
+      </p:sp>
+      <p:sp>
+        <p:nvSpPr>
+          <p:cNvPr name="TextBox 59" id="59"/>
+          <p:cNvSpPr txBox="true"/>
+          <p:nvPr/>
+        </p:nvSpPr>
+        <p:spPr>
+          <a:xfrm rot="0">
+            <a:off x="8727567" y="5305187"/>
+            <a:ext cx="1393965" cy="273406"/>
+          </a:xfrm>
+          <a:prstGeom prst="rect">
+            <a:avLst/>
+          </a:prstGeom>
+        </p:spPr>
+        <p:txBody>
+          <a:bodyPr anchor="t" rtlCol="false" tIns="0" lIns="0" bIns="0" rIns="0">
+            <a:spAutoFit/>
+          </a:bodyPr>
+          <a:lstStyle/>
+          <a:p>
+            <a:pPr algn="l" rtl="true">
+              <a:lnSpc>
+                <a:spcPts val="1889"/>
+              </a:lnSpc>
+            </a:pPr>
+            <a:r>
+              <a:rPr lang="ar-EG" b="true" sz="1350">
+                <a:solidFill>
+                  <a:srgbClr val="366FB5"/>
+                </a:solidFill>
+                <a:latin typeface="Noto Sans Arabic Bold"/>
+                <a:ea typeface="Noto Sans Arabic Bold"/>
+                <a:cs typeface="Noto Sans Arabic Bold"/>
+                <a:sym typeface="Noto Sans Arabic Bold"/>
+                <a:rtl val="true"/>
+              </a:rPr>
+              <a:t>تاريخ إصدار التقرير</a:t>
+            </a:r>
+          </a:p>
+        </p:txBody>
+      </p:sp>
+      <p:sp>
+        <p:nvSpPr>
+          <p:cNvPr name="TextBox 60" id="60"/>
+          <p:cNvSpPr txBox="true"/>
+          <p:nvPr/>
+        </p:nvSpPr>
+        <p:spPr>
+          <a:xfrm rot="0">
+            <a:off x="906018" y="10577798"/>
+            <a:ext cx="4023236" cy="786146"/>
+          </a:xfrm>
+          <a:prstGeom prst="rect">
+            <a:avLst/>
+          </a:prstGeom>
+        </p:spPr>
+        <p:txBody>
+          <a:bodyPr anchor="t" rtlCol="false" tIns="0" lIns="0" bIns="0" rIns="0">
+            <a:spAutoFit/>
+          </a:bodyPr>
+          <a:lstStyle/>
+          <a:p>
+            <a:pPr algn="ctr" rtl="true">
+              <a:lnSpc>
+                <a:spcPts val="2376"/>
+              </a:lnSpc>
+            </a:pPr>
+            <a:r>
+              <a:rPr lang="ar-EG" b="true" sz="1125">
+                <a:solidFill>
+                  <a:srgbClr val="000000"/>
+                </a:solidFill>
+                <a:latin typeface="Noto Sans Arabic Bold"/>
+                <a:ea typeface="Noto Sans Arabic Bold"/>
+                <a:cs typeface="Noto Sans Arabic Bold"/>
+                <a:sym typeface="Noto Sans Arabic Bold"/>
+                <a:rtl val="true"/>
+              </a:rPr>
+              <a:t>للتحقق من بيانات التقرير يرجى التأكد من زيارة موقع منصة صحة الرسمي </a:t>
+            </a:r>
+          </a:p>
+          <a:p>
+            <a:pPr algn="ctr">
+              <a:lnSpc>
+                <a:spcPts val="1293"/>
+              </a:lnSpc>
+            </a:pPr>
+            <a:r>
+              <a:rPr lang="en-US" b="true" sz="1125">
+                <a:solidFill>
+                  <a:srgbClr val="000000"/>
+                </a:solidFill>
+                <a:latin typeface="Times New Roman Bold"/>
+                <a:ea typeface="Times New Roman Bold"/>
+                <a:cs typeface="Times New Roman Bold"/>
+                <a:sym typeface="Times New Roman Bold"/>
+              </a:rPr>
+              <a:t>To check the report please visit Seha's offical website</a:t>
+            </a:r>
+          </a:p>
+        </p:txBody>
+      </p:sp>
+      <p:sp>
+        <p:nvSpPr>
+          <p:cNvPr name="TextBox 61" id="61"/>
+          <p:cNvSpPr txBox="true"/>
+          <p:nvPr/>
+        </p:nvSpPr>
+        <p:spPr>
+          <a:xfrm rot="0">
+            <a:off x="1619560" y="11569036"/>
+            <a:ext cx="2592271" cy="169069"/>
+          </a:xfrm>
+          <a:prstGeom prst="rect">
+            <a:avLst/>
+          </a:prstGeom>
+        </p:spPr>
+        <p:txBody>
+          <a:bodyPr anchor="t" rtlCol="false" tIns="0" lIns="0" bIns="0" rIns="0">
+            <a:spAutoFit/>
+          </a:bodyPr>
+          <a:lstStyle/>
+          <a:p>
+            <a:pPr algn="ctr">
+              <a:lnSpc>
+                <a:spcPts val="1293"/>
+              </a:lnSpc>
+            </a:pPr>
+            <a:r>
+              <a:rPr lang="en-US" b="true" sz="1125">
+                <a:solidFill>
+                  <a:srgbClr val="0000FF"/>
+                </a:solidFill>
+                <a:latin typeface="Times New Roman Bold"/>
+                <a:ea typeface="Times New Roman Bold"/>
+                <a:cs typeface="Times New Roman Bold"/>
+                <a:sym typeface="Times New Roman Bold"/>
+                <a:hlinkClick r:id="rId9" tooltip="https://sihasa.vercel.app"/>
+              </a:rPr>
+              <a:t>sihasa.vercel.app</a:t>
+            </a:r>
+            <a:r>
+              <a:rPr lang="en-US" b="true" sz="1125">
+                <a:solidFill>
+                  <a:srgbClr val="0000FF"/>
+                </a:solidFill>
+                <a:latin typeface="Times New Roman Bold"/>
+                <a:ea typeface="Times New Roman Bold"/>
+                <a:cs typeface="Times New Roman Bold"/>
+                <a:sym typeface="Times New Roman Bold"/>
+                <a:hlinkClick r:id="rId10" tooltip="https://iVBORw0KGgoAAAANSUhEUgAAAuQAAALkAQAAAABv3x3IAAACYElEQVR4nO3aQZKjMAwFUN+A+98yN/BUzYAly04qi55N+2lBAbae2P2CpPX/WK9Gp9PpdDqdTqfT6XQ6nU6n0+l0Op1Op9Ppv1Fvta773r16/Wt4Fq4PbXQ6nU6n09P9PvfnhlSf2+h0Op1OP16/+65xuR7+jij5XdrodDqdTqdv9bhsbRvxdDqdTqfTv9QjofOWi06n0+l0+jf6fljbBPb6O+6i0Ol0Op1+sl5qSugPh7WNTqfT6fTj9V1Ff1y+Deyl6HQ6nU4/WY8vytOfinMal38bv+azMpFOp9Pp9JP1nnN5OfTx5htJHnofEU+n0+l0On3o0XUNruU5+bJvtnQ6nU6n0+kVzgvxIrzkctp8A3Q6nU6n09/tfWK6vAOXYF8Cm06n0+n0w/UMPzEdl1l6Zpdhywg6nU6n08/Vy5zg7pr0GLHrpdPpdDqdPt58373bttxaOnZFp9PpdDo9v+/uzHhX3sHfpDadTqfT6Yfo+eyBMzLFeV59htHpdDqdTt/unS5jSz6LhamNTqfT6fTj9X1XcKUy0spT0Ol0Op1+vB4xnftfo6tEcl82l1U6nU6n00/Wd5XnrPdypq9ndDqdTqefrLdaV92b7i2Hp/Jz0Ol0Op1+sn7lpei64am/zM4j8vPQ6XQ6nX60HjvubfGD7PSpuWR1GUun0+l0On2jt02VEM/pTqfT6XQ6/YMeWZ1TO0Zco5dOp9PpdPpXX5nLxDbXPbaPR4mi0+l0Ov1kvVSO3xZwIHlsmUOn0+l0+uH6zxedTqfT6XQ6nU6n0+l0Op1Op9PpdDqdTqf/Iv0P+tt93VO+3TQAAAAASUVORK5CYII="/>
+              </a:rPr>
+              <a:t>/#/inquiries/slenquiry</a:t>
+            </a:r>
+          </a:p>
+        </p:txBody>
+      </p:sp>
+      <p:sp>
+        <p:nvSpPr>
+          <p:cNvPr name="TextBox 62" id="62"/>
+          <p:cNvSpPr txBox="true"/>
+          <p:nvPr/>
+        </p:nvSpPr>
+        <p:spPr>
+          <a:xfrm rot="0">
+            <a:off x="2878198" y="11381232"/>
+            <a:ext cx="36433" cy="217399"/>
+          </a:xfrm>
+          <a:prstGeom prst="rect">
+            <a:avLst/>
+          </a:prstGeom>
+        </p:spPr>
+        <p:txBody>
+          <a:bodyPr anchor="t" rtlCol="false" tIns="0" lIns="0" bIns="0" rIns="0">
+            <a:spAutoFit/>
+          </a:bodyPr>
+          <a:lstStyle/>
+          <a:p>
+            <a:pPr algn="l">
+              <a:lnSpc>
+                <a:spcPts val="1293"/>
+              </a:lnSpc>
+            </a:pPr>
+            <a:r>
+              <a:rPr lang="en-US" sz="1125">
+                <a:solidFill>
+                  <a:srgbClr val="000000"/>
+                </a:solidFill>
+                <a:latin typeface="Arab Times"/>
+                <a:ea typeface="Arab Times"/>
+                <a:cs typeface="Arab Times"/>
+                <a:sym typeface="Arab Times"/>
+              </a:rPr>
+              <a:t> </a:t>
+            </a:r>
+          </a:p>
+        </p:txBody>
+      </p:sp>
+      <p:sp>
+        <p:nvSpPr>
+          <p:cNvPr name="TextBox 63" id="63"/>
+          <p:cNvSpPr txBox="true"/>
+          <p:nvPr/>
+        </p:nvSpPr>
+        <p:spPr>
+          <a:xfrm rot="0">
+            <a:off x="5521328" y="10680021"/>
+            <a:ext cx="5170672" cy="205740"/>
+          </a:xfrm>
+          <a:prstGeom prst="rect">
+            <a:avLst/>
+          </a:prstGeom>
+        </p:spPr>
+        <p:txBody>
+          <a:bodyPr anchor="t" rtlCol="false" tIns="0" lIns="0" bIns="0" rIns="0">
+            <a:spAutoFit/>
+          </a:bodyPr>
+          <a:lstStyle/>
+          <a:p>
+            <a:pPr algn="ctr">
+              <a:lnSpc>
+                <a:spcPts val="1784"/>
+              </a:lnSpc>
+            </a:pPr>
+            <a:r>
+              <a:rPr lang="en-US" b="true" sz="1275">
+                <a:solidFill>
+                  <a:srgbClr val="000000"/>
+                </a:solidFill>
+                <a:latin typeface="Noto Sans Arabic Bold"/>
+                <a:ea typeface="Noto Sans Arabic Bold"/>
+                <a:cs typeface="Noto Sans Arabic Bold"/>
+                <a:sym typeface="Noto Sans Arabic Bold"/>
+              </a:rPr>
+              <a:t>{{HOSPITAL_NAME_AR}}</a:t>
+            </a:r>
+          </a:p>
+        </p:txBody>
+      </p:sp>
+      <p:sp>
+        <p:nvSpPr>
+          <p:cNvPr name="TextBox 64" id="64"/>
+          <p:cNvSpPr txBox="true"/>
+          <p:nvPr/>
+        </p:nvSpPr>
+        <p:spPr>
+          <a:xfrm rot="0">
+            <a:off x="5530853" y="11208210"/>
+            <a:ext cx="5161147" cy="205740"/>
+          </a:xfrm>
+          <a:prstGeom prst="rect">
+            <a:avLst/>
+          </a:prstGeom>
+        </p:spPr>
+        <p:txBody>
+          <a:bodyPr anchor="t" rtlCol="false" tIns="0" lIns="0" bIns="0" rIns="0">
+            <a:spAutoFit/>
+          </a:bodyPr>
+          <a:lstStyle/>
+          <a:p>
+            <a:pPr algn="ctr" rtl="true">
+              <a:lnSpc>
+                <a:spcPts val="1784"/>
+              </a:lnSpc>
+            </a:pPr>
+            <a:r>
+              <a:rPr lang="ar-EG" b="true" sz="1275">
+                <a:solidFill>
+                  <a:srgbClr val="000000"/>
+                </a:solidFill>
+                <a:latin typeface="Noto Sans Arabic Bold"/>
+                <a:ea typeface="Noto Sans Arabic Bold"/>
+                <a:cs typeface="Noto Sans Arabic Bold"/>
+                <a:sym typeface="Noto Sans Arabic Bold"/>
+                <a:rtl val="true"/>
+              </a:rPr>
+              <a:t>رقم الترخيص : </a:t>
+            </a:r>
+            <a:r>
+              <a:rPr lang="en-US" b="true" sz="1275">
+                <a:solidFill>
+                  <a:srgbClr val="000000"/>
+                </a:solidFill>
+                <a:latin typeface="Noto Sans Arabic Bold"/>
+                <a:ea typeface="Noto Sans Arabic Bold"/>
+                <a:cs typeface="Noto Sans Arabic Bold"/>
+                <a:sym typeface="Noto Sans Arabic Bold"/>
+              </a:rPr>
+              <a:t>1410101201200270</a:t>
+            </a:r>
+          </a:p>
+        </p:txBody>
+      </p:sp>
+      <p:sp>
+        <p:nvSpPr>
+          <p:cNvPr name="TextBox 65" id="65"/>
+          <p:cNvSpPr txBox="true"/>
+          <p:nvPr/>
+        </p:nvSpPr>
+        <p:spPr>
+          <a:xfrm rot="0">
+            <a:off x="476250" y="11553968"/>
+            <a:ext cx="2130288" cy="322421"/>
+          </a:xfrm>
+          <a:prstGeom prst="rect">
+            <a:avLst/>
+          </a:prstGeom>
+        </p:spPr>
+        <p:txBody>
+          <a:bodyPr anchor="t" rtlCol="false" tIns="0" lIns="0" bIns="0" rIns="0">
+            <a:spAutoFit/>
+          </a:bodyPr>
+          <a:lstStyle/>
+          <a:p>
+            <a:pPr algn="l">
+              <a:lnSpc>
+                <a:spcPts val="2741"/>
+              </a:lnSpc>
+            </a:pPr>
+            <a:r>
+              <a:rPr lang="en-US" b="true" sz="1275">
+                <a:solidFill>
+                  <a:srgbClr val="000000"/>
+                </a:solidFill>
+                <a:latin typeface="Times New Roman Bold"/>
+                <a:ea typeface="Times New Roman Bold"/>
+                <a:cs typeface="Times New Roman Bold"/>
+                <a:sym typeface="Times New Roman Bold"/>
+              </a:rPr>
+              <a:t>{{</a:t>
+            </a:r>
+            <a:r>
+              <a:rPr lang="en-US" b="true" sz="1275">
+                <a:solidFill>
+                  <a:srgbClr val="000000"/>
+                </a:solidFill>
+                <a:latin typeface="Times New Roman Bold"/>
+                <a:ea typeface="Times New Roman Bold"/>
+                <a:cs typeface="Times New Roman Bold"/>
+                <a:sym typeface="Times New Roman Bold"/>
+              </a:rPr>
+              <a:t>PRINT_TIME}}</a:t>
+            </a:r>
+          </a:p>
+        </p:txBody>
+      </p:sp>
+      <p:sp>
+        <p:nvSpPr>
+          <p:cNvPr name="TextBox 66" id="66"/>
+          <p:cNvSpPr txBox="true"/>
+          <p:nvPr/>
+        </p:nvSpPr>
+        <p:spPr>
+          <a:xfrm rot="0">
+            <a:off x="2521219" y="7972177"/>
+            <a:ext cx="3045297" cy="241935"/>
+          </a:xfrm>
+          <a:prstGeom prst="rect">
+            <a:avLst/>
+          </a:prstGeom>
+        </p:spPr>
+        <p:txBody>
+          <a:bodyPr anchor="t" rtlCol="false" tIns="0" lIns="0" bIns="0" rIns="0">
+            <a:spAutoFit/>
+          </a:bodyPr>
+          <a:lstStyle/>
+          <a:p>
+            <a:pPr algn="ctr">
+              <a:lnSpc>
+                <a:spcPts val="1889"/>
+              </a:lnSpc>
+            </a:pPr>
+            <a:r>
+              <a:rPr lang="en-US" sz="1350" spc="-4">
+                <a:solidFill>
+                  <a:srgbClr val="2C3E77"/>
+                </a:solidFill>
+                <a:latin typeface="Times New Roman"/>
+                <a:ea typeface="Times New Roman"/>
+                <a:cs typeface="Times New Roman"/>
+                <a:sym typeface="Times New Roman"/>
+              </a:rPr>
+              <a:t>{{DOCTOR_N</a:t>
+            </a:r>
+            <a:r>
+              <a:rPr lang="en-US" sz="1350" spc="-4">
+                <a:solidFill>
+                  <a:srgbClr val="2C3E77"/>
+                </a:solidFill>
+                <a:latin typeface="Times New Roman"/>
+                <a:ea typeface="Times New Roman"/>
+                <a:cs typeface="Times New Roman"/>
+                <a:sym typeface="Times New Roman"/>
+              </a:rPr>
+              <a:t>AME_EN}}</a:t>
+            </a:r>
+          </a:p>
+        </p:txBody>
+      </p:sp>
+      <p:sp>
+        <p:nvSpPr>
+          <p:cNvPr name="TextBox 67" id="67"/>
+          <p:cNvSpPr txBox="true"/>
+          <p:nvPr/>
+        </p:nvSpPr>
+        <p:spPr>
+          <a:xfrm rot="0">
+            <a:off x="4291884" y="2301223"/>
+            <a:ext cx="2255358" cy="333578"/>
+          </a:xfrm>
+          <a:prstGeom prst="rect">
+            <a:avLst/>
+          </a:prstGeom>
+        </p:spPr>
+        <p:txBody>
+          <a:bodyPr anchor="t" rtlCol="false" tIns="0" lIns="0" bIns="0" rIns="0">
+            <a:spAutoFit/>
+          </a:bodyPr>
+          <a:lstStyle/>
           <a:p>
             <a:pPr algn="ctr">
               <a:lnSpc>
@@ -3783,14 +5886,14 @@
               </a:lnSpc>
             </a:pPr>
             <a:r>
-              <a:rPr lang="en-US" sz="1867">
+              <a:rPr lang="en-US" b="true" sz="1867">
                 <a:solidFill>
                   <a:srgbClr val="2C3E77"/>
                 </a:solidFill>
-                <a:latin typeface="Arab Times"/>
-                <a:ea typeface="Arab Times"/>
-                <a:cs typeface="Arab Times"/>
-                <a:sym typeface="Arab Times"/>
+                <a:latin typeface="Times New Roman Bold"/>
+                <a:ea typeface="Times New Roman Bold"/>
+                <a:cs typeface="Times New Roman Bold"/>
+                <a:sym typeface="Times New Roman Bold"/>
               </a:rPr>
               <a:t>Sick Leave Report</a:t>
             </a:r>
@@ -3799,14 +5902,154 @@
       </p:sp>
       <p:sp>
         <p:nvSpPr>
-          <p:cNvPr name="TextBox 20" id="20"/>
+          <p:cNvPr name="TextBox 68" id="68"/>
           <p:cNvSpPr txBox="true"/>
           <p:nvPr/>
         </p:nvSpPr>
         <p:spPr>
           <a:xfrm rot="0">
-            <a:off x="1278131" y="5847617"/>
-            <a:ext cx="640242" cy="222885"/>
+            <a:off x="5530853" y="10895286"/>
+            <a:ext cx="5161147" cy="266957"/>
+          </a:xfrm>
+          <a:prstGeom prst="rect">
+            <a:avLst/>
+          </a:prstGeom>
+        </p:spPr>
+        <p:txBody>
+          <a:bodyPr anchor="t" rtlCol="false" tIns="0" lIns="0" bIns="0" rIns="0">
+            <a:spAutoFit/>
+          </a:bodyPr>
+          <a:lstStyle/>
+          <a:p>
+            <a:pPr algn="ctr">
+              <a:lnSpc>
+                <a:spcPts val="2127"/>
+              </a:lnSpc>
+            </a:pPr>
+            <a:r>
+              <a:rPr lang="en-US" b="true" sz="1275">
+                <a:solidFill>
+                  <a:srgbClr val="000000"/>
+                </a:solidFill>
+                <a:latin typeface="Times New Roman Bold"/>
+                <a:ea typeface="Times New Roman Bold"/>
+                <a:cs typeface="Times New Roman Bold"/>
+                <a:sym typeface="Times New Roman Bold"/>
+              </a:rPr>
+              <a:t>{{HOSPI</a:t>
+            </a:r>
+            <a:r>
+              <a:rPr lang="en-US" b="true" sz="1275">
+                <a:solidFill>
+                  <a:srgbClr val="000000"/>
+                </a:solidFill>
+                <a:latin typeface="Times New Roman Bold"/>
+                <a:ea typeface="Times New Roman Bold"/>
+                <a:cs typeface="Times New Roman Bold"/>
+                <a:sym typeface="Times New Roman Bold"/>
+              </a:rPr>
+              <a:t>TAL_NAME_EN}}</a:t>
+            </a:r>
+          </a:p>
+        </p:txBody>
+      </p:sp>
+      <p:sp>
+        <p:nvSpPr>
+          <p:cNvPr name="TextBox 69" id="69"/>
+          <p:cNvSpPr txBox="true"/>
+          <p:nvPr/>
+        </p:nvSpPr>
+        <p:spPr>
+          <a:xfrm rot="0">
+            <a:off x="476250" y="11904964"/>
+            <a:ext cx="2913563" cy="322421"/>
+          </a:xfrm>
+          <a:prstGeom prst="rect">
+            <a:avLst/>
+          </a:prstGeom>
+        </p:spPr>
+        <p:txBody>
+          <a:bodyPr anchor="t" rtlCol="false" tIns="0" lIns="0" bIns="0" rIns="0">
+            <a:spAutoFit/>
+          </a:bodyPr>
+          <a:lstStyle/>
+          <a:p>
+            <a:pPr algn="l">
+              <a:lnSpc>
+                <a:spcPts val="2741"/>
+              </a:lnSpc>
+            </a:pPr>
+            <a:r>
+              <a:rPr lang="en-US" b="true" sz="1275">
+                <a:solidFill>
+                  <a:srgbClr val="000000"/>
+                </a:solidFill>
+                <a:latin typeface="Times New Roman Bold"/>
+                <a:ea typeface="Times New Roman Bold"/>
+                <a:cs typeface="Times New Roman Bold"/>
+                <a:sym typeface="Times New Roman Bold"/>
+              </a:rPr>
+              <a:t>{{PRINT_DATE}}</a:t>
+            </a:r>
+          </a:p>
+        </p:txBody>
+      </p:sp>
+      <p:sp>
+        <p:nvSpPr>
+          <p:cNvPr name="Freeform 70" id="70"/>
+          <p:cNvSpPr/>
+          <p:nvPr/>
+        </p:nvSpPr>
+        <p:spPr>
+          <a:xfrm flipH="false" flipV="false" rot="0">
+            <a:off x="7475112" y="9291757"/>
+            <a:ext cx="1343147" cy="1217227"/>
+          </a:xfrm>
+          <a:custGeom>
+            <a:avLst/>
+            <a:gdLst/>
+            <a:ahLst/>
+            <a:cxnLst/>
+            <a:rect r="r" b="b" t="t" l="l"/>
+            <a:pathLst>
+              <a:path h="1217227" w="1343147">
+                <a:moveTo>
+                  <a:pt x="0" y="0"/>
+                </a:moveTo>
+                <a:lnTo>
+                  <a:pt x="1343146" y="0"/>
+                </a:lnTo>
+                <a:lnTo>
+                  <a:pt x="1343146" y="1217226"/>
+                </a:lnTo>
+                <a:lnTo>
+                  <a:pt x="0" y="1217226"/>
+                </a:lnTo>
+                <a:lnTo>
+                  <a:pt x="0" y="0"/>
+                </a:lnTo>
+                <a:close/>
+              </a:path>
+            </a:pathLst>
+          </a:custGeom>
+          <a:blipFill>
+            <a:blip r:embed="rId11"/>
+            <a:stretch>
+              <a:fillRect l="0" t="0" r="0" b="0"/>
+            </a:stretch>
+          </a:blipFill>
+        </p:spPr>
+      </p:sp>
+      <p:sp>
+        <p:nvSpPr>
+          <p:cNvPr name="TextBox 71" id="71"/>
+          <p:cNvSpPr txBox="true"/>
+          <p:nvPr/>
+        </p:nvSpPr>
+        <p:spPr>
+          <a:xfrm rot="0">
+            <a:off x="5871210" y="3694328"/>
+            <a:ext cx="169288" cy="241935"/>
           </a:xfrm>
           <a:prstGeom prst="rect">
             <a:avLst/>
@@ -3824,30 +6067,194 @@
               </a:lnSpc>
             </a:pPr>
             <a:r>
-              <a:rPr lang="en-US" sz="1350">
-                <a:solidFill>
-                  <a:srgbClr val="366FB5"/>
-                </a:solidFill>
-                <a:latin typeface="Fedra sans arabic"/>
-                <a:ea typeface="Fedra sans arabic"/>
-                <a:cs typeface="Fedra sans arabic"/>
-                <a:sym typeface="Fedra sans arabic"/>
-              </a:rPr>
-              <a:t>Name</a:t>
-            </a:r>
-          </a:p>
-        </p:txBody>
-      </p:sp>
-      <p:sp>
-        <p:nvSpPr>
-          <p:cNvPr name="TextBox 21" id="21"/>
+              <a:rPr lang="en-US" sz="1350" spc="-4">
+                <a:solidFill>
+                  <a:srgbClr val="FFFFFF"/>
+                </a:solidFill>
+                <a:latin typeface="Times New Roman"/>
+                <a:ea typeface="Times New Roman"/>
+                <a:cs typeface="Times New Roman"/>
+                <a:sym typeface="Times New Roman"/>
+              </a:rPr>
+              <a:t>( </a:t>
+            </a:r>
+          </a:p>
+        </p:txBody>
+      </p:sp>
+      <p:sp>
+        <p:nvSpPr>
+          <p:cNvPr name="TextBox 72" id="72"/>
           <p:cNvSpPr txBox="true"/>
           <p:nvPr/>
         </p:nvSpPr>
         <p:spPr>
           <a:xfrm rot="0">
-            <a:off x="1197102" y="8538115"/>
-            <a:ext cx="602456" cy="300885"/>
+            <a:off x="7530194" y="3708073"/>
+            <a:ext cx="397016" cy="241935"/>
+          </a:xfrm>
+          <a:prstGeom prst="rect">
+            <a:avLst/>
+          </a:prstGeom>
+        </p:spPr>
+        <p:txBody>
+          <a:bodyPr anchor="t" rtlCol="false" tIns="0" lIns="0" bIns="0" rIns="0">
+            <a:spAutoFit/>
+          </a:bodyPr>
+          <a:lstStyle/>
+          <a:p>
+            <a:pPr algn="r">
+              <a:lnSpc>
+                <a:spcPts val="1889"/>
+              </a:lnSpc>
+            </a:pPr>
+            <a:r>
+              <a:rPr lang="en-US" sz="1350" spc="-4">
+                <a:solidFill>
+                  <a:srgbClr val="FFFFFF"/>
+                </a:solidFill>
+                <a:latin typeface="Times New Roman"/>
+                <a:ea typeface="Times New Roman"/>
+                <a:cs typeface="Times New Roman"/>
+                <a:sym typeface="Times New Roman"/>
+              </a:rPr>
+              <a:t>) </a:t>
+            </a:r>
+          </a:p>
+        </p:txBody>
+      </p:sp>
+      <p:sp>
+        <p:nvSpPr>
+          <p:cNvPr name="TextBox 73" id="73"/>
+          <p:cNvSpPr txBox="true"/>
+          <p:nvPr/>
+        </p:nvSpPr>
+        <p:spPr>
+          <a:xfrm rot="0">
+            <a:off x="2896414" y="3694328"/>
+            <a:ext cx="354715" cy="241935"/>
+          </a:xfrm>
+          <a:prstGeom prst="rect">
+            <a:avLst/>
+          </a:prstGeom>
+        </p:spPr>
+        <p:txBody>
+          <a:bodyPr anchor="t" rtlCol="false" tIns="0" lIns="0" bIns="0" rIns="0">
+            <a:spAutoFit/>
+          </a:bodyPr>
+          <a:lstStyle/>
+          <a:p>
+            <a:pPr algn="ctr">
+              <a:lnSpc>
+                <a:spcPts val="1889"/>
+              </a:lnSpc>
+            </a:pPr>
+            <a:r>
+              <a:rPr lang="en-US" sz="1350" spc="-4">
+                <a:solidFill>
+                  <a:srgbClr val="FFFFFF"/>
+                </a:solidFill>
+                <a:latin typeface="Times New Roman"/>
+                <a:ea typeface="Times New Roman"/>
+                <a:cs typeface="Times New Roman"/>
+                <a:sym typeface="Times New Roman"/>
+              </a:rPr>
+              <a:t>day</a:t>
+            </a:r>
+          </a:p>
+        </p:txBody>
+      </p:sp>
+      <p:sp>
+        <p:nvSpPr>
+          <p:cNvPr name="TextBox 74" id="74"/>
+          <p:cNvSpPr txBox="true"/>
+          <p:nvPr/>
+        </p:nvSpPr>
+        <p:spPr>
+          <a:xfrm rot="0">
+            <a:off x="3202486" y="3694328"/>
+            <a:ext cx="169288" cy="241935"/>
+          </a:xfrm>
+          <a:prstGeom prst="rect">
+            <a:avLst/>
+          </a:prstGeom>
+        </p:spPr>
+        <p:txBody>
+          <a:bodyPr anchor="t" rtlCol="false" tIns="0" lIns="0" bIns="0" rIns="0">
+            <a:spAutoFit/>
+          </a:bodyPr>
+          <a:lstStyle/>
+          <a:p>
+            <a:pPr algn="ctr">
+              <a:lnSpc>
+                <a:spcPts val="1889"/>
+              </a:lnSpc>
+            </a:pPr>
+            <a:r>
+              <a:rPr lang="en-US" sz="1350" spc="-4">
+                <a:solidFill>
+                  <a:srgbClr val="FFFFFF"/>
+                </a:solidFill>
+                <a:latin typeface="Times New Roman"/>
+                <a:ea typeface="Times New Roman"/>
+                <a:cs typeface="Times New Roman"/>
+                <a:sym typeface="Times New Roman"/>
+              </a:rPr>
+              <a:t>( </a:t>
+            </a:r>
+          </a:p>
+        </p:txBody>
+      </p:sp>
+      <p:sp>
+        <p:nvSpPr>
+          <p:cNvPr name="TextBox 75" id="75"/>
+          <p:cNvSpPr txBox="true"/>
+          <p:nvPr/>
+        </p:nvSpPr>
+        <p:spPr>
+          <a:xfrm rot="0">
+            <a:off x="5184622" y="3690118"/>
+            <a:ext cx="184225" cy="241935"/>
+          </a:xfrm>
+          <a:prstGeom prst="rect">
+            <a:avLst/>
+          </a:prstGeom>
+        </p:spPr>
+        <p:txBody>
+          <a:bodyPr anchor="t" rtlCol="false" tIns="0" lIns="0" bIns="0" rIns="0">
+            <a:spAutoFit/>
+          </a:bodyPr>
+          <a:lstStyle/>
+          <a:p>
+            <a:pPr algn="just">
+              <a:lnSpc>
+                <a:spcPts val="1889"/>
+              </a:lnSpc>
+            </a:pPr>
+            <a:r>
+              <a:rPr lang="en-US" sz="1350" spc="-4">
+                <a:solidFill>
+                  <a:srgbClr val="FFFFFF"/>
+                </a:solidFill>
+                <a:latin typeface="Times New Roman"/>
+                <a:ea typeface="Times New Roman"/>
+                <a:cs typeface="Times New Roman"/>
+                <a:sym typeface="Times New Roman"/>
+              </a:rPr>
+              <a:t>) </a:t>
+            </a:r>
+          </a:p>
+        </p:txBody>
+      </p:sp>
+      <p:sp>
+        <p:nvSpPr>
+          <p:cNvPr name="TextBox 76" id="76"/>
+          <p:cNvSpPr txBox="true"/>
+          <p:nvPr/>
+        </p:nvSpPr>
+        <p:spPr>
+          <a:xfrm rot="0">
+            <a:off x="4182207" y="3686442"/>
+            <a:ext cx="354715" cy="241935"/>
           </a:xfrm>
           <a:prstGeom prst="rect">
             <a:avLst/>
@@ -3865,30 +6272,71 @@
               </a:lnSpc>
             </a:pPr>
             <a:r>
-              <a:rPr lang="en-US" sz="1350">
-                <a:solidFill>
-                  <a:srgbClr val="366FB5"/>
-                </a:solidFill>
-                <a:latin typeface="Arab Times"/>
-                <a:ea typeface="Arab Times"/>
-                <a:cs typeface="Arab Times"/>
-                <a:sym typeface="Arab Times"/>
-              </a:rPr>
-              <a:t>Position</a:t>
-            </a:r>
-          </a:p>
-        </p:txBody>
-      </p:sp>
-      <p:sp>
-        <p:nvSpPr>
-          <p:cNvPr name="TextBox 22" id="22"/>
+              <a:rPr lang="en-US" sz="1350" spc="-4">
+                <a:solidFill>
+                  <a:srgbClr val="FFFFFF"/>
+                </a:solidFill>
+                <a:latin typeface="Times New Roman"/>
+                <a:ea typeface="Times New Roman"/>
+                <a:cs typeface="Times New Roman"/>
+                <a:sym typeface="Times New Roman"/>
+              </a:rPr>
+              <a:t>to</a:t>
+            </a:r>
+          </a:p>
+        </p:txBody>
+      </p:sp>
+      <p:sp>
+        <p:nvSpPr>
+          <p:cNvPr name="TextBox 77" id="77"/>
           <p:cNvSpPr txBox="true"/>
           <p:nvPr/>
         </p:nvSpPr>
         <p:spPr>
           <a:xfrm rot="0">
-            <a:off x="1156716" y="3160805"/>
-            <a:ext cx="684828" cy="300885"/>
+            <a:off x="3213364" y="3685361"/>
+            <a:ext cx="917943" cy="718185"/>
+          </a:xfrm>
+          <a:prstGeom prst="rect">
+            <a:avLst/>
+          </a:prstGeom>
+        </p:spPr>
+        <p:txBody>
+          <a:bodyPr anchor="t" rtlCol="false" tIns="0" lIns="0" bIns="0" rIns="0">
+            <a:spAutoFit/>
+          </a:bodyPr>
+          <a:lstStyle/>
+          <a:p>
+            <a:pPr algn="r">
+              <a:lnSpc>
+                <a:spcPts val="1889"/>
+              </a:lnSpc>
+            </a:pPr>
+            <a:r>
+              <a:rPr lang="en-US" sz="1350" spc="-4">
+                <a:solidFill>
+                  <a:srgbClr val="FFFFFF"/>
+                </a:solidFill>
+                <a:latin typeface="Times New Roman"/>
+                <a:ea typeface="Times New Roman"/>
+                <a:cs typeface="Times New Roman"/>
+                <a:sym typeface="Times New Roman"/>
+              </a:rPr>
+              <a:t>{{ENTRY_DATE_GREGORIAN}}</a:t>
+            </a:r>
+          </a:p>
+        </p:txBody>
+      </p:sp>
+      <p:sp>
+        <p:nvSpPr>
+          <p:cNvPr name="TextBox 78" id="78"/>
+          <p:cNvSpPr txBox="true"/>
+          <p:nvPr/>
+        </p:nvSpPr>
+        <p:spPr>
+          <a:xfrm rot="0">
+            <a:off x="4358791" y="3685361"/>
+            <a:ext cx="917943" cy="718185"/>
           </a:xfrm>
           <a:prstGeom prst="rect">
             <a:avLst/>
@@ -3906,2287 +6354,16 @@
               </a:lnSpc>
             </a:pPr>
             <a:r>
-              <a:rPr lang="en-US" sz="1350">
-                <a:solidFill>
-                  <a:srgbClr val="366FB5"/>
-                </a:solidFill>
-                <a:latin typeface="Arab Times"/>
-                <a:ea typeface="Arab Times"/>
-                <a:cs typeface="Arab Times"/>
-                <a:sym typeface="Arab Times"/>
-              </a:rPr>
-              <a:t>Leave ID</a:t>
-            </a:r>
-          </a:p>
-        </p:txBody>
-      </p:sp>
-      <p:sp>
-        <p:nvSpPr>
-          <p:cNvPr name="TextBox 23" id="23"/>
-          <p:cNvSpPr txBox="true"/>
-          <p:nvPr/>
-        </p:nvSpPr>
-        <p:spPr>
-          <a:xfrm rot="0">
-            <a:off x="1130427" y="7438796"/>
-            <a:ext cx="738340" cy="300885"/>
-          </a:xfrm>
-          <a:prstGeom prst="rect">
-            <a:avLst/>
-          </a:prstGeom>
-        </p:spPr>
-        <p:txBody>
-          <a:bodyPr anchor="t" rtlCol="false" tIns="0" lIns="0" bIns="0" rIns="0">
-            <a:spAutoFit/>
-          </a:bodyPr>
-          <a:lstStyle/>
-          <a:p>
-            <a:pPr algn="l">
-              <a:lnSpc>
-                <a:spcPts val="1889"/>
-              </a:lnSpc>
-            </a:pPr>
-            <a:r>
-              <a:rPr lang="en-US" sz="1350">
-                <a:solidFill>
-                  <a:srgbClr val="366FB5"/>
-                </a:solidFill>
-                <a:latin typeface="Arab Times"/>
-                <a:ea typeface="Arab Times"/>
-                <a:cs typeface="Arab Times"/>
-                <a:sym typeface="Arab Times"/>
-              </a:rPr>
-              <a:t>Employer</a:t>
-            </a:r>
-          </a:p>
-        </p:txBody>
-      </p:sp>
-      <p:sp>
-        <p:nvSpPr>
-          <p:cNvPr name="TextBox 24" id="24"/>
-          <p:cNvSpPr txBox="true"/>
-          <p:nvPr/>
-        </p:nvSpPr>
-        <p:spPr>
-          <a:xfrm rot="0">
-            <a:off x="1113787" y="5314093"/>
-            <a:ext cx="975446" cy="222885"/>
-          </a:xfrm>
-          <a:prstGeom prst="rect">
-            <a:avLst/>
-          </a:prstGeom>
-        </p:spPr>
-        <p:txBody>
-          <a:bodyPr anchor="t" rtlCol="false" tIns="0" lIns="0" bIns="0" rIns="0">
-            <a:spAutoFit/>
-          </a:bodyPr>
-          <a:lstStyle/>
-          <a:p>
-            <a:pPr algn="l">
-              <a:lnSpc>
-                <a:spcPts val="1889"/>
-              </a:lnSpc>
-            </a:pPr>
-            <a:r>
-              <a:rPr lang="en-US" sz="1350">
-                <a:solidFill>
-                  <a:srgbClr val="366FB5"/>
-                </a:solidFill>
-                <a:latin typeface="Fedra sans arabic"/>
-                <a:ea typeface="Fedra sans arabic"/>
-                <a:cs typeface="Fedra sans arabic"/>
-                <a:sym typeface="Fedra sans arabic"/>
-              </a:rPr>
-              <a:t>Issue Date</a:t>
-            </a:r>
-          </a:p>
-        </p:txBody>
-      </p:sp>
-      <p:sp>
-        <p:nvSpPr>
-          <p:cNvPr name="TextBox 25" id="25"/>
-          <p:cNvSpPr txBox="true"/>
-          <p:nvPr/>
-        </p:nvSpPr>
-        <p:spPr>
-          <a:xfrm rot="0">
-            <a:off x="1082802" y="6905149"/>
-            <a:ext cx="835571" cy="300885"/>
-          </a:xfrm>
-          <a:prstGeom prst="rect">
-            <a:avLst/>
-          </a:prstGeom>
-        </p:spPr>
-        <p:txBody>
-          <a:bodyPr anchor="t" rtlCol="false" tIns="0" lIns="0" bIns="0" rIns="0">
-            <a:spAutoFit/>
-          </a:bodyPr>
-          <a:lstStyle/>
-          <a:p>
-            <a:pPr algn="l">
-              <a:lnSpc>
-                <a:spcPts val="1889"/>
-              </a:lnSpc>
-            </a:pPr>
-            <a:r>
-              <a:rPr lang="en-US" sz="1350">
-                <a:solidFill>
-                  <a:srgbClr val="366FB5"/>
-                </a:solidFill>
-                <a:latin typeface="Arab Times"/>
-                <a:ea typeface="Arab Times"/>
-                <a:cs typeface="Arab Times"/>
-                <a:sym typeface="Arab Times"/>
-              </a:rPr>
-              <a:t>Nationality</a:t>
-            </a:r>
-          </a:p>
-        </p:txBody>
-      </p:sp>
-      <p:sp>
-        <p:nvSpPr>
-          <p:cNvPr name="TextBox 26" id="26"/>
-          <p:cNvSpPr txBox="true"/>
-          <p:nvPr/>
-        </p:nvSpPr>
-        <p:spPr>
-          <a:xfrm rot="0">
-            <a:off x="918591" y="3703853"/>
-            <a:ext cx="1170642" cy="300885"/>
-          </a:xfrm>
-          <a:prstGeom prst="rect">
-            <a:avLst/>
-          </a:prstGeom>
-        </p:spPr>
-        <p:txBody>
-          <a:bodyPr anchor="t" rtlCol="false" tIns="0" lIns="0" bIns="0" rIns="0">
-            <a:spAutoFit/>
-          </a:bodyPr>
-          <a:lstStyle/>
-          <a:p>
-            <a:pPr algn="l">
-              <a:lnSpc>
-                <a:spcPts val="1889"/>
-              </a:lnSpc>
-            </a:pPr>
-            <a:r>
-              <a:rPr lang="en-US" sz="1350">
+              <a:rPr lang="en-US" sz="1350" spc="-4">
                 <a:solidFill>
                   <a:srgbClr val="FFFFFF"/>
                 </a:solidFill>
-                <a:latin typeface="Arab Times"/>
-                <a:ea typeface="Arab Times"/>
-                <a:cs typeface="Arab Times"/>
-                <a:sym typeface="Arab Times"/>
-              </a:rPr>
-              <a:t>Leave Duration</a:t>
-            </a:r>
-          </a:p>
-        </p:txBody>
-      </p:sp>
-      <p:sp>
-        <p:nvSpPr>
-          <p:cNvPr name="TextBox 27" id="27"/>
-          <p:cNvSpPr txBox="true"/>
-          <p:nvPr/>
-        </p:nvSpPr>
-        <p:spPr>
-          <a:xfrm rot="0">
-            <a:off x="932945" y="4780559"/>
-            <a:ext cx="1324756" cy="222885"/>
-          </a:xfrm>
-          <a:prstGeom prst="rect">
-            <a:avLst/>
-          </a:prstGeom>
-        </p:spPr>
-        <p:txBody>
-          <a:bodyPr anchor="t" rtlCol="false" tIns="0" lIns="0" bIns="0" rIns="0">
-            <a:spAutoFit/>
-          </a:bodyPr>
-          <a:lstStyle/>
-          <a:p>
-            <a:pPr algn="l">
-              <a:lnSpc>
-                <a:spcPts val="1889"/>
-              </a:lnSpc>
-            </a:pPr>
-            <a:r>
-              <a:rPr lang="en-US" sz="1350">
-                <a:solidFill>
-                  <a:srgbClr val="366FB5"/>
-                </a:solidFill>
-                <a:latin typeface="Fedra sans arabic"/>
-                <a:ea typeface="Fedra sans arabic"/>
-                <a:cs typeface="Fedra sans arabic"/>
-                <a:sym typeface="Fedra sans arabic"/>
-              </a:rPr>
-              <a:t>Discharge Date</a:t>
-            </a:r>
-          </a:p>
-        </p:txBody>
-      </p:sp>
-      <p:sp>
-        <p:nvSpPr>
-          <p:cNvPr name="TextBox 28" id="28"/>
-          <p:cNvSpPr txBox="true"/>
-          <p:nvPr/>
-        </p:nvSpPr>
-        <p:spPr>
-          <a:xfrm rot="0">
-            <a:off x="913762" y="4227862"/>
-            <a:ext cx="1709299" cy="241935"/>
-          </a:xfrm>
-          <a:prstGeom prst="rect">
-            <a:avLst/>
-          </a:prstGeom>
-        </p:spPr>
-        <p:txBody>
-          <a:bodyPr anchor="t" rtlCol="false" tIns="0" lIns="0" bIns="0" rIns="0">
-            <a:spAutoFit/>
-          </a:bodyPr>
-          <a:lstStyle/>
-          <a:p>
-            <a:pPr algn="l">
-              <a:lnSpc>
-                <a:spcPts val="1889"/>
-              </a:lnSpc>
-            </a:pPr>
-            <a:r>
-              <a:rPr lang="en-US" b="true" sz="1350">
-                <a:solidFill>
-                  <a:srgbClr val="366FB5"/>
-                </a:solidFill>
-                <a:latin typeface="Times New Roman Bold"/>
-                <a:ea typeface="Times New Roman Bold"/>
-                <a:cs typeface="Times New Roman Bold"/>
-                <a:sym typeface="Times New Roman Bold"/>
-              </a:rPr>
-              <a:t>Admission Date</a:t>
-            </a:r>
-          </a:p>
-        </p:txBody>
-      </p:sp>
-      <p:sp>
-        <p:nvSpPr>
-          <p:cNvPr name="TextBox 29" id="29"/>
-          <p:cNvSpPr txBox="true"/>
-          <p:nvPr/>
-        </p:nvSpPr>
-        <p:spPr>
-          <a:xfrm rot="0">
-            <a:off x="813940" y="7988456"/>
-            <a:ext cx="1383992" cy="300885"/>
-          </a:xfrm>
-          <a:prstGeom prst="rect">
-            <a:avLst/>
-          </a:prstGeom>
-        </p:spPr>
-        <p:txBody>
-          <a:bodyPr anchor="t" rtlCol="false" tIns="0" lIns="0" bIns="0" rIns="0">
-            <a:spAutoFit/>
-          </a:bodyPr>
-          <a:lstStyle/>
-          <a:p>
-            <a:pPr algn="l">
-              <a:lnSpc>
-                <a:spcPts val="1889"/>
-              </a:lnSpc>
-            </a:pPr>
-            <a:r>
-              <a:rPr lang="en-US" sz="1350">
-                <a:solidFill>
-                  <a:srgbClr val="366FB5"/>
-                </a:solidFill>
-                <a:latin typeface="Arab Times"/>
-                <a:ea typeface="Arab Times"/>
-                <a:cs typeface="Arab Times"/>
-                <a:sym typeface="Arab Times"/>
-              </a:rPr>
-              <a:t>Practitioner Name</a:t>
-            </a:r>
-          </a:p>
-        </p:txBody>
-      </p:sp>
-      <p:sp>
-        <p:nvSpPr>
-          <p:cNvPr name="TextBox 30" id="30"/>
-          <p:cNvSpPr txBox="true"/>
-          <p:nvPr/>
-        </p:nvSpPr>
-        <p:spPr>
-          <a:xfrm rot="0">
-            <a:off x="756542" y="6371615"/>
-            <a:ext cx="1501159" cy="300885"/>
-          </a:xfrm>
-          <a:prstGeom prst="rect">
-            <a:avLst/>
-          </a:prstGeom>
-        </p:spPr>
-        <p:txBody>
-          <a:bodyPr anchor="t" rtlCol="false" tIns="0" lIns="0" bIns="0" rIns="0">
-            <a:spAutoFit/>
-          </a:bodyPr>
-          <a:lstStyle/>
-          <a:p>
-            <a:pPr algn="l">
-              <a:lnSpc>
-                <a:spcPts val="1889"/>
-              </a:lnSpc>
-            </a:pPr>
-            <a:r>
-              <a:rPr lang="en-US" sz="1350">
-                <a:solidFill>
-                  <a:srgbClr val="366FB5"/>
-                </a:solidFill>
-                <a:latin typeface="Arab Times"/>
-                <a:ea typeface="Arab Times"/>
-                <a:cs typeface="Arab Times"/>
-                <a:sym typeface="Arab Times"/>
-              </a:rPr>
-              <a:t>National ID / Iqama</a:t>
-            </a:r>
-          </a:p>
-        </p:txBody>
-      </p:sp>
-      <p:sp>
-        <p:nvSpPr>
-          <p:cNvPr name="TextBox 31" id="31"/>
-          <p:cNvSpPr txBox="true"/>
-          <p:nvPr/>
-        </p:nvSpPr>
-        <p:spPr>
-          <a:xfrm rot="0">
-            <a:off x="2522466" y="5868734"/>
-            <a:ext cx="3008388" cy="222885"/>
-          </a:xfrm>
-          <a:prstGeom prst="rect">
-            <a:avLst/>
-          </a:prstGeom>
-        </p:spPr>
-        <p:txBody>
-          <a:bodyPr anchor="t" rtlCol="false" tIns="0" lIns="0" bIns="0" rIns="0">
-            <a:spAutoFit/>
-          </a:bodyPr>
-          <a:lstStyle/>
-          <a:p>
-            <a:pPr algn="ctr">
-              <a:lnSpc>
-                <a:spcPts val="1889"/>
-              </a:lnSpc>
-            </a:pPr>
-            <a:r>
-              <a:rPr lang="en-US" sz="1350" spc="-4">
-                <a:solidFill>
-                  <a:srgbClr val="2C3E77"/>
-                </a:solidFill>
-                <a:latin typeface="Fedra sans arabic"/>
-                <a:ea typeface="Fedra sans arabic"/>
-                <a:cs typeface="Fedra sans arabic"/>
-                <a:sym typeface="Fedra sans arabic"/>
-              </a:rPr>
-              <a:t>{{N</a:t>
-            </a:r>
-            <a:r>
-              <a:rPr lang="en-US" sz="1350" spc="-4">
-                <a:solidFill>
-                  <a:srgbClr val="2C3E77"/>
-                </a:solidFill>
-                <a:latin typeface="Fedra sans arabic"/>
-                <a:ea typeface="Fedra sans arabic"/>
-                <a:cs typeface="Fedra sans arabic"/>
-                <a:sym typeface="Fedra sans arabic"/>
-              </a:rPr>
-              <a:t>AME_EN}}</a:t>
-            </a:r>
-          </a:p>
-        </p:txBody>
-      </p:sp>
-      <p:sp>
-        <p:nvSpPr>
-          <p:cNvPr name="TextBox 32" id="32"/>
-          <p:cNvSpPr txBox="true"/>
-          <p:nvPr/>
-        </p:nvSpPr>
-        <p:spPr>
-          <a:xfrm rot="0">
-            <a:off x="2823086" y="3699643"/>
-            <a:ext cx="2486777" cy="304152"/>
-          </a:xfrm>
-          <a:prstGeom prst="rect">
-            <a:avLst/>
-          </a:prstGeom>
-        </p:spPr>
-        <p:txBody>
-          <a:bodyPr anchor="t" rtlCol="false" tIns="0" lIns="0" bIns="0" rIns="0">
-            <a:spAutoFit/>
-          </a:bodyPr>
-          <a:lstStyle/>
-          <a:p>
-            <a:pPr algn="l">
-              <a:lnSpc>
-                <a:spcPts val="1889"/>
-              </a:lnSpc>
-            </a:pPr>
-            <a:r>
-              <a:rPr lang="en-US" sz="1350" spc="-4">
-                <a:solidFill>
-                  <a:srgbClr val="FFFFFF"/>
-                </a:solidFill>
-                <a:latin typeface="Open Sans"/>
-                <a:ea typeface="Open Sans"/>
-                <a:cs typeface="Open Sans"/>
-                <a:sym typeface="Open Sans"/>
-              </a:rPr>
-              <a:t>1 day ( 29-06-2025 to 29-06-2025 )</a:t>
-            </a:r>
-          </a:p>
-        </p:txBody>
-      </p:sp>
-      <p:sp>
-        <p:nvSpPr>
-          <p:cNvPr name="TextBox 33" id="33"/>
-          <p:cNvSpPr txBox="true"/>
-          <p:nvPr/>
-        </p:nvSpPr>
-        <p:spPr>
-          <a:xfrm rot="0">
-            <a:off x="3956428" y="7291711"/>
-            <a:ext cx="174879" cy="447027"/>
-          </a:xfrm>
-          <a:prstGeom prst="rect">
-            <a:avLst/>
-          </a:prstGeom>
-        </p:spPr>
-        <p:txBody>
-          <a:bodyPr anchor="t" rtlCol="false" tIns="0" lIns="0" bIns="0" rIns="0">
-            <a:spAutoFit/>
-          </a:bodyPr>
-          <a:lstStyle/>
-          <a:p>
-            <a:pPr algn="l">
-              <a:lnSpc>
-                <a:spcPts val="3375"/>
-              </a:lnSpc>
-            </a:pPr>
-            <a:r>
-              <a:rPr lang="en-US" sz="1350" spc="-4">
-                <a:solidFill>
-                  <a:srgbClr val="2C3E77"/>
-                </a:solidFill>
-                <a:latin typeface="Open Sans"/>
-                <a:ea typeface="Open Sans"/>
-                <a:cs typeface="Open Sans"/>
-                <a:sym typeface="Open Sans"/>
-              </a:rPr>
-              <a:t>    </a:t>
-            </a:r>
-          </a:p>
-        </p:txBody>
-      </p:sp>
-      <p:sp>
-        <p:nvSpPr>
-          <p:cNvPr name="TextBox 34" id="34"/>
-          <p:cNvSpPr txBox="true"/>
-          <p:nvPr/>
-        </p:nvSpPr>
-        <p:spPr>
-          <a:xfrm rot="0">
-            <a:off x="2551061" y="5346182"/>
-            <a:ext cx="6018267" cy="232410"/>
-          </a:xfrm>
-          <a:prstGeom prst="rect">
-            <a:avLst/>
-          </a:prstGeom>
-        </p:spPr>
-        <p:txBody>
-          <a:bodyPr anchor="t" rtlCol="false" tIns="0" lIns="0" bIns="0" rIns="0">
-            <a:spAutoFit/>
-          </a:bodyPr>
-          <a:lstStyle/>
-          <a:p>
-            <a:pPr algn="ctr">
-              <a:lnSpc>
-                <a:spcPts val="1889"/>
-              </a:lnSpc>
-            </a:pPr>
-            <a:r>
-              <a:rPr lang="en-US" sz="1350" spc="-4">
-                <a:solidFill>
-                  <a:srgbClr val="2C3E77"/>
-                </a:solidFill>
-                <a:latin typeface="Open Sans"/>
-                <a:ea typeface="Open Sans"/>
-                <a:cs typeface="Open Sans"/>
-                <a:sym typeface="Open Sans"/>
-              </a:rPr>
-              <a:t>{{REPORT_ISSUE_DATE}}</a:t>
-            </a:r>
-          </a:p>
-        </p:txBody>
-      </p:sp>
-      <p:sp>
-        <p:nvSpPr>
-          <p:cNvPr name="TextBox 35" id="35"/>
-          <p:cNvSpPr txBox="true"/>
-          <p:nvPr/>
-        </p:nvSpPr>
-        <p:spPr>
-          <a:xfrm rot="0">
-            <a:off x="2551061" y="6405853"/>
-            <a:ext cx="6018267" cy="232410"/>
-          </a:xfrm>
-          <a:prstGeom prst="rect">
-            <a:avLst/>
-          </a:prstGeom>
-        </p:spPr>
-        <p:txBody>
-          <a:bodyPr anchor="t" rtlCol="false" tIns="0" lIns="0" bIns="0" rIns="0">
-            <a:spAutoFit/>
-          </a:bodyPr>
-          <a:lstStyle/>
-          <a:p>
-            <a:pPr algn="ctr">
-              <a:lnSpc>
-                <a:spcPts val="1889"/>
-              </a:lnSpc>
-            </a:pPr>
-            <a:r>
-              <a:rPr lang="en-US" sz="1350" spc="-4">
-                <a:solidFill>
-                  <a:srgbClr val="2C3E77"/>
-                </a:solidFill>
-                <a:latin typeface="Open Sans"/>
-                <a:ea typeface="Open Sans"/>
-                <a:cs typeface="Open Sans"/>
-                <a:sym typeface="Open Sans"/>
-              </a:rPr>
-              <a:t>{{ID_NUMBER}}</a:t>
-            </a:r>
-          </a:p>
-        </p:txBody>
-      </p:sp>
-      <p:sp>
-        <p:nvSpPr>
-          <p:cNvPr name="TextBox 36" id="36"/>
-          <p:cNvSpPr txBox="true"/>
-          <p:nvPr/>
-        </p:nvSpPr>
-        <p:spPr>
-          <a:xfrm rot="0">
-            <a:off x="4937379" y="3156595"/>
-            <a:ext cx="1559147" cy="232410"/>
-          </a:xfrm>
-          <a:prstGeom prst="rect">
-            <a:avLst/>
-          </a:prstGeom>
-        </p:spPr>
-        <p:txBody>
-          <a:bodyPr anchor="t" rtlCol="false" tIns="0" lIns="0" bIns="0" rIns="0">
-            <a:spAutoFit/>
-          </a:bodyPr>
-          <a:lstStyle/>
-          <a:p>
-            <a:pPr algn="l">
-              <a:lnSpc>
-                <a:spcPts val="1889"/>
-              </a:lnSpc>
-            </a:pPr>
-            <a:r>
-              <a:rPr lang="en-US" sz="1350" spc="-4">
-                <a:solidFill>
-                  <a:srgbClr val="2C3E77"/>
-                </a:solidFill>
-                <a:latin typeface="Open Sans"/>
-                <a:ea typeface="Open Sans"/>
-                <a:cs typeface="Open Sans"/>
-                <a:sym typeface="Open Sans"/>
-              </a:rPr>
-              <a:t>{{</a:t>
-            </a:r>
-            <a:r>
-              <a:rPr lang="en-US" sz="1350" spc="-4">
-                <a:solidFill>
-                  <a:srgbClr val="2C3E77"/>
-                </a:solidFill>
-                <a:latin typeface="Open Sans"/>
-                <a:ea typeface="Open Sans"/>
-                <a:cs typeface="Open Sans"/>
-                <a:sym typeface="Open Sans"/>
-              </a:rPr>
-              <a:t>SERVICE_CODE}}</a:t>
-            </a:r>
-          </a:p>
-        </p:txBody>
-      </p:sp>
-      <p:sp>
-        <p:nvSpPr>
-          <p:cNvPr name="TextBox 37" id="37"/>
-          <p:cNvSpPr txBox="true"/>
-          <p:nvPr/>
-        </p:nvSpPr>
-        <p:spPr>
-          <a:xfrm rot="0">
-            <a:off x="5871210" y="3706254"/>
-            <a:ext cx="917943" cy="304152"/>
-          </a:xfrm>
-          <a:prstGeom prst="rect">
-            <a:avLst/>
-          </a:prstGeom>
-        </p:spPr>
-        <p:txBody>
-          <a:bodyPr anchor="t" rtlCol="false" tIns="0" lIns="0" bIns="0" rIns="0">
-            <a:spAutoFit/>
-          </a:bodyPr>
-          <a:lstStyle/>
-          <a:p>
-            <a:pPr algn="l">
-              <a:lnSpc>
-                <a:spcPts val="1889"/>
-              </a:lnSpc>
-            </a:pPr>
-            <a:r>
-              <a:rPr lang="en-US" sz="1350" spc="-4">
-                <a:solidFill>
-                  <a:srgbClr val="FFFFFF"/>
-                </a:solidFill>
-                <a:latin typeface="Open Sans"/>
-                <a:ea typeface="Open Sans"/>
-                <a:cs typeface="Open Sans"/>
-                <a:sym typeface="Open Sans"/>
-              </a:rPr>
-              <a:t>(04-01-1447 </a:t>
-            </a:r>
-          </a:p>
-        </p:txBody>
-      </p:sp>
-      <p:sp>
-        <p:nvSpPr>
-          <p:cNvPr name="TextBox 38" id="38"/>
-          <p:cNvSpPr txBox="true"/>
-          <p:nvPr/>
-        </p:nvSpPr>
-        <p:spPr>
-          <a:xfrm rot="0">
-            <a:off x="5564572" y="4802695"/>
-            <a:ext cx="3004756" cy="232410"/>
-          </a:xfrm>
-          <a:prstGeom prst="rect">
-            <a:avLst/>
-          </a:prstGeom>
-        </p:spPr>
-        <p:txBody>
-          <a:bodyPr anchor="t" rtlCol="false" tIns="0" lIns="0" bIns="0" rIns="0">
-            <a:spAutoFit/>
-          </a:bodyPr>
-          <a:lstStyle/>
-          <a:p>
-            <a:pPr algn="ctr">
-              <a:lnSpc>
-                <a:spcPts val="1889"/>
-              </a:lnSpc>
-            </a:pPr>
-            <a:r>
-              <a:rPr lang="en-US" sz="1350" spc="-4">
-                <a:solidFill>
-                  <a:srgbClr val="2C3E77"/>
-                </a:solidFill>
-                <a:latin typeface="Open Sans"/>
-                <a:ea typeface="Open Sans"/>
-                <a:cs typeface="Open Sans"/>
-                <a:sym typeface="Open Sans"/>
-              </a:rPr>
-              <a:t>{{EXIT_DATE_HIJRI}}</a:t>
-            </a:r>
-          </a:p>
-        </p:txBody>
-      </p:sp>
-      <p:sp>
-        <p:nvSpPr>
-          <p:cNvPr name="TextBox 39" id="39"/>
-          <p:cNvSpPr txBox="true"/>
-          <p:nvPr/>
-        </p:nvSpPr>
-        <p:spPr>
-          <a:xfrm rot="0">
-            <a:off x="6982711" y="3596354"/>
-            <a:ext cx="963387" cy="474916"/>
-          </a:xfrm>
-          <a:prstGeom prst="rect">
-            <a:avLst/>
-          </a:prstGeom>
-        </p:spPr>
-        <p:txBody>
-          <a:bodyPr anchor="t" rtlCol="false" tIns="0" lIns="0" bIns="0" rIns="0">
-            <a:spAutoFit/>
-          </a:bodyPr>
-          <a:lstStyle/>
-          <a:p>
-            <a:pPr algn="l">
-              <a:lnSpc>
-                <a:spcPts val="1889"/>
-              </a:lnSpc>
-            </a:pPr>
-            <a:r>
-              <a:rPr lang="en-US" sz="1350" spc="-4">
-                <a:solidFill>
-                  <a:srgbClr val="FFFFFF"/>
-                </a:solidFill>
-                <a:latin typeface="Open Sans"/>
-                <a:ea typeface="Open Sans"/>
-                <a:cs typeface="Open Sans"/>
-                <a:sym typeface="Open Sans"/>
-              </a:rPr>
-              <a:t> 04-01-1447) </a:t>
-            </a:r>
-          </a:p>
-        </p:txBody>
-      </p:sp>
-      <p:sp>
-        <p:nvSpPr>
-          <p:cNvPr name="TextBox 40" id="40"/>
-          <p:cNvSpPr txBox="true"/>
-          <p:nvPr/>
-        </p:nvSpPr>
-        <p:spPr>
-          <a:xfrm rot="0">
-            <a:off x="8142351" y="3706254"/>
-            <a:ext cx="131159" cy="304152"/>
-          </a:xfrm>
-          <a:prstGeom prst="rect">
-            <a:avLst/>
-          </a:prstGeom>
-        </p:spPr>
-        <p:txBody>
-          <a:bodyPr anchor="t" rtlCol="false" tIns="0" lIns="0" bIns="0" rIns="0">
-            <a:spAutoFit/>
-          </a:bodyPr>
-          <a:lstStyle/>
-          <a:p>
-            <a:pPr algn="l">
-              <a:lnSpc>
-                <a:spcPts val="1889"/>
-              </a:lnSpc>
-            </a:pPr>
-            <a:r>
-              <a:rPr lang="en-US" sz="1350" spc="-4">
-                <a:solidFill>
-                  <a:srgbClr val="FFFFFF"/>
-                </a:solidFill>
-                <a:latin typeface="Open Sans"/>
-                <a:ea typeface="Open Sans"/>
-                <a:cs typeface="Open Sans"/>
-                <a:sym typeface="Open Sans"/>
-              </a:rPr>
-              <a:t> 1</a:t>
-            </a:r>
-          </a:p>
-        </p:txBody>
-      </p:sp>
-      <p:sp>
-        <p:nvSpPr>
-          <p:cNvPr name="TextBox 41" id="41"/>
-          <p:cNvSpPr txBox="true"/>
-          <p:nvPr/>
-        </p:nvSpPr>
-        <p:spPr>
-          <a:xfrm rot="0">
-            <a:off x="6771132" y="3697100"/>
-            <a:ext cx="215798" cy="273406"/>
-          </a:xfrm>
-          <a:prstGeom prst="rect">
-            <a:avLst/>
-          </a:prstGeom>
-        </p:spPr>
-        <p:txBody>
-          <a:bodyPr anchor="t" rtlCol="false" tIns="0" lIns="0" bIns="0" rIns="0">
-            <a:spAutoFit/>
-          </a:bodyPr>
-          <a:lstStyle/>
-          <a:p>
-            <a:pPr algn="l" rtl="true">
-              <a:lnSpc>
-                <a:spcPts val="1889"/>
-              </a:lnSpc>
-            </a:pPr>
-            <a:r>
-              <a:rPr lang="ar-EG" sz="1350">
-                <a:solidFill>
-                  <a:srgbClr val="FFFFFF"/>
-                </a:solidFill>
-                <a:latin typeface="Noto Sans Arabic"/>
-                <a:ea typeface="Noto Sans Arabic"/>
-                <a:cs typeface="Noto Sans Arabic"/>
-                <a:sym typeface="Noto Sans Arabic"/>
-                <a:rtl val="true"/>
-              </a:rPr>
-              <a:t>الىلى</a:t>
-            </a:r>
-          </a:p>
-        </p:txBody>
-      </p:sp>
-      <p:sp>
-        <p:nvSpPr>
-          <p:cNvPr name="TextBox 42" id="42"/>
-          <p:cNvSpPr txBox="true"/>
-          <p:nvPr/>
-        </p:nvSpPr>
-        <p:spPr>
-          <a:xfrm rot="0">
-            <a:off x="5540378" y="5868481"/>
-            <a:ext cx="3028950" cy="232410"/>
-          </a:xfrm>
-          <a:prstGeom prst="rect">
-            <a:avLst/>
-          </a:prstGeom>
-        </p:spPr>
-        <p:txBody>
-          <a:bodyPr anchor="t" rtlCol="false" tIns="0" lIns="0" bIns="0" rIns="0">
-            <a:spAutoFit/>
-          </a:bodyPr>
-          <a:lstStyle/>
-          <a:p>
-            <a:pPr algn="ctr">
-              <a:lnSpc>
-                <a:spcPts val="1889"/>
-              </a:lnSpc>
-            </a:pPr>
-            <a:r>
-              <a:rPr lang="en-US" sz="1350">
-                <a:solidFill>
-                  <a:srgbClr val="2C3E77"/>
-                </a:solidFill>
-                <a:latin typeface="Noto Sans Arabic"/>
-                <a:ea typeface="Noto Sans Arabic"/>
-                <a:cs typeface="Noto Sans Arabic"/>
-                <a:sym typeface="Noto Sans Arabic"/>
-              </a:rPr>
-              <a:t>{{NAME_AR}}</a:t>
-            </a:r>
-          </a:p>
-        </p:txBody>
-      </p:sp>
-      <p:sp>
-        <p:nvSpPr>
-          <p:cNvPr name="TextBox 43" id="43"/>
-          <p:cNvSpPr txBox="true"/>
-          <p:nvPr/>
-        </p:nvSpPr>
-        <p:spPr>
-          <a:xfrm rot="0">
-            <a:off x="7927210" y="3697100"/>
-            <a:ext cx="219475" cy="273406"/>
-          </a:xfrm>
-          <a:prstGeom prst="rect">
-            <a:avLst/>
-          </a:prstGeom>
-        </p:spPr>
-        <p:txBody>
-          <a:bodyPr anchor="t" rtlCol="false" tIns="0" lIns="0" bIns="0" rIns="0">
-            <a:spAutoFit/>
-          </a:bodyPr>
-          <a:lstStyle/>
-          <a:p>
-            <a:pPr algn="l" rtl="true">
-              <a:lnSpc>
-                <a:spcPts val="1889"/>
-              </a:lnSpc>
-            </a:pPr>
-            <a:r>
-              <a:rPr lang="ar-EG" sz="1350">
-                <a:solidFill>
-                  <a:srgbClr val="FFFFFF"/>
-                </a:solidFill>
-                <a:latin typeface="Noto Sans Arabic"/>
-                <a:ea typeface="Noto Sans Arabic"/>
-                <a:cs typeface="Noto Sans Arabic"/>
-                <a:sym typeface="Noto Sans Arabic"/>
-                <a:rtl val="true"/>
-              </a:rPr>
-              <a:t>يوم</a:t>
-            </a:r>
-          </a:p>
-        </p:txBody>
-      </p:sp>
-      <p:sp>
-        <p:nvSpPr>
-          <p:cNvPr name="TextBox 44" id="44"/>
-          <p:cNvSpPr txBox="true"/>
-          <p:nvPr/>
-        </p:nvSpPr>
-        <p:spPr>
-          <a:xfrm rot="0">
-            <a:off x="8719185" y="6270536"/>
-            <a:ext cx="544906" cy="476802"/>
-          </a:xfrm>
-          <a:prstGeom prst="rect">
-            <a:avLst/>
-          </a:prstGeom>
-        </p:spPr>
-        <p:txBody>
-          <a:bodyPr anchor="t" rtlCol="false" tIns="0" lIns="0" bIns="0" rIns="0">
-            <a:spAutoFit/>
-          </a:bodyPr>
-          <a:lstStyle/>
-          <a:p>
-            <a:pPr algn="l" rtl="true">
-              <a:lnSpc>
-                <a:spcPts val="1889"/>
-              </a:lnSpc>
-            </a:pPr>
-            <a:r>
-              <a:rPr lang="ar-EG" sz="1350">
-                <a:solidFill>
-                  <a:srgbClr val="366FB5"/>
-                </a:solidFill>
-                <a:latin typeface="Noto Sans Arabic"/>
-                <a:ea typeface="Noto Sans Arabic"/>
-                <a:cs typeface="Noto Sans Arabic"/>
-                <a:sym typeface="Noto Sans Arabic"/>
-                <a:rtl val="true"/>
-              </a:rPr>
-              <a:t> </a:t>
-            </a:r>
-            <a:r>
-              <a:rPr lang="ar-EG" b="true" sz="1350">
-                <a:solidFill>
-                  <a:srgbClr val="366FB5"/>
-                </a:solidFill>
-                <a:latin typeface="Noto Sans Arabic Bold"/>
-                <a:ea typeface="Noto Sans Arabic Bold"/>
-                <a:cs typeface="Noto Sans Arabic Bold"/>
-                <a:sym typeface="Noto Sans Arabic Bold"/>
-                <a:rtl val="true"/>
-              </a:rPr>
-              <a:t>الإلإقامة</a:t>
-            </a:r>
-          </a:p>
-        </p:txBody>
-      </p:sp>
-      <p:sp>
-        <p:nvSpPr>
-          <p:cNvPr name="TextBox 45" id="45"/>
-          <p:cNvSpPr txBox="true"/>
-          <p:nvPr/>
-        </p:nvSpPr>
-        <p:spPr>
-          <a:xfrm rot="0">
-            <a:off x="9195178" y="5838711"/>
-            <a:ext cx="439998" cy="273406"/>
-          </a:xfrm>
-          <a:prstGeom prst="rect">
-            <a:avLst/>
-          </a:prstGeom>
-        </p:spPr>
-        <p:txBody>
-          <a:bodyPr anchor="t" rtlCol="false" tIns="0" lIns="0" bIns="0" rIns="0">
-            <a:spAutoFit/>
-          </a:bodyPr>
-          <a:lstStyle/>
-          <a:p>
-            <a:pPr algn="l" rtl="true">
-              <a:lnSpc>
-                <a:spcPts val="1889"/>
-              </a:lnSpc>
-            </a:pPr>
-            <a:r>
-              <a:rPr lang="ar-EG" b="true" sz="1350">
-                <a:solidFill>
-                  <a:srgbClr val="366FB5"/>
-                </a:solidFill>
-                <a:latin typeface="Noto Sans Arabic Bold"/>
-                <a:ea typeface="Noto Sans Arabic Bold"/>
-                <a:cs typeface="Noto Sans Arabic Bold"/>
-                <a:sym typeface="Noto Sans Arabic Bold"/>
-                <a:rtl val="true"/>
-              </a:rPr>
-              <a:t>الالاسم</a:t>
-            </a:r>
-          </a:p>
-        </p:txBody>
-      </p:sp>
-      <p:sp>
-        <p:nvSpPr>
-          <p:cNvPr name="TextBox 46" id="46"/>
-          <p:cNvSpPr txBox="true"/>
-          <p:nvPr/>
-        </p:nvSpPr>
-        <p:spPr>
-          <a:xfrm rot="0">
-            <a:off x="9102976" y="6905768"/>
-            <a:ext cx="628164" cy="273406"/>
-          </a:xfrm>
-          <a:prstGeom prst="rect">
-            <a:avLst/>
-          </a:prstGeom>
-        </p:spPr>
-        <p:txBody>
-          <a:bodyPr anchor="t" rtlCol="false" tIns="0" lIns="0" bIns="0" rIns="0">
-            <a:spAutoFit/>
-          </a:bodyPr>
-          <a:lstStyle/>
-          <a:p>
-            <a:pPr algn="l" rtl="true">
-              <a:lnSpc>
-                <a:spcPts val="1889"/>
-              </a:lnSpc>
-            </a:pPr>
-            <a:r>
-              <a:rPr lang="ar-EG" b="true" sz="1350">
-                <a:solidFill>
-                  <a:srgbClr val="366FB5"/>
-                </a:solidFill>
-                <a:latin typeface="Noto Sans Arabic Bold"/>
-                <a:ea typeface="Noto Sans Arabic Bold"/>
-                <a:cs typeface="Noto Sans Arabic Bold"/>
-                <a:sym typeface="Noto Sans Arabic Bold"/>
-                <a:rtl val="true"/>
-              </a:rPr>
-              <a:t>الجنسية</a:t>
-            </a:r>
-          </a:p>
-        </p:txBody>
-      </p:sp>
-      <p:sp>
-        <p:nvSpPr>
-          <p:cNvPr name="TextBox 47" id="47"/>
-          <p:cNvSpPr txBox="true"/>
-          <p:nvPr/>
-        </p:nvSpPr>
-        <p:spPr>
-          <a:xfrm rot="0">
-            <a:off x="9030843" y="3161424"/>
-            <a:ext cx="775240" cy="273406"/>
-          </a:xfrm>
-          <a:prstGeom prst="rect">
-            <a:avLst/>
-          </a:prstGeom>
-        </p:spPr>
-        <p:txBody>
-          <a:bodyPr anchor="t" rtlCol="false" tIns="0" lIns="0" bIns="0" rIns="0">
-            <a:spAutoFit/>
-          </a:bodyPr>
-          <a:lstStyle/>
-          <a:p>
-            <a:pPr algn="l" rtl="true">
-              <a:lnSpc>
-                <a:spcPts val="1889"/>
-              </a:lnSpc>
-            </a:pPr>
-            <a:r>
-              <a:rPr lang="ar-EG" b="true" sz="1350">
-                <a:solidFill>
-                  <a:srgbClr val="366FB5"/>
-                </a:solidFill>
-                <a:latin typeface="Noto Sans Arabic Bold"/>
-                <a:ea typeface="Noto Sans Arabic Bold"/>
-                <a:cs typeface="Noto Sans Arabic Bold"/>
-                <a:sym typeface="Noto Sans Arabic Bold"/>
-                <a:rtl val="true"/>
-              </a:rPr>
-              <a:t>رمز الإلإجازة</a:t>
-            </a:r>
-          </a:p>
-        </p:txBody>
-      </p:sp>
-      <p:sp>
-        <p:nvSpPr>
-          <p:cNvPr name="TextBox 48" id="48"/>
-          <p:cNvSpPr txBox="true"/>
-          <p:nvPr/>
-        </p:nvSpPr>
-        <p:spPr>
-          <a:xfrm rot="0">
-            <a:off x="9020556" y="7439292"/>
-            <a:ext cx="796223" cy="273406"/>
-          </a:xfrm>
-          <a:prstGeom prst="rect">
-            <a:avLst/>
-          </a:prstGeom>
-        </p:spPr>
-        <p:txBody>
-          <a:bodyPr anchor="t" rtlCol="false" tIns="0" lIns="0" bIns="0" rIns="0">
-            <a:spAutoFit/>
-          </a:bodyPr>
-          <a:lstStyle/>
-          <a:p>
-            <a:pPr algn="l" rtl="true">
-              <a:lnSpc>
-                <a:spcPts val="1889"/>
-              </a:lnSpc>
-            </a:pPr>
-            <a:r>
-              <a:rPr lang="ar-EG" b="true" sz="1350">
-                <a:solidFill>
-                  <a:srgbClr val="366FB5"/>
-                </a:solidFill>
-                <a:latin typeface="Noto Sans Arabic Bold"/>
-                <a:ea typeface="Noto Sans Arabic Bold"/>
-                <a:cs typeface="Noto Sans Arabic Bold"/>
-                <a:sym typeface="Noto Sans Arabic Bold"/>
-                <a:rtl val="true"/>
-              </a:rPr>
-              <a:t>جهة العمل</a:t>
-            </a:r>
-          </a:p>
-        </p:txBody>
-      </p:sp>
-      <p:sp>
-        <p:nvSpPr>
-          <p:cNvPr name="TextBox 49" id="49"/>
-          <p:cNvSpPr txBox="true"/>
-          <p:nvPr/>
-        </p:nvSpPr>
-        <p:spPr>
-          <a:xfrm rot="0">
-            <a:off x="9015098" y="3704473"/>
-            <a:ext cx="807244" cy="273406"/>
-          </a:xfrm>
-          <a:prstGeom prst="rect">
-            <a:avLst/>
-          </a:prstGeom>
-        </p:spPr>
-        <p:txBody>
-          <a:bodyPr anchor="t" rtlCol="false" tIns="0" lIns="0" bIns="0" rIns="0">
-            <a:spAutoFit/>
-          </a:bodyPr>
-          <a:lstStyle/>
-          <a:p>
-            <a:pPr algn="l" rtl="true">
-              <a:lnSpc>
-                <a:spcPts val="1889"/>
-              </a:lnSpc>
-            </a:pPr>
-            <a:r>
-              <a:rPr lang="ar-EG" b="true" sz="1350">
-                <a:solidFill>
-                  <a:srgbClr val="FFFFFF"/>
-                </a:solidFill>
-                <a:latin typeface="Noto Sans Arabic Bold"/>
-                <a:ea typeface="Noto Sans Arabic Bold"/>
-                <a:cs typeface="Noto Sans Arabic Bold"/>
-                <a:sym typeface="Noto Sans Arabic Bold"/>
-                <a:rtl val="true"/>
-              </a:rPr>
-              <a:t>مدة الإلإجازة</a:t>
-            </a:r>
-          </a:p>
-        </p:txBody>
-      </p:sp>
-      <p:sp>
-        <p:nvSpPr>
-          <p:cNvPr name="TextBox 50" id="50"/>
-          <p:cNvSpPr txBox="true"/>
-          <p:nvPr/>
-        </p:nvSpPr>
-        <p:spPr>
-          <a:xfrm rot="0">
-            <a:off x="8956291" y="4771530"/>
-            <a:ext cx="927383" cy="273406"/>
-          </a:xfrm>
-          <a:prstGeom prst="rect">
-            <a:avLst/>
-          </a:prstGeom>
-        </p:spPr>
-        <p:txBody>
-          <a:bodyPr anchor="t" rtlCol="false" tIns="0" lIns="0" bIns="0" rIns="0">
-            <a:spAutoFit/>
-          </a:bodyPr>
-          <a:lstStyle/>
-          <a:p>
-            <a:pPr algn="l" rtl="true">
-              <a:lnSpc>
-                <a:spcPts val="1889"/>
-              </a:lnSpc>
-            </a:pPr>
-            <a:r>
-              <a:rPr lang="ar-EG" b="true" sz="1350">
-                <a:solidFill>
-                  <a:srgbClr val="366FB5"/>
-                </a:solidFill>
-                <a:latin typeface="Noto Sans Arabic Bold"/>
-                <a:ea typeface="Noto Sans Arabic Bold"/>
-                <a:cs typeface="Noto Sans Arabic Bold"/>
-                <a:sym typeface="Noto Sans Arabic Bold"/>
-                <a:rtl val="true"/>
-              </a:rPr>
-              <a:t>تاريخ الخروج</a:t>
-            </a:r>
-          </a:p>
-        </p:txBody>
-      </p:sp>
-      <p:sp>
-        <p:nvSpPr>
-          <p:cNvPr name="TextBox 51" id="51"/>
-          <p:cNvSpPr txBox="true"/>
-          <p:nvPr/>
-        </p:nvSpPr>
-        <p:spPr>
-          <a:xfrm rot="0">
-            <a:off x="8941184" y="4238006"/>
-            <a:ext cx="958158" cy="273406"/>
-          </a:xfrm>
-          <a:prstGeom prst="rect">
-            <a:avLst/>
-          </a:prstGeom>
-        </p:spPr>
-        <p:txBody>
-          <a:bodyPr anchor="t" rtlCol="false" tIns="0" lIns="0" bIns="0" rIns="0">
-            <a:spAutoFit/>
-          </a:bodyPr>
-          <a:lstStyle/>
-          <a:p>
-            <a:pPr algn="l" rtl="true">
-              <a:lnSpc>
-                <a:spcPts val="1889"/>
-              </a:lnSpc>
-            </a:pPr>
-            <a:r>
-              <a:rPr lang="ar-EG" b="true" sz="1350">
-                <a:solidFill>
-                  <a:srgbClr val="366FB5"/>
-                </a:solidFill>
-                <a:latin typeface="Noto Sans Arabic Bold"/>
-                <a:ea typeface="Noto Sans Arabic Bold"/>
-                <a:cs typeface="Noto Sans Arabic Bold"/>
-                <a:sym typeface="Noto Sans Arabic Bold"/>
-                <a:rtl val="true"/>
-              </a:rPr>
-              <a:t>تاريخ الدخول</a:t>
-            </a:r>
-          </a:p>
-        </p:txBody>
-      </p:sp>
-      <p:sp>
-        <p:nvSpPr>
-          <p:cNvPr name="TextBox 52" id="52"/>
-          <p:cNvSpPr txBox="true"/>
-          <p:nvPr/>
-        </p:nvSpPr>
-        <p:spPr>
-          <a:xfrm rot="0">
-            <a:off x="8891397" y="7989075"/>
-            <a:ext cx="1059590" cy="273406"/>
-          </a:xfrm>
-          <a:prstGeom prst="rect">
-            <a:avLst/>
-          </a:prstGeom>
-        </p:spPr>
-        <p:txBody>
-          <a:bodyPr anchor="t" rtlCol="false" tIns="0" lIns="0" bIns="0" rIns="0">
-            <a:spAutoFit/>
-          </a:bodyPr>
-          <a:lstStyle/>
-          <a:p>
-            <a:pPr algn="l" rtl="true">
-              <a:lnSpc>
-                <a:spcPts val="1889"/>
-              </a:lnSpc>
-            </a:pPr>
-            <a:r>
-              <a:rPr lang="ar-EG" b="true" sz="1350">
-                <a:solidFill>
-                  <a:srgbClr val="366FB5"/>
-                </a:solidFill>
-                <a:latin typeface="Noto Sans Arabic Bold"/>
-                <a:ea typeface="Noto Sans Arabic Bold"/>
-                <a:cs typeface="Noto Sans Arabic Bold"/>
-                <a:sym typeface="Noto Sans Arabic Bold"/>
-                <a:rtl val="true"/>
-              </a:rPr>
-              <a:t>اسم الممارس</a:t>
-            </a:r>
-          </a:p>
-        </p:txBody>
-      </p:sp>
-      <p:sp>
-        <p:nvSpPr>
-          <p:cNvPr name="TextBox 53" id="53"/>
-          <p:cNvSpPr txBox="true"/>
-          <p:nvPr/>
-        </p:nvSpPr>
-        <p:spPr>
-          <a:xfrm rot="0">
-            <a:off x="8770877" y="8538734"/>
-            <a:ext cx="1305649" cy="273406"/>
-          </a:xfrm>
-          <a:prstGeom prst="rect">
-            <a:avLst/>
-          </a:prstGeom>
-        </p:spPr>
-        <p:txBody>
-          <a:bodyPr anchor="t" rtlCol="false" tIns="0" lIns="0" bIns="0" rIns="0">
-            <a:spAutoFit/>
-          </a:bodyPr>
-          <a:lstStyle/>
-          <a:p>
-            <a:pPr algn="l" rtl="true">
-              <a:lnSpc>
-                <a:spcPts val="1889"/>
-              </a:lnSpc>
-            </a:pPr>
-            <a:r>
-              <a:rPr lang="ar-EG" b="true" sz="1350">
-                <a:solidFill>
-                  <a:srgbClr val="366FB5"/>
-                </a:solidFill>
-                <a:latin typeface="Noto Sans Arabic Bold"/>
-                <a:ea typeface="Noto Sans Arabic Bold"/>
-                <a:cs typeface="Noto Sans Arabic Bold"/>
-                <a:sym typeface="Noto Sans Arabic Bold"/>
-                <a:rtl val="true"/>
-              </a:rPr>
-              <a:t>المسمى الوظيفى</a:t>
-            </a:r>
-          </a:p>
-        </p:txBody>
-      </p:sp>
-      <p:sp>
-        <p:nvSpPr>
-          <p:cNvPr name="TextBox 54" id="54"/>
-          <p:cNvSpPr txBox="true"/>
-          <p:nvPr/>
-        </p:nvSpPr>
-        <p:spPr>
-          <a:xfrm rot="0">
-            <a:off x="9253414" y="6372235"/>
-            <a:ext cx="866204" cy="273406"/>
-          </a:xfrm>
-          <a:prstGeom prst="rect">
-            <a:avLst/>
-          </a:prstGeom>
-        </p:spPr>
-        <p:txBody>
-          <a:bodyPr anchor="t" rtlCol="false" tIns="0" lIns="0" bIns="0" rIns="0">
-            <a:spAutoFit/>
-          </a:bodyPr>
-          <a:lstStyle/>
-          <a:p>
-            <a:pPr algn="l" rtl="true">
-              <a:lnSpc>
-                <a:spcPts val="1889"/>
-              </a:lnSpc>
-            </a:pPr>
-            <a:r>
-              <a:rPr lang="ar-EG" b="true" sz="1350">
-                <a:solidFill>
-                  <a:srgbClr val="366FB5"/>
-                </a:solidFill>
-                <a:latin typeface="Noto Sans Arabic Bold"/>
-                <a:ea typeface="Noto Sans Arabic Bold"/>
-                <a:cs typeface="Noto Sans Arabic Bold"/>
-                <a:sym typeface="Noto Sans Arabic Bold"/>
-                <a:rtl val="true"/>
-              </a:rPr>
-              <a:t>رقم الهوية </a:t>
-            </a:r>
-            <a:r>
-              <a:rPr lang="ar-EG" sz="1350">
-                <a:solidFill>
-                  <a:srgbClr val="366FB5"/>
-                </a:solidFill>
-                <a:latin typeface="Noto Sans Arabic"/>
-                <a:ea typeface="Noto Sans Arabic"/>
-                <a:cs typeface="Noto Sans Arabic"/>
-                <a:sym typeface="Noto Sans Arabic"/>
-                <a:rtl val="true"/>
-              </a:rPr>
-              <a:t>/</a:t>
-            </a:r>
-          </a:p>
-        </p:txBody>
-      </p:sp>
-      <p:sp>
-        <p:nvSpPr>
-          <p:cNvPr name="TextBox 55" id="55"/>
-          <p:cNvSpPr txBox="true"/>
-          <p:nvPr/>
-        </p:nvSpPr>
-        <p:spPr>
-          <a:xfrm rot="0">
-            <a:off x="8727567" y="5305187"/>
-            <a:ext cx="1393965" cy="273406"/>
-          </a:xfrm>
-          <a:prstGeom prst="rect">
-            <a:avLst/>
-          </a:prstGeom>
-        </p:spPr>
-        <p:txBody>
-          <a:bodyPr anchor="t" rtlCol="false" tIns="0" lIns="0" bIns="0" rIns="0">
-            <a:spAutoFit/>
-          </a:bodyPr>
-          <a:lstStyle/>
-          <a:p>
-            <a:pPr algn="l" rtl="true">
-              <a:lnSpc>
-                <a:spcPts val="1889"/>
-              </a:lnSpc>
-            </a:pPr>
-            <a:r>
-              <a:rPr lang="ar-EG" b="true" sz="1350">
-                <a:solidFill>
-                  <a:srgbClr val="366FB5"/>
-                </a:solidFill>
-                <a:latin typeface="Noto Sans Arabic Bold"/>
-                <a:ea typeface="Noto Sans Arabic Bold"/>
-                <a:cs typeface="Noto Sans Arabic Bold"/>
-                <a:sym typeface="Noto Sans Arabic Bold"/>
-                <a:rtl val="true"/>
-              </a:rPr>
-              <a:t>تاريخ إصدار التقرير</a:t>
-            </a:r>
-          </a:p>
-        </p:txBody>
-      </p:sp>
-      <p:sp>
-        <p:nvSpPr>
-          <p:cNvPr name="TextBox 56" id="56"/>
-          <p:cNvSpPr txBox="true"/>
-          <p:nvPr/>
-        </p:nvSpPr>
-        <p:spPr>
-          <a:xfrm rot="0">
-            <a:off x="906018" y="10577798"/>
-            <a:ext cx="4023236" cy="771744"/>
-          </a:xfrm>
-          <a:prstGeom prst="rect">
-            <a:avLst/>
-          </a:prstGeom>
-        </p:spPr>
-        <p:txBody>
-          <a:bodyPr anchor="t" rtlCol="false" tIns="0" lIns="0" bIns="0" rIns="0">
-            <a:spAutoFit/>
-          </a:bodyPr>
-          <a:lstStyle/>
-          <a:p>
-            <a:pPr algn="ctr" rtl="true">
-              <a:lnSpc>
-                <a:spcPts val="2376"/>
-              </a:lnSpc>
-            </a:pPr>
-            <a:r>
-              <a:rPr lang="ar-EG" b="true" sz="1125">
-                <a:solidFill>
-                  <a:srgbClr val="000000"/>
-                </a:solidFill>
-                <a:latin typeface="Noto Sans Arabic Bold"/>
-                <a:ea typeface="Noto Sans Arabic Bold"/>
-                <a:cs typeface="Noto Sans Arabic Bold"/>
-                <a:sym typeface="Noto Sans Arabic Bold"/>
-                <a:rtl val="true"/>
-              </a:rPr>
-              <a:t>للتحقق من بيانات التقرير يرجى التأكد من زيارة موقع منصة صحة الرسمي </a:t>
-            </a:r>
-          </a:p>
-          <a:p>
-            <a:pPr algn="ctr">
-              <a:lnSpc>
-                <a:spcPts val="1293"/>
-              </a:lnSpc>
-            </a:pPr>
-            <a:r>
-              <a:rPr lang="en-US" sz="1125">
-                <a:solidFill>
-                  <a:srgbClr val="000000"/>
-                </a:solidFill>
-                <a:latin typeface="Arab Times"/>
-                <a:ea typeface="Arab Times"/>
-                <a:cs typeface="Arab Times"/>
-                <a:sym typeface="Arab Times"/>
-              </a:rPr>
-              <a:t>To check the report please visit Seha's offical website</a:t>
-            </a:r>
-          </a:p>
-        </p:txBody>
-      </p:sp>
-      <p:sp>
-        <p:nvSpPr>
-          <p:cNvPr name="TextBox 57" id="57"/>
-          <p:cNvSpPr txBox="true"/>
-          <p:nvPr/>
-        </p:nvSpPr>
-        <p:spPr>
-          <a:xfrm rot="0">
-            <a:off x="2878198" y="11381232"/>
-            <a:ext cx="36433" cy="217399"/>
-          </a:xfrm>
-          <a:prstGeom prst="rect">
-            <a:avLst/>
-          </a:prstGeom>
-        </p:spPr>
-        <p:txBody>
-          <a:bodyPr anchor="t" rtlCol="false" tIns="0" lIns="0" bIns="0" rIns="0">
-            <a:spAutoFit/>
-          </a:bodyPr>
-          <a:lstStyle/>
-          <a:p>
-            <a:pPr algn="l">
-              <a:lnSpc>
-                <a:spcPts val="1293"/>
-              </a:lnSpc>
-            </a:pPr>
-            <a:r>
-              <a:rPr lang="en-US" sz="1125">
-                <a:solidFill>
-                  <a:srgbClr val="000000"/>
-                </a:solidFill>
-                <a:latin typeface="Arab Times"/>
-                <a:ea typeface="Arab Times"/>
-                <a:cs typeface="Arab Times"/>
-                <a:sym typeface="Arab Times"/>
-              </a:rPr>
-              <a:t> </a:t>
-            </a:r>
-          </a:p>
-        </p:txBody>
-      </p:sp>
-      <p:sp>
-        <p:nvSpPr>
-          <p:cNvPr name="TextBox 58" id="58"/>
-          <p:cNvSpPr txBox="true"/>
-          <p:nvPr/>
-        </p:nvSpPr>
-        <p:spPr>
-          <a:xfrm rot="0">
-            <a:off x="1838201" y="11545443"/>
-            <a:ext cx="2121570" cy="217399"/>
-          </a:xfrm>
-          <a:prstGeom prst="rect">
-            <a:avLst/>
-          </a:prstGeom>
-        </p:spPr>
-        <p:txBody>
-          <a:bodyPr anchor="t" rtlCol="false" tIns="0" lIns="0" bIns="0" rIns="0">
-            <a:spAutoFit/>
-          </a:bodyPr>
-          <a:lstStyle/>
-          <a:p>
-            <a:pPr algn="l">
-              <a:lnSpc>
-                <a:spcPts val="1293"/>
-              </a:lnSpc>
-            </a:pPr>
-            <a:r>
-              <a:rPr lang="en-US" sz="1125">
-                <a:solidFill>
-                  <a:srgbClr val="0000FF"/>
-                </a:solidFill>
-                <a:latin typeface="Arab Times"/>
-                <a:ea typeface="Arab Times"/>
-                <a:cs typeface="Arab Times"/>
-                <a:sym typeface="Arab Times"/>
-                <a:hlinkClick r:id="rId10" tooltip="https://iVBORw0KGgoAAAANSUhEUgAAAuQAAALkAQAAAABv3x3IAAACYElEQVR4nO3aQZKjMAwFUN+A+98yN/BUzYAly04qi55N+2lBAbae2P2CpPX/WK9Gp9PpdDqdTqfT6XQ6nU6n0+l0Op1Op9Ppv1Fvta773r16/Wt4Fq4PbXQ6nU6n09P9PvfnhlSf2+h0Op1OP16/+65xuR7+jij5XdrodDqdTqdv9bhsbRvxdDqdTqfTv9QjofOWi06n0+l0+jf6fljbBPb6O+6i0Ol0Op1+sl5qSugPh7WNTqfT6fTj9V1Ff1y+Deyl6HQ6nU4/WY8vytOfinMal38bv+azMpFOp9Pp9JP1nnN5OfTx5htJHnofEU+n0+l0On3o0XUNruU5+bJvtnQ6nU6n0+kVzgvxIrzkctp8A3Q6nU6n09/tfWK6vAOXYF8Cm06n0+n0w/UMPzEdl1l6Zpdhywg6nU6n08/Vy5zg7pr0GLHrpdPpdDqdPt58373bttxaOnZFp9PpdDo9v+/uzHhX3sHfpDadTqfT6Yfo+eyBMzLFeV59htHpdDqdTt/unS5jSz6LhamNTqfT6fTj9X1XcKUy0spT0Ol0Op1+vB4xnftfo6tEcl82l1U6nU6n00/Wd5XnrPdypq9ndDqdTqefrLdaV92b7i2Hp/Jz0Ol0Op1+sn7lpei64am/zM4j8vPQ6XQ6nX60HjvubfGD7PSpuWR1GUun0+l0On2jt02VEM/pTqfT6XQ6/YMeWZ1TO0Zco5dOp9PpdPpXX5nLxDbXPbaPR4mi0+l0Ov1kvVSO3xZwIHlsmUOn0+l0+uH6zxedTqfT6XQ6nU6n0+l0Op1Op9PpdDqdTqf/Iv0P+tt93VO+3TQAAAAASUVORK5CYII="/>
-              </a:rPr>
-              <a:t>www.seha.sa/#/inquiries/slenquiry</a:t>
-            </a:r>
-          </a:p>
-        </p:txBody>
-      </p:sp>
-      <p:sp>
-        <p:nvSpPr>
-          <p:cNvPr name="TextBox 59" id="59"/>
-          <p:cNvSpPr txBox="true"/>
-          <p:nvPr/>
-        </p:nvSpPr>
-        <p:spPr>
-          <a:xfrm rot="0">
-            <a:off x="7276719" y="10680021"/>
-            <a:ext cx="1577969" cy="443770"/>
-          </a:xfrm>
-          <a:prstGeom prst="rect">
-            <a:avLst/>
-          </a:prstGeom>
-        </p:spPr>
-        <p:txBody>
-          <a:bodyPr anchor="t" rtlCol="false" tIns="0" lIns="0" bIns="0" rIns="0">
-            <a:spAutoFit/>
-          </a:bodyPr>
-          <a:lstStyle/>
-          <a:p>
-            <a:pPr algn="ctr" rtl="true">
-              <a:lnSpc>
-                <a:spcPts val="1784"/>
-              </a:lnSpc>
-            </a:pPr>
-            <a:r>
-              <a:rPr lang="ar-EG" b="true" sz="1275">
-                <a:solidFill>
-                  <a:srgbClr val="000000"/>
-                </a:solidFill>
-                <a:latin typeface="Noto Sans Arabic Bold"/>
-                <a:ea typeface="Noto Sans Arabic Bold"/>
-                <a:cs typeface="Noto Sans Arabic Bold"/>
-                <a:sym typeface="Noto Sans Arabic Bold"/>
-                <a:rtl val="true"/>
-              </a:rPr>
-              <a:t>مجمع طمأنه الطبي</a:t>
-            </a:r>
-          </a:p>
-          <a:p>
-            <a:pPr algn="ctr">
-              <a:lnSpc>
-                <a:spcPts val="2127"/>
-              </a:lnSpc>
-            </a:pPr>
-            <a:r>
-              <a:rPr lang="en-US" sz="1275">
-                <a:solidFill>
-                  <a:srgbClr val="000000"/>
-                </a:solidFill>
-                <a:latin typeface="Arab Times"/>
-                <a:ea typeface="Arab Times"/>
-                <a:cs typeface="Arab Times"/>
-                <a:sym typeface="Arab Times"/>
-              </a:rPr>
-              <a:t>Tmana medical center</a:t>
-            </a:r>
-          </a:p>
-        </p:txBody>
-      </p:sp>
-      <p:sp>
-        <p:nvSpPr>
-          <p:cNvPr name="TextBox 60" id="60"/>
-          <p:cNvSpPr txBox="true"/>
-          <p:nvPr/>
-        </p:nvSpPr>
-        <p:spPr>
-          <a:xfrm rot="0">
-            <a:off x="7885176" y="11208210"/>
-            <a:ext cx="1162555" cy="250279"/>
-          </a:xfrm>
-          <a:prstGeom prst="rect">
-            <a:avLst/>
-          </a:prstGeom>
-        </p:spPr>
-        <p:txBody>
-          <a:bodyPr anchor="t" rtlCol="false" tIns="0" lIns="0" bIns="0" rIns="0">
-            <a:spAutoFit/>
-          </a:bodyPr>
-          <a:lstStyle/>
-          <a:p>
-            <a:pPr algn="l" rtl="true">
-              <a:lnSpc>
-                <a:spcPts val="1784"/>
-              </a:lnSpc>
-            </a:pPr>
-            <a:r>
-              <a:rPr lang="ar-EG" b="true" sz="1275">
-                <a:solidFill>
-                  <a:srgbClr val="000000"/>
-                </a:solidFill>
-                <a:latin typeface="Noto Sans Arabic Bold"/>
-                <a:ea typeface="Noto Sans Arabic Bold"/>
-                <a:cs typeface="Noto Sans Arabic Bold"/>
-                <a:sym typeface="Noto Sans Arabic Bold"/>
-                <a:rtl val="true"/>
-              </a:rPr>
-              <a:t>رقم الترخيص :</a:t>
-            </a:r>
-            <a:r>
-              <a:rPr lang="ar-EG" sz="1275">
-                <a:solidFill>
-                  <a:srgbClr val="000000"/>
-                </a:solidFill>
-                <a:latin typeface="Noto Sans Arabic"/>
-                <a:ea typeface="Noto Sans Arabic"/>
-                <a:cs typeface="Noto Sans Arabic"/>
-                <a:sym typeface="Noto Sans Arabic"/>
-                <a:rtl val="true"/>
-              </a:rPr>
-              <a:t> </a:t>
-            </a:r>
-          </a:p>
-        </p:txBody>
-      </p:sp>
-      <p:sp>
-        <p:nvSpPr>
-          <p:cNvPr name="TextBox 61" id="61"/>
-          <p:cNvSpPr txBox="true"/>
-          <p:nvPr/>
-        </p:nvSpPr>
-        <p:spPr>
-          <a:xfrm rot="0">
-            <a:off x="476250" y="11563493"/>
-            <a:ext cx="1550889" cy="729110"/>
-          </a:xfrm>
-          <a:prstGeom prst="rect">
-            <a:avLst/>
-          </a:prstGeom>
-        </p:spPr>
-        <p:txBody>
-          <a:bodyPr anchor="t" rtlCol="false" tIns="0" lIns="0" bIns="0" rIns="0">
-            <a:spAutoFit/>
-          </a:bodyPr>
-          <a:lstStyle/>
-          <a:p>
-            <a:pPr algn="l">
-              <a:lnSpc>
-                <a:spcPts val="2741"/>
-              </a:lnSpc>
-            </a:pPr>
-            <a:r>
-              <a:rPr lang="en-US" sz="1275">
-                <a:solidFill>
-                  <a:srgbClr val="000000"/>
-                </a:solidFill>
-                <a:latin typeface="Arab Times"/>
-                <a:ea typeface="Arab Times"/>
-                <a:cs typeface="Arab Times"/>
-                <a:sym typeface="Arab Times"/>
-              </a:rPr>
-              <a:t>7:37 PM Monday, 14 July 2025</a:t>
-            </a:r>
-          </a:p>
-        </p:txBody>
-      </p:sp>
-      <p:sp>
-        <p:nvSpPr>
-          <p:cNvPr name="TextBox 62" id="62"/>
-          <p:cNvSpPr txBox="true"/>
-          <p:nvPr/>
-        </p:nvSpPr>
-        <p:spPr>
-          <a:xfrm rot="0">
-            <a:off x="7075551" y="11290068"/>
-            <a:ext cx="949690" cy="135065"/>
-          </a:xfrm>
-          <a:prstGeom prst="rect">
-            <a:avLst/>
-          </a:prstGeom>
-        </p:spPr>
-        <p:txBody>
-          <a:bodyPr anchor="t" rtlCol="false" tIns="0" lIns="0" bIns="0" rIns="0">
-            <a:spAutoFit/>
-          </a:bodyPr>
-          <a:lstStyle/>
-          <a:p>
-            <a:pPr algn="l">
-              <a:lnSpc>
-                <a:spcPts val="841"/>
-              </a:lnSpc>
-            </a:pPr>
-            <a:r>
-              <a:rPr lang="en-US" sz="1275">
-                <a:solidFill>
-                  <a:srgbClr val="000000"/>
-                </a:solidFill>
-                <a:latin typeface="Arab Times"/>
-                <a:ea typeface="Arab Times"/>
-                <a:cs typeface="Arab Times"/>
-                <a:sym typeface="Arab Times"/>
-              </a:rPr>
-              <a:t>4500070092</a:t>
-            </a:r>
-            <a:r>
-              <a:rPr lang="en-US" sz="1275">
-                <a:solidFill>
-                  <a:srgbClr val="FFFFFF"/>
-                </a:solidFill>
-                <a:latin typeface="Arab Times"/>
-                <a:ea typeface="Arab Times"/>
-                <a:cs typeface="Arab Times"/>
-                <a:sym typeface="Arab Times"/>
-              </a:rPr>
-              <a:t> </a:t>
-            </a:r>
-            <a:r>
-              <a:rPr lang="en-US" sz="1275">
-                <a:solidFill>
-                  <a:srgbClr val="000000"/>
-                </a:solidFill>
-                <a:latin typeface="Arab Times"/>
-                <a:ea typeface="Arab Times"/>
-                <a:cs typeface="Arab Times"/>
-                <a:sym typeface="Arab Times"/>
-              </a:rPr>
-              <a:t>  </a:t>
-            </a:r>
-          </a:p>
-        </p:txBody>
-      </p:sp>
-      <p:sp>
-        <p:nvSpPr>
-          <p:cNvPr name="TextBox 63" id="63"/>
-          <p:cNvSpPr txBox="true"/>
-          <p:nvPr/>
-        </p:nvSpPr>
-        <p:spPr>
-          <a:xfrm rot="0">
-            <a:off x="5564572" y="8022693"/>
-            <a:ext cx="3028950" cy="232410"/>
-          </a:xfrm>
-          <a:prstGeom prst="rect">
-            <a:avLst/>
-          </a:prstGeom>
-        </p:spPr>
-        <p:txBody>
-          <a:bodyPr anchor="t" rtlCol="false" tIns="0" lIns="0" bIns="0" rIns="0">
-            <a:spAutoFit/>
-          </a:bodyPr>
-          <a:lstStyle/>
-          <a:p>
-            <a:pPr algn="ctr">
-              <a:lnSpc>
-                <a:spcPts val="1889"/>
-              </a:lnSpc>
-            </a:pPr>
-            <a:r>
-              <a:rPr lang="en-US" sz="1350">
-                <a:solidFill>
-                  <a:srgbClr val="2C3E77"/>
-                </a:solidFill>
-                <a:latin typeface="Noto Sans Arabic"/>
-                <a:ea typeface="Noto Sans Arabic"/>
-                <a:cs typeface="Noto Sans Arabic"/>
-                <a:sym typeface="Noto Sans Arabic"/>
-              </a:rPr>
-              <a:t>{{DOCTOR_NAME_AR}}</a:t>
-            </a:r>
-          </a:p>
-        </p:txBody>
-      </p:sp>
-      <p:sp>
-        <p:nvSpPr>
-          <p:cNvPr name="TextBox 64" id="64"/>
-          <p:cNvSpPr txBox="true"/>
-          <p:nvPr/>
-        </p:nvSpPr>
-        <p:spPr>
-          <a:xfrm rot="0">
-            <a:off x="5564572" y="8572352"/>
-            <a:ext cx="3028950" cy="232410"/>
-          </a:xfrm>
-          <a:prstGeom prst="rect">
-            <a:avLst/>
-          </a:prstGeom>
-        </p:spPr>
-        <p:txBody>
-          <a:bodyPr anchor="t" rtlCol="false" tIns="0" lIns="0" bIns="0" rIns="0">
-            <a:spAutoFit/>
-          </a:bodyPr>
-          <a:lstStyle/>
-          <a:p>
-            <a:pPr algn="ctr">
-              <a:lnSpc>
-                <a:spcPts val="1889"/>
-              </a:lnSpc>
-            </a:pPr>
-            <a:r>
-              <a:rPr lang="en-US" sz="1350">
-                <a:solidFill>
-                  <a:srgbClr val="2C3E77"/>
-                </a:solidFill>
-                <a:latin typeface="Noto Sans Arabic"/>
-                <a:ea typeface="Noto Sans Arabic"/>
-                <a:cs typeface="Noto Sans Arabic"/>
-                <a:sym typeface="Noto Sans Arabic"/>
-              </a:rPr>
-              <a:t>{{JOB_TITLE_AR}}</a:t>
-            </a:r>
-          </a:p>
-        </p:txBody>
-      </p:sp>
-      <p:sp>
-        <p:nvSpPr>
-          <p:cNvPr name="TextBox 65" id="65"/>
-          <p:cNvSpPr txBox="true"/>
-          <p:nvPr/>
-        </p:nvSpPr>
-        <p:spPr>
-          <a:xfrm rot="0">
-            <a:off x="2531991" y="6914488"/>
-            <a:ext cx="3008388" cy="222885"/>
-          </a:xfrm>
-          <a:prstGeom prst="rect">
-            <a:avLst/>
-          </a:prstGeom>
-        </p:spPr>
-        <p:txBody>
-          <a:bodyPr anchor="t" rtlCol="false" tIns="0" lIns="0" bIns="0" rIns="0">
-            <a:spAutoFit/>
-          </a:bodyPr>
-          <a:lstStyle/>
-          <a:p>
-            <a:pPr algn="ctr">
-              <a:lnSpc>
-                <a:spcPts val="1889"/>
-              </a:lnSpc>
-            </a:pPr>
-            <a:r>
-              <a:rPr lang="en-US" sz="1350" spc="-4">
-                <a:solidFill>
-                  <a:srgbClr val="2C3E77"/>
-                </a:solidFill>
-                <a:latin typeface="Fedra sans arabic"/>
-                <a:ea typeface="Fedra sans arabic"/>
-                <a:cs typeface="Fedra sans arabic"/>
-                <a:sym typeface="Fedra sans arabic"/>
-              </a:rPr>
-              <a:t>{{N</a:t>
-            </a:r>
-            <a:r>
-              <a:rPr lang="en-US" sz="1350" spc="-4">
-                <a:solidFill>
-                  <a:srgbClr val="2C3E77"/>
-                </a:solidFill>
-                <a:latin typeface="Fedra sans arabic"/>
-                <a:ea typeface="Fedra sans arabic"/>
-                <a:cs typeface="Fedra sans arabic"/>
-                <a:sym typeface="Fedra sans arabic"/>
-              </a:rPr>
-              <a:t>ATIONALITY_EN}}</a:t>
-            </a:r>
-          </a:p>
-        </p:txBody>
-      </p:sp>
-      <p:sp>
-        <p:nvSpPr>
-          <p:cNvPr name="TextBox 66" id="66"/>
-          <p:cNvSpPr txBox="true"/>
-          <p:nvPr/>
-        </p:nvSpPr>
-        <p:spPr>
-          <a:xfrm rot="0">
-            <a:off x="5564572" y="6904963"/>
-            <a:ext cx="3028950" cy="232410"/>
-          </a:xfrm>
-          <a:prstGeom prst="rect">
-            <a:avLst/>
-          </a:prstGeom>
-        </p:spPr>
-        <p:txBody>
-          <a:bodyPr anchor="t" rtlCol="false" tIns="0" lIns="0" bIns="0" rIns="0">
-            <a:spAutoFit/>
-          </a:bodyPr>
-          <a:lstStyle/>
-          <a:p>
-            <a:pPr algn="ctr">
-              <a:lnSpc>
-                <a:spcPts val="1889"/>
-              </a:lnSpc>
-            </a:pPr>
-            <a:r>
-              <a:rPr lang="en-US" sz="1350">
-                <a:solidFill>
-                  <a:srgbClr val="2C3E77"/>
-                </a:solidFill>
-                <a:latin typeface="Noto Sans Arabic"/>
-                <a:ea typeface="Noto Sans Arabic"/>
-                <a:cs typeface="Noto Sans Arabic"/>
-                <a:sym typeface="Noto Sans Arabic"/>
-              </a:rPr>
-              <a:t>{{NATIONALITY_AR}}</a:t>
-            </a:r>
-          </a:p>
-        </p:txBody>
-      </p:sp>
-      <p:sp>
-        <p:nvSpPr>
-          <p:cNvPr name="TextBox 67" id="67"/>
-          <p:cNvSpPr txBox="true"/>
-          <p:nvPr/>
-        </p:nvSpPr>
-        <p:spPr>
-          <a:xfrm rot="0">
-            <a:off x="5560195" y="7470457"/>
-            <a:ext cx="3028950" cy="232410"/>
-          </a:xfrm>
-          <a:prstGeom prst="rect">
-            <a:avLst/>
-          </a:prstGeom>
-        </p:spPr>
-        <p:txBody>
-          <a:bodyPr anchor="t" rtlCol="false" tIns="0" lIns="0" bIns="0" rIns="0">
-            <a:spAutoFit/>
-          </a:bodyPr>
-          <a:lstStyle/>
-          <a:p>
-            <a:pPr algn="ctr" rtl="true">
-              <a:lnSpc>
-                <a:spcPts val="1889"/>
-              </a:lnSpc>
-            </a:pPr>
-            <a:r>
-              <a:rPr lang="ar-EG" sz="1350">
-                <a:solidFill>
-                  <a:srgbClr val="2C3E77"/>
-                </a:solidFill>
-                <a:latin typeface="Noto Sans Arabic"/>
-                <a:ea typeface="Noto Sans Arabic"/>
-                <a:cs typeface="Noto Sans Arabic"/>
-                <a:sym typeface="Noto Sans Arabic"/>
-                <a:rtl val="true"/>
-              </a:rPr>
-              <a:t>الى من يهمه الامر</a:t>
-            </a:r>
-          </a:p>
-        </p:txBody>
-      </p:sp>
-      <p:sp>
-        <p:nvSpPr>
-          <p:cNvPr name="TextBox 68" id="68"/>
-          <p:cNvSpPr txBox="true"/>
-          <p:nvPr/>
-        </p:nvSpPr>
-        <p:spPr>
-          <a:xfrm rot="0">
-            <a:off x="2539674" y="8014964"/>
-            <a:ext cx="3008388" cy="222885"/>
-          </a:xfrm>
-          <a:prstGeom prst="rect">
-            <a:avLst/>
-          </a:prstGeom>
-        </p:spPr>
-        <p:txBody>
-          <a:bodyPr anchor="t" rtlCol="false" tIns="0" lIns="0" bIns="0" rIns="0">
-            <a:spAutoFit/>
-          </a:bodyPr>
-          <a:lstStyle/>
-          <a:p>
-            <a:pPr algn="ctr">
-              <a:lnSpc>
-                <a:spcPts val="1889"/>
-              </a:lnSpc>
-            </a:pPr>
-            <a:r>
-              <a:rPr lang="en-US" sz="1350" spc="-4">
-                <a:solidFill>
-                  <a:srgbClr val="2C3E77"/>
-                </a:solidFill>
-                <a:latin typeface="Fedra sans arabic"/>
-                <a:ea typeface="Fedra sans arabic"/>
-                <a:cs typeface="Fedra sans arabic"/>
-                <a:sym typeface="Fedra sans arabic"/>
-              </a:rPr>
-              <a:t>{{DOC</a:t>
-            </a:r>
-            <a:r>
-              <a:rPr lang="en-US" sz="1350" spc="-4">
-                <a:solidFill>
-                  <a:srgbClr val="2C3E77"/>
-                </a:solidFill>
-                <a:latin typeface="Fedra sans arabic"/>
-                <a:ea typeface="Fedra sans arabic"/>
-                <a:cs typeface="Fedra sans arabic"/>
-                <a:sym typeface="Fedra sans arabic"/>
-              </a:rPr>
-              <a:t>TOR_NAME_EN}}</a:t>
-            </a:r>
-          </a:p>
-        </p:txBody>
-      </p:sp>
-      <p:sp>
-        <p:nvSpPr>
-          <p:cNvPr name="TextBox 69" id="69"/>
-          <p:cNvSpPr txBox="true"/>
-          <p:nvPr/>
-        </p:nvSpPr>
-        <p:spPr>
-          <a:xfrm rot="0">
-            <a:off x="2531991" y="8581877"/>
-            <a:ext cx="3008388" cy="222885"/>
-          </a:xfrm>
-          <a:prstGeom prst="rect">
-            <a:avLst/>
-          </a:prstGeom>
-        </p:spPr>
-        <p:txBody>
-          <a:bodyPr anchor="t" rtlCol="false" tIns="0" lIns="0" bIns="0" rIns="0">
-            <a:spAutoFit/>
-          </a:bodyPr>
-          <a:lstStyle/>
-          <a:p>
-            <a:pPr algn="ctr">
-              <a:lnSpc>
-                <a:spcPts val="1889"/>
-              </a:lnSpc>
-            </a:pPr>
-            <a:r>
-              <a:rPr lang="en-US" sz="1350" spc="-4">
-                <a:solidFill>
-                  <a:srgbClr val="2C3E77"/>
-                </a:solidFill>
-                <a:latin typeface="Fedra sans arabic"/>
-                <a:ea typeface="Fedra sans arabic"/>
-                <a:cs typeface="Fedra sans arabic"/>
-                <a:sym typeface="Fedra sans arabic"/>
-              </a:rPr>
-              <a:t>{{JOB</a:t>
-            </a:r>
-            <a:r>
-              <a:rPr lang="en-US" sz="1350" spc="-4">
-                <a:solidFill>
-                  <a:srgbClr val="2C3E77"/>
-                </a:solidFill>
-                <a:latin typeface="Fedra sans arabic"/>
-                <a:ea typeface="Fedra sans arabic"/>
-                <a:cs typeface="Fedra sans arabic"/>
-                <a:sym typeface="Fedra sans arabic"/>
-              </a:rPr>
-              <a:t>_TITLE_EN}}</a:t>
-            </a:r>
-          </a:p>
-        </p:txBody>
-      </p:sp>
-      <p:sp>
-        <p:nvSpPr>
-          <p:cNvPr name="TextBox 70" id="70"/>
-          <p:cNvSpPr txBox="true"/>
-          <p:nvPr/>
-        </p:nvSpPr>
-        <p:spPr>
-          <a:xfrm rot="0">
-            <a:off x="2551061" y="4802695"/>
-            <a:ext cx="3004756" cy="232410"/>
-          </a:xfrm>
-          <a:prstGeom prst="rect">
-            <a:avLst/>
-          </a:prstGeom>
-        </p:spPr>
-        <p:txBody>
-          <a:bodyPr anchor="t" rtlCol="false" tIns="0" lIns="0" bIns="0" rIns="0">
-            <a:spAutoFit/>
-          </a:bodyPr>
-          <a:lstStyle/>
-          <a:p>
-            <a:pPr algn="ctr">
-              <a:lnSpc>
-                <a:spcPts val="1889"/>
-              </a:lnSpc>
-            </a:pPr>
-            <a:r>
-              <a:rPr lang="en-US" sz="1350" spc="-4">
-                <a:solidFill>
-                  <a:srgbClr val="2C3E77"/>
-                </a:solidFill>
-                <a:latin typeface="Open Sans"/>
-                <a:ea typeface="Open Sans"/>
-                <a:cs typeface="Open Sans"/>
-                <a:sym typeface="Open Sans"/>
+                <a:latin typeface="Times New Roman"/>
+                <a:ea typeface="Times New Roman"/>
+                <a:cs typeface="Times New Roman"/>
+                <a:sym typeface="Times New Roman"/>
               </a:rPr>
               <a:t>{{EXIT_DATE_GREGORIAN}}</a:t>
-            </a:r>
-          </a:p>
-        </p:txBody>
-      </p:sp>
-      <p:sp>
-        <p:nvSpPr>
-          <p:cNvPr name="TextBox 71" id="71"/>
-          <p:cNvSpPr txBox="true"/>
-          <p:nvPr/>
-        </p:nvSpPr>
-        <p:spPr>
-          <a:xfrm rot="0">
-            <a:off x="5555818" y="4246435"/>
-            <a:ext cx="3004756" cy="232410"/>
-          </a:xfrm>
-          <a:prstGeom prst="rect">
-            <a:avLst/>
-          </a:prstGeom>
-        </p:spPr>
-        <p:txBody>
-          <a:bodyPr anchor="t" rtlCol="false" tIns="0" lIns="0" bIns="0" rIns="0">
-            <a:spAutoFit/>
-          </a:bodyPr>
-          <a:lstStyle/>
-          <a:p>
-            <a:pPr algn="ctr">
-              <a:lnSpc>
-                <a:spcPts val="1889"/>
-              </a:lnSpc>
-            </a:pPr>
-            <a:r>
-              <a:rPr lang="en-US" sz="1350" spc="-4">
-                <a:solidFill>
-                  <a:srgbClr val="2C3E77"/>
-                </a:solidFill>
-                <a:latin typeface="Open Sans"/>
-                <a:ea typeface="Open Sans"/>
-                <a:cs typeface="Open Sans"/>
-                <a:sym typeface="Open Sans"/>
-              </a:rPr>
-              <a:t>{{ENTRY_DATE_HIJRI}}</a:t>
-            </a:r>
-          </a:p>
-        </p:txBody>
-      </p:sp>
-      <p:sp>
-        <p:nvSpPr>
-          <p:cNvPr name="TextBox 72" id="72"/>
-          <p:cNvSpPr txBox="true"/>
-          <p:nvPr/>
-        </p:nvSpPr>
-        <p:spPr>
-          <a:xfrm rot="0">
-            <a:off x="2531991" y="4258504"/>
-            <a:ext cx="3004756" cy="232410"/>
-          </a:xfrm>
-          <a:prstGeom prst="rect">
-            <a:avLst/>
-          </a:prstGeom>
-        </p:spPr>
-        <p:txBody>
-          <a:bodyPr anchor="t" rtlCol="false" tIns="0" lIns="0" bIns="0" rIns="0">
-            <a:spAutoFit/>
-          </a:bodyPr>
-          <a:lstStyle/>
-          <a:p>
-            <a:pPr algn="ctr">
-              <a:lnSpc>
-                <a:spcPts val="1889"/>
-              </a:lnSpc>
-            </a:pPr>
-            <a:r>
-              <a:rPr lang="en-US" sz="1350" spc="-4">
-                <a:solidFill>
-                  <a:srgbClr val="2C3E77"/>
-                </a:solidFill>
-                <a:latin typeface="Open Sans"/>
-                <a:ea typeface="Open Sans"/>
-                <a:cs typeface="Open Sans"/>
-                <a:sym typeface="Open Sans"/>
-              </a:rPr>
-              <a:t>{{ENTRY_DATE_HIJRI}}</a:t>
-            </a:r>
-          </a:p>
-        </p:txBody>
-      </p:sp>
-      <p:sp>
-        <p:nvSpPr>
-          <p:cNvPr name="TextBox 73" id="73"/>
-          <p:cNvSpPr txBox="true"/>
-          <p:nvPr/>
-        </p:nvSpPr>
-        <p:spPr>
-          <a:xfrm rot="0">
-            <a:off x="5383130" y="8855828"/>
-            <a:ext cx="3028950" cy="232410"/>
-          </a:xfrm>
-          <a:prstGeom prst="rect">
-            <a:avLst/>
-          </a:prstGeom>
-        </p:spPr>
-        <p:txBody>
-          <a:bodyPr anchor="t" rtlCol="false" tIns="0" lIns="0" bIns="0" rIns="0">
-            <a:spAutoFit/>
-          </a:bodyPr>
-          <a:lstStyle/>
-          <a:p>
-            <a:pPr algn="ctr">
-              <a:lnSpc>
-                <a:spcPts val="1889"/>
-              </a:lnSpc>
-            </a:pPr>
-            <a:r>
-              <a:rPr lang="en-US" sz="1350">
-                <a:solidFill>
-                  <a:srgbClr val="2C3E77"/>
-                </a:solidFill>
-                <a:latin typeface="Noto Sans Arabic"/>
-                <a:ea typeface="Noto Sans Arabic"/>
-                <a:cs typeface="Noto Sans Arabic"/>
-                <a:sym typeface="Noto Sans Arabic"/>
-              </a:rPr>
-              <a:t>{{JOB_TITLE_EN}}</a:t>
             </a:r>
           </a:p>
         </p:txBody>

--- a/public/templates/report_template.pptx
+++ b/public/templates/report_template.pptx
@@ -3655,8 +3655,90 @@
         </p:nvSpPr>
         <p:spPr>
           <a:xfrm rot="0">
-            <a:off x="476250" y="5828567"/>
-            <a:ext cx="2044969" cy="241935"/>
+            <a:off x="476250" y="5770893"/>
+            <a:ext cx="2044969" cy="300990"/>
+          </a:xfrm>
+          <a:prstGeom prst="rect">
+            <a:avLst/>
+          </a:prstGeom>
+        </p:spPr>
+        <p:txBody>
+          <a:bodyPr anchor="t" rtlCol="false" tIns="0" lIns="0" bIns="0" rIns="0">
+            <a:spAutoFit/>
+          </a:bodyPr>
+          <a:lstStyle/>
+          <a:p>
+            <a:pPr algn="ctr">
+              <a:lnSpc>
+                <a:spcPts val="2309"/>
+              </a:lnSpc>
+            </a:pPr>
+            <a:r>
+              <a:rPr lang="en-US" b="true" sz="1649">
+                <a:solidFill>
+                  <a:srgbClr val="366FB5"/>
+                </a:solidFill>
+                <a:latin typeface="Times New Roman Bold"/>
+                <a:ea typeface="Times New Roman Bold"/>
+                <a:cs typeface="Times New Roman Bold"/>
+                <a:sym typeface="Times New Roman Bold"/>
+              </a:rPr>
+              <a:t>Name</a:t>
+            </a:r>
+          </a:p>
+        </p:txBody>
+      </p:sp>
+      <p:sp>
+        <p:nvSpPr>
+          <p:cNvPr name="TextBox 17" id="17"/>
+          <p:cNvSpPr txBox="true"/>
+          <p:nvPr/>
+        </p:nvSpPr>
+        <p:spPr>
+          <a:xfrm rot="0">
+            <a:off x="476250" y="8519065"/>
+            <a:ext cx="2044969" cy="274955"/>
+          </a:xfrm>
+          <a:prstGeom prst="rect">
+            <a:avLst/>
+          </a:prstGeom>
+        </p:spPr>
+        <p:txBody>
+          <a:bodyPr anchor="t" rtlCol="false" tIns="0" lIns="0" bIns="0" rIns="0">
+            <a:spAutoFit/>
+          </a:bodyPr>
+          <a:lstStyle/>
+          <a:p>
+            <a:pPr algn="ctr">
+              <a:lnSpc>
+                <a:spcPts val="2169"/>
+              </a:lnSpc>
+            </a:pPr>
+            <a:r>
+              <a:rPr lang="en-US" b="true" sz="1549">
+                <a:solidFill>
+                  <a:srgbClr val="366FB5"/>
+                </a:solidFill>
+                <a:latin typeface="Times New Roman Bold"/>
+                <a:ea typeface="Times New Roman Bold"/>
+                <a:cs typeface="Times New Roman Bold"/>
+                <a:sym typeface="Times New Roman Bold"/>
+              </a:rPr>
+              <a:t>Position</a:t>
+            </a:r>
+          </a:p>
+        </p:txBody>
+      </p:sp>
+      <p:sp>
+        <p:nvSpPr>
+          <p:cNvPr name="TextBox 18" id="18"/>
+          <p:cNvSpPr txBox="true"/>
+          <p:nvPr/>
+        </p:nvSpPr>
+        <p:spPr>
+          <a:xfrm rot="0">
+            <a:off x="476250" y="3151280"/>
+            <a:ext cx="2043025" cy="241935"/>
           </a:xfrm>
           <a:prstGeom prst="rect">
             <a:avLst/>
@@ -3683,21 +3765,144 @@
                 <a:cs typeface="Times New Roman Bold"/>
                 <a:sym typeface="Times New Roman Bold"/>
               </a:rPr>
-              <a:t>Name</a:t>
-            </a:r>
-          </a:p>
-        </p:txBody>
-      </p:sp>
-      <p:sp>
-        <p:nvSpPr>
-          <p:cNvPr name="TextBox 17" id="17"/>
+              <a:t>Leave ID</a:t>
+            </a:r>
+          </a:p>
+        </p:txBody>
+      </p:sp>
+      <p:sp>
+        <p:nvSpPr>
+          <p:cNvPr name="TextBox 19" id="19"/>
           <p:cNvSpPr txBox="true"/>
           <p:nvPr/>
         </p:nvSpPr>
         <p:spPr>
           <a:xfrm rot="0">
-            <a:off x="476250" y="8528590"/>
-            <a:ext cx="2044969" cy="241935"/>
+            <a:off x="476250" y="7419746"/>
+            <a:ext cx="2044969" cy="274955"/>
+          </a:xfrm>
+          <a:prstGeom prst="rect">
+            <a:avLst/>
+          </a:prstGeom>
+        </p:spPr>
+        <p:txBody>
+          <a:bodyPr anchor="t" rtlCol="false" tIns="0" lIns="0" bIns="0" rIns="0">
+            <a:spAutoFit/>
+          </a:bodyPr>
+          <a:lstStyle/>
+          <a:p>
+            <a:pPr algn="ctr">
+              <a:lnSpc>
+                <a:spcPts val="2169"/>
+              </a:lnSpc>
+            </a:pPr>
+            <a:r>
+              <a:rPr lang="en-US" b="true" sz="1549">
+                <a:solidFill>
+                  <a:srgbClr val="366FB5"/>
+                </a:solidFill>
+                <a:latin typeface="Times New Roman Bold"/>
+                <a:ea typeface="Times New Roman Bold"/>
+                <a:cs typeface="Times New Roman Bold"/>
+                <a:sym typeface="Times New Roman Bold"/>
+              </a:rPr>
+              <a:t>Employer</a:t>
+            </a:r>
+          </a:p>
+        </p:txBody>
+      </p:sp>
+      <p:sp>
+        <p:nvSpPr>
+          <p:cNvPr name="TextBox 20" id="20"/>
+          <p:cNvSpPr txBox="true"/>
+          <p:nvPr/>
+        </p:nvSpPr>
+        <p:spPr>
+          <a:xfrm rot="0">
+            <a:off x="476250" y="5246884"/>
+            <a:ext cx="2044969" cy="274955"/>
+          </a:xfrm>
+          <a:prstGeom prst="rect">
+            <a:avLst/>
+          </a:prstGeom>
+        </p:spPr>
+        <p:txBody>
+          <a:bodyPr anchor="t" rtlCol="false" tIns="0" lIns="0" bIns="0" rIns="0">
+            <a:spAutoFit/>
+          </a:bodyPr>
+          <a:lstStyle/>
+          <a:p>
+            <a:pPr algn="ctr">
+              <a:lnSpc>
+                <a:spcPts val="2169"/>
+              </a:lnSpc>
+            </a:pPr>
+            <a:r>
+              <a:rPr lang="en-US" b="true" sz="1549">
+                <a:solidFill>
+                  <a:srgbClr val="366FB5"/>
+                </a:solidFill>
+                <a:latin typeface="Times New Roman Bold"/>
+                <a:ea typeface="Times New Roman Bold"/>
+                <a:cs typeface="Times New Roman Bold"/>
+                <a:sym typeface="Times New Roman Bold"/>
+              </a:rPr>
+              <a:t>Issue Date</a:t>
+            </a:r>
+          </a:p>
+        </p:txBody>
+      </p:sp>
+      <p:sp>
+        <p:nvSpPr>
+          <p:cNvPr name="TextBox 21" id="21"/>
+          <p:cNvSpPr txBox="true"/>
+          <p:nvPr/>
+        </p:nvSpPr>
+        <p:spPr>
+          <a:xfrm rot="0">
+            <a:off x="476250" y="6886099"/>
+            <a:ext cx="2044969" cy="274955"/>
+          </a:xfrm>
+          <a:prstGeom prst="rect">
+            <a:avLst/>
+          </a:prstGeom>
+        </p:spPr>
+        <p:txBody>
+          <a:bodyPr anchor="t" rtlCol="false" tIns="0" lIns="0" bIns="0" rIns="0">
+            <a:spAutoFit/>
+          </a:bodyPr>
+          <a:lstStyle/>
+          <a:p>
+            <a:pPr algn="ctr">
+              <a:lnSpc>
+                <a:spcPts val="2169"/>
+              </a:lnSpc>
+            </a:pPr>
+            <a:r>
+              <a:rPr lang="en-US" b="true" sz="1549">
+                <a:solidFill>
+                  <a:srgbClr val="366FB5"/>
+                </a:solidFill>
+                <a:latin typeface="Times New Roman Bold"/>
+                <a:ea typeface="Times New Roman Bold"/>
+                <a:cs typeface="Times New Roman Bold"/>
+                <a:sym typeface="Times New Roman Bold"/>
+              </a:rPr>
+              <a:t>Nationality</a:t>
+            </a:r>
+          </a:p>
+        </p:txBody>
+      </p:sp>
+      <p:sp>
+        <p:nvSpPr>
+          <p:cNvPr name="TextBox 22" id="22"/>
+          <p:cNvSpPr txBox="true"/>
+          <p:nvPr/>
+        </p:nvSpPr>
+        <p:spPr>
+          <a:xfrm rot="0">
+            <a:off x="457200" y="3694328"/>
+            <a:ext cx="2062075" cy="241935"/>
           </a:xfrm>
           <a:prstGeom prst="rect">
             <a:avLst/>
@@ -3717,28 +3922,192 @@
             <a:r>
               <a:rPr lang="en-US" b="true" sz="1350">
                 <a:solidFill>
-                  <a:srgbClr val="366FB5"/>
+                  <a:srgbClr val="FFFFFF"/>
                 </a:solidFill>
                 <a:latin typeface="Times New Roman Bold"/>
                 <a:ea typeface="Times New Roman Bold"/>
                 <a:cs typeface="Times New Roman Bold"/>
                 <a:sym typeface="Times New Roman Bold"/>
               </a:rPr>
-              <a:t>Position</a:t>
-            </a:r>
-          </a:p>
-        </p:txBody>
-      </p:sp>
-      <p:sp>
-        <p:nvSpPr>
-          <p:cNvPr name="TextBox 18" id="18"/>
+              <a:t>Leave Duration</a:t>
+            </a:r>
+          </a:p>
+        </p:txBody>
+      </p:sp>
+      <p:sp>
+        <p:nvSpPr>
+          <p:cNvPr name="TextBox 23" id="23"/>
           <p:cNvSpPr txBox="true"/>
           <p:nvPr/>
         </p:nvSpPr>
         <p:spPr>
           <a:xfrm rot="0">
-            <a:off x="476250" y="3151280"/>
-            <a:ext cx="2043025" cy="241935"/>
+            <a:off x="476250" y="4713237"/>
+            <a:ext cx="2044969" cy="274955"/>
+          </a:xfrm>
+          <a:prstGeom prst="rect">
+            <a:avLst/>
+          </a:prstGeom>
+        </p:spPr>
+        <p:txBody>
+          <a:bodyPr anchor="t" rtlCol="false" tIns="0" lIns="0" bIns="0" rIns="0">
+            <a:spAutoFit/>
+          </a:bodyPr>
+          <a:lstStyle/>
+          <a:p>
+            <a:pPr algn="ctr">
+              <a:lnSpc>
+                <a:spcPts val="2169"/>
+              </a:lnSpc>
+            </a:pPr>
+            <a:r>
+              <a:rPr lang="en-US" b="true" sz="1549">
+                <a:solidFill>
+                  <a:srgbClr val="366FB5"/>
+                </a:solidFill>
+                <a:latin typeface="Times New Roman Bold"/>
+                <a:ea typeface="Times New Roman Bold"/>
+                <a:cs typeface="Times New Roman Bold"/>
+                <a:sym typeface="Times New Roman Bold"/>
+              </a:rPr>
+              <a:t>Discharge Date</a:t>
+            </a:r>
+          </a:p>
+        </p:txBody>
+      </p:sp>
+      <p:sp>
+        <p:nvSpPr>
+          <p:cNvPr name="TextBox 24" id="24"/>
+          <p:cNvSpPr txBox="true"/>
+          <p:nvPr/>
+        </p:nvSpPr>
+        <p:spPr>
+          <a:xfrm rot="0">
+            <a:off x="476250" y="4187069"/>
+            <a:ext cx="2044969" cy="274955"/>
+          </a:xfrm>
+          <a:prstGeom prst="rect">
+            <a:avLst/>
+          </a:prstGeom>
+        </p:spPr>
+        <p:txBody>
+          <a:bodyPr anchor="t" rtlCol="false" tIns="0" lIns="0" bIns="0" rIns="0">
+            <a:spAutoFit/>
+          </a:bodyPr>
+          <a:lstStyle/>
+          <a:p>
+            <a:pPr algn="ctr">
+              <a:lnSpc>
+                <a:spcPts val="2169"/>
+              </a:lnSpc>
+            </a:pPr>
+            <a:r>
+              <a:rPr lang="en-US" b="true" sz="1549">
+                <a:solidFill>
+                  <a:srgbClr val="366FB5"/>
+                </a:solidFill>
+                <a:latin typeface="Times New Roman Bold"/>
+                <a:ea typeface="Times New Roman Bold"/>
+                <a:cs typeface="Times New Roman Bold"/>
+                <a:sym typeface="Times New Roman Bold"/>
+              </a:rPr>
+              <a:t>Admission Date</a:t>
+            </a:r>
+          </a:p>
+        </p:txBody>
+      </p:sp>
+      <p:sp>
+        <p:nvSpPr>
+          <p:cNvPr name="TextBox 25" id="25"/>
+          <p:cNvSpPr txBox="true"/>
+          <p:nvPr/>
+        </p:nvSpPr>
+        <p:spPr>
+          <a:xfrm rot="0">
+            <a:off x="476250" y="7969406"/>
+            <a:ext cx="2044969" cy="274955"/>
+          </a:xfrm>
+          <a:prstGeom prst="rect">
+            <a:avLst/>
+          </a:prstGeom>
+        </p:spPr>
+        <p:txBody>
+          <a:bodyPr anchor="t" rtlCol="false" tIns="0" lIns="0" bIns="0" rIns="0">
+            <a:spAutoFit/>
+          </a:bodyPr>
+          <a:lstStyle/>
+          <a:p>
+            <a:pPr algn="ctr">
+              <a:lnSpc>
+                <a:spcPts val="2169"/>
+              </a:lnSpc>
+            </a:pPr>
+            <a:r>
+              <a:rPr lang="en-US" b="true" sz="1549">
+                <a:solidFill>
+                  <a:srgbClr val="366FB5"/>
+                </a:solidFill>
+                <a:latin typeface="Times New Roman Bold"/>
+                <a:ea typeface="Times New Roman Bold"/>
+                <a:cs typeface="Times New Roman Bold"/>
+                <a:sym typeface="Times New Roman Bold"/>
+              </a:rPr>
+              <a:t>Practitioner Name</a:t>
+            </a:r>
+          </a:p>
+        </p:txBody>
+      </p:sp>
+      <p:sp>
+        <p:nvSpPr>
+          <p:cNvPr name="TextBox 26" id="26"/>
+          <p:cNvSpPr txBox="true"/>
+          <p:nvPr/>
+        </p:nvSpPr>
+        <p:spPr>
+          <a:xfrm rot="0">
+            <a:off x="476250" y="6352565"/>
+            <a:ext cx="2044969" cy="274955"/>
+          </a:xfrm>
+          <a:prstGeom prst="rect">
+            <a:avLst/>
+          </a:prstGeom>
+        </p:spPr>
+        <p:txBody>
+          <a:bodyPr anchor="t" rtlCol="false" tIns="0" lIns="0" bIns="0" rIns="0">
+            <a:spAutoFit/>
+          </a:bodyPr>
+          <a:lstStyle/>
+          <a:p>
+            <a:pPr algn="ctr">
+              <a:lnSpc>
+                <a:spcPts val="2169"/>
+              </a:lnSpc>
+            </a:pPr>
+            <a:r>
+              <a:rPr lang="en-US" b="true" sz="1549">
+                <a:solidFill>
+                  <a:srgbClr val="366FB5"/>
+                </a:solidFill>
+                <a:latin typeface="Times New Roman Bold"/>
+                <a:ea typeface="Times New Roman Bold"/>
+                <a:cs typeface="Times New Roman Bold"/>
+                <a:sym typeface="Times New Roman Bold"/>
+              </a:rPr>
+              <a:t>National ID / Iqama</a:t>
+            </a:r>
+          </a:p>
+        </p:txBody>
+      </p:sp>
+      <p:sp>
+        <p:nvSpPr>
+          <p:cNvPr name="TextBox 27" id="27"/>
+          <p:cNvSpPr txBox="true"/>
+          <p:nvPr/>
+        </p:nvSpPr>
+        <p:spPr>
+          <a:xfrm rot="0">
+            <a:off x="2521219" y="4233177"/>
+            <a:ext cx="3117533" cy="232410"/>
           </a:xfrm>
           <a:prstGeom prst="rect">
             <a:avLst/>
@@ -3756,30 +4125,30 @@
               </a:lnSpc>
             </a:pPr>
             <a:r>
-              <a:rPr lang="en-US" b="true" sz="1350">
-                <a:solidFill>
-                  <a:srgbClr val="366FB5"/>
-                </a:solidFill>
-                <a:latin typeface="Times New Roman Bold"/>
-                <a:ea typeface="Times New Roman Bold"/>
-                <a:cs typeface="Times New Roman Bold"/>
-                <a:sym typeface="Times New Roman Bold"/>
-              </a:rPr>
-              <a:t>Leave ID</a:t>
-            </a:r>
-          </a:p>
-        </p:txBody>
-      </p:sp>
-      <p:sp>
-        <p:nvSpPr>
-          <p:cNvPr name="TextBox 19" id="19"/>
+              <a:rPr lang="en-US" sz="1350" spc="-4">
+                <a:solidFill>
+                  <a:srgbClr val="2C3E77"/>
+                </a:solidFill>
+                <a:latin typeface="Open Sans"/>
+                <a:ea typeface="Open Sans"/>
+                <a:cs typeface="Open Sans"/>
+                <a:sym typeface="Open Sans"/>
+              </a:rPr>
+              <a:t>{{ENTRY_DATE_HIJRI}}</a:t>
+            </a:r>
+          </a:p>
+        </p:txBody>
+      </p:sp>
+      <p:sp>
+        <p:nvSpPr>
+          <p:cNvPr name="TextBox 28" id="28"/>
           <p:cNvSpPr txBox="true"/>
           <p:nvPr/>
         </p:nvSpPr>
         <p:spPr>
           <a:xfrm rot="0">
-            <a:off x="476250" y="7429271"/>
-            <a:ext cx="2044969" cy="241935"/>
+            <a:off x="2521219" y="4766824"/>
+            <a:ext cx="3117533" cy="232410"/>
           </a:xfrm>
           <a:prstGeom prst="rect">
             <a:avLst/>
@@ -3797,30 +4166,30 @@
               </a:lnSpc>
             </a:pPr>
             <a:r>
-              <a:rPr lang="en-US" b="true" sz="1350">
-                <a:solidFill>
-                  <a:srgbClr val="366FB5"/>
-                </a:solidFill>
-                <a:latin typeface="Times New Roman Bold"/>
-                <a:ea typeface="Times New Roman Bold"/>
-                <a:cs typeface="Times New Roman Bold"/>
-                <a:sym typeface="Times New Roman Bold"/>
-              </a:rPr>
-              <a:t>Employer</a:t>
-            </a:r>
-          </a:p>
-        </p:txBody>
-      </p:sp>
-      <p:sp>
-        <p:nvSpPr>
-          <p:cNvPr name="TextBox 20" id="20"/>
+              <a:rPr lang="en-US" sz="1350" spc="-4">
+                <a:solidFill>
+                  <a:srgbClr val="2C3E77"/>
+                </a:solidFill>
+                <a:latin typeface="Open Sans"/>
+                <a:ea typeface="Open Sans"/>
+                <a:cs typeface="Open Sans"/>
+                <a:sym typeface="Open Sans"/>
+              </a:rPr>
+              <a:t>{{EXIT_DATE_GREGORIAN}}</a:t>
+            </a:r>
+          </a:p>
+        </p:txBody>
+      </p:sp>
+      <p:sp>
+        <p:nvSpPr>
+          <p:cNvPr name="TextBox 29" id="29"/>
           <p:cNvSpPr txBox="true"/>
           <p:nvPr/>
         </p:nvSpPr>
         <p:spPr>
           <a:xfrm rot="0">
-            <a:off x="476250" y="5295043"/>
-            <a:ext cx="2044969" cy="241935"/>
+            <a:off x="2519275" y="6891414"/>
+            <a:ext cx="3045297" cy="241935"/>
           </a:xfrm>
           <a:prstGeom prst="rect">
             <a:avLst/>
@@ -3838,30 +4207,42 @@
               </a:lnSpc>
             </a:pPr>
             <a:r>
-              <a:rPr lang="en-US" b="true" sz="1350">
-                <a:solidFill>
-                  <a:srgbClr val="366FB5"/>
-                </a:solidFill>
-                <a:latin typeface="Times New Roman Bold"/>
-                <a:ea typeface="Times New Roman Bold"/>
-                <a:cs typeface="Times New Roman Bold"/>
-                <a:sym typeface="Times New Roman Bold"/>
-              </a:rPr>
-              <a:t>Issue Date</a:t>
-            </a:r>
-          </a:p>
-        </p:txBody>
-      </p:sp>
-      <p:sp>
-        <p:nvSpPr>
-          <p:cNvPr name="TextBox 21" id="21"/>
+              <a:rPr lang="en-US" sz="1350" spc="-4">
+                <a:solidFill>
+                  <a:srgbClr val="2C3E77"/>
+                </a:solidFill>
+                <a:latin typeface="Times New Roman"/>
+                <a:ea typeface="Times New Roman"/>
+                <a:cs typeface="Times New Roman"/>
+                <a:sym typeface="Times New Roman"/>
+              </a:rPr>
+              <a:t>{{N</a:t>
+            </a:r>
+            <a:r>
+              <a:rPr lang="en-US" sz="1350" spc="-4">
+                <a:solidFill>
+                  <a:srgbClr val="2C3E77"/>
+                </a:solidFill>
+                <a:latin typeface="Times New Roman"/>
+                <a:ea typeface="Times New Roman"/>
+                <a:cs typeface="Times New Roman"/>
+                <a:sym typeface="Times New Roman"/>
+              </a:rPr>
+              <a:t>ATIONALITY_En}}</a:t>
+            </a:r>
+          </a:p>
+        </p:txBody>
+      </p:sp>
+      <p:sp>
+        <p:nvSpPr>
+          <p:cNvPr name="TextBox 30" id="30"/>
           <p:cNvSpPr txBox="true"/>
           <p:nvPr/>
         </p:nvSpPr>
         <p:spPr>
           <a:xfrm rot="0">
-            <a:off x="476250" y="6895624"/>
-            <a:ext cx="2044969" cy="241935"/>
+            <a:off x="2519275" y="5824357"/>
+            <a:ext cx="3045297" cy="241935"/>
           </a:xfrm>
           <a:prstGeom prst="rect">
             <a:avLst/>
@@ -3879,30 +4260,165 @@
               </a:lnSpc>
             </a:pPr>
             <a:r>
-              <a:rPr lang="en-US" b="true" sz="1350">
-                <a:solidFill>
-                  <a:srgbClr val="366FB5"/>
-                </a:solidFill>
-                <a:latin typeface="Times New Roman Bold"/>
-                <a:ea typeface="Times New Roman Bold"/>
-                <a:cs typeface="Times New Roman Bold"/>
-                <a:sym typeface="Times New Roman Bold"/>
-              </a:rPr>
-              <a:t>Nationality</a:t>
-            </a:r>
-          </a:p>
-        </p:txBody>
-      </p:sp>
-      <p:sp>
-        <p:nvSpPr>
-          <p:cNvPr name="TextBox 22" id="22"/>
+              <a:rPr lang="en-US" sz="1350" spc="-4">
+                <a:solidFill>
+                  <a:srgbClr val="2C3E77"/>
+                </a:solidFill>
+                <a:latin typeface="Times New Roman"/>
+                <a:ea typeface="Times New Roman"/>
+                <a:cs typeface="Times New Roman"/>
+                <a:sym typeface="Times New Roman"/>
+              </a:rPr>
+              <a:t>{{N</a:t>
+            </a:r>
+            <a:r>
+              <a:rPr lang="en-US" sz="1350" spc="-4">
+                <a:solidFill>
+                  <a:srgbClr val="2C3E77"/>
+                </a:solidFill>
+                <a:latin typeface="Times New Roman"/>
+                <a:ea typeface="Times New Roman"/>
+                <a:cs typeface="Times New Roman"/>
+                <a:sym typeface="Times New Roman"/>
+              </a:rPr>
+              <a:t>AME_EN}}</a:t>
+            </a:r>
+          </a:p>
+        </p:txBody>
+      </p:sp>
+      <p:sp>
+        <p:nvSpPr>
+          <p:cNvPr name="TextBox 31" id="31"/>
           <p:cNvSpPr txBox="true"/>
           <p:nvPr/>
         </p:nvSpPr>
         <p:spPr>
           <a:xfrm rot="0">
-            <a:off x="457200" y="3694328"/>
-            <a:ext cx="2062075" cy="241935"/>
+            <a:off x="2519275" y="3690118"/>
+            <a:ext cx="377140" cy="1194435"/>
+          </a:xfrm>
+          <a:prstGeom prst="rect">
+            <a:avLst/>
+          </a:prstGeom>
+        </p:spPr>
+        <p:txBody>
+          <a:bodyPr anchor="t" rtlCol="false" tIns="0" lIns="0" bIns="0" rIns="0">
+            <a:spAutoFit/>
+          </a:bodyPr>
+          <a:lstStyle/>
+          <a:p>
+            <a:pPr algn="r">
+              <a:lnSpc>
+                <a:spcPts val="1889"/>
+              </a:lnSpc>
+            </a:pPr>
+            <a:r>
+              <a:rPr lang="en-US" sz="1350" spc="-4">
+                <a:solidFill>
+                  <a:srgbClr val="FFFFFF"/>
+                </a:solidFill>
+                <a:latin typeface="Times New Roman"/>
+                <a:ea typeface="Times New Roman"/>
+                <a:cs typeface="Times New Roman"/>
+                <a:sym typeface="Times New Roman"/>
+              </a:rPr>
+              <a:t>{{DAYS_COUNT}}</a:t>
+            </a:r>
+          </a:p>
+        </p:txBody>
+      </p:sp>
+      <p:sp>
+        <p:nvSpPr>
+          <p:cNvPr name="TextBox 32" id="32"/>
+          <p:cNvSpPr txBox="true"/>
+          <p:nvPr/>
+        </p:nvSpPr>
+        <p:spPr>
+          <a:xfrm rot="0">
+            <a:off x="3956428" y="7291711"/>
+            <a:ext cx="174879" cy="447027"/>
+          </a:xfrm>
+          <a:prstGeom prst="rect">
+            <a:avLst/>
+          </a:prstGeom>
+        </p:spPr>
+        <p:txBody>
+          <a:bodyPr anchor="t" rtlCol="false" tIns="0" lIns="0" bIns="0" rIns="0">
+            <a:spAutoFit/>
+          </a:bodyPr>
+          <a:lstStyle/>
+          <a:p>
+            <a:pPr algn="l">
+              <a:lnSpc>
+                <a:spcPts val="3375"/>
+              </a:lnSpc>
+            </a:pPr>
+            <a:r>
+              <a:rPr lang="en-US" sz="1350" spc="-4">
+                <a:solidFill>
+                  <a:srgbClr val="2C3E77"/>
+                </a:solidFill>
+                <a:latin typeface="Open Sans"/>
+                <a:ea typeface="Open Sans"/>
+                <a:cs typeface="Open Sans"/>
+                <a:sym typeface="Open Sans"/>
+              </a:rPr>
+              <a:t>    </a:t>
+            </a:r>
+          </a:p>
+        </p:txBody>
+      </p:sp>
+      <p:sp>
+        <p:nvSpPr>
+          <p:cNvPr name="TextBox 33" id="33"/>
+          <p:cNvSpPr txBox="true"/>
+          <p:nvPr/>
+        </p:nvSpPr>
+        <p:spPr>
+          <a:xfrm rot="0">
+            <a:off x="2521219" y="8381505"/>
+            <a:ext cx="3023083" cy="386715"/>
+          </a:xfrm>
+          <a:prstGeom prst="rect">
+            <a:avLst/>
+          </a:prstGeom>
+        </p:spPr>
+        <p:txBody>
+          <a:bodyPr anchor="t" rtlCol="false" tIns="0" lIns="0" bIns="0" rIns="0">
+            <a:spAutoFit/>
+          </a:bodyPr>
+          <a:lstStyle/>
+          <a:p>
+            <a:pPr algn="ctr">
+              <a:lnSpc>
+                <a:spcPts val="3375"/>
+              </a:lnSpc>
+            </a:pPr>
+            <a:r>
+              <a:rPr lang="en-US" sz="1350" spc="-4">
+                <a:solidFill>
+                  <a:srgbClr val="2C3E77"/>
+                </a:solidFill>
+                <a:latin typeface="Times New Roman"/>
+                <a:ea typeface="Times New Roman"/>
+                <a:cs typeface="Times New Roman"/>
+                <a:sym typeface="Times New Roman"/>
+              </a:rPr>
+              <a:t>{{JOB_TITLE_EN}}</a:t>
+            </a:r>
+          </a:p>
+        </p:txBody>
+      </p:sp>
+      <p:sp>
+        <p:nvSpPr>
+          <p:cNvPr name="TextBox 34" id="34"/>
+          <p:cNvSpPr txBox="true"/>
+          <p:nvPr/>
+        </p:nvSpPr>
+        <p:spPr>
+          <a:xfrm rot="0">
+            <a:off x="2521219" y="5300358"/>
+            <a:ext cx="6048109" cy="232410"/>
           </a:xfrm>
           <a:prstGeom prst="rect">
             <a:avLst/>
@@ -3920,30 +4436,30 @@
               </a:lnSpc>
             </a:pPr>
             <a:r>
-              <a:rPr lang="en-US" b="true" sz="1350">
-                <a:solidFill>
-                  <a:srgbClr val="FFFFFF"/>
-                </a:solidFill>
-                <a:latin typeface="Times New Roman Bold"/>
-                <a:ea typeface="Times New Roman Bold"/>
-                <a:cs typeface="Times New Roman Bold"/>
-                <a:sym typeface="Times New Roman Bold"/>
-              </a:rPr>
-              <a:t>Leave Duration</a:t>
-            </a:r>
-          </a:p>
-        </p:txBody>
-      </p:sp>
-      <p:sp>
-        <p:nvSpPr>
-          <p:cNvPr name="TextBox 23" id="23"/>
+              <a:rPr lang="en-US" sz="1350" spc="-4">
+                <a:solidFill>
+                  <a:srgbClr val="2C3E77"/>
+                </a:solidFill>
+                <a:latin typeface="Open Sans"/>
+                <a:ea typeface="Open Sans"/>
+                <a:cs typeface="Open Sans"/>
+                <a:sym typeface="Open Sans"/>
+              </a:rPr>
+              <a:t>{{REPORT_ISSUE_DATE}}</a:t>
+            </a:r>
+          </a:p>
+        </p:txBody>
+      </p:sp>
+      <p:sp>
+        <p:nvSpPr>
+          <p:cNvPr name="TextBox 35" id="35"/>
           <p:cNvSpPr txBox="true"/>
           <p:nvPr/>
         </p:nvSpPr>
         <p:spPr>
           <a:xfrm rot="0">
-            <a:off x="476250" y="4761509"/>
-            <a:ext cx="2044969" cy="241935"/>
+            <a:off x="2519275" y="6367405"/>
+            <a:ext cx="6050053" cy="232410"/>
           </a:xfrm>
           <a:prstGeom prst="rect">
             <a:avLst/>
@@ -3961,30 +4477,30 @@
               </a:lnSpc>
             </a:pPr>
             <a:r>
-              <a:rPr lang="en-US" b="true" sz="1350">
-                <a:solidFill>
-                  <a:srgbClr val="366FB5"/>
-                </a:solidFill>
-                <a:latin typeface="Times New Roman Bold"/>
-                <a:ea typeface="Times New Roman Bold"/>
-                <a:cs typeface="Times New Roman Bold"/>
-                <a:sym typeface="Times New Roman Bold"/>
-              </a:rPr>
-              <a:t>Discharge Date</a:t>
-            </a:r>
-          </a:p>
-        </p:txBody>
-      </p:sp>
-      <p:sp>
-        <p:nvSpPr>
-          <p:cNvPr name="TextBox 24" id="24"/>
+              <a:rPr lang="en-US" sz="1350" spc="-4">
+                <a:solidFill>
+                  <a:srgbClr val="2C3E77"/>
+                </a:solidFill>
+                <a:latin typeface="Open Sans"/>
+                <a:ea typeface="Open Sans"/>
+                <a:cs typeface="Open Sans"/>
+                <a:sym typeface="Open Sans"/>
+              </a:rPr>
+              <a:t>{{ID_NUMBER}}</a:t>
+            </a:r>
+          </a:p>
+        </p:txBody>
+      </p:sp>
+      <p:sp>
+        <p:nvSpPr>
+          <p:cNvPr name="TextBox 36" id="36"/>
           <p:cNvSpPr txBox="true"/>
           <p:nvPr/>
         </p:nvSpPr>
         <p:spPr>
           <a:xfrm rot="0">
-            <a:off x="476250" y="4227862"/>
-            <a:ext cx="2044969" cy="241935"/>
+            <a:off x="2521219" y="3147070"/>
+            <a:ext cx="6048109" cy="241935"/>
           </a:xfrm>
           <a:prstGeom prst="rect">
             <a:avLst/>
@@ -4002,30 +4518,83 @@
               </a:lnSpc>
             </a:pPr>
             <a:r>
-              <a:rPr lang="en-US" b="true" sz="1350">
-                <a:solidFill>
-                  <a:srgbClr val="366FB5"/>
-                </a:solidFill>
-                <a:latin typeface="Times New Roman Bold"/>
-                <a:ea typeface="Times New Roman Bold"/>
-                <a:cs typeface="Times New Roman Bold"/>
-                <a:sym typeface="Times New Roman Bold"/>
-              </a:rPr>
-              <a:t>Admission Date</a:t>
-            </a:r>
-          </a:p>
-        </p:txBody>
-      </p:sp>
-      <p:sp>
-        <p:nvSpPr>
-          <p:cNvPr name="TextBox 25" id="25"/>
+              <a:rPr lang="en-US" sz="1350" spc="-4">
+                <a:solidFill>
+                  <a:srgbClr val="2C3E77"/>
+                </a:solidFill>
+                <a:latin typeface="Times New Roman"/>
+                <a:ea typeface="Times New Roman"/>
+                <a:cs typeface="Times New Roman"/>
+                <a:sym typeface="Times New Roman"/>
+              </a:rPr>
+              <a:t>{{</a:t>
+            </a:r>
+            <a:r>
+              <a:rPr lang="en-US" sz="1350" spc="-4">
+                <a:solidFill>
+                  <a:srgbClr val="2C3E77"/>
+                </a:solidFill>
+                <a:latin typeface="Times New Roman"/>
+                <a:ea typeface="Times New Roman"/>
+                <a:cs typeface="Times New Roman"/>
+                <a:sym typeface="Times New Roman"/>
+              </a:rPr>
+              <a:t>SERVICE_CODE}}</a:t>
+            </a:r>
+          </a:p>
+        </p:txBody>
+      </p:sp>
+      <p:sp>
+        <p:nvSpPr>
+          <p:cNvPr name="TextBox 37" id="37"/>
           <p:cNvSpPr txBox="true"/>
           <p:nvPr/>
         </p:nvSpPr>
         <p:spPr>
           <a:xfrm rot="0">
-            <a:off x="476250" y="7978931"/>
-            <a:ext cx="2044969" cy="241935"/>
+            <a:off x="5871210" y="3696729"/>
+            <a:ext cx="917943" cy="480060"/>
+          </a:xfrm>
+          <a:prstGeom prst="rect">
+            <a:avLst/>
+          </a:prstGeom>
+        </p:spPr>
+        <p:txBody>
+          <a:bodyPr anchor="t" rtlCol="false" tIns="0" lIns="0" bIns="0" rIns="0">
+            <a:spAutoFit/>
+          </a:bodyPr>
+          <a:lstStyle/>
+          <a:p>
+            <a:pPr algn="r">
+              <a:lnSpc>
+                <a:spcPts val="1889"/>
+              </a:lnSpc>
+            </a:pPr>
+            <a:r>
+              <a:rPr lang="en-US" sz="1350" spc="-4">
+                <a:solidFill>
+                  <a:srgbClr val="FFFFFF"/>
+                </a:solidFill>
+                <a:latin typeface="Times New Roman"/>
+                <a:ea typeface="Times New Roman"/>
+                <a:cs typeface="Times New Roman"/>
+                <a:sym typeface="Times New Roman"/>
+              </a:rPr>
+              <a:t>{{EXIT_DATE_HIJRI}}</a:t>
+            </a:r>
+          </a:p>
+        </p:txBody>
+      </p:sp>
+      <p:sp>
+        <p:nvSpPr>
+          <p:cNvPr name="TextBox 38" id="38"/>
+          <p:cNvSpPr txBox="true"/>
+          <p:nvPr/>
+        </p:nvSpPr>
+        <p:spPr>
+          <a:xfrm rot="0">
+            <a:off x="5568953" y="4233177"/>
+            <a:ext cx="3076899" cy="232410"/>
           </a:xfrm>
           <a:prstGeom prst="rect">
             <a:avLst/>
@@ -4043,30 +4612,30 @@
               </a:lnSpc>
             </a:pPr>
             <a:r>
-              <a:rPr lang="en-US" b="true" sz="1350">
-                <a:solidFill>
-                  <a:srgbClr val="366FB5"/>
-                </a:solidFill>
-                <a:latin typeface="Times New Roman Bold"/>
-                <a:ea typeface="Times New Roman Bold"/>
-                <a:cs typeface="Times New Roman Bold"/>
-                <a:sym typeface="Times New Roman Bold"/>
-              </a:rPr>
-              <a:t>Practitioner Name</a:t>
-            </a:r>
-          </a:p>
-        </p:txBody>
-      </p:sp>
-      <p:sp>
-        <p:nvSpPr>
-          <p:cNvPr name="TextBox 26" id="26"/>
+              <a:rPr lang="en-US" sz="1350" spc="-4">
+                <a:solidFill>
+                  <a:srgbClr val="2C3E77"/>
+                </a:solidFill>
+                <a:latin typeface="Open Sans"/>
+                <a:ea typeface="Open Sans"/>
+                <a:cs typeface="Open Sans"/>
+                <a:sym typeface="Open Sans"/>
+              </a:rPr>
+              <a:t>{{ENTRY_DATE_HIJRI}}</a:t>
+            </a:r>
+          </a:p>
+        </p:txBody>
+      </p:sp>
+      <p:sp>
+        <p:nvSpPr>
+          <p:cNvPr name="TextBox 39" id="39"/>
           <p:cNvSpPr txBox="true"/>
           <p:nvPr/>
         </p:nvSpPr>
         <p:spPr>
           <a:xfrm rot="0">
-            <a:off x="476250" y="6362090"/>
-            <a:ext cx="2044969" cy="241935"/>
+            <a:off x="5568953" y="4766824"/>
+            <a:ext cx="3076899" cy="232410"/>
           </a:xfrm>
           <a:prstGeom prst="rect">
             <a:avLst/>
@@ -4084,30 +4653,196 @@
               </a:lnSpc>
             </a:pPr>
             <a:r>
-              <a:rPr lang="en-US" b="true" sz="1350">
-                <a:solidFill>
-                  <a:srgbClr val="366FB5"/>
-                </a:solidFill>
-                <a:latin typeface="Times New Roman Bold"/>
-                <a:ea typeface="Times New Roman Bold"/>
-                <a:cs typeface="Times New Roman Bold"/>
-                <a:sym typeface="Times New Roman Bold"/>
-              </a:rPr>
-              <a:t>National ID / Iqama</a:t>
-            </a:r>
-          </a:p>
-        </p:txBody>
-      </p:sp>
-      <p:sp>
-        <p:nvSpPr>
-          <p:cNvPr name="TextBox 27" id="27"/>
+              <a:rPr lang="en-US" sz="1350" spc="-4">
+                <a:solidFill>
+                  <a:srgbClr val="2C3E77"/>
+                </a:solidFill>
+                <a:latin typeface="Open Sans"/>
+                <a:ea typeface="Open Sans"/>
+                <a:cs typeface="Open Sans"/>
+                <a:sym typeface="Open Sans"/>
+              </a:rPr>
+              <a:t>{{EXIT_DATE_HIJRI}}</a:t>
+            </a:r>
+          </a:p>
+        </p:txBody>
+      </p:sp>
+      <p:sp>
+        <p:nvSpPr>
+          <p:cNvPr name="TextBox 40" id="40"/>
           <p:cNvSpPr txBox="true"/>
           <p:nvPr/>
         </p:nvSpPr>
         <p:spPr>
           <a:xfrm rot="0">
-            <a:off x="2521219" y="4233177"/>
-            <a:ext cx="3117533" cy="232410"/>
+            <a:off x="6982711" y="3696729"/>
+            <a:ext cx="1094965" cy="480060"/>
+          </a:xfrm>
+          <a:prstGeom prst="rect">
+            <a:avLst/>
+          </a:prstGeom>
+        </p:spPr>
+        <p:txBody>
+          <a:bodyPr anchor="t" rtlCol="false" tIns="0" lIns="0" bIns="0" rIns="0">
+            <a:spAutoFit/>
+          </a:bodyPr>
+          <a:lstStyle/>
+          <a:p>
+            <a:pPr algn="l">
+              <a:lnSpc>
+                <a:spcPts val="1889"/>
+              </a:lnSpc>
+            </a:pPr>
+            <a:r>
+              <a:rPr lang="en-US" sz="1350" spc="-4">
+                <a:solidFill>
+                  <a:srgbClr val="FFFFFF"/>
+                </a:solidFill>
+                <a:latin typeface="Times New Roman"/>
+                <a:ea typeface="Times New Roman"/>
+                <a:cs typeface="Times New Roman"/>
+                <a:sym typeface="Times New Roman"/>
+              </a:rPr>
+              <a:t>{{ENTRY_DATE_HIJRI}}</a:t>
+            </a:r>
+          </a:p>
+        </p:txBody>
+      </p:sp>
+      <p:sp>
+        <p:nvSpPr>
+          <p:cNvPr name="TextBox 41" id="41"/>
+          <p:cNvSpPr txBox="true"/>
+          <p:nvPr/>
+        </p:nvSpPr>
+        <p:spPr>
+          <a:xfrm rot="0">
+            <a:off x="8142351" y="3696729"/>
+            <a:ext cx="435959" cy="956310"/>
+          </a:xfrm>
+          <a:prstGeom prst="rect">
+            <a:avLst/>
+          </a:prstGeom>
+        </p:spPr>
+        <p:txBody>
+          <a:bodyPr anchor="t" rtlCol="false" tIns="0" lIns="0" bIns="0" rIns="0">
+            <a:spAutoFit/>
+          </a:bodyPr>
+          <a:lstStyle/>
+          <a:p>
+            <a:pPr algn="l">
+              <a:lnSpc>
+                <a:spcPts val="1889"/>
+              </a:lnSpc>
+            </a:pPr>
+            <a:r>
+              <a:rPr lang="en-US" sz="1350" spc="-4">
+                <a:solidFill>
+                  <a:srgbClr val="FFFFFF"/>
+                </a:solidFill>
+                <a:latin typeface="Times New Roman"/>
+                <a:ea typeface="Times New Roman"/>
+                <a:cs typeface="Times New Roman"/>
+                <a:sym typeface="Times New Roman"/>
+              </a:rPr>
+              <a:t>{{DAYS_COUNT}}</a:t>
+            </a:r>
+          </a:p>
+        </p:txBody>
+      </p:sp>
+      <p:sp>
+        <p:nvSpPr>
+          <p:cNvPr name="TextBox 42" id="42"/>
+          <p:cNvSpPr txBox="true"/>
+          <p:nvPr/>
+        </p:nvSpPr>
+        <p:spPr>
+          <a:xfrm rot="0">
+            <a:off x="6771132" y="3697100"/>
+            <a:ext cx="215798" cy="232410"/>
+          </a:xfrm>
+          <a:prstGeom prst="rect">
+            <a:avLst/>
+          </a:prstGeom>
+        </p:spPr>
+        <p:txBody>
+          <a:bodyPr anchor="t" rtlCol="false" tIns="0" lIns="0" bIns="0" rIns="0">
+            <a:spAutoFit/>
+          </a:bodyPr>
+          <a:lstStyle/>
+          <a:p>
+            <a:pPr algn="l" rtl="true">
+              <a:lnSpc>
+                <a:spcPts val="1889"/>
+              </a:lnSpc>
+            </a:pPr>
+            <a:r>
+              <a:rPr lang="ar-EG" sz="1350">
+                <a:solidFill>
+                  <a:srgbClr val="FFFFFF"/>
+                </a:solidFill>
+                <a:latin typeface="Noto Sans Arabic"/>
+                <a:ea typeface="Noto Sans Arabic"/>
+                <a:cs typeface="Noto Sans Arabic"/>
+                <a:sym typeface="Noto Sans Arabic"/>
+                <a:rtl val="true"/>
+              </a:rPr>
+              <a:t>الى</a:t>
+            </a:r>
+          </a:p>
+        </p:txBody>
+      </p:sp>
+      <p:sp>
+        <p:nvSpPr>
+          <p:cNvPr name="TextBox 43" id="43"/>
+          <p:cNvSpPr txBox="true"/>
+          <p:nvPr/>
+        </p:nvSpPr>
+        <p:spPr>
+          <a:xfrm rot="0">
+            <a:off x="5568953" y="7431919"/>
+            <a:ext cx="3000375" cy="232410"/>
+          </a:xfrm>
+          <a:prstGeom prst="rect">
+            <a:avLst/>
+          </a:prstGeom>
+        </p:spPr>
+        <p:txBody>
+          <a:bodyPr anchor="t" rtlCol="false" tIns="0" lIns="0" bIns="0" rIns="0">
+            <a:spAutoFit/>
+          </a:bodyPr>
+          <a:lstStyle/>
+          <a:p>
+            <a:pPr algn="ctr" rtl="true">
+              <a:lnSpc>
+                <a:spcPts val="1889"/>
+              </a:lnSpc>
+            </a:pPr>
+            <a:r>
+              <a:rPr lang="ar-EG" sz="1350">
+                <a:solidFill>
+                  <a:srgbClr val="2C3E77"/>
+                </a:solidFill>
+                <a:latin typeface="Noto Sans Arabic"/>
+                <a:ea typeface="Noto Sans Arabic"/>
+                <a:cs typeface="Noto Sans Arabic"/>
+                <a:sym typeface="Noto Sans Arabic"/>
+                <a:rtl val="true"/>
+              </a:rPr>
+              <a:t>الى من يهمه الامر</a:t>
+            </a:r>
+          </a:p>
+        </p:txBody>
+      </p:sp>
+      <p:sp>
+        <p:nvSpPr>
+          <p:cNvPr name="TextBox 44" id="44"/>
+          <p:cNvSpPr txBox="true"/>
+          <p:nvPr/>
+        </p:nvSpPr>
+        <p:spPr>
+          <a:xfrm rot="0">
+            <a:off x="5568953" y="6898396"/>
+            <a:ext cx="3000375" cy="232410"/>
           </a:xfrm>
           <a:prstGeom prst="rect">
             <a:avLst/>
@@ -4125,30 +4860,30 @@
               </a:lnSpc>
             </a:pPr>
             <a:r>
-              <a:rPr lang="en-US" sz="1350" spc="-4">
+              <a:rPr lang="en-US" sz="1350">
                 <a:solidFill>
                   <a:srgbClr val="2C3E77"/>
                 </a:solidFill>
-                <a:latin typeface="Open Sans"/>
-                <a:ea typeface="Open Sans"/>
-                <a:cs typeface="Open Sans"/>
-                <a:sym typeface="Open Sans"/>
-              </a:rPr>
-              <a:t>{{ENTRY_DATE_HIJRI}}</a:t>
-            </a:r>
-          </a:p>
-        </p:txBody>
-      </p:sp>
-      <p:sp>
-        <p:nvSpPr>
-          <p:cNvPr name="TextBox 28" id="28"/>
+                <a:latin typeface="Noto Sans Arabic"/>
+                <a:ea typeface="Noto Sans Arabic"/>
+                <a:cs typeface="Noto Sans Arabic"/>
+                <a:sym typeface="Noto Sans Arabic"/>
+              </a:rPr>
+              <a:t>{{NATIONALITY_AR}}</a:t>
+            </a:r>
+          </a:p>
+        </p:txBody>
+      </p:sp>
+      <p:sp>
+        <p:nvSpPr>
+          <p:cNvPr name="TextBox 45" id="45"/>
           <p:cNvSpPr txBox="true"/>
           <p:nvPr/>
         </p:nvSpPr>
         <p:spPr>
           <a:xfrm rot="0">
-            <a:off x="2521219" y="4766824"/>
-            <a:ext cx="3117533" cy="232410"/>
+            <a:off x="5568953" y="8531362"/>
+            <a:ext cx="3000375" cy="232410"/>
           </a:xfrm>
           <a:prstGeom prst="rect">
             <a:avLst/>
@@ -4166,30 +4901,30 @@
               </a:lnSpc>
             </a:pPr>
             <a:r>
-              <a:rPr lang="en-US" sz="1350" spc="-4">
+              <a:rPr lang="en-US" sz="1350">
                 <a:solidFill>
                   <a:srgbClr val="2C3E77"/>
                 </a:solidFill>
-                <a:latin typeface="Open Sans"/>
-                <a:ea typeface="Open Sans"/>
-                <a:cs typeface="Open Sans"/>
-                <a:sym typeface="Open Sans"/>
-              </a:rPr>
-              <a:t>{{EXIT_DATE_GREGORIAN}}</a:t>
-            </a:r>
-          </a:p>
-        </p:txBody>
-      </p:sp>
-      <p:sp>
-        <p:nvSpPr>
-          <p:cNvPr name="TextBox 29" id="29"/>
+                <a:latin typeface="Noto Sans Arabic"/>
+                <a:ea typeface="Noto Sans Arabic"/>
+                <a:cs typeface="Noto Sans Arabic"/>
+                <a:sym typeface="Noto Sans Arabic"/>
+              </a:rPr>
+              <a:t>{{JOB_TITLE_AR}}</a:t>
+            </a:r>
+          </a:p>
+        </p:txBody>
+      </p:sp>
+      <p:sp>
+        <p:nvSpPr>
+          <p:cNvPr name="TextBox 46" id="46"/>
           <p:cNvSpPr txBox="true"/>
           <p:nvPr/>
         </p:nvSpPr>
         <p:spPr>
           <a:xfrm rot="0">
-            <a:off x="2519275" y="6891414"/>
-            <a:ext cx="3045297" cy="241935"/>
+            <a:off x="5564572" y="5831338"/>
+            <a:ext cx="3004756" cy="232410"/>
           </a:xfrm>
           <a:prstGeom prst="rect">
             <a:avLst/>
@@ -4207,42 +4942,30 @@
               </a:lnSpc>
             </a:pPr>
             <a:r>
-              <a:rPr lang="en-US" sz="1350" spc="-4">
+              <a:rPr lang="en-US" sz="1350">
                 <a:solidFill>
                   <a:srgbClr val="2C3E77"/>
                 </a:solidFill>
-                <a:latin typeface="Times New Roman"/>
-                <a:ea typeface="Times New Roman"/>
-                <a:cs typeface="Times New Roman"/>
-                <a:sym typeface="Times New Roman"/>
-              </a:rPr>
-              <a:t>{{N</a:t>
-            </a:r>
-            <a:r>
-              <a:rPr lang="en-US" sz="1350" spc="-4">
-                <a:solidFill>
-                  <a:srgbClr val="2C3E77"/>
-                </a:solidFill>
-                <a:latin typeface="Times New Roman"/>
-                <a:ea typeface="Times New Roman"/>
-                <a:cs typeface="Times New Roman"/>
-                <a:sym typeface="Times New Roman"/>
-              </a:rPr>
-              <a:t>ATIONALITY_EN}}</a:t>
-            </a:r>
-          </a:p>
-        </p:txBody>
-      </p:sp>
-      <p:sp>
-        <p:nvSpPr>
-          <p:cNvPr name="TextBox 30" id="30"/>
+                <a:latin typeface="Noto Sans Arabic"/>
+                <a:ea typeface="Noto Sans Arabic"/>
+                <a:cs typeface="Noto Sans Arabic"/>
+                <a:sym typeface="Noto Sans Arabic"/>
+              </a:rPr>
+              <a:t>{{NAME_AR}}</a:t>
+            </a:r>
+          </a:p>
+        </p:txBody>
+      </p:sp>
+      <p:sp>
+        <p:nvSpPr>
+          <p:cNvPr name="TextBox 47" id="47"/>
           <p:cNvSpPr txBox="true"/>
           <p:nvPr/>
         </p:nvSpPr>
         <p:spPr>
           <a:xfrm rot="0">
-            <a:off x="2519275" y="5824357"/>
-            <a:ext cx="3045297" cy="241935"/>
+            <a:off x="5568953" y="7981702"/>
+            <a:ext cx="3000375" cy="232410"/>
           </a:xfrm>
           <a:prstGeom prst="rect">
             <a:avLst/>
@@ -4260,505 +4983,30 @@
               </a:lnSpc>
             </a:pPr>
             <a:r>
-              <a:rPr lang="en-US" sz="1350" spc="-4">
+              <a:rPr lang="en-US" sz="1350">
                 <a:solidFill>
                   <a:srgbClr val="2C3E77"/>
                 </a:solidFill>
-                <a:latin typeface="Times New Roman"/>
-                <a:ea typeface="Times New Roman"/>
-                <a:cs typeface="Times New Roman"/>
-                <a:sym typeface="Times New Roman"/>
-              </a:rPr>
-              <a:t>{{N</a:t>
-            </a:r>
-            <a:r>
-              <a:rPr lang="en-US" sz="1350" spc="-4">
-                <a:solidFill>
-                  <a:srgbClr val="2C3E77"/>
-                </a:solidFill>
-                <a:latin typeface="Times New Roman"/>
-                <a:ea typeface="Times New Roman"/>
-                <a:cs typeface="Times New Roman"/>
-                <a:sym typeface="Times New Roman"/>
-              </a:rPr>
-              <a:t>AME_EN}}</a:t>
-            </a:r>
-          </a:p>
-        </p:txBody>
-      </p:sp>
-      <p:sp>
-        <p:nvSpPr>
-          <p:cNvPr name="TextBox 31" id="31"/>
+                <a:latin typeface="Noto Sans Arabic"/>
+                <a:ea typeface="Noto Sans Arabic"/>
+                <a:cs typeface="Noto Sans Arabic"/>
+                <a:sym typeface="Noto Sans Arabic"/>
+              </a:rPr>
+              <a:t>{{DOCTOR_NAME_AR}}</a:t>
+            </a:r>
+          </a:p>
+        </p:txBody>
+      </p:sp>
+      <p:sp>
+        <p:nvSpPr>
+          <p:cNvPr name="TextBox 48" id="48"/>
           <p:cNvSpPr txBox="true"/>
           <p:nvPr/>
         </p:nvSpPr>
         <p:spPr>
           <a:xfrm rot="0">
-            <a:off x="2519275" y="3690118"/>
-            <a:ext cx="377140" cy="1194435"/>
-          </a:xfrm>
-          <a:prstGeom prst="rect">
-            <a:avLst/>
-          </a:prstGeom>
-        </p:spPr>
-        <p:txBody>
-          <a:bodyPr anchor="t" rtlCol="false" tIns="0" lIns="0" bIns="0" rIns="0">
-            <a:spAutoFit/>
-          </a:bodyPr>
-          <a:lstStyle/>
-          <a:p>
-            <a:pPr algn="r">
-              <a:lnSpc>
-                <a:spcPts val="1889"/>
-              </a:lnSpc>
-            </a:pPr>
-            <a:r>
-              <a:rPr lang="en-US" sz="1350" spc="-4">
-                <a:solidFill>
-                  <a:srgbClr val="FFFFFF"/>
-                </a:solidFill>
-                <a:latin typeface="Times New Roman"/>
-                <a:ea typeface="Times New Roman"/>
-                <a:cs typeface="Times New Roman"/>
-                <a:sym typeface="Times New Roman"/>
-              </a:rPr>
-              <a:t>{{DAYS_COUNT}}</a:t>
-            </a:r>
-          </a:p>
-        </p:txBody>
-      </p:sp>
-      <p:sp>
-        <p:nvSpPr>
-          <p:cNvPr name="TextBox 32" id="32"/>
-          <p:cNvSpPr txBox="true"/>
-          <p:nvPr/>
-        </p:nvSpPr>
-        <p:spPr>
-          <a:xfrm rot="0">
-            <a:off x="3956428" y="7291711"/>
-            <a:ext cx="174879" cy="447027"/>
-          </a:xfrm>
-          <a:prstGeom prst="rect">
-            <a:avLst/>
-          </a:prstGeom>
-        </p:spPr>
-        <p:txBody>
-          <a:bodyPr anchor="t" rtlCol="false" tIns="0" lIns="0" bIns="0" rIns="0">
-            <a:spAutoFit/>
-          </a:bodyPr>
-          <a:lstStyle/>
-          <a:p>
-            <a:pPr algn="l">
-              <a:lnSpc>
-                <a:spcPts val="3375"/>
-              </a:lnSpc>
-            </a:pPr>
-            <a:r>
-              <a:rPr lang="en-US" sz="1350" spc="-4">
-                <a:solidFill>
-                  <a:srgbClr val="2C3E77"/>
-                </a:solidFill>
-                <a:latin typeface="Open Sans"/>
-                <a:ea typeface="Open Sans"/>
-                <a:cs typeface="Open Sans"/>
-                <a:sym typeface="Open Sans"/>
-              </a:rPr>
-              <a:t>    </a:t>
-            </a:r>
-          </a:p>
-        </p:txBody>
-      </p:sp>
-      <p:sp>
-        <p:nvSpPr>
-          <p:cNvPr name="TextBox 33" id="33"/>
-          <p:cNvSpPr txBox="true"/>
-          <p:nvPr/>
-        </p:nvSpPr>
-        <p:spPr>
-          <a:xfrm rot="0">
-            <a:off x="2521219" y="8381505"/>
-            <a:ext cx="3023083" cy="386715"/>
-          </a:xfrm>
-          <a:prstGeom prst="rect">
-            <a:avLst/>
-          </a:prstGeom>
-        </p:spPr>
-        <p:txBody>
-          <a:bodyPr anchor="t" rtlCol="false" tIns="0" lIns="0" bIns="0" rIns="0">
-            <a:spAutoFit/>
-          </a:bodyPr>
-          <a:lstStyle/>
-          <a:p>
-            <a:pPr algn="ctr">
-              <a:lnSpc>
-                <a:spcPts val="3375"/>
-              </a:lnSpc>
-            </a:pPr>
-            <a:r>
-              <a:rPr lang="en-US" sz="1350" spc="-4">
-                <a:solidFill>
-                  <a:srgbClr val="2C3E77"/>
-                </a:solidFill>
-                <a:latin typeface="Times New Roman"/>
-                <a:ea typeface="Times New Roman"/>
-                <a:cs typeface="Times New Roman"/>
-                <a:sym typeface="Times New Roman"/>
-              </a:rPr>
-              <a:t>{{JOB_TITLE_EN}}</a:t>
-            </a:r>
-          </a:p>
-        </p:txBody>
-      </p:sp>
-      <p:sp>
-        <p:nvSpPr>
-          <p:cNvPr name="TextBox 34" id="34"/>
-          <p:cNvSpPr txBox="true"/>
-          <p:nvPr/>
-        </p:nvSpPr>
-        <p:spPr>
-          <a:xfrm rot="0">
-            <a:off x="2521219" y="5300358"/>
-            <a:ext cx="6048109" cy="232410"/>
-          </a:xfrm>
-          <a:prstGeom prst="rect">
-            <a:avLst/>
-          </a:prstGeom>
-        </p:spPr>
-        <p:txBody>
-          <a:bodyPr anchor="t" rtlCol="false" tIns="0" lIns="0" bIns="0" rIns="0">
-            <a:spAutoFit/>
-          </a:bodyPr>
-          <a:lstStyle/>
-          <a:p>
-            <a:pPr algn="ctr">
-              <a:lnSpc>
-                <a:spcPts val="1889"/>
-              </a:lnSpc>
-            </a:pPr>
-            <a:r>
-              <a:rPr lang="en-US" sz="1350" spc="-4">
-                <a:solidFill>
-                  <a:srgbClr val="2C3E77"/>
-                </a:solidFill>
-                <a:latin typeface="Open Sans"/>
-                <a:ea typeface="Open Sans"/>
-                <a:cs typeface="Open Sans"/>
-                <a:sym typeface="Open Sans"/>
-              </a:rPr>
-              <a:t>{{REPORT_ISSUE_DATE}}</a:t>
-            </a:r>
-          </a:p>
-        </p:txBody>
-      </p:sp>
-      <p:sp>
-        <p:nvSpPr>
-          <p:cNvPr name="TextBox 35" id="35"/>
-          <p:cNvSpPr txBox="true"/>
-          <p:nvPr/>
-        </p:nvSpPr>
-        <p:spPr>
-          <a:xfrm rot="0">
-            <a:off x="2519275" y="6367405"/>
-            <a:ext cx="6050053" cy="232410"/>
-          </a:xfrm>
-          <a:prstGeom prst="rect">
-            <a:avLst/>
-          </a:prstGeom>
-        </p:spPr>
-        <p:txBody>
-          <a:bodyPr anchor="t" rtlCol="false" tIns="0" lIns="0" bIns="0" rIns="0">
-            <a:spAutoFit/>
-          </a:bodyPr>
-          <a:lstStyle/>
-          <a:p>
-            <a:pPr algn="ctr">
-              <a:lnSpc>
-                <a:spcPts val="1889"/>
-              </a:lnSpc>
-            </a:pPr>
-            <a:r>
-              <a:rPr lang="en-US" sz="1350" spc="-4">
-                <a:solidFill>
-                  <a:srgbClr val="2C3E77"/>
-                </a:solidFill>
-                <a:latin typeface="Open Sans"/>
-                <a:ea typeface="Open Sans"/>
-                <a:cs typeface="Open Sans"/>
-                <a:sym typeface="Open Sans"/>
-              </a:rPr>
-              <a:t>{{ID_NUMBER}}</a:t>
-            </a:r>
-          </a:p>
-        </p:txBody>
-      </p:sp>
-      <p:sp>
-        <p:nvSpPr>
-          <p:cNvPr name="TextBox 36" id="36"/>
-          <p:cNvSpPr txBox="true"/>
-          <p:nvPr/>
-        </p:nvSpPr>
-        <p:spPr>
-          <a:xfrm rot="0">
-            <a:off x="2521219" y="3156595"/>
-            <a:ext cx="6048109" cy="232410"/>
-          </a:xfrm>
-          <a:prstGeom prst="rect">
-            <a:avLst/>
-          </a:prstGeom>
-        </p:spPr>
-        <p:txBody>
-          <a:bodyPr anchor="t" rtlCol="false" tIns="0" lIns="0" bIns="0" rIns="0">
-            <a:spAutoFit/>
-          </a:bodyPr>
-          <a:lstStyle/>
-          <a:p>
-            <a:pPr algn="ctr">
-              <a:lnSpc>
-                <a:spcPts val="1889"/>
-              </a:lnSpc>
-            </a:pPr>
-            <a:r>
-              <a:rPr lang="en-US" sz="1350" spc="-4">
-                <a:solidFill>
-                  <a:srgbClr val="2C3E77"/>
-                </a:solidFill>
-                <a:latin typeface="Open Sans"/>
-                <a:ea typeface="Open Sans"/>
-                <a:cs typeface="Open Sans"/>
-                <a:sym typeface="Open Sans"/>
-              </a:rPr>
-              <a:t>{{</a:t>
-            </a:r>
-            <a:r>
-              <a:rPr lang="en-US" sz="1350" spc="-4">
-                <a:solidFill>
-                  <a:srgbClr val="2C3E77"/>
-                </a:solidFill>
-                <a:latin typeface="Open Sans"/>
-                <a:ea typeface="Open Sans"/>
-                <a:cs typeface="Open Sans"/>
-                <a:sym typeface="Open Sans"/>
-              </a:rPr>
-              <a:t>SERVICE_CODE}}</a:t>
-            </a:r>
-          </a:p>
-        </p:txBody>
-      </p:sp>
-      <p:sp>
-        <p:nvSpPr>
-          <p:cNvPr name="TextBox 37" id="37"/>
-          <p:cNvSpPr txBox="true"/>
-          <p:nvPr/>
-        </p:nvSpPr>
-        <p:spPr>
-          <a:xfrm rot="0">
-            <a:off x="5871210" y="3696729"/>
-            <a:ext cx="917943" cy="480060"/>
-          </a:xfrm>
-          <a:prstGeom prst="rect">
-            <a:avLst/>
-          </a:prstGeom>
-        </p:spPr>
-        <p:txBody>
-          <a:bodyPr anchor="t" rtlCol="false" tIns="0" lIns="0" bIns="0" rIns="0">
-            <a:spAutoFit/>
-          </a:bodyPr>
-          <a:lstStyle/>
-          <a:p>
-            <a:pPr algn="r">
-              <a:lnSpc>
-                <a:spcPts val="1889"/>
-              </a:lnSpc>
-            </a:pPr>
-            <a:r>
-              <a:rPr lang="en-US" sz="1350" spc="-4">
-                <a:solidFill>
-                  <a:srgbClr val="FFFFFF"/>
-                </a:solidFill>
-                <a:latin typeface="Times New Roman"/>
-                <a:ea typeface="Times New Roman"/>
-                <a:cs typeface="Times New Roman"/>
-                <a:sym typeface="Times New Roman"/>
-              </a:rPr>
-              <a:t>{{EXIT_DATE_HIJRI}}</a:t>
-            </a:r>
-          </a:p>
-        </p:txBody>
-      </p:sp>
-      <p:sp>
-        <p:nvSpPr>
-          <p:cNvPr name="TextBox 38" id="38"/>
-          <p:cNvSpPr txBox="true"/>
-          <p:nvPr/>
-        </p:nvSpPr>
-        <p:spPr>
-          <a:xfrm rot="0">
-            <a:off x="5568953" y="4233177"/>
-            <a:ext cx="3076899" cy="232410"/>
-          </a:xfrm>
-          <a:prstGeom prst="rect">
-            <a:avLst/>
-          </a:prstGeom>
-        </p:spPr>
-        <p:txBody>
-          <a:bodyPr anchor="t" rtlCol="false" tIns="0" lIns="0" bIns="0" rIns="0">
-            <a:spAutoFit/>
-          </a:bodyPr>
-          <a:lstStyle/>
-          <a:p>
-            <a:pPr algn="ctr">
-              <a:lnSpc>
-                <a:spcPts val="1889"/>
-              </a:lnSpc>
-            </a:pPr>
-            <a:r>
-              <a:rPr lang="en-US" sz="1350" spc="-4">
-                <a:solidFill>
-                  <a:srgbClr val="2C3E77"/>
-                </a:solidFill>
-                <a:latin typeface="Open Sans"/>
-                <a:ea typeface="Open Sans"/>
-                <a:cs typeface="Open Sans"/>
-                <a:sym typeface="Open Sans"/>
-              </a:rPr>
-              <a:t>{{ENTRY_DATE_HIJRI}}</a:t>
-            </a:r>
-          </a:p>
-        </p:txBody>
-      </p:sp>
-      <p:sp>
-        <p:nvSpPr>
-          <p:cNvPr name="TextBox 39" id="39"/>
-          <p:cNvSpPr txBox="true"/>
-          <p:nvPr/>
-        </p:nvSpPr>
-        <p:spPr>
-          <a:xfrm rot="0">
-            <a:off x="5568953" y="4766824"/>
-            <a:ext cx="3076899" cy="232410"/>
-          </a:xfrm>
-          <a:prstGeom prst="rect">
-            <a:avLst/>
-          </a:prstGeom>
-        </p:spPr>
-        <p:txBody>
-          <a:bodyPr anchor="t" rtlCol="false" tIns="0" lIns="0" bIns="0" rIns="0">
-            <a:spAutoFit/>
-          </a:bodyPr>
-          <a:lstStyle/>
-          <a:p>
-            <a:pPr algn="ctr">
-              <a:lnSpc>
-                <a:spcPts val="1889"/>
-              </a:lnSpc>
-            </a:pPr>
-            <a:r>
-              <a:rPr lang="en-US" sz="1350" spc="-4">
-                <a:solidFill>
-                  <a:srgbClr val="2C3E77"/>
-                </a:solidFill>
-                <a:latin typeface="Open Sans"/>
-                <a:ea typeface="Open Sans"/>
-                <a:cs typeface="Open Sans"/>
-                <a:sym typeface="Open Sans"/>
-              </a:rPr>
-              <a:t>{{EXIT_DATE_HIJRI}}</a:t>
-            </a:r>
-          </a:p>
-        </p:txBody>
-      </p:sp>
-      <p:sp>
-        <p:nvSpPr>
-          <p:cNvPr name="TextBox 40" id="40"/>
-          <p:cNvSpPr txBox="true"/>
-          <p:nvPr/>
-        </p:nvSpPr>
-        <p:spPr>
-          <a:xfrm rot="0">
-            <a:off x="6982711" y="3696729"/>
-            <a:ext cx="1094965" cy="480060"/>
-          </a:xfrm>
-          <a:prstGeom prst="rect">
-            <a:avLst/>
-          </a:prstGeom>
-        </p:spPr>
-        <p:txBody>
-          <a:bodyPr anchor="t" rtlCol="false" tIns="0" lIns="0" bIns="0" rIns="0">
-            <a:spAutoFit/>
-          </a:bodyPr>
-          <a:lstStyle/>
-          <a:p>
-            <a:pPr algn="l">
-              <a:lnSpc>
-                <a:spcPts val="1889"/>
-              </a:lnSpc>
-            </a:pPr>
-            <a:r>
-              <a:rPr lang="en-US" sz="1350" spc="-4">
-                <a:solidFill>
-                  <a:srgbClr val="FFFFFF"/>
-                </a:solidFill>
-                <a:latin typeface="Times New Roman"/>
-                <a:ea typeface="Times New Roman"/>
-                <a:cs typeface="Times New Roman"/>
-                <a:sym typeface="Times New Roman"/>
-              </a:rPr>
-              <a:t>{{ENTRY_DATE_HIJRI}}</a:t>
-            </a:r>
-          </a:p>
-        </p:txBody>
-      </p:sp>
-      <p:sp>
-        <p:nvSpPr>
-          <p:cNvPr name="TextBox 41" id="41"/>
-          <p:cNvSpPr txBox="true"/>
-          <p:nvPr/>
-        </p:nvSpPr>
-        <p:spPr>
-          <a:xfrm rot="0">
-            <a:off x="8142351" y="3696729"/>
-            <a:ext cx="435959" cy="956310"/>
-          </a:xfrm>
-          <a:prstGeom prst="rect">
-            <a:avLst/>
-          </a:prstGeom>
-        </p:spPr>
-        <p:txBody>
-          <a:bodyPr anchor="t" rtlCol="false" tIns="0" lIns="0" bIns="0" rIns="0">
-            <a:spAutoFit/>
-          </a:bodyPr>
-          <a:lstStyle/>
-          <a:p>
-            <a:pPr algn="l">
-              <a:lnSpc>
-                <a:spcPts val="1889"/>
-              </a:lnSpc>
-            </a:pPr>
-            <a:r>
-              <a:rPr lang="en-US" sz="1350" spc="-4">
-                <a:solidFill>
-                  <a:srgbClr val="FFFFFF"/>
-                </a:solidFill>
-                <a:latin typeface="Times New Roman"/>
-                <a:ea typeface="Times New Roman"/>
-                <a:cs typeface="Times New Roman"/>
-                <a:sym typeface="Times New Roman"/>
-              </a:rPr>
-              <a:t>{{DAYS_COUNT}}</a:t>
-            </a:r>
-          </a:p>
-        </p:txBody>
-      </p:sp>
-      <p:sp>
-        <p:nvSpPr>
-          <p:cNvPr name="TextBox 42" id="42"/>
-          <p:cNvSpPr txBox="true"/>
-          <p:nvPr/>
-        </p:nvSpPr>
-        <p:spPr>
-          <a:xfrm rot="0">
-            <a:off x="6771132" y="3697100"/>
-            <a:ext cx="215798" cy="232410"/>
+            <a:off x="7927210" y="3697100"/>
+            <a:ext cx="219475" cy="273406"/>
           </a:xfrm>
           <a:prstGeom prst="rect">
             <a:avLst/>
@@ -4786,21 +5034,21 @@
                 <a:sym typeface="Noto Sans Arabic"/>
                 <a:rtl val="true"/>
               </a:rPr>
-              <a:t>الى</a:t>
-            </a:r>
-          </a:p>
-        </p:txBody>
-      </p:sp>
-      <p:sp>
-        <p:nvSpPr>
-          <p:cNvPr name="TextBox 43" id="43"/>
+              <a:t>يوم</a:t>
+            </a:r>
+          </a:p>
+        </p:txBody>
+      </p:sp>
+      <p:sp>
+        <p:nvSpPr>
+          <p:cNvPr name="TextBox 49" id="49"/>
           <p:cNvSpPr txBox="true"/>
           <p:nvPr/>
         </p:nvSpPr>
         <p:spPr>
           <a:xfrm rot="0">
-            <a:off x="5568953" y="7431919"/>
-            <a:ext cx="3000375" cy="232410"/>
+            <a:off x="8578310" y="5838711"/>
+            <a:ext cx="1657893" cy="232410"/>
           </a:xfrm>
           <a:prstGeom prst="rect">
             <a:avLst/>
@@ -4818,195 +5066,31 @@
               </a:lnSpc>
             </a:pPr>
             <a:r>
-              <a:rPr lang="ar-EG" sz="1350">
-                <a:solidFill>
-                  <a:srgbClr val="2C3E77"/>
-                </a:solidFill>
-                <a:latin typeface="Noto Sans Arabic"/>
-                <a:ea typeface="Noto Sans Arabic"/>
-                <a:cs typeface="Noto Sans Arabic"/>
-                <a:sym typeface="Noto Sans Arabic"/>
+              <a:rPr lang="ar-EG" b="true" sz="1350">
+                <a:solidFill>
+                  <a:srgbClr val="366FB5"/>
+                </a:solidFill>
+                <a:latin typeface="Noto Sans Arabic Bold"/>
+                <a:ea typeface="Noto Sans Arabic Bold"/>
+                <a:cs typeface="Noto Sans Arabic Bold"/>
+                <a:sym typeface="Noto Sans Arabic Bold"/>
                 <a:rtl val="true"/>
               </a:rPr>
-              <a:t>الى من يهمه الامر</a:t>
-            </a:r>
-          </a:p>
-        </p:txBody>
-      </p:sp>
-      <p:sp>
-        <p:nvSpPr>
-          <p:cNvPr name="TextBox 44" id="44"/>
+              <a:t>الاسم</a:t>
+            </a:r>
+          </a:p>
+        </p:txBody>
+      </p:sp>
+      <p:sp>
+        <p:nvSpPr>
+          <p:cNvPr name="TextBox 50" id="50"/>
           <p:cNvSpPr txBox="true"/>
           <p:nvPr/>
         </p:nvSpPr>
         <p:spPr>
           <a:xfrm rot="0">
-            <a:off x="5568953" y="6898396"/>
-            <a:ext cx="3000375" cy="232410"/>
-          </a:xfrm>
-          <a:prstGeom prst="rect">
-            <a:avLst/>
-          </a:prstGeom>
-        </p:spPr>
-        <p:txBody>
-          <a:bodyPr anchor="t" rtlCol="false" tIns="0" lIns="0" bIns="0" rIns="0">
-            <a:spAutoFit/>
-          </a:bodyPr>
-          <a:lstStyle/>
-          <a:p>
-            <a:pPr algn="ctr">
-              <a:lnSpc>
-                <a:spcPts val="1889"/>
-              </a:lnSpc>
-            </a:pPr>
-            <a:r>
-              <a:rPr lang="en-US" sz="1350">
-                <a:solidFill>
-                  <a:srgbClr val="2C3E77"/>
-                </a:solidFill>
-                <a:latin typeface="Noto Sans Arabic"/>
-                <a:ea typeface="Noto Sans Arabic"/>
-                <a:cs typeface="Noto Sans Arabic"/>
-                <a:sym typeface="Noto Sans Arabic"/>
-              </a:rPr>
-              <a:t>{{NATIONALITY_AR}}</a:t>
-            </a:r>
-          </a:p>
-        </p:txBody>
-      </p:sp>
-      <p:sp>
-        <p:nvSpPr>
-          <p:cNvPr name="TextBox 45" id="45"/>
-          <p:cNvSpPr txBox="true"/>
-          <p:nvPr/>
-        </p:nvSpPr>
-        <p:spPr>
-          <a:xfrm rot="0">
-            <a:off x="5568953" y="8531362"/>
-            <a:ext cx="3000375" cy="232410"/>
-          </a:xfrm>
-          <a:prstGeom prst="rect">
-            <a:avLst/>
-          </a:prstGeom>
-        </p:spPr>
-        <p:txBody>
-          <a:bodyPr anchor="t" rtlCol="false" tIns="0" lIns="0" bIns="0" rIns="0">
-            <a:spAutoFit/>
-          </a:bodyPr>
-          <a:lstStyle/>
-          <a:p>
-            <a:pPr algn="ctr">
-              <a:lnSpc>
-                <a:spcPts val="1889"/>
-              </a:lnSpc>
-            </a:pPr>
-            <a:r>
-              <a:rPr lang="en-US" sz="1350">
-                <a:solidFill>
-                  <a:srgbClr val="2C3E77"/>
-                </a:solidFill>
-                <a:latin typeface="Noto Sans Arabic"/>
-                <a:ea typeface="Noto Sans Arabic"/>
-                <a:cs typeface="Noto Sans Arabic"/>
-                <a:sym typeface="Noto Sans Arabic"/>
-              </a:rPr>
-              <a:t>{{JOB_TITLE_AR}}</a:t>
-            </a:r>
-          </a:p>
-        </p:txBody>
-      </p:sp>
-      <p:sp>
-        <p:nvSpPr>
-          <p:cNvPr name="TextBox 46" id="46"/>
-          <p:cNvSpPr txBox="true"/>
-          <p:nvPr/>
-        </p:nvSpPr>
-        <p:spPr>
-          <a:xfrm rot="0">
-            <a:off x="5564572" y="5831338"/>
-            <a:ext cx="3004756" cy="232410"/>
-          </a:xfrm>
-          <a:prstGeom prst="rect">
-            <a:avLst/>
-          </a:prstGeom>
-        </p:spPr>
-        <p:txBody>
-          <a:bodyPr anchor="t" rtlCol="false" tIns="0" lIns="0" bIns="0" rIns="0">
-            <a:spAutoFit/>
-          </a:bodyPr>
-          <a:lstStyle/>
-          <a:p>
-            <a:pPr algn="ctr">
-              <a:lnSpc>
-                <a:spcPts val="1889"/>
-              </a:lnSpc>
-            </a:pPr>
-            <a:r>
-              <a:rPr lang="en-US" sz="1350">
-                <a:solidFill>
-                  <a:srgbClr val="2C3E77"/>
-                </a:solidFill>
-                <a:latin typeface="Noto Sans Arabic"/>
-                <a:ea typeface="Noto Sans Arabic"/>
-                <a:cs typeface="Noto Sans Arabic"/>
-                <a:sym typeface="Noto Sans Arabic"/>
-              </a:rPr>
-              <a:t>{{NAME_AR}}</a:t>
-            </a:r>
-          </a:p>
-        </p:txBody>
-      </p:sp>
-      <p:sp>
-        <p:nvSpPr>
-          <p:cNvPr name="TextBox 47" id="47"/>
-          <p:cNvSpPr txBox="true"/>
-          <p:nvPr/>
-        </p:nvSpPr>
-        <p:spPr>
-          <a:xfrm rot="0">
-            <a:off x="5568953" y="7981702"/>
-            <a:ext cx="3000375" cy="232410"/>
-          </a:xfrm>
-          <a:prstGeom prst="rect">
-            <a:avLst/>
-          </a:prstGeom>
-        </p:spPr>
-        <p:txBody>
-          <a:bodyPr anchor="t" rtlCol="false" tIns="0" lIns="0" bIns="0" rIns="0">
-            <a:spAutoFit/>
-          </a:bodyPr>
-          <a:lstStyle/>
-          <a:p>
-            <a:pPr algn="ctr">
-              <a:lnSpc>
-                <a:spcPts val="1889"/>
-              </a:lnSpc>
-            </a:pPr>
-            <a:r>
-              <a:rPr lang="en-US" sz="1350">
-                <a:solidFill>
-                  <a:srgbClr val="2C3E77"/>
-                </a:solidFill>
-                <a:latin typeface="Noto Sans Arabic"/>
-                <a:ea typeface="Noto Sans Arabic"/>
-                <a:cs typeface="Noto Sans Arabic"/>
-                <a:sym typeface="Noto Sans Arabic"/>
-              </a:rPr>
-              <a:t>{{DOCTOR_NAME_AR}}</a:t>
-            </a:r>
-          </a:p>
-        </p:txBody>
-      </p:sp>
-      <p:sp>
-        <p:nvSpPr>
-          <p:cNvPr name="TextBox 48" id="48"/>
-          <p:cNvSpPr txBox="true"/>
-          <p:nvPr/>
-        </p:nvSpPr>
-        <p:spPr>
-          <a:xfrm rot="0">
-            <a:off x="7927210" y="3697100"/>
-            <a:ext cx="219475" cy="273406"/>
+            <a:off x="9102976" y="6905768"/>
+            <a:ext cx="628164" cy="273406"/>
           </a:xfrm>
           <a:prstGeom prst="rect">
             <a:avLst/>
@@ -5024,31 +5108,31 @@
               </a:lnSpc>
             </a:pPr>
             <a:r>
-              <a:rPr lang="ar-EG" sz="1350">
-                <a:solidFill>
-                  <a:srgbClr val="FFFFFF"/>
-                </a:solidFill>
-                <a:latin typeface="Noto Sans Arabic"/>
-                <a:ea typeface="Noto Sans Arabic"/>
-                <a:cs typeface="Noto Sans Arabic"/>
-                <a:sym typeface="Noto Sans Arabic"/>
+              <a:rPr lang="ar-EG" b="true" sz="1350">
+                <a:solidFill>
+                  <a:srgbClr val="366FB5"/>
+                </a:solidFill>
+                <a:latin typeface="Noto Sans Arabic Bold"/>
+                <a:ea typeface="Noto Sans Arabic Bold"/>
+                <a:cs typeface="Noto Sans Arabic Bold"/>
+                <a:sym typeface="Noto Sans Arabic Bold"/>
                 <a:rtl val="true"/>
               </a:rPr>
-              <a:t>يوم</a:t>
-            </a:r>
-          </a:p>
-        </p:txBody>
-      </p:sp>
-      <p:sp>
-        <p:nvSpPr>
-          <p:cNvPr name="TextBox 49" id="49"/>
+              <a:t>الجنسية</a:t>
+            </a:r>
+          </a:p>
+        </p:txBody>
+      </p:sp>
+      <p:sp>
+        <p:nvSpPr>
+          <p:cNvPr name="TextBox 51" id="51"/>
           <p:cNvSpPr txBox="true"/>
           <p:nvPr/>
         </p:nvSpPr>
         <p:spPr>
           <a:xfrm rot="0">
-            <a:off x="8578310" y="5838711"/>
-            <a:ext cx="1657893" cy="232410"/>
+            <a:off x="8569328" y="3161424"/>
+            <a:ext cx="1666875" cy="232410"/>
           </a:xfrm>
           <a:prstGeom prst="rect">
             <a:avLst/>
@@ -5076,21 +5160,21 @@
                 <a:sym typeface="Noto Sans Arabic Bold"/>
                 <a:rtl val="true"/>
               </a:rPr>
-              <a:t>الاسم</a:t>
-            </a:r>
-          </a:p>
-        </p:txBody>
-      </p:sp>
-      <p:sp>
-        <p:nvSpPr>
-          <p:cNvPr name="TextBox 50" id="50"/>
+              <a:t>رمز الإجازة</a:t>
+            </a:r>
+          </a:p>
+        </p:txBody>
+      </p:sp>
+      <p:sp>
+        <p:nvSpPr>
+          <p:cNvPr name="TextBox 52" id="52"/>
           <p:cNvSpPr txBox="true"/>
           <p:nvPr/>
         </p:nvSpPr>
         <p:spPr>
           <a:xfrm rot="0">
-            <a:off x="9102976" y="6905768"/>
-            <a:ext cx="628164" cy="273406"/>
+            <a:off x="9020556" y="7439292"/>
+            <a:ext cx="796223" cy="273406"/>
           </a:xfrm>
           <a:prstGeom prst="rect">
             <a:avLst/>
@@ -5118,21 +5202,21 @@
                 <a:sym typeface="Noto Sans Arabic Bold"/>
                 <a:rtl val="true"/>
               </a:rPr>
-              <a:t>الجنسية</a:t>
-            </a:r>
-          </a:p>
-        </p:txBody>
-      </p:sp>
-      <p:sp>
-        <p:nvSpPr>
-          <p:cNvPr name="TextBox 51" id="51"/>
+              <a:t>جهة العمل</a:t>
+            </a:r>
+          </a:p>
+        </p:txBody>
+      </p:sp>
+      <p:sp>
+        <p:nvSpPr>
+          <p:cNvPr name="TextBox 53" id="53"/>
           <p:cNvSpPr txBox="true"/>
           <p:nvPr/>
         </p:nvSpPr>
         <p:spPr>
           <a:xfrm rot="0">
-            <a:off x="8569328" y="3161424"/>
-            <a:ext cx="1666875" cy="232410"/>
+            <a:off x="8578310" y="3704473"/>
+            <a:ext cx="1657893" cy="232410"/>
           </a:xfrm>
           <a:prstGeom prst="rect">
             <a:avLst/>
@@ -5152,7 +5236,7 @@
             <a:r>
               <a:rPr lang="ar-EG" b="true" sz="1350">
                 <a:solidFill>
-                  <a:srgbClr val="366FB5"/>
+                  <a:srgbClr val="FFFFFF"/>
                 </a:solidFill>
                 <a:latin typeface="Noto Sans Arabic Bold"/>
                 <a:ea typeface="Noto Sans Arabic Bold"/>
@@ -5160,21 +5244,21 @@
                 <a:sym typeface="Noto Sans Arabic Bold"/>
                 <a:rtl val="true"/>
               </a:rPr>
-              <a:t>رمز الإجازة</a:t>
-            </a:r>
-          </a:p>
-        </p:txBody>
-      </p:sp>
-      <p:sp>
-        <p:nvSpPr>
-          <p:cNvPr name="TextBox 52" id="52"/>
+              <a:t>مدة الإجازة</a:t>
+            </a:r>
+          </a:p>
+        </p:txBody>
+      </p:sp>
+      <p:sp>
+        <p:nvSpPr>
+          <p:cNvPr name="TextBox 54" id="54"/>
           <p:cNvSpPr txBox="true"/>
           <p:nvPr/>
         </p:nvSpPr>
         <p:spPr>
           <a:xfrm rot="0">
-            <a:off x="9020556" y="7439292"/>
-            <a:ext cx="796223" cy="273406"/>
+            <a:off x="8956291" y="4771530"/>
+            <a:ext cx="927383" cy="273406"/>
           </a:xfrm>
           <a:prstGeom prst="rect">
             <a:avLst/>
@@ -5202,20 +5286,146 @@
                 <a:sym typeface="Noto Sans Arabic Bold"/>
                 <a:rtl val="true"/>
               </a:rPr>
-              <a:t>جهة العمل</a:t>
-            </a:r>
-          </a:p>
-        </p:txBody>
-      </p:sp>
-      <p:sp>
-        <p:nvSpPr>
-          <p:cNvPr name="TextBox 53" id="53"/>
+              <a:t>تاريخ الخروج</a:t>
+            </a:r>
+          </a:p>
+        </p:txBody>
+      </p:sp>
+      <p:sp>
+        <p:nvSpPr>
+          <p:cNvPr name="TextBox 55" id="55"/>
           <p:cNvSpPr txBox="true"/>
           <p:nvPr/>
         </p:nvSpPr>
         <p:spPr>
           <a:xfrm rot="0">
-            <a:off x="8578310" y="3704473"/>
+            <a:off x="8941184" y="4238006"/>
+            <a:ext cx="958158" cy="273406"/>
+          </a:xfrm>
+          <a:prstGeom prst="rect">
+            <a:avLst/>
+          </a:prstGeom>
+        </p:spPr>
+        <p:txBody>
+          <a:bodyPr anchor="t" rtlCol="false" tIns="0" lIns="0" bIns="0" rIns="0">
+            <a:spAutoFit/>
+          </a:bodyPr>
+          <a:lstStyle/>
+          <a:p>
+            <a:pPr algn="l" rtl="true">
+              <a:lnSpc>
+                <a:spcPts val="1889"/>
+              </a:lnSpc>
+            </a:pPr>
+            <a:r>
+              <a:rPr lang="ar-EG" b="true" sz="1350">
+                <a:solidFill>
+                  <a:srgbClr val="366FB5"/>
+                </a:solidFill>
+                <a:latin typeface="Noto Sans Arabic Bold"/>
+                <a:ea typeface="Noto Sans Arabic Bold"/>
+                <a:cs typeface="Noto Sans Arabic Bold"/>
+                <a:sym typeface="Noto Sans Arabic Bold"/>
+                <a:rtl val="true"/>
+              </a:rPr>
+              <a:t>تاريخ الدخول</a:t>
+            </a:r>
+          </a:p>
+        </p:txBody>
+      </p:sp>
+      <p:sp>
+        <p:nvSpPr>
+          <p:cNvPr name="TextBox 56" id="56"/>
+          <p:cNvSpPr txBox="true"/>
+          <p:nvPr/>
+        </p:nvSpPr>
+        <p:spPr>
+          <a:xfrm rot="0">
+            <a:off x="8891397" y="7989075"/>
+            <a:ext cx="1059590" cy="273406"/>
+          </a:xfrm>
+          <a:prstGeom prst="rect">
+            <a:avLst/>
+          </a:prstGeom>
+        </p:spPr>
+        <p:txBody>
+          <a:bodyPr anchor="t" rtlCol="false" tIns="0" lIns="0" bIns="0" rIns="0">
+            <a:spAutoFit/>
+          </a:bodyPr>
+          <a:lstStyle/>
+          <a:p>
+            <a:pPr algn="l" rtl="true">
+              <a:lnSpc>
+                <a:spcPts val="1889"/>
+              </a:lnSpc>
+            </a:pPr>
+            <a:r>
+              <a:rPr lang="ar-EG" b="true" sz="1350">
+                <a:solidFill>
+                  <a:srgbClr val="366FB5"/>
+                </a:solidFill>
+                <a:latin typeface="Noto Sans Arabic Bold"/>
+                <a:ea typeface="Noto Sans Arabic Bold"/>
+                <a:cs typeface="Noto Sans Arabic Bold"/>
+                <a:sym typeface="Noto Sans Arabic Bold"/>
+                <a:rtl val="true"/>
+              </a:rPr>
+              <a:t>اسم الممارس</a:t>
+            </a:r>
+          </a:p>
+        </p:txBody>
+      </p:sp>
+      <p:sp>
+        <p:nvSpPr>
+          <p:cNvPr name="TextBox 57" id="57"/>
+          <p:cNvSpPr txBox="true"/>
+          <p:nvPr/>
+        </p:nvSpPr>
+        <p:spPr>
+          <a:xfrm rot="0">
+            <a:off x="8770877" y="8538734"/>
+            <a:ext cx="1305649" cy="273406"/>
+          </a:xfrm>
+          <a:prstGeom prst="rect">
+            <a:avLst/>
+          </a:prstGeom>
+        </p:spPr>
+        <p:txBody>
+          <a:bodyPr anchor="t" rtlCol="false" tIns="0" lIns="0" bIns="0" rIns="0">
+            <a:spAutoFit/>
+          </a:bodyPr>
+          <a:lstStyle/>
+          <a:p>
+            <a:pPr algn="l" rtl="true">
+              <a:lnSpc>
+                <a:spcPts val="1889"/>
+              </a:lnSpc>
+            </a:pPr>
+            <a:r>
+              <a:rPr lang="ar-EG" b="true" sz="1350">
+                <a:solidFill>
+                  <a:srgbClr val="366FB5"/>
+                </a:solidFill>
+                <a:latin typeface="Noto Sans Arabic Bold"/>
+                <a:ea typeface="Noto Sans Arabic Bold"/>
+                <a:cs typeface="Noto Sans Arabic Bold"/>
+                <a:sym typeface="Noto Sans Arabic Bold"/>
+                <a:rtl val="true"/>
+              </a:rPr>
+              <a:t>المسمى الوظيفى</a:t>
+            </a:r>
+          </a:p>
+        </p:txBody>
+      </p:sp>
+      <p:sp>
+        <p:nvSpPr>
+          <p:cNvPr name="TextBox 58" id="58"/>
+          <p:cNvSpPr txBox="true"/>
+          <p:nvPr/>
+        </p:nvSpPr>
+        <p:spPr>
+          <a:xfrm rot="0">
+            <a:off x="8578310" y="6372235"/>
             <a:ext cx="1657893" cy="232410"/>
           </a:xfrm>
           <a:prstGeom prst="rect">
@@ -5236,7 +5446,7 @@
             <a:r>
               <a:rPr lang="ar-EG" b="true" sz="1350">
                 <a:solidFill>
-                  <a:srgbClr val="FFFFFF"/>
+                  <a:srgbClr val="366FB5"/>
                 </a:solidFill>
                 <a:latin typeface="Noto Sans Arabic Bold"/>
                 <a:ea typeface="Noto Sans Arabic Bold"/>
@@ -5244,21 +5454,21 @@
                 <a:sym typeface="Noto Sans Arabic Bold"/>
                 <a:rtl val="true"/>
               </a:rPr>
-              <a:t>مدة الإجازة</a:t>
-            </a:r>
-          </a:p>
-        </p:txBody>
-      </p:sp>
-      <p:sp>
-        <p:nvSpPr>
-          <p:cNvPr name="TextBox 54" id="54"/>
+              <a:t>رقم الهوية / الاقامة</a:t>
+            </a:r>
+          </a:p>
+        </p:txBody>
+      </p:sp>
+      <p:sp>
+        <p:nvSpPr>
+          <p:cNvPr name="TextBox 59" id="59"/>
           <p:cNvSpPr txBox="true"/>
           <p:nvPr/>
         </p:nvSpPr>
         <p:spPr>
           <a:xfrm rot="0">
-            <a:off x="8956291" y="4771530"/>
-            <a:ext cx="927383" cy="273406"/>
+            <a:off x="8727567" y="5305187"/>
+            <a:ext cx="1393965" cy="273406"/>
           </a:xfrm>
           <a:prstGeom prst="rect">
             <a:avLst/>
@@ -5286,21 +5496,21 @@
                 <a:sym typeface="Noto Sans Arabic Bold"/>
                 <a:rtl val="true"/>
               </a:rPr>
-              <a:t>تاريخ الخروج</a:t>
-            </a:r>
-          </a:p>
-        </p:txBody>
-      </p:sp>
-      <p:sp>
-        <p:nvSpPr>
-          <p:cNvPr name="TextBox 55" id="55"/>
+              <a:t>تاريخ إصدار التقرير</a:t>
+            </a:r>
+          </a:p>
+        </p:txBody>
+      </p:sp>
+      <p:sp>
+        <p:nvSpPr>
+          <p:cNvPr name="TextBox 60" id="60"/>
           <p:cNvSpPr txBox="true"/>
           <p:nvPr/>
         </p:nvSpPr>
         <p:spPr>
           <a:xfrm rot="0">
-            <a:off x="8941184" y="4238006"/>
-            <a:ext cx="958158" cy="273406"/>
+            <a:off x="906018" y="10577798"/>
+            <a:ext cx="4023236" cy="786146"/>
           </a:xfrm>
           <a:prstGeom prst="rect">
             <a:avLst/>
@@ -5312,15 +5522,15 @@
           </a:bodyPr>
           <a:lstStyle/>
           <a:p>
-            <a:pPr algn="l" rtl="true">
+            <a:pPr algn="ctr" rtl="true">
               <a:lnSpc>
-                <a:spcPts val="1889"/>
+                <a:spcPts val="2376"/>
               </a:lnSpc>
             </a:pPr>
             <a:r>
-              <a:rPr lang="ar-EG" b="true" sz="1350">
-                <a:solidFill>
-                  <a:srgbClr val="366FB5"/>
+              <a:rPr lang="ar-EG" b="true" sz="1125">
+                <a:solidFill>
+                  <a:srgbClr val="000000"/>
                 </a:solidFill>
                 <a:latin typeface="Noto Sans Arabic Bold"/>
                 <a:ea typeface="Noto Sans Arabic Bold"/>
@@ -5328,216 +5538,6 @@
                 <a:sym typeface="Noto Sans Arabic Bold"/>
                 <a:rtl val="true"/>
               </a:rPr>
-              <a:t>تاريخ الدخول</a:t>
-            </a:r>
-          </a:p>
-        </p:txBody>
-      </p:sp>
-      <p:sp>
-        <p:nvSpPr>
-          <p:cNvPr name="TextBox 56" id="56"/>
-          <p:cNvSpPr txBox="true"/>
-          <p:nvPr/>
-        </p:nvSpPr>
-        <p:spPr>
-          <a:xfrm rot="0">
-            <a:off x="8891397" y="7989075"/>
-            <a:ext cx="1059590" cy="273406"/>
-          </a:xfrm>
-          <a:prstGeom prst="rect">
-            <a:avLst/>
-          </a:prstGeom>
-        </p:spPr>
-        <p:txBody>
-          <a:bodyPr anchor="t" rtlCol="false" tIns="0" lIns="0" bIns="0" rIns="0">
-            <a:spAutoFit/>
-          </a:bodyPr>
-          <a:lstStyle/>
-          <a:p>
-            <a:pPr algn="l" rtl="true">
-              <a:lnSpc>
-                <a:spcPts val="1889"/>
-              </a:lnSpc>
-            </a:pPr>
-            <a:r>
-              <a:rPr lang="ar-EG" b="true" sz="1350">
-                <a:solidFill>
-                  <a:srgbClr val="366FB5"/>
-                </a:solidFill>
-                <a:latin typeface="Noto Sans Arabic Bold"/>
-                <a:ea typeface="Noto Sans Arabic Bold"/>
-                <a:cs typeface="Noto Sans Arabic Bold"/>
-                <a:sym typeface="Noto Sans Arabic Bold"/>
-                <a:rtl val="true"/>
-              </a:rPr>
-              <a:t>اسم الممارس</a:t>
-            </a:r>
-          </a:p>
-        </p:txBody>
-      </p:sp>
-      <p:sp>
-        <p:nvSpPr>
-          <p:cNvPr name="TextBox 57" id="57"/>
-          <p:cNvSpPr txBox="true"/>
-          <p:nvPr/>
-        </p:nvSpPr>
-        <p:spPr>
-          <a:xfrm rot="0">
-            <a:off x="8770877" y="8538734"/>
-            <a:ext cx="1305649" cy="273406"/>
-          </a:xfrm>
-          <a:prstGeom prst="rect">
-            <a:avLst/>
-          </a:prstGeom>
-        </p:spPr>
-        <p:txBody>
-          <a:bodyPr anchor="t" rtlCol="false" tIns="0" lIns="0" bIns="0" rIns="0">
-            <a:spAutoFit/>
-          </a:bodyPr>
-          <a:lstStyle/>
-          <a:p>
-            <a:pPr algn="l" rtl="true">
-              <a:lnSpc>
-                <a:spcPts val="1889"/>
-              </a:lnSpc>
-            </a:pPr>
-            <a:r>
-              <a:rPr lang="ar-EG" b="true" sz="1350">
-                <a:solidFill>
-                  <a:srgbClr val="366FB5"/>
-                </a:solidFill>
-                <a:latin typeface="Noto Sans Arabic Bold"/>
-                <a:ea typeface="Noto Sans Arabic Bold"/>
-                <a:cs typeface="Noto Sans Arabic Bold"/>
-                <a:sym typeface="Noto Sans Arabic Bold"/>
-                <a:rtl val="true"/>
-              </a:rPr>
-              <a:t>المسمى الوظيفى</a:t>
-            </a:r>
-          </a:p>
-        </p:txBody>
-      </p:sp>
-      <p:sp>
-        <p:nvSpPr>
-          <p:cNvPr name="TextBox 58" id="58"/>
-          <p:cNvSpPr txBox="true"/>
-          <p:nvPr/>
-        </p:nvSpPr>
-        <p:spPr>
-          <a:xfrm rot="0">
-            <a:off x="8578310" y="6372235"/>
-            <a:ext cx="1657893" cy="232410"/>
-          </a:xfrm>
-          <a:prstGeom prst="rect">
-            <a:avLst/>
-          </a:prstGeom>
-        </p:spPr>
-        <p:txBody>
-          <a:bodyPr anchor="t" rtlCol="false" tIns="0" lIns="0" bIns="0" rIns="0">
-            <a:spAutoFit/>
-          </a:bodyPr>
-          <a:lstStyle/>
-          <a:p>
-            <a:pPr algn="ctr" rtl="true">
-              <a:lnSpc>
-                <a:spcPts val="1889"/>
-              </a:lnSpc>
-            </a:pPr>
-            <a:r>
-              <a:rPr lang="ar-EG" b="true" sz="1350">
-                <a:solidFill>
-                  <a:srgbClr val="366FB5"/>
-                </a:solidFill>
-                <a:latin typeface="Noto Sans Arabic Bold"/>
-                <a:ea typeface="Noto Sans Arabic Bold"/>
-                <a:cs typeface="Noto Sans Arabic Bold"/>
-                <a:sym typeface="Noto Sans Arabic Bold"/>
-                <a:rtl val="true"/>
-              </a:rPr>
-              <a:t>رقم الهوية / الاقامة</a:t>
-            </a:r>
-          </a:p>
-        </p:txBody>
-      </p:sp>
-      <p:sp>
-        <p:nvSpPr>
-          <p:cNvPr name="TextBox 59" id="59"/>
-          <p:cNvSpPr txBox="true"/>
-          <p:nvPr/>
-        </p:nvSpPr>
-        <p:spPr>
-          <a:xfrm rot="0">
-            <a:off x="8727567" y="5305187"/>
-            <a:ext cx="1393965" cy="273406"/>
-          </a:xfrm>
-          <a:prstGeom prst="rect">
-            <a:avLst/>
-          </a:prstGeom>
-        </p:spPr>
-        <p:txBody>
-          <a:bodyPr anchor="t" rtlCol="false" tIns="0" lIns="0" bIns="0" rIns="0">
-            <a:spAutoFit/>
-          </a:bodyPr>
-          <a:lstStyle/>
-          <a:p>
-            <a:pPr algn="l" rtl="true">
-              <a:lnSpc>
-                <a:spcPts val="1889"/>
-              </a:lnSpc>
-            </a:pPr>
-            <a:r>
-              <a:rPr lang="ar-EG" b="true" sz="1350">
-                <a:solidFill>
-                  <a:srgbClr val="366FB5"/>
-                </a:solidFill>
-                <a:latin typeface="Noto Sans Arabic Bold"/>
-                <a:ea typeface="Noto Sans Arabic Bold"/>
-                <a:cs typeface="Noto Sans Arabic Bold"/>
-                <a:sym typeface="Noto Sans Arabic Bold"/>
-                <a:rtl val="true"/>
-              </a:rPr>
-              <a:t>تاريخ إصدار التقرير</a:t>
-            </a:r>
-          </a:p>
-        </p:txBody>
-      </p:sp>
-      <p:sp>
-        <p:nvSpPr>
-          <p:cNvPr name="TextBox 60" id="60"/>
-          <p:cNvSpPr txBox="true"/>
-          <p:nvPr/>
-        </p:nvSpPr>
-        <p:spPr>
-          <a:xfrm rot="0">
-            <a:off x="906018" y="10577798"/>
-            <a:ext cx="4023236" cy="786146"/>
-          </a:xfrm>
-          <a:prstGeom prst="rect">
-            <a:avLst/>
-          </a:prstGeom>
-        </p:spPr>
-        <p:txBody>
-          <a:bodyPr anchor="t" rtlCol="false" tIns="0" lIns="0" bIns="0" rIns="0">
-            <a:spAutoFit/>
-          </a:bodyPr>
-          <a:lstStyle/>
-          <a:p>
-            <a:pPr algn="ctr" rtl="true">
-              <a:lnSpc>
-                <a:spcPts val="2376"/>
-              </a:lnSpc>
-            </a:pPr>
-            <a:r>
-              <a:rPr lang="ar-EG" b="true" sz="1125">
-                <a:solidFill>
-                  <a:srgbClr val="000000"/>
-                </a:solidFill>
-                <a:latin typeface="Noto Sans Arabic Bold"/>
-                <a:ea typeface="Noto Sans Arabic Bold"/>
-                <a:cs typeface="Noto Sans Arabic Bold"/>
-                <a:sym typeface="Noto Sans Arabic Bold"/>
-                <a:rtl val="true"/>
-              </a:rPr>
               <a:t>للتحقق من بيانات التقرير يرجى التأكد من زيارة موقع منصة صحة الرسمي </a:t>
             </a:r>
           </a:p>
@@ -5570,7 +5570,7 @@
         </p:nvSpPr>
         <p:spPr>
           <a:xfrm rot="0">
-            <a:off x="1619560" y="11569036"/>
+            <a:off x="1619560" y="11440144"/>
             <a:ext cx="2592271" cy="169069"/>
           </a:xfrm>
           <a:prstGeom prst="rect">

--- a/public/templates/report_template.pptx
+++ b/public/templates/report_template.pptx
@@ -4134,7 +4134,7 @@
                 <a:cs typeface="Open Sans"/>
                 <a:sym typeface="Open Sans"/>
               </a:rPr>
-              <a:t>{{ENTRY_DATE_HIJRI}}</a:t>
+              <a:t>{{ENTRY_DATE_GREGORIAN}}</a:t>
             </a:r>
           </a:p>
         </p:txBody>
@@ -5761,7 +5761,7 @@
         </p:nvSpPr>
         <p:spPr>
           <a:xfrm rot="0">
-            <a:off x="476250" y="11553968"/>
+            <a:off x="476250" y="11771138"/>
             <a:ext cx="2130288" cy="322421"/>
           </a:xfrm>
           <a:prstGeom prst="rect">
@@ -5814,59 +5814,6 @@
         </p:nvSpPr>
         <p:spPr>
           <a:xfrm rot="0">
-            <a:off x="2521219" y="7972177"/>
-            <a:ext cx="3045297" cy="241935"/>
-          </a:xfrm>
-          <a:prstGeom prst="rect">
-            <a:avLst/>
-          </a:prstGeom>
-        </p:spPr>
-        <p:txBody>
-          <a:bodyPr anchor="t" rtlCol="false" tIns="0" lIns="0" bIns="0" rIns="0">
-            <a:spAutoFit/>
-          </a:bodyPr>
-          <a:lstStyle/>
-          <a:p>
-            <a:pPr algn="ctr">
-              <a:lnSpc>
-                <a:spcPts val="1889"/>
-              </a:lnSpc>
-            </a:pPr>
-            <a:r>
-              <a:rPr lang="en-US" sz="1350" spc="-4">
-                <a:solidFill>
-                  <a:srgbClr val="2C3E77"/>
-                </a:solidFill>
-                <a:latin typeface="Times New Roman"/>
-                <a:ea typeface="Times New Roman"/>
-                <a:cs typeface="Times New Roman"/>
-                <a:sym typeface="Times New Roman"/>
-              </a:rPr>
-              <a:t>{{DOCTOR_N</a:t>
-            </a:r>
-            <a:r>
-              <a:rPr lang="en-US" sz="1350" spc="-4">
-                <a:solidFill>
-                  <a:srgbClr val="2C3E77"/>
-                </a:solidFill>
-                <a:latin typeface="Times New Roman"/>
-                <a:ea typeface="Times New Roman"/>
-                <a:cs typeface="Times New Roman"/>
-                <a:sym typeface="Times New Roman"/>
-              </a:rPr>
-              <a:t>AME_EN}}</a:t>
-            </a:r>
-          </a:p>
-        </p:txBody>
-      </p:sp>
-      <p:sp>
-        <p:nvSpPr>
-          <p:cNvPr name="TextBox 67" id="67"/>
-          <p:cNvSpPr txBox="true"/>
-          <p:nvPr/>
-        </p:nvSpPr>
-        <p:spPr>
-          <a:xfrm rot="0">
             <a:off x="4291884" y="2301223"/>
             <a:ext cx="2255358" cy="333578"/>
           </a:xfrm>
@@ -5902,7 +5849,7 @@
       </p:sp>
       <p:sp>
         <p:nvSpPr>
-          <p:cNvPr name="TextBox 68" id="68"/>
+          <p:cNvPr name="TextBox 67" id="67"/>
           <p:cNvSpPr txBox="true"/>
           <p:nvPr/>
         </p:nvSpPr>
@@ -5955,13 +5902,13 @@
       </p:sp>
       <p:sp>
         <p:nvSpPr>
-          <p:cNvPr name="TextBox 69" id="69"/>
+          <p:cNvPr name="TextBox 68" id="68"/>
           <p:cNvSpPr txBox="true"/>
           <p:nvPr/>
         </p:nvSpPr>
         <p:spPr>
           <a:xfrm rot="0">
-            <a:off x="476250" y="11904964"/>
+            <a:off x="476250" y="12076414"/>
             <a:ext cx="2913563" cy="322421"/>
           </a:xfrm>
           <a:prstGeom prst="rect">
@@ -5996,7 +5943,7 @@
       </p:sp>
       <p:sp>
         <p:nvSpPr>
-          <p:cNvPr name="Freeform 70" id="70"/>
+          <p:cNvPr name="Freeform 69" id="69"/>
           <p:cNvSpPr/>
           <p:nvPr/>
         </p:nvSpPr>
@@ -6042,7 +5989,7 @@
       </p:sp>
       <p:sp>
         <p:nvSpPr>
-          <p:cNvPr name="TextBox 71" id="71"/>
+          <p:cNvPr name="TextBox 70" id="70"/>
           <p:cNvSpPr txBox="true"/>
           <p:nvPr/>
         </p:nvSpPr>
@@ -6083,7 +6030,7 @@
       </p:sp>
       <p:sp>
         <p:nvSpPr>
-          <p:cNvPr name="TextBox 72" id="72"/>
+          <p:cNvPr name="TextBox 71" id="71"/>
           <p:cNvSpPr txBox="true"/>
           <p:nvPr/>
         </p:nvSpPr>
@@ -6124,7 +6071,7 @@
       </p:sp>
       <p:sp>
         <p:nvSpPr>
-          <p:cNvPr name="TextBox 73" id="73"/>
+          <p:cNvPr name="TextBox 72" id="72"/>
           <p:cNvSpPr txBox="true"/>
           <p:nvPr/>
         </p:nvSpPr>
@@ -6165,7 +6112,7 @@
       </p:sp>
       <p:sp>
         <p:nvSpPr>
-          <p:cNvPr name="TextBox 74" id="74"/>
+          <p:cNvPr name="TextBox 73" id="73"/>
           <p:cNvSpPr txBox="true"/>
           <p:nvPr/>
         </p:nvSpPr>
@@ -6206,7 +6153,7 @@
       </p:sp>
       <p:sp>
         <p:nvSpPr>
-          <p:cNvPr name="TextBox 75" id="75"/>
+          <p:cNvPr name="TextBox 74" id="74"/>
           <p:cNvSpPr txBox="true"/>
           <p:nvPr/>
         </p:nvSpPr>
@@ -6247,7 +6194,7 @@
       </p:sp>
       <p:sp>
         <p:nvSpPr>
-          <p:cNvPr name="TextBox 76" id="76"/>
+          <p:cNvPr name="TextBox 75" id="75"/>
           <p:cNvSpPr txBox="true"/>
           <p:nvPr/>
         </p:nvSpPr>
@@ -6288,7 +6235,7 @@
       </p:sp>
       <p:sp>
         <p:nvSpPr>
-          <p:cNvPr name="TextBox 77" id="77"/>
+          <p:cNvPr name="TextBox 76" id="76"/>
           <p:cNvSpPr txBox="true"/>
           <p:nvPr/>
         </p:nvSpPr>
@@ -6329,7 +6276,7 @@
       </p:sp>
       <p:sp>
         <p:nvSpPr>
-          <p:cNvPr name="TextBox 78" id="78"/>
+          <p:cNvPr name="TextBox 77" id="77"/>
           <p:cNvSpPr txBox="true"/>
           <p:nvPr/>
         </p:nvSpPr>
@@ -6364,6 +6311,47 @@
                 <a:sym typeface="Times New Roman"/>
               </a:rPr>
               <a:t>{{EXIT_DATE_GREGORIAN}}</a:t>
+            </a:r>
+          </a:p>
+        </p:txBody>
+      </p:sp>
+      <p:sp>
+        <p:nvSpPr>
+          <p:cNvPr name="TextBox 78" id="78"/>
+          <p:cNvSpPr txBox="true"/>
+          <p:nvPr/>
+        </p:nvSpPr>
+        <p:spPr>
+          <a:xfrm rot="0">
+            <a:off x="2545871" y="7804290"/>
+            <a:ext cx="3023083" cy="386715"/>
+          </a:xfrm>
+          <a:prstGeom prst="rect">
+            <a:avLst/>
+          </a:prstGeom>
+        </p:spPr>
+        <p:txBody>
+          <a:bodyPr anchor="t" rtlCol="false" tIns="0" lIns="0" bIns="0" rIns="0">
+            <a:spAutoFit/>
+          </a:bodyPr>
+          <a:lstStyle/>
+          <a:p>
+            <a:pPr algn="ctr">
+              <a:lnSpc>
+                <a:spcPts val="3375"/>
+              </a:lnSpc>
+            </a:pPr>
+            <a:r>
+              <a:rPr lang="en-US" sz="1350" spc="-4">
+                <a:solidFill>
+                  <a:srgbClr val="2C3E77"/>
+                </a:solidFill>
+                <a:latin typeface="Times New Roman"/>
+                <a:ea typeface="Times New Roman"/>
+                <a:cs typeface="Times New Roman"/>
+                <a:sym typeface="Times New Roman"/>
+              </a:rPr>
+              <a:t>{{DOCTOR_NAME_EN}}</a:t>
             </a:r>
           </a:p>
         </p:txBody>
